--- a/poster/poster.pptx
+++ b/poster/poster.pptx
@@ -2,7 +2,7 @@
 <file path=ppt/presentation.xml><?xml version="1.0" encoding="utf-8"?>
 <p:presentation xmlns:a="http://schemas.openxmlformats.org/drawingml/2006/main" xmlns:r="http://schemas.openxmlformats.org/officeDocument/2006/relationships" xmlns:p="http://schemas.openxmlformats.org/presentationml/2006/main" saveSubsetFonts="1" autoCompressPictures="0">
   <p:sldMasterIdLst>
-    <p:sldMasterId id="2147483660" r:id="rId1"/>
+    <p:sldMasterId id="2147483672" r:id="rId1"/>
   </p:sldMasterIdLst>
   <p:notesMasterIdLst>
     <p:notesMasterId r:id="rId3"/>
@@ -107,6 +107,11 @@
       </a:defRPr>
     </a:lvl9pPr>
   </p:defaultTextStyle>
+  <p:extLst>
+    <p:ext uri="{EFAFB233-063F-42B5-8137-9DF3F51BA10A}">
+      <p15:sldGuideLst xmlns:p15="http://schemas.microsoft.com/office/powerpoint/2012/main"/>
+    </p:ext>
+  </p:extLst>
 </p:presentation>
 </file>
 
@@ -192,7 +197,7 @@
           <a:p>
             <a:fld id="{82A4F5B2-628C-AD47-AC61-4B2157D02BF7}" type="datetimeFigureOut">
               <a:rPr lang="en-US" smtClean="0"/>
-              <a:t>4/20/16</a:t>
+              <a:t>4/21/2016</a:t>
             </a:fld>
             <a:endParaRPr lang="en-US"/>
           </a:p>
@@ -545,7 +550,7 @@
 </file>
 
 <file path=ppt/slideLayouts/slideLayout1.xml><?xml version="1.0" encoding="utf-8"?>
-<p:sldLayout xmlns:a="http://schemas.openxmlformats.org/drawingml/2006/main" xmlns:r="http://schemas.openxmlformats.org/officeDocument/2006/relationships" xmlns:p="http://schemas.openxmlformats.org/presentationml/2006/main" type="title" preserve="1">
+<p:sldLayout xmlns:a="http://schemas.openxmlformats.org/drawingml/2006/main" xmlns:r="http://schemas.openxmlformats.org/officeDocument/2006/relationships" xmlns:p="http://schemas.openxmlformats.org/presentationml/2006/main" showMasterSp="0" type="title" preserve="1">
   <p:cSld name="Title Slide">
     <p:spTree>
       <p:nvGrpSpPr>
@@ -563,6 +568,82 @@
       </p:grpSpPr>
       <p:sp>
         <p:nvSpPr>
+          <p:cNvPr id="7" name="Rectangle 6"/>
+          <p:cNvSpPr/>
+          <p:nvPr/>
+        </p:nvSpPr>
+        <p:spPr>
+          <a:xfrm>
+            <a:off x="4765" y="25603200"/>
+            <a:ext cx="18283238" cy="1828800"/>
+          </a:xfrm>
+          <a:prstGeom prst="rect">
+            <a:avLst/>
+          </a:prstGeom>
+          <a:solidFill>
+            <a:schemeClr val="accent2"/>
+          </a:solidFill>
+          <a:ln>
+            <a:noFill/>
+          </a:ln>
+        </p:spPr>
+        <p:style>
+          <a:lnRef idx="2">
+            <a:schemeClr val="accent1">
+              <a:shade val="50000"/>
+            </a:schemeClr>
+          </a:lnRef>
+          <a:fillRef idx="1">
+            <a:schemeClr val="accent1"/>
+          </a:fillRef>
+          <a:effectRef idx="0">
+            <a:schemeClr val="accent1"/>
+          </a:effectRef>
+          <a:fontRef idx="minor">
+            <a:schemeClr val="lt1"/>
+          </a:fontRef>
+        </p:style>
+      </p:sp>
+      <p:sp>
+        <p:nvSpPr>
+          <p:cNvPr id="8" name="Rectangle 7"/>
+          <p:cNvSpPr/>
+          <p:nvPr/>
+        </p:nvSpPr>
+        <p:spPr>
+          <a:xfrm>
+            <a:off x="25" y="25337264"/>
+            <a:ext cx="18283238" cy="256032"/>
+          </a:xfrm>
+          <a:prstGeom prst="rect">
+            <a:avLst/>
+          </a:prstGeom>
+          <a:solidFill>
+            <a:schemeClr val="accent1"/>
+          </a:solidFill>
+          <a:ln>
+            <a:noFill/>
+          </a:ln>
+        </p:spPr>
+        <p:style>
+          <a:lnRef idx="2">
+            <a:schemeClr val="accent1">
+              <a:shade val="50000"/>
+            </a:schemeClr>
+          </a:lnRef>
+          <a:fillRef idx="1">
+            <a:schemeClr val="accent1"/>
+          </a:fillRef>
+          <a:effectRef idx="0">
+            <a:schemeClr val="accent1"/>
+          </a:effectRef>
+          <a:fontRef idx="minor">
+            <a:schemeClr val="lt1"/>
+          </a:fontRef>
+        </p:style>
+      </p:sp>
+      <p:sp>
+        <p:nvSpPr>
           <p:cNvPr id="2" name="Title 1"/>
           <p:cNvSpPr>
             <a:spLocks noGrp="1"/>
@@ -573,15 +654,27 @@
         </p:nvSpPr>
         <p:spPr>
           <a:xfrm>
-            <a:off x="1371600" y="4489452"/>
-            <a:ext cx="15544800" cy="9550400"/>
-          </a:xfrm>
-        </p:spPr>
-        <p:txBody>
-          <a:bodyPr anchor="b"/>
+            <a:off x="1645920" y="3035808"/>
+            <a:ext cx="15087600" cy="14264640"/>
+          </a:xfrm>
+        </p:spPr>
+        <p:txBody>
+          <a:bodyPr anchor="b">
+            <a:normAutofit/>
+          </a:bodyPr>
           <a:lstStyle>
-            <a:lvl1pPr algn="ctr">
-              <a:defRPr sz="12000"/>
+            <a:lvl1pPr algn="l">
+              <a:lnSpc>
+                <a:spcPct val="85000"/>
+              </a:lnSpc>
+              <a:defRPr sz="16000" spc="-100" baseline="0">
+                <a:solidFill>
+                  <a:schemeClr val="tx1">
+                    <a:lumMod val="85000"/>
+                    <a:lumOff val="15000"/>
+                  </a:schemeClr>
+                </a:solidFill>
+              </a:defRPr>
             </a:lvl1pPr>
           </a:lstStyle>
           <a:p>
@@ -605,48 +698,55 @@
         </p:nvSpPr>
         <p:spPr>
           <a:xfrm>
-            <a:off x="2286000" y="14408152"/>
-            <a:ext cx="13716000" cy="6623048"/>
-          </a:xfrm>
-        </p:spPr>
-        <p:txBody>
-          <a:bodyPr/>
+            <a:off x="1650076" y="17822484"/>
+            <a:ext cx="15087600" cy="4572000"/>
+          </a:xfrm>
+        </p:spPr>
+        <p:txBody>
+          <a:bodyPr lIns="91440" rIns="91440">
+            <a:normAutofit/>
+          </a:bodyPr>
           <a:lstStyle>
-            <a:lvl1pPr marL="0" indent="0" algn="ctr">
-              <a:buNone/>
-              <a:defRPr sz="4800"/>
+            <a:lvl1pPr marL="0" indent="0" algn="l">
+              <a:buNone/>
+              <a:defRPr sz="4800" cap="all" spc="400" baseline="0">
+                <a:solidFill>
+                  <a:schemeClr val="tx2"/>
+                </a:solidFill>
+                <a:latin typeface="+mj-lt"/>
+              </a:defRPr>
             </a:lvl1pPr>
             <a:lvl2pPr marL="914400" indent="0" algn="ctr">
               <a:buNone/>
-              <a:defRPr sz="4000"/>
+              <a:defRPr sz="4800"/>
             </a:lvl2pPr>
             <a:lvl3pPr marL="1828800" indent="0" algn="ctr">
               <a:buNone/>
-              <a:defRPr sz="3600"/>
+              <a:defRPr sz="4800"/>
             </a:lvl3pPr>
             <a:lvl4pPr marL="2743200" indent="0" algn="ctr">
               <a:buNone/>
-              <a:defRPr sz="3200"/>
+              <a:defRPr sz="4000"/>
             </a:lvl4pPr>
             <a:lvl5pPr marL="3657600" indent="0" algn="ctr">
               <a:buNone/>
-              <a:defRPr sz="3200"/>
+              <a:defRPr sz="4000"/>
             </a:lvl5pPr>
             <a:lvl6pPr marL="4572000" indent="0" algn="ctr">
               <a:buNone/>
-              <a:defRPr sz="3200"/>
+              <a:defRPr sz="4000"/>
             </a:lvl6pPr>
             <a:lvl7pPr marL="5486400" indent="0" algn="ctr">
               <a:buNone/>
-              <a:defRPr sz="3200"/>
+              <a:defRPr sz="4000"/>
             </a:lvl7pPr>
             <a:lvl8pPr marL="6400800" indent="0" algn="ctr">
               <a:buNone/>
-              <a:defRPr sz="3200"/>
+              <a:defRPr sz="4000"/>
             </a:lvl8pPr>
             <a:lvl9pPr marL="7315200" indent="0" algn="ctr">
               <a:buNone/>
-              <a:defRPr sz="3200"/>
+              <a:defRPr sz="4000"/>
             </a:lvl9pPr>
           </a:lstStyle>
           <a:p>
@@ -675,7 +775,7 @@
           <a:p>
             <a:fld id="{7B1138D3-01E9-BE4F-8B6D-32D27699DBB9}" type="datetimeFigureOut">
               <a:rPr lang="en-US" smtClean="0"/>
-              <a:t>4/20/16</a:t>
+              <a:t>4/21/2016</a:t>
             </a:fld>
             <a:endParaRPr lang="en-US"/>
           </a:p>
@@ -723,10 +823,48 @@
           </a:p>
         </p:txBody>
       </p:sp>
+      <p:cxnSp>
+        <p:nvCxnSpPr>
+          <p:cNvPr id="9" name="Straight Connector 8"/>
+          <p:cNvCxnSpPr/>
+          <p:nvPr/>
+        </p:nvCxnSpPr>
+        <p:spPr>
+          <a:xfrm>
+            <a:off x="1811488" y="17373600"/>
+            <a:ext cx="14813280" cy="0"/>
+          </a:xfrm>
+          <a:prstGeom prst="line">
+            <a:avLst/>
+          </a:prstGeom>
+          <a:ln w="6350">
+            <a:solidFill>
+              <a:schemeClr val="tx1">
+                <a:lumMod val="50000"/>
+                <a:lumOff val="50000"/>
+              </a:schemeClr>
+            </a:solidFill>
+          </a:ln>
+        </p:spPr>
+        <p:style>
+          <a:lnRef idx="1">
+            <a:schemeClr val="accent1"/>
+          </a:lnRef>
+          <a:fillRef idx="0">
+            <a:schemeClr val="accent1"/>
+          </a:fillRef>
+          <a:effectRef idx="0">
+            <a:schemeClr val="accent1"/>
+          </a:effectRef>
+          <a:fontRef idx="minor">
+            <a:schemeClr val="tx1"/>
+          </a:fontRef>
+        </p:style>
+      </p:cxnSp>
     </p:spTree>
     <p:extLst>
       <p:ext uri="{BB962C8B-B14F-4D97-AF65-F5344CB8AC3E}">
-        <p14:creationId xmlns:p14="http://schemas.microsoft.com/office/powerpoint/2010/main" val="2084981284"/>
+        <p14:creationId xmlns:p14="http://schemas.microsoft.com/office/powerpoint/2010/main" val="291558757"/>
       </p:ext>
     </p:extLst>
   </p:cSld>
@@ -788,7 +926,7 @@
         </p:nvSpPr>
         <p:spPr/>
         <p:txBody>
-          <a:bodyPr vert="eaVert"/>
+          <a:bodyPr vert="eaVert" lIns="45720" tIns="0" rIns="45720" bIns="0"/>
           <a:lstStyle/>
           <a:p>
             <a:pPr lvl="0"/>
@@ -845,7 +983,7 @@
           <a:p>
             <a:fld id="{7B1138D3-01E9-BE4F-8B6D-32D27699DBB9}" type="datetimeFigureOut">
               <a:rPr lang="en-US" smtClean="0"/>
-              <a:t>4/20/16</a:t>
+              <a:t>4/21/2016</a:t>
             </a:fld>
             <a:endParaRPr lang="en-US"/>
           </a:p>
@@ -896,7 +1034,7 @@
     </p:spTree>
     <p:extLst>
       <p:ext uri="{BB962C8B-B14F-4D97-AF65-F5344CB8AC3E}">
-        <p14:creationId xmlns:p14="http://schemas.microsoft.com/office/powerpoint/2010/main" val="983128208"/>
+        <p14:creationId xmlns:p14="http://schemas.microsoft.com/office/powerpoint/2010/main" val="2970839832"/>
       </p:ext>
     </p:extLst>
   </p:cSld>
@@ -907,7 +1045,7 @@
 </file>
 
 <file path=ppt/slideLayouts/slideLayout11.xml><?xml version="1.0" encoding="utf-8"?>
-<p:sldLayout xmlns:a="http://schemas.openxmlformats.org/drawingml/2006/main" xmlns:r="http://schemas.openxmlformats.org/officeDocument/2006/relationships" xmlns:p="http://schemas.openxmlformats.org/presentationml/2006/main" type="vertTitleAndTx" preserve="1">
+<p:sldLayout xmlns:a="http://schemas.openxmlformats.org/drawingml/2006/main" xmlns:r="http://schemas.openxmlformats.org/officeDocument/2006/relationships" xmlns:p="http://schemas.openxmlformats.org/presentationml/2006/main" showMasterSp="0" type="vertTitleAndTx" preserve="1">
   <p:cSld name="Vertical Title and Text">
     <p:spTree>
       <p:nvGrpSpPr>
@@ -925,6 +1063,82 @@
       </p:grpSpPr>
       <p:sp>
         <p:nvSpPr>
+          <p:cNvPr id="7" name="Rectangle 6"/>
+          <p:cNvSpPr/>
+          <p:nvPr/>
+        </p:nvSpPr>
+        <p:spPr>
+          <a:xfrm>
+            <a:off x="4765" y="25603200"/>
+            <a:ext cx="18283238" cy="1828800"/>
+          </a:xfrm>
+          <a:prstGeom prst="rect">
+            <a:avLst/>
+          </a:prstGeom>
+          <a:solidFill>
+            <a:schemeClr val="accent2"/>
+          </a:solidFill>
+          <a:ln>
+            <a:noFill/>
+          </a:ln>
+        </p:spPr>
+        <p:style>
+          <a:lnRef idx="2">
+            <a:schemeClr val="accent1">
+              <a:shade val="50000"/>
+            </a:schemeClr>
+          </a:lnRef>
+          <a:fillRef idx="1">
+            <a:schemeClr val="accent1"/>
+          </a:fillRef>
+          <a:effectRef idx="0">
+            <a:schemeClr val="accent1"/>
+          </a:effectRef>
+          <a:fontRef idx="minor">
+            <a:schemeClr val="lt1"/>
+          </a:fontRef>
+        </p:style>
+      </p:sp>
+      <p:sp>
+        <p:nvSpPr>
+          <p:cNvPr id="8" name="Rectangle 7"/>
+          <p:cNvSpPr/>
+          <p:nvPr/>
+        </p:nvSpPr>
+        <p:spPr>
+          <a:xfrm>
+            <a:off x="25" y="25337264"/>
+            <a:ext cx="18283238" cy="256032"/>
+          </a:xfrm>
+          <a:prstGeom prst="rect">
+            <a:avLst/>
+          </a:prstGeom>
+          <a:solidFill>
+            <a:schemeClr val="accent1"/>
+          </a:solidFill>
+          <a:ln>
+            <a:noFill/>
+          </a:ln>
+        </p:spPr>
+        <p:style>
+          <a:lnRef idx="2">
+            <a:schemeClr val="accent1">
+              <a:shade val="50000"/>
+            </a:schemeClr>
+          </a:lnRef>
+          <a:fillRef idx="1">
+            <a:schemeClr val="accent1"/>
+          </a:fillRef>
+          <a:effectRef idx="0">
+            <a:schemeClr val="accent1"/>
+          </a:effectRef>
+          <a:fontRef idx="minor">
+            <a:schemeClr val="lt1"/>
+          </a:fontRef>
+        </p:style>
+      </p:sp>
+      <p:sp>
+        <p:nvSpPr>
           <p:cNvPr id="2" name="Vertical Title 1"/>
           <p:cNvSpPr>
             <a:spLocks noGrp="1"/>
@@ -935,8 +1149,8 @@
         </p:nvSpPr>
         <p:spPr>
           <a:xfrm>
-            <a:off x="13087351" y="1460500"/>
-            <a:ext cx="3943350" cy="23247352"/>
+            <a:off x="13087351" y="1659118"/>
+            <a:ext cx="3943350" cy="23029684"/>
           </a:xfrm>
         </p:spPr>
         <p:txBody>
@@ -963,12 +1177,12 @@
         </p:nvSpPr>
         <p:spPr>
           <a:xfrm>
-            <a:off x="1257301" y="1460500"/>
-            <a:ext cx="11601450" cy="23247352"/>
-          </a:xfrm>
-        </p:spPr>
-        <p:txBody>
-          <a:bodyPr vert="eaVert"/>
+            <a:off x="1257301" y="1659116"/>
+            <a:ext cx="11601450" cy="23029680"/>
+          </a:xfrm>
+        </p:spPr>
+        <p:txBody>
+          <a:bodyPr vert="eaVert" lIns="45720" tIns="0" rIns="45720" bIns="0"/>
           <a:lstStyle/>
           <a:p>
             <a:pPr lvl="0"/>
@@ -1025,7 +1239,7 @@
           <a:p>
             <a:fld id="{7B1138D3-01E9-BE4F-8B6D-32D27699DBB9}" type="datetimeFigureOut">
               <a:rPr lang="en-US" smtClean="0"/>
-              <a:t>4/20/16</a:t>
+              <a:t>4/21/2016</a:t>
             </a:fld>
             <a:endParaRPr lang="en-US"/>
           </a:p>
@@ -1076,7 +1290,7 @@
     </p:spTree>
     <p:extLst>
       <p:ext uri="{BB962C8B-B14F-4D97-AF65-F5344CB8AC3E}">
-        <p14:creationId xmlns:p14="http://schemas.microsoft.com/office/powerpoint/2010/main" val="696611838"/>
+        <p14:creationId xmlns:p14="http://schemas.microsoft.com/office/powerpoint/2010/main" val="2081249967"/>
       </p:ext>
     </p:extLst>
   </p:cSld>
@@ -1195,7 +1409,7 @@
           <a:p>
             <a:fld id="{7B1138D3-01E9-BE4F-8B6D-32D27699DBB9}" type="datetimeFigureOut">
               <a:rPr lang="en-US" smtClean="0"/>
-              <a:t>4/20/16</a:t>
+              <a:t>4/21/2016</a:t>
             </a:fld>
             <a:endParaRPr lang="en-US"/>
           </a:p>
@@ -1246,7 +1460,7 @@
     </p:spTree>
     <p:extLst>
       <p:ext uri="{BB962C8B-B14F-4D97-AF65-F5344CB8AC3E}">
-        <p14:creationId xmlns:p14="http://schemas.microsoft.com/office/powerpoint/2010/main" val="1789772089"/>
+        <p14:creationId xmlns:p14="http://schemas.microsoft.com/office/powerpoint/2010/main" val="3062372995"/>
       </p:ext>
     </p:extLst>
   </p:cSld>
@@ -1257,8 +1471,16 @@
 </file>
 
 <file path=ppt/slideLayouts/slideLayout3.xml><?xml version="1.0" encoding="utf-8"?>
-<p:sldLayout xmlns:a="http://schemas.openxmlformats.org/drawingml/2006/main" xmlns:r="http://schemas.openxmlformats.org/officeDocument/2006/relationships" xmlns:p="http://schemas.openxmlformats.org/presentationml/2006/main" type="secHead" preserve="1">
+<p:sldLayout xmlns:a="http://schemas.openxmlformats.org/drawingml/2006/main" xmlns:r="http://schemas.openxmlformats.org/officeDocument/2006/relationships" xmlns:p="http://schemas.openxmlformats.org/presentationml/2006/main" showMasterSp="0" type="secHead" preserve="1">
   <p:cSld name="Section Header">
+    <p:bg>
+      <p:bgPr>
+        <a:solidFill>
+          <a:schemeClr val="bg1"/>
+        </a:solidFill>
+        <a:effectLst/>
+      </p:bgPr>
+    </p:bg>
     <p:spTree>
       <p:nvGrpSpPr>
         <p:cNvPr id="1" name=""/>
@@ -1275,6 +1497,82 @@
       </p:grpSpPr>
       <p:sp>
         <p:nvSpPr>
+          <p:cNvPr id="7" name="Rectangle 6"/>
+          <p:cNvSpPr/>
+          <p:nvPr/>
+        </p:nvSpPr>
+        <p:spPr>
+          <a:xfrm>
+            <a:off x="4765" y="25603200"/>
+            <a:ext cx="18283238" cy="1828800"/>
+          </a:xfrm>
+          <a:prstGeom prst="rect">
+            <a:avLst/>
+          </a:prstGeom>
+          <a:solidFill>
+            <a:schemeClr val="accent2"/>
+          </a:solidFill>
+          <a:ln>
+            <a:noFill/>
+          </a:ln>
+        </p:spPr>
+        <p:style>
+          <a:lnRef idx="2">
+            <a:schemeClr val="accent1">
+              <a:shade val="50000"/>
+            </a:schemeClr>
+          </a:lnRef>
+          <a:fillRef idx="1">
+            <a:schemeClr val="accent1"/>
+          </a:fillRef>
+          <a:effectRef idx="0">
+            <a:schemeClr val="accent1"/>
+          </a:effectRef>
+          <a:fontRef idx="minor">
+            <a:schemeClr val="lt1"/>
+          </a:fontRef>
+        </p:style>
+      </p:sp>
+      <p:sp>
+        <p:nvSpPr>
+          <p:cNvPr id="8" name="Rectangle 7"/>
+          <p:cNvSpPr/>
+          <p:nvPr/>
+        </p:nvSpPr>
+        <p:spPr>
+          <a:xfrm>
+            <a:off x="25" y="25337264"/>
+            <a:ext cx="18283238" cy="256032"/>
+          </a:xfrm>
+          <a:prstGeom prst="rect">
+            <a:avLst/>
+          </a:prstGeom>
+          <a:solidFill>
+            <a:schemeClr val="accent1"/>
+          </a:solidFill>
+          <a:ln>
+            <a:noFill/>
+          </a:ln>
+        </p:spPr>
+        <p:style>
+          <a:lnRef idx="2">
+            <a:schemeClr val="accent1">
+              <a:shade val="50000"/>
+            </a:schemeClr>
+          </a:lnRef>
+          <a:fillRef idx="1">
+            <a:schemeClr val="accent1"/>
+          </a:fillRef>
+          <a:effectRef idx="0">
+            <a:schemeClr val="accent1"/>
+          </a:effectRef>
+          <a:fontRef idx="minor">
+            <a:schemeClr val="lt1"/>
+          </a:fontRef>
+        </p:style>
+      </p:sp>
+      <p:sp>
+        <p:nvSpPr>
           <p:cNvPr id="2" name="Title 1"/>
           <p:cNvSpPr>
             <a:spLocks noGrp="1"/>
@@ -1285,56 +1583,71 @@
         </p:nvSpPr>
         <p:spPr>
           <a:xfrm>
-            <a:off x="1247776" y="6838958"/>
-            <a:ext cx="15773400" cy="11410948"/>
-          </a:xfrm>
-        </p:spPr>
-        <p:txBody>
-          <a:bodyPr anchor="b"/>
+            <a:off x="1645920" y="3035808"/>
+            <a:ext cx="15087600" cy="14264640"/>
+          </a:xfrm>
+        </p:spPr>
+        <p:txBody>
+          <a:bodyPr anchor="b" anchorCtr="0">
+            <a:normAutofit/>
+          </a:bodyPr>
           <a:lstStyle>
             <a:lvl1pPr>
-              <a:defRPr sz="12000"/>
-            </a:lvl1pPr>
-          </a:lstStyle>
-          <a:p>
-            <a:r>
-              <a:rPr lang="en-US" smtClean="0"/>
-              <a:t>Click to edit Master title style</a:t>
-            </a:r>
-            <a:endParaRPr lang="en-US" dirty="0"/>
-          </a:p>
-        </p:txBody>
-      </p:sp>
-      <p:sp>
-        <p:nvSpPr>
-          <p:cNvPr id="3" name="Text Placeholder 2"/>
-          <p:cNvSpPr>
-            <a:spLocks noGrp="1"/>
-          </p:cNvSpPr>
-          <p:nvPr>
-            <p:ph type="body" idx="1"/>
-          </p:nvPr>
-        </p:nvSpPr>
-        <p:spPr>
-          <a:xfrm>
-            <a:off x="1247776" y="18357858"/>
-            <a:ext cx="15773400" cy="6000748"/>
-          </a:xfrm>
-        </p:spPr>
-        <p:txBody>
-          <a:bodyPr/>
-          <a:lstStyle>
-            <a:lvl1pPr marL="0" indent="0">
-              <a:buNone/>
-              <a:defRPr sz="4800">
+              <a:lnSpc>
+                <a:spcPct val="85000"/>
+              </a:lnSpc>
+              <a:defRPr sz="16000" b="0">
                 <a:solidFill>
-                  <a:schemeClr val="tx1"/>
+                  <a:schemeClr val="tx1">
+                    <a:lumMod val="85000"/>
+                    <a:lumOff val="15000"/>
+                  </a:schemeClr>
                 </a:solidFill>
               </a:defRPr>
             </a:lvl1pPr>
+          </a:lstStyle>
+          <a:p>
+            <a:r>
+              <a:rPr lang="en-US" smtClean="0"/>
+              <a:t>Click to edit Master title style</a:t>
+            </a:r>
+            <a:endParaRPr lang="en-US" dirty="0"/>
+          </a:p>
+        </p:txBody>
+      </p:sp>
+      <p:sp>
+        <p:nvSpPr>
+          <p:cNvPr id="3" name="Text Placeholder 2"/>
+          <p:cNvSpPr>
+            <a:spLocks noGrp="1"/>
+          </p:cNvSpPr>
+          <p:nvPr>
+            <p:ph type="body" idx="1"/>
+          </p:nvPr>
+        </p:nvSpPr>
+        <p:spPr>
+          <a:xfrm>
+            <a:off x="1645920" y="17812512"/>
+            <a:ext cx="15087600" cy="4572000"/>
+          </a:xfrm>
+        </p:spPr>
+        <p:txBody>
+          <a:bodyPr lIns="91440" rIns="91440" anchor="t" anchorCtr="0">
+            <a:normAutofit/>
+          </a:bodyPr>
+          <a:lstStyle>
+            <a:lvl1pPr marL="0" indent="0">
+              <a:buNone/>
+              <a:defRPr sz="4800" cap="all" spc="400" baseline="0">
+                <a:solidFill>
+                  <a:schemeClr val="tx2"/>
+                </a:solidFill>
+                <a:latin typeface="+mj-lt"/>
+              </a:defRPr>
+            </a:lvl1pPr>
             <a:lvl2pPr marL="914400" indent="0">
               <a:buNone/>
-              <a:defRPr sz="4000">
+              <a:defRPr sz="3600">
                 <a:solidFill>
                   <a:schemeClr val="tx1">
                     <a:tint val="75000"/>
@@ -1344,7 +1657,7 @@
             </a:lvl2pPr>
             <a:lvl3pPr marL="1828800" indent="0">
               <a:buNone/>
-              <a:defRPr sz="3600">
+              <a:defRPr sz="3200">
                 <a:solidFill>
                   <a:schemeClr val="tx1">
                     <a:tint val="75000"/>
@@ -1354,7 +1667,7 @@
             </a:lvl3pPr>
             <a:lvl4pPr marL="2743200" indent="0">
               <a:buNone/>
-              <a:defRPr sz="3200">
+              <a:defRPr sz="2800">
                 <a:solidFill>
                   <a:schemeClr val="tx1">
                     <a:tint val="75000"/>
@@ -1364,7 +1677,7 @@
             </a:lvl4pPr>
             <a:lvl5pPr marL="3657600" indent="0">
               <a:buNone/>
-              <a:defRPr sz="3200">
+              <a:defRPr sz="2800">
                 <a:solidFill>
                   <a:schemeClr val="tx1">
                     <a:tint val="75000"/>
@@ -1374,7 +1687,7 @@
             </a:lvl5pPr>
             <a:lvl6pPr marL="4572000" indent="0">
               <a:buNone/>
-              <a:defRPr sz="3200">
+              <a:defRPr sz="2800">
                 <a:solidFill>
                   <a:schemeClr val="tx1">
                     <a:tint val="75000"/>
@@ -1384,7 +1697,7 @@
             </a:lvl6pPr>
             <a:lvl7pPr marL="5486400" indent="0">
               <a:buNone/>
-              <a:defRPr sz="3200">
+              <a:defRPr sz="2800">
                 <a:solidFill>
                   <a:schemeClr val="tx1">
                     <a:tint val="75000"/>
@@ -1394,7 +1707,7 @@
             </a:lvl7pPr>
             <a:lvl8pPr marL="6400800" indent="0">
               <a:buNone/>
-              <a:defRPr sz="3200">
+              <a:defRPr sz="2800">
                 <a:solidFill>
                   <a:schemeClr val="tx1">
                     <a:tint val="75000"/>
@@ -1404,7 +1717,7 @@
             </a:lvl8pPr>
             <a:lvl9pPr marL="7315200" indent="0">
               <a:buNone/>
-              <a:defRPr sz="3200">
+              <a:defRPr sz="2800">
                 <a:solidFill>
                   <a:schemeClr val="tx1">
                     <a:tint val="75000"/>
@@ -1439,7 +1752,7 @@
           <a:p>
             <a:fld id="{7B1138D3-01E9-BE4F-8B6D-32D27699DBB9}" type="datetimeFigureOut">
               <a:rPr lang="en-US" smtClean="0"/>
-              <a:t>4/20/16</a:t>
+              <a:t>4/21/2016</a:t>
             </a:fld>
             <a:endParaRPr lang="en-US"/>
           </a:p>
@@ -1487,10 +1800,48 @@
           </a:p>
         </p:txBody>
       </p:sp>
+      <p:cxnSp>
+        <p:nvCxnSpPr>
+          <p:cNvPr id="9" name="Straight Connector 8"/>
+          <p:cNvCxnSpPr/>
+          <p:nvPr/>
+        </p:nvCxnSpPr>
+        <p:spPr>
+          <a:xfrm>
+            <a:off x="1811488" y="17373600"/>
+            <a:ext cx="14813280" cy="0"/>
+          </a:xfrm>
+          <a:prstGeom prst="line">
+            <a:avLst/>
+          </a:prstGeom>
+          <a:ln w="6350">
+            <a:solidFill>
+              <a:schemeClr val="tx1">
+                <a:lumMod val="50000"/>
+                <a:lumOff val="50000"/>
+              </a:schemeClr>
+            </a:solidFill>
+          </a:ln>
+        </p:spPr>
+        <p:style>
+          <a:lnRef idx="1">
+            <a:schemeClr val="accent1"/>
+          </a:lnRef>
+          <a:fillRef idx="0">
+            <a:schemeClr val="accent1"/>
+          </a:fillRef>
+          <a:effectRef idx="0">
+            <a:schemeClr val="accent1"/>
+          </a:effectRef>
+          <a:fontRef idx="minor">
+            <a:schemeClr val="tx1"/>
+          </a:fontRef>
+        </p:style>
+      </p:cxnSp>
     </p:spTree>
     <p:extLst>
       <p:ext uri="{BB962C8B-B14F-4D97-AF65-F5344CB8AC3E}">
-        <p14:creationId xmlns:p14="http://schemas.microsoft.com/office/powerpoint/2010/main" val="896056294"/>
+        <p14:creationId xmlns:p14="http://schemas.microsoft.com/office/powerpoint/2010/main" val="1468226068"/>
       </p:ext>
     </p:extLst>
   </p:cSld>
@@ -1519,7 +1870,7 @@
       </p:grpSpPr>
       <p:sp>
         <p:nvSpPr>
-          <p:cNvPr id="2" name="Title 1"/>
+          <p:cNvPr id="8" name="Title 7"/>
           <p:cNvSpPr>
             <a:spLocks noGrp="1"/>
           </p:cNvSpPr>
@@ -1527,7 +1878,12 @@
             <p:ph type="title"/>
           </p:nvPr>
         </p:nvSpPr>
-        <p:spPr/>
+        <p:spPr>
+          <a:xfrm>
+            <a:off x="1645920" y="1146418"/>
+            <a:ext cx="15087600" cy="5803028"/>
+          </a:xfrm>
+        </p:spPr>
         <p:txBody>
           <a:bodyPr/>
           <a:lstStyle/>
@@ -1552,8 +1908,8 @@
         </p:nvSpPr>
         <p:spPr>
           <a:xfrm>
-            <a:off x="1257300" y="7302500"/>
-            <a:ext cx="7772400" cy="17405352"/>
+            <a:off x="1645920" y="7382936"/>
+            <a:ext cx="7406640" cy="16093440"/>
           </a:xfrm>
         </p:spPr>
         <p:txBody>
@@ -1609,8 +1965,8 @@
         </p:nvSpPr>
         <p:spPr>
           <a:xfrm>
-            <a:off x="9258300" y="7302500"/>
-            <a:ext cx="7772400" cy="17405352"/>
+            <a:off x="9326880" y="7382946"/>
+            <a:ext cx="7406640" cy="16093436"/>
           </a:xfrm>
         </p:spPr>
         <p:txBody>
@@ -1671,7 +2027,7 @@
           <a:p>
             <a:fld id="{7B1138D3-01E9-BE4F-8B6D-32D27699DBB9}" type="datetimeFigureOut">
               <a:rPr lang="en-US" smtClean="0"/>
-              <a:t>4/20/16</a:t>
+              <a:t>4/21/2016</a:t>
             </a:fld>
             <a:endParaRPr lang="en-US"/>
           </a:p>
@@ -1722,7 +2078,7 @@
     </p:spTree>
     <p:extLst>
       <p:ext uri="{BB962C8B-B14F-4D97-AF65-F5344CB8AC3E}">
-        <p14:creationId xmlns:p14="http://schemas.microsoft.com/office/powerpoint/2010/main" val="1862800494"/>
+        <p14:creationId xmlns:p14="http://schemas.microsoft.com/office/powerpoint/2010/main" val="779188179"/>
       </p:ext>
     </p:extLst>
   </p:cSld>
@@ -1751,7 +2107,7 @@
       </p:grpSpPr>
       <p:sp>
         <p:nvSpPr>
-          <p:cNvPr id="2" name="Title 1"/>
+          <p:cNvPr id="10" name="Title 9"/>
           <p:cNvSpPr>
             <a:spLocks noGrp="1"/>
           </p:cNvSpPr>
@@ -1761,8 +2117,8 @@
         </p:nvSpPr>
         <p:spPr>
           <a:xfrm>
-            <a:off x="1259682" y="1460506"/>
-            <a:ext cx="15773400" cy="5302252"/>
+            <a:off x="1645920" y="1146418"/>
+            <a:ext cx="15087600" cy="5803028"/>
           </a:xfrm>
         </p:spPr>
         <p:txBody>
@@ -1789,16 +2145,22 @@
         </p:nvSpPr>
         <p:spPr>
           <a:xfrm>
-            <a:off x="1259684" y="6724652"/>
-            <a:ext cx="7736680" cy="3295648"/>
-          </a:xfrm>
-        </p:spPr>
-        <p:txBody>
-          <a:bodyPr anchor="b"/>
+            <a:off x="1645920" y="7384208"/>
+            <a:ext cx="7406640" cy="2945128"/>
+          </a:xfrm>
+        </p:spPr>
+        <p:txBody>
+          <a:bodyPr lIns="91440" rIns="91440" anchor="ctr">
+            <a:normAutofit/>
+          </a:bodyPr>
           <a:lstStyle>
             <a:lvl1pPr marL="0" indent="0">
               <a:buNone/>
-              <a:defRPr sz="4800" b="1"/>
+              <a:defRPr sz="4000" b="0" cap="all" baseline="0">
+                <a:solidFill>
+                  <a:schemeClr val="tx2"/>
+                </a:solidFill>
+              </a:defRPr>
             </a:lvl1pPr>
             <a:lvl2pPr marL="914400" indent="0">
               <a:buNone/>
@@ -1854,8 +2216,8 @@
         </p:nvSpPr>
         <p:spPr>
           <a:xfrm>
-            <a:off x="1259684" y="10020300"/>
-            <a:ext cx="7736680" cy="14738352"/>
+            <a:off x="1645920" y="10329336"/>
+            <a:ext cx="7406640" cy="13147040"/>
           </a:xfrm>
         </p:spPr>
         <p:txBody>
@@ -1911,16 +2273,22 @@
         </p:nvSpPr>
         <p:spPr>
           <a:xfrm>
-            <a:off x="9258301" y="6724652"/>
-            <a:ext cx="7774782" cy="3295648"/>
-          </a:xfrm>
-        </p:spPr>
-        <p:txBody>
-          <a:bodyPr anchor="b"/>
+            <a:off x="9326880" y="7384208"/>
+            <a:ext cx="7406640" cy="2945128"/>
+          </a:xfrm>
+        </p:spPr>
+        <p:txBody>
+          <a:bodyPr lIns="91440" rIns="91440" anchor="ctr">
+            <a:normAutofit/>
+          </a:bodyPr>
           <a:lstStyle>
             <a:lvl1pPr marL="0" indent="0">
               <a:buNone/>
-              <a:defRPr sz="4800" b="1"/>
+              <a:defRPr sz="4000" b="0" cap="all" baseline="0">
+                <a:solidFill>
+                  <a:schemeClr val="tx2"/>
+                </a:solidFill>
+              </a:defRPr>
             </a:lvl1pPr>
             <a:lvl2pPr marL="914400" indent="0">
               <a:buNone/>
@@ -1976,8 +2344,8 @@
         </p:nvSpPr>
         <p:spPr>
           <a:xfrm>
-            <a:off x="9258301" y="10020300"/>
-            <a:ext cx="7774782" cy="14738352"/>
+            <a:off x="9326880" y="10329336"/>
+            <a:ext cx="7406640" cy="13147040"/>
           </a:xfrm>
         </p:spPr>
         <p:txBody>
@@ -2038,7 +2406,7 @@
           <a:p>
             <a:fld id="{7B1138D3-01E9-BE4F-8B6D-32D27699DBB9}" type="datetimeFigureOut">
               <a:rPr lang="en-US" smtClean="0"/>
-              <a:t>4/20/16</a:t>
+              <a:t>4/21/2016</a:t>
             </a:fld>
             <a:endParaRPr lang="en-US"/>
           </a:p>
@@ -2089,7 +2457,7 @@
     </p:spTree>
     <p:extLst>
       <p:ext uri="{BB962C8B-B14F-4D97-AF65-F5344CB8AC3E}">
-        <p14:creationId xmlns:p14="http://schemas.microsoft.com/office/powerpoint/2010/main" val="2071296692"/>
+        <p14:creationId xmlns:p14="http://schemas.microsoft.com/office/powerpoint/2010/main" val="124549636"/>
       </p:ext>
     </p:extLst>
   </p:cSld>
@@ -2156,7 +2524,7 @@
           <a:p>
             <a:fld id="{7B1138D3-01E9-BE4F-8B6D-32D27699DBB9}" type="datetimeFigureOut">
               <a:rPr lang="en-US" smtClean="0"/>
-              <a:t>4/20/16</a:t>
+              <a:t>4/21/2016</a:t>
             </a:fld>
             <a:endParaRPr lang="en-US"/>
           </a:p>
@@ -2207,7 +2575,7 @@
     </p:spTree>
     <p:extLst>
       <p:ext uri="{BB962C8B-B14F-4D97-AF65-F5344CB8AC3E}">
-        <p14:creationId xmlns:p14="http://schemas.microsoft.com/office/powerpoint/2010/main" val="1573584574"/>
+        <p14:creationId xmlns:p14="http://schemas.microsoft.com/office/powerpoint/2010/main" val="2492647273"/>
       </p:ext>
     </p:extLst>
   </p:cSld>
@@ -2218,7 +2586,7 @@
 </file>
 
 <file path=ppt/slideLayouts/slideLayout7.xml><?xml version="1.0" encoding="utf-8"?>
-<p:sldLayout xmlns:a="http://schemas.openxmlformats.org/drawingml/2006/main" xmlns:r="http://schemas.openxmlformats.org/officeDocument/2006/relationships" xmlns:p="http://schemas.openxmlformats.org/presentationml/2006/main" type="blank" preserve="1">
+<p:sldLayout xmlns:a="http://schemas.openxmlformats.org/drawingml/2006/main" xmlns:r="http://schemas.openxmlformats.org/officeDocument/2006/relationships" xmlns:p="http://schemas.openxmlformats.org/presentationml/2006/main" showMasterSp="0" type="blank" preserve="1">
   <p:cSld name="Blank">
     <p:spTree>
       <p:nvGrpSpPr>
@@ -2236,7 +2604,83 @@
       </p:grpSpPr>
       <p:sp>
         <p:nvSpPr>
-          <p:cNvPr id="2" name="Date Placeholder 1"/>
+          <p:cNvPr id="5" name="Rectangle 4"/>
+          <p:cNvSpPr/>
+          <p:nvPr/>
+        </p:nvSpPr>
+        <p:spPr>
+          <a:xfrm>
+            <a:off x="4765" y="25603200"/>
+            <a:ext cx="18283238" cy="1828800"/>
+          </a:xfrm>
+          <a:prstGeom prst="rect">
+            <a:avLst/>
+          </a:prstGeom>
+          <a:solidFill>
+            <a:schemeClr val="accent2"/>
+          </a:solidFill>
+          <a:ln>
+            <a:noFill/>
+          </a:ln>
+        </p:spPr>
+        <p:style>
+          <a:lnRef idx="2">
+            <a:schemeClr val="accent1">
+              <a:shade val="50000"/>
+            </a:schemeClr>
+          </a:lnRef>
+          <a:fillRef idx="1">
+            <a:schemeClr val="accent1"/>
+          </a:fillRef>
+          <a:effectRef idx="0">
+            <a:schemeClr val="accent1"/>
+          </a:effectRef>
+          <a:fontRef idx="minor">
+            <a:schemeClr val="lt1"/>
+          </a:fontRef>
+        </p:style>
+      </p:sp>
+      <p:sp>
+        <p:nvSpPr>
+          <p:cNvPr id="6" name="Rectangle 5"/>
+          <p:cNvSpPr/>
+          <p:nvPr/>
+        </p:nvSpPr>
+        <p:spPr>
+          <a:xfrm>
+            <a:off x="25" y="25337264"/>
+            <a:ext cx="18283238" cy="256032"/>
+          </a:xfrm>
+          <a:prstGeom prst="rect">
+            <a:avLst/>
+          </a:prstGeom>
+          <a:solidFill>
+            <a:schemeClr val="accent1"/>
+          </a:solidFill>
+          <a:ln>
+            <a:noFill/>
+          </a:ln>
+        </p:spPr>
+        <p:style>
+          <a:lnRef idx="2">
+            <a:schemeClr val="accent1">
+              <a:shade val="50000"/>
+            </a:schemeClr>
+          </a:lnRef>
+          <a:fillRef idx="1">
+            <a:schemeClr val="accent1"/>
+          </a:fillRef>
+          <a:effectRef idx="0">
+            <a:schemeClr val="accent1"/>
+          </a:effectRef>
+          <a:fontRef idx="minor">
+            <a:schemeClr val="lt1"/>
+          </a:fontRef>
+        </p:style>
+      </p:sp>
+      <p:sp>
+        <p:nvSpPr>
+          <p:cNvPr id="7" name="Date Placeholder 6"/>
           <p:cNvSpPr>
             <a:spLocks noGrp="1"/>
           </p:cNvSpPr>
@@ -2251,7 +2695,7 @@
           <a:p>
             <a:fld id="{7B1138D3-01E9-BE4F-8B6D-32D27699DBB9}" type="datetimeFigureOut">
               <a:rPr lang="en-US" smtClean="0"/>
-              <a:t>4/20/16</a:t>
+              <a:t>4/21/2016</a:t>
             </a:fld>
             <a:endParaRPr lang="en-US"/>
           </a:p>
@@ -2259,7 +2703,7 @@
       </p:sp>
       <p:sp>
         <p:nvSpPr>
-          <p:cNvPr id="3" name="Footer Placeholder 2"/>
+          <p:cNvPr id="8" name="Footer Placeholder 7"/>
           <p:cNvSpPr>
             <a:spLocks noGrp="1"/>
           </p:cNvSpPr>
@@ -2270,7 +2714,15 @@
         <p:spPr/>
         <p:txBody>
           <a:bodyPr/>
-          <a:lstStyle/>
+          <a:lstStyle>
+            <a:lvl1pPr>
+              <a:defRPr>
+                <a:solidFill>
+                  <a:srgbClr val="FFFFFF"/>
+                </a:solidFill>
+              </a:defRPr>
+            </a:lvl1pPr>
+          </a:lstStyle>
           <a:p>
             <a:endParaRPr lang="en-US"/>
           </a:p>
@@ -2278,7 +2730,7 @@
       </p:sp>
       <p:sp>
         <p:nvSpPr>
-          <p:cNvPr id="4" name="Slide Number Placeholder 3"/>
+          <p:cNvPr id="9" name="Slide Number Placeholder 8"/>
           <p:cNvSpPr>
             <a:spLocks noGrp="1"/>
           </p:cNvSpPr>
@@ -2302,7 +2754,7 @@
     </p:spTree>
     <p:extLst>
       <p:ext uri="{BB962C8B-B14F-4D97-AF65-F5344CB8AC3E}">
-        <p14:creationId xmlns:p14="http://schemas.microsoft.com/office/powerpoint/2010/main" val="974822413"/>
+        <p14:creationId xmlns:p14="http://schemas.microsoft.com/office/powerpoint/2010/main" val="3069112033"/>
       </p:ext>
     </p:extLst>
   </p:cSld>
@@ -2313,7 +2765,7 @@
 </file>
 
 <file path=ppt/slideLayouts/slideLayout8.xml><?xml version="1.0" encoding="utf-8"?>
-<p:sldLayout xmlns:a="http://schemas.openxmlformats.org/drawingml/2006/main" xmlns:r="http://schemas.openxmlformats.org/officeDocument/2006/relationships" xmlns:p="http://schemas.openxmlformats.org/presentationml/2006/main" type="objTx" preserve="1">
+<p:sldLayout xmlns:a="http://schemas.openxmlformats.org/drawingml/2006/main" xmlns:r="http://schemas.openxmlformats.org/officeDocument/2006/relationships" xmlns:p="http://schemas.openxmlformats.org/presentationml/2006/main" showMasterSp="0" type="objTx" preserve="1">
   <p:cSld name="Content with Caption">
     <p:spTree>
       <p:nvGrpSpPr>
@@ -2331,6 +2783,82 @@
       </p:grpSpPr>
       <p:sp>
         <p:nvSpPr>
+          <p:cNvPr id="8" name="Rectangle 7"/>
+          <p:cNvSpPr/>
+          <p:nvPr/>
+        </p:nvSpPr>
+        <p:spPr>
+          <a:xfrm>
+            <a:off x="27" y="0"/>
+            <a:ext cx="6076186" cy="27432000"/>
+          </a:xfrm>
+          <a:prstGeom prst="rect">
+            <a:avLst/>
+          </a:prstGeom>
+          <a:solidFill>
+            <a:schemeClr val="accent2"/>
+          </a:solidFill>
+          <a:ln>
+            <a:noFill/>
+          </a:ln>
+        </p:spPr>
+        <p:style>
+          <a:lnRef idx="2">
+            <a:schemeClr val="accent1">
+              <a:shade val="50000"/>
+            </a:schemeClr>
+          </a:lnRef>
+          <a:fillRef idx="1">
+            <a:schemeClr val="accent1"/>
+          </a:fillRef>
+          <a:effectRef idx="0">
+            <a:schemeClr val="accent1"/>
+          </a:effectRef>
+          <a:fontRef idx="minor">
+            <a:schemeClr val="lt1"/>
+          </a:fontRef>
+        </p:style>
+      </p:sp>
+      <p:sp>
+        <p:nvSpPr>
+          <p:cNvPr id="9" name="Rectangle 8"/>
+          <p:cNvSpPr/>
+          <p:nvPr/>
+        </p:nvSpPr>
+        <p:spPr>
+          <a:xfrm>
+            <a:off x="6060106" y="0"/>
+            <a:ext cx="96012" cy="27432000"/>
+          </a:xfrm>
+          <a:prstGeom prst="rect">
+            <a:avLst/>
+          </a:prstGeom>
+          <a:solidFill>
+            <a:schemeClr val="accent1"/>
+          </a:solidFill>
+          <a:ln>
+            <a:noFill/>
+          </a:ln>
+        </p:spPr>
+        <p:style>
+          <a:lnRef idx="2">
+            <a:schemeClr val="accent1">
+              <a:shade val="50000"/>
+            </a:schemeClr>
+          </a:lnRef>
+          <a:fillRef idx="1">
+            <a:schemeClr val="accent1"/>
+          </a:fillRef>
+          <a:effectRef idx="0">
+            <a:schemeClr val="accent1"/>
+          </a:effectRef>
+          <a:fontRef idx="minor">
+            <a:schemeClr val="lt1"/>
+          </a:fontRef>
+        </p:style>
+      </p:sp>
+      <p:sp>
+        <p:nvSpPr>
           <p:cNvPr id="2" name="Title 1"/>
           <p:cNvSpPr>
             <a:spLocks noGrp="1"/>
@@ -2341,15 +2869,21 @@
         </p:nvSpPr>
         <p:spPr>
           <a:xfrm>
-            <a:off x="1259682" y="1828800"/>
-            <a:ext cx="5898356" cy="6400800"/>
-          </a:xfrm>
-        </p:spPr>
-        <p:txBody>
-          <a:bodyPr anchor="b"/>
+            <a:off x="685800" y="2377436"/>
+            <a:ext cx="4800600" cy="9144000"/>
+          </a:xfrm>
+        </p:spPr>
+        <p:txBody>
+          <a:bodyPr anchor="b">
+            <a:normAutofit/>
+          </a:bodyPr>
           <a:lstStyle>
             <a:lvl1pPr>
-              <a:defRPr sz="6400"/>
+              <a:defRPr sz="7200" b="0">
+                <a:solidFill>
+                  <a:srgbClr val="FFFFFF"/>
+                </a:solidFill>
+              </a:defRPr>
             </a:lvl1pPr>
           </a:lstStyle>
           <a:p>
@@ -2373,200 +2907,208 @@
         </p:nvSpPr>
         <p:spPr>
           <a:xfrm>
-            <a:off x="7774782" y="3949706"/>
-            <a:ext cx="9258300" cy="19494500"/>
-          </a:xfrm>
-        </p:spPr>
+            <a:off x="6920475" y="2926080"/>
+            <a:ext cx="10018786" cy="21031200"/>
+          </a:xfrm>
+        </p:spPr>
+        <p:txBody>
+          <a:bodyPr/>
+          <a:lstStyle/>
+          <a:p>
+            <a:pPr lvl="0"/>
+            <a:r>
+              <a:rPr lang="en-US" smtClean="0"/>
+              <a:t>Click to edit Master text styles</a:t>
+            </a:r>
+          </a:p>
+          <a:p>
+            <a:pPr lvl="1"/>
+            <a:r>
+              <a:rPr lang="en-US" smtClean="0"/>
+              <a:t>Second level</a:t>
+            </a:r>
+          </a:p>
+          <a:p>
+            <a:pPr lvl="2"/>
+            <a:r>
+              <a:rPr lang="en-US" smtClean="0"/>
+              <a:t>Third level</a:t>
+            </a:r>
+          </a:p>
+          <a:p>
+            <a:pPr lvl="3"/>
+            <a:r>
+              <a:rPr lang="en-US" smtClean="0"/>
+              <a:t>Fourth level</a:t>
+            </a:r>
+          </a:p>
+          <a:p>
+            <a:pPr lvl="4"/>
+            <a:r>
+              <a:rPr lang="en-US" smtClean="0"/>
+              <a:t>Fifth level</a:t>
+            </a:r>
+            <a:endParaRPr lang="en-US" dirty="0"/>
+          </a:p>
+        </p:txBody>
+      </p:sp>
+      <p:sp>
+        <p:nvSpPr>
+          <p:cNvPr id="4" name="Text Placeholder 3"/>
+          <p:cNvSpPr>
+            <a:spLocks noGrp="1"/>
+          </p:cNvSpPr>
+          <p:nvPr>
+            <p:ph type="body" sz="half" idx="2"/>
+          </p:nvPr>
+        </p:nvSpPr>
+        <p:spPr>
+          <a:xfrm>
+            <a:off x="685800" y="11704320"/>
+            <a:ext cx="4800600" cy="13516496"/>
+          </a:xfrm>
+        </p:spPr>
+        <p:txBody>
+          <a:bodyPr lIns="91440" rIns="91440">
+            <a:normAutofit/>
+          </a:bodyPr>
+          <a:lstStyle>
+            <a:lvl1pPr marL="0" indent="0">
+              <a:buNone/>
+              <a:defRPr sz="3000">
+                <a:solidFill>
+                  <a:srgbClr val="FFFFFF"/>
+                </a:solidFill>
+              </a:defRPr>
+            </a:lvl1pPr>
+            <a:lvl2pPr marL="914400" indent="0">
+              <a:buNone/>
+              <a:defRPr sz="2400"/>
+            </a:lvl2pPr>
+            <a:lvl3pPr marL="1828800" indent="0">
+              <a:buNone/>
+              <a:defRPr sz="2000"/>
+            </a:lvl3pPr>
+            <a:lvl4pPr marL="2743200" indent="0">
+              <a:buNone/>
+              <a:defRPr sz="1800"/>
+            </a:lvl4pPr>
+            <a:lvl5pPr marL="3657600" indent="0">
+              <a:buNone/>
+              <a:defRPr sz="1800"/>
+            </a:lvl5pPr>
+            <a:lvl6pPr marL="4572000" indent="0">
+              <a:buNone/>
+              <a:defRPr sz="1800"/>
+            </a:lvl6pPr>
+            <a:lvl7pPr marL="5486400" indent="0">
+              <a:buNone/>
+              <a:defRPr sz="1800"/>
+            </a:lvl7pPr>
+            <a:lvl8pPr marL="6400800" indent="0">
+              <a:buNone/>
+              <a:defRPr sz="1800"/>
+            </a:lvl8pPr>
+            <a:lvl9pPr marL="7315200" indent="0">
+              <a:buNone/>
+              <a:defRPr sz="1800"/>
+            </a:lvl9pPr>
+          </a:lstStyle>
+          <a:p>
+            <a:pPr lvl="0"/>
+            <a:r>
+              <a:rPr lang="en-US" smtClean="0"/>
+              <a:t>Click to edit Master text styles</a:t>
+            </a:r>
+          </a:p>
+        </p:txBody>
+      </p:sp>
+      <p:sp>
+        <p:nvSpPr>
+          <p:cNvPr id="5" name="Date Placeholder 4"/>
+          <p:cNvSpPr>
+            <a:spLocks noGrp="1"/>
+          </p:cNvSpPr>
+          <p:nvPr>
+            <p:ph type="dt" sz="half" idx="10"/>
+          </p:nvPr>
+        </p:nvSpPr>
+        <p:spPr>
+          <a:xfrm>
+            <a:off x="698269" y="25839146"/>
+            <a:ext cx="3927766" cy="1460500"/>
+          </a:xfrm>
+        </p:spPr>
+        <p:txBody>
+          <a:bodyPr/>
+          <a:lstStyle>
+            <a:lvl1pPr algn="l">
+              <a:defRPr/>
+            </a:lvl1pPr>
+          </a:lstStyle>
+          <a:p>
+            <a:fld id="{7B1138D3-01E9-BE4F-8B6D-32D27699DBB9}" type="datetimeFigureOut">
+              <a:rPr lang="en-US" smtClean="0"/>
+              <a:t>4/21/2016</a:t>
+            </a:fld>
+            <a:endParaRPr lang="en-US"/>
+          </a:p>
+        </p:txBody>
+      </p:sp>
+      <p:sp>
+        <p:nvSpPr>
+          <p:cNvPr id="6" name="Footer Placeholder 5"/>
+          <p:cNvSpPr>
+            <a:spLocks noGrp="1"/>
+          </p:cNvSpPr>
+          <p:nvPr>
+            <p:ph type="ftr" sz="quarter" idx="11"/>
+          </p:nvPr>
+        </p:nvSpPr>
+        <p:spPr>
+          <a:xfrm>
+            <a:off x="7200900" y="25839146"/>
+            <a:ext cx="6972300" cy="1460500"/>
+          </a:xfrm>
+        </p:spPr>
+        <p:txBody>
+          <a:bodyPr/>
+          <a:lstStyle>
+            <a:lvl1pPr algn="l">
+              <a:defRPr>
+                <a:solidFill>
+                  <a:schemeClr val="tx2"/>
+                </a:solidFill>
+              </a:defRPr>
+            </a:lvl1pPr>
+          </a:lstStyle>
+          <a:p>
+            <a:endParaRPr lang="en-US"/>
+          </a:p>
+        </p:txBody>
+      </p:sp>
+      <p:sp>
+        <p:nvSpPr>
+          <p:cNvPr id="7" name="Slide Number Placeholder 6"/>
+          <p:cNvSpPr>
+            <a:spLocks noGrp="1"/>
+          </p:cNvSpPr>
+          <p:nvPr>
+            <p:ph type="sldNum" sz="quarter" idx="12"/>
+          </p:nvPr>
+        </p:nvSpPr>
+        <p:spPr/>
         <p:txBody>
           <a:bodyPr/>
           <a:lstStyle>
             <a:lvl1pPr>
-              <a:defRPr sz="6400"/>
+              <a:defRPr>
+                <a:solidFill>
+                  <a:schemeClr val="tx2"/>
+                </a:solidFill>
+              </a:defRPr>
             </a:lvl1pPr>
-            <a:lvl2pPr>
-              <a:defRPr sz="5600"/>
-            </a:lvl2pPr>
-            <a:lvl3pPr>
-              <a:defRPr sz="4800"/>
-            </a:lvl3pPr>
-            <a:lvl4pPr>
-              <a:defRPr sz="4000"/>
-            </a:lvl4pPr>
-            <a:lvl5pPr>
-              <a:defRPr sz="4000"/>
-            </a:lvl5pPr>
-            <a:lvl6pPr>
-              <a:defRPr sz="4000"/>
-            </a:lvl6pPr>
-            <a:lvl7pPr>
-              <a:defRPr sz="4000"/>
-            </a:lvl7pPr>
-            <a:lvl8pPr>
-              <a:defRPr sz="4000"/>
-            </a:lvl8pPr>
-            <a:lvl9pPr>
-              <a:defRPr sz="4000"/>
-            </a:lvl9pPr>
           </a:lstStyle>
-          <a:p>
-            <a:pPr lvl="0"/>
-            <a:r>
-              <a:rPr lang="en-US" smtClean="0"/>
-              <a:t>Click to edit Master text styles</a:t>
-            </a:r>
-          </a:p>
-          <a:p>
-            <a:pPr lvl="1"/>
-            <a:r>
-              <a:rPr lang="en-US" smtClean="0"/>
-              <a:t>Second level</a:t>
-            </a:r>
-          </a:p>
-          <a:p>
-            <a:pPr lvl="2"/>
-            <a:r>
-              <a:rPr lang="en-US" smtClean="0"/>
-              <a:t>Third level</a:t>
-            </a:r>
-          </a:p>
-          <a:p>
-            <a:pPr lvl="3"/>
-            <a:r>
-              <a:rPr lang="en-US" smtClean="0"/>
-              <a:t>Fourth level</a:t>
-            </a:r>
-          </a:p>
-          <a:p>
-            <a:pPr lvl="4"/>
-            <a:r>
-              <a:rPr lang="en-US" smtClean="0"/>
-              <a:t>Fifth level</a:t>
-            </a:r>
-            <a:endParaRPr lang="en-US" dirty="0"/>
-          </a:p>
-        </p:txBody>
-      </p:sp>
-      <p:sp>
-        <p:nvSpPr>
-          <p:cNvPr id="4" name="Text Placeholder 3"/>
-          <p:cNvSpPr>
-            <a:spLocks noGrp="1"/>
-          </p:cNvSpPr>
-          <p:nvPr>
-            <p:ph type="body" sz="half" idx="2"/>
-          </p:nvPr>
-        </p:nvSpPr>
-        <p:spPr>
-          <a:xfrm>
-            <a:off x="1259682" y="8229600"/>
-            <a:ext cx="5898356" cy="15246352"/>
-          </a:xfrm>
-        </p:spPr>
-        <p:txBody>
-          <a:bodyPr/>
-          <a:lstStyle>
-            <a:lvl1pPr marL="0" indent="0">
-              <a:buNone/>
-              <a:defRPr sz="3200"/>
-            </a:lvl1pPr>
-            <a:lvl2pPr marL="914400" indent="0">
-              <a:buNone/>
-              <a:defRPr sz="2800"/>
-            </a:lvl2pPr>
-            <a:lvl3pPr marL="1828800" indent="0">
-              <a:buNone/>
-              <a:defRPr sz="2400"/>
-            </a:lvl3pPr>
-            <a:lvl4pPr marL="2743200" indent="0">
-              <a:buNone/>
-              <a:defRPr sz="2000"/>
-            </a:lvl4pPr>
-            <a:lvl5pPr marL="3657600" indent="0">
-              <a:buNone/>
-              <a:defRPr sz="2000"/>
-            </a:lvl5pPr>
-            <a:lvl6pPr marL="4572000" indent="0">
-              <a:buNone/>
-              <a:defRPr sz="2000"/>
-            </a:lvl6pPr>
-            <a:lvl7pPr marL="5486400" indent="0">
-              <a:buNone/>
-              <a:defRPr sz="2000"/>
-            </a:lvl7pPr>
-            <a:lvl8pPr marL="6400800" indent="0">
-              <a:buNone/>
-              <a:defRPr sz="2000"/>
-            </a:lvl8pPr>
-            <a:lvl9pPr marL="7315200" indent="0">
-              <a:buNone/>
-              <a:defRPr sz="2000"/>
-            </a:lvl9pPr>
-          </a:lstStyle>
-          <a:p>
-            <a:pPr lvl="0"/>
-            <a:r>
-              <a:rPr lang="en-US" smtClean="0"/>
-              <a:t>Click to edit Master text styles</a:t>
-            </a:r>
-          </a:p>
-        </p:txBody>
-      </p:sp>
-      <p:sp>
-        <p:nvSpPr>
-          <p:cNvPr id="5" name="Date Placeholder 4"/>
-          <p:cNvSpPr>
-            <a:spLocks noGrp="1"/>
-          </p:cNvSpPr>
-          <p:nvPr>
-            <p:ph type="dt" sz="half" idx="10"/>
-          </p:nvPr>
-        </p:nvSpPr>
-        <p:spPr/>
-        <p:txBody>
-          <a:bodyPr/>
-          <a:lstStyle/>
-          <a:p>
-            <a:fld id="{7B1138D3-01E9-BE4F-8B6D-32D27699DBB9}" type="datetimeFigureOut">
-              <a:rPr lang="en-US" smtClean="0"/>
-              <a:t>4/20/16</a:t>
-            </a:fld>
-            <a:endParaRPr lang="en-US"/>
-          </a:p>
-        </p:txBody>
-      </p:sp>
-      <p:sp>
-        <p:nvSpPr>
-          <p:cNvPr id="6" name="Footer Placeholder 5"/>
-          <p:cNvSpPr>
-            <a:spLocks noGrp="1"/>
-          </p:cNvSpPr>
-          <p:nvPr>
-            <p:ph type="ftr" sz="quarter" idx="11"/>
-          </p:nvPr>
-        </p:nvSpPr>
-        <p:spPr/>
-        <p:txBody>
-          <a:bodyPr/>
-          <a:lstStyle/>
-          <a:p>
-            <a:endParaRPr lang="en-US"/>
-          </a:p>
-        </p:txBody>
-      </p:sp>
-      <p:sp>
-        <p:nvSpPr>
-          <p:cNvPr id="7" name="Slide Number Placeholder 6"/>
-          <p:cNvSpPr>
-            <a:spLocks noGrp="1"/>
-          </p:cNvSpPr>
-          <p:nvPr>
-            <p:ph type="sldNum" sz="quarter" idx="12"/>
-          </p:nvPr>
-        </p:nvSpPr>
-        <p:spPr/>
-        <p:txBody>
-          <a:bodyPr/>
-          <a:lstStyle/>
           <a:p>
             <a:fld id="{B018B3EE-E7A3-EB40-9A93-33FEFFDC6626}" type="slidenum">
               <a:rPr lang="en-US" smtClean="0"/>
@@ -2579,7 +3121,7 @@
     </p:spTree>
     <p:extLst>
       <p:ext uri="{BB962C8B-B14F-4D97-AF65-F5344CB8AC3E}">
-        <p14:creationId xmlns:p14="http://schemas.microsoft.com/office/powerpoint/2010/main" val="687552328"/>
+        <p14:creationId xmlns:p14="http://schemas.microsoft.com/office/powerpoint/2010/main" val="3065351093"/>
       </p:ext>
     </p:extLst>
   </p:cSld>
@@ -2590,7 +3132,7 @@
 </file>
 
 <file path=ppt/slideLayouts/slideLayout9.xml><?xml version="1.0" encoding="utf-8"?>
-<p:sldLayout xmlns:a="http://schemas.openxmlformats.org/drawingml/2006/main" xmlns:r="http://schemas.openxmlformats.org/officeDocument/2006/relationships" xmlns:p="http://schemas.openxmlformats.org/presentationml/2006/main" type="picTx" preserve="1">
+<p:sldLayout xmlns:a="http://schemas.openxmlformats.org/drawingml/2006/main" xmlns:r="http://schemas.openxmlformats.org/officeDocument/2006/relationships" xmlns:p="http://schemas.openxmlformats.org/presentationml/2006/main" showMasterSp="0" type="picTx" preserve="1">
   <p:cSld name="Picture with Caption">
     <p:spTree>
       <p:nvGrpSpPr>
@@ -2608,6 +3150,82 @@
       </p:grpSpPr>
       <p:sp>
         <p:nvSpPr>
+          <p:cNvPr id="8" name="Rectangle 7"/>
+          <p:cNvSpPr/>
+          <p:nvPr/>
+        </p:nvSpPr>
+        <p:spPr>
+          <a:xfrm>
+            <a:off x="1" y="19812000"/>
+            <a:ext cx="18283238" cy="7620000"/>
+          </a:xfrm>
+          <a:prstGeom prst="rect">
+            <a:avLst/>
+          </a:prstGeom>
+          <a:solidFill>
+            <a:schemeClr val="accent2"/>
+          </a:solidFill>
+          <a:ln>
+            <a:noFill/>
+          </a:ln>
+        </p:spPr>
+        <p:style>
+          <a:lnRef idx="2">
+            <a:schemeClr val="accent1">
+              <a:shade val="50000"/>
+            </a:schemeClr>
+          </a:lnRef>
+          <a:fillRef idx="1">
+            <a:schemeClr val="accent1"/>
+          </a:fillRef>
+          <a:effectRef idx="0">
+            <a:schemeClr val="accent1"/>
+          </a:effectRef>
+          <a:fontRef idx="minor">
+            <a:schemeClr val="lt1"/>
+          </a:fontRef>
+        </p:style>
+      </p:sp>
+      <p:sp>
+        <p:nvSpPr>
+          <p:cNvPr id="9" name="Rectangle 8"/>
+          <p:cNvSpPr/>
+          <p:nvPr/>
+        </p:nvSpPr>
+        <p:spPr>
+          <a:xfrm>
+            <a:off x="25" y="19660304"/>
+            <a:ext cx="18283238" cy="256032"/>
+          </a:xfrm>
+          <a:prstGeom prst="rect">
+            <a:avLst/>
+          </a:prstGeom>
+          <a:solidFill>
+            <a:schemeClr val="accent1"/>
+          </a:solidFill>
+          <a:ln>
+            <a:noFill/>
+          </a:ln>
+        </p:spPr>
+        <p:style>
+          <a:lnRef idx="2">
+            <a:schemeClr val="accent1">
+              <a:shade val="50000"/>
+            </a:schemeClr>
+          </a:lnRef>
+          <a:fillRef idx="1">
+            <a:schemeClr val="accent1"/>
+          </a:fillRef>
+          <a:effectRef idx="0">
+            <a:schemeClr val="accent1"/>
+          </a:effectRef>
+          <a:fontRef idx="minor">
+            <a:schemeClr val="lt1"/>
+          </a:fontRef>
+        </p:style>
+      </p:sp>
+      <p:sp>
+        <p:nvSpPr>
           <p:cNvPr id="2" name="Title 1"/>
           <p:cNvSpPr>
             <a:spLocks noGrp="1"/>
@@ -2618,15 +3236,21 @@
         </p:nvSpPr>
         <p:spPr>
           <a:xfrm>
-            <a:off x="1259682" y="1828800"/>
-            <a:ext cx="5898356" cy="6400800"/>
-          </a:xfrm>
-        </p:spPr>
-        <p:txBody>
-          <a:bodyPr anchor="b"/>
+            <a:off x="1645920" y="20299680"/>
+            <a:ext cx="15179040" cy="3291840"/>
+          </a:xfrm>
+        </p:spPr>
+        <p:txBody>
+          <a:bodyPr tIns="0" bIns="0" anchor="b">
+            <a:noAutofit/>
+          </a:bodyPr>
           <a:lstStyle>
             <a:lvl1pPr>
-              <a:defRPr sz="6400"/>
+              <a:defRPr sz="7200" b="0">
+                <a:solidFill>
+                  <a:srgbClr val="FFFFFF"/>
+                </a:solidFill>
+              </a:defRPr>
             </a:lvl1pPr>
           </a:lstStyle>
           <a:p>
@@ -2650,16 +3274,26 @@
         </p:nvSpPr>
         <p:spPr>
           <a:xfrm>
-            <a:off x="7774782" y="3949706"/>
-            <a:ext cx="9258300" cy="19494500"/>
-          </a:xfrm>
-        </p:spPr>
-        <p:txBody>
-          <a:bodyPr anchor="t"/>
+            <a:off x="25" y="0"/>
+            <a:ext cx="18287978" cy="19660304"/>
+          </a:xfrm>
+          <a:blipFill>
+            <a:blip r:embed="rId2"/>
+            <a:stretch>
+              <a:fillRect/>
+            </a:stretch>
+          </a:blipFill>
+        </p:spPr>
+        <p:txBody>
+          <a:bodyPr lIns="457200" tIns="457200" anchor="t"/>
           <a:lstStyle>
             <a:lvl1pPr marL="0" indent="0">
               <a:buNone/>
-              <a:defRPr sz="6400"/>
+              <a:defRPr sz="6400">
+                <a:solidFill>
+                  <a:schemeClr val="bg1"/>
+                </a:solidFill>
+              </a:defRPr>
             </a:lvl1pPr>
             <a:lvl2pPr marL="914400" indent="0">
               <a:buNone/>
@@ -2697,7 +3331,7 @@
           <a:p>
             <a:r>
               <a:rPr lang="en-US" smtClean="0"/>
-              <a:t>Drag picture to placeholder or click icon to add</a:t>
+              <a:t>Click icon to add picture</a:t>
             </a:r>
             <a:endParaRPr lang="en-US" dirty="0"/>
           </a:p>
@@ -2715,48 +3349,60 @@
         </p:nvSpPr>
         <p:spPr>
           <a:xfrm>
-            <a:off x="1259682" y="8229600"/>
-            <a:ext cx="5898356" cy="15246352"/>
-          </a:xfrm>
-        </p:spPr>
-        <p:txBody>
-          <a:bodyPr/>
+            <a:off x="1645918" y="23628096"/>
+            <a:ext cx="15179040" cy="2377440"/>
+          </a:xfrm>
+        </p:spPr>
+        <p:txBody>
+          <a:bodyPr lIns="91440" tIns="0" rIns="91440" bIns="0">
+            <a:normAutofit/>
+          </a:bodyPr>
           <a:lstStyle>
             <a:lvl1pPr marL="0" indent="0">
-              <a:buNone/>
-              <a:defRPr sz="3200"/>
+              <a:spcBef>
+                <a:spcPts val="0"/>
+              </a:spcBef>
+              <a:spcAft>
+                <a:spcPts val="1200"/>
+              </a:spcAft>
+              <a:buNone/>
+              <a:defRPr sz="3000">
+                <a:solidFill>
+                  <a:srgbClr val="FFFFFF"/>
+                </a:solidFill>
+              </a:defRPr>
             </a:lvl1pPr>
             <a:lvl2pPr marL="914400" indent="0">
               <a:buNone/>
-              <a:defRPr sz="2800"/>
+              <a:defRPr sz="2400"/>
             </a:lvl2pPr>
             <a:lvl3pPr marL="1828800" indent="0">
               <a:buNone/>
-              <a:defRPr sz="2400"/>
+              <a:defRPr sz="2000"/>
             </a:lvl3pPr>
             <a:lvl4pPr marL="2743200" indent="0">
               <a:buNone/>
-              <a:defRPr sz="2000"/>
+              <a:defRPr sz="1800"/>
             </a:lvl4pPr>
             <a:lvl5pPr marL="3657600" indent="0">
               <a:buNone/>
-              <a:defRPr sz="2000"/>
+              <a:defRPr sz="1800"/>
             </a:lvl5pPr>
             <a:lvl6pPr marL="4572000" indent="0">
               <a:buNone/>
-              <a:defRPr sz="2000"/>
+              <a:defRPr sz="1800"/>
             </a:lvl6pPr>
             <a:lvl7pPr marL="5486400" indent="0">
               <a:buNone/>
-              <a:defRPr sz="2000"/>
+              <a:defRPr sz="1800"/>
             </a:lvl7pPr>
             <a:lvl8pPr marL="6400800" indent="0">
               <a:buNone/>
-              <a:defRPr sz="2000"/>
+              <a:defRPr sz="1800"/>
             </a:lvl8pPr>
             <a:lvl9pPr marL="7315200" indent="0">
               <a:buNone/>
-              <a:defRPr sz="2000"/>
+              <a:defRPr sz="1800"/>
             </a:lvl9pPr>
           </a:lstStyle>
           <a:p>
@@ -2785,7 +3431,7 @@
           <a:p>
             <a:fld id="{7B1138D3-01E9-BE4F-8B6D-32D27699DBB9}" type="datetimeFigureOut">
               <a:rPr lang="en-US" smtClean="0"/>
-              <a:t>4/20/16</a:t>
+              <a:t>4/21/2016</a:t>
             </a:fld>
             <a:endParaRPr lang="en-US"/>
           </a:p>
@@ -2836,7 +3482,7 @@
     </p:spTree>
     <p:extLst>
       <p:ext uri="{BB962C8B-B14F-4D97-AF65-F5344CB8AC3E}">
-        <p14:creationId xmlns:p14="http://schemas.microsoft.com/office/powerpoint/2010/main" val="82472189"/>
+        <p14:creationId xmlns:p14="http://schemas.microsoft.com/office/powerpoint/2010/main" val="3412393916"/>
       </p:ext>
     </p:extLst>
   </p:cSld>
@@ -2870,25 +3516,101 @@
       </p:grpSpPr>
       <p:sp>
         <p:nvSpPr>
-          <p:cNvPr id="2" name="Title Placeholder 1"/>
-          <p:cNvSpPr>
-            <a:spLocks noGrp="1"/>
-          </p:cNvSpPr>
-          <p:nvPr>
-            <p:ph type="title"/>
-          </p:nvPr>
-        </p:nvSpPr>
-        <p:spPr>
-          <a:xfrm>
-            <a:off x="1257300" y="1460506"/>
-            <a:ext cx="15773400" cy="5302252"/>
+          <p:cNvPr id="7" name="Rectangle 6"/>
+          <p:cNvSpPr/>
+          <p:nvPr/>
+        </p:nvSpPr>
+        <p:spPr>
+          <a:xfrm>
+            <a:off x="1" y="25603200"/>
+            <a:ext cx="18288002" cy="1828800"/>
           </a:xfrm>
           <a:prstGeom prst="rect">
             <a:avLst/>
           </a:prstGeom>
-        </p:spPr>
-        <p:txBody>
-          <a:bodyPr vert="horz" lIns="91440" tIns="45720" rIns="91440" bIns="45720" rtlCol="0" anchor="ctr">
+          <a:solidFill>
+            <a:schemeClr val="accent2"/>
+          </a:solidFill>
+          <a:ln>
+            <a:noFill/>
+          </a:ln>
+        </p:spPr>
+        <p:style>
+          <a:lnRef idx="2">
+            <a:schemeClr val="accent1">
+              <a:shade val="50000"/>
+            </a:schemeClr>
+          </a:lnRef>
+          <a:fillRef idx="1">
+            <a:schemeClr val="accent1"/>
+          </a:fillRef>
+          <a:effectRef idx="0">
+            <a:schemeClr val="accent1"/>
+          </a:effectRef>
+          <a:fontRef idx="minor">
+            <a:schemeClr val="lt1"/>
+          </a:fontRef>
+        </p:style>
+      </p:sp>
+      <p:sp>
+        <p:nvSpPr>
+          <p:cNvPr id="9" name="Rectangle 8"/>
+          <p:cNvSpPr/>
+          <p:nvPr/>
+        </p:nvSpPr>
+        <p:spPr>
+          <a:xfrm>
+            <a:off x="1" y="25337262"/>
+            <a:ext cx="18288002" cy="263996"/>
+          </a:xfrm>
+          <a:prstGeom prst="rect">
+            <a:avLst/>
+          </a:prstGeom>
+          <a:solidFill>
+            <a:schemeClr val="accent1"/>
+          </a:solidFill>
+          <a:ln>
+            <a:noFill/>
+          </a:ln>
+        </p:spPr>
+        <p:style>
+          <a:lnRef idx="2">
+            <a:schemeClr val="accent1">
+              <a:shade val="50000"/>
+            </a:schemeClr>
+          </a:lnRef>
+          <a:fillRef idx="1">
+            <a:schemeClr val="accent1"/>
+          </a:fillRef>
+          <a:effectRef idx="0">
+            <a:schemeClr val="accent1"/>
+          </a:effectRef>
+          <a:fontRef idx="minor">
+            <a:schemeClr val="lt1"/>
+          </a:fontRef>
+        </p:style>
+      </p:sp>
+      <p:sp>
+        <p:nvSpPr>
+          <p:cNvPr id="2" name="Title Placeholder 1"/>
+          <p:cNvSpPr>
+            <a:spLocks noGrp="1"/>
+          </p:cNvSpPr>
+          <p:nvPr>
+            <p:ph type="title"/>
+          </p:nvPr>
+        </p:nvSpPr>
+        <p:spPr>
+          <a:xfrm>
+            <a:off x="1645920" y="1146418"/>
+            <a:ext cx="15087600" cy="5803028"/>
+          </a:xfrm>
+          <a:prstGeom prst="rect">
+            <a:avLst/>
+          </a:prstGeom>
+        </p:spPr>
+        <p:txBody>
+          <a:bodyPr vert="horz" lIns="91440" tIns="45720" rIns="91440" bIns="45720" rtlCol="0" anchor="b">
             <a:normAutofit/>
           </a:bodyPr>
           <a:lstStyle/>
@@ -2913,15 +3635,15 @@
         </p:nvSpPr>
         <p:spPr>
           <a:xfrm>
-            <a:off x="1257300" y="7302500"/>
-            <a:ext cx="15773400" cy="17405352"/>
+            <a:off x="1645919" y="7382936"/>
+            <a:ext cx="15087602" cy="16093440"/>
           </a:xfrm>
           <a:prstGeom prst="rect">
             <a:avLst/>
           </a:prstGeom>
         </p:spPr>
         <p:txBody>
-          <a:bodyPr vert="horz" lIns="91440" tIns="45720" rIns="91440" bIns="45720" rtlCol="0">
+          <a:bodyPr vert="horz" lIns="0" tIns="45720" rIns="0" bIns="45720" rtlCol="0">
             <a:normAutofit/>
           </a:bodyPr>
           <a:lstStyle/>
@@ -2975,8 +3697,8 @@
         </p:nvSpPr>
         <p:spPr>
           <a:xfrm>
-            <a:off x="1257300" y="25425406"/>
-            <a:ext cx="4114800" cy="1460500"/>
+            <a:off x="1645923" y="25839146"/>
+            <a:ext cx="3708406" cy="1460500"/>
           </a:xfrm>
           <a:prstGeom prst="rect">
             <a:avLst/>
@@ -2986,11 +3708,9 @@
           <a:bodyPr vert="horz" lIns="91440" tIns="45720" rIns="91440" bIns="45720" rtlCol="0" anchor="ctr"/>
           <a:lstStyle>
             <a:lvl1pPr algn="l">
-              <a:defRPr sz="2400">
+              <a:defRPr sz="1800">
                 <a:solidFill>
-                  <a:schemeClr val="tx1">
-                    <a:tint val="75000"/>
-                  </a:schemeClr>
+                  <a:srgbClr val="FFFFFF"/>
                 </a:solidFill>
               </a:defRPr>
             </a:lvl1pPr>
@@ -2998,7 +3718,7 @@
           <a:p>
             <a:fld id="{7B1138D3-01E9-BE4F-8B6D-32D27699DBB9}" type="datetimeFigureOut">
               <a:rPr lang="en-US" smtClean="0"/>
-              <a:t>4/20/16</a:t>
+              <a:t>4/21/2016</a:t>
             </a:fld>
             <a:endParaRPr lang="en-US"/>
           </a:p>
@@ -3016,8 +3736,8 @@
         </p:nvSpPr>
         <p:spPr>
           <a:xfrm>
-            <a:off x="6057900" y="25425406"/>
-            <a:ext cx="6172200" cy="1460500"/>
+            <a:off x="5529279" y="25839146"/>
+            <a:ext cx="7234206" cy="1460500"/>
           </a:xfrm>
           <a:prstGeom prst="rect">
             <a:avLst/>
@@ -3027,11 +3747,9 @@
           <a:bodyPr vert="horz" lIns="91440" tIns="45720" rIns="91440" bIns="45720" rtlCol="0" anchor="ctr"/>
           <a:lstStyle>
             <a:lvl1pPr algn="ctr">
-              <a:defRPr sz="2400">
+              <a:defRPr sz="1800" cap="all" baseline="0">
                 <a:solidFill>
-                  <a:schemeClr val="tx1">
-                    <a:tint val="75000"/>
-                  </a:schemeClr>
+                  <a:srgbClr val="FFFFFF"/>
                 </a:solidFill>
               </a:defRPr>
             </a:lvl1pPr>
@@ -3053,8 +3771,8 @@
         </p:nvSpPr>
         <p:spPr>
           <a:xfrm>
-            <a:off x="12915900" y="25425406"/>
-            <a:ext cx="4114800" cy="1460500"/>
+            <a:off x="14850689" y="25839146"/>
+            <a:ext cx="1968038" cy="1460500"/>
           </a:xfrm>
           <a:prstGeom prst="rect">
             <a:avLst/>
@@ -3064,11 +3782,9 @@
           <a:bodyPr vert="horz" lIns="91440" tIns="45720" rIns="91440" bIns="45720" rtlCol="0" anchor="ctr"/>
           <a:lstStyle>
             <a:lvl1pPr algn="r">
-              <a:defRPr sz="2400">
+              <a:defRPr sz="2100">
                 <a:solidFill>
-                  <a:schemeClr val="tx1">
-                    <a:tint val="75000"/>
-                  </a:schemeClr>
+                  <a:srgbClr val="FFFFFF"/>
                 </a:solidFill>
               </a:defRPr>
             </a:lvl1pPr>
@@ -3082,40 +3798,81 @@
           </a:p>
         </p:txBody>
       </p:sp>
+      <p:cxnSp>
+        <p:nvCxnSpPr>
+          <p:cNvPr id="10" name="Straight Connector 9"/>
+          <p:cNvCxnSpPr/>
+          <p:nvPr/>
+        </p:nvCxnSpPr>
+        <p:spPr>
+          <a:xfrm>
+            <a:off x="1790298" y="6951380"/>
+            <a:ext cx="14950440" cy="0"/>
+          </a:xfrm>
+          <a:prstGeom prst="line">
+            <a:avLst/>
+          </a:prstGeom>
+          <a:ln w="6350">
+            <a:solidFill>
+              <a:schemeClr val="tx1">
+                <a:lumMod val="50000"/>
+                <a:lumOff val="50000"/>
+              </a:schemeClr>
+            </a:solidFill>
+          </a:ln>
+        </p:spPr>
+        <p:style>
+          <a:lnRef idx="1">
+            <a:schemeClr val="accent1"/>
+          </a:lnRef>
+          <a:fillRef idx="0">
+            <a:schemeClr val="accent1"/>
+          </a:fillRef>
+          <a:effectRef idx="0">
+            <a:schemeClr val="accent1"/>
+          </a:effectRef>
+          <a:fontRef idx="minor">
+            <a:schemeClr val="tx1"/>
+          </a:fontRef>
+        </p:style>
+      </p:cxnSp>
     </p:spTree>
     <p:extLst>
       <p:ext uri="{BB962C8B-B14F-4D97-AF65-F5344CB8AC3E}">
-        <p14:creationId xmlns:p14="http://schemas.microsoft.com/office/powerpoint/2010/main" val="616246274"/>
+        <p14:creationId xmlns:p14="http://schemas.microsoft.com/office/powerpoint/2010/main" val="4024436085"/>
       </p:ext>
     </p:extLst>
   </p:cSld>
   <p:clrMap bg1="lt1" tx1="dk1" bg2="lt2" tx2="dk2" accent1="accent1" accent2="accent2" accent3="accent3" accent4="accent4" accent5="accent5" accent6="accent6" hlink="hlink" folHlink="folHlink"/>
   <p:sldLayoutIdLst>
-    <p:sldLayoutId id="2147483661" r:id="rId1"/>
-    <p:sldLayoutId id="2147483662" r:id="rId2"/>
-    <p:sldLayoutId id="2147483663" r:id="rId3"/>
-    <p:sldLayoutId id="2147483664" r:id="rId4"/>
-    <p:sldLayoutId id="2147483665" r:id="rId5"/>
-    <p:sldLayoutId id="2147483666" r:id="rId6"/>
-    <p:sldLayoutId id="2147483667" r:id="rId7"/>
-    <p:sldLayoutId id="2147483668" r:id="rId8"/>
-    <p:sldLayoutId id="2147483669" r:id="rId9"/>
-    <p:sldLayoutId id="2147483670" r:id="rId10"/>
-    <p:sldLayoutId id="2147483671" r:id="rId11"/>
+    <p:sldLayoutId id="2147483673" r:id="rId1"/>
+    <p:sldLayoutId id="2147483674" r:id="rId2"/>
+    <p:sldLayoutId id="2147483675" r:id="rId3"/>
+    <p:sldLayoutId id="2147483676" r:id="rId4"/>
+    <p:sldLayoutId id="2147483677" r:id="rId5"/>
+    <p:sldLayoutId id="2147483678" r:id="rId6"/>
+    <p:sldLayoutId id="2147483679" r:id="rId7"/>
+    <p:sldLayoutId id="2147483680" r:id="rId8"/>
+    <p:sldLayoutId id="2147483681" r:id="rId9"/>
+    <p:sldLayoutId id="2147483682" r:id="rId10"/>
+    <p:sldLayoutId id="2147483683" r:id="rId11"/>
   </p:sldLayoutIdLst>
   <p:txStyles>
     <p:titleStyle>
       <a:lvl1pPr algn="l" defTabSz="1828800" rtl="0" eaLnBrk="1" latinLnBrk="0" hangingPunct="1">
         <a:lnSpc>
-          <a:spcPct val="90000"/>
+          <a:spcPct val="85000"/>
         </a:lnSpc>
         <a:spcBef>
           <a:spcPct val="0"/>
         </a:spcBef>
         <a:buNone/>
-        <a:defRPr sz="8800" kern="1200">
+        <a:defRPr sz="9600" kern="1200" spc="-100" baseline="0">
           <a:solidFill>
-            <a:schemeClr val="tx1"/>
+            <a:schemeClr val="tx1">
+              <a:lumMod val="75000"/>
+              <a:lumOff val="25000"/>
+            </a:schemeClr>
           </a:solidFill>
           <a:latin typeface="+mj-lt"/>
           <a:ea typeface="+mj-ea"/>
@@ -3124,162 +3881,244 @@
       </a:lvl1pPr>
     </p:titleStyle>
     <p:bodyStyle>
-      <a:lvl1pPr marL="457200" indent="-457200" algn="l" defTabSz="1828800" rtl="0" eaLnBrk="1" latinLnBrk="0" hangingPunct="1">
+      <a:lvl1pPr marL="182880" indent="-182880" algn="l" defTabSz="1828800" rtl="0" eaLnBrk="1" latinLnBrk="0" hangingPunct="1">
         <a:lnSpc>
           <a:spcPct val="90000"/>
         </a:lnSpc>
         <a:spcBef>
-          <a:spcPts val="2000"/>
+          <a:spcPts val="2400"/>
         </a:spcBef>
-        <a:buFont typeface="Arial" panose="020B0604020202020204" pitchFamily="34" charset="0"/>
-        <a:buChar char="•"/>
-        <a:defRPr sz="5600" kern="1200">
+        <a:spcAft>
+          <a:spcPts val="400"/>
+        </a:spcAft>
+        <a:buClr>
+          <a:schemeClr val="accent1"/>
+        </a:buClr>
+        <a:buSzPct val="100000"/>
+        <a:buFont typeface="Calibri" panose="020F0502020204030204" pitchFamily="34" charset="0"/>
+        <a:buChar char=" "/>
+        <a:defRPr sz="4000" kern="1200">
           <a:solidFill>
-            <a:schemeClr val="tx1"/>
+            <a:schemeClr val="tx1">
+              <a:lumMod val="75000"/>
+              <a:lumOff val="25000"/>
+            </a:schemeClr>
           </a:solidFill>
           <a:latin typeface="+mn-lt"/>
           <a:ea typeface="+mn-ea"/>
           <a:cs typeface="+mn-cs"/>
         </a:defRPr>
       </a:lvl1pPr>
-      <a:lvl2pPr marL="1371600" indent="-457200" algn="l" defTabSz="1828800" rtl="0" eaLnBrk="1" latinLnBrk="0" hangingPunct="1">
+      <a:lvl2pPr marL="768096" indent="-365760" algn="l" defTabSz="1828800" rtl="0" eaLnBrk="1" latinLnBrk="0" hangingPunct="1">
         <a:lnSpc>
           <a:spcPct val="90000"/>
         </a:lnSpc>
         <a:spcBef>
-          <a:spcPts val="1000"/>
+          <a:spcPts val="400"/>
         </a:spcBef>
-        <a:buFont typeface="Arial" panose="020B0604020202020204" pitchFamily="34" charset="0"/>
-        <a:buChar char="•"/>
-        <a:defRPr sz="4800" kern="1200">
+        <a:spcAft>
+          <a:spcPts val="800"/>
+        </a:spcAft>
+        <a:buClr>
+          <a:schemeClr val="accent1"/>
+        </a:buClr>
+        <a:buFont typeface="Calibri" pitchFamily="34" charset="0"/>
+        <a:buChar char="◦"/>
+        <a:defRPr sz="3600" kern="1200">
           <a:solidFill>
-            <a:schemeClr val="tx1"/>
+            <a:schemeClr val="tx1">
+              <a:lumMod val="75000"/>
+              <a:lumOff val="25000"/>
+            </a:schemeClr>
           </a:solidFill>
           <a:latin typeface="+mn-lt"/>
           <a:ea typeface="+mn-ea"/>
           <a:cs typeface="+mn-cs"/>
         </a:defRPr>
       </a:lvl2pPr>
-      <a:lvl3pPr marL="2286000" indent="-457200" algn="l" defTabSz="1828800" rtl="0" eaLnBrk="1" latinLnBrk="0" hangingPunct="1">
+      <a:lvl3pPr marL="1133856" indent="-365760" algn="l" defTabSz="1828800" rtl="0" eaLnBrk="1" latinLnBrk="0" hangingPunct="1">
         <a:lnSpc>
           <a:spcPct val="90000"/>
         </a:lnSpc>
         <a:spcBef>
-          <a:spcPts val="1000"/>
+          <a:spcPts val="400"/>
         </a:spcBef>
-        <a:buFont typeface="Arial" panose="020B0604020202020204" pitchFamily="34" charset="0"/>
-        <a:buChar char="•"/>
-        <a:defRPr sz="4000" kern="1200">
+        <a:spcAft>
+          <a:spcPts val="800"/>
+        </a:spcAft>
+        <a:buClr>
+          <a:schemeClr val="accent1"/>
+        </a:buClr>
+        <a:buFont typeface="Calibri" pitchFamily="34" charset="0"/>
+        <a:buChar char="◦"/>
+        <a:defRPr sz="2800" kern="1200">
           <a:solidFill>
-            <a:schemeClr val="tx1"/>
+            <a:schemeClr val="tx1">
+              <a:lumMod val="75000"/>
+              <a:lumOff val="25000"/>
+            </a:schemeClr>
           </a:solidFill>
           <a:latin typeface="+mn-lt"/>
           <a:ea typeface="+mn-ea"/>
           <a:cs typeface="+mn-cs"/>
         </a:defRPr>
       </a:lvl3pPr>
-      <a:lvl4pPr marL="3200400" indent="-457200" algn="l" defTabSz="1828800" rtl="0" eaLnBrk="1" latinLnBrk="0" hangingPunct="1">
+      <a:lvl4pPr marL="1499616" indent="-365760" algn="l" defTabSz="1828800" rtl="0" eaLnBrk="1" latinLnBrk="0" hangingPunct="1">
         <a:lnSpc>
           <a:spcPct val="90000"/>
         </a:lnSpc>
         <a:spcBef>
-          <a:spcPts val="1000"/>
+          <a:spcPts val="400"/>
         </a:spcBef>
-        <a:buFont typeface="Arial" panose="020B0604020202020204" pitchFamily="34" charset="0"/>
-        <a:buChar char="•"/>
-        <a:defRPr sz="3600" kern="1200">
+        <a:spcAft>
+          <a:spcPts val="800"/>
+        </a:spcAft>
+        <a:buClr>
+          <a:schemeClr val="accent1"/>
+        </a:buClr>
+        <a:buFont typeface="Calibri" pitchFamily="34" charset="0"/>
+        <a:buChar char="◦"/>
+        <a:defRPr sz="2800" kern="1200">
           <a:solidFill>
-            <a:schemeClr val="tx1"/>
+            <a:schemeClr val="tx1">
+              <a:lumMod val="75000"/>
+              <a:lumOff val="25000"/>
+            </a:schemeClr>
           </a:solidFill>
           <a:latin typeface="+mn-lt"/>
           <a:ea typeface="+mn-ea"/>
           <a:cs typeface="+mn-cs"/>
         </a:defRPr>
       </a:lvl4pPr>
-      <a:lvl5pPr marL="4114800" indent="-457200" algn="l" defTabSz="1828800" rtl="0" eaLnBrk="1" latinLnBrk="0" hangingPunct="1">
+      <a:lvl5pPr marL="1865376" indent="-365760" algn="l" defTabSz="1828800" rtl="0" eaLnBrk="1" latinLnBrk="0" hangingPunct="1">
         <a:lnSpc>
           <a:spcPct val="90000"/>
         </a:lnSpc>
         <a:spcBef>
-          <a:spcPts val="1000"/>
+          <a:spcPts val="400"/>
         </a:spcBef>
-        <a:buFont typeface="Arial" panose="020B0604020202020204" pitchFamily="34" charset="0"/>
-        <a:buChar char="•"/>
-        <a:defRPr sz="3600" kern="1200">
+        <a:spcAft>
+          <a:spcPts val="800"/>
+        </a:spcAft>
+        <a:buClr>
+          <a:schemeClr val="accent1"/>
+        </a:buClr>
+        <a:buFont typeface="Calibri" pitchFamily="34" charset="0"/>
+        <a:buChar char="◦"/>
+        <a:defRPr sz="2800" kern="1200">
           <a:solidFill>
-            <a:schemeClr val="tx1"/>
+            <a:schemeClr val="tx1">
+              <a:lumMod val="75000"/>
+              <a:lumOff val="25000"/>
+            </a:schemeClr>
           </a:solidFill>
           <a:latin typeface="+mn-lt"/>
           <a:ea typeface="+mn-ea"/>
           <a:cs typeface="+mn-cs"/>
         </a:defRPr>
       </a:lvl5pPr>
-      <a:lvl6pPr marL="5029200" indent="-457200" algn="l" defTabSz="1828800" rtl="0" eaLnBrk="1" latinLnBrk="0" hangingPunct="1">
+      <a:lvl6pPr marL="2200000" indent="-457200" algn="l" defTabSz="1828800" rtl="0" eaLnBrk="1" latinLnBrk="0" hangingPunct="1">
         <a:lnSpc>
           <a:spcPct val="90000"/>
         </a:lnSpc>
         <a:spcBef>
-          <a:spcPts val="1000"/>
+          <a:spcPts val="400"/>
         </a:spcBef>
-        <a:buFont typeface="Arial" panose="020B0604020202020204" pitchFamily="34" charset="0"/>
-        <a:buChar char="•"/>
-        <a:defRPr sz="3600" kern="1200">
+        <a:spcAft>
+          <a:spcPts val="800"/>
+        </a:spcAft>
+        <a:buClr>
+          <a:schemeClr val="accent1"/>
+        </a:buClr>
+        <a:buFont typeface="Calibri" pitchFamily="34" charset="0"/>
+        <a:buChar char="◦"/>
+        <a:defRPr sz="2800" kern="1200">
           <a:solidFill>
-            <a:schemeClr val="tx1"/>
+            <a:schemeClr val="tx1">
+              <a:lumMod val="75000"/>
+              <a:lumOff val="25000"/>
+            </a:schemeClr>
           </a:solidFill>
           <a:latin typeface="+mn-lt"/>
           <a:ea typeface="+mn-ea"/>
           <a:cs typeface="+mn-cs"/>
         </a:defRPr>
       </a:lvl6pPr>
-      <a:lvl7pPr marL="5943600" indent="-457200" algn="l" defTabSz="1828800" rtl="0" eaLnBrk="1" latinLnBrk="0" hangingPunct="1">
+      <a:lvl7pPr marL="2600000" indent="-457200" algn="l" defTabSz="1828800" rtl="0" eaLnBrk="1" latinLnBrk="0" hangingPunct="1">
         <a:lnSpc>
           <a:spcPct val="90000"/>
         </a:lnSpc>
         <a:spcBef>
-          <a:spcPts val="1000"/>
+          <a:spcPts val="400"/>
         </a:spcBef>
-        <a:buFont typeface="Arial" panose="020B0604020202020204" pitchFamily="34" charset="0"/>
-        <a:buChar char="•"/>
-        <a:defRPr sz="3600" kern="1200">
+        <a:spcAft>
+          <a:spcPts val="800"/>
+        </a:spcAft>
+        <a:buClr>
+          <a:schemeClr val="accent1"/>
+        </a:buClr>
+        <a:buFont typeface="Calibri" pitchFamily="34" charset="0"/>
+        <a:buChar char="◦"/>
+        <a:defRPr sz="2800" kern="1200">
           <a:solidFill>
-            <a:schemeClr val="tx1"/>
+            <a:schemeClr val="tx1">
+              <a:lumMod val="75000"/>
+              <a:lumOff val="25000"/>
+            </a:schemeClr>
           </a:solidFill>
           <a:latin typeface="+mn-lt"/>
           <a:ea typeface="+mn-ea"/>
           <a:cs typeface="+mn-cs"/>
         </a:defRPr>
       </a:lvl7pPr>
-      <a:lvl8pPr marL="6858000" indent="-457200" algn="l" defTabSz="1828800" rtl="0" eaLnBrk="1" latinLnBrk="0" hangingPunct="1">
+      <a:lvl8pPr marL="3000000" indent="-457200" algn="l" defTabSz="1828800" rtl="0" eaLnBrk="1" latinLnBrk="0" hangingPunct="1">
         <a:lnSpc>
           <a:spcPct val="90000"/>
         </a:lnSpc>
         <a:spcBef>
-          <a:spcPts val="1000"/>
+          <a:spcPts val="400"/>
         </a:spcBef>
-        <a:buFont typeface="Arial" panose="020B0604020202020204" pitchFamily="34" charset="0"/>
-        <a:buChar char="•"/>
-        <a:defRPr sz="3600" kern="1200">
+        <a:spcAft>
+          <a:spcPts val="800"/>
+        </a:spcAft>
+        <a:buClr>
+          <a:schemeClr val="accent1"/>
+        </a:buClr>
+        <a:buFont typeface="Calibri" pitchFamily="34" charset="0"/>
+        <a:buChar char="◦"/>
+        <a:defRPr sz="2800" kern="1200">
           <a:solidFill>
-            <a:schemeClr val="tx1"/>
+            <a:schemeClr val="tx1">
+              <a:lumMod val="75000"/>
+              <a:lumOff val="25000"/>
+            </a:schemeClr>
           </a:solidFill>
           <a:latin typeface="+mn-lt"/>
           <a:ea typeface="+mn-ea"/>
           <a:cs typeface="+mn-cs"/>
         </a:defRPr>
       </a:lvl8pPr>
-      <a:lvl9pPr marL="7772400" indent="-457200" algn="l" defTabSz="1828800" rtl="0" eaLnBrk="1" latinLnBrk="0" hangingPunct="1">
+      <a:lvl9pPr marL="3400000" indent="-457200" algn="l" defTabSz="1828800" rtl="0" eaLnBrk="1" latinLnBrk="0" hangingPunct="1">
         <a:lnSpc>
           <a:spcPct val="90000"/>
         </a:lnSpc>
         <a:spcBef>
-          <a:spcPts val="1000"/>
+          <a:spcPts val="400"/>
         </a:spcBef>
-        <a:buFont typeface="Arial" panose="020B0604020202020204" pitchFamily="34" charset="0"/>
-        <a:buChar char="•"/>
-        <a:defRPr sz="3600" kern="1200">
+        <a:spcAft>
+          <a:spcPts val="800"/>
+        </a:spcAft>
+        <a:buClr>
+          <a:schemeClr val="accent1"/>
+        </a:buClr>
+        <a:buFont typeface="Calibri" pitchFamily="34" charset="0"/>
+        <a:buChar char="◦"/>
+        <a:defRPr sz="2800" kern="1200">
           <a:solidFill>
-            <a:schemeClr val="tx1"/>
+            <a:schemeClr val="tx1">
+              <a:lumMod val="75000"/>
+              <a:lumOff val="25000"/>
+            </a:schemeClr>
           </a:solidFill>
           <a:latin typeface="+mn-lt"/>
           <a:ea typeface="+mn-ea"/>
@@ -3411,8 +4250,8 @@
         </p:nvSpPr>
         <p:spPr>
           <a:xfrm>
-            <a:off x="4206240" y="4632960"/>
-            <a:ext cx="1441998" cy="757130"/>
+            <a:off x="0" y="2072640"/>
+            <a:ext cx="18288000" cy="923330"/>
           </a:xfrm>
           <a:prstGeom prst="rect">
             <a:avLst/>
@@ -3420,19 +4259,167 @@
           <a:noFill/>
         </p:spPr>
         <p:txBody>
-          <a:bodyPr wrap="none" rtlCol="0">
+          <a:bodyPr wrap="square" rtlCol="0">
             <a:spAutoFit/>
           </a:bodyPr>
           <a:lstStyle/>
           <a:p>
-            <a:r>
-              <a:rPr lang="en-US" smtClean="0"/>
-              <a:t>MAth</a:t>
-            </a:r>
-            <a:endParaRPr lang="en-US"/>
-          </a:p>
-        </p:txBody>
-      </p:sp>
+            <a:pPr algn="ctr"/>
+            <a:r>
+              <a:rPr lang="en-US" sz="5400" dirty="0"/>
+              <a:t>Offline mathematical expression recognizer</a:t>
+            </a:r>
+            <a:endParaRPr lang="en-US" sz="5400" dirty="0"/>
+          </a:p>
+        </p:txBody>
+      </p:sp>
+      <p:pic>
+        <p:nvPicPr>
+          <p:cNvPr id="2" name="Picture 1"/>
+          <p:cNvPicPr>
+            <a:picLocks noChangeAspect="1"/>
+          </p:cNvPicPr>
+          <p:nvPr/>
+        </p:nvPicPr>
+        <p:blipFill>
+          <a:blip r:embed="rId3">
+            <a:extLst>
+              <a:ext uri="{28A0092B-C50C-407E-A947-70E740481C1C}">
+                <a14:useLocalDpi xmlns:a14="http://schemas.microsoft.com/office/drawing/2010/main" val="0"/>
+              </a:ext>
+            </a:extLst>
+          </a:blip>
+          <a:stretch>
+            <a:fillRect/>
+          </a:stretch>
+        </p:blipFill>
+        <p:spPr>
+          <a:xfrm>
+            <a:off x="317500" y="5663184"/>
+            <a:ext cx="2234184" cy="2234184"/>
+          </a:xfrm>
+          <a:prstGeom prst="rect">
+            <a:avLst/>
+          </a:prstGeom>
+        </p:spPr>
+      </p:pic>
+      <p:pic>
+        <p:nvPicPr>
+          <p:cNvPr id="3" name="Picture 2"/>
+          <p:cNvPicPr>
+            <a:picLocks noChangeAspect="1"/>
+          </p:cNvPicPr>
+          <p:nvPr/>
+        </p:nvPicPr>
+        <p:blipFill rotWithShape="1">
+          <a:blip r:embed="rId4">
+            <a:extLst>
+              <a:ext uri="{28A0092B-C50C-407E-A947-70E740481C1C}">
+                <a14:useLocalDpi xmlns:a14="http://schemas.microsoft.com/office/drawing/2010/main" val="0"/>
+              </a:ext>
+            </a:extLst>
+          </a:blip>
+          <a:srcRect b="20469"/>
+          <a:stretch/>
+        </p:blipFill>
+        <p:spPr>
+          <a:xfrm>
+            <a:off x="2904168" y="4824984"/>
+            <a:ext cx="5177648" cy="4291584"/>
+          </a:xfrm>
+          <a:prstGeom prst="rect">
+            <a:avLst/>
+          </a:prstGeom>
+        </p:spPr>
+      </p:pic>
+      <p:pic>
+        <p:nvPicPr>
+          <p:cNvPr id="5" name="Picture 4"/>
+          <p:cNvPicPr>
+            <a:picLocks noChangeAspect="1"/>
+          </p:cNvPicPr>
+          <p:nvPr/>
+        </p:nvPicPr>
+        <p:blipFill>
+          <a:blip r:embed="rId5">
+            <a:extLst>
+              <a:ext uri="{28A0092B-C50C-407E-A947-70E740481C1C}">
+                <a14:useLocalDpi xmlns:a14="http://schemas.microsoft.com/office/drawing/2010/main" val="0"/>
+              </a:ext>
+            </a:extLst>
+          </a:blip>
+          <a:stretch>
+            <a:fillRect/>
+          </a:stretch>
+        </p:blipFill>
+        <p:spPr>
+          <a:xfrm>
+            <a:off x="8434300" y="4824984"/>
+            <a:ext cx="4291584" cy="4291584"/>
+          </a:xfrm>
+          <a:prstGeom prst="rect">
+            <a:avLst/>
+          </a:prstGeom>
+        </p:spPr>
+      </p:pic>
+      <p:pic>
+        <p:nvPicPr>
+          <p:cNvPr id="6" name="Picture 5"/>
+          <p:cNvPicPr>
+            <a:picLocks noChangeAspect="1"/>
+          </p:cNvPicPr>
+          <p:nvPr/>
+        </p:nvPicPr>
+        <p:blipFill rotWithShape="1">
+          <a:blip r:embed="rId6">
+            <a:extLst>
+              <a:ext uri="{28A0092B-C50C-407E-A947-70E740481C1C}">
+                <a14:useLocalDpi xmlns:a14="http://schemas.microsoft.com/office/drawing/2010/main" val="0"/>
+              </a:ext>
+            </a:extLst>
+          </a:blip>
+          <a:srcRect b="21295"/>
+          <a:stretch/>
+        </p:blipFill>
+        <p:spPr>
+          <a:xfrm>
+            <a:off x="13078368" y="5053584"/>
+            <a:ext cx="4826000" cy="3798316"/>
+          </a:xfrm>
+          <a:prstGeom prst="rect">
+            <a:avLst/>
+          </a:prstGeom>
+        </p:spPr>
+      </p:pic>
+      <p:pic>
+        <p:nvPicPr>
+          <p:cNvPr id="7" name="Picture 6"/>
+          <p:cNvPicPr>
+            <a:picLocks noChangeAspect="1"/>
+          </p:cNvPicPr>
+          <p:nvPr/>
+        </p:nvPicPr>
+        <p:blipFill rotWithShape="1">
+          <a:blip r:embed="rId7">
+            <a:extLst>
+              <a:ext uri="{28A0092B-C50C-407E-A947-70E740481C1C}">
+                <a14:useLocalDpi xmlns:a14="http://schemas.microsoft.com/office/drawing/2010/main" val="0"/>
+              </a:ext>
+            </a:extLst>
+          </a:blip>
+          <a:srcRect b="20182"/>
+          <a:stretch/>
+        </p:blipFill>
+        <p:spPr>
+          <a:xfrm>
+            <a:off x="4099468" y="9398000"/>
+            <a:ext cx="9753600" cy="7785100"/>
+          </a:xfrm>
+          <a:prstGeom prst="rect">
+            <a:avLst/>
+          </a:prstGeom>
+        </p:spPr>
+      </p:pic>
     </p:spTree>
     <p:extLst>
       <p:ext uri="{BB962C8B-B14F-4D97-AF65-F5344CB8AC3E}">
@@ -3454,47 +4441,47 @@
 </file>
 
 <file path=ppt/theme/theme1.xml><?xml version="1.0" encoding="utf-8"?>
-<a:theme xmlns:a="http://schemas.openxmlformats.org/drawingml/2006/main" name="Office Theme">
+<a:theme xmlns:a="http://schemas.openxmlformats.org/drawingml/2006/main" name="Retrospect">
   <a:themeElements>
-    <a:clrScheme name="Office Theme">
+    <a:clrScheme name="Retrospect">
       <a:dk1>
-        <a:sysClr val="windowText" lastClr="000000"/>
+        <a:srgbClr val="000000"/>
       </a:dk1>
       <a:lt1>
         <a:sysClr val="window" lastClr="FFFFFF"/>
       </a:lt1>
       <a:dk2>
-        <a:srgbClr val="44546A"/>
+        <a:srgbClr val="637052"/>
       </a:dk2>
       <a:lt2>
-        <a:srgbClr val="E7E6E6"/>
+        <a:srgbClr val="CCDDEA"/>
       </a:lt2>
       <a:accent1>
-        <a:srgbClr val="5B9BD5"/>
+        <a:srgbClr val="E48312"/>
       </a:accent1>
       <a:accent2>
-        <a:srgbClr val="ED7D31"/>
+        <a:srgbClr val="BD582C"/>
       </a:accent2>
       <a:accent3>
-        <a:srgbClr val="A5A5A5"/>
+        <a:srgbClr val="865640"/>
       </a:accent3>
       <a:accent4>
-        <a:srgbClr val="FFC000"/>
+        <a:srgbClr val="9B8357"/>
       </a:accent4>
       <a:accent5>
-        <a:srgbClr val="4472C4"/>
+        <a:srgbClr val="C2BC80"/>
       </a:accent5>
       <a:accent6>
-        <a:srgbClr val="70AD47"/>
+        <a:srgbClr val="94A088"/>
       </a:accent6>
       <a:hlink>
-        <a:srgbClr val="0563C1"/>
+        <a:srgbClr val="2998E3"/>
       </a:hlink>
       <a:folHlink>
-        <a:srgbClr val="954F72"/>
+        <a:srgbClr val="8C8C8C"/>
       </a:folHlink>
     </a:clrScheme>
-    <a:fontScheme name="Office Theme">
+    <a:fontScheme name="Retrospect">
       <a:majorFont>
         <a:latin typeface="Calibri Light" panose="020F0302020204030204"/>
         <a:ea typeface=""/>
@@ -3566,7 +4553,7 @@
         <a:font script="Geor" typeface="Sylfaen"/>
       </a:minorFont>
     </a:fontScheme>
-    <a:fmtScheme name="Office Theme">
+    <a:fmtScheme name="Retrospect">
       <a:fillStyleLst>
         <a:solidFill>
           <a:schemeClr val="phClr"/>
@@ -3575,76 +4562,81 @@
           <a:gsLst>
             <a:gs pos="0">
               <a:schemeClr val="phClr">
-                <a:lumMod val="110000"/>
-                <a:satMod val="105000"/>
-                <a:tint val="67000"/>
+                <a:tint val="65000"/>
+                <a:shade val="92000"/>
+                <a:satMod val="130000"/>
               </a:schemeClr>
             </a:gs>
-            <a:gs pos="50000">
+            <a:gs pos="45000">
               <a:schemeClr val="phClr">
-                <a:lumMod val="105000"/>
-                <a:satMod val="103000"/>
-                <a:tint val="73000"/>
+                <a:tint val="60000"/>
+                <a:shade val="99000"/>
+                <a:satMod val="120000"/>
               </a:schemeClr>
             </a:gs>
             <a:gs pos="100000">
               <a:schemeClr val="phClr">
-                <a:lumMod val="105000"/>
-                <a:satMod val="109000"/>
-                <a:tint val="81000"/>
+                <a:tint val="55000"/>
+                <a:satMod val="140000"/>
               </a:schemeClr>
             </a:gs>
           </a:gsLst>
-          <a:lin ang="5400000" scaled="0"/>
+          <a:path path="circle">
+            <a:fillToRect l="100000" t="100000" r="100000" b="100000"/>
+          </a:path>
         </a:gradFill>
         <a:gradFill rotWithShape="1">
           <a:gsLst>
             <a:gs pos="0">
               <a:schemeClr val="phClr">
-                <a:satMod val="103000"/>
-                <a:lumMod val="102000"/>
-                <a:tint val="94000"/>
+                <a:shade val="85000"/>
+                <a:satMod val="130000"/>
               </a:schemeClr>
             </a:gs>
-            <a:gs pos="50000">
+            <a:gs pos="34000">
               <a:schemeClr val="phClr">
-                <a:satMod val="110000"/>
-                <a:lumMod val="100000"/>
-                <a:shade val="100000"/>
+                <a:shade val="87000"/>
+                <a:satMod val="125000"/>
+              </a:schemeClr>
+            </a:gs>
+            <a:gs pos="70000">
+              <a:schemeClr val="phClr">
+                <a:tint val="100000"/>
+                <a:shade val="90000"/>
+                <a:satMod val="130000"/>
               </a:schemeClr>
             </a:gs>
             <a:gs pos="100000">
               <a:schemeClr val="phClr">
-                <a:lumMod val="99000"/>
-                <a:satMod val="120000"/>
-                <a:shade val="78000"/>
+                <a:tint val="100000"/>
+                <a:shade val="100000"/>
+                <a:satMod val="110000"/>
               </a:schemeClr>
             </a:gs>
           </a:gsLst>
-          <a:lin ang="5400000" scaled="0"/>
+          <a:path path="circle">
+            <a:fillToRect l="100000" t="100000" r="100000" b="100000"/>
+          </a:path>
         </a:gradFill>
       </a:fillStyleLst>
       <a:lnStyleLst>
-        <a:ln w="6350" cap="flat" cmpd="sng" algn="ctr">
-          <a:solidFill>
-            <a:schemeClr val="phClr"/>
-          </a:solidFill>
-          <a:prstDash val="solid"/>
-          <a:miter lim="800000"/>
-        </a:ln>
         <a:ln w="12700" cap="flat" cmpd="sng" algn="ctr">
           <a:solidFill>
             <a:schemeClr val="phClr"/>
           </a:solidFill>
           <a:prstDash val="solid"/>
-          <a:miter lim="800000"/>
         </a:ln>
-        <a:ln w="19050" cap="flat" cmpd="sng" algn="ctr">
+        <a:ln w="15875" cap="flat" cmpd="sng" algn="ctr">
           <a:solidFill>
             <a:schemeClr val="phClr"/>
           </a:solidFill>
           <a:prstDash val="solid"/>
-          <a:miter lim="800000"/>
+        </a:ln>
+        <a:ln w="25400" cap="flat" cmpd="sng" algn="ctr">
+          <a:solidFill>
+            <a:schemeClr val="phClr"/>
+          </a:solidFill>
+          <a:prstDash val="solid"/>
         </a:ln>
       </a:lnStyleLst>
       <a:effectStyleLst>
@@ -3652,16 +4644,33 @@
           <a:effectLst/>
         </a:effectStyle>
         <a:effectStyle>
-          <a:effectLst/>
+          <a:effectLst>
+            <a:outerShdw blurRad="38100" dist="25400" dir="2700000" algn="br" rotWithShape="0">
+              <a:srgbClr val="000000">
+                <a:alpha val="60000"/>
+              </a:srgbClr>
+            </a:outerShdw>
+          </a:effectLst>
         </a:effectStyle>
         <a:effectStyle>
           <a:effectLst>
-            <a:outerShdw blurRad="57150" dist="19050" dir="5400000" algn="ctr" rotWithShape="0">
+            <a:outerShdw blurRad="44450" dist="25400" dir="2700000" algn="br" rotWithShape="0">
               <a:srgbClr val="000000">
-                <a:alpha val="63000"/>
+                <a:alpha val="60000"/>
               </a:srgbClr>
             </a:outerShdw>
           </a:effectLst>
+          <a:scene3d>
+            <a:camera prst="orthographicFront">
+              <a:rot lat="0" lon="0" rev="0"/>
+            </a:camera>
+            <a:lightRig rig="threePt" dir="t">
+              <a:rot lat="0" lon="0" rev="19800000"/>
+            </a:lightRig>
+          </a:scene3d>
+          <a:sp3d prstMaterial="flat">
+            <a:bevelT w="25400" h="31750"/>
+          </a:sp3d>
         </a:effectStyle>
       </a:effectStyleLst>
       <a:bgFillStyleLst>
@@ -3670,36 +4679,36 @@
         </a:solidFill>
         <a:solidFill>
           <a:schemeClr val="phClr">
-            <a:tint val="95000"/>
-            <a:satMod val="170000"/>
+            <a:tint val="90000"/>
+            <a:shade val="97000"/>
+            <a:satMod val="130000"/>
           </a:schemeClr>
         </a:solidFill>
         <a:gradFill rotWithShape="1">
           <a:gsLst>
             <a:gs pos="0">
               <a:schemeClr val="phClr">
-                <a:tint val="93000"/>
-                <a:satMod val="150000"/>
-                <a:shade val="98000"/>
-                <a:lumMod val="102000"/>
+                <a:tint val="96000"/>
+                <a:shade val="99000"/>
+                <a:satMod val="140000"/>
               </a:schemeClr>
             </a:gs>
-            <a:gs pos="50000">
+            <a:gs pos="65000">
               <a:schemeClr val="phClr">
-                <a:tint val="98000"/>
+                <a:tint val="100000"/>
+                <a:shade val="80000"/>
                 <a:satMod val="130000"/>
-                <a:shade val="90000"/>
-                <a:lumMod val="103000"/>
               </a:schemeClr>
             </a:gs>
             <a:gs pos="100000">
               <a:schemeClr val="phClr">
-                <a:shade val="63000"/>
+                <a:tint val="100000"/>
+                <a:shade val="48000"/>
                 <a:satMod val="120000"/>
               </a:schemeClr>
             </a:gs>
           </a:gsLst>
-          <a:lin ang="5400000" scaled="0"/>
+          <a:lin ang="16200000" scaled="0"/>
         </a:gradFill>
       </a:bgFillStyleLst>
     </a:fmtScheme>
@@ -3708,7 +4717,7 @@
   <a:extraClrSchemeLst/>
   <a:extLst>
     <a:ext uri="{05A4C25C-085E-4340-85A3-A5531E510DB2}">
-      <thm15:themeFamily xmlns:thm15="http://schemas.microsoft.com/office/thememl/2012/main" name="Office Theme" id="{62F939B6-93AF-4DB8-9C6B-D6C7DFDC589F}" vid="{4A3C46E8-61CC-4603-A589-7422A47A8E4A}"/>
+      <thm15:themeFamily xmlns:thm15="http://schemas.microsoft.com/office/thememl/2012/main" name="Retrospect" id="{5F128B03-DCCA-4EEB-AB3B-CF2899314A46}" vid="{3F1AAB62-24C6-49D2-8E01-B56FAC9A3DCD}"/>
     </a:ext>
   </a:extLst>
 </a:theme>

--- a/poster/poster.pptx
+++ b/poster/poster.pptx
@@ -113,6 +113,3821 @@
     </p:ext>
   </p:extLst>
 </p:presentation>
+</file>
+
+<file path=ppt/diagrams/colors1.xml><?xml version="1.0" encoding="utf-8"?>
+<dgm:colorsDef xmlns:dgm="http://schemas.openxmlformats.org/drawingml/2006/diagram" xmlns:a="http://schemas.openxmlformats.org/drawingml/2006/main" uniqueId="urn:microsoft.com/office/officeart/2005/8/colors/accent1_2">
+  <dgm:title val=""/>
+  <dgm:desc val=""/>
+  <dgm:catLst>
+    <dgm:cat type="accent1" pri="11200"/>
+  </dgm:catLst>
+  <dgm:styleLbl name="node0">
+    <dgm:fillClrLst meth="repeat">
+      <a:schemeClr val="accent1"/>
+    </dgm:fillClrLst>
+    <dgm:linClrLst meth="repeat">
+      <a:schemeClr val="lt1"/>
+    </dgm:linClrLst>
+    <dgm:effectClrLst/>
+    <dgm:txLinClrLst/>
+    <dgm:txFillClrLst/>
+    <dgm:txEffectClrLst/>
+  </dgm:styleLbl>
+  <dgm:styleLbl name="alignNode1">
+    <dgm:fillClrLst meth="repeat">
+      <a:schemeClr val="accent1"/>
+    </dgm:fillClrLst>
+    <dgm:linClrLst meth="repeat">
+      <a:schemeClr val="accent1"/>
+    </dgm:linClrLst>
+    <dgm:effectClrLst/>
+    <dgm:txLinClrLst/>
+    <dgm:txFillClrLst/>
+    <dgm:txEffectClrLst/>
+  </dgm:styleLbl>
+  <dgm:styleLbl name="node1">
+    <dgm:fillClrLst meth="repeat">
+      <a:schemeClr val="accent1"/>
+    </dgm:fillClrLst>
+    <dgm:linClrLst meth="repeat">
+      <a:schemeClr val="lt1"/>
+    </dgm:linClrLst>
+    <dgm:effectClrLst/>
+    <dgm:txLinClrLst/>
+    <dgm:txFillClrLst/>
+    <dgm:txEffectClrLst/>
+  </dgm:styleLbl>
+  <dgm:styleLbl name="lnNode1">
+    <dgm:fillClrLst meth="repeat">
+      <a:schemeClr val="accent1"/>
+    </dgm:fillClrLst>
+    <dgm:linClrLst meth="repeat">
+      <a:schemeClr val="lt1"/>
+    </dgm:linClrLst>
+    <dgm:effectClrLst/>
+    <dgm:txLinClrLst/>
+    <dgm:txFillClrLst/>
+    <dgm:txEffectClrLst/>
+  </dgm:styleLbl>
+  <dgm:styleLbl name="vennNode1">
+    <dgm:fillClrLst meth="repeat">
+      <a:schemeClr val="accent1">
+        <a:alpha val="50000"/>
+      </a:schemeClr>
+    </dgm:fillClrLst>
+    <dgm:linClrLst meth="repeat">
+      <a:schemeClr val="lt1"/>
+    </dgm:linClrLst>
+    <dgm:effectClrLst/>
+    <dgm:txLinClrLst/>
+    <dgm:txFillClrLst/>
+    <dgm:txEffectClrLst/>
+  </dgm:styleLbl>
+  <dgm:styleLbl name="node2">
+    <dgm:fillClrLst meth="repeat">
+      <a:schemeClr val="accent1"/>
+    </dgm:fillClrLst>
+    <dgm:linClrLst meth="repeat">
+      <a:schemeClr val="lt1"/>
+    </dgm:linClrLst>
+    <dgm:effectClrLst/>
+    <dgm:txLinClrLst/>
+    <dgm:txFillClrLst/>
+    <dgm:txEffectClrLst/>
+  </dgm:styleLbl>
+  <dgm:styleLbl name="node3">
+    <dgm:fillClrLst meth="repeat">
+      <a:schemeClr val="accent1"/>
+    </dgm:fillClrLst>
+    <dgm:linClrLst meth="repeat">
+      <a:schemeClr val="lt1"/>
+    </dgm:linClrLst>
+    <dgm:effectClrLst/>
+    <dgm:txLinClrLst/>
+    <dgm:txFillClrLst/>
+    <dgm:txEffectClrLst/>
+  </dgm:styleLbl>
+  <dgm:styleLbl name="node4">
+    <dgm:fillClrLst meth="repeat">
+      <a:schemeClr val="accent1"/>
+    </dgm:fillClrLst>
+    <dgm:linClrLst meth="repeat">
+      <a:schemeClr val="lt1"/>
+    </dgm:linClrLst>
+    <dgm:effectClrLst/>
+    <dgm:txLinClrLst/>
+    <dgm:txFillClrLst/>
+    <dgm:txEffectClrLst/>
+  </dgm:styleLbl>
+  <dgm:styleLbl name="fgImgPlace1">
+    <dgm:fillClrLst meth="repeat">
+      <a:schemeClr val="accent1">
+        <a:tint val="50000"/>
+      </a:schemeClr>
+    </dgm:fillClrLst>
+    <dgm:linClrLst meth="repeat">
+      <a:schemeClr val="lt1"/>
+    </dgm:linClrLst>
+    <dgm:effectClrLst/>
+    <dgm:txLinClrLst/>
+    <dgm:txFillClrLst meth="repeat">
+      <a:schemeClr val="lt1"/>
+    </dgm:txFillClrLst>
+    <dgm:txEffectClrLst/>
+  </dgm:styleLbl>
+  <dgm:styleLbl name="alignImgPlace1">
+    <dgm:fillClrLst meth="repeat">
+      <a:schemeClr val="accent1">
+        <a:tint val="50000"/>
+      </a:schemeClr>
+    </dgm:fillClrLst>
+    <dgm:linClrLst meth="repeat">
+      <a:schemeClr val="lt1"/>
+    </dgm:linClrLst>
+    <dgm:effectClrLst/>
+    <dgm:txLinClrLst/>
+    <dgm:txFillClrLst meth="repeat">
+      <a:schemeClr val="lt1"/>
+    </dgm:txFillClrLst>
+    <dgm:txEffectClrLst/>
+  </dgm:styleLbl>
+  <dgm:styleLbl name="bgImgPlace1">
+    <dgm:fillClrLst meth="repeat">
+      <a:schemeClr val="accent1">
+        <a:tint val="50000"/>
+      </a:schemeClr>
+    </dgm:fillClrLst>
+    <dgm:linClrLst meth="repeat">
+      <a:schemeClr val="lt1"/>
+    </dgm:linClrLst>
+    <dgm:effectClrLst/>
+    <dgm:txLinClrLst/>
+    <dgm:txFillClrLst meth="repeat">
+      <a:schemeClr val="lt1"/>
+    </dgm:txFillClrLst>
+    <dgm:txEffectClrLst/>
+  </dgm:styleLbl>
+  <dgm:styleLbl name="sibTrans2D1">
+    <dgm:fillClrLst meth="repeat">
+      <a:schemeClr val="accent1">
+        <a:tint val="60000"/>
+      </a:schemeClr>
+    </dgm:fillClrLst>
+    <dgm:linClrLst meth="repeat">
+      <a:schemeClr val="accent1">
+        <a:tint val="60000"/>
+      </a:schemeClr>
+    </dgm:linClrLst>
+    <dgm:effectClrLst/>
+    <dgm:txLinClrLst/>
+    <dgm:txFillClrLst/>
+    <dgm:txEffectClrLst/>
+  </dgm:styleLbl>
+  <dgm:styleLbl name="fgSibTrans2D1">
+    <dgm:fillClrLst meth="repeat">
+      <a:schemeClr val="accent1">
+        <a:tint val="60000"/>
+      </a:schemeClr>
+    </dgm:fillClrLst>
+    <dgm:linClrLst meth="repeat">
+      <a:schemeClr val="accent1">
+        <a:tint val="60000"/>
+      </a:schemeClr>
+    </dgm:linClrLst>
+    <dgm:effectClrLst/>
+    <dgm:txLinClrLst/>
+    <dgm:txFillClrLst/>
+    <dgm:txEffectClrLst/>
+  </dgm:styleLbl>
+  <dgm:styleLbl name="bgSibTrans2D1">
+    <dgm:fillClrLst meth="repeat">
+      <a:schemeClr val="accent1">
+        <a:tint val="60000"/>
+      </a:schemeClr>
+    </dgm:fillClrLst>
+    <dgm:linClrLst meth="repeat">
+      <a:schemeClr val="accent1">
+        <a:tint val="60000"/>
+      </a:schemeClr>
+    </dgm:linClrLst>
+    <dgm:effectClrLst/>
+    <dgm:txLinClrLst/>
+    <dgm:txFillClrLst/>
+    <dgm:txEffectClrLst/>
+  </dgm:styleLbl>
+  <dgm:styleLbl name="sibTrans1D1">
+    <dgm:fillClrLst meth="repeat">
+      <a:schemeClr val="accent1"/>
+    </dgm:fillClrLst>
+    <dgm:linClrLst meth="repeat">
+      <a:schemeClr val="accent1"/>
+    </dgm:linClrLst>
+    <dgm:effectClrLst/>
+    <dgm:txLinClrLst/>
+    <dgm:txFillClrLst meth="repeat">
+      <a:schemeClr val="tx1"/>
+    </dgm:txFillClrLst>
+    <dgm:txEffectClrLst/>
+  </dgm:styleLbl>
+  <dgm:styleLbl name="callout">
+    <dgm:fillClrLst meth="repeat">
+      <a:schemeClr val="accent1"/>
+    </dgm:fillClrLst>
+    <dgm:linClrLst meth="repeat">
+      <a:schemeClr val="accent1">
+        <a:tint val="50000"/>
+      </a:schemeClr>
+    </dgm:linClrLst>
+    <dgm:effectClrLst/>
+    <dgm:txLinClrLst/>
+    <dgm:txFillClrLst meth="repeat">
+      <a:schemeClr val="tx1"/>
+    </dgm:txFillClrLst>
+    <dgm:txEffectClrLst/>
+  </dgm:styleLbl>
+  <dgm:styleLbl name="asst0">
+    <dgm:fillClrLst meth="repeat">
+      <a:schemeClr val="accent1"/>
+    </dgm:fillClrLst>
+    <dgm:linClrLst meth="repeat">
+      <a:schemeClr val="lt1"/>
+    </dgm:linClrLst>
+    <dgm:effectClrLst/>
+    <dgm:txLinClrLst/>
+    <dgm:txFillClrLst/>
+    <dgm:txEffectClrLst/>
+  </dgm:styleLbl>
+  <dgm:styleLbl name="asst1">
+    <dgm:fillClrLst meth="repeat">
+      <a:schemeClr val="accent1"/>
+    </dgm:fillClrLst>
+    <dgm:linClrLst meth="repeat">
+      <a:schemeClr val="lt1"/>
+    </dgm:linClrLst>
+    <dgm:effectClrLst/>
+    <dgm:txLinClrLst/>
+    <dgm:txFillClrLst/>
+    <dgm:txEffectClrLst/>
+  </dgm:styleLbl>
+  <dgm:styleLbl name="asst2">
+    <dgm:fillClrLst meth="repeat">
+      <a:schemeClr val="accent1"/>
+    </dgm:fillClrLst>
+    <dgm:linClrLst meth="repeat">
+      <a:schemeClr val="lt1"/>
+    </dgm:linClrLst>
+    <dgm:effectClrLst/>
+    <dgm:txLinClrLst/>
+    <dgm:txFillClrLst/>
+    <dgm:txEffectClrLst/>
+  </dgm:styleLbl>
+  <dgm:styleLbl name="asst3">
+    <dgm:fillClrLst meth="repeat">
+      <a:schemeClr val="accent1"/>
+    </dgm:fillClrLst>
+    <dgm:linClrLst meth="repeat">
+      <a:schemeClr val="lt1"/>
+    </dgm:linClrLst>
+    <dgm:effectClrLst/>
+    <dgm:txLinClrLst/>
+    <dgm:txFillClrLst/>
+    <dgm:txEffectClrLst/>
+  </dgm:styleLbl>
+  <dgm:styleLbl name="asst4">
+    <dgm:fillClrLst meth="repeat">
+      <a:schemeClr val="accent1"/>
+    </dgm:fillClrLst>
+    <dgm:linClrLst meth="repeat">
+      <a:schemeClr val="lt1"/>
+    </dgm:linClrLst>
+    <dgm:effectClrLst/>
+    <dgm:txLinClrLst/>
+    <dgm:txFillClrLst/>
+    <dgm:txEffectClrLst/>
+  </dgm:styleLbl>
+  <dgm:styleLbl name="parChTrans2D1">
+    <dgm:fillClrLst meth="repeat">
+      <a:schemeClr val="accent1">
+        <a:tint val="60000"/>
+      </a:schemeClr>
+    </dgm:fillClrLst>
+    <dgm:linClrLst meth="repeat">
+      <a:schemeClr val="accent1">
+        <a:tint val="60000"/>
+      </a:schemeClr>
+    </dgm:linClrLst>
+    <dgm:effectClrLst/>
+    <dgm:txLinClrLst/>
+    <dgm:txFillClrLst meth="repeat">
+      <a:schemeClr val="lt1"/>
+    </dgm:txFillClrLst>
+    <dgm:txEffectClrLst/>
+  </dgm:styleLbl>
+  <dgm:styleLbl name="parChTrans2D2">
+    <dgm:fillClrLst meth="repeat">
+      <a:schemeClr val="accent1"/>
+    </dgm:fillClrLst>
+    <dgm:linClrLst meth="repeat">
+      <a:schemeClr val="accent1"/>
+    </dgm:linClrLst>
+    <dgm:effectClrLst/>
+    <dgm:txLinClrLst/>
+    <dgm:txFillClrLst meth="repeat">
+      <a:schemeClr val="lt1"/>
+    </dgm:txFillClrLst>
+    <dgm:txEffectClrLst/>
+  </dgm:styleLbl>
+  <dgm:styleLbl name="parChTrans2D3">
+    <dgm:fillClrLst meth="repeat">
+      <a:schemeClr val="accent1"/>
+    </dgm:fillClrLst>
+    <dgm:linClrLst meth="repeat">
+      <a:schemeClr val="accent1"/>
+    </dgm:linClrLst>
+    <dgm:effectClrLst/>
+    <dgm:txLinClrLst/>
+    <dgm:txFillClrLst meth="repeat">
+      <a:schemeClr val="lt1"/>
+    </dgm:txFillClrLst>
+    <dgm:txEffectClrLst/>
+  </dgm:styleLbl>
+  <dgm:styleLbl name="parChTrans2D4">
+    <dgm:fillClrLst meth="repeat">
+      <a:schemeClr val="accent1"/>
+    </dgm:fillClrLst>
+    <dgm:linClrLst meth="repeat">
+      <a:schemeClr val="accent1"/>
+    </dgm:linClrLst>
+    <dgm:effectClrLst/>
+    <dgm:txLinClrLst/>
+    <dgm:txFillClrLst meth="repeat">
+      <a:schemeClr val="lt1"/>
+    </dgm:txFillClrLst>
+    <dgm:txEffectClrLst/>
+  </dgm:styleLbl>
+  <dgm:styleLbl name="parChTrans1D1">
+    <dgm:fillClrLst meth="repeat">
+      <a:schemeClr val="accent1"/>
+    </dgm:fillClrLst>
+    <dgm:linClrLst meth="repeat">
+      <a:schemeClr val="accent1">
+        <a:shade val="60000"/>
+      </a:schemeClr>
+    </dgm:linClrLst>
+    <dgm:effectClrLst/>
+    <dgm:txLinClrLst/>
+    <dgm:txFillClrLst meth="repeat">
+      <a:schemeClr val="tx1"/>
+    </dgm:txFillClrLst>
+    <dgm:txEffectClrLst/>
+  </dgm:styleLbl>
+  <dgm:styleLbl name="parChTrans1D2">
+    <dgm:fillClrLst meth="repeat">
+      <a:schemeClr val="accent1"/>
+    </dgm:fillClrLst>
+    <dgm:linClrLst meth="repeat">
+      <a:schemeClr val="accent1">
+        <a:shade val="60000"/>
+      </a:schemeClr>
+    </dgm:linClrLst>
+    <dgm:effectClrLst/>
+    <dgm:txLinClrLst/>
+    <dgm:txFillClrLst meth="repeat">
+      <a:schemeClr val="tx1"/>
+    </dgm:txFillClrLst>
+    <dgm:txEffectClrLst/>
+  </dgm:styleLbl>
+  <dgm:styleLbl name="parChTrans1D3">
+    <dgm:fillClrLst meth="repeat">
+      <a:schemeClr val="accent1"/>
+    </dgm:fillClrLst>
+    <dgm:linClrLst meth="repeat">
+      <a:schemeClr val="accent1">
+        <a:shade val="80000"/>
+      </a:schemeClr>
+    </dgm:linClrLst>
+    <dgm:effectClrLst/>
+    <dgm:txLinClrLst/>
+    <dgm:txFillClrLst meth="repeat">
+      <a:schemeClr val="tx1"/>
+    </dgm:txFillClrLst>
+    <dgm:txEffectClrLst/>
+  </dgm:styleLbl>
+  <dgm:styleLbl name="parChTrans1D4">
+    <dgm:fillClrLst meth="repeat">
+      <a:schemeClr val="accent1"/>
+    </dgm:fillClrLst>
+    <dgm:linClrLst meth="repeat">
+      <a:schemeClr val="accent1">
+        <a:shade val="80000"/>
+      </a:schemeClr>
+    </dgm:linClrLst>
+    <dgm:effectClrLst/>
+    <dgm:txLinClrLst/>
+    <dgm:txFillClrLst meth="repeat">
+      <a:schemeClr val="tx1"/>
+    </dgm:txFillClrLst>
+    <dgm:txEffectClrLst/>
+  </dgm:styleLbl>
+  <dgm:styleLbl name="fgAcc1">
+    <dgm:fillClrLst meth="repeat">
+      <a:schemeClr val="lt1">
+        <a:alpha val="90000"/>
+      </a:schemeClr>
+    </dgm:fillClrLst>
+    <dgm:linClrLst meth="repeat">
+      <a:schemeClr val="accent1"/>
+    </dgm:linClrLst>
+    <dgm:effectClrLst/>
+    <dgm:txLinClrLst/>
+    <dgm:txFillClrLst meth="repeat">
+      <a:schemeClr val="dk1"/>
+    </dgm:txFillClrLst>
+    <dgm:txEffectClrLst/>
+  </dgm:styleLbl>
+  <dgm:styleLbl name="conFgAcc1">
+    <dgm:fillClrLst meth="repeat">
+      <a:schemeClr val="lt1">
+        <a:alpha val="90000"/>
+      </a:schemeClr>
+    </dgm:fillClrLst>
+    <dgm:linClrLst meth="repeat">
+      <a:schemeClr val="accent1"/>
+    </dgm:linClrLst>
+    <dgm:effectClrLst/>
+    <dgm:txLinClrLst/>
+    <dgm:txFillClrLst meth="repeat">
+      <a:schemeClr val="dk1"/>
+    </dgm:txFillClrLst>
+    <dgm:txEffectClrLst/>
+  </dgm:styleLbl>
+  <dgm:styleLbl name="alignAcc1">
+    <dgm:fillClrLst meth="repeat">
+      <a:schemeClr val="lt1">
+        <a:alpha val="90000"/>
+      </a:schemeClr>
+    </dgm:fillClrLst>
+    <dgm:linClrLst meth="repeat">
+      <a:schemeClr val="accent1"/>
+    </dgm:linClrLst>
+    <dgm:effectClrLst/>
+    <dgm:txLinClrLst/>
+    <dgm:txFillClrLst meth="repeat">
+      <a:schemeClr val="dk1"/>
+    </dgm:txFillClrLst>
+    <dgm:txEffectClrLst/>
+  </dgm:styleLbl>
+  <dgm:styleLbl name="trAlignAcc1">
+    <dgm:fillClrLst meth="repeat">
+      <a:schemeClr val="lt1">
+        <a:alpha val="40000"/>
+      </a:schemeClr>
+    </dgm:fillClrLst>
+    <dgm:linClrLst meth="repeat">
+      <a:schemeClr val="accent1"/>
+    </dgm:linClrLst>
+    <dgm:effectClrLst/>
+    <dgm:txLinClrLst/>
+    <dgm:txFillClrLst meth="repeat">
+      <a:schemeClr val="dk1"/>
+    </dgm:txFillClrLst>
+    <dgm:txEffectClrLst/>
+  </dgm:styleLbl>
+  <dgm:styleLbl name="bgAcc1">
+    <dgm:fillClrLst meth="repeat">
+      <a:schemeClr val="lt1">
+        <a:alpha val="90000"/>
+      </a:schemeClr>
+    </dgm:fillClrLst>
+    <dgm:linClrLst meth="repeat">
+      <a:schemeClr val="accent1"/>
+    </dgm:linClrLst>
+    <dgm:effectClrLst/>
+    <dgm:txLinClrLst/>
+    <dgm:txFillClrLst meth="repeat">
+      <a:schemeClr val="dk1"/>
+    </dgm:txFillClrLst>
+    <dgm:txEffectClrLst/>
+  </dgm:styleLbl>
+  <dgm:styleLbl name="solidFgAcc1">
+    <dgm:fillClrLst meth="repeat">
+      <a:schemeClr val="lt1"/>
+    </dgm:fillClrLst>
+    <dgm:linClrLst meth="repeat">
+      <a:schemeClr val="accent1"/>
+    </dgm:linClrLst>
+    <dgm:effectClrLst/>
+    <dgm:txLinClrLst/>
+    <dgm:txFillClrLst meth="repeat">
+      <a:schemeClr val="dk1"/>
+    </dgm:txFillClrLst>
+    <dgm:txEffectClrLst/>
+  </dgm:styleLbl>
+  <dgm:styleLbl name="solidAlignAcc1">
+    <dgm:fillClrLst meth="repeat">
+      <a:schemeClr val="lt1"/>
+    </dgm:fillClrLst>
+    <dgm:linClrLst meth="repeat">
+      <a:schemeClr val="accent1"/>
+    </dgm:linClrLst>
+    <dgm:effectClrLst/>
+    <dgm:txLinClrLst/>
+    <dgm:txFillClrLst meth="repeat">
+      <a:schemeClr val="dk1"/>
+    </dgm:txFillClrLst>
+    <dgm:txEffectClrLst/>
+  </dgm:styleLbl>
+  <dgm:styleLbl name="solidBgAcc1">
+    <dgm:fillClrLst meth="repeat">
+      <a:schemeClr val="lt1"/>
+    </dgm:fillClrLst>
+    <dgm:linClrLst meth="repeat">
+      <a:schemeClr val="accent1"/>
+    </dgm:linClrLst>
+    <dgm:effectClrLst/>
+    <dgm:txLinClrLst/>
+    <dgm:txFillClrLst meth="repeat">
+      <a:schemeClr val="dk1"/>
+    </dgm:txFillClrLst>
+    <dgm:txEffectClrLst/>
+  </dgm:styleLbl>
+  <dgm:styleLbl name="fgAccFollowNode1">
+    <dgm:fillClrLst meth="repeat">
+      <a:schemeClr val="accent1">
+        <a:alpha val="90000"/>
+        <a:tint val="40000"/>
+      </a:schemeClr>
+    </dgm:fillClrLst>
+    <dgm:linClrLst meth="repeat">
+      <a:schemeClr val="accent1">
+        <a:alpha val="90000"/>
+        <a:tint val="40000"/>
+      </a:schemeClr>
+    </dgm:linClrLst>
+    <dgm:effectClrLst/>
+    <dgm:txLinClrLst/>
+    <dgm:txFillClrLst meth="repeat">
+      <a:schemeClr val="dk1"/>
+    </dgm:txFillClrLst>
+    <dgm:txEffectClrLst/>
+  </dgm:styleLbl>
+  <dgm:styleLbl name="alignAccFollowNode1">
+    <dgm:fillClrLst meth="repeat">
+      <a:schemeClr val="accent1">
+        <a:alpha val="90000"/>
+        <a:tint val="40000"/>
+      </a:schemeClr>
+    </dgm:fillClrLst>
+    <dgm:linClrLst meth="repeat">
+      <a:schemeClr val="accent1">
+        <a:alpha val="90000"/>
+        <a:tint val="40000"/>
+      </a:schemeClr>
+    </dgm:linClrLst>
+    <dgm:effectClrLst/>
+    <dgm:txLinClrLst/>
+    <dgm:txFillClrLst meth="repeat">
+      <a:schemeClr val="dk1"/>
+    </dgm:txFillClrLst>
+    <dgm:txEffectClrLst/>
+  </dgm:styleLbl>
+  <dgm:styleLbl name="bgAccFollowNode1">
+    <dgm:fillClrLst meth="repeat">
+      <a:schemeClr val="accent1">
+        <a:alpha val="90000"/>
+        <a:tint val="40000"/>
+      </a:schemeClr>
+    </dgm:fillClrLst>
+    <dgm:linClrLst meth="repeat">
+      <a:schemeClr val="accent1">
+        <a:alpha val="90000"/>
+        <a:tint val="40000"/>
+      </a:schemeClr>
+    </dgm:linClrLst>
+    <dgm:effectClrLst/>
+    <dgm:txLinClrLst/>
+    <dgm:txFillClrLst meth="repeat">
+      <a:schemeClr val="dk1"/>
+    </dgm:txFillClrLst>
+    <dgm:txEffectClrLst/>
+  </dgm:styleLbl>
+  <dgm:styleLbl name="fgAcc0">
+    <dgm:fillClrLst meth="repeat">
+      <a:schemeClr val="lt1">
+        <a:alpha val="90000"/>
+      </a:schemeClr>
+    </dgm:fillClrLst>
+    <dgm:linClrLst meth="repeat">
+      <a:schemeClr val="accent1"/>
+    </dgm:linClrLst>
+    <dgm:effectClrLst/>
+    <dgm:txLinClrLst/>
+    <dgm:txFillClrLst meth="repeat">
+      <a:schemeClr val="dk1"/>
+    </dgm:txFillClrLst>
+    <dgm:txEffectClrLst/>
+  </dgm:styleLbl>
+  <dgm:styleLbl name="fgAcc2">
+    <dgm:fillClrLst meth="repeat">
+      <a:schemeClr val="lt1">
+        <a:alpha val="90000"/>
+      </a:schemeClr>
+    </dgm:fillClrLst>
+    <dgm:linClrLst meth="repeat">
+      <a:schemeClr val="accent1"/>
+    </dgm:linClrLst>
+    <dgm:effectClrLst/>
+    <dgm:txLinClrLst/>
+    <dgm:txFillClrLst meth="repeat">
+      <a:schemeClr val="dk1"/>
+    </dgm:txFillClrLst>
+    <dgm:txEffectClrLst/>
+  </dgm:styleLbl>
+  <dgm:styleLbl name="fgAcc3">
+    <dgm:fillClrLst meth="repeat">
+      <a:schemeClr val="lt1">
+        <a:alpha val="90000"/>
+      </a:schemeClr>
+    </dgm:fillClrLst>
+    <dgm:linClrLst meth="repeat">
+      <a:schemeClr val="accent1"/>
+    </dgm:linClrLst>
+    <dgm:effectClrLst/>
+    <dgm:txLinClrLst/>
+    <dgm:txFillClrLst meth="repeat">
+      <a:schemeClr val="dk1"/>
+    </dgm:txFillClrLst>
+    <dgm:txEffectClrLst/>
+  </dgm:styleLbl>
+  <dgm:styleLbl name="fgAcc4">
+    <dgm:fillClrLst meth="repeat">
+      <a:schemeClr val="lt1">
+        <a:alpha val="90000"/>
+      </a:schemeClr>
+    </dgm:fillClrLst>
+    <dgm:linClrLst meth="repeat">
+      <a:schemeClr val="accent1"/>
+    </dgm:linClrLst>
+    <dgm:effectClrLst/>
+    <dgm:txLinClrLst/>
+    <dgm:txFillClrLst meth="repeat">
+      <a:schemeClr val="dk1"/>
+    </dgm:txFillClrLst>
+    <dgm:txEffectClrLst/>
+  </dgm:styleLbl>
+  <dgm:styleLbl name="bgShp">
+    <dgm:fillClrLst meth="repeat">
+      <a:schemeClr val="accent1">
+        <a:tint val="40000"/>
+      </a:schemeClr>
+    </dgm:fillClrLst>
+    <dgm:linClrLst meth="repeat">
+      <a:schemeClr val="accent1"/>
+    </dgm:linClrLst>
+    <dgm:effectClrLst/>
+    <dgm:txLinClrLst/>
+    <dgm:txFillClrLst meth="repeat">
+      <a:schemeClr val="dk1"/>
+    </dgm:txFillClrLst>
+    <dgm:txEffectClrLst/>
+  </dgm:styleLbl>
+  <dgm:styleLbl name="dkBgShp">
+    <dgm:fillClrLst meth="repeat">
+      <a:schemeClr val="accent1">
+        <a:shade val="80000"/>
+      </a:schemeClr>
+    </dgm:fillClrLst>
+    <dgm:linClrLst meth="repeat">
+      <a:schemeClr val="accent1"/>
+    </dgm:linClrLst>
+    <dgm:effectClrLst/>
+    <dgm:txLinClrLst/>
+    <dgm:txFillClrLst meth="repeat">
+      <a:schemeClr val="lt1"/>
+    </dgm:txFillClrLst>
+    <dgm:txEffectClrLst/>
+  </dgm:styleLbl>
+  <dgm:styleLbl name="trBgShp">
+    <dgm:fillClrLst meth="repeat">
+      <a:schemeClr val="accent1">
+        <a:tint val="50000"/>
+        <a:alpha val="40000"/>
+      </a:schemeClr>
+    </dgm:fillClrLst>
+    <dgm:linClrLst meth="repeat">
+      <a:schemeClr val="accent1"/>
+    </dgm:linClrLst>
+    <dgm:effectClrLst/>
+    <dgm:txLinClrLst/>
+    <dgm:txFillClrLst meth="repeat">
+      <a:schemeClr val="lt1"/>
+    </dgm:txFillClrLst>
+    <dgm:txEffectClrLst/>
+  </dgm:styleLbl>
+  <dgm:styleLbl name="fgShp">
+    <dgm:fillClrLst meth="repeat">
+      <a:schemeClr val="accent1">
+        <a:tint val="60000"/>
+      </a:schemeClr>
+    </dgm:fillClrLst>
+    <dgm:linClrLst meth="repeat">
+      <a:schemeClr val="lt1"/>
+    </dgm:linClrLst>
+    <dgm:effectClrLst/>
+    <dgm:txLinClrLst/>
+    <dgm:txFillClrLst meth="repeat">
+      <a:schemeClr val="dk1"/>
+    </dgm:txFillClrLst>
+    <dgm:txEffectClrLst/>
+  </dgm:styleLbl>
+  <dgm:styleLbl name="revTx">
+    <dgm:fillClrLst meth="repeat">
+      <a:schemeClr val="lt1">
+        <a:alpha val="0"/>
+      </a:schemeClr>
+    </dgm:fillClrLst>
+    <dgm:linClrLst meth="repeat">
+      <a:schemeClr val="dk1">
+        <a:alpha val="0"/>
+      </a:schemeClr>
+    </dgm:linClrLst>
+    <dgm:effectClrLst/>
+    <dgm:txLinClrLst/>
+    <dgm:txFillClrLst meth="repeat">
+      <a:schemeClr val="tx1"/>
+    </dgm:txFillClrLst>
+    <dgm:txEffectClrLst/>
+  </dgm:styleLbl>
+</dgm:colorsDef>
+</file>
+
+<file path=ppt/diagrams/data1.xml><?xml version="1.0" encoding="utf-8"?>
+<dgm:dataModel xmlns:dgm="http://schemas.openxmlformats.org/drawingml/2006/diagram" xmlns:a="http://schemas.openxmlformats.org/drawingml/2006/main">
+  <dgm:ptLst>
+    <dgm:pt modelId="{5305BC3C-3078-4590-84EC-8E904473F3C4}" type="doc">
+      <dgm:prSet loTypeId="urn:microsoft.com/office/officeart/2005/8/layout/process4" loCatId="list" qsTypeId="urn:microsoft.com/office/officeart/2005/8/quickstyle/simple1" qsCatId="simple" csTypeId="urn:microsoft.com/office/officeart/2005/8/colors/accent1_2" csCatId="accent1" phldr="1"/>
+      <dgm:spPr/>
+      <dgm:t>
+        <a:bodyPr/>
+        <a:lstStyle/>
+        <a:p>
+          <a:endParaRPr lang="en-US"/>
+        </a:p>
+      </dgm:t>
+    </dgm:pt>
+    <dgm:pt modelId="{0C532606-D04A-40D0-8C72-021A2262873D}">
+      <dgm:prSet phldrT="[Text]"/>
+      <dgm:spPr/>
+      <dgm:t>
+        <a:bodyPr/>
+        <a:lstStyle/>
+        <a:p>
+          <a:r>
+            <a:rPr lang="en-US" dirty="0" smtClean="0"/>
+            <a:t>Convolution1</a:t>
+          </a:r>
+        </a:p>
+        <a:p>
+          <a:r>
+            <a:rPr lang="en-US" dirty="0" smtClean="0"/>
+            <a:t>5x5/1, 20</a:t>
+          </a:r>
+          <a:endParaRPr lang="en-US" dirty="0"/>
+        </a:p>
+      </dgm:t>
+    </dgm:pt>
+    <dgm:pt modelId="{8AE27AAF-AF1B-45B5-B5AA-AFD160F32921}" type="parTrans" cxnId="{94A4233C-3858-456F-9B9F-EB2DAF68F328}">
+      <dgm:prSet/>
+      <dgm:spPr/>
+      <dgm:t>
+        <a:bodyPr/>
+        <a:lstStyle/>
+        <a:p>
+          <a:endParaRPr lang="en-US"/>
+        </a:p>
+      </dgm:t>
+    </dgm:pt>
+    <dgm:pt modelId="{509E6158-A0EC-4166-9094-D4C51EFCE0A6}" type="sibTrans" cxnId="{94A4233C-3858-456F-9B9F-EB2DAF68F328}">
+      <dgm:prSet/>
+      <dgm:spPr/>
+      <dgm:t>
+        <a:bodyPr/>
+        <a:lstStyle/>
+        <a:p>
+          <a:endParaRPr lang="en-US"/>
+        </a:p>
+      </dgm:t>
+    </dgm:pt>
+    <dgm:pt modelId="{068E3759-63DD-4896-A94D-9E65AA3C18A9}">
+      <dgm:prSet phldrT="[Text]"/>
+      <dgm:spPr/>
+      <dgm:t>
+        <a:bodyPr/>
+        <a:lstStyle/>
+        <a:p>
+          <a:r>
+            <a:rPr lang="en-US" dirty="0" smtClean="0"/>
+            <a:t>Pooling1</a:t>
+          </a:r>
+        </a:p>
+        <a:p>
+          <a:r>
+            <a:rPr lang="en-US" dirty="0" smtClean="0"/>
+            <a:t>Max, 2x2/2</a:t>
+          </a:r>
+          <a:endParaRPr lang="en-US" dirty="0"/>
+        </a:p>
+      </dgm:t>
+    </dgm:pt>
+    <dgm:pt modelId="{6FA35866-EE9B-4773-B885-EADEBAC06A68}" type="parTrans" cxnId="{C4582689-4842-436C-904B-D6BB1E2A0185}">
+      <dgm:prSet/>
+      <dgm:spPr/>
+      <dgm:t>
+        <a:bodyPr/>
+        <a:lstStyle/>
+        <a:p>
+          <a:endParaRPr lang="en-US"/>
+        </a:p>
+      </dgm:t>
+    </dgm:pt>
+    <dgm:pt modelId="{6799C9C2-146E-412C-AFA2-5D037D32CF49}" type="sibTrans" cxnId="{C4582689-4842-436C-904B-D6BB1E2A0185}">
+      <dgm:prSet/>
+      <dgm:spPr/>
+      <dgm:t>
+        <a:bodyPr/>
+        <a:lstStyle/>
+        <a:p>
+          <a:endParaRPr lang="en-US"/>
+        </a:p>
+      </dgm:t>
+    </dgm:pt>
+    <dgm:pt modelId="{12D2C7EB-BF37-4861-9FC4-3499AEE6E0EA}">
+      <dgm:prSet phldrT="[Text]"/>
+      <dgm:spPr/>
+      <dgm:t>
+        <a:bodyPr/>
+        <a:lstStyle/>
+        <a:p>
+          <a:r>
+            <a:rPr lang="en-US" dirty="0" smtClean="0"/>
+            <a:t>Convolution2</a:t>
+          </a:r>
+        </a:p>
+        <a:p>
+          <a:r>
+            <a:rPr lang="en-US" dirty="0" smtClean="0"/>
+            <a:t>5x5/1, 20</a:t>
+          </a:r>
+          <a:endParaRPr lang="en-US" dirty="0"/>
+        </a:p>
+      </dgm:t>
+    </dgm:pt>
+    <dgm:pt modelId="{76B720BB-EAAE-4E2E-BA3B-21EDEDA2984E}" type="parTrans" cxnId="{63767FC8-DFB7-40F5-B42C-37C7CC10E64B}">
+      <dgm:prSet/>
+      <dgm:spPr/>
+      <dgm:t>
+        <a:bodyPr/>
+        <a:lstStyle/>
+        <a:p>
+          <a:endParaRPr lang="en-US"/>
+        </a:p>
+      </dgm:t>
+    </dgm:pt>
+    <dgm:pt modelId="{5DB71155-739C-44AE-9898-C878D7CB61BE}" type="sibTrans" cxnId="{63767FC8-DFB7-40F5-B42C-37C7CC10E64B}">
+      <dgm:prSet/>
+      <dgm:spPr/>
+      <dgm:t>
+        <a:bodyPr/>
+        <a:lstStyle/>
+        <a:p>
+          <a:endParaRPr lang="en-US"/>
+        </a:p>
+      </dgm:t>
+    </dgm:pt>
+    <dgm:pt modelId="{AE3FA33F-C051-4CFB-91FE-4D90AF2C34BD}">
+      <dgm:prSet phldrT="[Text]"/>
+      <dgm:spPr/>
+      <dgm:t>
+        <a:bodyPr/>
+        <a:lstStyle/>
+        <a:p>
+          <a:r>
+            <a:rPr lang="en-US" dirty="0" smtClean="0"/>
+            <a:t>Pooling2</a:t>
+          </a:r>
+        </a:p>
+        <a:p>
+          <a:r>
+            <a:rPr lang="en-US" dirty="0" smtClean="0"/>
+            <a:t>Max, 2x2/2</a:t>
+          </a:r>
+          <a:endParaRPr lang="en-US" dirty="0"/>
+        </a:p>
+      </dgm:t>
+    </dgm:pt>
+    <dgm:pt modelId="{7BC8E38A-75D9-4E8D-862E-E22C977F6A4F}" type="parTrans" cxnId="{D24A57C6-EF29-47D5-A5DB-0BF82E4533D4}">
+      <dgm:prSet/>
+      <dgm:spPr/>
+      <dgm:t>
+        <a:bodyPr/>
+        <a:lstStyle/>
+        <a:p>
+          <a:endParaRPr lang="en-US"/>
+        </a:p>
+      </dgm:t>
+    </dgm:pt>
+    <dgm:pt modelId="{5304DF4A-3E1C-4AC7-95B5-790342E8A528}" type="sibTrans" cxnId="{D24A57C6-EF29-47D5-A5DB-0BF82E4533D4}">
+      <dgm:prSet/>
+      <dgm:spPr/>
+      <dgm:t>
+        <a:bodyPr/>
+        <a:lstStyle/>
+        <a:p>
+          <a:endParaRPr lang="en-US"/>
+        </a:p>
+      </dgm:t>
+    </dgm:pt>
+    <dgm:pt modelId="{0AD1023A-A4AB-4CA1-90AF-610FEC1F8CCA}">
+      <dgm:prSet phldrT="[Text]"/>
+      <dgm:spPr/>
+      <dgm:t>
+        <a:bodyPr/>
+        <a:lstStyle/>
+        <a:p>
+          <a:r>
+            <a:rPr lang="en-US" dirty="0" smtClean="0"/>
+            <a:t>Flatten</a:t>
+          </a:r>
+          <a:endParaRPr lang="en-US" dirty="0"/>
+        </a:p>
+      </dgm:t>
+    </dgm:pt>
+    <dgm:pt modelId="{6E509891-9F98-45E8-8E73-FC2B8D467BC1}" type="parTrans" cxnId="{76B45A83-2CA9-4003-A9BD-FF0C7AE4A7E2}">
+      <dgm:prSet/>
+      <dgm:spPr/>
+      <dgm:t>
+        <a:bodyPr/>
+        <a:lstStyle/>
+        <a:p>
+          <a:endParaRPr lang="en-US"/>
+        </a:p>
+      </dgm:t>
+    </dgm:pt>
+    <dgm:pt modelId="{6CC74341-9AF7-421C-A0CD-C41950CC7394}" type="sibTrans" cxnId="{76B45A83-2CA9-4003-A9BD-FF0C7AE4A7E2}">
+      <dgm:prSet/>
+      <dgm:spPr/>
+      <dgm:t>
+        <a:bodyPr/>
+        <a:lstStyle/>
+        <a:p>
+          <a:endParaRPr lang="en-US"/>
+        </a:p>
+      </dgm:t>
+    </dgm:pt>
+    <dgm:pt modelId="{2F977DFB-15DF-4232-AC33-3D25A36FDA07}">
+      <dgm:prSet phldrT="[Text]"/>
+      <dgm:spPr/>
+      <dgm:t>
+        <a:bodyPr/>
+        <a:lstStyle/>
+        <a:p>
+          <a:r>
+            <a:rPr lang="en-US" dirty="0" err="1" smtClean="0"/>
+            <a:t>FullyConnected</a:t>
+          </a:r>
+          <a:endParaRPr lang="en-US" dirty="0" smtClean="0"/>
+        </a:p>
+        <a:p>
+          <a:r>
+            <a:rPr lang="en-US" dirty="0" smtClean="0"/>
+            <a:t>500</a:t>
+          </a:r>
+          <a:endParaRPr lang="en-US" dirty="0"/>
+        </a:p>
+      </dgm:t>
+    </dgm:pt>
+    <dgm:pt modelId="{02B61230-660B-4CB0-AF32-1D623D9FC3C8}" type="parTrans" cxnId="{198B8E24-C854-4119-8BBF-0FD4CF66CE1B}">
+      <dgm:prSet/>
+      <dgm:spPr/>
+      <dgm:t>
+        <a:bodyPr/>
+        <a:lstStyle/>
+        <a:p>
+          <a:endParaRPr lang="en-US"/>
+        </a:p>
+      </dgm:t>
+    </dgm:pt>
+    <dgm:pt modelId="{F771E2D1-7F91-4A66-832E-00DF606FCDCA}" type="sibTrans" cxnId="{198B8E24-C854-4119-8BBF-0FD4CF66CE1B}">
+      <dgm:prSet/>
+      <dgm:spPr/>
+      <dgm:t>
+        <a:bodyPr/>
+        <a:lstStyle/>
+        <a:p>
+          <a:endParaRPr lang="en-US"/>
+        </a:p>
+      </dgm:t>
+    </dgm:pt>
+    <dgm:pt modelId="{1FC2B61B-3719-4BE7-AAD8-C73FD4CBD272}">
+      <dgm:prSet phldrT="[Text]"/>
+      <dgm:spPr/>
+      <dgm:t>
+        <a:bodyPr/>
+        <a:lstStyle/>
+        <a:p>
+          <a:r>
+            <a:rPr lang="en-US" dirty="0" smtClean="0"/>
+            <a:t>Activation</a:t>
+          </a:r>
+        </a:p>
+        <a:p>
+          <a:r>
+            <a:rPr lang="en-US" dirty="0" err="1" smtClean="0"/>
+            <a:t>Tanh</a:t>
+          </a:r>
+          <a:endParaRPr lang="en-US" dirty="0"/>
+        </a:p>
+      </dgm:t>
+    </dgm:pt>
+    <dgm:pt modelId="{4FECFE66-91D7-4CD1-B6C4-C77E15CF1791}" type="parTrans" cxnId="{2901BC91-0A48-43B8-98DE-5AF2507B9D1A}">
+      <dgm:prSet/>
+      <dgm:spPr/>
+      <dgm:t>
+        <a:bodyPr/>
+        <a:lstStyle/>
+        <a:p>
+          <a:endParaRPr lang="en-US"/>
+        </a:p>
+      </dgm:t>
+    </dgm:pt>
+    <dgm:pt modelId="{0D99397A-FF43-41EB-B154-5371C2884A0A}" type="sibTrans" cxnId="{2901BC91-0A48-43B8-98DE-5AF2507B9D1A}">
+      <dgm:prSet/>
+      <dgm:spPr/>
+      <dgm:t>
+        <a:bodyPr/>
+        <a:lstStyle/>
+        <a:p>
+          <a:endParaRPr lang="en-US"/>
+        </a:p>
+      </dgm:t>
+    </dgm:pt>
+    <dgm:pt modelId="{8582A342-8DBB-47DA-8F18-4BAA601E1C7E}">
+      <dgm:prSet phldrT="[Text]"/>
+      <dgm:spPr/>
+      <dgm:t>
+        <a:bodyPr/>
+        <a:lstStyle/>
+        <a:p>
+          <a:r>
+            <a:rPr lang="en-US" dirty="0" err="1" smtClean="0"/>
+            <a:t>FullyConnected</a:t>
+          </a:r>
+          <a:endParaRPr lang="en-US" dirty="0" smtClean="0"/>
+        </a:p>
+        <a:p>
+          <a:r>
+            <a:rPr lang="en-US" dirty="0" smtClean="0"/>
+            <a:t>101</a:t>
+          </a:r>
+          <a:endParaRPr lang="en-US" dirty="0"/>
+        </a:p>
+      </dgm:t>
+    </dgm:pt>
+    <dgm:pt modelId="{9936A47A-2AC9-47C9-AB84-79E86B279980}" type="parTrans" cxnId="{1F3CD2E8-7F8C-4880-B191-6655796525AB}">
+      <dgm:prSet/>
+      <dgm:spPr/>
+      <dgm:t>
+        <a:bodyPr/>
+        <a:lstStyle/>
+        <a:p>
+          <a:endParaRPr lang="en-US"/>
+        </a:p>
+      </dgm:t>
+    </dgm:pt>
+    <dgm:pt modelId="{6DE6A9D8-A704-4B2D-A86C-89AEBB3108CE}" type="sibTrans" cxnId="{1F3CD2E8-7F8C-4880-B191-6655796525AB}">
+      <dgm:prSet/>
+      <dgm:spPr/>
+      <dgm:t>
+        <a:bodyPr/>
+        <a:lstStyle/>
+        <a:p>
+          <a:endParaRPr lang="en-US"/>
+        </a:p>
+      </dgm:t>
+    </dgm:pt>
+    <dgm:pt modelId="{981DB6CD-A27B-4512-B6C9-0097108651FD}">
+      <dgm:prSet phldrT="[Text]"/>
+      <dgm:spPr/>
+      <dgm:t>
+        <a:bodyPr/>
+        <a:lstStyle/>
+        <a:p>
+          <a:r>
+            <a:rPr lang="en-US" dirty="0" err="1" smtClean="0"/>
+            <a:t>SoftmaxOutput</a:t>
+          </a:r>
+          <a:endParaRPr lang="en-US" dirty="0"/>
+        </a:p>
+      </dgm:t>
+    </dgm:pt>
+    <dgm:pt modelId="{2EC53492-1DE7-499B-830C-A918527979BB}" type="parTrans" cxnId="{E0F82F6E-0422-49A5-940A-161C51F4A8CB}">
+      <dgm:prSet/>
+      <dgm:spPr/>
+      <dgm:t>
+        <a:bodyPr/>
+        <a:lstStyle/>
+        <a:p>
+          <a:endParaRPr lang="en-US"/>
+        </a:p>
+      </dgm:t>
+    </dgm:pt>
+    <dgm:pt modelId="{6D6D331E-487F-4570-925A-D42E2FF70D0D}" type="sibTrans" cxnId="{E0F82F6E-0422-49A5-940A-161C51F4A8CB}">
+      <dgm:prSet/>
+      <dgm:spPr/>
+      <dgm:t>
+        <a:bodyPr/>
+        <a:lstStyle/>
+        <a:p>
+          <a:endParaRPr lang="en-US"/>
+        </a:p>
+      </dgm:t>
+    </dgm:pt>
+    <dgm:pt modelId="{A79C3C62-D7C2-4E79-AFB0-A73EF3C4D564}">
+      <dgm:prSet phldrT="[Text]"/>
+      <dgm:spPr/>
+      <dgm:t>
+        <a:bodyPr/>
+        <a:lstStyle/>
+        <a:p>
+          <a:r>
+            <a:rPr lang="en-US" dirty="0" smtClean="0"/>
+            <a:t>Data</a:t>
+          </a:r>
+          <a:endParaRPr lang="en-US" dirty="0"/>
+        </a:p>
+      </dgm:t>
+    </dgm:pt>
+    <dgm:pt modelId="{A0D5BB2F-82ED-4C34-9D0A-DA4ABD3A5366}" type="parTrans" cxnId="{11C9DDE1-9C1F-4995-A564-2130581DB073}">
+      <dgm:prSet/>
+      <dgm:spPr/>
+      <dgm:t>
+        <a:bodyPr/>
+        <a:lstStyle/>
+        <a:p>
+          <a:endParaRPr lang="en-US"/>
+        </a:p>
+      </dgm:t>
+    </dgm:pt>
+    <dgm:pt modelId="{E1C97D4C-7521-400D-9A7F-0BC2F0D4C89D}" type="sibTrans" cxnId="{11C9DDE1-9C1F-4995-A564-2130581DB073}">
+      <dgm:prSet/>
+      <dgm:spPr/>
+      <dgm:t>
+        <a:bodyPr/>
+        <a:lstStyle/>
+        <a:p>
+          <a:endParaRPr lang="en-US"/>
+        </a:p>
+      </dgm:t>
+    </dgm:pt>
+    <dgm:pt modelId="{656EC0F0-B6E0-481C-ACA0-B9A7A95B2243}">
+      <dgm:prSet phldrT="[Text]"/>
+      <dgm:spPr/>
+      <dgm:t>
+        <a:bodyPr/>
+        <a:lstStyle/>
+        <a:p>
+          <a:r>
+            <a:rPr lang="en-US" dirty="0" smtClean="0"/>
+            <a:t>Activation</a:t>
+          </a:r>
+        </a:p>
+        <a:p>
+          <a:r>
+            <a:rPr lang="en-US" dirty="0" err="1" smtClean="0"/>
+            <a:t>ReLu</a:t>
+          </a:r>
+          <a:endParaRPr lang="en-US" dirty="0"/>
+        </a:p>
+      </dgm:t>
+    </dgm:pt>
+    <dgm:pt modelId="{47C3FD39-63BB-47FA-9DD3-EB2CD70556DC}" type="parTrans" cxnId="{ABE94317-B16A-4D78-93FB-F64B99FFF788}">
+      <dgm:prSet/>
+      <dgm:spPr/>
+      <dgm:t>
+        <a:bodyPr/>
+        <a:lstStyle/>
+        <a:p>
+          <a:endParaRPr lang="en-US"/>
+        </a:p>
+      </dgm:t>
+    </dgm:pt>
+    <dgm:pt modelId="{006B5180-57C5-4FB7-AD18-5FCFCF4223B2}" type="sibTrans" cxnId="{ABE94317-B16A-4D78-93FB-F64B99FFF788}">
+      <dgm:prSet/>
+      <dgm:spPr/>
+      <dgm:t>
+        <a:bodyPr/>
+        <a:lstStyle/>
+        <a:p>
+          <a:endParaRPr lang="en-US"/>
+        </a:p>
+      </dgm:t>
+    </dgm:pt>
+    <dgm:pt modelId="{9ADC6C16-5C8D-4684-8211-077A7E784A85}" type="pres">
+      <dgm:prSet presAssocID="{5305BC3C-3078-4590-84EC-8E904473F3C4}" presName="Name0" presStyleCnt="0">
+        <dgm:presLayoutVars>
+          <dgm:dir/>
+          <dgm:animLvl val="lvl"/>
+          <dgm:resizeHandles val="exact"/>
+        </dgm:presLayoutVars>
+      </dgm:prSet>
+      <dgm:spPr/>
+    </dgm:pt>
+    <dgm:pt modelId="{17FD7C46-E6A3-40E6-9F55-7DCFD9E381C2}" type="pres">
+      <dgm:prSet presAssocID="{981DB6CD-A27B-4512-B6C9-0097108651FD}" presName="boxAndChildren" presStyleCnt="0"/>
+      <dgm:spPr/>
+    </dgm:pt>
+    <dgm:pt modelId="{7C57543A-ED28-4CFF-B093-E551673255D0}" type="pres">
+      <dgm:prSet presAssocID="{981DB6CD-A27B-4512-B6C9-0097108651FD}" presName="parentTextBox" presStyleLbl="node1" presStyleIdx="0" presStyleCnt="11"/>
+      <dgm:spPr/>
+    </dgm:pt>
+    <dgm:pt modelId="{CE699A21-2BAF-423F-9DCE-E489B4DDD4AA}" type="pres">
+      <dgm:prSet presAssocID="{6DE6A9D8-A704-4B2D-A86C-89AEBB3108CE}" presName="sp" presStyleCnt="0"/>
+      <dgm:spPr/>
+    </dgm:pt>
+    <dgm:pt modelId="{0016317C-C590-49CB-A921-1A1516B56404}" type="pres">
+      <dgm:prSet presAssocID="{8582A342-8DBB-47DA-8F18-4BAA601E1C7E}" presName="arrowAndChildren" presStyleCnt="0"/>
+      <dgm:spPr/>
+    </dgm:pt>
+    <dgm:pt modelId="{9767010E-1D5F-4337-9728-42DB28E8CF5A}" type="pres">
+      <dgm:prSet presAssocID="{8582A342-8DBB-47DA-8F18-4BAA601E1C7E}" presName="parentTextArrow" presStyleLbl="node1" presStyleIdx="1" presStyleCnt="11"/>
+      <dgm:spPr/>
+    </dgm:pt>
+    <dgm:pt modelId="{0351350D-F57E-4E46-A578-69DF4E8ADF99}" type="pres">
+      <dgm:prSet presAssocID="{0D99397A-FF43-41EB-B154-5371C2884A0A}" presName="sp" presStyleCnt="0"/>
+      <dgm:spPr/>
+    </dgm:pt>
+    <dgm:pt modelId="{64E962E8-F1E9-4427-AEE4-1792D298D174}" type="pres">
+      <dgm:prSet presAssocID="{1FC2B61B-3719-4BE7-AAD8-C73FD4CBD272}" presName="arrowAndChildren" presStyleCnt="0"/>
+      <dgm:spPr/>
+    </dgm:pt>
+    <dgm:pt modelId="{FC27AB8D-CB55-4A4B-8F35-D05607D8A323}" type="pres">
+      <dgm:prSet presAssocID="{1FC2B61B-3719-4BE7-AAD8-C73FD4CBD272}" presName="parentTextArrow" presStyleLbl="node1" presStyleIdx="2" presStyleCnt="11"/>
+      <dgm:spPr/>
+    </dgm:pt>
+    <dgm:pt modelId="{E0E0AD5E-DBF0-45E3-A40E-5ECEE6E32AB3}" type="pres">
+      <dgm:prSet presAssocID="{F771E2D1-7F91-4A66-832E-00DF606FCDCA}" presName="sp" presStyleCnt="0"/>
+      <dgm:spPr/>
+    </dgm:pt>
+    <dgm:pt modelId="{7B45F6B8-AD3F-49FF-A7DF-1657E0EE811A}" type="pres">
+      <dgm:prSet presAssocID="{2F977DFB-15DF-4232-AC33-3D25A36FDA07}" presName="arrowAndChildren" presStyleCnt="0"/>
+      <dgm:spPr/>
+    </dgm:pt>
+    <dgm:pt modelId="{56AE7A06-074B-4CB8-B04B-D6114174F388}" type="pres">
+      <dgm:prSet presAssocID="{2F977DFB-15DF-4232-AC33-3D25A36FDA07}" presName="parentTextArrow" presStyleLbl="node1" presStyleIdx="3" presStyleCnt="11"/>
+      <dgm:spPr/>
+    </dgm:pt>
+    <dgm:pt modelId="{F661F60C-6D7D-4465-B332-4A530F0E2543}" type="pres">
+      <dgm:prSet presAssocID="{6CC74341-9AF7-421C-A0CD-C41950CC7394}" presName="sp" presStyleCnt="0"/>
+      <dgm:spPr/>
+    </dgm:pt>
+    <dgm:pt modelId="{2881D5F0-5A99-400A-9766-98FF592EC20D}" type="pres">
+      <dgm:prSet presAssocID="{0AD1023A-A4AB-4CA1-90AF-610FEC1F8CCA}" presName="arrowAndChildren" presStyleCnt="0"/>
+      <dgm:spPr/>
+    </dgm:pt>
+    <dgm:pt modelId="{F70B6B05-8149-4D85-9360-43E69509DE87}" type="pres">
+      <dgm:prSet presAssocID="{0AD1023A-A4AB-4CA1-90AF-610FEC1F8CCA}" presName="parentTextArrow" presStyleLbl="node1" presStyleIdx="4" presStyleCnt="11"/>
+      <dgm:spPr/>
+    </dgm:pt>
+    <dgm:pt modelId="{04AF7657-C567-4322-85A3-37572E5DEEA3}" type="pres">
+      <dgm:prSet presAssocID="{006B5180-57C5-4FB7-AD18-5FCFCF4223B2}" presName="sp" presStyleCnt="0"/>
+      <dgm:spPr/>
+    </dgm:pt>
+    <dgm:pt modelId="{2973F222-9CC9-4277-8E7F-96DA3E911C7F}" type="pres">
+      <dgm:prSet presAssocID="{656EC0F0-B6E0-481C-ACA0-B9A7A95B2243}" presName="arrowAndChildren" presStyleCnt="0"/>
+      <dgm:spPr/>
+    </dgm:pt>
+    <dgm:pt modelId="{3058D14B-2F10-4E91-80CA-9290B7AE29FA}" type="pres">
+      <dgm:prSet presAssocID="{656EC0F0-B6E0-481C-ACA0-B9A7A95B2243}" presName="parentTextArrow" presStyleLbl="node1" presStyleIdx="5" presStyleCnt="11"/>
+      <dgm:spPr/>
+      <dgm:t>
+        <a:bodyPr/>
+        <a:lstStyle/>
+        <a:p>
+          <a:endParaRPr lang="en-US"/>
+        </a:p>
+      </dgm:t>
+    </dgm:pt>
+    <dgm:pt modelId="{F2DA5356-12CE-43AA-83F0-C10A9F4DBE21}" type="pres">
+      <dgm:prSet presAssocID="{5304DF4A-3E1C-4AC7-95B5-790342E8A528}" presName="sp" presStyleCnt="0"/>
+      <dgm:spPr/>
+    </dgm:pt>
+    <dgm:pt modelId="{42A47215-4619-48AF-BE28-C47B3D05C837}" type="pres">
+      <dgm:prSet presAssocID="{AE3FA33F-C051-4CFB-91FE-4D90AF2C34BD}" presName="arrowAndChildren" presStyleCnt="0"/>
+      <dgm:spPr/>
+    </dgm:pt>
+    <dgm:pt modelId="{3A9C8C40-585A-47AA-93DF-4220EB1A94A4}" type="pres">
+      <dgm:prSet presAssocID="{AE3FA33F-C051-4CFB-91FE-4D90AF2C34BD}" presName="parentTextArrow" presStyleLbl="node1" presStyleIdx="6" presStyleCnt="11"/>
+      <dgm:spPr/>
+    </dgm:pt>
+    <dgm:pt modelId="{BCBC46D3-F5C8-495C-A9D2-E1F51A90C400}" type="pres">
+      <dgm:prSet presAssocID="{5DB71155-739C-44AE-9898-C878D7CB61BE}" presName="sp" presStyleCnt="0"/>
+      <dgm:spPr/>
+    </dgm:pt>
+    <dgm:pt modelId="{96B3D2D5-9237-4CD5-B311-C029DE03BD55}" type="pres">
+      <dgm:prSet presAssocID="{12D2C7EB-BF37-4861-9FC4-3499AEE6E0EA}" presName="arrowAndChildren" presStyleCnt="0"/>
+      <dgm:spPr/>
+    </dgm:pt>
+    <dgm:pt modelId="{2D06382B-A0F3-4A43-9A02-B0FA57AF8AD2}" type="pres">
+      <dgm:prSet presAssocID="{12D2C7EB-BF37-4861-9FC4-3499AEE6E0EA}" presName="parentTextArrow" presStyleLbl="node1" presStyleIdx="7" presStyleCnt="11"/>
+      <dgm:spPr/>
+    </dgm:pt>
+    <dgm:pt modelId="{AEB6EE7F-BF0E-47E6-920C-E53EB9DE5EEE}" type="pres">
+      <dgm:prSet presAssocID="{6799C9C2-146E-412C-AFA2-5D037D32CF49}" presName="sp" presStyleCnt="0"/>
+      <dgm:spPr/>
+    </dgm:pt>
+    <dgm:pt modelId="{170036C7-548F-4B56-AB56-269C246E2FD5}" type="pres">
+      <dgm:prSet presAssocID="{068E3759-63DD-4896-A94D-9E65AA3C18A9}" presName="arrowAndChildren" presStyleCnt="0"/>
+      <dgm:spPr/>
+    </dgm:pt>
+    <dgm:pt modelId="{62336800-8315-4086-85D7-DDDE579119DE}" type="pres">
+      <dgm:prSet presAssocID="{068E3759-63DD-4896-A94D-9E65AA3C18A9}" presName="parentTextArrow" presStyleLbl="node1" presStyleIdx="8" presStyleCnt="11"/>
+      <dgm:spPr/>
+    </dgm:pt>
+    <dgm:pt modelId="{9C91C4CA-0EB8-4DC0-BFD9-6DA9D62D4799}" type="pres">
+      <dgm:prSet presAssocID="{509E6158-A0EC-4166-9094-D4C51EFCE0A6}" presName="sp" presStyleCnt="0"/>
+      <dgm:spPr/>
+    </dgm:pt>
+    <dgm:pt modelId="{46F5720E-B6C6-420D-B390-53AB9A00B99A}" type="pres">
+      <dgm:prSet presAssocID="{0C532606-D04A-40D0-8C72-021A2262873D}" presName="arrowAndChildren" presStyleCnt="0"/>
+      <dgm:spPr/>
+    </dgm:pt>
+    <dgm:pt modelId="{03EA0F1D-D3AC-4023-859E-3B4FED21DBF3}" type="pres">
+      <dgm:prSet presAssocID="{0C532606-D04A-40D0-8C72-021A2262873D}" presName="parentTextArrow" presStyleLbl="node1" presStyleIdx="9" presStyleCnt="11" custAng="0" custLinFactNeighborY="1694"/>
+      <dgm:spPr/>
+    </dgm:pt>
+    <dgm:pt modelId="{5F6A6F57-8355-467F-8452-2308CADD87F8}" type="pres">
+      <dgm:prSet presAssocID="{E1C97D4C-7521-400D-9A7F-0BC2F0D4C89D}" presName="sp" presStyleCnt="0"/>
+      <dgm:spPr/>
+    </dgm:pt>
+    <dgm:pt modelId="{CB948E60-18BE-4D0C-8948-2BE5B52DFAD7}" type="pres">
+      <dgm:prSet presAssocID="{A79C3C62-D7C2-4E79-AFB0-A73EF3C4D564}" presName="arrowAndChildren" presStyleCnt="0"/>
+      <dgm:spPr/>
+    </dgm:pt>
+    <dgm:pt modelId="{0D64D249-E921-494A-A29A-8E7418376101}" type="pres">
+      <dgm:prSet presAssocID="{A79C3C62-D7C2-4E79-AFB0-A73EF3C4D564}" presName="parentTextArrow" presStyleLbl="node1" presStyleIdx="10" presStyleCnt="11" custLinFactNeighborY="-3419"/>
+      <dgm:spPr/>
+    </dgm:pt>
+  </dgm:ptLst>
+  <dgm:cxnLst>
+    <dgm:cxn modelId="{B4C682FC-4FCF-463B-BA35-331DC132DB39}" type="presOf" srcId="{12D2C7EB-BF37-4861-9FC4-3499AEE6E0EA}" destId="{2D06382B-A0F3-4A43-9A02-B0FA57AF8AD2}" srcOrd="0" destOrd="0" presId="urn:microsoft.com/office/officeart/2005/8/layout/process4"/>
+    <dgm:cxn modelId="{0E2AA1C5-D2F6-4D02-9D3F-3E16D584D817}" type="presOf" srcId="{981DB6CD-A27B-4512-B6C9-0097108651FD}" destId="{7C57543A-ED28-4CFF-B093-E551673255D0}" srcOrd="0" destOrd="0" presId="urn:microsoft.com/office/officeart/2005/8/layout/process4"/>
+    <dgm:cxn modelId="{05DBC47C-21C4-4F69-9267-0F5AE269795C}" type="presOf" srcId="{2F977DFB-15DF-4232-AC33-3D25A36FDA07}" destId="{56AE7A06-074B-4CB8-B04B-D6114174F388}" srcOrd="0" destOrd="0" presId="urn:microsoft.com/office/officeart/2005/8/layout/process4"/>
+    <dgm:cxn modelId="{9DA64CA6-3F14-462C-98B7-DD59D6F8655B}" type="presOf" srcId="{AE3FA33F-C051-4CFB-91FE-4D90AF2C34BD}" destId="{3A9C8C40-585A-47AA-93DF-4220EB1A94A4}" srcOrd="0" destOrd="0" presId="urn:microsoft.com/office/officeart/2005/8/layout/process4"/>
+    <dgm:cxn modelId="{11C9DDE1-9C1F-4995-A564-2130581DB073}" srcId="{5305BC3C-3078-4590-84EC-8E904473F3C4}" destId="{A79C3C62-D7C2-4E79-AFB0-A73EF3C4D564}" srcOrd="0" destOrd="0" parTransId="{A0D5BB2F-82ED-4C34-9D0A-DA4ABD3A5366}" sibTransId="{E1C97D4C-7521-400D-9A7F-0BC2F0D4C89D}"/>
+    <dgm:cxn modelId="{C4582689-4842-436C-904B-D6BB1E2A0185}" srcId="{5305BC3C-3078-4590-84EC-8E904473F3C4}" destId="{068E3759-63DD-4896-A94D-9E65AA3C18A9}" srcOrd="2" destOrd="0" parTransId="{6FA35866-EE9B-4773-B885-EADEBAC06A68}" sibTransId="{6799C9C2-146E-412C-AFA2-5D037D32CF49}"/>
+    <dgm:cxn modelId="{79869829-1061-4074-9B08-1FD8C81CF263}" type="presOf" srcId="{0C532606-D04A-40D0-8C72-021A2262873D}" destId="{03EA0F1D-D3AC-4023-859E-3B4FED21DBF3}" srcOrd="0" destOrd="0" presId="urn:microsoft.com/office/officeart/2005/8/layout/process4"/>
+    <dgm:cxn modelId="{76B45A83-2CA9-4003-A9BD-FF0C7AE4A7E2}" srcId="{5305BC3C-3078-4590-84EC-8E904473F3C4}" destId="{0AD1023A-A4AB-4CA1-90AF-610FEC1F8CCA}" srcOrd="6" destOrd="0" parTransId="{6E509891-9F98-45E8-8E73-FC2B8D467BC1}" sibTransId="{6CC74341-9AF7-421C-A0CD-C41950CC7394}"/>
+    <dgm:cxn modelId="{27E74CAE-AB38-4B2C-B04A-7C86B9F78233}" type="presOf" srcId="{656EC0F0-B6E0-481C-ACA0-B9A7A95B2243}" destId="{3058D14B-2F10-4E91-80CA-9290B7AE29FA}" srcOrd="0" destOrd="0" presId="urn:microsoft.com/office/officeart/2005/8/layout/process4"/>
+    <dgm:cxn modelId="{656621C9-A715-4207-8365-0776FE6017B1}" type="presOf" srcId="{068E3759-63DD-4896-A94D-9E65AA3C18A9}" destId="{62336800-8315-4086-85D7-DDDE579119DE}" srcOrd="0" destOrd="0" presId="urn:microsoft.com/office/officeart/2005/8/layout/process4"/>
+    <dgm:cxn modelId="{63767FC8-DFB7-40F5-B42C-37C7CC10E64B}" srcId="{5305BC3C-3078-4590-84EC-8E904473F3C4}" destId="{12D2C7EB-BF37-4861-9FC4-3499AEE6E0EA}" srcOrd="3" destOrd="0" parTransId="{76B720BB-EAAE-4E2E-BA3B-21EDEDA2984E}" sibTransId="{5DB71155-739C-44AE-9898-C878D7CB61BE}"/>
+    <dgm:cxn modelId="{ABE94317-B16A-4D78-93FB-F64B99FFF788}" srcId="{5305BC3C-3078-4590-84EC-8E904473F3C4}" destId="{656EC0F0-B6E0-481C-ACA0-B9A7A95B2243}" srcOrd="5" destOrd="0" parTransId="{47C3FD39-63BB-47FA-9DD3-EB2CD70556DC}" sibTransId="{006B5180-57C5-4FB7-AD18-5FCFCF4223B2}"/>
+    <dgm:cxn modelId="{D24A57C6-EF29-47D5-A5DB-0BF82E4533D4}" srcId="{5305BC3C-3078-4590-84EC-8E904473F3C4}" destId="{AE3FA33F-C051-4CFB-91FE-4D90AF2C34BD}" srcOrd="4" destOrd="0" parTransId="{7BC8E38A-75D9-4E8D-862E-E22C977F6A4F}" sibTransId="{5304DF4A-3E1C-4AC7-95B5-790342E8A528}"/>
+    <dgm:cxn modelId="{2901BC91-0A48-43B8-98DE-5AF2507B9D1A}" srcId="{5305BC3C-3078-4590-84EC-8E904473F3C4}" destId="{1FC2B61B-3719-4BE7-AAD8-C73FD4CBD272}" srcOrd="8" destOrd="0" parTransId="{4FECFE66-91D7-4CD1-B6C4-C77E15CF1791}" sibTransId="{0D99397A-FF43-41EB-B154-5371C2884A0A}"/>
+    <dgm:cxn modelId="{1F3CD2E8-7F8C-4880-B191-6655796525AB}" srcId="{5305BC3C-3078-4590-84EC-8E904473F3C4}" destId="{8582A342-8DBB-47DA-8F18-4BAA601E1C7E}" srcOrd="9" destOrd="0" parTransId="{9936A47A-2AC9-47C9-AB84-79E86B279980}" sibTransId="{6DE6A9D8-A704-4B2D-A86C-89AEBB3108CE}"/>
+    <dgm:cxn modelId="{E0F82F6E-0422-49A5-940A-161C51F4A8CB}" srcId="{5305BC3C-3078-4590-84EC-8E904473F3C4}" destId="{981DB6CD-A27B-4512-B6C9-0097108651FD}" srcOrd="10" destOrd="0" parTransId="{2EC53492-1DE7-499B-830C-A918527979BB}" sibTransId="{6D6D331E-487F-4570-925A-D42E2FF70D0D}"/>
+    <dgm:cxn modelId="{E984FAED-2221-482C-B24A-D4B85D019408}" type="presOf" srcId="{1FC2B61B-3719-4BE7-AAD8-C73FD4CBD272}" destId="{FC27AB8D-CB55-4A4B-8F35-D05607D8A323}" srcOrd="0" destOrd="0" presId="urn:microsoft.com/office/officeart/2005/8/layout/process4"/>
+    <dgm:cxn modelId="{D61680B1-8E49-4F2F-BC95-67D13694D2C1}" type="presOf" srcId="{8582A342-8DBB-47DA-8F18-4BAA601E1C7E}" destId="{9767010E-1D5F-4337-9728-42DB28E8CF5A}" srcOrd="0" destOrd="0" presId="urn:microsoft.com/office/officeart/2005/8/layout/process4"/>
+    <dgm:cxn modelId="{30C6EE46-672A-45EE-97A4-5EA92A8AFAAB}" type="presOf" srcId="{5305BC3C-3078-4590-84EC-8E904473F3C4}" destId="{9ADC6C16-5C8D-4684-8211-077A7E784A85}" srcOrd="0" destOrd="0" presId="urn:microsoft.com/office/officeart/2005/8/layout/process4"/>
+    <dgm:cxn modelId="{6BBB59F1-9533-4DC0-AA8F-12DD71361F5E}" type="presOf" srcId="{A79C3C62-D7C2-4E79-AFB0-A73EF3C4D564}" destId="{0D64D249-E921-494A-A29A-8E7418376101}" srcOrd="0" destOrd="0" presId="urn:microsoft.com/office/officeart/2005/8/layout/process4"/>
+    <dgm:cxn modelId="{2873FCFF-ECBB-496F-8593-D864CBC282E6}" type="presOf" srcId="{0AD1023A-A4AB-4CA1-90AF-610FEC1F8CCA}" destId="{F70B6B05-8149-4D85-9360-43E69509DE87}" srcOrd="0" destOrd="0" presId="urn:microsoft.com/office/officeart/2005/8/layout/process4"/>
+    <dgm:cxn modelId="{198B8E24-C854-4119-8BBF-0FD4CF66CE1B}" srcId="{5305BC3C-3078-4590-84EC-8E904473F3C4}" destId="{2F977DFB-15DF-4232-AC33-3D25A36FDA07}" srcOrd="7" destOrd="0" parTransId="{02B61230-660B-4CB0-AF32-1D623D9FC3C8}" sibTransId="{F771E2D1-7F91-4A66-832E-00DF606FCDCA}"/>
+    <dgm:cxn modelId="{94A4233C-3858-456F-9B9F-EB2DAF68F328}" srcId="{5305BC3C-3078-4590-84EC-8E904473F3C4}" destId="{0C532606-D04A-40D0-8C72-021A2262873D}" srcOrd="1" destOrd="0" parTransId="{8AE27AAF-AF1B-45B5-B5AA-AFD160F32921}" sibTransId="{509E6158-A0EC-4166-9094-D4C51EFCE0A6}"/>
+    <dgm:cxn modelId="{48164B1A-4018-4F07-BECB-2B41A04FB367}" type="presParOf" srcId="{9ADC6C16-5C8D-4684-8211-077A7E784A85}" destId="{17FD7C46-E6A3-40E6-9F55-7DCFD9E381C2}" srcOrd="0" destOrd="0" presId="urn:microsoft.com/office/officeart/2005/8/layout/process4"/>
+    <dgm:cxn modelId="{7A7CCE0C-1C59-4754-92E1-05D0E483F6A1}" type="presParOf" srcId="{17FD7C46-E6A3-40E6-9F55-7DCFD9E381C2}" destId="{7C57543A-ED28-4CFF-B093-E551673255D0}" srcOrd="0" destOrd="0" presId="urn:microsoft.com/office/officeart/2005/8/layout/process4"/>
+    <dgm:cxn modelId="{7310C7F8-E791-4D3D-AF83-FB23CB3E1596}" type="presParOf" srcId="{9ADC6C16-5C8D-4684-8211-077A7E784A85}" destId="{CE699A21-2BAF-423F-9DCE-E489B4DDD4AA}" srcOrd="1" destOrd="0" presId="urn:microsoft.com/office/officeart/2005/8/layout/process4"/>
+    <dgm:cxn modelId="{F57F319D-1F2A-4062-851A-F9D4AB2B5E3D}" type="presParOf" srcId="{9ADC6C16-5C8D-4684-8211-077A7E784A85}" destId="{0016317C-C590-49CB-A921-1A1516B56404}" srcOrd="2" destOrd="0" presId="urn:microsoft.com/office/officeart/2005/8/layout/process4"/>
+    <dgm:cxn modelId="{9FF38B23-3B2D-4A22-BEEB-BDB364DEBB45}" type="presParOf" srcId="{0016317C-C590-49CB-A921-1A1516B56404}" destId="{9767010E-1D5F-4337-9728-42DB28E8CF5A}" srcOrd="0" destOrd="0" presId="urn:microsoft.com/office/officeart/2005/8/layout/process4"/>
+    <dgm:cxn modelId="{1D41E469-76BB-4B9E-8E4C-51C2B49A0A80}" type="presParOf" srcId="{9ADC6C16-5C8D-4684-8211-077A7E784A85}" destId="{0351350D-F57E-4E46-A578-69DF4E8ADF99}" srcOrd="3" destOrd="0" presId="urn:microsoft.com/office/officeart/2005/8/layout/process4"/>
+    <dgm:cxn modelId="{A4AA67A7-9C19-49F6-B89F-0D58F1126E7B}" type="presParOf" srcId="{9ADC6C16-5C8D-4684-8211-077A7E784A85}" destId="{64E962E8-F1E9-4427-AEE4-1792D298D174}" srcOrd="4" destOrd="0" presId="urn:microsoft.com/office/officeart/2005/8/layout/process4"/>
+    <dgm:cxn modelId="{CCBC3185-1D58-40E0-95DF-98667FF244F0}" type="presParOf" srcId="{64E962E8-F1E9-4427-AEE4-1792D298D174}" destId="{FC27AB8D-CB55-4A4B-8F35-D05607D8A323}" srcOrd="0" destOrd="0" presId="urn:microsoft.com/office/officeart/2005/8/layout/process4"/>
+    <dgm:cxn modelId="{D9B102D5-7BE5-40A1-9B7D-28AF6C100843}" type="presParOf" srcId="{9ADC6C16-5C8D-4684-8211-077A7E784A85}" destId="{E0E0AD5E-DBF0-45E3-A40E-5ECEE6E32AB3}" srcOrd="5" destOrd="0" presId="urn:microsoft.com/office/officeart/2005/8/layout/process4"/>
+    <dgm:cxn modelId="{2BE0E133-531F-4726-B853-3DBAE4647670}" type="presParOf" srcId="{9ADC6C16-5C8D-4684-8211-077A7E784A85}" destId="{7B45F6B8-AD3F-49FF-A7DF-1657E0EE811A}" srcOrd="6" destOrd="0" presId="urn:microsoft.com/office/officeart/2005/8/layout/process4"/>
+    <dgm:cxn modelId="{B6AB86BF-F086-48E4-B1CC-15AF7A97786A}" type="presParOf" srcId="{7B45F6B8-AD3F-49FF-A7DF-1657E0EE811A}" destId="{56AE7A06-074B-4CB8-B04B-D6114174F388}" srcOrd="0" destOrd="0" presId="urn:microsoft.com/office/officeart/2005/8/layout/process4"/>
+    <dgm:cxn modelId="{C0024BCD-EF55-49CF-A39B-A70F56B30978}" type="presParOf" srcId="{9ADC6C16-5C8D-4684-8211-077A7E784A85}" destId="{F661F60C-6D7D-4465-B332-4A530F0E2543}" srcOrd="7" destOrd="0" presId="urn:microsoft.com/office/officeart/2005/8/layout/process4"/>
+    <dgm:cxn modelId="{ED3B7143-2B2A-42AD-9D4E-F9ADEFFBBA47}" type="presParOf" srcId="{9ADC6C16-5C8D-4684-8211-077A7E784A85}" destId="{2881D5F0-5A99-400A-9766-98FF592EC20D}" srcOrd="8" destOrd="0" presId="urn:microsoft.com/office/officeart/2005/8/layout/process4"/>
+    <dgm:cxn modelId="{0D430CB6-0F69-453D-B5F6-9C3157858CE7}" type="presParOf" srcId="{2881D5F0-5A99-400A-9766-98FF592EC20D}" destId="{F70B6B05-8149-4D85-9360-43E69509DE87}" srcOrd="0" destOrd="0" presId="urn:microsoft.com/office/officeart/2005/8/layout/process4"/>
+    <dgm:cxn modelId="{0E63CD5D-3851-4A45-A487-13F63C662092}" type="presParOf" srcId="{9ADC6C16-5C8D-4684-8211-077A7E784A85}" destId="{04AF7657-C567-4322-85A3-37572E5DEEA3}" srcOrd="9" destOrd="0" presId="urn:microsoft.com/office/officeart/2005/8/layout/process4"/>
+    <dgm:cxn modelId="{8AFACFBC-19F7-4156-9BEF-42D299E9E2CD}" type="presParOf" srcId="{9ADC6C16-5C8D-4684-8211-077A7E784A85}" destId="{2973F222-9CC9-4277-8E7F-96DA3E911C7F}" srcOrd="10" destOrd="0" presId="urn:microsoft.com/office/officeart/2005/8/layout/process4"/>
+    <dgm:cxn modelId="{8D7F2F2C-C681-4AB3-B817-164425CDBFDB}" type="presParOf" srcId="{2973F222-9CC9-4277-8E7F-96DA3E911C7F}" destId="{3058D14B-2F10-4E91-80CA-9290B7AE29FA}" srcOrd="0" destOrd="0" presId="urn:microsoft.com/office/officeart/2005/8/layout/process4"/>
+    <dgm:cxn modelId="{E4D0FD3A-1BFD-41F7-8EA4-DD43222D0CE8}" type="presParOf" srcId="{9ADC6C16-5C8D-4684-8211-077A7E784A85}" destId="{F2DA5356-12CE-43AA-83F0-C10A9F4DBE21}" srcOrd="11" destOrd="0" presId="urn:microsoft.com/office/officeart/2005/8/layout/process4"/>
+    <dgm:cxn modelId="{5EDC50BE-3FE5-48AF-9510-56D93CFD3EEF}" type="presParOf" srcId="{9ADC6C16-5C8D-4684-8211-077A7E784A85}" destId="{42A47215-4619-48AF-BE28-C47B3D05C837}" srcOrd="12" destOrd="0" presId="urn:microsoft.com/office/officeart/2005/8/layout/process4"/>
+    <dgm:cxn modelId="{DCE52B8C-1090-4B62-A6B4-C5091FC12EF0}" type="presParOf" srcId="{42A47215-4619-48AF-BE28-C47B3D05C837}" destId="{3A9C8C40-585A-47AA-93DF-4220EB1A94A4}" srcOrd="0" destOrd="0" presId="urn:microsoft.com/office/officeart/2005/8/layout/process4"/>
+    <dgm:cxn modelId="{270890FA-6B5C-4714-9829-9FF742180C62}" type="presParOf" srcId="{9ADC6C16-5C8D-4684-8211-077A7E784A85}" destId="{BCBC46D3-F5C8-495C-A9D2-E1F51A90C400}" srcOrd="13" destOrd="0" presId="urn:microsoft.com/office/officeart/2005/8/layout/process4"/>
+    <dgm:cxn modelId="{7927A356-4ABC-4FC6-A18D-D7F3190C0928}" type="presParOf" srcId="{9ADC6C16-5C8D-4684-8211-077A7E784A85}" destId="{96B3D2D5-9237-4CD5-B311-C029DE03BD55}" srcOrd="14" destOrd="0" presId="urn:microsoft.com/office/officeart/2005/8/layout/process4"/>
+    <dgm:cxn modelId="{208E89E2-449F-4101-ABBE-F70562D4A3B2}" type="presParOf" srcId="{96B3D2D5-9237-4CD5-B311-C029DE03BD55}" destId="{2D06382B-A0F3-4A43-9A02-B0FA57AF8AD2}" srcOrd="0" destOrd="0" presId="urn:microsoft.com/office/officeart/2005/8/layout/process4"/>
+    <dgm:cxn modelId="{8EE97E0C-AA23-4ACF-8E9E-A32125BB776A}" type="presParOf" srcId="{9ADC6C16-5C8D-4684-8211-077A7E784A85}" destId="{AEB6EE7F-BF0E-47E6-920C-E53EB9DE5EEE}" srcOrd="15" destOrd="0" presId="urn:microsoft.com/office/officeart/2005/8/layout/process4"/>
+    <dgm:cxn modelId="{1BFD3378-66CF-4196-A349-35DB6DAF878B}" type="presParOf" srcId="{9ADC6C16-5C8D-4684-8211-077A7E784A85}" destId="{170036C7-548F-4B56-AB56-269C246E2FD5}" srcOrd="16" destOrd="0" presId="urn:microsoft.com/office/officeart/2005/8/layout/process4"/>
+    <dgm:cxn modelId="{A73D141F-D695-4D55-A83C-259C99BB3719}" type="presParOf" srcId="{170036C7-548F-4B56-AB56-269C246E2FD5}" destId="{62336800-8315-4086-85D7-DDDE579119DE}" srcOrd="0" destOrd="0" presId="urn:microsoft.com/office/officeart/2005/8/layout/process4"/>
+    <dgm:cxn modelId="{62D8AA6B-F66B-4880-B808-DFC5E149689D}" type="presParOf" srcId="{9ADC6C16-5C8D-4684-8211-077A7E784A85}" destId="{9C91C4CA-0EB8-4DC0-BFD9-6DA9D62D4799}" srcOrd="17" destOrd="0" presId="urn:microsoft.com/office/officeart/2005/8/layout/process4"/>
+    <dgm:cxn modelId="{594969EE-1996-466D-9EBE-55D4C6CB70F2}" type="presParOf" srcId="{9ADC6C16-5C8D-4684-8211-077A7E784A85}" destId="{46F5720E-B6C6-420D-B390-53AB9A00B99A}" srcOrd="18" destOrd="0" presId="urn:microsoft.com/office/officeart/2005/8/layout/process4"/>
+    <dgm:cxn modelId="{0B93CA28-21C1-4375-9AE4-A0E8B4299FFC}" type="presParOf" srcId="{46F5720E-B6C6-420D-B390-53AB9A00B99A}" destId="{03EA0F1D-D3AC-4023-859E-3B4FED21DBF3}" srcOrd="0" destOrd="0" presId="urn:microsoft.com/office/officeart/2005/8/layout/process4"/>
+    <dgm:cxn modelId="{0C672C76-994C-4D32-B73B-ACB7B766E5DB}" type="presParOf" srcId="{9ADC6C16-5C8D-4684-8211-077A7E784A85}" destId="{5F6A6F57-8355-467F-8452-2308CADD87F8}" srcOrd="19" destOrd="0" presId="urn:microsoft.com/office/officeart/2005/8/layout/process4"/>
+    <dgm:cxn modelId="{64D3F8D3-DD68-4984-B8BA-55885DCF33C2}" type="presParOf" srcId="{9ADC6C16-5C8D-4684-8211-077A7E784A85}" destId="{CB948E60-18BE-4D0C-8948-2BE5B52DFAD7}" srcOrd="20" destOrd="0" presId="urn:microsoft.com/office/officeart/2005/8/layout/process4"/>
+    <dgm:cxn modelId="{AD562F7E-4D73-4A8E-A005-7517028423E8}" type="presParOf" srcId="{CB948E60-18BE-4D0C-8948-2BE5B52DFAD7}" destId="{0D64D249-E921-494A-A29A-8E7418376101}" srcOrd="0" destOrd="0" presId="urn:microsoft.com/office/officeart/2005/8/layout/process4"/>
+  </dgm:cxnLst>
+  <dgm:bg/>
+  <dgm:whole/>
+  <dgm:extLst>
+    <a:ext uri="http://schemas.microsoft.com/office/drawing/2008/diagram">
+      <dsp:dataModelExt xmlns:dsp="http://schemas.microsoft.com/office/drawing/2008/diagram" relId="rId19" minVer="http://schemas.openxmlformats.org/drawingml/2006/diagram"/>
+    </a:ext>
+  </dgm:extLst>
+</dgm:dataModel>
+</file>
+
+<file path=ppt/diagrams/drawing1.xml><?xml version="1.0" encoding="utf-8"?>
+<dsp:drawing xmlns:dgm="http://schemas.openxmlformats.org/drawingml/2006/diagram" xmlns:dsp="http://schemas.microsoft.com/office/drawing/2008/diagram" xmlns:a="http://schemas.openxmlformats.org/drawingml/2006/main">
+  <dsp:spTree>
+    <dsp:nvGrpSpPr>
+      <dsp:cNvPr id="0" name=""/>
+      <dsp:cNvGrpSpPr/>
+    </dsp:nvGrpSpPr>
+    <dsp:grpSpPr/>
+    <dsp:sp modelId="{7C57543A-ED28-4CFF-B093-E551673255D0}">
+      <dsp:nvSpPr>
+        <dsp:cNvPr id="0" name=""/>
+        <dsp:cNvSpPr/>
+      </dsp:nvSpPr>
+      <dsp:spPr>
+        <a:xfrm>
+          <a:off x="0" y="11757235"/>
+          <a:ext cx="2668545" cy="771779"/>
+        </a:xfrm>
+        <a:prstGeom prst="rect">
+          <a:avLst/>
+        </a:prstGeom>
+        <a:solidFill>
+          <a:schemeClr val="accent1">
+            <a:hueOff val="0"/>
+            <a:satOff val="0"/>
+            <a:lumOff val="0"/>
+            <a:alphaOff val="0"/>
+          </a:schemeClr>
+        </a:solidFill>
+        <a:ln w="15875" cap="rnd" cmpd="sng" algn="ctr">
+          <a:solidFill>
+            <a:schemeClr val="lt1">
+              <a:hueOff val="0"/>
+              <a:satOff val="0"/>
+              <a:lumOff val="0"/>
+              <a:alphaOff val="0"/>
+            </a:schemeClr>
+          </a:solidFill>
+          <a:prstDash val="solid"/>
+        </a:ln>
+        <a:effectLst/>
+      </dsp:spPr>
+      <dsp:style>
+        <a:lnRef idx="2">
+          <a:scrgbClr r="0" g="0" b="0"/>
+        </a:lnRef>
+        <a:fillRef idx="1">
+          <a:scrgbClr r="0" g="0" b="0"/>
+        </a:fillRef>
+        <a:effectRef idx="0">
+          <a:scrgbClr r="0" g="0" b="0"/>
+        </a:effectRef>
+        <a:fontRef idx="minor">
+          <a:schemeClr val="lt1"/>
+        </a:fontRef>
+      </dsp:style>
+      <dsp:txBody>
+        <a:bodyPr spcFirstLastPara="0" vert="horz" wrap="square" lIns="113792" tIns="113792" rIns="113792" bIns="113792" numCol="1" spcCol="1270" anchor="ctr" anchorCtr="0">
+          <a:noAutofit/>
+        </a:bodyPr>
+        <a:lstStyle/>
+        <a:p>
+          <a:pPr lvl="0" algn="ctr" defTabSz="711200">
+            <a:lnSpc>
+              <a:spcPct val="90000"/>
+            </a:lnSpc>
+            <a:spcBef>
+              <a:spcPct val="0"/>
+            </a:spcBef>
+            <a:spcAft>
+              <a:spcPct val="35000"/>
+            </a:spcAft>
+          </a:pPr>
+          <a:r>
+            <a:rPr lang="en-US" sz="1600" kern="1200" dirty="0" err="1" smtClean="0"/>
+            <a:t>SoftmaxOutput</a:t>
+          </a:r>
+          <a:endParaRPr lang="en-US" sz="1600" kern="1200" dirty="0"/>
+        </a:p>
+      </dsp:txBody>
+      <dsp:txXfrm>
+        <a:off x="0" y="11757235"/>
+        <a:ext cx="2668545" cy="771779"/>
+      </dsp:txXfrm>
+    </dsp:sp>
+    <dsp:sp modelId="{9767010E-1D5F-4337-9728-42DB28E8CF5A}">
+      <dsp:nvSpPr>
+        <dsp:cNvPr id="0" name=""/>
+        <dsp:cNvSpPr/>
+      </dsp:nvSpPr>
+      <dsp:spPr>
+        <a:xfrm rot="10800000">
+          <a:off x="0" y="10581815"/>
+          <a:ext cx="2668545" cy="1186996"/>
+        </a:xfrm>
+        <a:prstGeom prst="upArrowCallout">
+          <a:avLst/>
+        </a:prstGeom>
+        <a:solidFill>
+          <a:schemeClr val="accent1">
+            <a:hueOff val="0"/>
+            <a:satOff val="0"/>
+            <a:lumOff val="0"/>
+            <a:alphaOff val="0"/>
+          </a:schemeClr>
+        </a:solidFill>
+        <a:ln w="15875" cap="rnd" cmpd="sng" algn="ctr">
+          <a:solidFill>
+            <a:schemeClr val="lt1">
+              <a:hueOff val="0"/>
+              <a:satOff val="0"/>
+              <a:lumOff val="0"/>
+              <a:alphaOff val="0"/>
+            </a:schemeClr>
+          </a:solidFill>
+          <a:prstDash val="solid"/>
+        </a:ln>
+        <a:effectLst/>
+      </dsp:spPr>
+      <dsp:style>
+        <a:lnRef idx="2">
+          <a:scrgbClr r="0" g="0" b="0"/>
+        </a:lnRef>
+        <a:fillRef idx="1">
+          <a:scrgbClr r="0" g="0" b="0"/>
+        </a:fillRef>
+        <a:effectRef idx="0">
+          <a:scrgbClr r="0" g="0" b="0"/>
+        </a:effectRef>
+        <a:fontRef idx="minor">
+          <a:schemeClr val="lt1"/>
+        </a:fontRef>
+      </dsp:style>
+      <dsp:txBody>
+        <a:bodyPr spcFirstLastPara="0" vert="horz" wrap="square" lIns="113792" tIns="113792" rIns="113792" bIns="113792" numCol="1" spcCol="1270" anchor="ctr" anchorCtr="0">
+          <a:noAutofit/>
+        </a:bodyPr>
+        <a:lstStyle/>
+        <a:p>
+          <a:pPr lvl="0" algn="ctr" defTabSz="711200">
+            <a:lnSpc>
+              <a:spcPct val="90000"/>
+            </a:lnSpc>
+            <a:spcBef>
+              <a:spcPct val="0"/>
+            </a:spcBef>
+            <a:spcAft>
+              <a:spcPct val="35000"/>
+            </a:spcAft>
+          </a:pPr>
+          <a:r>
+            <a:rPr lang="en-US" sz="1600" kern="1200" dirty="0" err="1" smtClean="0"/>
+            <a:t>FullyConnected</a:t>
+          </a:r>
+          <a:endParaRPr lang="en-US" sz="1600" kern="1200" dirty="0" smtClean="0"/>
+        </a:p>
+        <a:p>
+          <a:pPr lvl="0" algn="ctr" defTabSz="711200">
+            <a:lnSpc>
+              <a:spcPct val="90000"/>
+            </a:lnSpc>
+            <a:spcBef>
+              <a:spcPct val="0"/>
+            </a:spcBef>
+            <a:spcAft>
+              <a:spcPct val="35000"/>
+            </a:spcAft>
+          </a:pPr>
+          <a:r>
+            <a:rPr lang="en-US" sz="1600" kern="1200" dirty="0" smtClean="0"/>
+            <a:t>101</a:t>
+          </a:r>
+          <a:endParaRPr lang="en-US" sz="1600" kern="1200" dirty="0"/>
+        </a:p>
+      </dsp:txBody>
+      <dsp:txXfrm rot="10800000">
+        <a:off x="0" y="10581815"/>
+        <a:ext cx="2668545" cy="771274"/>
+      </dsp:txXfrm>
+    </dsp:sp>
+    <dsp:sp modelId="{FC27AB8D-CB55-4A4B-8F35-D05607D8A323}">
+      <dsp:nvSpPr>
+        <dsp:cNvPr id="0" name=""/>
+        <dsp:cNvSpPr/>
+      </dsp:nvSpPr>
+      <dsp:spPr>
+        <a:xfrm rot="10800000">
+          <a:off x="0" y="9406395"/>
+          <a:ext cx="2668545" cy="1186996"/>
+        </a:xfrm>
+        <a:prstGeom prst="upArrowCallout">
+          <a:avLst/>
+        </a:prstGeom>
+        <a:solidFill>
+          <a:schemeClr val="accent1">
+            <a:hueOff val="0"/>
+            <a:satOff val="0"/>
+            <a:lumOff val="0"/>
+            <a:alphaOff val="0"/>
+          </a:schemeClr>
+        </a:solidFill>
+        <a:ln w="15875" cap="rnd" cmpd="sng" algn="ctr">
+          <a:solidFill>
+            <a:schemeClr val="lt1">
+              <a:hueOff val="0"/>
+              <a:satOff val="0"/>
+              <a:lumOff val="0"/>
+              <a:alphaOff val="0"/>
+            </a:schemeClr>
+          </a:solidFill>
+          <a:prstDash val="solid"/>
+        </a:ln>
+        <a:effectLst/>
+      </dsp:spPr>
+      <dsp:style>
+        <a:lnRef idx="2">
+          <a:scrgbClr r="0" g="0" b="0"/>
+        </a:lnRef>
+        <a:fillRef idx="1">
+          <a:scrgbClr r="0" g="0" b="0"/>
+        </a:fillRef>
+        <a:effectRef idx="0">
+          <a:scrgbClr r="0" g="0" b="0"/>
+        </a:effectRef>
+        <a:fontRef idx="minor">
+          <a:schemeClr val="lt1"/>
+        </a:fontRef>
+      </dsp:style>
+      <dsp:txBody>
+        <a:bodyPr spcFirstLastPara="0" vert="horz" wrap="square" lIns="113792" tIns="113792" rIns="113792" bIns="113792" numCol="1" spcCol="1270" anchor="ctr" anchorCtr="0">
+          <a:noAutofit/>
+        </a:bodyPr>
+        <a:lstStyle/>
+        <a:p>
+          <a:pPr lvl="0" algn="ctr" defTabSz="711200">
+            <a:lnSpc>
+              <a:spcPct val="90000"/>
+            </a:lnSpc>
+            <a:spcBef>
+              <a:spcPct val="0"/>
+            </a:spcBef>
+            <a:spcAft>
+              <a:spcPct val="35000"/>
+            </a:spcAft>
+          </a:pPr>
+          <a:r>
+            <a:rPr lang="en-US" sz="1600" kern="1200" dirty="0" smtClean="0"/>
+            <a:t>Activation</a:t>
+          </a:r>
+        </a:p>
+        <a:p>
+          <a:pPr lvl="0" algn="ctr" defTabSz="711200">
+            <a:lnSpc>
+              <a:spcPct val="90000"/>
+            </a:lnSpc>
+            <a:spcBef>
+              <a:spcPct val="0"/>
+            </a:spcBef>
+            <a:spcAft>
+              <a:spcPct val="35000"/>
+            </a:spcAft>
+          </a:pPr>
+          <a:r>
+            <a:rPr lang="en-US" sz="1600" kern="1200" dirty="0" err="1" smtClean="0"/>
+            <a:t>Tanh</a:t>
+          </a:r>
+          <a:endParaRPr lang="en-US" sz="1600" kern="1200" dirty="0"/>
+        </a:p>
+      </dsp:txBody>
+      <dsp:txXfrm rot="10800000">
+        <a:off x="0" y="9406395"/>
+        <a:ext cx="2668545" cy="771274"/>
+      </dsp:txXfrm>
+    </dsp:sp>
+    <dsp:sp modelId="{56AE7A06-074B-4CB8-B04B-D6114174F388}">
+      <dsp:nvSpPr>
+        <dsp:cNvPr id="0" name=""/>
+        <dsp:cNvSpPr/>
+      </dsp:nvSpPr>
+      <dsp:spPr>
+        <a:xfrm rot="10800000">
+          <a:off x="0" y="8230974"/>
+          <a:ext cx="2668545" cy="1186996"/>
+        </a:xfrm>
+        <a:prstGeom prst="upArrowCallout">
+          <a:avLst/>
+        </a:prstGeom>
+        <a:solidFill>
+          <a:schemeClr val="accent1">
+            <a:hueOff val="0"/>
+            <a:satOff val="0"/>
+            <a:lumOff val="0"/>
+            <a:alphaOff val="0"/>
+          </a:schemeClr>
+        </a:solidFill>
+        <a:ln w="15875" cap="rnd" cmpd="sng" algn="ctr">
+          <a:solidFill>
+            <a:schemeClr val="lt1">
+              <a:hueOff val="0"/>
+              <a:satOff val="0"/>
+              <a:lumOff val="0"/>
+              <a:alphaOff val="0"/>
+            </a:schemeClr>
+          </a:solidFill>
+          <a:prstDash val="solid"/>
+        </a:ln>
+        <a:effectLst/>
+      </dsp:spPr>
+      <dsp:style>
+        <a:lnRef idx="2">
+          <a:scrgbClr r="0" g="0" b="0"/>
+        </a:lnRef>
+        <a:fillRef idx="1">
+          <a:scrgbClr r="0" g="0" b="0"/>
+        </a:fillRef>
+        <a:effectRef idx="0">
+          <a:scrgbClr r="0" g="0" b="0"/>
+        </a:effectRef>
+        <a:fontRef idx="minor">
+          <a:schemeClr val="lt1"/>
+        </a:fontRef>
+      </dsp:style>
+      <dsp:txBody>
+        <a:bodyPr spcFirstLastPara="0" vert="horz" wrap="square" lIns="113792" tIns="113792" rIns="113792" bIns="113792" numCol="1" spcCol="1270" anchor="ctr" anchorCtr="0">
+          <a:noAutofit/>
+        </a:bodyPr>
+        <a:lstStyle/>
+        <a:p>
+          <a:pPr lvl="0" algn="ctr" defTabSz="711200">
+            <a:lnSpc>
+              <a:spcPct val="90000"/>
+            </a:lnSpc>
+            <a:spcBef>
+              <a:spcPct val="0"/>
+            </a:spcBef>
+            <a:spcAft>
+              <a:spcPct val="35000"/>
+            </a:spcAft>
+          </a:pPr>
+          <a:r>
+            <a:rPr lang="en-US" sz="1600" kern="1200" dirty="0" err="1" smtClean="0"/>
+            <a:t>FullyConnected</a:t>
+          </a:r>
+          <a:endParaRPr lang="en-US" sz="1600" kern="1200" dirty="0" smtClean="0"/>
+        </a:p>
+        <a:p>
+          <a:pPr lvl="0" algn="ctr" defTabSz="711200">
+            <a:lnSpc>
+              <a:spcPct val="90000"/>
+            </a:lnSpc>
+            <a:spcBef>
+              <a:spcPct val="0"/>
+            </a:spcBef>
+            <a:spcAft>
+              <a:spcPct val="35000"/>
+            </a:spcAft>
+          </a:pPr>
+          <a:r>
+            <a:rPr lang="en-US" sz="1600" kern="1200" dirty="0" smtClean="0"/>
+            <a:t>500</a:t>
+          </a:r>
+          <a:endParaRPr lang="en-US" sz="1600" kern="1200" dirty="0"/>
+        </a:p>
+      </dsp:txBody>
+      <dsp:txXfrm rot="10800000">
+        <a:off x="0" y="8230974"/>
+        <a:ext cx="2668545" cy="771274"/>
+      </dsp:txXfrm>
+    </dsp:sp>
+    <dsp:sp modelId="{F70B6B05-8149-4D85-9360-43E69509DE87}">
+      <dsp:nvSpPr>
+        <dsp:cNvPr id="0" name=""/>
+        <dsp:cNvSpPr/>
+      </dsp:nvSpPr>
+      <dsp:spPr>
+        <a:xfrm rot="10800000">
+          <a:off x="0" y="7055554"/>
+          <a:ext cx="2668545" cy="1186996"/>
+        </a:xfrm>
+        <a:prstGeom prst="upArrowCallout">
+          <a:avLst/>
+        </a:prstGeom>
+        <a:solidFill>
+          <a:schemeClr val="accent1">
+            <a:hueOff val="0"/>
+            <a:satOff val="0"/>
+            <a:lumOff val="0"/>
+            <a:alphaOff val="0"/>
+          </a:schemeClr>
+        </a:solidFill>
+        <a:ln w="15875" cap="rnd" cmpd="sng" algn="ctr">
+          <a:solidFill>
+            <a:schemeClr val="lt1">
+              <a:hueOff val="0"/>
+              <a:satOff val="0"/>
+              <a:lumOff val="0"/>
+              <a:alphaOff val="0"/>
+            </a:schemeClr>
+          </a:solidFill>
+          <a:prstDash val="solid"/>
+        </a:ln>
+        <a:effectLst/>
+      </dsp:spPr>
+      <dsp:style>
+        <a:lnRef idx="2">
+          <a:scrgbClr r="0" g="0" b="0"/>
+        </a:lnRef>
+        <a:fillRef idx="1">
+          <a:scrgbClr r="0" g="0" b="0"/>
+        </a:fillRef>
+        <a:effectRef idx="0">
+          <a:scrgbClr r="0" g="0" b="0"/>
+        </a:effectRef>
+        <a:fontRef idx="minor">
+          <a:schemeClr val="lt1"/>
+        </a:fontRef>
+      </dsp:style>
+      <dsp:txBody>
+        <a:bodyPr spcFirstLastPara="0" vert="horz" wrap="square" lIns="113792" tIns="113792" rIns="113792" bIns="113792" numCol="1" spcCol="1270" anchor="ctr" anchorCtr="0">
+          <a:noAutofit/>
+        </a:bodyPr>
+        <a:lstStyle/>
+        <a:p>
+          <a:pPr lvl="0" algn="ctr" defTabSz="711200">
+            <a:lnSpc>
+              <a:spcPct val="90000"/>
+            </a:lnSpc>
+            <a:spcBef>
+              <a:spcPct val="0"/>
+            </a:spcBef>
+            <a:spcAft>
+              <a:spcPct val="35000"/>
+            </a:spcAft>
+          </a:pPr>
+          <a:r>
+            <a:rPr lang="en-US" sz="1600" kern="1200" dirty="0" smtClean="0"/>
+            <a:t>Flatten</a:t>
+          </a:r>
+          <a:endParaRPr lang="en-US" sz="1600" kern="1200" dirty="0"/>
+        </a:p>
+      </dsp:txBody>
+      <dsp:txXfrm rot="10800000">
+        <a:off x="0" y="7055554"/>
+        <a:ext cx="2668545" cy="771274"/>
+      </dsp:txXfrm>
+    </dsp:sp>
+    <dsp:sp modelId="{3058D14B-2F10-4E91-80CA-9290B7AE29FA}">
+      <dsp:nvSpPr>
+        <dsp:cNvPr id="0" name=""/>
+        <dsp:cNvSpPr/>
+      </dsp:nvSpPr>
+      <dsp:spPr>
+        <a:xfrm rot="10800000">
+          <a:off x="0" y="5880134"/>
+          <a:ext cx="2668545" cy="1186996"/>
+        </a:xfrm>
+        <a:prstGeom prst="upArrowCallout">
+          <a:avLst/>
+        </a:prstGeom>
+        <a:solidFill>
+          <a:schemeClr val="accent1">
+            <a:hueOff val="0"/>
+            <a:satOff val="0"/>
+            <a:lumOff val="0"/>
+            <a:alphaOff val="0"/>
+          </a:schemeClr>
+        </a:solidFill>
+        <a:ln w="15875" cap="rnd" cmpd="sng" algn="ctr">
+          <a:solidFill>
+            <a:schemeClr val="lt1">
+              <a:hueOff val="0"/>
+              <a:satOff val="0"/>
+              <a:lumOff val="0"/>
+              <a:alphaOff val="0"/>
+            </a:schemeClr>
+          </a:solidFill>
+          <a:prstDash val="solid"/>
+        </a:ln>
+        <a:effectLst/>
+      </dsp:spPr>
+      <dsp:style>
+        <a:lnRef idx="2">
+          <a:scrgbClr r="0" g="0" b="0"/>
+        </a:lnRef>
+        <a:fillRef idx="1">
+          <a:scrgbClr r="0" g="0" b="0"/>
+        </a:fillRef>
+        <a:effectRef idx="0">
+          <a:scrgbClr r="0" g="0" b="0"/>
+        </a:effectRef>
+        <a:fontRef idx="minor">
+          <a:schemeClr val="lt1"/>
+        </a:fontRef>
+      </dsp:style>
+      <dsp:txBody>
+        <a:bodyPr spcFirstLastPara="0" vert="horz" wrap="square" lIns="113792" tIns="113792" rIns="113792" bIns="113792" numCol="1" spcCol="1270" anchor="ctr" anchorCtr="0">
+          <a:noAutofit/>
+        </a:bodyPr>
+        <a:lstStyle/>
+        <a:p>
+          <a:pPr lvl="0" algn="ctr" defTabSz="711200">
+            <a:lnSpc>
+              <a:spcPct val="90000"/>
+            </a:lnSpc>
+            <a:spcBef>
+              <a:spcPct val="0"/>
+            </a:spcBef>
+            <a:spcAft>
+              <a:spcPct val="35000"/>
+            </a:spcAft>
+          </a:pPr>
+          <a:r>
+            <a:rPr lang="en-US" sz="1600" kern="1200" dirty="0" smtClean="0"/>
+            <a:t>Activation</a:t>
+          </a:r>
+        </a:p>
+        <a:p>
+          <a:pPr lvl="0" algn="ctr" defTabSz="711200">
+            <a:lnSpc>
+              <a:spcPct val="90000"/>
+            </a:lnSpc>
+            <a:spcBef>
+              <a:spcPct val="0"/>
+            </a:spcBef>
+            <a:spcAft>
+              <a:spcPct val="35000"/>
+            </a:spcAft>
+          </a:pPr>
+          <a:r>
+            <a:rPr lang="en-US" sz="1600" kern="1200" dirty="0" err="1" smtClean="0"/>
+            <a:t>ReLu</a:t>
+          </a:r>
+          <a:endParaRPr lang="en-US" sz="1600" kern="1200" dirty="0"/>
+        </a:p>
+      </dsp:txBody>
+      <dsp:txXfrm rot="10800000">
+        <a:off x="0" y="5880134"/>
+        <a:ext cx="2668545" cy="771274"/>
+      </dsp:txXfrm>
+    </dsp:sp>
+    <dsp:sp modelId="{3A9C8C40-585A-47AA-93DF-4220EB1A94A4}">
+      <dsp:nvSpPr>
+        <dsp:cNvPr id="0" name=""/>
+        <dsp:cNvSpPr/>
+      </dsp:nvSpPr>
+      <dsp:spPr>
+        <a:xfrm rot="10800000">
+          <a:off x="0" y="4704713"/>
+          <a:ext cx="2668545" cy="1186996"/>
+        </a:xfrm>
+        <a:prstGeom prst="upArrowCallout">
+          <a:avLst/>
+        </a:prstGeom>
+        <a:solidFill>
+          <a:schemeClr val="accent1">
+            <a:hueOff val="0"/>
+            <a:satOff val="0"/>
+            <a:lumOff val="0"/>
+            <a:alphaOff val="0"/>
+          </a:schemeClr>
+        </a:solidFill>
+        <a:ln w="15875" cap="rnd" cmpd="sng" algn="ctr">
+          <a:solidFill>
+            <a:schemeClr val="lt1">
+              <a:hueOff val="0"/>
+              <a:satOff val="0"/>
+              <a:lumOff val="0"/>
+              <a:alphaOff val="0"/>
+            </a:schemeClr>
+          </a:solidFill>
+          <a:prstDash val="solid"/>
+        </a:ln>
+        <a:effectLst/>
+      </dsp:spPr>
+      <dsp:style>
+        <a:lnRef idx="2">
+          <a:scrgbClr r="0" g="0" b="0"/>
+        </a:lnRef>
+        <a:fillRef idx="1">
+          <a:scrgbClr r="0" g="0" b="0"/>
+        </a:fillRef>
+        <a:effectRef idx="0">
+          <a:scrgbClr r="0" g="0" b="0"/>
+        </a:effectRef>
+        <a:fontRef idx="minor">
+          <a:schemeClr val="lt1"/>
+        </a:fontRef>
+      </dsp:style>
+      <dsp:txBody>
+        <a:bodyPr spcFirstLastPara="0" vert="horz" wrap="square" lIns="113792" tIns="113792" rIns="113792" bIns="113792" numCol="1" spcCol="1270" anchor="ctr" anchorCtr="0">
+          <a:noAutofit/>
+        </a:bodyPr>
+        <a:lstStyle/>
+        <a:p>
+          <a:pPr lvl="0" algn="ctr" defTabSz="711200">
+            <a:lnSpc>
+              <a:spcPct val="90000"/>
+            </a:lnSpc>
+            <a:spcBef>
+              <a:spcPct val="0"/>
+            </a:spcBef>
+            <a:spcAft>
+              <a:spcPct val="35000"/>
+            </a:spcAft>
+          </a:pPr>
+          <a:r>
+            <a:rPr lang="en-US" sz="1600" kern="1200" dirty="0" smtClean="0"/>
+            <a:t>Pooling2</a:t>
+          </a:r>
+        </a:p>
+        <a:p>
+          <a:pPr lvl="0" algn="ctr" defTabSz="711200">
+            <a:lnSpc>
+              <a:spcPct val="90000"/>
+            </a:lnSpc>
+            <a:spcBef>
+              <a:spcPct val="0"/>
+            </a:spcBef>
+            <a:spcAft>
+              <a:spcPct val="35000"/>
+            </a:spcAft>
+          </a:pPr>
+          <a:r>
+            <a:rPr lang="en-US" sz="1600" kern="1200" dirty="0" smtClean="0"/>
+            <a:t>Max, 2x2/2</a:t>
+          </a:r>
+          <a:endParaRPr lang="en-US" sz="1600" kern="1200" dirty="0"/>
+        </a:p>
+      </dsp:txBody>
+      <dsp:txXfrm rot="10800000">
+        <a:off x="0" y="4704713"/>
+        <a:ext cx="2668545" cy="771274"/>
+      </dsp:txXfrm>
+    </dsp:sp>
+    <dsp:sp modelId="{2D06382B-A0F3-4A43-9A02-B0FA57AF8AD2}">
+      <dsp:nvSpPr>
+        <dsp:cNvPr id="0" name=""/>
+        <dsp:cNvSpPr/>
+      </dsp:nvSpPr>
+      <dsp:spPr>
+        <a:xfrm rot="10800000">
+          <a:off x="0" y="3529293"/>
+          <a:ext cx="2668545" cy="1186996"/>
+        </a:xfrm>
+        <a:prstGeom prst="upArrowCallout">
+          <a:avLst/>
+        </a:prstGeom>
+        <a:solidFill>
+          <a:schemeClr val="accent1">
+            <a:hueOff val="0"/>
+            <a:satOff val="0"/>
+            <a:lumOff val="0"/>
+            <a:alphaOff val="0"/>
+          </a:schemeClr>
+        </a:solidFill>
+        <a:ln w="15875" cap="rnd" cmpd="sng" algn="ctr">
+          <a:solidFill>
+            <a:schemeClr val="lt1">
+              <a:hueOff val="0"/>
+              <a:satOff val="0"/>
+              <a:lumOff val="0"/>
+              <a:alphaOff val="0"/>
+            </a:schemeClr>
+          </a:solidFill>
+          <a:prstDash val="solid"/>
+        </a:ln>
+        <a:effectLst/>
+      </dsp:spPr>
+      <dsp:style>
+        <a:lnRef idx="2">
+          <a:scrgbClr r="0" g="0" b="0"/>
+        </a:lnRef>
+        <a:fillRef idx="1">
+          <a:scrgbClr r="0" g="0" b="0"/>
+        </a:fillRef>
+        <a:effectRef idx="0">
+          <a:scrgbClr r="0" g="0" b="0"/>
+        </a:effectRef>
+        <a:fontRef idx="minor">
+          <a:schemeClr val="lt1"/>
+        </a:fontRef>
+      </dsp:style>
+      <dsp:txBody>
+        <a:bodyPr spcFirstLastPara="0" vert="horz" wrap="square" lIns="113792" tIns="113792" rIns="113792" bIns="113792" numCol="1" spcCol="1270" anchor="ctr" anchorCtr="0">
+          <a:noAutofit/>
+        </a:bodyPr>
+        <a:lstStyle/>
+        <a:p>
+          <a:pPr lvl="0" algn="ctr" defTabSz="711200">
+            <a:lnSpc>
+              <a:spcPct val="90000"/>
+            </a:lnSpc>
+            <a:spcBef>
+              <a:spcPct val="0"/>
+            </a:spcBef>
+            <a:spcAft>
+              <a:spcPct val="35000"/>
+            </a:spcAft>
+          </a:pPr>
+          <a:r>
+            <a:rPr lang="en-US" sz="1600" kern="1200" dirty="0" smtClean="0"/>
+            <a:t>Convolution2</a:t>
+          </a:r>
+        </a:p>
+        <a:p>
+          <a:pPr lvl="0" algn="ctr" defTabSz="711200">
+            <a:lnSpc>
+              <a:spcPct val="90000"/>
+            </a:lnSpc>
+            <a:spcBef>
+              <a:spcPct val="0"/>
+            </a:spcBef>
+            <a:spcAft>
+              <a:spcPct val="35000"/>
+            </a:spcAft>
+          </a:pPr>
+          <a:r>
+            <a:rPr lang="en-US" sz="1600" kern="1200" dirty="0" smtClean="0"/>
+            <a:t>5x5/1, 20</a:t>
+          </a:r>
+          <a:endParaRPr lang="en-US" sz="1600" kern="1200" dirty="0"/>
+        </a:p>
+      </dsp:txBody>
+      <dsp:txXfrm rot="10800000">
+        <a:off x="0" y="3529293"/>
+        <a:ext cx="2668545" cy="771274"/>
+      </dsp:txXfrm>
+    </dsp:sp>
+    <dsp:sp modelId="{62336800-8315-4086-85D7-DDDE579119DE}">
+      <dsp:nvSpPr>
+        <dsp:cNvPr id="0" name=""/>
+        <dsp:cNvSpPr/>
+      </dsp:nvSpPr>
+      <dsp:spPr>
+        <a:xfrm rot="10800000">
+          <a:off x="0" y="2353873"/>
+          <a:ext cx="2668545" cy="1186996"/>
+        </a:xfrm>
+        <a:prstGeom prst="upArrowCallout">
+          <a:avLst/>
+        </a:prstGeom>
+        <a:solidFill>
+          <a:schemeClr val="accent1">
+            <a:hueOff val="0"/>
+            <a:satOff val="0"/>
+            <a:lumOff val="0"/>
+            <a:alphaOff val="0"/>
+          </a:schemeClr>
+        </a:solidFill>
+        <a:ln w="15875" cap="rnd" cmpd="sng" algn="ctr">
+          <a:solidFill>
+            <a:schemeClr val="lt1">
+              <a:hueOff val="0"/>
+              <a:satOff val="0"/>
+              <a:lumOff val="0"/>
+              <a:alphaOff val="0"/>
+            </a:schemeClr>
+          </a:solidFill>
+          <a:prstDash val="solid"/>
+        </a:ln>
+        <a:effectLst/>
+      </dsp:spPr>
+      <dsp:style>
+        <a:lnRef idx="2">
+          <a:scrgbClr r="0" g="0" b="0"/>
+        </a:lnRef>
+        <a:fillRef idx="1">
+          <a:scrgbClr r="0" g="0" b="0"/>
+        </a:fillRef>
+        <a:effectRef idx="0">
+          <a:scrgbClr r="0" g="0" b="0"/>
+        </a:effectRef>
+        <a:fontRef idx="minor">
+          <a:schemeClr val="lt1"/>
+        </a:fontRef>
+      </dsp:style>
+      <dsp:txBody>
+        <a:bodyPr spcFirstLastPara="0" vert="horz" wrap="square" lIns="113792" tIns="113792" rIns="113792" bIns="113792" numCol="1" spcCol="1270" anchor="ctr" anchorCtr="0">
+          <a:noAutofit/>
+        </a:bodyPr>
+        <a:lstStyle/>
+        <a:p>
+          <a:pPr lvl="0" algn="ctr" defTabSz="711200">
+            <a:lnSpc>
+              <a:spcPct val="90000"/>
+            </a:lnSpc>
+            <a:spcBef>
+              <a:spcPct val="0"/>
+            </a:spcBef>
+            <a:spcAft>
+              <a:spcPct val="35000"/>
+            </a:spcAft>
+          </a:pPr>
+          <a:r>
+            <a:rPr lang="en-US" sz="1600" kern="1200" dirty="0" smtClean="0"/>
+            <a:t>Pooling1</a:t>
+          </a:r>
+        </a:p>
+        <a:p>
+          <a:pPr lvl="0" algn="ctr" defTabSz="711200">
+            <a:lnSpc>
+              <a:spcPct val="90000"/>
+            </a:lnSpc>
+            <a:spcBef>
+              <a:spcPct val="0"/>
+            </a:spcBef>
+            <a:spcAft>
+              <a:spcPct val="35000"/>
+            </a:spcAft>
+          </a:pPr>
+          <a:r>
+            <a:rPr lang="en-US" sz="1600" kern="1200" dirty="0" smtClean="0"/>
+            <a:t>Max, 2x2/2</a:t>
+          </a:r>
+          <a:endParaRPr lang="en-US" sz="1600" kern="1200" dirty="0"/>
+        </a:p>
+      </dsp:txBody>
+      <dsp:txXfrm rot="10800000">
+        <a:off x="0" y="2353873"/>
+        <a:ext cx="2668545" cy="771274"/>
+      </dsp:txXfrm>
+    </dsp:sp>
+    <dsp:sp modelId="{03EA0F1D-D3AC-4023-859E-3B4FED21DBF3}">
+      <dsp:nvSpPr>
+        <dsp:cNvPr id="0" name=""/>
+        <dsp:cNvSpPr/>
+      </dsp:nvSpPr>
+      <dsp:spPr>
+        <a:xfrm rot="10800000">
+          <a:off x="0" y="1198560"/>
+          <a:ext cx="2668545" cy="1186996"/>
+        </a:xfrm>
+        <a:prstGeom prst="upArrowCallout">
+          <a:avLst/>
+        </a:prstGeom>
+        <a:solidFill>
+          <a:schemeClr val="accent1">
+            <a:hueOff val="0"/>
+            <a:satOff val="0"/>
+            <a:lumOff val="0"/>
+            <a:alphaOff val="0"/>
+          </a:schemeClr>
+        </a:solidFill>
+        <a:ln w="15875" cap="rnd" cmpd="sng" algn="ctr">
+          <a:solidFill>
+            <a:schemeClr val="lt1">
+              <a:hueOff val="0"/>
+              <a:satOff val="0"/>
+              <a:lumOff val="0"/>
+              <a:alphaOff val="0"/>
+            </a:schemeClr>
+          </a:solidFill>
+          <a:prstDash val="solid"/>
+        </a:ln>
+        <a:effectLst/>
+      </dsp:spPr>
+      <dsp:style>
+        <a:lnRef idx="2">
+          <a:scrgbClr r="0" g="0" b="0"/>
+        </a:lnRef>
+        <a:fillRef idx="1">
+          <a:scrgbClr r="0" g="0" b="0"/>
+        </a:fillRef>
+        <a:effectRef idx="0">
+          <a:scrgbClr r="0" g="0" b="0"/>
+        </a:effectRef>
+        <a:fontRef idx="minor">
+          <a:schemeClr val="lt1"/>
+        </a:fontRef>
+      </dsp:style>
+      <dsp:txBody>
+        <a:bodyPr spcFirstLastPara="0" vert="horz" wrap="square" lIns="113792" tIns="113792" rIns="113792" bIns="113792" numCol="1" spcCol="1270" anchor="ctr" anchorCtr="0">
+          <a:noAutofit/>
+        </a:bodyPr>
+        <a:lstStyle/>
+        <a:p>
+          <a:pPr lvl="0" algn="ctr" defTabSz="711200">
+            <a:lnSpc>
+              <a:spcPct val="90000"/>
+            </a:lnSpc>
+            <a:spcBef>
+              <a:spcPct val="0"/>
+            </a:spcBef>
+            <a:spcAft>
+              <a:spcPct val="35000"/>
+            </a:spcAft>
+          </a:pPr>
+          <a:r>
+            <a:rPr lang="en-US" sz="1600" kern="1200" dirty="0" smtClean="0"/>
+            <a:t>Convolution1</a:t>
+          </a:r>
+        </a:p>
+        <a:p>
+          <a:pPr lvl="0" algn="ctr" defTabSz="711200">
+            <a:lnSpc>
+              <a:spcPct val="90000"/>
+            </a:lnSpc>
+            <a:spcBef>
+              <a:spcPct val="0"/>
+            </a:spcBef>
+            <a:spcAft>
+              <a:spcPct val="35000"/>
+            </a:spcAft>
+          </a:pPr>
+          <a:r>
+            <a:rPr lang="en-US" sz="1600" kern="1200" dirty="0" smtClean="0"/>
+            <a:t>5x5/1, 20</a:t>
+          </a:r>
+          <a:endParaRPr lang="en-US" sz="1600" kern="1200" dirty="0"/>
+        </a:p>
+      </dsp:txBody>
+      <dsp:txXfrm rot="10800000">
+        <a:off x="0" y="1198560"/>
+        <a:ext cx="2668545" cy="771274"/>
+      </dsp:txXfrm>
+    </dsp:sp>
+    <dsp:sp modelId="{0D64D249-E921-494A-A29A-8E7418376101}">
+      <dsp:nvSpPr>
+        <dsp:cNvPr id="0" name=""/>
+        <dsp:cNvSpPr/>
+      </dsp:nvSpPr>
+      <dsp:spPr>
+        <a:xfrm rot="10800000">
+          <a:off x="0" y="0"/>
+          <a:ext cx="2668545" cy="1186996"/>
+        </a:xfrm>
+        <a:prstGeom prst="upArrowCallout">
+          <a:avLst/>
+        </a:prstGeom>
+        <a:solidFill>
+          <a:schemeClr val="accent1">
+            <a:hueOff val="0"/>
+            <a:satOff val="0"/>
+            <a:lumOff val="0"/>
+            <a:alphaOff val="0"/>
+          </a:schemeClr>
+        </a:solidFill>
+        <a:ln w="15875" cap="rnd" cmpd="sng" algn="ctr">
+          <a:solidFill>
+            <a:schemeClr val="lt1">
+              <a:hueOff val="0"/>
+              <a:satOff val="0"/>
+              <a:lumOff val="0"/>
+              <a:alphaOff val="0"/>
+            </a:schemeClr>
+          </a:solidFill>
+          <a:prstDash val="solid"/>
+        </a:ln>
+        <a:effectLst/>
+      </dsp:spPr>
+      <dsp:style>
+        <a:lnRef idx="2">
+          <a:scrgbClr r="0" g="0" b="0"/>
+        </a:lnRef>
+        <a:fillRef idx="1">
+          <a:scrgbClr r="0" g="0" b="0"/>
+        </a:fillRef>
+        <a:effectRef idx="0">
+          <a:scrgbClr r="0" g="0" b="0"/>
+        </a:effectRef>
+        <a:fontRef idx="minor">
+          <a:schemeClr val="lt1"/>
+        </a:fontRef>
+      </dsp:style>
+      <dsp:txBody>
+        <a:bodyPr spcFirstLastPara="0" vert="horz" wrap="square" lIns="113792" tIns="113792" rIns="113792" bIns="113792" numCol="1" spcCol="1270" anchor="ctr" anchorCtr="0">
+          <a:noAutofit/>
+        </a:bodyPr>
+        <a:lstStyle/>
+        <a:p>
+          <a:pPr lvl="0" algn="ctr" defTabSz="711200">
+            <a:lnSpc>
+              <a:spcPct val="90000"/>
+            </a:lnSpc>
+            <a:spcBef>
+              <a:spcPct val="0"/>
+            </a:spcBef>
+            <a:spcAft>
+              <a:spcPct val="35000"/>
+            </a:spcAft>
+          </a:pPr>
+          <a:r>
+            <a:rPr lang="en-US" sz="1600" kern="1200" dirty="0" smtClean="0"/>
+            <a:t>Data</a:t>
+          </a:r>
+          <a:endParaRPr lang="en-US" sz="1600" kern="1200" dirty="0"/>
+        </a:p>
+      </dsp:txBody>
+      <dsp:txXfrm rot="10800000">
+        <a:off x="0" y="0"/>
+        <a:ext cx="2668545" cy="771274"/>
+      </dsp:txXfrm>
+    </dsp:sp>
+  </dsp:spTree>
+</dsp:drawing>
+</file>
+
+<file path=ppt/diagrams/layout1.xml><?xml version="1.0" encoding="utf-8"?>
+<dgm:layoutDef xmlns:dgm="http://schemas.openxmlformats.org/drawingml/2006/diagram" xmlns:a="http://schemas.openxmlformats.org/drawingml/2006/main" uniqueId="urn:microsoft.com/office/officeart/2005/8/layout/process4">
+  <dgm:title val=""/>
+  <dgm:desc val=""/>
+  <dgm:catLst>
+    <dgm:cat type="process" pri="16000"/>
+    <dgm:cat type="list" pri="20000"/>
+  </dgm:catLst>
+  <dgm:sampData>
+    <dgm:dataModel>
+      <dgm:ptLst>
+        <dgm:pt modelId="0" type="doc"/>
+        <dgm:pt modelId="1">
+          <dgm:prSet phldr="1"/>
+        </dgm:pt>
+        <dgm:pt modelId="11">
+          <dgm:prSet phldr="1"/>
+        </dgm:pt>
+        <dgm:pt modelId="12">
+          <dgm:prSet phldr="1"/>
+        </dgm:pt>
+        <dgm:pt modelId="2">
+          <dgm:prSet phldr="1"/>
+        </dgm:pt>
+        <dgm:pt modelId="21">
+          <dgm:prSet phldr="1"/>
+        </dgm:pt>
+        <dgm:pt modelId="22">
+          <dgm:prSet phldr="1"/>
+        </dgm:pt>
+        <dgm:pt modelId="3">
+          <dgm:prSet phldr="1"/>
+        </dgm:pt>
+        <dgm:pt modelId="31">
+          <dgm:prSet phldr="1"/>
+        </dgm:pt>
+        <dgm:pt modelId="32">
+          <dgm:prSet phldr="1"/>
+        </dgm:pt>
+      </dgm:ptLst>
+      <dgm:cxnLst>
+        <dgm:cxn modelId="4" srcId="0" destId="1" srcOrd="0" destOrd="0"/>
+        <dgm:cxn modelId="5" srcId="0" destId="2" srcOrd="1" destOrd="0"/>
+        <dgm:cxn modelId="6" srcId="0" destId="3" srcOrd="2" destOrd="0"/>
+        <dgm:cxn modelId="13" srcId="1" destId="11" srcOrd="0" destOrd="0"/>
+        <dgm:cxn modelId="14" srcId="1" destId="12" srcOrd="1" destOrd="0"/>
+        <dgm:cxn modelId="23" srcId="2" destId="21" srcOrd="0" destOrd="0"/>
+        <dgm:cxn modelId="24" srcId="2" destId="22" srcOrd="1" destOrd="0"/>
+        <dgm:cxn modelId="33" srcId="3" destId="31" srcOrd="0" destOrd="0"/>
+        <dgm:cxn modelId="34" srcId="3" destId="32" srcOrd="1" destOrd="0"/>
+      </dgm:cxnLst>
+      <dgm:bg/>
+      <dgm:whole/>
+    </dgm:dataModel>
+  </dgm:sampData>
+  <dgm:styleData>
+    <dgm:dataModel>
+      <dgm:ptLst>
+        <dgm:pt modelId="0" type="doc"/>
+        <dgm:pt modelId="1"/>
+        <dgm:pt modelId="11"/>
+        <dgm:pt modelId="2"/>
+        <dgm:pt modelId="21"/>
+      </dgm:ptLst>
+      <dgm:cxnLst>
+        <dgm:cxn modelId="4" srcId="0" destId="1" srcOrd="0" destOrd="0"/>
+        <dgm:cxn modelId="5" srcId="0" destId="2" srcOrd="1" destOrd="0"/>
+        <dgm:cxn modelId="13" srcId="1" destId="11" srcOrd="0" destOrd="0"/>
+        <dgm:cxn modelId="23" srcId="2" destId="21" srcOrd="0" destOrd="0"/>
+      </dgm:cxnLst>
+      <dgm:bg/>
+      <dgm:whole/>
+    </dgm:dataModel>
+  </dgm:styleData>
+  <dgm:clrData>
+    <dgm:dataModel>
+      <dgm:ptLst>
+        <dgm:pt modelId="0" type="doc"/>
+        <dgm:pt modelId="1"/>
+        <dgm:pt modelId="11"/>
+        <dgm:pt modelId="2"/>
+        <dgm:pt modelId="21"/>
+        <dgm:pt modelId="3"/>
+        <dgm:pt modelId="31"/>
+        <dgm:pt modelId="4"/>
+        <dgm:pt modelId="41"/>
+      </dgm:ptLst>
+      <dgm:cxnLst>
+        <dgm:cxn modelId="5" srcId="0" destId="1" srcOrd="0" destOrd="0"/>
+        <dgm:cxn modelId="6" srcId="0" destId="2" srcOrd="1" destOrd="0"/>
+        <dgm:cxn modelId="7" srcId="0" destId="3" srcOrd="2" destOrd="0"/>
+        <dgm:cxn modelId="8" srcId="0" destId="4" srcOrd="3" destOrd="0"/>
+        <dgm:cxn modelId="13" srcId="1" destId="11" srcOrd="0" destOrd="0"/>
+        <dgm:cxn modelId="23" srcId="2" destId="21" srcOrd="0" destOrd="0"/>
+        <dgm:cxn modelId="33" srcId="3" destId="31" srcOrd="0" destOrd="0"/>
+        <dgm:cxn modelId="43" srcId="4" destId="41" srcOrd="0" destOrd="0"/>
+      </dgm:cxnLst>
+      <dgm:bg/>
+      <dgm:whole/>
+    </dgm:dataModel>
+  </dgm:clrData>
+  <dgm:layoutNode name="Name0">
+    <dgm:varLst>
+      <dgm:dir/>
+      <dgm:animLvl val="lvl"/>
+      <dgm:resizeHandles val="exact"/>
+    </dgm:varLst>
+    <dgm:alg type="lin">
+      <dgm:param type="linDir" val="fromB"/>
+    </dgm:alg>
+    <dgm:shape xmlns:r="http://schemas.openxmlformats.org/officeDocument/2006/relationships" r:blip="">
+      <dgm:adjLst/>
+    </dgm:shape>
+    <dgm:presOf/>
+    <dgm:constrLst>
+      <dgm:constr type="h" for="ch" forName="boxAndChildren" refType="h"/>
+      <dgm:constr type="h" for="ch" forName="arrowAndChildren" refType="h" refFor="ch" refForName="boxAndChildren" op="equ" fact="1.538"/>
+      <dgm:constr type="w" for="ch" forName="arrowAndChildren" refType="w"/>
+      <dgm:constr type="w" for="ch" forName="boxAndChildren" refType="w"/>
+      <dgm:constr type="h" for="ch" forName="sp" refType="h" fact="-0.015"/>
+      <dgm:constr type="primFontSz" for="des" forName="parentTextBox" val="65"/>
+      <dgm:constr type="primFontSz" for="des" forName="parentTextArrow" refType="primFontSz" refFor="des" refForName="parentTextBox" op="equ"/>
+      <dgm:constr type="primFontSz" for="des" forName="childTextArrow" val="65"/>
+      <dgm:constr type="primFontSz" for="des" forName="childTextBox" refType="primFontSz" refFor="des" refForName="childTextArrow" op="equ"/>
+    </dgm:constrLst>
+    <dgm:ruleLst/>
+    <dgm:forEach name="Name1" axis="ch" ptType="node" st="-1" step="-1">
+      <dgm:choose name="Name2">
+        <dgm:if name="Name3" axis="self" ptType="node" func="revPos" op="equ" val="1">
+          <dgm:layoutNode name="boxAndChildren">
+            <dgm:alg type="composite"/>
+            <dgm:shape xmlns:r="http://schemas.openxmlformats.org/officeDocument/2006/relationships" r:blip="">
+              <dgm:adjLst/>
+            </dgm:shape>
+            <dgm:presOf/>
+            <dgm:choose name="Name4">
+              <dgm:if name="Name5" axis="ch" ptType="node" func="cnt" op="gte" val="1">
+                <dgm:constrLst>
+                  <dgm:constr type="w" for="ch" forName="parentTextBox" refType="w"/>
+                  <dgm:constr type="h" for="ch" forName="parentTextBox" refType="h" fact="0.54"/>
+                  <dgm:constr type="t" for="ch" forName="parentTextBox"/>
+                  <dgm:constr type="w" for="ch" forName="entireBox" refType="w"/>
+                  <dgm:constr type="h" for="ch" forName="entireBox" refType="h"/>
+                  <dgm:constr type="w" for="ch" forName="descendantBox" refType="w"/>
+                  <dgm:constr type="b" for="ch" forName="descendantBox" refType="h" fact="0.98"/>
+                  <dgm:constr type="h" for="ch" forName="descendantBox" refType="h" fact="0.46"/>
+                </dgm:constrLst>
+              </dgm:if>
+              <dgm:else name="Name6">
+                <dgm:constrLst>
+                  <dgm:constr type="w" for="ch" forName="parentTextBox" refType="w"/>
+                  <dgm:constr type="h" for="ch" forName="parentTextBox" refType="h"/>
+                </dgm:constrLst>
+              </dgm:else>
+            </dgm:choose>
+            <dgm:ruleLst/>
+            <dgm:layoutNode name="parentTextBox">
+              <dgm:alg type="tx"/>
+              <dgm:choose name="Name7">
+                <dgm:if name="Name8" axis="ch" ptType="node" func="cnt" op="gte" val="1">
+                  <dgm:shape xmlns:r="http://schemas.openxmlformats.org/officeDocument/2006/relationships" type="rect" r:blip="" zOrderOff="1" hideGeom="1">
+                    <dgm:adjLst/>
+                  </dgm:shape>
+                </dgm:if>
+                <dgm:else name="Name9">
+                  <dgm:shape xmlns:r="http://schemas.openxmlformats.org/officeDocument/2006/relationships" type="rect" r:blip="">
+                    <dgm:adjLst/>
+                  </dgm:shape>
+                </dgm:else>
+              </dgm:choose>
+              <dgm:presOf axis="self"/>
+              <dgm:constrLst/>
+              <dgm:ruleLst>
+                <dgm:rule type="primFontSz" val="5" fact="NaN" max="NaN"/>
+              </dgm:ruleLst>
+            </dgm:layoutNode>
+            <dgm:choose name="Name10">
+              <dgm:if name="Name11" axis="ch" ptType="node" func="cnt" op="gte" val="1">
+                <dgm:layoutNode name="entireBox">
+                  <dgm:alg type="sp"/>
+                  <dgm:shape xmlns:r="http://schemas.openxmlformats.org/officeDocument/2006/relationships" type="rect" r:blip="">
+                    <dgm:adjLst/>
+                  </dgm:shape>
+                  <dgm:presOf axis="self"/>
+                  <dgm:constrLst/>
+                  <dgm:ruleLst/>
+                </dgm:layoutNode>
+                <dgm:layoutNode name="descendantBox" styleLbl="fgAccFollowNode1">
+                  <dgm:choose name="Name12">
+                    <dgm:if name="Name13" func="var" arg="dir" op="equ" val="norm">
+                      <dgm:alg type="lin"/>
+                    </dgm:if>
+                    <dgm:else name="Name14">
+                      <dgm:alg type="lin">
+                        <dgm:param type="linDir" val="fromR"/>
+                      </dgm:alg>
+                    </dgm:else>
+                  </dgm:choose>
+                  <dgm:shape xmlns:r="http://schemas.openxmlformats.org/officeDocument/2006/relationships" r:blip="">
+                    <dgm:adjLst/>
+                  </dgm:shape>
+                  <dgm:presOf/>
+                  <dgm:constrLst>
+                    <dgm:constr type="w" for="ch" forName="childTextBox" refType="w"/>
+                    <dgm:constr type="h" for="ch" forName="childTextBox" refType="h"/>
+                  </dgm:constrLst>
+                  <dgm:ruleLst/>
+                  <dgm:forEach name="Name15" axis="ch" ptType="node">
+                    <dgm:layoutNode name="childTextBox" styleLbl="fgAccFollowNode1">
+                      <dgm:varLst>
+                        <dgm:bulletEnabled val="1"/>
+                      </dgm:varLst>
+                      <dgm:alg type="tx"/>
+                      <dgm:shape xmlns:r="http://schemas.openxmlformats.org/officeDocument/2006/relationships" type="rect" r:blip="">
+                        <dgm:adjLst/>
+                      </dgm:shape>
+                      <dgm:presOf axis="desOrSelf" ptType="node"/>
+                      <dgm:constrLst>
+                        <dgm:constr type="tMarg" refType="primFontSz" fact="0.1"/>
+                        <dgm:constr type="bMarg" refType="primFontSz" fact="0.1"/>
+                      </dgm:constrLst>
+                      <dgm:ruleLst>
+                        <dgm:rule type="primFontSz" val="5" fact="NaN" max="NaN"/>
+                      </dgm:ruleLst>
+                    </dgm:layoutNode>
+                  </dgm:forEach>
+                </dgm:layoutNode>
+              </dgm:if>
+              <dgm:else name="Name16"/>
+            </dgm:choose>
+          </dgm:layoutNode>
+        </dgm:if>
+        <dgm:else name="Name17">
+          <dgm:layoutNode name="arrowAndChildren">
+            <dgm:alg type="composite"/>
+            <dgm:shape xmlns:r="http://schemas.openxmlformats.org/officeDocument/2006/relationships" r:blip="">
+              <dgm:adjLst/>
+            </dgm:shape>
+            <dgm:presOf/>
+            <dgm:choose name="Name18">
+              <dgm:if name="Name19" axis="ch" ptType="node" func="cnt" op="gte" val="1">
+                <dgm:constrLst>
+                  <dgm:constr type="w" for="ch" forName="parentTextArrow" refType="w"/>
+                  <dgm:constr type="t" for="ch" forName="parentTextArrow"/>
+                  <dgm:constr type="h" for="ch" forName="parentTextArrow" refType="h" fact="0.351"/>
+                  <dgm:constr type="w" for="ch" forName="arrow" refType="w"/>
+                  <dgm:constr type="h" for="ch" forName="arrow" refType="h"/>
+                  <dgm:constr type="w" for="ch" forName="descendantArrow" refType="w"/>
+                  <dgm:constr type="b" for="ch" forName="descendantArrow" refType="h" fact="0.65"/>
+                  <dgm:constr type="h" for="ch" forName="descendantArrow" refType="h" fact="0.299"/>
+                </dgm:constrLst>
+              </dgm:if>
+              <dgm:else name="Name20">
+                <dgm:constrLst>
+                  <dgm:constr type="w" for="ch" forName="parentTextArrow" refType="w"/>
+                  <dgm:constr type="h" for="ch" forName="parentTextArrow" refType="h"/>
+                </dgm:constrLst>
+              </dgm:else>
+            </dgm:choose>
+            <dgm:ruleLst/>
+            <dgm:layoutNode name="parentTextArrow">
+              <dgm:alg type="tx"/>
+              <dgm:choose name="Name21">
+                <dgm:if name="Name22" axis="ch" ptType="node" func="cnt" op="gte" val="1">
+                  <dgm:shape xmlns:r="http://schemas.openxmlformats.org/officeDocument/2006/relationships" type="rect" r:blip="" zOrderOff="1" hideGeom="1">
+                    <dgm:adjLst/>
+                  </dgm:shape>
+                </dgm:if>
+                <dgm:else name="Name23">
+                  <dgm:shape xmlns:r="http://schemas.openxmlformats.org/officeDocument/2006/relationships" rot="180" type="upArrowCallout" r:blip="">
+                    <dgm:adjLst/>
+                  </dgm:shape>
+                </dgm:else>
+              </dgm:choose>
+              <dgm:presOf axis="self"/>
+              <dgm:constrLst/>
+              <dgm:ruleLst>
+                <dgm:rule type="primFontSz" val="5" fact="NaN" max="NaN"/>
+              </dgm:ruleLst>
+            </dgm:layoutNode>
+            <dgm:choose name="Name24">
+              <dgm:if name="Name25" axis="ch" ptType="node" func="cnt" op="gte" val="1">
+                <dgm:layoutNode name="arrow">
+                  <dgm:alg type="sp"/>
+                  <dgm:shape xmlns:r="http://schemas.openxmlformats.org/officeDocument/2006/relationships" rot="180" type="upArrowCallout" r:blip="">
+                    <dgm:adjLst/>
+                  </dgm:shape>
+                  <dgm:presOf axis="self"/>
+                  <dgm:constrLst/>
+                  <dgm:ruleLst/>
+                </dgm:layoutNode>
+                <dgm:layoutNode name="descendantArrow">
+                  <dgm:choose name="Name26">
+                    <dgm:if name="Name27" func="var" arg="dir" op="equ" val="norm">
+                      <dgm:alg type="lin"/>
+                    </dgm:if>
+                    <dgm:else name="Name28">
+                      <dgm:alg type="lin">
+                        <dgm:param type="linDir" val="fromR"/>
+                      </dgm:alg>
+                    </dgm:else>
+                  </dgm:choose>
+                  <dgm:shape xmlns:r="http://schemas.openxmlformats.org/officeDocument/2006/relationships" r:blip="">
+                    <dgm:adjLst/>
+                  </dgm:shape>
+                  <dgm:presOf/>
+                  <dgm:constrLst>
+                    <dgm:constr type="w" for="ch" forName="childTextArrow" refType="w"/>
+                    <dgm:constr type="h" for="ch" forName="childTextArrow" refType="h"/>
+                  </dgm:constrLst>
+                  <dgm:ruleLst/>
+                  <dgm:forEach name="Name29" axis="ch" ptType="node">
+                    <dgm:layoutNode name="childTextArrow" styleLbl="fgAccFollowNode1">
+                      <dgm:varLst>
+                        <dgm:bulletEnabled val="1"/>
+                      </dgm:varLst>
+                      <dgm:alg type="tx"/>
+                      <dgm:shape xmlns:r="http://schemas.openxmlformats.org/officeDocument/2006/relationships" type="rect" r:blip="">
+                        <dgm:adjLst/>
+                      </dgm:shape>
+                      <dgm:presOf axis="desOrSelf" ptType="node"/>
+                      <dgm:constrLst>
+                        <dgm:constr type="tMarg" refType="primFontSz" fact="0.1"/>
+                        <dgm:constr type="bMarg" refType="primFontSz" fact="0.1"/>
+                      </dgm:constrLst>
+                      <dgm:ruleLst>
+                        <dgm:rule type="primFontSz" val="5" fact="NaN" max="NaN"/>
+                      </dgm:ruleLst>
+                    </dgm:layoutNode>
+                  </dgm:forEach>
+                </dgm:layoutNode>
+              </dgm:if>
+              <dgm:else name="Name30"/>
+            </dgm:choose>
+          </dgm:layoutNode>
+        </dgm:else>
+      </dgm:choose>
+      <dgm:forEach name="Name31" axis="precedSib" ptType="sibTrans" st="-1" cnt="1">
+        <dgm:layoutNode name="sp">
+          <dgm:alg type="sp"/>
+          <dgm:shape xmlns:r="http://schemas.openxmlformats.org/officeDocument/2006/relationships" r:blip="">
+            <dgm:adjLst/>
+          </dgm:shape>
+          <dgm:presOf axis="self"/>
+          <dgm:constrLst/>
+          <dgm:ruleLst/>
+        </dgm:layoutNode>
+      </dgm:forEach>
+    </dgm:forEach>
+  </dgm:layoutNode>
+</dgm:layoutDef>
+</file>
+
+<file path=ppt/diagrams/quickStyle1.xml><?xml version="1.0" encoding="utf-8"?>
+<dgm:styleDef xmlns:dgm="http://schemas.openxmlformats.org/drawingml/2006/diagram" xmlns:a="http://schemas.openxmlformats.org/drawingml/2006/main" uniqueId="urn:microsoft.com/office/officeart/2005/8/quickstyle/simple1">
+  <dgm:title val=""/>
+  <dgm:desc val=""/>
+  <dgm:catLst>
+    <dgm:cat type="simple" pri="10100"/>
+  </dgm:catLst>
+  <dgm:scene3d>
+    <a:camera prst="orthographicFront"/>
+    <a:lightRig rig="threePt" dir="t"/>
+  </dgm:scene3d>
+  <dgm:styleLbl name="node0">
+    <dgm:scene3d>
+      <a:camera prst="orthographicFront"/>
+      <a:lightRig rig="threePt" dir="t"/>
+    </dgm:scene3d>
+    <dgm:sp3d/>
+    <dgm:txPr/>
+    <dgm:style>
+      <a:lnRef idx="2">
+        <a:scrgbClr r="0" g="0" b="0"/>
+      </a:lnRef>
+      <a:fillRef idx="1">
+        <a:scrgbClr r="0" g="0" b="0"/>
+      </a:fillRef>
+      <a:effectRef idx="0">
+        <a:scrgbClr r="0" g="0" b="0"/>
+      </a:effectRef>
+      <a:fontRef idx="minor">
+        <a:schemeClr val="lt1"/>
+      </a:fontRef>
+    </dgm:style>
+  </dgm:styleLbl>
+  <dgm:styleLbl name="lnNode1">
+    <dgm:scene3d>
+      <a:camera prst="orthographicFront"/>
+      <a:lightRig rig="threePt" dir="t"/>
+    </dgm:scene3d>
+    <dgm:sp3d/>
+    <dgm:txPr/>
+    <dgm:style>
+      <a:lnRef idx="2">
+        <a:scrgbClr r="0" g="0" b="0"/>
+      </a:lnRef>
+      <a:fillRef idx="1">
+        <a:scrgbClr r="0" g="0" b="0"/>
+      </a:fillRef>
+      <a:effectRef idx="0">
+        <a:scrgbClr r="0" g="0" b="0"/>
+      </a:effectRef>
+      <a:fontRef idx="minor">
+        <a:schemeClr val="lt1"/>
+      </a:fontRef>
+    </dgm:style>
+  </dgm:styleLbl>
+  <dgm:styleLbl name="vennNode1">
+    <dgm:scene3d>
+      <a:camera prst="orthographicFront"/>
+      <a:lightRig rig="threePt" dir="t"/>
+    </dgm:scene3d>
+    <dgm:sp3d/>
+    <dgm:txPr/>
+    <dgm:style>
+      <a:lnRef idx="2">
+        <a:scrgbClr r="0" g="0" b="0"/>
+      </a:lnRef>
+      <a:fillRef idx="1">
+        <a:scrgbClr r="0" g="0" b="0"/>
+      </a:fillRef>
+      <a:effectRef idx="0">
+        <a:scrgbClr r="0" g="0" b="0"/>
+      </a:effectRef>
+      <a:fontRef idx="minor">
+        <a:schemeClr val="tx1"/>
+      </a:fontRef>
+    </dgm:style>
+  </dgm:styleLbl>
+  <dgm:styleLbl name="alignNode1">
+    <dgm:scene3d>
+      <a:camera prst="orthographicFront"/>
+      <a:lightRig rig="threePt" dir="t"/>
+    </dgm:scene3d>
+    <dgm:sp3d/>
+    <dgm:txPr/>
+    <dgm:style>
+      <a:lnRef idx="2">
+        <a:scrgbClr r="0" g="0" b="0"/>
+      </a:lnRef>
+      <a:fillRef idx="1">
+        <a:scrgbClr r="0" g="0" b="0"/>
+      </a:fillRef>
+      <a:effectRef idx="0">
+        <a:scrgbClr r="0" g="0" b="0"/>
+      </a:effectRef>
+      <a:fontRef idx="minor">
+        <a:schemeClr val="lt1"/>
+      </a:fontRef>
+    </dgm:style>
+  </dgm:styleLbl>
+  <dgm:styleLbl name="node1">
+    <dgm:scene3d>
+      <a:camera prst="orthographicFront"/>
+      <a:lightRig rig="threePt" dir="t"/>
+    </dgm:scene3d>
+    <dgm:sp3d/>
+    <dgm:txPr/>
+    <dgm:style>
+      <a:lnRef idx="2">
+        <a:scrgbClr r="0" g="0" b="0"/>
+      </a:lnRef>
+      <a:fillRef idx="1">
+        <a:scrgbClr r="0" g="0" b="0"/>
+      </a:fillRef>
+      <a:effectRef idx="0">
+        <a:scrgbClr r="0" g="0" b="0"/>
+      </a:effectRef>
+      <a:fontRef idx="minor">
+        <a:schemeClr val="lt1"/>
+      </a:fontRef>
+    </dgm:style>
+  </dgm:styleLbl>
+  <dgm:styleLbl name="node2">
+    <dgm:scene3d>
+      <a:camera prst="orthographicFront"/>
+      <a:lightRig rig="threePt" dir="t"/>
+    </dgm:scene3d>
+    <dgm:sp3d/>
+    <dgm:txPr/>
+    <dgm:style>
+      <a:lnRef idx="2">
+        <a:scrgbClr r="0" g="0" b="0"/>
+      </a:lnRef>
+      <a:fillRef idx="1">
+        <a:scrgbClr r="0" g="0" b="0"/>
+      </a:fillRef>
+      <a:effectRef idx="0">
+        <a:scrgbClr r="0" g="0" b="0"/>
+      </a:effectRef>
+      <a:fontRef idx="minor">
+        <a:schemeClr val="lt1"/>
+      </a:fontRef>
+    </dgm:style>
+  </dgm:styleLbl>
+  <dgm:styleLbl name="node3">
+    <dgm:scene3d>
+      <a:camera prst="orthographicFront"/>
+      <a:lightRig rig="threePt" dir="t"/>
+    </dgm:scene3d>
+    <dgm:sp3d/>
+    <dgm:txPr/>
+    <dgm:style>
+      <a:lnRef idx="2">
+        <a:scrgbClr r="0" g="0" b="0"/>
+      </a:lnRef>
+      <a:fillRef idx="1">
+        <a:scrgbClr r="0" g="0" b="0"/>
+      </a:fillRef>
+      <a:effectRef idx="0">
+        <a:scrgbClr r="0" g="0" b="0"/>
+      </a:effectRef>
+      <a:fontRef idx="minor">
+        <a:schemeClr val="lt1"/>
+      </a:fontRef>
+    </dgm:style>
+  </dgm:styleLbl>
+  <dgm:styleLbl name="node4">
+    <dgm:scene3d>
+      <a:camera prst="orthographicFront"/>
+      <a:lightRig rig="threePt" dir="t"/>
+    </dgm:scene3d>
+    <dgm:sp3d/>
+    <dgm:txPr/>
+    <dgm:style>
+      <a:lnRef idx="2">
+        <a:scrgbClr r="0" g="0" b="0"/>
+      </a:lnRef>
+      <a:fillRef idx="1">
+        <a:scrgbClr r="0" g="0" b="0"/>
+      </a:fillRef>
+      <a:effectRef idx="0">
+        <a:scrgbClr r="0" g="0" b="0"/>
+      </a:effectRef>
+      <a:fontRef idx="minor">
+        <a:schemeClr val="lt1"/>
+      </a:fontRef>
+    </dgm:style>
+  </dgm:styleLbl>
+  <dgm:styleLbl name="fgImgPlace1">
+    <dgm:scene3d>
+      <a:camera prst="orthographicFront"/>
+      <a:lightRig rig="threePt" dir="t"/>
+    </dgm:scene3d>
+    <dgm:sp3d/>
+    <dgm:txPr/>
+    <dgm:style>
+      <a:lnRef idx="2">
+        <a:scrgbClr r="0" g="0" b="0"/>
+      </a:lnRef>
+      <a:fillRef idx="1">
+        <a:scrgbClr r="0" g="0" b="0"/>
+      </a:fillRef>
+      <a:effectRef idx="0">
+        <a:scrgbClr r="0" g="0" b="0"/>
+      </a:effectRef>
+      <a:fontRef idx="minor"/>
+    </dgm:style>
+  </dgm:styleLbl>
+  <dgm:styleLbl name="alignImgPlace1">
+    <dgm:scene3d>
+      <a:camera prst="orthographicFront"/>
+      <a:lightRig rig="threePt" dir="t"/>
+    </dgm:scene3d>
+    <dgm:sp3d/>
+    <dgm:txPr/>
+    <dgm:style>
+      <a:lnRef idx="2">
+        <a:scrgbClr r="0" g="0" b="0"/>
+      </a:lnRef>
+      <a:fillRef idx="1">
+        <a:scrgbClr r="0" g="0" b="0"/>
+      </a:fillRef>
+      <a:effectRef idx="0">
+        <a:scrgbClr r="0" g="0" b="0"/>
+      </a:effectRef>
+      <a:fontRef idx="minor"/>
+    </dgm:style>
+  </dgm:styleLbl>
+  <dgm:styleLbl name="bgImgPlace1">
+    <dgm:scene3d>
+      <a:camera prst="orthographicFront"/>
+      <a:lightRig rig="threePt" dir="t"/>
+    </dgm:scene3d>
+    <dgm:sp3d/>
+    <dgm:txPr/>
+    <dgm:style>
+      <a:lnRef idx="2">
+        <a:scrgbClr r="0" g="0" b="0"/>
+      </a:lnRef>
+      <a:fillRef idx="1">
+        <a:scrgbClr r="0" g="0" b="0"/>
+      </a:fillRef>
+      <a:effectRef idx="0">
+        <a:scrgbClr r="0" g="0" b="0"/>
+      </a:effectRef>
+      <a:fontRef idx="minor"/>
+    </dgm:style>
+  </dgm:styleLbl>
+  <dgm:styleLbl name="sibTrans2D1">
+    <dgm:scene3d>
+      <a:camera prst="orthographicFront"/>
+      <a:lightRig rig="threePt" dir="t"/>
+    </dgm:scene3d>
+    <dgm:sp3d/>
+    <dgm:txPr/>
+    <dgm:style>
+      <a:lnRef idx="0">
+        <a:scrgbClr r="0" g="0" b="0"/>
+      </a:lnRef>
+      <a:fillRef idx="1">
+        <a:scrgbClr r="0" g="0" b="0"/>
+      </a:fillRef>
+      <a:effectRef idx="0">
+        <a:scrgbClr r="0" g="0" b="0"/>
+      </a:effectRef>
+      <a:fontRef idx="minor">
+        <a:schemeClr val="lt1"/>
+      </a:fontRef>
+    </dgm:style>
+  </dgm:styleLbl>
+  <dgm:styleLbl name="fgSibTrans2D1">
+    <dgm:scene3d>
+      <a:camera prst="orthographicFront"/>
+      <a:lightRig rig="threePt" dir="t"/>
+    </dgm:scene3d>
+    <dgm:sp3d/>
+    <dgm:txPr/>
+    <dgm:style>
+      <a:lnRef idx="0">
+        <a:scrgbClr r="0" g="0" b="0"/>
+      </a:lnRef>
+      <a:fillRef idx="1">
+        <a:scrgbClr r="0" g="0" b="0"/>
+      </a:fillRef>
+      <a:effectRef idx="0">
+        <a:scrgbClr r="0" g="0" b="0"/>
+      </a:effectRef>
+      <a:fontRef idx="minor">
+        <a:schemeClr val="lt1"/>
+      </a:fontRef>
+    </dgm:style>
+  </dgm:styleLbl>
+  <dgm:styleLbl name="bgSibTrans2D1">
+    <dgm:scene3d>
+      <a:camera prst="orthographicFront"/>
+      <a:lightRig rig="threePt" dir="t"/>
+    </dgm:scene3d>
+    <dgm:sp3d/>
+    <dgm:txPr/>
+    <dgm:style>
+      <a:lnRef idx="0">
+        <a:scrgbClr r="0" g="0" b="0"/>
+      </a:lnRef>
+      <a:fillRef idx="1">
+        <a:scrgbClr r="0" g="0" b="0"/>
+      </a:fillRef>
+      <a:effectRef idx="0">
+        <a:scrgbClr r="0" g="0" b="0"/>
+      </a:effectRef>
+      <a:fontRef idx="minor">
+        <a:schemeClr val="lt1"/>
+      </a:fontRef>
+    </dgm:style>
+  </dgm:styleLbl>
+  <dgm:styleLbl name="sibTrans1D1">
+    <dgm:scene3d>
+      <a:camera prst="orthographicFront"/>
+      <a:lightRig rig="threePt" dir="t"/>
+    </dgm:scene3d>
+    <dgm:sp3d/>
+    <dgm:txPr/>
+    <dgm:style>
+      <a:lnRef idx="1">
+        <a:scrgbClr r="0" g="0" b="0"/>
+      </a:lnRef>
+      <a:fillRef idx="0">
+        <a:scrgbClr r="0" g="0" b="0"/>
+      </a:fillRef>
+      <a:effectRef idx="0">
+        <a:scrgbClr r="0" g="0" b="0"/>
+      </a:effectRef>
+      <a:fontRef idx="minor"/>
+    </dgm:style>
+  </dgm:styleLbl>
+  <dgm:styleLbl name="callout">
+    <dgm:scene3d>
+      <a:camera prst="orthographicFront"/>
+      <a:lightRig rig="threePt" dir="t"/>
+    </dgm:scene3d>
+    <dgm:sp3d/>
+    <dgm:txPr/>
+    <dgm:style>
+      <a:lnRef idx="2">
+        <a:scrgbClr r="0" g="0" b="0"/>
+      </a:lnRef>
+      <a:fillRef idx="1">
+        <a:scrgbClr r="0" g="0" b="0"/>
+      </a:fillRef>
+      <a:effectRef idx="0">
+        <a:scrgbClr r="0" g="0" b="0"/>
+      </a:effectRef>
+      <a:fontRef idx="minor"/>
+    </dgm:style>
+  </dgm:styleLbl>
+  <dgm:styleLbl name="asst0">
+    <dgm:scene3d>
+      <a:camera prst="orthographicFront"/>
+      <a:lightRig rig="threePt" dir="t"/>
+    </dgm:scene3d>
+    <dgm:sp3d/>
+    <dgm:txPr/>
+    <dgm:style>
+      <a:lnRef idx="2">
+        <a:scrgbClr r="0" g="0" b="0"/>
+      </a:lnRef>
+      <a:fillRef idx="1">
+        <a:scrgbClr r="0" g="0" b="0"/>
+      </a:fillRef>
+      <a:effectRef idx="0">
+        <a:scrgbClr r="0" g="0" b="0"/>
+      </a:effectRef>
+      <a:fontRef idx="minor">
+        <a:schemeClr val="lt1"/>
+      </a:fontRef>
+    </dgm:style>
+  </dgm:styleLbl>
+  <dgm:styleLbl name="asst1">
+    <dgm:scene3d>
+      <a:camera prst="orthographicFront"/>
+      <a:lightRig rig="threePt" dir="t"/>
+    </dgm:scene3d>
+    <dgm:sp3d/>
+    <dgm:txPr/>
+    <dgm:style>
+      <a:lnRef idx="2">
+        <a:scrgbClr r="0" g="0" b="0"/>
+      </a:lnRef>
+      <a:fillRef idx="1">
+        <a:scrgbClr r="0" g="0" b="0"/>
+      </a:fillRef>
+      <a:effectRef idx="0">
+        <a:scrgbClr r="0" g="0" b="0"/>
+      </a:effectRef>
+      <a:fontRef idx="minor">
+        <a:schemeClr val="lt1"/>
+      </a:fontRef>
+    </dgm:style>
+  </dgm:styleLbl>
+  <dgm:styleLbl name="asst2">
+    <dgm:scene3d>
+      <a:camera prst="orthographicFront"/>
+      <a:lightRig rig="threePt" dir="t"/>
+    </dgm:scene3d>
+    <dgm:sp3d/>
+    <dgm:txPr/>
+    <dgm:style>
+      <a:lnRef idx="2">
+        <a:scrgbClr r="0" g="0" b="0"/>
+      </a:lnRef>
+      <a:fillRef idx="1">
+        <a:scrgbClr r="0" g="0" b="0"/>
+      </a:fillRef>
+      <a:effectRef idx="0">
+        <a:scrgbClr r="0" g="0" b="0"/>
+      </a:effectRef>
+      <a:fontRef idx="minor">
+        <a:schemeClr val="lt1"/>
+      </a:fontRef>
+    </dgm:style>
+  </dgm:styleLbl>
+  <dgm:styleLbl name="asst3">
+    <dgm:scene3d>
+      <a:camera prst="orthographicFront"/>
+      <a:lightRig rig="threePt" dir="t"/>
+    </dgm:scene3d>
+    <dgm:sp3d/>
+    <dgm:txPr/>
+    <dgm:style>
+      <a:lnRef idx="2">
+        <a:scrgbClr r="0" g="0" b="0"/>
+      </a:lnRef>
+      <a:fillRef idx="1">
+        <a:scrgbClr r="0" g="0" b="0"/>
+      </a:fillRef>
+      <a:effectRef idx="0">
+        <a:scrgbClr r="0" g="0" b="0"/>
+      </a:effectRef>
+      <a:fontRef idx="minor">
+        <a:schemeClr val="lt1"/>
+      </a:fontRef>
+    </dgm:style>
+  </dgm:styleLbl>
+  <dgm:styleLbl name="asst4">
+    <dgm:scene3d>
+      <a:camera prst="orthographicFront"/>
+      <a:lightRig rig="threePt" dir="t"/>
+    </dgm:scene3d>
+    <dgm:sp3d/>
+    <dgm:txPr/>
+    <dgm:style>
+      <a:lnRef idx="2">
+        <a:scrgbClr r="0" g="0" b="0"/>
+      </a:lnRef>
+      <a:fillRef idx="1">
+        <a:scrgbClr r="0" g="0" b="0"/>
+      </a:fillRef>
+      <a:effectRef idx="0">
+        <a:scrgbClr r="0" g="0" b="0"/>
+      </a:effectRef>
+      <a:fontRef idx="minor">
+        <a:schemeClr val="lt1"/>
+      </a:fontRef>
+    </dgm:style>
+  </dgm:styleLbl>
+  <dgm:styleLbl name="parChTrans2D1">
+    <dgm:scene3d>
+      <a:camera prst="orthographicFront"/>
+      <a:lightRig rig="threePt" dir="t"/>
+    </dgm:scene3d>
+    <dgm:sp3d/>
+    <dgm:txPr/>
+    <dgm:style>
+      <a:lnRef idx="2">
+        <a:scrgbClr r="0" g="0" b="0"/>
+      </a:lnRef>
+      <a:fillRef idx="1">
+        <a:scrgbClr r="0" g="0" b="0"/>
+      </a:fillRef>
+      <a:effectRef idx="0">
+        <a:scrgbClr r="0" g="0" b="0"/>
+      </a:effectRef>
+      <a:fontRef idx="minor">
+        <a:schemeClr val="lt1"/>
+      </a:fontRef>
+    </dgm:style>
+  </dgm:styleLbl>
+  <dgm:styleLbl name="parChTrans2D2">
+    <dgm:scene3d>
+      <a:camera prst="orthographicFront"/>
+      <a:lightRig rig="threePt" dir="t"/>
+    </dgm:scene3d>
+    <dgm:sp3d/>
+    <dgm:txPr/>
+    <dgm:style>
+      <a:lnRef idx="2">
+        <a:scrgbClr r="0" g="0" b="0"/>
+      </a:lnRef>
+      <a:fillRef idx="1">
+        <a:scrgbClr r="0" g="0" b="0"/>
+      </a:fillRef>
+      <a:effectRef idx="0">
+        <a:scrgbClr r="0" g="0" b="0"/>
+      </a:effectRef>
+      <a:fontRef idx="minor">
+        <a:schemeClr val="lt1"/>
+      </a:fontRef>
+    </dgm:style>
+  </dgm:styleLbl>
+  <dgm:styleLbl name="parChTrans2D3">
+    <dgm:scene3d>
+      <a:camera prst="orthographicFront"/>
+      <a:lightRig rig="threePt" dir="t"/>
+    </dgm:scene3d>
+    <dgm:sp3d/>
+    <dgm:txPr/>
+    <dgm:style>
+      <a:lnRef idx="2">
+        <a:scrgbClr r="0" g="0" b="0"/>
+      </a:lnRef>
+      <a:fillRef idx="1">
+        <a:scrgbClr r="0" g="0" b="0"/>
+      </a:fillRef>
+      <a:effectRef idx="0">
+        <a:scrgbClr r="0" g="0" b="0"/>
+      </a:effectRef>
+      <a:fontRef idx="minor">
+        <a:schemeClr val="lt1"/>
+      </a:fontRef>
+    </dgm:style>
+  </dgm:styleLbl>
+  <dgm:styleLbl name="parChTrans2D4">
+    <dgm:scene3d>
+      <a:camera prst="orthographicFront"/>
+      <a:lightRig rig="threePt" dir="t"/>
+    </dgm:scene3d>
+    <dgm:sp3d/>
+    <dgm:txPr/>
+    <dgm:style>
+      <a:lnRef idx="2">
+        <a:scrgbClr r="0" g="0" b="0"/>
+      </a:lnRef>
+      <a:fillRef idx="1">
+        <a:scrgbClr r="0" g="0" b="0"/>
+      </a:fillRef>
+      <a:effectRef idx="0">
+        <a:scrgbClr r="0" g="0" b="0"/>
+      </a:effectRef>
+      <a:fontRef idx="minor">
+        <a:schemeClr val="lt1"/>
+      </a:fontRef>
+    </dgm:style>
+  </dgm:styleLbl>
+  <dgm:styleLbl name="parChTrans1D1">
+    <dgm:scene3d>
+      <a:camera prst="orthographicFront"/>
+      <a:lightRig rig="threePt" dir="t"/>
+    </dgm:scene3d>
+    <dgm:sp3d/>
+    <dgm:txPr/>
+    <dgm:style>
+      <a:lnRef idx="2">
+        <a:scrgbClr r="0" g="0" b="0"/>
+      </a:lnRef>
+      <a:fillRef idx="0">
+        <a:scrgbClr r="0" g="0" b="0"/>
+      </a:fillRef>
+      <a:effectRef idx="0">
+        <a:scrgbClr r="0" g="0" b="0"/>
+      </a:effectRef>
+      <a:fontRef idx="minor"/>
+    </dgm:style>
+  </dgm:styleLbl>
+  <dgm:styleLbl name="parChTrans1D2">
+    <dgm:scene3d>
+      <a:camera prst="orthographicFront"/>
+      <a:lightRig rig="threePt" dir="t"/>
+    </dgm:scene3d>
+    <dgm:sp3d/>
+    <dgm:txPr/>
+    <dgm:style>
+      <a:lnRef idx="2">
+        <a:scrgbClr r="0" g="0" b="0"/>
+      </a:lnRef>
+      <a:fillRef idx="0">
+        <a:scrgbClr r="0" g="0" b="0"/>
+      </a:fillRef>
+      <a:effectRef idx="0">
+        <a:scrgbClr r="0" g="0" b="0"/>
+      </a:effectRef>
+      <a:fontRef idx="minor"/>
+    </dgm:style>
+  </dgm:styleLbl>
+  <dgm:styleLbl name="parChTrans1D3">
+    <dgm:scene3d>
+      <a:camera prst="orthographicFront"/>
+      <a:lightRig rig="threePt" dir="t"/>
+    </dgm:scene3d>
+    <dgm:sp3d/>
+    <dgm:txPr/>
+    <dgm:style>
+      <a:lnRef idx="2">
+        <a:scrgbClr r="0" g="0" b="0"/>
+      </a:lnRef>
+      <a:fillRef idx="0">
+        <a:scrgbClr r="0" g="0" b="0"/>
+      </a:fillRef>
+      <a:effectRef idx="0">
+        <a:scrgbClr r="0" g="0" b="0"/>
+      </a:effectRef>
+      <a:fontRef idx="minor"/>
+    </dgm:style>
+  </dgm:styleLbl>
+  <dgm:styleLbl name="parChTrans1D4">
+    <dgm:scene3d>
+      <a:camera prst="orthographicFront"/>
+      <a:lightRig rig="threePt" dir="t"/>
+    </dgm:scene3d>
+    <dgm:sp3d/>
+    <dgm:txPr/>
+    <dgm:style>
+      <a:lnRef idx="2">
+        <a:scrgbClr r="0" g="0" b="0"/>
+      </a:lnRef>
+      <a:fillRef idx="0">
+        <a:scrgbClr r="0" g="0" b="0"/>
+      </a:fillRef>
+      <a:effectRef idx="0">
+        <a:scrgbClr r="0" g="0" b="0"/>
+      </a:effectRef>
+      <a:fontRef idx="minor"/>
+    </dgm:style>
+  </dgm:styleLbl>
+  <dgm:styleLbl name="fgAcc1">
+    <dgm:scene3d>
+      <a:camera prst="orthographicFront"/>
+      <a:lightRig rig="threePt" dir="t"/>
+    </dgm:scene3d>
+    <dgm:sp3d/>
+    <dgm:txPr/>
+    <dgm:style>
+      <a:lnRef idx="2">
+        <a:scrgbClr r="0" g="0" b="0"/>
+      </a:lnRef>
+      <a:fillRef idx="1">
+        <a:scrgbClr r="0" g="0" b="0"/>
+      </a:fillRef>
+      <a:effectRef idx="0">
+        <a:scrgbClr r="0" g="0" b="0"/>
+      </a:effectRef>
+      <a:fontRef idx="minor"/>
+    </dgm:style>
+  </dgm:styleLbl>
+  <dgm:styleLbl name="conFgAcc1">
+    <dgm:scene3d>
+      <a:camera prst="orthographicFront"/>
+      <a:lightRig rig="threePt" dir="t"/>
+    </dgm:scene3d>
+    <dgm:sp3d/>
+    <dgm:txPr/>
+    <dgm:style>
+      <a:lnRef idx="2">
+        <a:scrgbClr r="0" g="0" b="0"/>
+      </a:lnRef>
+      <a:fillRef idx="1">
+        <a:scrgbClr r="0" g="0" b="0"/>
+      </a:fillRef>
+      <a:effectRef idx="0">
+        <a:scrgbClr r="0" g="0" b="0"/>
+      </a:effectRef>
+      <a:fontRef idx="minor"/>
+    </dgm:style>
+  </dgm:styleLbl>
+  <dgm:styleLbl name="alignAcc1">
+    <dgm:scene3d>
+      <a:camera prst="orthographicFront"/>
+      <a:lightRig rig="threePt" dir="t"/>
+    </dgm:scene3d>
+    <dgm:sp3d/>
+    <dgm:txPr/>
+    <dgm:style>
+      <a:lnRef idx="2">
+        <a:scrgbClr r="0" g="0" b="0"/>
+      </a:lnRef>
+      <a:fillRef idx="1">
+        <a:scrgbClr r="0" g="0" b="0"/>
+      </a:fillRef>
+      <a:effectRef idx="0">
+        <a:scrgbClr r="0" g="0" b="0"/>
+      </a:effectRef>
+      <a:fontRef idx="minor"/>
+    </dgm:style>
+  </dgm:styleLbl>
+  <dgm:styleLbl name="trAlignAcc1">
+    <dgm:scene3d>
+      <a:camera prst="orthographicFront"/>
+      <a:lightRig rig="threePt" dir="t"/>
+    </dgm:scene3d>
+    <dgm:sp3d/>
+    <dgm:txPr/>
+    <dgm:style>
+      <a:lnRef idx="1">
+        <a:scrgbClr r="0" g="0" b="0"/>
+      </a:lnRef>
+      <a:fillRef idx="1">
+        <a:scrgbClr r="0" g="0" b="0"/>
+      </a:fillRef>
+      <a:effectRef idx="0">
+        <a:scrgbClr r="0" g="0" b="0"/>
+      </a:effectRef>
+      <a:fontRef idx="minor"/>
+    </dgm:style>
+  </dgm:styleLbl>
+  <dgm:styleLbl name="bgAcc1">
+    <dgm:scene3d>
+      <a:camera prst="orthographicFront"/>
+      <a:lightRig rig="threePt" dir="t"/>
+    </dgm:scene3d>
+    <dgm:sp3d/>
+    <dgm:txPr/>
+    <dgm:style>
+      <a:lnRef idx="2">
+        <a:scrgbClr r="0" g="0" b="0"/>
+      </a:lnRef>
+      <a:fillRef idx="1">
+        <a:scrgbClr r="0" g="0" b="0"/>
+      </a:fillRef>
+      <a:effectRef idx="0">
+        <a:scrgbClr r="0" g="0" b="0"/>
+      </a:effectRef>
+      <a:fontRef idx="minor"/>
+    </dgm:style>
+  </dgm:styleLbl>
+  <dgm:styleLbl name="solidFgAcc1">
+    <dgm:scene3d>
+      <a:camera prst="orthographicFront"/>
+      <a:lightRig rig="threePt" dir="t"/>
+    </dgm:scene3d>
+    <dgm:sp3d/>
+    <dgm:txPr/>
+    <dgm:style>
+      <a:lnRef idx="2">
+        <a:scrgbClr r="0" g="0" b="0"/>
+      </a:lnRef>
+      <a:fillRef idx="1">
+        <a:scrgbClr r="0" g="0" b="0"/>
+      </a:fillRef>
+      <a:effectRef idx="0">
+        <a:scrgbClr r="0" g="0" b="0"/>
+      </a:effectRef>
+      <a:fontRef idx="minor"/>
+    </dgm:style>
+  </dgm:styleLbl>
+  <dgm:styleLbl name="solidAlignAcc1">
+    <dgm:scene3d>
+      <a:camera prst="orthographicFront"/>
+      <a:lightRig rig="threePt" dir="t"/>
+    </dgm:scene3d>
+    <dgm:sp3d/>
+    <dgm:txPr/>
+    <dgm:style>
+      <a:lnRef idx="2">
+        <a:scrgbClr r="0" g="0" b="0"/>
+      </a:lnRef>
+      <a:fillRef idx="1">
+        <a:scrgbClr r="0" g="0" b="0"/>
+      </a:fillRef>
+      <a:effectRef idx="0">
+        <a:scrgbClr r="0" g="0" b="0"/>
+      </a:effectRef>
+      <a:fontRef idx="minor"/>
+    </dgm:style>
+  </dgm:styleLbl>
+  <dgm:styleLbl name="solidBgAcc1">
+    <dgm:scene3d>
+      <a:camera prst="orthographicFront"/>
+      <a:lightRig rig="threePt" dir="t"/>
+    </dgm:scene3d>
+    <dgm:sp3d/>
+    <dgm:txPr/>
+    <dgm:style>
+      <a:lnRef idx="2">
+        <a:scrgbClr r="0" g="0" b="0"/>
+      </a:lnRef>
+      <a:fillRef idx="1">
+        <a:scrgbClr r="0" g="0" b="0"/>
+      </a:fillRef>
+      <a:effectRef idx="0">
+        <a:scrgbClr r="0" g="0" b="0"/>
+      </a:effectRef>
+      <a:fontRef idx="minor"/>
+    </dgm:style>
+  </dgm:styleLbl>
+  <dgm:styleLbl name="fgAccFollowNode1">
+    <dgm:scene3d>
+      <a:camera prst="orthographicFront"/>
+      <a:lightRig rig="threePt" dir="t"/>
+    </dgm:scene3d>
+    <dgm:sp3d/>
+    <dgm:txPr/>
+    <dgm:style>
+      <a:lnRef idx="2">
+        <a:scrgbClr r="0" g="0" b="0"/>
+      </a:lnRef>
+      <a:fillRef idx="1">
+        <a:scrgbClr r="0" g="0" b="0"/>
+      </a:fillRef>
+      <a:effectRef idx="0">
+        <a:scrgbClr r="0" g="0" b="0"/>
+      </a:effectRef>
+      <a:fontRef idx="minor"/>
+    </dgm:style>
+  </dgm:styleLbl>
+  <dgm:styleLbl name="alignAccFollowNode1">
+    <dgm:scene3d>
+      <a:camera prst="orthographicFront"/>
+      <a:lightRig rig="threePt" dir="t"/>
+    </dgm:scene3d>
+    <dgm:sp3d/>
+    <dgm:txPr/>
+    <dgm:style>
+      <a:lnRef idx="2">
+        <a:scrgbClr r="0" g="0" b="0"/>
+      </a:lnRef>
+      <a:fillRef idx="1">
+        <a:scrgbClr r="0" g="0" b="0"/>
+      </a:fillRef>
+      <a:effectRef idx="0">
+        <a:scrgbClr r="0" g="0" b="0"/>
+      </a:effectRef>
+      <a:fontRef idx="minor"/>
+    </dgm:style>
+  </dgm:styleLbl>
+  <dgm:styleLbl name="bgAccFollowNode1">
+    <dgm:scene3d>
+      <a:camera prst="orthographicFront"/>
+      <a:lightRig rig="threePt" dir="t"/>
+    </dgm:scene3d>
+    <dgm:sp3d/>
+    <dgm:txPr/>
+    <dgm:style>
+      <a:lnRef idx="2">
+        <a:scrgbClr r="0" g="0" b="0"/>
+      </a:lnRef>
+      <a:fillRef idx="1">
+        <a:scrgbClr r="0" g="0" b="0"/>
+      </a:fillRef>
+      <a:effectRef idx="0">
+        <a:scrgbClr r="0" g="0" b="0"/>
+      </a:effectRef>
+      <a:fontRef idx="minor"/>
+    </dgm:style>
+  </dgm:styleLbl>
+  <dgm:styleLbl name="fgAcc0">
+    <dgm:scene3d>
+      <a:camera prst="orthographicFront"/>
+      <a:lightRig rig="threePt" dir="t"/>
+    </dgm:scene3d>
+    <dgm:sp3d/>
+    <dgm:txPr/>
+    <dgm:style>
+      <a:lnRef idx="2">
+        <a:scrgbClr r="0" g="0" b="0"/>
+      </a:lnRef>
+      <a:fillRef idx="1">
+        <a:scrgbClr r="0" g="0" b="0"/>
+      </a:fillRef>
+      <a:effectRef idx="0">
+        <a:scrgbClr r="0" g="0" b="0"/>
+      </a:effectRef>
+      <a:fontRef idx="minor"/>
+    </dgm:style>
+  </dgm:styleLbl>
+  <dgm:styleLbl name="fgAcc2">
+    <dgm:scene3d>
+      <a:camera prst="orthographicFront"/>
+      <a:lightRig rig="threePt" dir="t"/>
+    </dgm:scene3d>
+    <dgm:sp3d/>
+    <dgm:txPr/>
+    <dgm:style>
+      <a:lnRef idx="2">
+        <a:scrgbClr r="0" g="0" b="0"/>
+      </a:lnRef>
+      <a:fillRef idx="1">
+        <a:scrgbClr r="0" g="0" b="0"/>
+      </a:fillRef>
+      <a:effectRef idx="0">
+        <a:scrgbClr r="0" g="0" b="0"/>
+      </a:effectRef>
+      <a:fontRef idx="minor"/>
+    </dgm:style>
+  </dgm:styleLbl>
+  <dgm:styleLbl name="fgAcc3">
+    <dgm:scene3d>
+      <a:camera prst="orthographicFront"/>
+      <a:lightRig rig="threePt" dir="t"/>
+    </dgm:scene3d>
+    <dgm:sp3d/>
+    <dgm:txPr/>
+    <dgm:style>
+      <a:lnRef idx="2">
+        <a:scrgbClr r="0" g="0" b="0"/>
+      </a:lnRef>
+      <a:fillRef idx="1">
+        <a:scrgbClr r="0" g="0" b="0"/>
+      </a:fillRef>
+      <a:effectRef idx="0">
+        <a:scrgbClr r="0" g="0" b="0"/>
+      </a:effectRef>
+      <a:fontRef idx="minor"/>
+    </dgm:style>
+  </dgm:styleLbl>
+  <dgm:styleLbl name="fgAcc4">
+    <dgm:scene3d>
+      <a:camera prst="orthographicFront"/>
+      <a:lightRig rig="threePt" dir="t"/>
+    </dgm:scene3d>
+    <dgm:sp3d/>
+    <dgm:txPr/>
+    <dgm:style>
+      <a:lnRef idx="2">
+        <a:scrgbClr r="0" g="0" b="0"/>
+      </a:lnRef>
+      <a:fillRef idx="1">
+        <a:scrgbClr r="0" g="0" b="0"/>
+      </a:fillRef>
+      <a:effectRef idx="0">
+        <a:scrgbClr r="0" g="0" b="0"/>
+      </a:effectRef>
+      <a:fontRef idx="minor"/>
+    </dgm:style>
+  </dgm:styleLbl>
+  <dgm:styleLbl name="bgShp">
+    <dgm:scene3d>
+      <a:camera prst="orthographicFront"/>
+      <a:lightRig rig="threePt" dir="t"/>
+    </dgm:scene3d>
+    <dgm:sp3d/>
+    <dgm:txPr/>
+    <dgm:style>
+      <a:lnRef idx="0">
+        <a:scrgbClr r="0" g="0" b="0"/>
+      </a:lnRef>
+      <a:fillRef idx="1">
+        <a:scrgbClr r="0" g="0" b="0"/>
+      </a:fillRef>
+      <a:effectRef idx="0">
+        <a:scrgbClr r="0" g="0" b="0"/>
+      </a:effectRef>
+      <a:fontRef idx="minor"/>
+    </dgm:style>
+  </dgm:styleLbl>
+  <dgm:styleLbl name="dkBgShp">
+    <dgm:scene3d>
+      <a:camera prst="orthographicFront"/>
+      <a:lightRig rig="threePt" dir="t"/>
+    </dgm:scene3d>
+    <dgm:sp3d/>
+    <dgm:txPr/>
+    <dgm:style>
+      <a:lnRef idx="0">
+        <a:scrgbClr r="0" g="0" b="0"/>
+      </a:lnRef>
+      <a:fillRef idx="1">
+        <a:scrgbClr r="0" g="0" b="0"/>
+      </a:fillRef>
+      <a:effectRef idx="0">
+        <a:scrgbClr r="0" g="0" b="0"/>
+      </a:effectRef>
+      <a:fontRef idx="minor"/>
+    </dgm:style>
+  </dgm:styleLbl>
+  <dgm:styleLbl name="trBgShp">
+    <dgm:scene3d>
+      <a:camera prst="orthographicFront"/>
+      <a:lightRig rig="threePt" dir="t"/>
+    </dgm:scene3d>
+    <dgm:sp3d/>
+    <dgm:txPr/>
+    <dgm:style>
+      <a:lnRef idx="0">
+        <a:scrgbClr r="0" g="0" b="0"/>
+      </a:lnRef>
+      <a:fillRef idx="1">
+        <a:scrgbClr r="0" g="0" b="0"/>
+      </a:fillRef>
+      <a:effectRef idx="0">
+        <a:scrgbClr r="0" g="0" b="0"/>
+      </a:effectRef>
+      <a:fontRef idx="minor"/>
+    </dgm:style>
+  </dgm:styleLbl>
+  <dgm:styleLbl name="fgShp">
+    <dgm:scene3d>
+      <a:camera prst="orthographicFront"/>
+      <a:lightRig rig="threePt" dir="t"/>
+    </dgm:scene3d>
+    <dgm:sp3d/>
+    <dgm:txPr/>
+    <dgm:style>
+      <a:lnRef idx="2">
+        <a:scrgbClr r="0" g="0" b="0"/>
+      </a:lnRef>
+      <a:fillRef idx="1">
+        <a:scrgbClr r="0" g="0" b="0"/>
+      </a:fillRef>
+      <a:effectRef idx="0">
+        <a:scrgbClr r="0" g="0" b="0"/>
+      </a:effectRef>
+      <a:fontRef idx="minor"/>
+    </dgm:style>
+  </dgm:styleLbl>
+  <dgm:styleLbl name="revTx">
+    <dgm:scene3d>
+      <a:camera prst="orthographicFront"/>
+      <a:lightRig rig="threePt" dir="t"/>
+    </dgm:scene3d>
+    <dgm:sp3d/>
+    <dgm:txPr/>
+    <dgm:style>
+      <a:lnRef idx="0">
+        <a:scrgbClr r="0" g="0" b="0"/>
+      </a:lnRef>
+      <a:fillRef idx="0">
+        <a:scrgbClr r="0" g="0" b="0"/>
+      </a:fillRef>
+      <a:effectRef idx="0">
+        <a:scrgbClr r="0" g="0" b="0"/>
+      </a:effectRef>
+      <a:fontRef idx="minor"/>
+    </dgm:style>
+  </dgm:styleLbl>
+</dgm:styleDef>
 </file>
 
 <file path=ppt/notesMasters/notesMaster1.xml><?xml version="1.0" encoding="utf-8"?>
@@ -509,7 +4324,7 @@
           <a:bodyPr/>
           <a:lstStyle/>
           <a:p>
-            <a:endParaRPr lang="en-US"/>
+            <a:endParaRPr lang="en-US" dirty="0"/>
           </a:p>
         </p:txBody>
       </p:sp>
@@ -8129,29 +11944,43 @@
           <a:p>
             <a:r>
               <a:rPr lang="en-US" sz="5400" dirty="0" smtClean="0"/>
-              <a:t>  Offline </a:t>
+              <a:t>  </a:t>
+            </a:r>
+            <a:r>
+              <a:rPr lang="en-US" sz="5400" dirty="0" smtClean="0">
+                <a:latin typeface="Arial Rounded MT Bold" panose="020F0704030504030204" pitchFamily="34" charset="0"/>
+              </a:rPr>
+              <a:t>Offline Mathematical Expression Recognizer</a:t>
+            </a:r>
+            <a:endParaRPr lang="en-US" sz="5400" dirty="0">
+              <a:latin typeface="Arial Rounded MT Bold" panose="020F0704030504030204" pitchFamily="34" charset="0"/>
+            </a:endParaRPr>
+          </a:p>
+          <a:p>
+            <a:r>
+              <a:rPr lang="en-US" sz="5400" dirty="0"/>
+              <a:t> </a:t>
             </a:r>
             <a:r>
               <a:rPr lang="en-US" sz="5400" dirty="0" smtClean="0"/>
-              <a:t>Mathematical Expression </a:t>
+              <a:t> </a:t>
             </a:r>
             <a:r>
-              <a:rPr lang="en-US" sz="5400" dirty="0" smtClean="0"/>
-              <a:t>Recognizer</a:t>
+              <a:rPr lang="en-US" sz="2800" dirty="0" smtClean="0"/>
+              <a:t>Shawn Peng: yisupeng@iu.edu	                          2016 Spring B657 Computer Vision</a:t>
             </a:r>
-            <a:endParaRPr lang="en-US" sz="5400" dirty="0"/>
+            <a:endParaRPr lang="en-US" sz="2800" dirty="0" smtClean="0"/>
           </a:p>
           <a:p>
             <a:r>
-              <a:rPr lang="en-US" sz="5400" dirty="0" smtClean="0"/>
-              <a:t>  Shawn Peng, yisupeng@iu.edu</a:t>
+              <a:rPr lang="en-US" sz="2800" dirty="0" smtClean="0"/>
+              <a:t>  </a:t>
             </a:r>
-          </a:p>
-          <a:p>
             <a:r>
-              <a:rPr lang="en-US" sz="5400" dirty="0" smtClean="0"/>
-              <a:t>  Yang Zhang, zhang505@Indiana.edu</a:t>
+              <a:rPr lang="en-US" sz="2800" dirty="0" smtClean="0"/>
+              <a:t>  Yang Zhang: zhang505@Indiana.edu	                           Prof. David Crandall</a:t>
             </a:r>
+            <a:endParaRPr lang="en-US" sz="2800" dirty="0" smtClean="0"/>
           </a:p>
         </p:txBody>
       </p:sp>
@@ -8198,305 +12027,16 @@
       </p:pic>
       <p:grpSp>
         <p:nvGrpSpPr>
-          <p:cNvPr id="12" name="Group 11"/>
-          <p:cNvGrpSpPr/>
-          <p:nvPr/>
-        </p:nvGrpSpPr>
-        <p:grpSpPr>
-          <a:xfrm>
-            <a:off x="9606987" y="12038002"/>
-            <a:ext cx="8391646" cy="15174410"/>
-            <a:chOff x="9606987" y="4182168"/>
-            <a:chExt cx="8391646" cy="15174410"/>
-          </a:xfrm>
-        </p:grpSpPr>
-        <p:grpSp>
-          <p:nvGrpSpPr>
-            <p:cNvPr id="23" name="Group 22"/>
-            <p:cNvGrpSpPr/>
-            <p:nvPr/>
-          </p:nvGrpSpPr>
-          <p:grpSpPr>
-            <a:xfrm>
-              <a:off x="9606987" y="5027119"/>
-              <a:ext cx="8391646" cy="14329459"/>
-              <a:chOff x="317500" y="2743199"/>
-              <a:chExt cx="8391646" cy="14329459"/>
-            </a:xfrm>
-          </p:grpSpPr>
-          <p:grpSp>
-            <p:nvGrpSpPr>
-              <p:cNvPr id="9" name="Group 8"/>
-              <p:cNvGrpSpPr/>
-              <p:nvPr/>
-            </p:nvGrpSpPr>
-            <p:grpSpPr>
-              <a:xfrm>
-                <a:off x="3723374" y="3245522"/>
-                <a:ext cx="3906535" cy="10018224"/>
-                <a:chOff x="2337008" y="4125199"/>
-                <a:chExt cx="3906535" cy="10018224"/>
-              </a:xfrm>
-            </p:grpSpPr>
-            <p:pic>
-              <p:nvPicPr>
-                <p:cNvPr id="2" name="Picture 1"/>
-                <p:cNvPicPr>
-                  <a:picLocks noChangeAspect="1"/>
-                </p:cNvPicPr>
-                <p:nvPr/>
-              </p:nvPicPr>
-              <p:blipFill>
-                <a:blip r:embed="rId4">
-                  <a:extLst>
-                    <a:ext uri="{28A0092B-C50C-407E-A947-70E740481C1C}">
-                      <a14:useLocalDpi xmlns:a14="http://schemas.microsoft.com/office/drawing/2010/main" val="0"/>
-                    </a:ext>
-                  </a:extLst>
-                </a:blip>
-                <a:stretch>
-                  <a:fillRect/>
-                </a:stretch>
-              </p:blipFill>
-              <p:spPr>
-                <a:xfrm>
-                  <a:off x="2342103" y="4125199"/>
-                  <a:ext cx="688340" cy="688340"/>
-                </a:xfrm>
-                <a:prstGeom prst="rect">
-                  <a:avLst/>
-                </a:prstGeom>
-              </p:spPr>
-            </p:pic>
-            <p:pic>
-              <p:nvPicPr>
-                <p:cNvPr id="3" name="Picture 2"/>
-                <p:cNvPicPr>
-                  <a:picLocks noChangeAspect="1"/>
-                </p:cNvPicPr>
-                <p:nvPr/>
-              </p:nvPicPr>
-              <p:blipFill rotWithShape="1">
-                <a:blip r:embed="rId5">
-                  <a:extLst>
-                    <a:ext uri="{28A0092B-C50C-407E-A947-70E740481C1C}">
-                      <a14:useLocalDpi xmlns:a14="http://schemas.microsoft.com/office/drawing/2010/main" val="0"/>
-                    </a:ext>
-                  </a:extLst>
-                </a:blip>
-                <a:srcRect b="20469"/>
-                <a:stretch/>
-              </p:blipFill>
-              <p:spPr>
-                <a:xfrm>
-                  <a:off x="2337008" y="6954725"/>
-                  <a:ext cx="3901440" cy="3102854"/>
-                </a:xfrm>
-                <a:prstGeom prst="rect">
-                  <a:avLst/>
-                </a:prstGeom>
-              </p:spPr>
-            </p:pic>
-            <p:pic>
-              <p:nvPicPr>
-                <p:cNvPr id="5" name="Picture 4"/>
-                <p:cNvPicPr>
-                  <a:picLocks noChangeAspect="1"/>
-                </p:cNvPicPr>
-                <p:nvPr/>
-              </p:nvPicPr>
-              <p:blipFill>
-                <a:blip r:embed="rId6">
-                  <a:extLst>
-                    <a:ext uri="{28A0092B-C50C-407E-A947-70E740481C1C}">
-                      <a14:useLocalDpi xmlns:a14="http://schemas.microsoft.com/office/drawing/2010/main" val="0"/>
-                    </a:ext>
-                  </a:extLst>
-                </a:blip>
-                <a:stretch>
-                  <a:fillRect/>
-                </a:stretch>
-              </p:blipFill>
-              <p:spPr>
-                <a:xfrm>
-                  <a:off x="2342103" y="10241983"/>
-                  <a:ext cx="3901440" cy="3901440"/>
-                </a:xfrm>
-                <a:prstGeom prst="rect">
-                  <a:avLst/>
-                </a:prstGeom>
-              </p:spPr>
-            </p:pic>
-            <p:pic>
-              <p:nvPicPr>
-                <p:cNvPr id="6" name="Picture 5"/>
-                <p:cNvPicPr>
-                  <a:picLocks noChangeAspect="1"/>
-                </p:cNvPicPr>
-                <p:nvPr/>
-              </p:nvPicPr>
-              <p:blipFill rotWithShape="1">
-                <a:blip r:embed="rId7">
-                  <a:extLst>
-                    <a:ext uri="{28A0092B-C50C-407E-A947-70E740481C1C}">
-                      <a14:useLocalDpi xmlns:a14="http://schemas.microsoft.com/office/drawing/2010/main" val="0"/>
-                    </a:ext>
-                  </a:extLst>
-                </a:blip>
-                <a:srcRect b="21295"/>
-                <a:stretch/>
-              </p:blipFill>
-              <p:spPr>
-                <a:xfrm>
-                  <a:off x="2337008" y="4997943"/>
-                  <a:ext cx="2251926" cy="1772378"/>
-                </a:xfrm>
-                <a:prstGeom prst="rect">
-                  <a:avLst/>
-                </a:prstGeom>
-              </p:spPr>
-            </p:pic>
-          </p:grpSp>
-          <p:sp>
-            <p:nvSpPr>
-              <p:cNvPr id="13" name="Rectangle 12"/>
-              <p:cNvSpPr/>
-              <p:nvPr/>
-            </p:nvSpPr>
-            <p:spPr>
-              <a:xfrm>
-                <a:off x="590309" y="3132681"/>
-                <a:ext cx="2558005" cy="13592735"/>
-              </a:xfrm>
-              <a:prstGeom prst="rect">
-                <a:avLst/>
-              </a:prstGeom>
-              <a:noFill/>
-            </p:spPr>
-            <p:style>
-              <a:lnRef idx="2">
-                <a:schemeClr val="accent1">
-                  <a:shade val="50000"/>
-                </a:schemeClr>
-              </a:lnRef>
-              <a:fillRef idx="1">
-                <a:schemeClr val="accent1"/>
-              </a:fillRef>
-              <a:effectRef idx="0">
-                <a:schemeClr val="accent1"/>
-              </a:effectRef>
-              <a:fontRef idx="minor">
-                <a:schemeClr val="lt1"/>
-              </a:fontRef>
-            </p:style>
-            <p:txBody>
-              <a:bodyPr rtlCol="0" anchor="ctr"/>
-              <a:lstStyle/>
-              <a:p>
-                <a:pPr algn="ctr"/>
-                <a:endParaRPr lang="en-US"/>
-              </a:p>
-            </p:txBody>
-          </p:sp>
-          <p:sp>
-            <p:nvSpPr>
-              <p:cNvPr id="21" name="Rectangle 20"/>
-              <p:cNvSpPr/>
-              <p:nvPr/>
-            </p:nvSpPr>
-            <p:spPr>
-              <a:xfrm>
-                <a:off x="317500" y="2743199"/>
-                <a:ext cx="8391646" cy="14329459"/>
-              </a:xfrm>
-              <a:prstGeom prst="rect">
-                <a:avLst/>
-              </a:prstGeom>
-              <a:noFill/>
-            </p:spPr>
-            <p:style>
-              <a:lnRef idx="2">
-                <a:schemeClr val="accent1">
-                  <a:shade val="50000"/>
-                </a:schemeClr>
-              </a:lnRef>
-              <a:fillRef idx="1">
-                <a:schemeClr val="accent1"/>
-              </a:fillRef>
-              <a:effectRef idx="0">
-                <a:schemeClr val="accent1"/>
-              </a:effectRef>
-              <a:fontRef idx="minor">
-                <a:schemeClr val="lt1"/>
-              </a:fontRef>
-            </p:style>
-            <p:txBody>
-              <a:bodyPr rtlCol="0" anchor="ctr"/>
-              <a:lstStyle/>
-              <a:p>
-                <a:pPr algn="ctr"/>
-                <a:endParaRPr lang="en-US"/>
-              </a:p>
-            </p:txBody>
-          </p:sp>
-        </p:grpSp>
-        <p:sp>
-          <p:nvSpPr>
-            <p:cNvPr id="7" name="Rectangle 6"/>
-            <p:cNvSpPr/>
-            <p:nvPr/>
-          </p:nvSpPr>
-          <p:spPr>
-            <a:xfrm>
-              <a:off x="9606987" y="4182168"/>
-              <a:ext cx="8391646" cy="844951"/>
-            </a:xfrm>
-            <a:prstGeom prst="rect">
-              <a:avLst/>
-            </a:prstGeom>
-          </p:spPr>
-          <p:style>
-            <a:lnRef idx="2">
-              <a:schemeClr val="accent1">
-                <a:shade val="50000"/>
-              </a:schemeClr>
-            </a:lnRef>
-            <a:fillRef idx="1">
-              <a:schemeClr val="accent1"/>
-            </a:fillRef>
-            <a:effectRef idx="0">
-              <a:schemeClr val="accent1"/>
-            </a:effectRef>
-            <a:fontRef idx="minor">
-              <a:schemeClr val="lt1"/>
-            </a:fontRef>
-          </p:style>
-          <p:txBody>
-            <a:bodyPr rtlCol="0" anchor="ctr"/>
-            <a:lstStyle/>
-            <a:p>
-              <a:pPr algn="ctr"/>
-              <a:r>
-                <a:rPr lang="en-US" dirty="0" smtClean="0"/>
-                <a:t>Convolutional Neural Network</a:t>
-              </a:r>
-              <a:endParaRPr lang="en-US" dirty="0"/>
-            </a:p>
-          </p:txBody>
-        </p:sp>
-      </p:grpSp>
-      <p:grpSp>
-        <p:nvGrpSpPr>
           <p:cNvPr id="24" name="Group 23"/>
           <p:cNvGrpSpPr/>
           <p:nvPr/>
         </p:nvGrpSpPr>
         <p:grpSpPr>
           <a:xfrm>
-            <a:off x="9602486" y="5673586"/>
-            <a:ext cx="8396147" cy="6065134"/>
+            <a:off x="9412278" y="5219501"/>
+            <a:ext cx="8396147" cy="6515936"/>
             <a:chOff x="328878" y="4182168"/>
-            <a:chExt cx="8396147" cy="6065134"/>
+            <a:chExt cx="8396147" cy="6515936"/>
           </a:xfrm>
         </p:grpSpPr>
         <p:sp>
@@ -8547,7 +12087,7 @@
           </p:nvSpPr>
           <p:spPr>
             <a:xfrm>
-              <a:off x="1909822" y="6353711"/>
+              <a:off x="1909822" y="6231791"/>
               <a:ext cx="497711" cy="449883"/>
             </a:xfrm>
             <a:prstGeom prst="downArrow">
@@ -8587,7 +12127,7 @@
           </p:nvSpPr>
           <p:spPr>
             <a:xfrm>
-              <a:off x="445624" y="6987998"/>
+              <a:off x="489023" y="6798210"/>
               <a:ext cx="3426106" cy="745834"/>
             </a:xfrm>
             <a:prstGeom prst="roundRect">
@@ -8628,9 +12168,9 @@
           <p:grpSpPr>
             <a:xfrm>
               <a:off x="328878" y="4182168"/>
-              <a:ext cx="8396147" cy="6065134"/>
+              <a:ext cx="8396147" cy="6515936"/>
               <a:chOff x="328878" y="4182168"/>
-              <a:chExt cx="8396147" cy="6065134"/>
+              <a:chExt cx="8396147" cy="6515936"/>
             </a:xfrm>
           </p:grpSpPr>
           <p:sp>
@@ -8642,7 +12182,7 @@
             <p:spPr>
               <a:xfrm>
                 <a:off x="328878" y="5027120"/>
-                <a:ext cx="8391646" cy="5220182"/>
+                <a:ext cx="8391646" cy="5670984"/>
               </a:xfrm>
               <a:prstGeom prst="rect">
                 <a:avLst/>
@@ -8711,10 +12251,10 @@
               <a:p>
                 <a:pPr algn="ctr"/>
                 <a:r>
-                  <a:rPr lang="en-US" dirty="0" smtClean="0"/>
+                  <a:rPr lang="en-US" sz="3600" dirty="0" smtClean="0"/>
                   <a:t>Segmentation</a:t>
                 </a:r>
-                <a:endParaRPr lang="en-US" dirty="0"/>
+                <a:endParaRPr lang="en-US" sz="3600" dirty="0"/>
               </a:p>
             </p:txBody>
           </p:sp>
@@ -8728,7 +12268,7 @@
             <p:nvPr/>
           </p:nvPicPr>
           <p:blipFill>
-            <a:blip r:embed="rId8"/>
+            <a:blip r:embed="rId4"/>
             <a:stretch>
               <a:fillRect/>
             </a:stretch>
@@ -8752,7 +12292,7 @@
             <p:nvPr/>
           </p:nvPicPr>
           <p:blipFill>
-            <a:blip r:embed="rId9"/>
+            <a:blip r:embed="rId5"/>
             <a:stretch>
               <a:fillRect/>
             </a:stretch>
@@ -8768,88 +12308,6 @@
           </p:spPr>
         </p:pic>
       </p:grpSp>
-      <p:pic>
-        <p:nvPicPr>
-          <p:cNvPr id="1028" name="Picture 4" descr="http://rebelbox.com/wp-content/uploads/2013/07/c-logo.jpg"/>
-          <p:cNvPicPr>
-            <a:picLocks noChangeAspect="1" noChangeArrowheads="1"/>
-          </p:cNvPicPr>
-          <p:nvPr/>
-        </p:nvPicPr>
-        <p:blipFill>
-          <a:blip r:embed="rId10">
-            <a:extLst>
-              <a:ext uri="{28A0092B-C50C-407E-A947-70E740481C1C}">
-                <a14:useLocalDpi xmlns:a14="http://schemas.microsoft.com/office/drawing/2010/main" val="0"/>
-              </a:ext>
-            </a:extLst>
-          </a:blip>
-          <a:srcRect/>
-          <a:stretch>
-            <a:fillRect/>
-          </a:stretch>
-        </p:blipFill>
-        <p:spPr bwMode="auto">
-          <a:xfrm>
-            <a:off x="16747610" y="3760104"/>
-            <a:ext cx="1450312" cy="1524000"/>
-          </a:xfrm>
-          <a:prstGeom prst="rect">
-            <a:avLst/>
-          </a:prstGeom>
-          <a:noFill/>
-          <a:extLst>
-            <a:ext uri="{909E8E84-426E-40DD-AFC4-6F175D3DCCD1}">
-              <a14:hiddenFill xmlns:a14="http://schemas.microsoft.com/office/drawing/2010/main">
-                <a:solidFill>
-                  <a:srgbClr val="FFFFFF"/>
-                </a:solidFill>
-              </a14:hiddenFill>
-            </a:ext>
-          </a:extLst>
-        </p:spPr>
-      </p:pic>
-      <p:pic>
-        <p:nvPicPr>
-          <p:cNvPr id="1030" name="Picture 6" descr="http://www.unixstickers.com/image/data/stickers/binbash/Bash-new.sh.png"/>
-          <p:cNvPicPr>
-            <a:picLocks noChangeAspect="1" noChangeArrowheads="1"/>
-          </p:cNvPicPr>
-          <p:nvPr/>
-        </p:nvPicPr>
-        <p:blipFill>
-          <a:blip r:embed="rId11">
-            <a:extLst>
-              <a:ext uri="{28A0092B-C50C-407E-A947-70E740481C1C}">
-                <a14:useLocalDpi xmlns:a14="http://schemas.microsoft.com/office/drawing/2010/main" val="0"/>
-              </a:ext>
-            </a:extLst>
-          </a:blip>
-          <a:srcRect/>
-          <a:stretch>
-            <a:fillRect/>
-          </a:stretch>
-        </p:blipFill>
-        <p:spPr bwMode="auto">
-          <a:xfrm>
-            <a:off x="14956910" y="3731681"/>
-            <a:ext cx="1790700" cy="1790700"/>
-          </a:xfrm>
-          <a:prstGeom prst="rect">
-            <a:avLst/>
-          </a:prstGeom>
-          <a:noFill/>
-          <a:extLst>
-            <a:ext uri="{909E8E84-426E-40DD-AFC4-6F175D3DCCD1}">
-              <a14:hiddenFill xmlns:a14="http://schemas.microsoft.com/office/drawing/2010/main">
-                <a:solidFill>
-                  <a:srgbClr val="FFFFFF"/>
-                </a:solidFill>
-              </a14:hiddenFill>
-            </a:ext>
-          </a:extLst>
-        </p:spPr>
-      </p:pic>
       <p:sp>
         <p:nvSpPr>
           <p:cNvPr id="26" name="AutoShape 10" descr="NodeJS icon"/>
@@ -8889,95 +12347,1585 @@
           </a:p>
         </p:txBody>
       </p:sp>
-      <p:pic>
-        <p:nvPicPr>
-          <p:cNvPr id="28" name="Picture 27"/>
-          <p:cNvPicPr>
-            <a:picLocks noChangeAspect="1"/>
-          </p:cNvPicPr>
+      <p:grpSp>
+        <p:nvGrpSpPr>
+          <p:cNvPr id="35" name="Group 34"/>
+          <p:cNvGrpSpPr/>
           <p:nvPr/>
-        </p:nvPicPr>
-        <p:blipFill>
-          <a:blip r:embed="rId12"/>
-          <a:stretch>
-            <a:fillRect/>
-          </a:stretch>
-        </p:blipFill>
+        </p:nvGrpSpPr>
+        <p:grpSpPr>
+          <a:xfrm>
+            <a:off x="11544300" y="3889081"/>
+            <a:ext cx="6090756" cy="1256571"/>
+            <a:chOff x="9518176" y="3731681"/>
+            <a:chExt cx="8679746" cy="1790700"/>
+          </a:xfrm>
+        </p:grpSpPr>
+        <p:pic>
+          <p:nvPicPr>
+            <p:cNvPr id="1028" name="Picture 4" descr="http://rebelbox.com/wp-content/uploads/2013/07/c-logo.jpg"/>
+            <p:cNvPicPr>
+              <a:picLocks noChangeAspect="1" noChangeArrowheads="1"/>
+            </p:cNvPicPr>
+            <p:nvPr/>
+          </p:nvPicPr>
+          <p:blipFill>
+            <a:blip r:embed="rId6">
+              <a:extLst>
+                <a:ext uri="{28A0092B-C50C-407E-A947-70E740481C1C}">
+                  <a14:useLocalDpi xmlns:a14="http://schemas.microsoft.com/office/drawing/2010/main" val="0"/>
+                </a:ext>
+              </a:extLst>
+            </a:blip>
+            <a:srcRect/>
+            <a:stretch>
+              <a:fillRect/>
+            </a:stretch>
+          </p:blipFill>
+          <p:spPr bwMode="auto">
+            <a:xfrm>
+              <a:off x="16747610" y="3760104"/>
+              <a:ext cx="1450312" cy="1524000"/>
+            </a:xfrm>
+            <a:prstGeom prst="rect">
+              <a:avLst/>
+            </a:prstGeom>
+            <a:noFill/>
+            <a:extLst>
+              <a:ext uri="{909E8E84-426E-40DD-AFC4-6F175D3DCCD1}">
+                <a14:hiddenFill xmlns:a14="http://schemas.microsoft.com/office/drawing/2010/main">
+                  <a:solidFill>
+                    <a:srgbClr val="FFFFFF"/>
+                  </a:solidFill>
+                </a14:hiddenFill>
+              </a:ext>
+            </a:extLst>
+          </p:spPr>
+        </p:pic>
+        <p:pic>
+          <p:nvPicPr>
+            <p:cNvPr id="1030" name="Picture 6" descr="http://www.unixstickers.com/image/data/stickers/binbash/Bash-new.sh.png"/>
+            <p:cNvPicPr>
+              <a:picLocks noChangeAspect="1" noChangeArrowheads="1"/>
+            </p:cNvPicPr>
+            <p:nvPr/>
+          </p:nvPicPr>
+          <p:blipFill>
+            <a:blip r:embed="rId7">
+              <a:extLst>
+                <a:ext uri="{28A0092B-C50C-407E-A947-70E740481C1C}">
+                  <a14:useLocalDpi xmlns:a14="http://schemas.microsoft.com/office/drawing/2010/main" val="0"/>
+                </a:ext>
+              </a:extLst>
+            </a:blip>
+            <a:srcRect/>
+            <a:stretch>
+              <a:fillRect/>
+            </a:stretch>
+          </p:blipFill>
+          <p:spPr bwMode="auto">
+            <a:xfrm>
+              <a:off x="14956910" y="3731681"/>
+              <a:ext cx="1790700" cy="1790700"/>
+            </a:xfrm>
+            <a:prstGeom prst="rect">
+              <a:avLst/>
+            </a:prstGeom>
+            <a:noFill/>
+            <a:extLst>
+              <a:ext uri="{909E8E84-426E-40DD-AFC4-6F175D3DCCD1}">
+                <a14:hiddenFill xmlns:a14="http://schemas.microsoft.com/office/drawing/2010/main">
+                  <a:solidFill>
+                    <a:srgbClr val="FFFFFF"/>
+                  </a:solidFill>
+                </a14:hiddenFill>
+              </a:ext>
+            </a:extLst>
+          </p:spPr>
+        </p:pic>
+        <p:pic>
+          <p:nvPicPr>
+            <p:cNvPr id="28" name="Picture 27"/>
+            <p:cNvPicPr>
+              <a:picLocks noChangeAspect="1"/>
+            </p:cNvPicPr>
+            <p:nvPr/>
+          </p:nvPicPr>
+          <p:blipFill>
+            <a:blip r:embed="rId8"/>
+            <a:stretch>
+              <a:fillRect/>
+            </a:stretch>
+          </p:blipFill>
+          <p:spPr>
+            <a:xfrm>
+              <a:off x="13342896" y="3829264"/>
+              <a:ext cx="1494471" cy="1524000"/>
+            </a:xfrm>
+            <a:prstGeom prst="rect">
+              <a:avLst/>
+            </a:prstGeom>
+          </p:spPr>
+        </p:pic>
+        <p:pic>
+          <p:nvPicPr>
+            <p:cNvPr id="1038" name="Picture 14" descr="http://pythonhow.com/wp-content/uploads/2016/01/python-logo-python-how.png"/>
+            <p:cNvPicPr>
+              <a:picLocks noChangeAspect="1" noChangeArrowheads="1"/>
+            </p:cNvPicPr>
+            <p:nvPr/>
+          </p:nvPicPr>
+          <p:blipFill>
+            <a:blip r:embed="rId9">
+              <a:extLst>
+                <a:ext uri="{28A0092B-C50C-407E-A947-70E740481C1C}">
+                  <a14:useLocalDpi xmlns:a14="http://schemas.microsoft.com/office/drawing/2010/main" val="0"/>
+                </a:ext>
+              </a:extLst>
+            </a:blip>
+            <a:srcRect/>
+            <a:stretch>
+              <a:fillRect/>
+            </a:stretch>
+          </p:blipFill>
+          <p:spPr bwMode="auto">
+            <a:xfrm>
+              <a:off x="11488861" y="3871744"/>
+              <a:ext cx="1524000" cy="1524000"/>
+            </a:xfrm>
+            <a:prstGeom prst="rect">
+              <a:avLst/>
+            </a:prstGeom>
+            <a:noFill/>
+            <a:extLst>
+              <a:ext uri="{909E8E84-426E-40DD-AFC4-6F175D3DCCD1}">
+                <a14:hiddenFill xmlns:a14="http://schemas.microsoft.com/office/drawing/2010/main">
+                  <a:solidFill>
+                    <a:srgbClr val="FFFFFF"/>
+                  </a:solidFill>
+                </a14:hiddenFill>
+              </a:ext>
+            </a:extLst>
+          </p:spPr>
+        </p:pic>
+        <p:pic>
+          <p:nvPicPr>
+            <p:cNvPr id="30" name="Picture 29"/>
+            <p:cNvPicPr>
+              <a:picLocks noChangeAspect="1"/>
+            </p:cNvPicPr>
+            <p:nvPr/>
+          </p:nvPicPr>
+          <p:blipFill>
+            <a:blip r:embed="rId10"/>
+            <a:stretch>
+              <a:fillRect/>
+            </a:stretch>
+          </p:blipFill>
+          <p:spPr>
+            <a:xfrm>
+              <a:off x="9518176" y="4240710"/>
+              <a:ext cx="1805667" cy="904875"/>
+            </a:xfrm>
+            <a:prstGeom prst="rect">
+              <a:avLst/>
+            </a:prstGeom>
+          </p:spPr>
+        </p:pic>
+      </p:grpSp>
+      <p:sp>
+        <p:nvSpPr>
+          <p:cNvPr id="33" name="TextBox 32"/>
+          <p:cNvSpPr txBox="1"/>
+          <p:nvPr/>
+        </p:nvSpPr>
         <p:spPr>
           <a:xfrm>
-            <a:off x="13342896" y="3829264"/>
-            <a:ext cx="1494471" cy="1524000"/>
+            <a:off x="13951958" y="13326684"/>
+            <a:ext cx="1144865" cy="400110"/>
+          </a:xfrm>
+          <a:prstGeom prst="rect">
+            <a:avLst/>
+          </a:prstGeom>
+          <a:noFill/>
+        </p:spPr>
+        <p:txBody>
+          <a:bodyPr wrap="none" rtlCol="0">
+            <a:spAutoFit/>
+          </a:bodyPr>
+          <a:lstStyle/>
+          <a:p>
+            <a:r>
+              <a:rPr lang="en-US" sz="2000" dirty="0" smtClean="0">
+                <a:ln w="0"/>
+                <a:solidFill>
+                  <a:schemeClr val="accent1"/>
+                </a:solidFill>
+                <a:effectLst>
+                  <a:outerShdw blurRad="38100" dist="25400" dir="5400000" algn="ctr" rotWithShape="0">
+                    <a:srgbClr val="6E747A">
+                      <a:alpha val="43000"/>
+                    </a:srgbClr>
+                  </a:outerShdw>
+                </a:effectLst>
+              </a:rPr>
+              <a:t>28x28x1</a:t>
+            </a:r>
+            <a:endParaRPr lang="en-US" sz="2000" dirty="0">
+              <a:ln w="0"/>
+              <a:solidFill>
+                <a:schemeClr val="accent1"/>
+              </a:solidFill>
+              <a:effectLst>
+                <a:outerShdw blurRad="38100" dist="25400" dir="5400000" algn="ctr" rotWithShape="0">
+                  <a:srgbClr val="6E747A">
+                    <a:alpha val="43000"/>
+                  </a:srgbClr>
+                </a:outerShdw>
+              </a:effectLst>
+            </a:endParaRPr>
+          </a:p>
+        </p:txBody>
+      </p:sp>
+      <p:grpSp>
+        <p:nvGrpSpPr>
+          <p:cNvPr id="61" name="Group 60"/>
+          <p:cNvGrpSpPr/>
+          <p:nvPr/>
+        </p:nvGrpSpPr>
+        <p:grpSpPr>
+          <a:xfrm>
+            <a:off x="9416779" y="12038002"/>
+            <a:ext cx="8391646" cy="15174410"/>
+            <a:chOff x="9606987" y="12038002"/>
+            <a:chExt cx="8391646" cy="15174410"/>
+          </a:xfrm>
+        </p:grpSpPr>
+        <p:grpSp>
+          <p:nvGrpSpPr>
+            <p:cNvPr id="37" name="Group 36"/>
+            <p:cNvGrpSpPr/>
+            <p:nvPr/>
+          </p:nvGrpSpPr>
+          <p:grpSpPr>
+            <a:xfrm>
+              <a:off x="9606987" y="12038002"/>
+              <a:ext cx="8391646" cy="15174410"/>
+              <a:chOff x="9606987" y="12038002"/>
+              <a:chExt cx="8391646" cy="15174410"/>
+            </a:xfrm>
+          </p:grpSpPr>
+          <p:grpSp>
+            <p:nvGrpSpPr>
+              <p:cNvPr id="12" name="Group 11"/>
+              <p:cNvGrpSpPr/>
+              <p:nvPr/>
+            </p:nvGrpSpPr>
+            <p:grpSpPr>
+              <a:xfrm>
+                <a:off x="9606987" y="12038002"/>
+                <a:ext cx="8391646" cy="15174410"/>
+                <a:chOff x="9606987" y="4182168"/>
+                <a:chExt cx="8391646" cy="15174410"/>
+              </a:xfrm>
+            </p:grpSpPr>
+            <p:grpSp>
+              <p:nvGrpSpPr>
+                <p:cNvPr id="23" name="Group 22"/>
+                <p:cNvGrpSpPr/>
+                <p:nvPr/>
+              </p:nvGrpSpPr>
+              <p:grpSpPr>
+                <a:xfrm>
+                  <a:off x="9606987" y="5027119"/>
+                  <a:ext cx="8391646" cy="14329459"/>
+                  <a:chOff x="317500" y="2743199"/>
+                  <a:chExt cx="8391646" cy="14329459"/>
+                </a:xfrm>
+              </p:grpSpPr>
+              <p:grpSp>
+                <p:nvGrpSpPr>
+                  <p:cNvPr id="9" name="Group 8"/>
+                  <p:cNvGrpSpPr/>
+                  <p:nvPr/>
+                </p:nvGrpSpPr>
+                <p:grpSpPr>
+                  <a:xfrm>
+                    <a:off x="4516732" y="3242870"/>
+                    <a:ext cx="3901440" cy="10170116"/>
+                    <a:chOff x="3130366" y="4122547"/>
+                    <a:chExt cx="3901440" cy="10170116"/>
+                  </a:xfrm>
+                </p:grpSpPr>
+                <p:pic>
+                  <p:nvPicPr>
+                    <p:cNvPr id="2" name="Picture 1"/>
+                    <p:cNvPicPr>
+                      <a:picLocks noChangeAspect="1"/>
+                    </p:cNvPicPr>
+                    <p:nvPr/>
+                  </p:nvPicPr>
+                  <p:blipFill>
+                    <a:blip r:embed="rId11">
+                      <a:extLst>
+                        <a:ext uri="{28A0092B-C50C-407E-A947-70E740481C1C}">
+                          <a14:useLocalDpi xmlns:a14="http://schemas.microsoft.com/office/drawing/2010/main" val="0"/>
+                        </a:ext>
+                      </a:extLst>
+                    </a:blip>
+                    <a:stretch>
+                      <a:fillRect/>
+                    </a:stretch>
+                  </p:blipFill>
+                  <p:spPr>
+                    <a:xfrm>
+                      <a:off x="6219915" y="4122547"/>
+                      <a:ext cx="688340" cy="688340"/>
+                    </a:xfrm>
+                    <a:prstGeom prst="rect">
+                      <a:avLst/>
+                    </a:prstGeom>
+                  </p:spPr>
+                </p:pic>
+                <p:pic>
+                  <p:nvPicPr>
+                    <p:cNvPr id="3" name="Picture 2"/>
+                    <p:cNvPicPr>
+                      <a:picLocks noChangeAspect="1"/>
+                    </p:cNvPicPr>
+                    <p:nvPr/>
+                  </p:nvPicPr>
+                  <p:blipFill rotWithShape="1">
+                    <a:blip r:embed="rId12">
+                      <a:extLst>
+                        <a:ext uri="{28A0092B-C50C-407E-A947-70E740481C1C}">
+                          <a14:useLocalDpi xmlns:a14="http://schemas.microsoft.com/office/drawing/2010/main" val="0"/>
+                        </a:ext>
+                      </a:extLst>
+                    </a:blip>
+                    <a:srcRect b="20469"/>
+                    <a:stretch/>
+                  </p:blipFill>
+                  <p:spPr>
+                    <a:xfrm>
+                      <a:off x="3130366" y="6979029"/>
+                      <a:ext cx="3901440" cy="3102854"/>
+                    </a:xfrm>
+                    <a:prstGeom prst="rect">
+                      <a:avLst/>
+                    </a:prstGeom>
+                  </p:spPr>
+                </p:pic>
+                <p:pic>
+                  <p:nvPicPr>
+                    <p:cNvPr id="5" name="Picture 4"/>
+                    <p:cNvPicPr>
+                      <a:picLocks noChangeAspect="1"/>
+                    </p:cNvPicPr>
+                    <p:nvPr/>
+                  </p:nvPicPr>
+                  <p:blipFill>
+                    <a:blip r:embed="rId13">
+                      <a:extLst>
+                        <a:ext uri="{28A0092B-C50C-407E-A947-70E740481C1C}">
+                          <a14:useLocalDpi xmlns:a14="http://schemas.microsoft.com/office/drawing/2010/main" val="0"/>
+                        </a:ext>
+                      </a:extLst>
+                    </a:blip>
+                    <a:stretch>
+                      <a:fillRect/>
+                    </a:stretch>
+                  </p:blipFill>
+                  <p:spPr>
+                    <a:xfrm>
+                      <a:off x="3130366" y="10391223"/>
+                      <a:ext cx="3901440" cy="3901440"/>
+                    </a:xfrm>
+                    <a:prstGeom prst="rect">
+                      <a:avLst/>
+                    </a:prstGeom>
+                  </p:spPr>
+                </p:pic>
+                <p:pic>
+                  <p:nvPicPr>
+                    <p:cNvPr id="6" name="Picture 5"/>
+                    <p:cNvPicPr>
+                      <a:picLocks noChangeAspect="1"/>
+                    </p:cNvPicPr>
+                    <p:nvPr/>
+                  </p:nvPicPr>
+                  <p:blipFill rotWithShape="1">
+                    <a:blip r:embed="rId14">
+                      <a:extLst>
+                        <a:ext uri="{28A0092B-C50C-407E-A947-70E740481C1C}">
+                          <a14:useLocalDpi xmlns:a14="http://schemas.microsoft.com/office/drawing/2010/main" val="0"/>
+                        </a:ext>
+                      </a:extLst>
+                    </a:blip>
+                    <a:srcRect b="21295"/>
+                    <a:stretch/>
+                  </p:blipFill>
+                  <p:spPr>
+                    <a:xfrm>
+                      <a:off x="4773410" y="5113452"/>
+                      <a:ext cx="2251926" cy="1772378"/>
+                    </a:xfrm>
+                    <a:prstGeom prst="rect">
+                      <a:avLst/>
+                    </a:prstGeom>
+                  </p:spPr>
+                </p:pic>
+              </p:grpSp>
+              <p:sp>
+                <p:nvSpPr>
+                  <p:cNvPr id="21" name="Rectangle 20"/>
+                  <p:cNvSpPr/>
+                  <p:nvPr/>
+                </p:nvSpPr>
+                <p:spPr>
+                  <a:xfrm>
+                    <a:off x="317500" y="2743199"/>
+                    <a:ext cx="8391646" cy="14329459"/>
+                  </a:xfrm>
+                  <a:prstGeom prst="rect">
+                    <a:avLst/>
+                  </a:prstGeom>
+                  <a:noFill/>
+                </p:spPr>
+                <p:style>
+                  <a:lnRef idx="2">
+                    <a:schemeClr val="accent1">
+                      <a:shade val="50000"/>
+                    </a:schemeClr>
+                  </a:lnRef>
+                  <a:fillRef idx="1">
+                    <a:schemeClr val="accent1"/>
+                  </a:fillRef>
+                  <a:effectRef idx="0">
+                    <a:schemeClr val="accent1"/>
+                  </a:effectRef>
+                  <a:fontRef idx="minor">
+                    <a:schemeClr val="lt1"/>
+                  </a:fontRef>
+                </p:style>
+                <p:txBody>
+                  <a:bodyPr rtlCol="0" anchor="ctr"/>
+                  <a:lstStyle/>
+                  <a:p>
+                    <a:pPr algn="ctr"/>
+                    <a:endParaRPr lang="en-US"/>
+                  </a:p>
+                </p:txBody>
+              </p:sp>
+            </p:grpSp>
+            <p:sp>
+              <p:nvSpPr>
+                <p:cNvPr id="7" name="Rectangle 6"/>
+                <p:cNvSpPr/>
+                <p:nvPr/>
+              </p:nvSpPr>
+              <p:spPr>
+                <a:xfrm>
+                  <a:off x="9606987" y="4182168"/>
+                  <a:ext cx="8391646" cy="844951"/>
+                </a:xfrm>
+                <a:prstGeom prst="rect">
+                  <a:avLst/>
+                </a:prstGeom>
+              </p:spPr>
+              <p:style>
+                <a:lnRef idx="2">
+                  <a:schemeClr val="accent1">
+                    <a:shade val="50000"/>
+                  </a:schemeClr>
+                </a:lnRef>
+                <a:fillRef idx="1">
+                  <a:schemeClr val="accent1"/>
+                </a:fillRef>
+                <a:effectRef idx="0">
+                  <a:schemeClr val="accent1"/>
+                </a:effectRef>
+                <a:fontRef idx="minor">
+                  <a:schemeClr val="lt1"/>
+                </a:fontRef>
+              </p:style>
+              <p:txBody>
+                <a:bodyPr rtlCol="0" anchor="ctr"/>
+                <a:lstStyle/>
+                <a:p>
+                  <a:pPr algn="ctr"/>
+                  <a:r>
+                    <a:rPr lang="en-US" sz="3600" dirty="0"/>
+                    <a:t>Convolutional</a:t>
+                  </a:r>
+                  <a:r>
+                    <a:rPr lang="en-US" sz="3600" dirty="0"/>
+                    <a:t> Neural Network</a:t>
+                  </a:r>
+                  <a:endParaRPr lang="en-US" sz="3600" dirty="0"/>
+                </a:p>
+              </p:txBody>
+            </p:sp>
+          </p:grpSp>
+          <p:graphicFrame>
+            <p:nvGraphicFramePr>
+              <p:cNvPr id="18" name="Diagram 17"/>
+              <p:cNvGraphicFramePr/>
+              <p:nvPr>
+                <p:extLst>
+                  <p:ext uri="{D42A27DB-BD31-4B8C-83A1-F6EECF244321}">
+                    <p14:modId xmlns:p14="http://schemas.microsoft.com/office/powerpoint/2010/main" val="1534351366"/>
+                  </p:ext>
+                </p:extLst>
+              </p:nvPr>
+            </p:nvGraphicFramePr>
+            <p:xfrm>
+              <a:off x="9989570" y="13385276"/>
+              <a:ext cx="2668545" cy="12532048"/>
+            </p:xfrm>
+            <a:graphic>
+              <a:graphicData uri="http://schemas.openxmlformats.org/drawingml/2006/diagram">
+                <dgm:relIds xmlns:dgm="http://schemas.openxmlformats.org/drawingml/2006/diagram" xmlns:r="http://schemas.openxmlformats.org/officeDocument/2006/relationships" r:dm="rId15" r:lo="rId16" r:qs="rId17" r:cs="rId18"/>
+              </a:graphicData>
+            </a:graphic>
+          </p:graphicFrame>
+        </p:grpSp>
+        <p:cxnSp>
+          <p:nvCxnSpPr>
+            <p:cNvPr id="27" name="Straight Arrow Connector 26"/>
+            <p:cNvCxnSpPr>
+              <a:stCxn id="2" idx="1"/>
+            </p:cNvCxnSpPr>
+            <p:nvPr/>
+          </p:nvCxnSpPr>
+          <p:spPr>
+            <a:xfrm flipH="1">
+              <a:off x="12573000" y="13726794"/>
+              <a:ext cx="4322768" cy="0"/>
+            </a:xfrm>
+            <a:prstGeom prst="straightConnector1">
+              <a:avLst/>
+            </a:prstGeom>
+            <a:ln w="79375">
+              <a:tailEnd type="triangle"/>
+            </a:ln>
+          </p:spPr>
+          <p:style>
+            <a:lnRef idx="1">
+              <a:schemeClr val="accent1"/>
+            </a:lnRef>
+            <a:fillRef idx="0">
+              <a:schemeClr val="accent1"/>
+            </a:fillRef>
+            <a:effectRef idx="0">
+              <a:schemeClr val="accent1"/>
+            </a:effectRef>
+            <a:fontRef idx="minor">
+              <a:schemeClr val="tx1"/>
+            </a:fontRef>
+          </p:style>
+        </p:cxnSp>
+        <p:cxnSp>
+          <p:nvCxnSpPr>
+            <p:cNvPr id="38" name="Straight Arrow Connector 37"/>
+            <p:cNvCxnSpPr/>
+            <p:nvPr/>
+          </p:nvCxnSpPr>
+          <p:spPr>
+            <a:xfrm>
+              <a:off x="12642591" y="24371934"/>
+              <a:ext cx="1005494" cy="0"/>
+            </a:xfrm>
+            <a:prstGeom prst="straightConnector1">
+              <a:avLst/>
+            </a:prstGeom>
+            <a:ln w="79375">
+              <a:tailEnd type="triangle"/>
+            </a:ln>
+          </p:spPr>
+          <p:style>
+            <a:lnRef idx="1">
+              <a:schemeClr val="accent1"/>
+            </a:lnRef>
+            <a:fillRef idx="0">
+              <a:schemeClr val="accent1"/>
+            </a:fillRef>
+            <a:effectRef idx="0">
+              <a:schemeClr val="accent1"/>
+            </a:effectRef>
+            <a:fontRef idx="minor">
+              <a:schemeClr val="tx1"/>
+            </a:fontRef>
+          </p:style>
+        </p:cxnSp>
+      </p:grpSp>
+      <p:grpSp>
+        <p:nvGrpSpPr>
+          <p:cNvPr id="44" name="Group 43"/>
+          <p:cNvGrpSpPr/>
+          <p:nvPr/>
+        </p:nvGrpSpPr>
+        <p:grpSpPr>
+          <a:xfrm>
+            <a:off x="521699" y="22396077"/>
+            <a:ext cx="8396147" cy="4816335"/>
+            <a:chOff x="328878" y="4182168"/>
+            <a:chExt cx="8396147" cy="4816335"/>
+          </a:xfrm>
+        </p:grpSpPr>
+        <p:sp>
+          <p:nvSpPr>
+            <p:cNvPr id="47" name="Rectangle 46"/>
+            <p:cNvSpPr/>
+            <p:nvPr/>
+          </p:nvSpPr>
+          <p:spPr>
+            <a:xfrm>
+              <a:off x="328878" y="5027120"/>
+              <a:ext cx="8391646" cy="3971383"/>
+            </a:xfrm>
+            <a:prstGeom prst="rect">
+              <a:avLst/>
+            </a:prstGeom>
+            <a:noFill/>
+          </p:spPr>
+          <p:style>
+            <a:lnRef idx="2">
+              <a:schemeClr val="accent1">
+                <a:shade val="50000"/>
+              </a:schemeClr>
+            </a:lnRef>
+            <a:fillRef idx="1">
+              <a:schemeClr val="accent1"/>
+            </a:fillRef>
+            <a:effectRef idx="0">
+              <a:schemeClr val="accent1"/>
+            </a:effectRef>
+            <a:fontRef idx="minor">
+              <a:schemeClr val="lt1"/>
+            </a:fontRef>
+          </p:style>
+          <p:txBody>
+            <a:bodyPr rtlCol="0" anchor="ctr"/>
+            <a:lstStyle/>
+            <a:p>
+              <a:pPr algn="ctr"/>
+              <a:endParaRPr lang="en-US"/>
+            </a:p>
+          </p:txBody>
+        </p:sp>
+        <p:sp>
+          <p:nvSpPr>
+            <p:cNvPr id="48" name="Rectangle 47"/>
+            <p:cNvSpPr/>
+            <p:nvPr/>
+          </p:nvSpPr>
+          <p:spPr>
+            <a:xfrm>
+              <a:off x="333379" y="4182168"/>
+              <a:ext cx="8391646" cy="844951"/>
+            </a:xfrm>
+            <a:prstGeom prst="rect">
+              <a:avLst/>
+            </a:prstGeom>
+          </p:spPr>
+          <p:style>
+            <a:lnRef idx="2">
+              <a:schemeClr val="accent1">
+                <a:shade val="50000"/>
+              </a:schemeClr>
+            </a:lnRef>
+            <a:fillRef idx="1">
+              <a:schemeClr val="accent1"/>
+            </a:fillRef>
+            <a:effectRef idx="0">
+              <a:schemeClr val="accent1"/>
+            </a:effectRef>
+            <a:fontRef idx="minor">
+              <a:schemeClr val="lt1"/>
+            </a:fontRef>
+          </p:style>
+          <p:txBody>
+            <a:bodyPr rtlCol="0" anchor="ctr"/>
+            <a:lstStyle/>
+            <a:p>
+              <a:pPr algn="ctr"/>
+              <a:r>
+                <a:rPr lang="en-US" sz="3600" dirty="0"/>
+                <a:t>Reference</a:t>
+              </a:r>
+            </a:p>
+          </p:txBody>
+        </p:sp>
+      </p:grpSp>
+      <p:grpSp>
+        <p:nvGrpSpPr>
+          <p:cNvPr id="49" name="Group 48"/>
+          <p:cNvGrpSpPr/>
+          <p:nvPr/>
+        </p:nvGrpSpPr>
+        <p:grpSpPr>
+          <a:xfrm>
+            <a:off x="488043" y="15825016"/>
+            <a:ext cx="8409380" cy="6303835"/>
+            <a:chOff x="328878" y="4182168"/>
+            <a:chExt cx="8396147" cy="6065134"/>
+          </a:xfrm>
+        </p:grpSpPr>
+        <p:sp>
+          <p:nvSpPr>
+            <p:cNvPr id="50" name="Rectangle 49"/>
+            <p:cNvSpPr/>
+            <p:nvPr/>
+          </p:nvSpPr>
+          <p:spPr>
+            <a:xfrm>
+              <a:off x="328878" y="5027120"/>
+              <a:ext cx="8391646" cy="5220182"/>
+            </a:xfrm>
+            <a:prstGeom prst="rect">
+              <a:avLst/>
+            </a:prstGeom>
+            <a:noFill/>
+          </p:spPr>
+          <p:style>
+            <a:lnRef idx="2">
+              <a:schemeClr val="accent1">
+                <a:shade val="50000"/>
+              </a:schemeClr>
+            </a:lnRef>
+            <a:fillRef idx="1">
+              <a:schemeClr val="accent1"/>
+            </a:fillRef>
+            <a:effectRef idx="0">
+              <a:schemeClr val="accent1"/>
+            </a:effectRef>
+            <a:fontRef idx="minor">
+              <a:schemeClr val="lt1"/>
+            </a:fontRef>
+          </p:style>
+          <p:txBody>
+            <a:bodyPr rtlCol="0" anchor="ctr"/>
+            <a:lstStyle/>
+            <a:p>
+              <a:pPr algn="ctr"/>
+              <a:endParaRPr lang="en-US"/>
+            </a:p>
+          </p:txBody>
+        </p:sp>
+        <p:sp>
+          <p:nvSpPr>
+            <p:cNvPr id="51" name="Rectangle 50"/>
+            <p:cNvSpPr/>
+            <p:nvPr/>
+          </p:nvSpPr>
+          <p:spPr>
+            <a:xfrm>
+              <a:off x="333379" y="4182168"/>
+              <a:ext cx="8391646" cy="844951"/>
+            </a:xfrm>
+            <a:prstGeom prst="rect">
+              <a:avLst/>
+            </a:prstGeom>
+          </p:spPr>
+          <p:style>
+            <a:lnRef idx="2">
+              <a:schemeClr val="accent1">
+                <a:shade val="50000"/>
+              </a:schemeClr>
+            </a:lnRef>
+            <a:fillRef idx="1">
+              <a:schemeClr val="accent1"/>
+            </a:fillRef>
+            <a:effectRef idx="0">
+              <a:schemeClr val="accent1"/>
+            </a:effectRef>
+            <a:fontRef idx="minor">
+              <a:schemeClr val="lt1"/>
+            </a:fontRef>
+          </p:style>
+          <p:txBody>
+            <a:bodyPr rtlCol="0" anchor="ctr"/>
+            <a:lstStyle/>
+            <a:p>
+              <a:pPr algn="ctr"/>
+              <a:r>
+                <a:rPr lang="en-US" sz="3600" dirty="0" smtClean="0"/>
+                <a:t>Preprocessing</a:t>
+              </a:r>
+              <a:endParaRPr lang="en-US" sz="3600" dirty="0"/>
+            </a:p>
+          </p:txBody>
+        </p:sp>
+      </p:grpSp>
+      <p:grpSp>
+        <p:nvGrpSpPr>
+          <p:cNvPr id="1027" name="Group 1026"/>
+          <p:cNvGrpSpPr/>
+          <p:nvPr/>
+        </p:nvGrpSpPr>
+        <p:grpSpPr>
+          <a:xfrm>
+            <a:off x="488043" y="9427910"/>
+            <a:ext cx="8396147" cy="6109270"/>
+            <a:chOff x="488043" y="9427910"/>
+            <a:chExt cx="8396147" cy="6109270"/>
+          </a:xfrm>
+        </p:grpSpPr>
+        <p:grpSp>
+          <p:nvGrpSpPr>
+            <p:cNvPr id="62" name="Group 61"/>
+            <p:cNvGrpSpPr/>
+            <p:nvPr/>
+          </p:nvGrpSpPr>
+          <p:grpSpPr>
+            <a:xfrm>
+              <a:off x="488043" y="9427910"/>
+              <a:ext cx="8396147" cy="6109270"/>
+              <a:chOff x="488043" y="9427910"/>
+              <a:chExt cx="8396147" cy="6065134"/>
+            </a:xfrm>
+          </p:grpSpPr>
+          <p:grpSp>
+            <p:nvGrpSpPr>
+              <p:cNvPr id="52" name="Group 51"/>
+              <p:cNvGrpSpPr/>
+              <p:nvPr/>
+            </p:nvGrpSpPr>
+            <p:grpSpPr>
+              <a:xfrm>
+                <a:off x="488043" y="9427910"/>
+                <a:ext cx="8396147" cy="6065134"/>
+                <a:chOff x="328878" y="4182168"/>
+                <a:chExt cx="8396147" cy="6065134"/>
+              </a:xfrm>
+            </p:grpSpPr>
+            <p:sp>
+              <p:nvSpPr>
+                <p:cNvPr id="53" name="Rectangle 52"/>
+                <p:cNvSpPr/>
+                <p:nvPr/>
+              </p:nvSpPr>
+              <p:spPr>
+                <a:xfrm>
+                  <a:off x="328878" y="5027120"/>
+                  <a:ext cx="8391646" cy="5220182"/>
+                </a:xfrm>
+                <a:prstGeom prst="rect">
+                  <a:avLst/>
+                </a:prstGeom>
+                <a:noFill/>
+              </p:spPr>
+              <p:style>
+                <a:lnRef idx="2">
+                  <a:schemeClr val="accent1">
+                    <a:shade val="50000"/>
+                  </a:schemeClr>
+                </a:lnRef>
+                <a:fillRef idx="1">
+                  <a:schemeClr val="accent1"/>
+                </a:fillRef>
+                <a:effectRef idx="0">
+                  <a:schemeClr val="accent1"/>
+                </a:effectRef>
+                <a:fontRef idx="minor">
+                  <a:schemeClr val="lt1"/>
+                </a:fontRef>
+              </p:style>
+              <p:txBody>
+                <a:bodyPr rtlCol="0" anchor="ctr"/>
+                <a:lstStyle/>
+                <a:p>
+                  <a:pPr algn="ctr"/>
+                  <a:endParaRPr lang="en-US"/>
+                </a:p>
+              </p:txBody>
+            </p:sp>
+            <p:sp>
+              <p:nvSpPr>
+                <p:cNvPr id="54" name="Rectangle 53"/>
+                <p:cNvSpPr/>
+                <p:nvPr/>
+              </p:nvSpPr>
+              <p:spPr>
+                <a:xfrm>
+                  <a:off x="333379" y="4182168"/>
+                  <a:ext cx="8391646" cy="844951"/>
+                </a:xfrm>
+                <a:prstGeom prst="rect">
+                  <a:avLst/>
+                </a:prstGeom>
+              </p:spPr>
+              <p:style>
+                <a:lnRef idx="2">
+                  <a:schemeClr val="accent1">
+                    <a:shade val="50000"/>
+                  </a:schemeClr>
+                </a:lnRef>
+                <a:fillRef idx="1">
+                  <a:schemeClr val="accent1"/>
+                </a:fillRef>
+                <a:effectRef idx="0">
+                  <a:schemeClr val="accent1"/>
+                </a:effectRef>
+                <a:fontRef idx="minor">
+                  <a:schemeClr val="lt1"/>
+                </a:fontRef>
+              </p:style>
+              <p:txBody>
+                <a:bodyPr rtlCol="0" anchor="ctr"/>
+                <a:lstStyle/>
+                <a:p>
+                  <a:pPr algn="ctr"/>
+                  <a:r>
+                    <a:rPr lang="en-US" sz="3600" dirty="0"/>
+                    <a:t>Data</a:t>
+                  </a:r>
+                  <a:r>
+                    <a:rPr lang="en-US" sz="3600" dirty="0"/>
+                    <a:t> Set</a:t>
+                  </a:r>
+                  <a:endParaRPr lang="en-US" sz="3600" dirty="0"/>
+                </a:p>
+              </p:txBody>
+            </p:sp>
+          </p:grpSp>
+          <p:sp>
+            <p:nvSpPr>
+              <p:cNvPr id="36" name="TextBox 35"/>
+              <p:cNvSpPr txBox="1"/>
+              <p:nvPr/>
+            </p:nvSpPr>
+            <p:spPr>
+              <a:xfrm>
+                <a:off x="1577340" y="10547271"/>
+                <a:ext cx="7129425" cy="2536090"/>
+              </a:xfrm>
+              <a:prstGeom prst="rect">
+                <a:avLst/>
+              </a:prstGeom>
+              <a:noFill/>
+            </p:spPr>
+            <p:txBody>
+              <a:bodyPr wrap="square" rtlCol="0">
+                <a:spAutoFit/>
+              </a:bodyPr>
+              <a:lstStyle/>
+              <a:p>
+                <a:pPr algn="just"/>
+                <a:r>
+                  <a:rPr lang="en-US" sz="3200" dirty="0" smtClean="0"/>
+                  <a:t>Digits          MNIST</a:t>
+                </a:r>
+                <a:br>
+                  <a:rPr lang="en-US" sz="3200" dirty="0" smtClean="0"/>
+                </a:br>
+                <a:r>
+                  <a:rPr lang="en-US" sz="3200" dirty="0" smtClean="0"/>
+                  <a:t>English         Chars74K, Write-Math</a:t>
+                </a:r>
+                <a:br>
+                  <a:rPr lang="en-US" sz="3200" dirty="0" smtClean="0"/>
+                </a:br>
+                <a:r>
+                  <a:rPr lang="en-US" sz="3200" dirty="0" smtClean="0"/>
+                  <a:t>Greek         </a:t>
+                </a:r>
+                <a:r>
+                  <a:rPr lang="en-US" sz="3200" dirty="0" err="1" smtClean="0"/>
+                  <a:t>Detexify</a:t>
+                </a:r>
+                <a:r>
+                  <a:rPr lang="en-US" sz="3200" dirty="0"/>
+                  <a:t/>
+                </a:r>
+                <a:br>
+                  <a:rPr lang="en-US" sz="3200" dirty="0"/>
+                </a:br>
+                <a:r>
+                  <a:rPr lang="en-US" sz="3200" dirty="0" smtClean="0"/>
+                  <a:t>Math Symbols           Write-Math</a:t>
+                </a:r>
+                <a:br>
+                  <a:rPr lang="en-US" sz="3200" dirty="0" smtClean="0"/>
+                </a:br>
+                <a:endParaRPr lang="en-US" sz="3200" dirty="0" smtClean="0"/>
+              </a:p>
+            </p:txBody>
+          </p:sp>
+        </p:grpSp>
+        <mc:AlternateContent xmlns:mc="http://schemas.openxmlformats.org/markup-compatibility/2006">
+          <mc:Choice xmlns:a14="http://schemas.microsoft.com/office/drawing/2010/main" Requires="a14">
+            <p:sp>
+              <p:nvSpPr>
+                <p:cNvPr id="1025" name="TextBox 1024"/>
+                <p:cNvSpPr txBox="1"/>
+                <p:nvPr/>
+              </p:nvSpPr>
+              <p:spPr>
+                <a:xfrm>
+                  <a:off x="853440" y="10566847"/>
+                  <a:ext cx="723900" cy="2080891"/>
+                </a:xfrm>
+                <a:prstGeom prst="rect">
+                  <a:avLst/>
+                </a:prstGeom>
+                <a:noFill/>
+              </p:spPr>
+              <p:txBody>
+                <a:bodyPr wrap="square" rtlCol="0">
+                  <a:spAutoFit/>
+                </a:bodyPr>
+                <a:lstStyle/>
+                <a:p>
+                  <a:pPr algn="ctr"/>
+                  <a:r>
+                    <a:rPr lang="en-US" sz="3200" b="1" dirty="0" smtClean="0">
+                      <a:effectLst>
+                        <a:outerShdw blurRad="38100" dist="38100" dir="2700000" algn="tl">
+                          <a:srgbClr val="000000">
+                            <a:alpha val="43137"/>
+                          </a:srgbClr>
+                        </a:outerShdw>
+                      </a:effectLst>
+                    </a:rPr>
+                    <a:t>7</a:t>
+                  </a:r>
+                </a:p>
+                <a:p>
+                  <a:pPr algn="ctr"/>
+                  <a:r>
+                    <a:rPr lang="en-US" sz="3200" b="1" dirty="0" smtClean="0">
+                      <a:effectLst>
+                        <a:outerShdw blurRad="38100" dist="38100" dir="2700000" algn="tl">
+                          <a:srgbClr val="000000">
+                            <a:alpha val="43137"/>
+                          </a:srgbClr>
+                        </a:outerShdw>
+                      </a:effectLst>
+                    </a:rPr>
+                    <a:t>K</a:t>
+                  </a:r>
+                </a:p>
+                <a:p>
+                  <a:pPr algn="ctr"/>
+                  <a:r>
+                    <a:rPr lang="en-US" sz="3200" b="1" dirty="0" smtClean="0">
+                      <a:effectLst>
+                        <a:outerShdw blurRad="38100" dist="38100" dir="2700000" algn="tl">
+                          <a:srgbClr val="000000">
+                            <a:alpha val="43137"/>
+                          </a:srgbClr>
+                        </a:outerShdw>
+                      </a:effectLst>
+                    </a:rPr>
+                    <a:t>Ψ</a:t>
+                  </a:r>
+                </a:p>
+                <a:p>
+                  <a:pPr algn="ctr"/>
+                  <a14:m>
+                    <m:oMathPara xmlns:m="http://schemas.openxmlformats.org/officeDocument/2006/math">
+                      <m:oMathParaPr>
+                        <m:jc m:val="centerGroup"/>
+                      </m:oMathParaPr>
+                      <m:oMath xmlns:m="http://schemas.openxmlformats.org/officeDocument/2006/math">
+                        <m:r>
+                          <a:rPr lang="en-US" sz="3200" b="1" i="1" smtClean="0">
+                            <a:effectLst>
+                              <a:outerShdw blurRad="38100" dist="38100" dir="2700000" algn="tl">
+                                <a:srgbClr val="000000">
+                                  <a:alpha val="43137"/>
+                                </a:srgbClr>
+                              </a:outerShdw>
+                            </a:effectLst>
+                          </a:rPr>
+                          <m:t>∫</m:t>
+                        </m:r>
+                      </m:oMath>
+                    </m:oMathPara>
+                  </a14:m>
+                  <a:endParaRPr lang="en-US" sz="3200" b="1" i="1" dirty="0">
+                    <a:effectLst>
+                      <a:outerShdw blurRad="38100" dist="38100" dir="2700000" algn="tl">
+                        <a:srgbClr val="000000">
+                          <a:alpha val="43137"/>
+                        </a:srgbClr>
+                      </a:outerShdw>
+                    </a:effectLst>
+                  </a:endParaRPr>
+                </a:p>
+              </p:txBody>
+            </p:sp>
+          </mc:Choice>
+          <mc:Fallback>
+            <p:sp>
+              <p:nvSpPr>
+                <p:cNvPr id="1025" name="TextBox 1024"/>
+                <p:cNvSpPr txBox="1">
+                  <a:spLocks noRot="1" noChangeAspect="1" noMove="1" noResize="1" noEditPoints="1" noAdjustHandles="1" noChangeArrowheads="1" noChangeShapeType="1" noTextEdit="1"/>
+                </p:cNvSpPr>
+                <p:nvPr/>
+              </p:nvSpPr>
+              <p:spPr>
+                <a:xfrm>
+                  <a:off x="853440" y="10566847"/>
+                  <a:ext cx="723900" cy="2080891"/>
+                </a:xfrm>
+                <a:prstGeom prst="rect">
+                  <a:avLst/>
+                </a:prstGeom>
+                <a:blipFill rotWithShape="0">
+                  <a:blip r:embed="rId20"/>
+                  <a:stretch>
+                    <a:fillRect l="-12605" t="-4094" r="-7563"/>
+                  </a:stretch>
+                </a:blipFill>
+              </p:spPr>
+              <p:txBody>
+                <a:bodyPr/>
+                <a:lstStyle/>
+                <a:p>
+                  <a:r>
+                    <a:rPr lang="en-US">
+                      <a:noFill/>
+                    </a:rPr>
+                    <a:t> </a:t>
+                  </a:r>
+                </a:p>
+              </p:txBody>
+            </p:sp>
+          </mc:Fallback>
+        </mc:AlternateContent>
+      </p:grpSp>
+      <p:sp>
+        <p:nvSpPr>
+          <p:cNvPr id="1031" name="Rectangle 1030"/>
+          <p:cNvSpPr/>
+          <p:nvPr/>
+        </p:nvSpPr>
+        <p:spPr>
+          <a:xfrm>
+            <a:off x="315194" y="16033010"/>
+            <a:ext cx="184731" cy="757130"/>
           </a:xfrm>
           <a:prstGeom prst="rect">
             <a:avLst/>
           </a:prstGeom>
         </p:spPr>
-      </p:pic>
-      <p:pic>
-        <p:nvPicPr>
-          <p:cNvPr id="1038" name="Picture 14" descr="http://pythonhow.com/wp-content/uploads/2016/01/python-logo-python-how.png"/>
-          <p:cNvPicPr>
-            <a:picLocks noChangeAspect="1" noChangeArrowheads="1"/>
-          </p:cNvPicPr>
+        <p:txBody>
+          <a:bodyPr wrap="none">
+            <a:spAutoFit/>
+          </a:bodyPr>
+          <a:lstStyle/>
+          <a:p>
+            <a:endParaRPr lang="en-US" dirty="0"/>
+          </a:p>
+        </p:txBody>
+      </p:sp>
+      <p:grpSp>
+        <p:nvGrpSpPr>
+          <p:cNvPr id="1042" name="Group 1041"/>
+          <p:cNvGrpSpPr/>
           <p:nvPr/>
-        </p:nvPicPr>
-        <p:blipFill>
-          <a:blip r:embed="rId13">
-            <a:extLst>
-              <a:ext uri="{28A0092B-C50C-407E-A947-70E740481C1C}">
-                <a14:useLocalDpi xmlns:a14="http://schemas.microsoft.com/office/drawing/2010/main" val="0"/>
-              </a:ext>
-            </a:extLst>
-          </a:blip>
-          <a:srcRect/>
-          <a:stretch>
-            <a:fillRect/>
-          </a:stretch>
-        </p:blipFill>
-        <p:spPr bwMode="auto">
+        </p:nvGrpSpPr>
+        <p:grpSpPr>
           <a:xfrm>
-            <a:off x="11488861" y="3871744"/>
-            <a:ext cx="1524000" cy="1524000"/>
+            <a:off x="672477" y="17176830"/>
+            <a:ext cx="8040724" cy="1132943"/>
+            <a:chOff x="-2279886" y="17176829"/>
+            <a:chExt cx="11002059" cy="1550197"/>
+          </a:xfrm>
+        </p:grpSpPr>
+        <p:sp>
+          <p:nvSpPr>
+            <p:cNvPr id="1035" name="Rectangle 1034"/>
+            <p:cNvSpPr/>
+            <p:nvPr/>
+          </p:nvSpPr>
+          <p:spPr>
+            <a:xfrm>
+              <a:off x="-2279886" y="17176829"/>
+              <a:ext cx="1550197" cy="1550197"/>
+            </a:xfrm>
+            <a:prstGeom prst="rect">
+              <a:avLst/>
+            </a:prstGeom>
+          </p:spPr>
+          <p:style>
+            <a:lnRef idx="1">
+              <a:schemeClr val="accent1"/>
+            </a:lnRef>
+            <a:fillRef idx="2">
+              <a:schemeClr val="accent1"/>
+            </a:fillRef>
+            <a:effectRef idx="1">
+              <a:schemeClr val="accent1"/>
+            </a:effectRef>
+            <a:fontRef idx="minor">
+              <a:schemeClr val="dk1"/>
+            </a:fontRef>
+          </p:style>
+          <p:txBody>
+            <a:bodyPr rtlCol="0" anchor="ctr"/>
+            <a:lstStyle/>
+            <a:p>
+              <a:pPr algn="ctr"/>
+              <a:endParaRPr lang="en-US"/>
+            </a:p>
+          </p:txBody>
+        </p:sp>
+        <p:sp>
+          <p:nvSpPr>
+            <p:cNvPr id="1036" name="Right Arrow 1035"/>
+            <p:cNvSpPr/>
+            <p:nvPr/>
+          </p:nvSpPr>
+          <p:spPr>
+            <a:xfrm>
+              <a:off x="-515867" y="17676611"/>
+              <a:ext cx="1145467" cy="474613"/>
+            </a:xfrm>
+            <a:prstGeom prst="rightArrow">
+              <a:avLst/>
+            </a:prstGeom>
+          </p:spPr>
+          <p:style>
+            <a:lnRef idx="1">
+              <a:schemeClr val="accent1"/>
+            </a:lnRef>
+            <a:fillRef idx="2">
+              <a:schemeClr val="accent1"/>
+            </a:fillRef>
+            <a:effectRef idx="1">
+              <a:schemeClr val="accent1"/>
+            </a:effectRef>
+            <a:fontRef idx="minor">
+              <a:schemeClr val="dk1"/>
+            </a:fontRef>
+          </p:style>
+          <p:txBody>
+            <a:bodyPr rtlCol="0" anchor="ctr"/>
+            <a:lstStyle/>
+            <a:p>
+              <a:pPr algn="ctr"/>
+              <a:endParaRPr lang="en-US"/>
+            </a:p>
+          </p:txBody>
+        </p:sp>
+        <p:sp>
+          <p:nvSpPr>
+            <p:cNvPr id="78" name="Rectangle 77"/>
+            <p:cNvSpPr/>
+            <p:nvPr/>
+          </p:nvSpPr>
+          <p:spPr>
+            <a:xfrm>
+              <a:off x="772413" y="17176829"/>
+              <a:ext cx="1550197" cy="1550197"/>
+            </a:xfrm>
+            <a:prstGeom prst="rect">
+              <a:avLst/>
+            </a:prstGeom>
+          </p:spPr>
+          <p:style>
+            <a:lnRef idx="1">
+              <a:schemeClr val="accent1"/>
+            </a:lnRef>
+            <a:fillRef idx="2">
+              <a:schemeClr val="accent1"/>
+            </a:fillRef>
+            <a:effectRef idx="1">
+              <a:schemeClr val="accent1"/>
+            </a:effectRef>
+            <a:fontRef idx="minor">
+              <a:schemeClr val="dk1"/>
+            </a:fontRef>
+          </p:style>
+          <p:txBody>
+            <a:bodyPr rtlCol="0" anchor="ctr"/>
+            <a:lstStyle/>
+            <a:p>
+              <a:pPr algn="ctr"/>
+              <a:endParaRPr lang="en-US"/>
+            </a:p>
+          </p:txBody>
+        </p:sp>
+        <p:sp>
+          <p:nvSpPr>
+            <p:cNvPr id="79" name="Right Arrow 78"/>
+            <p:cNvSpPr/>
+            <p:nvPr/>
+          </p:nvSpPr>
+          <p:spPr>
+            <a:xfrm>
+              <a:off x="2543836" y="17676611"/>
+              <a:ext cx="1145467" cy="474613"/>
+            </a:xfrm>
+            <a:prstGeom prst="rightArrow">
+              <a:avLst/>
+            </a:prstGeom>
+          </p:spPr>
+          <p:style>
+            <a:lnRef idx="1">
+              <a:schemeClr val="accent1"/>
+            </a:lnRef>
+            <a:fillRef idx="2">
+              <a:schemeClr val="accent1"/>
+            </a:fillRef>
+            <a:effectRef idx="1">
+              <a:schemeClr val="accent1"/>
+            </a:effectRef>
+            <a:fontRef idx="minor">
+              <a:schemeClr val="dk1"/>
+            </a:fontRef>
+          </p:style>
+          <p:txBody>
+            <a:bodyPr rtlCol="0" anchor="ctr"/>
+            <a:lstStyle/>
+            <a:p>
+              <a:pPr algn="ctr"/>
+              <a:endParaRPr lang="en-US"/>
+            </a:p>
+          </p:txBody>
+        </p:sp>
+        <p:sp>
+          <p:nvSpPr>
+            <p:cNvPr id="80" name="Rectangle 79"/>
+            <p:cNvSpPr/>
+            <p:nvPr/>
+          </p:nvSpPr>
+          <p:spPr>
+            <a:xfrm>
+              <a:off x="3832119" y="17176829"/>
+              <a:ext cx="1550197" cy="1550197"/>
+            </a:xfrm>
+            <a:prstGeom prst="rect">
+              <a:avLst/>
+            </a:prstGeom>
+          </p:spPr>
+          <p:style>
+            <a:lnRef idx="1">
+              <a:schemeClr val="accent1"/>
+            </a:lnRef>
+            <a:fillRef idx="2">
+              <a:schemeClr val="accent1"/>
+            </a:fillRef>
+            <a:effectRef idx="1">
+              <a:schemeClr val="accent1"/>
+            </a:effectRef>
+            <a:fontRef idx="minor">
+              <a:schemeClr val="dk1"/>
+            </a:fontRef>
+          </p:style>
+          <p:txBody>
+            <a:bodyPr rtlCol="0" anchor="ctr"/>
+            <a:lstStyle/>
+            <a:p>
+              <a:pPr algn="ctr"/>
+              <a:endParaRPr lang="en-US"/>
+            </a:p>
+          </p:txBody>
+        </p:sp>
+        <p:sp>
+          <p:nvSpPr>
+            <p:cNvPr id="1037" name="Flowchart: Magnetic Disk 1036"/>
+            <p:cNvSpPr/>
+            <p:nvPr/>
+          </p:nvSpPr>
+          <p:spPr>
+            <a:xfrm>
+              <a:off x="6829969" y="17206611"/>
+              <a:ext cx="1892204" cy="1520415"/>
+            </a:xfrm>
+            <a:prstGeom prst="flowChartMagneticDisk">
+              <a:avLst/>
+            </a:prstGeom>
+          </p:spPr>
+          <p:style>
+            <a:lnRef idx="1">
+              <a:schemeClr val="accent1"/>
+            </a:lnRef>
+            <a:fillRef idx="2">
+              <a:schemeClr val="accent1"/>
+            </a:fillRef>
+            <a:effectRef idx="1">
+              <a:schemeClr val="accent1"/>
+            </a:effectRef>
+            <a:fontRef idx="minor">
+              <a:schemeClr val="dk1"/>
+            </a:fontRef>
+          </p:style>
+          <p:txBody>
+            <a:bodyPr rtlCol="0" anchor="ctr"/>
+            <a:lstStyle/>
+            <a:p>
+              <a:pPr algn="ctr"/>
+              <a:r>
+                <a:rPr lang="en-US" sz="2400" dirty="0" smtClean="0"/>
+                <a:t>LMDB</a:t>
+              </a:r>
+              <a:endParaRPr lang="en-US" sz="3600" dirty="0"/>
+            </a:p>
+          </p:txBody>
+        </p:sp>
+        <p:sp>
+          <p:nvSpPr>
+            <p:cNvPr id="84" name="Right Arrow 83"/>
+            <p:cNvSpPr/>
+            <p:nvPr/>
+          </p:nvSpPr>
+          <p:spPr>
+            <a:xfrm>
+              <a:off x="5520212" y="17714620"/>
+              <a:ext cx="1145467" cy="474613"/>
+            </a:xfrm>
+            <a:prstGeom prst="rightArrow">
+              <a:avLst/>
+            </a:prstGeom>
+          </p:spPr>
+          <p:style>
+            <a:lnRef idx="1">
+              <a:schemeClr val="accent1"/>
+            </a:lnRef>
+            <a:fillRef idx="2">
+              <a:schemeClr val="accent1"/>
+            </a:fillRef>
+            <a:effectRef idx="1">
+              <a:schemeClr val="accent1"/>
+            </a:effectRef>
+            <a:fontRef idx="minor">
+              <a:schemeClr val="dk1"/>
+            </a:fontRef>
+          </p:style>
+          <p:txBody>
+            <a:bodyPr rtlCol="0" anchor="ctr"/>
+            <a:lstStyle/>
+            <a:p>
+              <a:pPr algn="ctr"/>
+              <a:endParaRPr lang="en-US"/>
+            </a:p>
+          </p:txBody>
+        </p:sp>
+      </p:grpSp>
+      <p:sp>
+        <p:nvSpPr>
+          <p:cNvPr id="1041" name="TextBox 1040"/>
+          <p:cNvSpPr txBox="1"/>
+          <p:nvPr/>
+        </p:nvSpPr>
+        <p:spPr>
+          <a:xfrm>
+            <a:off x="9572423" y="9062977"/>
+            <a:ext cx="7938558" cy="1815882"/>
           </a:xfrm>
           <a:prstGeom prst="rect">
             <a:avLst/>
           </a:prstGeom>
           <a:noFill/>
-          <a:extLst>
-            <a:ext uri="{909E8E84-426E-40DD-AFC4-6F175D3DCCD1}">
-              <a14:hiddenFill xmlns:a14="http://schemas.microsoft.com/office/drawing/2010/main">
-                <a:solidFill>
-                  <a:srgbClr val="FFFFFF"/>
-                </a:solidFill>
-              </a14:hiddenFill>
-            </a:ext>
-          </a:extLst>
         </p:spPr>
-      </p:pic>
-      <p:pic>
-        <p:nvPicPr>
-          <p:cNvPr id="30" name="Picture 29"/>
-          <p:cNvPicPr>
-            <a:picLocks noChangeAspect="1"/>
-          </p:cNvPicPr>
+        <p:txBody>
+          <a:bodyPr wrap="square" rtlCol="0">
+            <a:spAutoFit/>
+          </a:bodyPr>
+          <a:lstStyle/>
+          <a:p>
+            <a:r>
+              <a:rPr lang="en-US" sz="2800" dirty="0" smtClean="0"/>
+              <a:t>We use the spanning tree algorithm, which treat the image as a graph, and assign edge to every two adjacent pixels, according to their difference in color. </a:t>
+            </a:r>
+            <a:endParaRPr lang="en-US" sz="2800" dirty="0"/>
+          </a:p>
+        </p:txBody>
+      </p:sp>
+      <p:sp>
+        <p:nvSpPr>
+          <p:cNvPr id="1043" name="Rectangle 1042"/>
+          <p:cNvSpPr/>
           <p:nvPr/>
-        </p:nvPicPr>
-        <p:blipFill>
-          <a:blip r:embed="rId14"/>
-          <a:stretch>
-            <a:fillRect/>
-          </a:stretch>
-        </p:blipFill>
+        </p:nvSpPr>
         <p:spPr>
           <a:xfrm>
-            <a:off x="9518176" y="4240710"/>
-            <a:ext cx="1805667" cy="904875"/>
+            <a:off x="492551" y="4140122"/>
+            <a:ext cx="8387138" cy="1682496"/>
           </a:xfrm>
           <a:prstGeom prst="rect">
             <a:avLst/>
           </a:prstGeom>
         </p:spPr>
-      </p:pic>
+        <p:style>
+          <a:lnRef idx="2">
+            <a:schemeClr val="accent3">
+              <a:shade val="50000"/>
+            </a:schemeClr>
+          </a:lnRef>
+          <a:fillRef idx="1">
+            <a:schemeClr val="accent3"/>
+          </a:fillRef>
+          <a:effectRef idx="0">
+            <a:schemeClr val="accent3"/>
+          </a:effectRef>
+          <a:fontRef idx="minor">
+            <a:schemeClr val="lt1"/>
+          </a:fontRef>
+        </p:style>
+        <p:txBody>
+          <a:bodyPr rtlCol="0" anchor="ctr"/>
+          <a:lstStyle/>
+          <a:p>
+            <a:pPr algn="ctr"/>
+            <a:r>
+              <a:rPr lang="en-US" dirty="0" smtClean="0"/>
+              <a:t>CNN Diagram</a:t>
+            </a:r>
+            <a:endParaRPr lang="en-US" dirty="0"/>
+          </a:p>
+        </p:txBody>
+      </p:sp>
+      <p:sp>
+        <p:nvSpPr>
+          <p:cNvPr id="88" name="Rectangle 87"/>
+          <p:cNvSpPr/>
+          <p:nvPr/>
+        </p:nvSpPr>
+        <p:spPr>
+          <a:xfrm>
+            <a:off x="492551" y="6169297"/>
+            <a:ext cx="8387138" cy="2893680"/>
+          </a:xfrm>
+          <a:prstGeom prst="rect">
+            <a:avLst/>
+          </a:prstGeom>
+        </p:spPr>
+        <p:style>
+          <a:lnRef idx="2">
+            <a:schemeClr val="accent3">
+              <a:shade val="50000"/>
+            </a:schemeClr>
+          </a:lnRef>
+          <a:fillRef idx="1">
+            <a:schemeClr val="accent3"/>
+          </a:fillRef>
+          <a:effectRef idx="0">
+            <a:schemeClr val="accent3"/>
+          </a:effectRef>
+          <a:fontRef idx="minor">
+            <a:schemeClr val="lt1"/>
+          </a:fontRef>
+        </p:style>
+        <p:txBody>
+          <a:bodyPr rtlCol="0" anchor="ctr"/>
+          <a:lstStyle/>
+          <a:p>
+            <a:pPr algn="ctr"/>
+            <a:r>
+              <a:rPr lang="en-US" altLang="zh-CN" dirty="0" smtClean="0"/>
+              <a:t>Expression recognition effect</a:t>
+            </a:r>
+            <a:endParaRPr lang="en-US" dirty="0"/>
+          </a:p>
+        </p:txBody>
+      </p:sp>
     </p:spTree>
     <p:extLst>
       <p:ext uri="{BB962C8B-B14F-4D97-AF65-F5344CB8AC3E}">

--- a/poster/poster.pptx
+++ b/poster/poster.pptx
@@ -1342,6 +1342,13 @@
         </dgm:presLayoutVars>
       </dgm:prSet>
       <dgm:spPr/>
+      <dgm:t>
+        <a:bodyPr/>
+        <a:lstStyle/>
+        <a:p>
+          <a:endParaRPr lang="en-US"/>
+        </a:p>
+      </dgm:t>
     </dgm:pt>
     <dgm:pt modelId="{17FD7C46-E6A3-40E6-9F55-7DCFD9E381C2}" type="pres">
       <dgm:prSet presAssocID="{981DB6CD-A27B-4512-B6C9-0097108651FD}" presName="boxAndChildren" presStyleCnt="0"/>
@@ -1350,6 +1357,13 @@
     <dgm:pt modelId="{7C57543A-ED28-4CFF-B093-E551673255D0}" type="pres">
       <dgm:prSet presAssocID="{981DB6CD-A27B-4512-B6C9-0097108651FD}" presName="parentTextBox" presStyleLbl="node1" presStyleIdx="0" presStyleCnt="11"/>
       <dgm:spPr/>
+      <dgm:t>
+        <a:bodyPr/>
+        <a:lstStyle/>
+        <a:p>
+          <a:endParaRPr lang="en-US"/>
+        </a:p>
+      </dgm:t>
     </dgm:pt>
     <dgm:pt modelId="{CE699A21-2BAF-423F-9DCE-E489B4DDD4AA}" type="pres">
       <dgm:prSet presAssocID="{6DE6A9D8-A704-4B2D-A86C-89AEBB3108CE}" presName="sp" presStyleCnt="0"/>
@@ -1362,6 +1376,13 @@
     <dgm:pt modelId="{9767010E-1D5F-4337-9728-42DB28E8CF5A}" type="pres">
       <dgm:prSet presAssocID="{8582A342-8DBB-47DA-8F18-4BAA601E1C7E}" presName="parentTextArrow" presStyleLbl="node1" presStyleIdx="1" presStyleCnt="11"/>
       <dgm:spPr/>
+      <dgm:t>
+        <a:bodyPr/>
+        <a:lstStyle/>
+        <a:p>
+          <a:endParaRPr lang="en-US"/>
+        </a:p>
+      </dgm:t>
     </dgm:pt>
     <dgm:pt modelId="{0351350D-F57E-4E46-A578-69DF4E8ADF99}" type="pres">
       <dgm:prSet presAssocID="{0D99397A-FF43-41EB-B154-5371C2884A0A}" presName="sp" presStyleCnt="0"/>
@@ -1374,6 +1395,13 @@
     <dgm:pt modelId="{FC27AB8D-CB55-4A4B-8F35-D05607D8A323}" type="pres">
       <dgm:prSet presAssocID="{1FC2B61B-3719-4BE7-AAD8-C73FD4CBD272}" presName="parentTextArrow" presStyleLbl="node1" presStyleIdx="2" presStyleCnt="11"/>
       <dgm:spPr/>
+      <dgm:t>
+        <a:bodyPr/>
+        <a:lstStyle/>
+        <a:p>
+          <a:endParaRPr lang="en-US"/>
+        </a:p>
+      </dgm:t>
     </dgm:pt>
     <dgm:pt modelId="{E0E0AD5E-DBF0-45E3-A40E-5ECEE6E32AB3}" type="pres">
       <dgm:prSet presAssocID="{F771E2D1-7F91-4A66-832E-00DF606FCDCA}" presName="sp" presStyleCnt="0"/>
@@ -1386,6 +1414,13 @@
     <dgm:pt modelId="{56AE7A06-074B-4CB8-B04B-D6114174F388}" type="pres">
       <dgm:prSet presAssocID="{2F977DFB-15DF-4232-AC33-3D25A36FDA07}" presName="parentTextArrow" presStyleLbl="node1" presStyleIdx="3" presStyleCnt="11"/>
       <dgm:spPr/>
+      <dgm:t>
+        <a:bodyPr/>
+        <a:lstStyle/>
+        <a:p>
+          <a:endParaRPr lang="en-US"/>
+        </a:p>
+      </dgm:t>
     </dgm:pt>
     <dgm:pt modelId="{F661F60C-6D7D-4465-B332-4A530F0E2543}" type="pres">
       <dgm:prSet presAssocID="{6CC74341-9AF7-421C-A0CD-C41950CC7394}" presName="sp" presStyleCnt="0"/>
@@ -1398,6 +1433,13 @@
     <dgm:pt modelId="{F70B6B05-8149-4D85-9360-43E69509DE87}" type="pres">
       <dgm:prSet presAssocID="{0AD1023A-A4AB-4CA1-90AF-610FEC1F8CCA}" presName="parentTextArrow" presStyleLbl="node1" presStyleIdx="4" presStyleCnt="11"/>
       <dgm:spPr/>
+      <dgm:t>
+        <a:bodyPr/>
+        <a:lstStyle/>
+        <a:p>
+          <a:endParaRPr lang="en-US"/>
+        </a:p>
+      </dgm:t>
     </dgm:pt>
     <dgm:pt modelId="{04AF7657-C567-4322-85A3-37572E5DEEA3}" type="pres">
       <dgm:prSet presAssocID="{006B5180-57C5-4FB7-AD18-5FCFCF4223B2}" presName="sp" presStyleCnt="0"/>
@@ -1429,6 +1471,13 @@
     <dgm:pt modelId="{3A9C8C40-585A-47AA-93DF-4220EB1A94A4}" type="pres">
       <dgm:prSet presAssocID="{AE3FA33F-C051-4CFB-91FE-4D90AF2C34BD}" presName="parentTextArrow" presStyleLbl="node1" presStyleIdx="6" presStyleCnt="11"/>
       <dgm:spPr/>
+      <dgm:t>
+        <a:bodyPr/>
+        <a:lstStyle/>
+        <a:p>
+          <a:endParaRPr lang="en-US"/>
+        </a:p>
+      </dgm:t>
     </dgm:pt>
     <dgm:pt modelId="{BCBC46D3-F5C8-495C-A9D2-E1F51A90C400}" type="pres">
       <dgm:prSet presAssocID="{5DB71155-739C-44AE-9898-C878D7CB61BE}" presName="sp" presStyleCnt="0"/>
@@ -1441,6 +1490,13 @@
     <dgm:pt modelId="{2D06382B-A0F3-4A43-9A02-B0FA57AF8AD2}" type="pres">
       <dgm:prSet presAssocID="{12D2C7EB-BF37-4861-9FC4-3499AEE6E0EA}" presName="parentTextArrow" presStyleLbl="node1" presStyleIdx="7" presStyleCnt="11"/>
       <dgm:spPr/>
+      <dgm:t>
+        <a:bodyPr/>
+        <a:lstStyle/>
+        <a:p>
+          <a:endParaRPr lang="en-US"/>
+        </a:p>
+      </dgm:t>
     </dgm:pt>
     <dgm:pt modelId="{AEB6EE7F-BF0E-47E6-920C-E53EB9DE5EEE}" type="pres">
       <dgm:prSet presAssocID="{6799C9C2-146E-412C-AFA2-5D037D32CF49}" presName="sp" presStyleCnt="0"/>
@@ -1453,6 +1509,13 @@
     <dgm:pt modelId="{62336800-8315-4086-85D7-DDDE579119DE}" type="pres">
       <dgm:prSet presAssocID="{068E3759-63DD-4896-A94D-9E65AA3C18A9}" presName="parentTextArrow" presStyleLbl="node1" presStyleIdx="8" presStyleCnt="11"/>
       <dgm:spPr/>
+      <dgm:t>
+        <a:bodyPr/>
+        <a:lstStyle/>
+        <a:p>
+          <a:endParaRPr lang="en-US"/>
+        </a:p>
+      </dgm:t>
     </dgm:pt>
     <dgm:pt modelId="{9C91C4CA-0EB8-4DC0-BFD9-6DA9D62D4799}" type="pres">
       <dgm:prSet presAssocID="{509E6158-A0EC-4166-9094-D4C51EFCE0A6}" presName="sp" presStyleCnt="0"/>
@@ -1465,6 +1528,13 @@
     <dgm:pt modelId="{03EA0F1D-D3AC-4023-859E-3B4FED21DBF3}" type="pres">
       <dgm:prSet presAssocID="{0C532606-D04A-40D0-8C72-021A2262873D}" presName="parentTextArrow" presStyleLbl="node1" presStyleIdx="9" presStyleCnt="11" custAng="0" custLinFactNeighborY="1694"/>
       <dgm:spPr/>
+      <dgm:t>
+        <a:bodyPr/>
+        <a:lstStyle/>
+        <a:p>
+          <a:endParaRPr lang="en-US"/>
+        </a:p>
+      </dgm:t>
     </dgm:pt>
     <dgm:pt modelId="{5F6A6F57-8355-467F-8452-2308CADD87F8}" type="pres">
       <dgm:prSet presAssocID="{E1C97D4C-7521-400D-9A7F-0BC2F0D4C89D}" presName="sp" presStyleCnt="0"/>
@@ -1477,30 +1547,37 @@
     <dgm:pt modelId="{0D64D249-E921-494A-A29A-8E7418376101}" type="pres">
       <dgm:prSet presAssocID="{A79C3C62-D7C2-4E79-AFB0-A73EF3C4D564}" presName="parentTextArrow" presStyleLbl="node1" presStyleIdx="10" presStyleCnt="11" custLinFactNeighborY="-3419"/>
       <dgm:spPr/>
+      <dgm:t>
+        <a:bodyPr/>
+        <a:lstStyle/>
+        <a:p>
+          <a:endParaRPr lang="en-US"/>
+        </a:p>
+      </dgm:t>
     </dgm:pt>
   </dgm:ptLst>
   <dgm:cxnLst>
+    <dgm:cxn modelId="{27E74CAE-AB38-4B2C-B04A-7C86B9F78233}" type="presOf" srcId="{656EC0F0-B6E0-481C-ACA0-B9A7A95B2243}" destId="{3058D14B-2F10-4E91-80CA-9290B7AE29FA}" srcOrd="0" destOrd="0" presId="urn:microsoft.com/office/officeart/2005/8/layout/process4"/>
+    <dgm:cxn modelId="{79869829-1061-4074-9B08-1FD8C81CF263}" type="presOf" srcId="{0C532606-D04A-40D0-8C72-021A2262873D}" destId="{03EA0F1D-D3AC-4023-859E-3B4FED21DBF3}" srcOrd="0" destOrd="0" presId="urn:microsoft.com/office/officeart/2005/8/layout/process4"/>
+    <dgm:cxn modelId="{D24A57C6-EF29-47D5-A5DB-0BF82E4533D4}" srcId="{5305BC3C-3078-4590-84EC-8E904473F3C4}" destId="{AE3FA33F-C051-4CFB-91FE-4D90AF2C34BD}" srcOrd="4" destOrd="0" parTransId="{7BC8E38A-75D9-4E8D-862E-E22C977F6A4F}" sibTransId="{5304DF4A-3E1C-4AC7-95B5-790342E8A528}"/>
+    <dgm:cxn modelId="{1F3CD2E8-7F8C-4880-B191-6655796525AB}" srcId="{5305BC3C-3078-4590-84EC-8E904473F3C4}" destId="{8582A342-8DBB-47DA-8F18-4BAA601E1C7E}" srcOrd="9" destOrd="0" parTransId="{9936A47A-2AC9-47C9-AB84-79E86B279980}" sibTransId="{6DE6A9D8-A704-4B2D-A86C-89AEBB3108CE}"/>
+    <dgm:cxn modelId="{76B45A83-2CA9-4003-A9BD-FF0C7AE4A7E2}" srcId="{5305BC3C-3078-4590-84EC-8E904473F3C4}" destId="{0AD1023A-A4AB-4CA1-90AF-610FEC1F8CCA}" srcOrd="6" destOrd="0" parTransId="{6E509891-9F98-45E8-8E73-FC2B8D467BC1}" sibTransId="{6CC74341-9AF7-421C-A0CD-C41950CC7394}"/>
+    <dgm:cxn modelId="{11C9DDE1-9C1F-4995-A564-2130581DB073}" srcId="{5305BC3C-3078-4590-84EC-8E904473F3C4}" destId="{A79C3C62-D7C2-4E79-AFB0-A73EF3C4D564}" srcOrd="0" destOrd="0" parTransId="{A0D5BB2F-82ED-4C34-9D0A-DA4ABD3A5366}" sibTransId="{E1C97D4C-7521-400D-9A7F-0BC2F0D4C89D}"/>
+    <dgm:cxn modelId="{2901BC91-0A48-43B8-98DE-5AF2507B9D1A}" srcId="{5305BC3C-3078-4590-84EC-8E904473F3C4}" destId="{1FC2B61B-3719-4BE7-AAD8-C73FD4CBD272}" srcOrd="8" destOrd="0" parTransId="{4FECFE66-91D7-4CD1-B6C4-C77E15CF1791}" sibTransId="{0D99397A-FF43-41EB-B154-5371C2884A0A}"/>
+    <dgm:cxn modelId="{ABE94317-B16A-4D78-93FB-F64B99FFF788}" srcId="{5305BC3C-3078-4590-84EC-8E904473F3C4}" destId="{656EC0F0-B6E0-481C-ACA0-B9A7A95B2243}" srcOrd="5" destOrd="0" parTransId="{47C3FD39-63BB-47FA-9DD3-EB2CD70556DC}" sibTransId="{006B5180-57C5-4FB7-AD18-5FCFCF4223B2}"/>
+    <dgm:cxn modelId="{E0F82F6E-0422-49A5-940A-161C51F4A8CB}" srcId="{5305BC3C-3078-4590-84EC-8E904473F3C4}" destId="{981DB6CD-A27B-4512-B6C9-0097108651FD}" srcOrd="10" destOrd="0" parTransId="{2EC53492-1DE7-499B-830C-A918527979BB}" sibTransId="{6D6D331E-487F-4570-925A-D42E2FF70D0D}"/>
+    <dgm:cxn modelId="{0E2AA1C5-D2F6-4D02-9D3F-3E16D584D817}" type="presOf" srcId="{981DB6CD-A27B-4512-B6C9-0097108651FD}" destId="{7C57543A-ED28-4CFF-B093-E551673255D0}" srcOrd="0" destOrd="0" presId="urn:microsoft.com/office/officeart/2005/8/layout/process4"/>
+    <dgm:cxn modelId="{63767FC8-DFB7-40F5-B42C-37C7CC10E64B}" srcId="{5305BC3C-3078-4590-84EC-8E904473F3C4}" destId="{12D2C7EB-BF37-4861-9FC4-3499AEE6E0EA}" srcOrd="3" destOrd="0" parTransId="{76B720BB-EAAE-4E2E-BA3B-21EDEDA2984E}" sibTransId="{5DB71155-739C-44AE-9898-C878D7CB61BE}"/>
+    <dgm:cxn modelId="{6BBB59F1-9533-4DC0-AA8F-12DD71361F5E}" type="presOf" srcId="{A79C3C62-D7C2-4E79-AFB0-A73EF3C4D564}" destId="{0D64D249-E921-494A-A29A-8E7418376101}" srcOrd="0" destOrd="0" presId="urn:microsoft.com/office/officeart/2005/8/layout/process4"/>
+    <dgm:cxn modelId="{656621C9-A715-4207-8365-0776FE6017B1}" type="presOf" srcId="{068E3759-63DD-4896-A94D-9E65AA3C18A9}" destId="{62336800-8315-4086-85D7-DDDE579119DE}" srcOrd="0" destOrd="0" presId="urn:microsoft.com/office/officeart/2005/8/layout/process4"/>
+    <dgm:cxn modelId="{9DA64CA6-3F14-462C-98B7-DD59D6F8655B}" type="presOf" srcId="{AE3FA33F-C051-4CFB-91FE-4D90AF2C34BD}" destId="{3A9C8C40-585A-47AA-93DF-4220EB1A94A4}" srcOrd="0" destOrd="0" presId="urn:microsoft.com/office/officeart/2005/8/layout/process4"/>
+    <dgm:cxn modelId="{E984FAED-2221-482C-B24A-D4B85D019408}" type="presOf" srcId="{1FC2B61B-3719-4BE7-AAD8-C73FD4CBD272}" destId="{FC27AB8D-CB55-4A4B-8F35-D05607D8A323}" srcOrd="0" destOrd="0" presId="urn:microsoft.com/office/officeart/2005/8/layout/process4"/>
     <dgm:cxn modelId="{B4C682FC-4FCF-463B-BA35-331DC132DB39}" type="presOf" srcId="{12D2C7EB-BF37-4861-9FC4-3499AEE6E0EA}" destId="{2D06382B-A0F3-4A43-9A02-B0FA57AF8AD2}" srcOrd="0" destOrd="0" presId="urn:microsoft.com/office/officeart/2005/8/layout/process4"/>
-    <dgm:cxn modelId="{0E2AA1C5-D2F6-4D02-9D3F-3E16D584D817}" type="presOf" srcId="{981DB6CD-A27B-4512-B6C9-0097108651FD}" destId="{7C57543A-ED28-4CFF-B093-E551673255D0}" srcOrd="0" destOrd="0" presId="urn:microsoft.com/office/officeart/2005/8/layout/process4"/>
+    <dgm:cxn modelId="{30C6EE46-672A-45EE-97A4-5EA92A8AFAAB}" type="presOf" srcId="{5305BC3C-3078-4590-84EC-8E904473F3C4}" destId="{9ADC6C16-5C8D-4684-8211-077A7E784A85}" srcOrd="0" destOrd="0" presId="urn:microsoft.com/office/officeart/2005/8/layout/process4"/>
+    <dgm:cxn modelId="{2873FCFF-ECBB-496F-8593-D864CBC282E6}" type="presOf" srcId="{0AD1023A-A4AB-4CA1-90AF-610FEC1F8CCA}" destId="{F70B6B05-8149-4D85-9360-43E69509DE87}" srcOrd="0" destOrd="0" presId="urn:microsoft.com/office/officeart/2005/8/layout/process4"/>
+    <dgm:cxn modelId="{D61680B1-8E49-4F2F-BC95-67D13694D2C1}" type="presOf" srcId="{8582A342-8DBB-47DA-8F18-4BAA601E1C7E}" destId="{9767010E-1D5F-4337-9728-42DB28E8CF5A}" srcOrd="0" destOrd="0" presId="urn:microsoft.com/office/officeart/2005/8/layout/process4"/>
+    <dgm:cxn modelId="{C4582689-4842-436C-904B-D6BB1E2A0185}" srcId="{5305BC3C-3078-4590-84EC-8E904473F3C4}" destId="{068E3759-63DD-4896-A94D-9E65AA3C18A9}" srcOrd="2" destOrd="0" parTransId="{6FA35866-EE9B-4773-B885-EADEBAC06A68}" sibTransId="{6799C9C2-146E-412C-AFA2-5D037D32CF49}"/>
     <dgm:cxn modelId="{05DBC47C-21C4-4F69-9267-0F5AE269795C}" type="presOf" srcId="{2F977DFB-15DF-4232-AC33-3D25A36FDA07}" destId="{56AE7A06-074B-4CB8-B04B-D6114174F388}" srcOrd="0" destOrd="0" presId="urn:microsoft.com/office/officeart/2005/8/layout/process4"/>
-    <dgm:cxn modelId="{9DA64CA6-3F14-462C-98B7-DD59D6F8655B}" type="presOf" srcId="{AE3FA33F-C051-4CFB-91FE-4D90AF2C34BD}" destId="{3A9C8C40-585A-47AA-93DF-4220EB1A94A4}" srcOrd="0" destOrd="0" presId="urn:microsoft.com/office/officeart/2005/8/layout/process4"/>
-    <dgm:cxn modelId="{11C9DDE1-9C1F-4995-A564-2130581DB073}" srcId="{5305BC3C-3078-4590-84EC-8E904473F3C4}" destId="{A79C3C62-D7C2-4E79-AFB0-A73EF3C4D564}" srcOrd="0" destOrd="0" parTransId="{A0D5BB2F-82ED-4C34-9D0A-DA4ABD3A5366}" sibTransId="{E1C97D4C-7521-400D-9A7F-0BC2F0D4C89D}"/>
-    <dgm:cxn modelId="{C4582689-4842-436C-904B-D6BB1E2A0185}" srcId="{5305BC3C-3078-4590-84EC-8E904473F3C4}" destId="{068E3759-63DD-4896-A94D-9E65AA3C18A9}" srcOrd="2" destOrd="0" parTransId="{6FA35866-EE9B-4773-B885-EADEBAC06A68}" sibTransId="{6799C9C2-146E-412C-AFA2-5D037D32CF49}"/>
-    <dgm:cxn modelId="{79869829-1061-4074-9B08-1FD8C81CF263}" type="presOf" srcId="{0C532606-D04A-40D0-8C72-021A2262873D}" destId="{03EA0F1D-D3AC-4023-859E-3B4FED21DBF3}" srcOrd="0" destOrd="0" presId="urn:microsoft.com/office/officeart/2005/8/layout/process4"/>
-    <dgm:cxn modelId="{76B45A83-2CA9-4003-A9BD-FF0C7AE4A7E2}" srcId="{5305BC3C-3078-4590-84EC-8E904473F3C4}" destId="{0AD1023A-A4AB-4CA1-90AF-610FEC1F8CCA}" srcOrd="6" destOrd="0" parTransId="{6E509891-9F98-45E8-8E73-FC2B8D467BC1}" sibTransId="{6CC74341-9AF7-421C-A0CD-C41950CC7394}"/>
-    <dgm:cxn modelId="{27E74CAE-AB38-4B2C-B04A-7C86B9F78233}" type="presOf" srcId="{656EC0F0-B6E0-481C-ACA0-B9A7A95B2243}" destId="{3058D14B-2F10-4E91-80CA-9290B7AE29FA}" srcOrd="0" destOrd="0" presId="urn:microsoft.com/office/officeart/2005/8/layout/process4"/>
-    <dgm:cxn modelId="{656621C9-A715-4207-8365-0776FE6017B1}" type="presOf" srcId="{068E3759-63DD-4896-A94D-9E65AA3C18A9}" destId="{62336800-8315-4086-85D7-DDDE579119DE}" srcOrd="0" destOrd="0" presId="urn:microsoft.com/office/officeart/2005/8/layout/process4"/>
-    <dgm:cxn modelId="{63767FC8-DFB7-40F5-B42C-37C7CC10E64B}" srcId="{5305BC3C-3078-4590-84EC-8E904473F3C4}" destId="{12D2C7EB-BF37-4861-9FC4-3499AEE6E0EA}" srcOrd="3" destOrd="0" parTransId="{76B720BB-EAAE-4E2E-BA3B-21EDEDA2984E}" sibTransId="{5DB71155-739C-44AE-9898-C878D7CB61BE}"/>
-    <dgm:cxn modelId="{ABE94317-B16A-4D78-93FB-F64B99FFF788}" srcId="{5305BC3C-3078-4590-84EC-8E904473F3C4}" destId="{656EC0F0-B6E0-481C-ACA0-B9A7A95B2243}" srcOrd="5" destOrd="0" parTransId="{47C3FD39-63BB-47FA-9DD3-EB2CD70556DC}" sibTransId="{006B5180-57C5-4FB7-AD18-5FCFCF4223B2}"/>
-    <dgm:cxn modelId="{D24A57C6-EF29-47D5-A5DB-0BF82E4533D4}" srcId="{5305BC3C-3078-4590-84EC-8E904473F3C4}" destId="{AE3FA33F-C051-4CFB-91FE-4D90AF2C34BD}" srcOrd="4" destOrd="0" parTransId="{7BC8E38A-75D9-4E8D-862E-E22C977F6A4F}" sibTransId="{5304DF4A-3E1C-4AC7-95B5-790342E8A528}"/>
-    <dgm:cxn modelId="{2901BC91-0A48-43B8-98DE-5AF2507B9D1A}" srcId="{5305BC3C-3078-4590-84EC-8E904473F3C4}" destId="{1FC2B61B-3719-4BE7-AAD8-C73FD4CBD272}" srcOrd="8" destOrd="0" parTransId="{4FECFE66-91D7-4CD1-B6C4-C77E15CF1791}" sibTransId="{0D99397A-FF43-41EB-B154-5371C2884A0A}"/>
-    <dgm:cxn modelId="{1F3CD2E8-7F8C-4880-B191-6655796525AB}" srcId="{5305BC3C-3078-4590-84EC-8E904473F3C4}" destId="{8582A342-8DBB-47DA-8F18-4BAA601E1C7E}" srcOrd="9" destOrd="0" parTransId="{9936A47A-2AC9-47C9-AB84-79E86B279980}" sibTransId="{6DE6A9D8-A704-4B2D-A86C-89AEBB3108CE}"/>
-    <dgm:cxn modelId="{E0F82F6E-0422-49A5-940A-161C51F4A8CB}" srcId="{5305BC3C-3078-4590-84EC-8E904473F3C4}" destId="{981DB6CD-A27B-4512-B6C9-0097108651FD}" srcOrd="10" destOrd="0" parTransId="{2EC53492-1DE7-499B-830C-A918527979BB}" sibTransId="{6D6D331E-487F-4570-925A-D42E2FF70D0D}"/>
-    <dgm:cxn modelId="{E984FAED-2221-482C-B24A-D4B85D019408}" type="presOf" srcId="{1FC2B61B-3719-4BE7-AAD8-C73FD4CBD272}" destId="{FC27AB8D-CB55-4A4B-8F35-D05607D8A323}" srcOrd="0" destOrd="0" presId="urn:microsoft.com/office/officeart/2005/8/layout/process4"/>
-    <dgm:cxn modelId="{D61680B1-8E49-4F2F-BC95-67D13694D2C1}" type="presOf" srcId="{8582A342-8DBB-47DA-8F18-4BAA601E1C7E}" destId="{9767010E-1D5F-4337-9728-42DB28E8CF5A}" srcOrd="0" destOrd="0" presId="urn:microsoft.com/office/officeart/2005/8/layout/process4"/>
-    <dgm:cxn modelId="{30C6EE46-672A-45EE-97A4-5EA92A8AFAAB}" type="presOf" srcId="{5305BC3C-3078-4590-84EC-8E904473F3C4}" destId="{9ADC6C16-5C8D-4684-8211-077A7E784A85}" srcOrd="0" destOrd="0" presId="urn:microsoft.com/office/officeart/2005/8/layout/process4"/>
-    <dgm:cxn modelId="{6BBB59F1-9533-4DC0-AA8F-12DD71361F5E}" type="presOf" srcId="{A79C3C62-D7C2-4E79-AFB0-A73EF3C4D564}" destId="{0D64D249-E921-494A-A29A-8E7418376101}" srcOrd="0" destOrd="0" presId="urn:microsoft.com/office/officeart/2005/8/layout/process4"/>
-    <dgm:cxn modelId="{2873FCFF-ECBB-496F-8593-D864CBC282E6}" type="presOf" srcId="{0AD1023A-A4AB-4CA1-90AF-610FEC1F8CCA}" destId="{F70B6B05-8149-4D85-9360-43E69509DE87}" srcOrd="0" destOrd="0" presId="urn:microsoft.com/office/officeart/2005/8/layout/process4"/>
     <dgm:cxn modelId="{198B8E24-C854-4119-8BBF-0FD4CF66CE1B}" srcId="{5305BC3C-3078-4590-84EC-8E904473F3C4}" destId="{2F977DFB-15DF-4232-AC33-3D25A36FDA07}" srcOrd="7" destOrd="0" parTransId="{02B61230-660B-4CB0-AF32-1D623D9FC3C8}" sibTransId="{F771E2D1-7F91-4A66-832E-00DF606FCDCA}"/>
     <dgm:cxn modelId="{94A4233C-3858-456F-9B9F-EB2DAF68F328}" srcId="{5305BC3C-3078-4590-84EC-8E904473F3C4}" destId="{0C532606-D04A-40D0-8C72-021A2262873D}" srcOrd="1" destOrd="0" parTransId="{8AE27AAF-AF1B-45B5-B5AA-AFD160F32921}" sibTransId="{509E6158-A0EC-4166-9094-D4C51EFCE0A6}"/>
     <dgm:cxn modelId="{48164B1A-4018-4F07-BECB-2B41A04FB367}" type="presParOf" srcId="{9ADC6C16-5C8D-4684-8211-077A7E784A85}" destId="{17FD7C46-E6A3-40E6-9F55-7DCFD9E381C2}" srcOrd="0" destOrd="0" presId="urn:microsoft.com/office/officeart/2005/8/layout/process4"/>
@@ -11969,18 +12046,12 @@
               <a:rPr lang="en-US" sz="2800" dirty="0" smtClean="0"/>
               <a:t>Shawn Peng: yisupeng@iu.edu	                          2016 Spring B657 Computer Vision</a:t>
             </a:r>
-            <a:endParaRPr lang="en-US" sz="2800" dirty="0" smtClean="0"/>
           </a:p>
           <a:p>
             <a:r>
               <a:rPr lang="en-US" sz="2800" dirty="0" smtClean="0"/>
-              <a:t>  </a:t>
+              <a:t>    Yang Zhang: zhang505@Indiana.edu	                           Prof. David Crandall</a:t>
             </a:r>
-            <a:r>
-              <a:rPr lang="en-US" sz="2800" dirty="0" smtClean="0"/>
-              <a:t>  Yang Zhang: zhang505@Indiana.edu	                           Prof. David Crandall</a:t>
-            </a:r>
-            <a:endParaRPr lang="en-US" sz="2800" dirty="0" smtClean="0"/>
           </a:p>
         </p:txBody>
       </p:sp>
@@ -12589,7 +12660,7 @@
       </p:sp>
       <p:grpSp>
         <p:nvGrpSpPr>
-          <p:cNvPr id="61" name="Group 60"/>
+          <p:cNvPr id="37" name="Group 36"/>
           <p:cNvGrpSpPr/>
           <p:nvPr/>
         </p:nvGrpSpPr>
@@ -12603,7 +12674,7 @@
         </p:grpSpPr>
         <p:grpSp>
           <p:nvGrpSpPr>
-            <p:cNvPr id="37" name="Group 36"/>
+            <p:cNvPr id="12" name="Group 11"/>
             <p:cNvGrpSpPr/>
             <p:nvPr/>
           </p:nvGrpSpPr>
@@ -12611,227 +12682,172 @@
             <a:xfrm>
               <a:off x="9606987" y="12038002"/>
               <a:ext cx="8391646" cy="15174410"/>
-              <a:chOff x="9606987" y="12038002"/>
+              <a:chOff x="9606987" y="4182168"/>
               <a:chExt cx="8391646" cy="15174410"/>
             </a:xfrm>
           </p:grpSpPr>
           <p:grpSp>
             <p:nvGrpSpPr>
-              <p:cNvPr id="12" name="Group 11"/>
+              <p:cNvPr id="23" name="Group 22"/>
               <p:cNvGrpSpPr/>
               <p:nvPr/>
             </p:nvGrpSpPr>
             <p:grpSpPr>
               <a:xfrm>
-                <a:off x="9606987" y="12038002"/>
-                <a:ext cx="8391646" cy="15174410"/>
-                <a:chOff x="9606987" y="4182168"/>
-                <a:chExt cx="8391646" cy="15174410"/>
+                <a:off x="9606987" y="5027119"/>
+                <a:ext cx="8391646" cy="14329459"/>
+                <a:chOff x="317500" y="2743199"/>
+                <a:chExt cx="8391646" cy="14329459"/>
               </a:xfrm>
             </p:grpSpPr>
             <p:grpSp>
               <p:nvGrpSpPr>
-                <p:cNvPr id="23" name="Group 22"/>
+                <p:cNvPr id="9" name="Group 8"/>
                 <p:cNvGrpSpPr/>
                 <p:nvPr/>
               </p:nvGrpSpPr>
               <p:grpSpPr>
                 <a:xfrm>
-                  <a:off x="9606987" y="5027119"/>
-                  <a:ext cx="8391646" cy="14329459"/>
-                  <a:chOff x="317500" y="2743199"/>
-                  <a:chExt cx="8391646" cy="14329459"/>
+                  <a:off x="4516732" y="3242870"/>
+                  <a:ext cx="3901440" cy="10170116"/>
+                  <a:chOff x="3130366" y="4122547"/>
+                  <a:chExt cx="3901440" cy="10170116"/>
                 </a:xfrm>
               </p:grpSpPr>
-              <p:grpSp>
-                <p:nvGrpSpPr>
-                  <p:cNvPr id="9" name="Group 8"/>
-                  <p:cNvGrpSpPr/>
+              <p:pic>
+                <p:nvPicPr>
+                  <p:cNvPr id="2" name="Picture 1"/>
+                  <p:cNvPicPr>
+                    <a:picLocks noChangeAspect="1"/>
+                  </p:cNvPicPr>
                   <p:nvPr/>
-                </p:nvGrpSpPr>
-                <p:grpSpPr>
-                  <a:xfrm>
-                    <a:off x="4516732" y="3242870"/>
-                    <a:ext cx="3901440" cy="10170116"/>
-                    <a:chOff x="3130366" y="4122547"/>
-                    <a:chExt cx="3901440" cy="10170116"/>
-                  </a:xfrm>
-                </p:grpSpPr>
-                <p:pic>
-                  <p:nvPicPr>
-                    <p:cNvPr id="2" name="Picture 1"/>
-                    <p:cNvPicPr>
-                      <a:picLocks noChangeAspect="1"/>
-                    </p:cNvPicPr>
-                    <p:nvPr/>
-                  </p:nvPicPr>
-                  <p:blipFill>
-                    <a:blip r:embed="rId11">
-                      <a:extLst>
-                        <a:ext uri="{28A0092B-C50C-407E-A947-70E740481C1C}">
-                          <a14:useLocalDpi xmlns:a14="http://schemas.microsoft.com/office/drawing/2010/main" val="0"/>
-                        </a:ext>
-                      </a:extLst>
-                    </a:blip>
-                    <a:stretch>
-                      <a:fillRect/>
-                    </a:stretch>
-                  </p:blipFill>
-                  <p:spPr>
-                    <a:xfrm>
-                      <a:off x="6219915" y="4122547"/>
-                      <a:ext cx="688340" cy="688340"/>
-                    </a:xfrm>
-                    <a:prstGeom prst="rect">
-                      <a:avLst/>
-                    </a:prstGeom>
-                  </p:spPr>
-                </p:pic>
-                <p:pic>
-                  <p:nvPicPr>
-                    <p:cNvPr id="3" name="Picture 2"/>
-                    <p:cNvPicPr>
-                      <a:picLocks noChangeAspect="1"/>
-                    </p:cNvPicPr>
-                    <p:nvPr/>
-                  </p:nvPicPr>
-                  <p:blipFill rotWithShape="1">
-                    <a:blip r:embed="rId12">
-                      <a:extLst>
-                        <a:ext uri="{28A0092B-C50C-407E-A947-70E740481C1C}">
-                          <a14:useLocalDpi xmlns:a14="http://schemas.microsoft.com/office/drawing/2010/main" val="0"/>
-                        </a:ext>
-                      </a:extLst>
-                    </a:blip>
-                    <a:srcRect b="20469"/>
-                    <a:stretch/>
-                  </p:blipFill>
-                  <p:spPr>
-                    <a:xfrm>
-                      <a:off x="3130366" y="6979029"/>
-                      <a:ext cx="3901440" cy="3102854"/>
-                    </a:xfrm>
-                    <a:prstGeom prst="rect">
-                      <a:avLst/>
-                    </a:prstGeom>
-                  </p:spPr>
-                </p:pic>
-                <p:pic>
-                  <p:nvPicPr>
-                    <p:cNvPr id="5" name="Picture 4"/>
-                    <p:cNvPicPr>
-                      <a:picLocks noChangeAspect="1"/>
-                    </p:cNvPicPr>
-                    <p:nvPr/>
-                  </p:nvPicPr>
-                  <p:blipFill>
-                    <a:blip r:embed="rId13">
-                      <a:extLst>
-                        <a:ext uri="{28A0092B-C50C-407E-A947-70E740481C1C}">
-                          <a14:useLocalDpi xmlns:a14="http://schemas.microsoft.com/office/drawing/2010/main" val="0"/>
-                        </a:ext>
-                      </a:extLst>
-                    </a:blip>
-                    <a:stretch>
-                      <a:fillRect/>
-                    </a:stretch>
-                  </p:blipFill>
-                  <p:spPr>
-                    <a:xfrm>
-                      <a:off x="3130366" y="10391223"/>
-                      <a:ext cx="3901440" cy="3901440"/>
-                    </a:xfrm>
-                    <a:prstGeom prst="rect">
-                      <a:avLst/>
-                    </a:prstGeom>
-                  </p:spPr>
-                </p:pic>
-                <p:pic>
-                  <p:nvPicPr>
-                    <p:cNvPr id="6" name="Picture 5"/>
-                    <p:cNvPicPr>
-                      <a:picLocks noChangeAspect="1"/>
-                    </p:cNvPicPr>
-                    <p:nvPr/>
-                  </p:nvPicPr>
-                  <p:blipFill rotWithShape="1">
-                    <a:blip r:embed="rId14">
-                      <a:extLst>
-                        <a:ext uri="{28A0092B-C50C-407E-A947-70E740481C1C}">
-                          <a14:useLocalDpi xmlns:a14="http://schemas.microsoft.com/office/drawing/2010/main" val="0"/>
-                        </a:ext>
-                      </a:extLst>
-                    </a:blip>
-                    <a:srcRect b="21295"/>
-                    <a:stretch/>
-                  </p:blipFill>
-                  <p:spPr>
-                    <a:xfrm>
-                      <a:off x="4773410" y="5113452"/>
-                      <a:ext cx="2251926" cy="1772378"/>
-                    </a:xfrm>
-                    <a:prstGeom prst="rect">
-                      <a:avLst/>
-                    </a:prstGeom>
-                  </p:spPr>
-                </p:pic>
-              </p:grpSp>
-              <p:sp>
-                <p:nvSpPr>
-                  <p:cNvPr id="21" name="Rectangle 20"/>
-                  <p:cNvSpPr/>
-                  <p:nvPr/>
-                </p:nvSpPr>
+                </p:nvPicPr>
+                <p:blipFill>
+                  <a:blip r:embed="rId11">
+                    <a:extLst>
+                      <a:ext uri="{28A0092B-C50C-407E-A947-70E740481C1C}">
+                        <a14:useLocalDpi xmlns:a14="http://schemas.microsoft.com/office/drawing/2010/main" val="0"/>
+                      </a:ext>
+                    </a:extLst>
+                  </a:blip>
+                  <a:stretch>
+                    <a:fillRect/>
+                  </a:stretch>
+                </p:blipFill>
                 <p:spPr>
                   <a:xfrm>
-                    <a:off x="317500" y="2743199"/>
-                    <a:ext cx="8391646" cy="14329459"/>
+                    <a:off x="6219915" y="4122547"/>
+                    <a:ext cx="688340" cy="688340"/>
                   </a:xfrm>
                   <a:prstGeom prst="rect">
                     <a:avLst/>
                   </a:prstGeom>
-                  <a:noFill/>
                 </p:spPr>
-                <p:style>
-                  <a:lnRef idx="2">
-                    <a:schemeClr val="accent1">
-                      <a:shade val="50000"/>
-                    </a:schemeClr>
-                  </a:lnRef>
-                  <a:fillRef idx="1">
-                    <a:schemeClr val="accent1"/>
-                  </a:fillRef>
-                  <a:effectRef idx="0">
-                    <a:schemeClr val="accent1"/>
-                  </a:effectRef>
-                  <a:fontRef idx="minor">
-                    <a:schemeClr val="lt1"/>
-                  </a:fontRef>
-                </p:style>
-                <p:txBody>
-                  <a:bodyPr rtlCol="0" anchor="ctr"/>
-                  <a:lstStyle/>
-                  <a:p>
-                    <a:pPr algn="ctr"/>
-                    <a:endParaRPr lang="en-US"/>
-                  </a:p>
-                </p:txBody>
-              </p:sp>
+              </p:pic>
+              <p:pic>
+                <p:nvPicPr>
+                  <p:cNvPr id="3" name="Picture 2"/>
+                  <p:cNvPicPr>
+                    <a:picLocks noChangeAspect="1"/>
+                  </p:cNvPicPr>
+                  <p:nvPr/>
+                </p:nvPicPr>
+                <p:blipFill rotWithShape="1">
+                  <a:blip r:embed="rId12">
+                    <a:extLst>
+                      <a:ext uri="{28A0092B-C50C-407E-A947-70E740481C1C}">
+                        <a14:useLocalDpi xmlns:a14="http://schemas.microsoft.com/office/drawing/2010/main" val="0"/>
+                      </a:ext>
+                    </a:extLst>
+                  </a:blip>
+                  <a:srcRect b="20469"/>
+                  <a:stretch/>
+                </p:blipFill>
+                <p:spPr>
+                  <a:xfrm>
+                    <a:off x="3130366" y="6979029"/>
+                    <a:ext cx="3901440" cy="3102854"/>
+                  </a:xfrm>
+                  <a:prstGeom prst="rect">
+                    <a:avLst/>
+                  </a:prstGeom>
+                </p:spPr>
+              </p:pic>
+              <p:pic>
+                <p:nvPicPr>
+                  <p:cNvPr id="5" name="Picture 4"/>
+                  <p:cNvPicPr>
+                    <a:picLocks noChangeAspect="1"/>
+                  </p:cNvPicPr>
+                  <p:nvPr/>
+                </p:nvPicPr>
+                <p:blipFill>
+                  <a:blip r:embed="rId13">
+                    <a:extLst>
+                      <a:ext uri="{28A0092B-C50C-407E-A947-70E740481C1C}">
+                        <a14:useLocalDpi xmlns:a14="http://schemas.microsoft.com/office/drawing/2010/main" val="0"/>
+                      </a:ext>
+                    </a:extLst>
+                  </a:blip>
+                  <a:stretch>
+                    <a:fillRect/>
+                  </a:stretch>
+                </p:blipFill>
+                <p:spPr>
+                  <a:xfrm>
+                    <a:off x="3130366" y="10391223"/>
+                    <a:ext cx="3901440" cy="3901440"/>
+                  </a:xfrm>
+                  <a:prstGeom prst="rect">
+                    <a:avLst/>
+                  </a:prstGeom>
+                </p:spPr>
+              </p:pic>
+              <p:pic>
+                <p:nvPicPr>
+                  <p:cNvPr id="6" name="Picture 5"/>
+                  <p:cNvPicPr>
+                    <a:picLocks noChangeAspect="1"/>
+                  </p:cNvPicPr>
+                  <p:nvPr/>
+                </p:nvPicPr>
+                <p:blipFill rotWithShape="1">
+                  <a:blip r:embed="rId14">
+                    <a:extLst>
+                      <a:ext uri="{28A0092B-C50C-407E-A947-70E740481C1C}">
+                        <a14:useLocalDpi xmlns:a14="http://schemas.microsoft.com/office/drawing/2010/main" val="0"/>
+                      </a:ext>
+                    </a:extLst>
+                  </a:blip>
+                  <a:srcRect b="21295"/>
+                  <a:stretch/>
+                </p:blipFill>
+                <p:spPr>
+                  <a:xfrm>
+                    <a:off x="4773410" y="5113452"/>
+                    <a:ext cx="2251926" cy="1772378"/>
+                  </a:xfrm>
+                  <a:prstGeom prst="rect">
+                    <a:avLst/>
+                  </a:prstGeom>
+                </p:spPr>
+              </p:pic>
             </p:grpSp>
             <p:sp>
               <p:nvSpPr>
-                <p:cNvPr id="7" name="Rectangle 6"/>
+                <p:cNvPr id="21" name="Rectangle 20"/>
                 <p:cNvSpPr/>
                 <p:nvPr/>
               </p:nvSpPr>
               <p:spPr>
                 <a:xfrm>
-                  <a:off x="9606987" y="4182168"/>
-                  <a:ext cx="8391646" cy="844951"/>
+                  <a:off x="317500" y="2743199"/>
+                  <a:ext cx="8391646" cy="14329459"/>
                 </a:xfrm>
                 <a:prstGeom prst="rect">
                   <a:avLst/>
                 </a:prstGeom>
+                <a:noFill/>
               </p:spPr>
               <p:style>
                 <a:lnRef idx="2">
@@ -12854,111 +12870,179 @@
                 <a:lstStyle/>
                 <a:p>
                   <a:pPr algn="ctr"/>
-                  <a:r>
-                    <a:rPr lang="en-US" sz="3600" dirty="0"/>
-                    <a:t>Convolutional</a:t>
-                  </a:r>
-                  <a:r>
-                    <a:rPr lang="en-US" sz="3600" dirty="0"/>
-                    <a:t> Neural Network</a:t>
-                  </a:r>
-                  <a:endParaRPr lang="en-US" sz="3600" dirty="0"/>
+                  <a:endParaRPr lang="en-US"/>
                 </a:p>
               </p:txBody>
             </p:sp>
           </p:grpSp>
-          <p:graphicFrame>
-            <p:nvGraphicFramePr>
-              <p:cNvPr id="18" name="Diagram 17"/>
-              <p:cNvGraphicFramePr/>
-              <p:nvPr>
-                <p:extLst>
-                  <p:ext uri="{D42A27DB-BD31-4B8C-83A1-F6EECF244321}">
-                    <p14:modId xmlns:p14="http://schemas.microsoft.com/office/powerpoint/2010/main" val="1534351366"/>
-                  </p:ext>
-                </p:extLst>
-              </p:nvPr>
-            </p:nvGraphicFramePr>
-            <p:xfrm>
-              <a:off x="9989570" y="13385276"/>
-              <a:ext cx="2668545" cy="12532048"/>
-            </p:xfrm>
-            <a:graphic>
-              <a:graphicData uri="http://schemas.openxmlformats.org/drawingml/2006/diagram">
-                <dgm:relIds xmlns:dgm="http://schemas.openxmlformats.org/drawingml/2006/diagram" xmlns:r="http://schemas.openxmlformats.org/officeDocument/2006/relationships" r:dm="rId15" r:lo="rId16" r:qs="rId17" r:cs="rId18"/>
-              </a:graphicData>
-            </a:graphic>
-          </p:graphicFrame>
+          <p:sp>
+            <p:nvSpPr>
+              <p:cNvPr id="7" name="Rectangle 6"/>
+              <p:cNvSpPr/>
+              <p:nvPr/>
+            </p:nvSpPr>
+            <p:spPr>
+              <a:xfrm>
+                <a:off x="9606987" y="4182168"/>
+                <a:ext cx="8391646" cy="844951"/>
+              </a:xfrm>
+              <a:prstGeom prst="rect">
+                <a:avLst/>
+              </a:prstGeom>
+            </p:spPr>
+            <p:style>
+              <a:lnRef idx="2">
+                <a:schemeClr val="accent1">
+                  <a:shade val="50000"/>
+                </a:schemeClr>
+              </a:lnRef>
+              <a:fillRef idx="1">
+                <a:schemeClr val="accent1"/>
+              </a:fillRef>
+              <a:effectRef idx="0">
+                <a:schemeClr val="accent1"/>
+              </a:effectRef>
+              <a:fontRef idx="minor">
+                <a:schemeClr val="lt1"/>
+              </a:fontRef>
+            </p:style>
+            <p:txBody>
+              <a:bodyPr rtlCol="0" anchor="ctr"/>
+              <a:lstStyle/>
+              <a:p>
+                <a:pPr algn="ctr"/>
+                <a:r>
+                  <a:rPr lang="en-US" sz="3600" dirty="0"/>
+                  <a:t>Convolutional Neural Network</a:t>
+                </a:r>
+              </a:p>
+            </p:txBody>
+          </p:sp>
         </p:grpSp>
-        <p:cxnSp>
-          <p:nvCxnSpPr>
-            <p:cNvPr id="27" name="Straight Arrow Connector 26"/>
-            <p:cNvCxnSpPr>
-              <a:stCxn id="2" idx="1"/>
-            </p:cNvCxnSpPr>
-            <p:nvPr/>
-          </p:nvCxnSpPr>
-          <p:spPr>
-            <a:xfrm flipH="1">
-              <a:off x="12573000" y="13726794"/>
-              <a:ext cx="4322768" cy="0"/>
-            </a:xfrm>
-            <a:prstGeom prst="straightConnector1">
-              <a:avLst/>
-            </a:prstGeom>
-            <a:ln w="79375">
-              <a:tailEnd type="triangle"/>
-            </a:ln>
-          </p:spPr>
-          <p:style>
-            <a:lnRef idx="1">
-              <a:schemeClr val="accent1"/>
-            </a:lnRef>
-            <a:fillRef idx="0">
-              <a:schemeClr val="accent1"/>
-            </a:fillRef>
-            <a:effectRef idx="0">
-              <a:schemeClr val="accent1"/>
-            </a:effectRef>
-            <a:fontRef idx="minor">
-              <a:schemeClr val="tx1"/>
-            </a:fontRef>
-          </p:style>
-        </p:cxnSp>
-        <p:cxnSp>
-          <p:nvCxnSpPr>
-            <p:cNvPr id="38" name="Straight Arrow Connector 37"/>
-            <p:cNvCxnSpPr/>
-            <p:nvPr/>
-          </p:nvCxnSpPr>
-          <p:spPr>
-            <a:xfrm>
-              <a:off x="12642591" y="24371934"/>
-              <a:ext cx="1005494" cy="0"/>
-            </a:xfrm>
-            <a:prstGeom prst="straightConnector1">
-              <a:avLst/>
-            </a:prstGeom>
-            <a:ln w="79375">
-              <a:tailEnd type="triangle"/>
-            </a:ln>
-          </p:spPr>
-          <p:style>
-            <a:lnRef idx="1">
-              <a:schemeClr val="accent1"/>
-            </a:lnRef>
-            <a:fillRef idx="0">
-              <a:schemeClr val="accent1"/>
-            </a:fillRef>
-            <a:effectRef idx="0">
-              <a:schemeClr val="accent1"/>
-            </a:effectRef>
-            <a:fontRef idx="minor">
-              <a:schemeClr val="tx1"/>
-            </a:fontRef>
-          </p:style>
-        </p:cxnSp>
+        <p:graphicFrame>
+          <p:nvGraphicFramePr>
+            <p:cNvPr id="18" name="Diagram 17"/>
+            <p:cNvGraphicFramePr/>
+            <p:nvPr>
+              <p:extLst>
+                <p:ext uri="{D42A27DB-BD31-4B8C-83A1-F6EECF244321}">
+                  <p14:modId xmlns:p14="http://schemas.microsoft.com/office/powerpoint/2010/main" val="1534351366"/>
+                </p:ext>
+              </p:extLst>
+            </p:nvPr>
+          </p:nvGraphicFramePr>
+          <p:xfrm>
+            <a:off x="9989570" y="13385276"/>
+            <a:ext cx="2668545" cy="12532048"/>
+          </p:xfrm>
+          <a:graphic>
+            <a:graphicData uri="http://schemas.openxmlformats.org/drawingml/2006/diagram">
+              <dgm:relIds xmlns:dgm="http://schemas.openxmlformats.org/drawingml/2006/diagram" xmlns:r="http://schemas.openxmlformats.org/officeDocument/2006/relationships" r:dm="rId15" r:lo="rId16" r:qs="rId17" r:cs="rId18"/>
+            </a:graphicData>
+          </a:graphic>
+        </p:graphicFrame>
       </p:grpSp>
+      <p:cxnSp>
+        <p:nvCxnSpPr>
+          <p:cNvPr id="27" name="Straight Arrow Connector 26"/>
+          <p:cNvCxnSpPr>
+            <a:stCxn id="2" idx="1"/>
+          </p:cNvCxnSpPr>
+          <p:nvPr/>
+        </p:nvCxnSpPr>
+        <p:spPr>
+          <a:xfrm flipH="1">
+            <a:off x="12382792" y="13726794"/>
+            <a:ext cx="4322768" cy="0"/>
+          </a:xfrm>
+          <a:prstGeom prst="straightConnector1">
+            <a:avLst/>
+          </a:prstGeom>
+          <a:ln w="79375">
+            <a:tailEnd type="triangle"/>
+          </a:ln>
+        </p:spPr>
+        <p:style>
+          <a:lnRef idx="1">
+            <a:schemeClr val="accent1"/>
+          </a:lnRef>
+          <a:fillRef idx="0">
+            <a:schemeClr val="accent1"/>
+          </a:fillRef>
+          <a:effectRef idx="0">
+            <a:schemeClr val="accent1"/>
+          </a:effectRef>
+          <a:fontRef idx="minor">
+            <a:schemeClr val="tx1"/>
+          </a:fontRef>
+        </p:style>
+      </p:cxnSp>
+      <p:cxnSp>
+        <p:nvCxnSpPr>
+          <p:cNvPr id="38" name="Straight Arrow Connector 37"/>
+          <p:cNvCxnSpPr/>
+          <p:nvPr/>
+        </p:nvCxnSpPr>
+        <p:spPr>
+          <a:xfrm>
+            <a:off x="12452383" y="24371934"/>
+            <a:ext cx="1054297" cy="0"/>
+          </a:xfrm>
+          <a:prstGeom prst="straightConnector1">
+            <a:avLst/>
+          </a:prstGeom>
+          <a:ln w="79375">
+            <a:tailEnd type="triangle"/>
+          </a:ln>
+        </p:spPr>
+        <p:style>
+          <a:lnRef idx="1">
+            <a:schemeClr val="accent1"/>
+          </a:lnRef>
+          <a:fillRef idx="0">
+            <a:schemeClr val="accent1"/>
+          </a:fillRef>
+          <a:effectRef idx="0">
+            <a:schemeClr val="accent1"/>
+          </a:effectRef>
+          <a:fontRef idx="minor">
+            <a:schemeClr val="tx1"/>
+          </a:fontRef>
+        </p:style>
+      </p:cxnSp>
+      <p:cxnSp>
+        <p:nvCxnSpPr>
+          <p:cNvPr id="71" name="Straight Arrow Connector 70"/>
+          <p:cNvCxnSpPr/>
+          <p:nvPr/>
+        </p:nvCxnSpPr>
+        <p:spPr>
+          <a:xfrm>
+            <a:off x="12486248" y="14960868"/>
+            <a:ext cx="2772807" cy="0"/>
+          </a:xfrm>
+          <a:prstGeom prst="straightConnector1">
+            <a:avLst/>
+          </a:prstGeom>
+          <a:ln w="79375">
+            <a:tailEnd type="triangle"/>
+          </a:ln>
+        </p:spPr>
+        <p:style>
+          <a:lnRef idx="1">
+            <a:schemeClr val="accent1"/>
+          </a:lnRef>
+          <a:fillRef idx="0">
+            <a:schemeClr val="accent1"/>
+          </a:fillRef>
+          <a:effectRef idx="0">
+            <a:schemeClr val="accent1"/>
+          </a:effectRef>
+          <a:fontRef idx="minor">
+            <a:schemeClr val="tx1"/>
+          </a:fontRef>
+        </p:style>
+      </p:cxnSp>
       <p:grpSp>
         <p:nvGrpSpPr>
           <p:cNvPr id="44" name="Group 43"/>
@@ -13051,9 +13135,10 @@
             <a:p>
               <a:pPr algn="ctr"/>
               <a:r>
-                <a:rPr lang="en-US" sz="3600" dirty="0"/>
-                <a:t>Reference</a:t>
+                <a:rPr lang="en-US" altLang="zh-CN" sz="3600" dirty="0" err="1" smtClean="0"/>
+                <a:t>Discusstion</a:t>
               </a:r>
+              <a:endParaRPr lang="en-US" sz="3600" dirty="0"/>
             </a:p>
           </p:txBody>
         </p:sp>
@@ -13279,13 +13364,8 @@
                   <a:pPr algn="ctr"/>
                   <a:r>
                     <a:rPr lang="en-US" sz="3600" dirty="0"/>
-                    <a:t>Data</a:t>
+                    <a:t>Data Set</a:t>
                   </a:r>
-                  <a:r>
-                    <a:rPr lang="en-US" sz="3600" dirty="0"/>
-                    <a:t> Set</a:t>
-                  </a:r>
-                  <a:endParaRPr lang="en-US" sz="3600" dirty="0"/>
                 </a:p>
               </p:txBody>
             </p:sp>
@@ -13354,8 +13434,8 @@
             </p:txBody>
           </p:sp>
         </p:grpSp>
-        <mc:AlternateContent xmlns:mc="http://schemas.openxmlformats.org/markup-compatibility/2006">
-          <mc:Choice xmlns:a14="http://schemas.microsoft.com/office/drawing/2010/main" Requires="a14">
+        <mc:AlternateContent xmlns:mc="http://schemas.openxmlformats.org/markup-compatibility/2006" xmlns:a14="http://schemas.microsoft.com/office/drawing/2010/main">
+          <mc:Choice Requires="a14">
             <p:sp>
               <p:nvSpPr>
                 <p:cNvPr id="1025" name="TextBox 1024"/>
@@ -13439,6 +13519,7 @@
                                 </a:srgbClr>
                               </a:outerShdw>
                             </a:effectLst>
+                            <a:latin typeface="Cambria Math" panose="02040503050406030204" pitchFamily="18" charset="0"/>
                           </a:rPr>
                           <m:t>∫</m:t>
                         </m:r>
@@ -13458,7 +13539,7 @@
               </p:txBody>
             </p:sp>
           </mc:Choice>
-          <mc:Fallback>
+          <mc:Fallback xmlns="">
             <p:sp>
               <p:nvSpPr>
                 <p:cNvPr id="1025" name="TextBox 1024"/>
@@ -13523,291 +13604,258 @@
           </a:p>
         </p:txBody>
       </p:sp>
-      <p:grpSp>
-        <p:nvGrpSpPr>
-          <p:cNvPr id="1042" name="Group 1041"/>
-          <p:cNvGrpSpPr/>
+      <p:sp>
+        <p:nvSpPr>
+          <p:cNvPr id="1035" name="Rectangle 1034"/>
+          <p:cNvSpPr/>
           <p:nvPr/>
-        </p:nvGrpSpPr>
-        <p:grpSpPr>
+        </p:nvSpPr>
+        <p:spPr>
           <a:xfrm>
-            <a:off x="672477" y="17176830"/>
-            <a:ext cx="8040724" cy="1132943"/>
-            <a:chOff x="-2279886" y="17176829"/>
-            <a:chExt cx="11002059" cy="1550197"/>
+            <a:off x="4076261" y="17018844"/>
+            <a:ext cx="1232843" cy="1132943"/>
           </a:xfrm>
-        </p:grpSpPr>
-        <p:sp>
-          <p:nvSpPr>
-            <p:cNvPr id="1035" name="Rectangle 1034"/>
-            <p:cNvSpPr/>
-            <p:nvPr/>
-          </p:nvSpPr>
-          <p:spPr>
-            <a:xfrm>
-              <a:off x="-2279886" y="17176829"/>
-              <a:ext cx="1550197" cy="1550197"/>
-            </a:xfrm>
-            <a:prstGeom prst="rect">
-              <a:avLst/>
-            </a:prstGeom>
-          </p:spPr>
-          <p:style>
-            <a:lnRef idx="1">
-              <a:schemeClr val="accent1"/>
-            </a:lnRef>
-            <a:fillRef idx="2">
-              <a:schemeClr val="accent1"/>
-            </a:fillRef>
-            <a:effectRef idx="1">
-              <a:schemeClr val="accent1"/>
-            </a:effectRef>
-            <a:fontRef idx="minor">
-              <a:schemeClr val="dk1"/>
-            </a:fontRef>
-          </p:style>
-          <p:txBody>
-            <a:bodyPr rtlCol="0" anchor="ctr"/>
-            <a:lstStyle/>
-            <a:p>
-              <a:pPr algn="ctr"/>
-              <a:endParaRPr lang="en-US"/>
-            </a:p>
-          </p:txBody>
-        </p:sp>
-        <p:sp>
-          <p:nvSpPr>
-            <p:cNvPr id="1036" name="Right Arrow 1035"/>
-            <p:cNvSpPr/>
-            <p:nvPr/>
-          </p:nvSpPr>
-          <p:spPr>
-            <a:xfrm>
-              <a:off x="-515867" y="17676611"/>
-              <a:ext cx="1145467" cy="474613"/>
-            </a:xfrm>
-            <a:prstGeom prst="rightArrow">
-              <a:avLst/>
-            </a:prstGeom>
-          </p:spPr>
-          <p:style>
-            <a:lnRef idx="1">
-              <a:schemeClr val="accent1"/>
-            </a:lnRef>
-            <a:fillRef idx="2">
-              <a:schemeClr val="accent1"/>
-            </a:fillRef>
-            <a:effectRef idx="1">
-              <a:schemeClr val="accent1"/>
-            </a:effectRef>
-            <a:fontRef idx="minor">
-              <a:schemeClr val="dk1"/>
-            </a:fontRef>
-          </p:style>
-          <p:txBody>
-            <a:bodyPr rtlCol="0" anchor="ctr"/>
-            <a:lstStyle/>
-            <a:p>
-              <a:pPr algn="ctr"/>
-              <a:endParaRPr lang="en-US"/>
-            </a:p>
-          </p:txBody>
-        </p:sp>
-        <p:sp>
-          <p:nvSpPr>
-            <p:cNvPr id="78" name="Rectangle 77"/>
-            <p:cNvSpPr/>
-            <p:nvPr/>
-          </p:nvSpPr>
-          <p:spPr>
-            <a:xfrm>
-              <a:off x="772413" y="17176829"/>
-              <a:ext cx="1550197" cy="1550197"/>
-            </a:xfrm>
-            <a:prstGeom prst="rect">
-              <a:avLst/>
-            </a:prstGeom>
-          </p:spPr>
-          <p:style>
-            <a:lnRef idx="1">
-              <a:schemeClr val="accent1"/>
-            </a:lnRef>
-            <a:fillRef idx="2">
-              <a:schemeClr val="accent1"/>
-            </a:fillRef>
-            <a:effectRef idx="1">
-              <a:schemeClr val="accent1"/>
-            </a:effectRef>
-            <a:fontRef idx="minor">
-              <a:schemeClr val="dk1"/>
-            </a:fontRef>
-          </p:style>
-          <p:txBody>
-            <a:bodyPr rtlCol="0" anchor="ctr"/>
-            <a:lstStyle/>
-            <a:p>
-              <a:pPr algn="ctr"/>
-              <a:endParaRPr lang="en-US"/>
-            </a:p>
-          </p:txBody>
-        </p:sp>
-        <p:sp>
-          <p:nvSpPr>
-            <p:cNvPr id="79" name="Right Arrow 78"/>
-            <p:cNvSpPr/>
-            <p:nvPr/>
-          </p:nvSpPr>
-          <p:spPr>
-            <a:xfrm>
-              <a:off x="2543836" y="17676611"/>
-              <a:ext cx="1145467" cy="474613"/>
-            </a:xfrm>
-            <a:prstGeom prst="rightArrow">
-              <a:avLst/>
-            </a:prstGeom>
-          </p:spPr>
-          <p:style>
-            <a:lnRef idx="1">
-              <a:schemeClr val="accent1"/>
-            </a:lnRef>
-            <a:fillRef idx="2">
-              <a:schemeClr val="accent1"/>
-            </a:fillRef>
-            <a:effectRef idx="1">
-              <a:schemeClr val="accent1"/>
-            </a:effectRef>
-            <a:fontRef idx="minor">
-              <a:schemeClr val="dk1"/>
-            </a:fontRef>
-          </p:style>
-          <p:txBody>
-            <a:bodyPr rtlCol="0" anchor="ctr"/>
-            <a:lstStyle/>
-            <a:p>
-              <a:pPr algn="ctr"/>
-              <a:endParaRPr lang="en-US"/>
-            </a:p>
-          </p:txBody>
-        </p:sp>
-        <p:sp>
-          <p:nvSpPr>
-            <p:cNvPr id="80" name="Rectangle 79"/>
-            <p:cNvSpPr/>
-            <p:nvPr/>
-          </p:nvSpPr>
-          <p:spPr>
-            <a:xfrm>
-              <a:off x="3832119" y="17176829"/>
-              <a:ext cx="1550197" cy="1550197"/>
-            </a:xfrm>
-            <a:prstGeom prst="rect">
-              <a:avLst/>
-            </a:prstGeom>
-          </p:spPr>
-          <p:style>
-            <a:lnRef idx="1">
-              <a:schemeClr val="accent1"/>
-            </a:lnRef>
-            <a:fillRef idx="2">
-              <a:schemeClr val="accent1"/>
-            </a:fillRef>
-            <a:effectRef idx="1">
-              <a:schemeClr val="accent1"/>
-            </a:effectRef>
-            <a:fontRef idx="minor">
-              <a:schemeClr val="dk1"/>
-            </a:fontRef>
-          </p:style>
-          <p:txBody>
-            <a:bodyPr rtlCol="0" anchor="ctr"/>
-            <a:lstStyle/>
-            <a:p>
-              <a:pPr algn="ctr"/>
-              <a:endParaRPr lang="en-US"/>
-            </a:p>
-          </p:txBody>
-        </p:sp>
-        <p:sp>
-          <p:nvSpPr>
-            <p:cNvPr id="1037" name="Flowchart: Magnetic Disk 1036"/>
-            <p:cNvSpPr/>
-            <p:nvPr/>
-          </p:nvSpPr>
-          <p:spPr>
-            <a:xfrm>
-              <a:off x="6829969" y="17206611"/>
-              <a:ext cx="1892204" cy="1520415"/>
-            </a:xfrm>
-            <a:prstGeom prst="flowChartMagneticDisk">
-              <a:avLst/>
-            </a:prstGeom>
-          </p:spPr>
-          <p:style>
-            <a:lnRef idx="1">
-              <a:schemeClr val="accent1"/>
-            </a:lnRef>
-            <a:fillRef idx="2">
-              <a:schemeClr val="accent1"/>
-            </a:fillRef>
-            <a:effectRef idx="1">
-              <a:schemeClr val="accent1"/>
-            </a:effectRef>
-            <a:fontRef idx="minor">
-              <a:schemeClr val="dk1"/>
-            </a:fontRef>
-          </p:style>
-          <p:txBody>
-            <a:bodyPr rtlCol="0" anchor="ctr"/>
-            <a:lstStyle/>
-            <a:p>
-              <a:pPr algn="ctr"/>
-              <a:r>
-                <a:rPr lang="en-US" sz="2400" dirty="0" smtClean="0"/>
-                <a:t>LMDB</a:t>
-              </a:r>
-              <a:endParaRPr lang="en-US" sz="3600" dirty="0"/>
-            </a:p>
-          </p:txBody>
-        </p:sp>
-        <p:sp>
-          <p:nvSpPr>
-            <p:cNvPr id="84" name="Right Arrow 83"/>
-            <p:cNvSpPr/>
-            <p:nvPr/>
-          </p:nvSpPr>
-          <p:spPr>
-            <a:xfrm>
-              <a:off x="5520212" y="17714620"/>
-              <a:ext cx="1145467" cy="474613"/>
-            </a:xfrm>
-            <a:prstGeom prst="rightArrow">
-              <a:avLst/>
-            </a:prstGeom>
-          </p:spPr>
-          <p:style>
-            <a:lnRef idx="1">
-              <a:schemeClr val="accent1"/>
-            </a:lnRef>
-            <a:fillRef idx="2">
-              <a:schemeClr val="accent1"/>
-            </a:fillRef>
-            <a:effectRef idx="1">
-              <a:schemeClr val="accent1"/>
-            </a:effectRef>
-            <a:fontRef idx="minor">
-              <a:schemeClr val="dk1"/>
-            </a:fontRef>
-          </p:style>
-          <p:txBody>
-            <a:bodyPr rtlCol="0" anchor="ctr"/>
-            <a:lstStyle/>
-            <a:p>
-              <a:pPr algn="ctr"/>
-              <a:endParaRPr lang="en-US"/>
-            </a:p>
-          </p:txBody>
-        </p:sp>
-      </p:grpSp>
+          <a:prstGeom prst="rect">
+            <a:avLst/>
+          </a:prstGeom>
+        </p:spPr>
+        <p:style>
+          <a:lnRef idx="1">
+            <a:schemeClr val="accent1"/>
+          </a:lnRef>
+          <a:fillRef idx="2">
+            <a:schemeClr val="accent1"/>
+          </a:fillRef>
+          <a:effectRef idx="1">
+            <a:schemeClr val="accent1"/>
+          </a:effectRef>
+          <a:fontRef idx="minor">
+            <a:schemeClr val="dk1"/>
+          </a:fontRef>
+        </p:style>
+        <p:txBody>
+          <a:bodyPr rtlCol="0" anchor="ctr"/>
+          <a:lstStyle/>
+          <a:p>
+            <a:pPr algn="ctr"/>
+            <a:r>
+              <a:rPr lang="en-US" altLang="zh-CN" sz="2800" dirty="0" smtClean="0">
+                <a:solidFill>
+                  <a:schemeClr val="tx1"/>
+                </a:solidFill>
+              </a:rPr>
+              <a:t>SVG</a:t>
+            </a:r>
+            <a:endParaRPr lang="en-US" sz="2800" dirty="0">
+              <a:solidFill>
+                <a:schemeClr val="tx1"/>
+              </a:solidFill>
+            </a:endParaRPr>
+          </a:p>
+        </p:txBody>
+      </p:sp>
+      <p:sp>
+        <p:nvSpPr>
+          <p:cNvPr id="79" name="Right Arrow 78"/>
+          <p:cNvSpPr/>
+          <p:nvPr/>
+        </p:nvSpPr>
+        <p:spPr>
+          <a:xfrm>
+            <a:off x="2501266" y="17468536"/>
+            <a:ext cx="1356795" cy="318325"/>
+          </a:xfrm>
+          <a:prstGeom prst="rightArrow">
+            <a:avLst/>
+          </a:prstGeom>
+        </p:spPr>
+        <p:style>
+          <a:lnRef idx="1">
+            <a:schemeClr val="accent1"/>
+          </a:lnRef>
+          <a:fillRef idx="2">
+            <a:schemeClr val="accent1"/>
+          </a:fillRef>
+          <a:effectRef idx="1">
+            <a:schemeClr val="accent1"/>
+          </a:effectRef>
+          <a:fontRef idx="minor">
+            <a:schemeClr val="dk1"/>
+          </a:fontRef>
+        </p:style>
+        <p:txBody>
+          <a:bodyPr rtlCol="0" anchor="ctr"/>
+          <a:lstStyle/>
+          <a:p>
+            <a:pPr algn="ctr"/>
+            <a:endParaRPr lang="en-US"/>
+          </a:p>
+        </p:txBody>
+      </p:sp>
+      <p:sp>
+        <p:nvSpPr>
+          <p:cNvPr id="80" name="Rectangle 79"/>
+          <p:cNvSpPr/>
+          <p:nvPr/>
+        </p:nvSpPr>
+        <p:spPr>
+          <a:xfrm>
+            <a:off x="6957594" y="17074024"/>
+            <a:ext cx="1132943" cy="1132943"/>
+          </a:xfrm>
+          <a:prstGeom prst="rect">
+            <a:avLst/>
+          </a:prstGeom>
+        </p:spPr>
+        <p:style>
+          <a:lnRef idx="1">
+            <a:schemeClr val="accent1"/>
+          </a:lnRef>
+          <a:fillRef idx="2">
+            <a:schemeClr val="accent1"/>
+          </a:fillRef>
+          <a:effectRef idx="1">
+            <a:schemeClr val="accent1"/>
+          </a:effectRef>
+          <a:fontRef idx="minor">
+            <a:schemeClr val="dk1"/>
+          </a:fontRef>
+        </p:style>
+        <p:txBody>
+          <a:bodyPr rtlCol="0" anchor="ctr"/>
+          <a:lstStyle/>
+          <a:p>
+            <a:pPr algn="ctr"/>
+            <a:r>
+              <a:rPr lang="en-US" altLang="zh-CN" sz="2800" dirty="0" smtClean="0"/>
+              <a:t>PNG</a:t>
+            </a:r>
+            <a:endParaRPr lang="en-US" sz="2800" dirty="0"/>
+          </a:p>
+        </p:txBody>
+      </p:sp>
+      <p:sp>
+        <p:nvSpPr>
+          <p:cNvPr id="1037" name="Flowchart: Magnetic Disk 1036"/>
+          <p:cNvSpPr/>
+          <p:nvPr/>
+        </p:nvSpPr>
+        <p:spPr>
+          <a:xfrm>
+            <a:off x="782965" y="18807485"/>
+            <a:ext cx="1382895" cy="1111177"/>
+          </a:xfrm>
+          <a:prstGeom prst="flowChartMagneticDisk">
+            <a:avLst/>
+          </a:prstGeom>
+        </p:spPr>
+        <p:style>
+          <a:lnRef idx="1">
+            <a:schemeClr val="accent1"/>
+          </a:lnRef>
+          <a:fillRef idx="2">
+            <a:schemeClr val="accent1"/>
+          </a:fillRef>
+          <a:effectRef idx="1">
+            <a:schemeClr val="accent1"/>
+          </a:effectRef>
+          <a:fontRef idx="minor">
+            <a:schemeClr val="dk1"/>
+          </a:fontRef>
+        </p:style>
+        <p:txBody>
+          <a:bodyPr rtlCol="0" anchor="ctr"/>
+          <a:lstStyle/>
+          <a:p>
+            <a:pPr algn="ctr"/>
+            <a:r>
+              <a:rPr lang="en-US" sz="2400" dirty="0" smtClean="0"/>
+              <a:t>LMDB</a:t>
+            </a:r>
+            <a:endParaRPr lang="en-US" sz="3600" dirty="0"/>
+          </a:p>
+        </p:txBody>
+      </p:sp>
+      <p:sp>
+        <p:nvSpPr>
+          <p:cNvPr id="84" name="Right Arrow 83"/>
+          <p:cNvSpPr/>
+          <p:nvPr/>
+        </p:nvSpPr>
+        <p:spPr>
+          <a:xfrm>
+            <a:off x="5477974" y="17409986"/>
+            <a:ext cx="1410749" cy="334810"/>
+          </a:xfrm>
+          <a:prstGeom prst="rightArrow">
+            <a:avLst/>
+          </a:prstGeom>
+        </p:spPr>
+        <p:style>
+          <a:lnRef idx="1">
+            <a:schemeClr val="accent1"/>
+          </a:lnRef>
+          <a:fillRef idx="2">
+            <a:schemeClr val="accent1"/>
+          </a:fillRef>
+          <a:effectRef idx="1">
+            <a:schemeClr val="accent1"/>
+          </a:effectRef>
+          <a:fontRef idx="minor">
+            <a:schemeClr val="dk1"/>
+          </a:fontRef>
+        </p:style>
+        <p:txBody>
+          <a:bodyPr rtlCol="0" anchor="ctr"/>
+          <a:lstStyle/>
+          <a:p>
+            <a:pPr algn="ctr"/>
+            <a:endParaRPr lang="en-US"/>
+          </a:p>
+        </p:txBody>
+      </p:sp>
+      <p:sp>
+        <p:nvSpPr>
+          <p:cNvPr id="64" name="Rectangle 63"/>
+          <p:cNvSpPr/>
+          <p:nvPr/>
+        </p:nvSpPr>
+        <p:spPr>
+          <a:xfrm>
+            <a:off x="4160390" y="18721992"/>
+            <a:ext cx="1132943" cy="1132943"/>
+          </a:xfrm>
+          <a:prstGeom prst="rect">
+            <a:avLst/>
+          </a:prstGeom>
+        </p:spPr>
+        <p:style>
+          <a:lnRef idx="1">
+            <a:schemeClr val="accent1"/>
+          </a:lnRef>
+          <a:fillRef idx="2">
+            <a:schemeClr val="accent1"/>
+          </a:fillRef>
+          <a:effectRef idx="1">
+            <a:schemeClr val="accent1"/>
+          </a:effectRef>
+          <a:fontRef idx="minor">
+            <a:schemeClr val="dk1"/>
+          </a:fontRef>
+        </p:style>
+        <p:txBody>
+          <a:bodyPr rtlCol="0" anchor="ctr"/>
+          <a:lstStyle/>
+          <a:p>
+            <a:pPr algn="ctr"/>
+            <a:r>
+              <a:rPr lang="en-US" altLang="zh-CN" sz="2800" dirty="0" smtClean="0"/>
+              <a:t>PNG</a:t>
+            </a:r>
+            <a:endParaRPr lang="en-US" sz="2800" dirty="0"/>
+          </a:p>
+        </p:txBody>
+      </p:sp>
       <p:sp>
         <p:nvSpPr>
           <p:cNvPr id="1041" name="TextBox 1040"/>
@@ -13923,6 +13971,1119 @@
               <a:t>Expression recognition effect</a:t>
             </a:r>
             <a:endParaRPr lang="en-US" dirty="0"/>
+          </a:p>
+        </p:txBody>
+      </p:sp>
+      <p:sp>
+        <p:nvSpPr>
+          <p:cNvPr id="63" name="TextBox 62"/>
+          <p:cNvSpPr txBox="1"/>
+          <p:nvPr/>
+        </p:nvSpPr>
+        <p:spPr>
+          <a:xfrm>
+            <a:off x="2577422" y="17081479"/>
+            <a:ext cx="1005403" cy="400110"/>
+          </a:xfrm>
+          <a:prstGeom prst="rect">
+            <a:avLst/>
+          </a:prstGeom>
+          <a:noFill/>
+        </p:spPr>
+        <p:txBody>
+          <a:bodyPr wrap="none" rtlCol="0">
+            <a:spAutoFit/>
+          </a:bodyPr>
+          <a:lstStyle/>
+          <a:p>
+            <a:r>
+              <a:rPr lang="en-US" altLang="zh-CN" sz="2000" dirty="0" err="1" smtClean="0">
+                <a:ln w="0"/>
+                <a:effectLst>
+                  <a:outerShdw blurRad="38100" dist="25400" dir="5400000" algn="ctr" rotWithShape="0">
+                    <a:srgbClr val="6E747A">
+                      <a:alpha val="43000"/>
+                    </a:srgbClr>
+                  </a:outerShdw>
+                </a:effectLst>
+              </a:rPr>
+              <a:t>nodejs</a:t>
+            </a:r>
+            <a:endParaRPr lang="en-US" sz="2000" dirty="0">
+              <a:ln w="0"/>
+              <a:effectLst>
+                <a:outerShdw blurRad="38100" dist="25400" dir="5400000" algn="ctr" rotWithShape="0">
+                  <a:srgbClr val="6E747A">
+                    <a:alpha val="43000"/>
+                  </a:srgbClr>
+                </a:outerShdw>
+              </a:effectLst>
+            </a:endParaRPr>
+          </a:p>
+        </p:txBody>
+      </p:sp>
+      <p:sp>
+        <p:nvSpPr>
+          <p:cNvPr id="65" name="TextBox 64"/>
+          <p:cNvSpPr txBox="1"/>
+          <p:nvPr/>
+        </p:nvSpPr>
+        <p:spPr>
+          <a:xfrm>
+            <a:off x="5459523" y="17085579"/>
+            <a:ext cx="1401346" cy="307777"/>
+          </a:xfrm>
+          <a:prstGeom prst="rect">
+            <a:avLst/>
+          </a:prstGeom>
+          <a:noFill/>
+        </p:spPr>
+        <p:txBody>
+          <a:bodyPr wrap="none" rtlCol="0">
+            <a:spAutoFit/>
+          </a:bodyPr>
+          <a:lstStyle/>
+          <a:p>
+            <a:r>
+              <a:rPr lang="en-US" altLang="zh-CN" sz="1400" dirty="0" err="1" smtClean="0">
+                <a:ln w="0"/>
+                <a:effectLst>
+                  <a:outerShdw blurRad="38100" dist="25400" dir="5400000" algn="ctr" rotWithShape="0">
+                    <a:srgbClr val="6E747A">
+                      <a:alpha val="43000"/>
+                    </a:srgbClr>
+                  </a:outerShdw>
+                </a:effectLst>
+              </a:rPr>
+              <a:t>imagemagick</a:t>
+            </a:r>
+            <a:endParaRPr lang="en-US" sz="1400" dirty="0">
+              <a:ln w="0"/>
+              <a:effectLst>
+                <a:outerShdw blurRad="38100" dist="25400" dir="5400000" algn="ctr" rotWithShape="0">
+                  <a:srgbClr val="6E747A">
+                    <a:alpha val="43000"/>
+                  </a:srgbClr>
+                </a:outerShdw>
+              </a:effectLst>
+            </a:endParaRPr>
+          </a:p>
+        </p:txBody>
+      </p:sp>
+      <p:sp>
+        <p:nvSpPr>
+          <p:cNvPr id="22" name="TextBox 21"/>
+          <p:cNvSpPr txBox="1"/>
+          <p:nvPr/>
+        </p:nvSpPr>
+        <p:spPr>
+          <a:xfrm>
+            <a:off x="1530350" y="14273870"/>
+            <a:ext cx="6564618" cy="954107"/>
+          </a:xfrm>
+          <a:prstGeom prst="rect">
+            <a:avLst/>
+          </a:prstGeom>
+          <a:noFill/>
+        </p:spPr>
+        <p:txBody>
+          <a:bodyPr wrap="none" rtlCol="0">
+            <a:spAutoFit/>
+          </a:bodyPr>
+          <a:lstStyle/>
+          <a:p>
+            <a:r>
+              <a:rPr lang="en-US" sz="2800" dirty="0" smtClean="0"/>
+              <a:t>Since we use different data sources, </a:t>
+            </a:r>
+          </a:p>
+          <a:p>
+            <a:r>
+              <a:rPr lang="en-US" sz="2800" dirty="0" smtClean="0"/>
+              <a:t>we need to preprocess those data</a:t>
+            </a:r>
+            <a:endParaRPr lang="en-US" sz="2800" dirty="0"/>
+          </a:p>
+        </p:txBody>
+      </p:sp>
+      <p:sp>
+        <p:nvSpPr>
+          <p:cNvPr id="69" name="TextBox 68"/>
+          <p:cNvSpPr txBox="1"/>
+          <p:nvPr/>
+        </p:nvSpPr>
+        <p:spPr>
+          <a:xfrm>
+            <a:off x="13258782" y="14524564"/>
+            <a:ext cx="1165704" cy="400110"/>
+          </a:xfrm>
+          <a:prstGeom prst="rect">
+            <a:avLst/>
+          </a:prstGeom>
+          <a:noFill/>
+        </p:spPr>
+        <p:txBody>
+          <a:bodyPr wrap="none" rtlCol="0">
+            <a:spAutoFit/>
+          </a:bodyPr>
+          <a:lstStyle/>
+          <a:p>
+            <a:r>
+              <a:rPr lang="en-US" sz="2000" dirty="0" smtClean="0">
+                <a:ln w="0"/>
+                <a:solidFill>
+                  <a:schemeClr val="accent1"/>
+                </a:solidFill>
+                <a:effectLst>
+                  <a:outerShdw blurRad="38100" dist="25400" dir="5400000" algn="ctr" rotWithShape="0">
+                    <a:srgbClr val="6E747A">
+                      <a:alpha val="43000"/>
+                    </a:srgbClr>
+                  </a:outerShdw>
+                </a:effectLst>
+              </a:rPr>
+              <a:t>Weights</a:t>
+            </a:r>
+            <a:endParaRPr lang="en-US" sz="2000" dirty="0">
+              <a:ln w="0"/>
+              <a:solidFill>
+                <a:schemeClr val="accent1"/>
+              </a:solidFill>
+              <a:effectLst>
+                <a:outerShdw blurRad="38100" dist="25400" dir="5400000" algn="ctr" rotWithShape="0">
+                  <a:srgbClr val="6E747A">
+                    <a:alpha val="43000"/>
+                  </a:srgbClr>
+                </a:outerShdw>
+              </a:effectLst>
+            </a:endParaRPr>
+          </a:p>
+        </p:txBody>
+      </p:sp>
+      <p:cxnSp>
+        <p:nvCxnSpPr>
+          <p:cNvPr id="41" name="Straight Arrow Connector 40"/>
+          <p:cNvCxnSpPr/>
+          <p:nvPr/>
+        </p:nvCxnSpPr>
+        <p:spPr>
+          <a:xfrm>
+            <a:off x="12452383" y="14960868"/>
+            <a:ext cx="1682717" cy="1185039"/>
+          </a:xfrm>
+          <a:prstGeom prst="straightConnector1">
+            <a:avLst/>
+          </a:prstGeom>
+          <a:ln w="76200">
+            <a:tailEnd type="triangle"/>
+          </a:ln>
+        </p:spPr>
+        <p:style>
+          <a:lnRef idx="1">
+            <a:schemeClr val="accent1"/>
+          </a:lnRef>
+          <a:fillRef idx="0">
+            <a:schemeClr val="accent1"/>
+          </a:fillRef>
+          <a:effectRef idx="0">
+            <a:schemeClr val="accent1"/>
+          </a:effectRef>
+          <a:fontRef idx="minor">
+            <a:schemeClr val="tx1"/>
+          </a:fontRef>
+        </p:style>
+      </p:cxnSp>
+      <p:sp>
+        <p:nvSpPr>
+          <p:cNvPr id="81" name="TextBox 80"/>
+          <p:cNvSpPr txBox="1"/>
+          <p:nvPr/>
+        </p:nvSpPr>
+        <p:spPr>
+          <a:xfrm rot="3478544">
+            <a:off x="12597611" y="18043312"/>
+            <a:ext cx="1011815" cy="400110"/>
+          </a:xfrm>
+          <a:prstGeom prst="rect">
+            <a:avLst/>
+          </a:prstGeom>
+          <a:noFill/>
+        </p:spPr>
+        <p:txBody>
+          <a:bodyPr wrap="none" rtlCol="0">
+            <a:spAutoFit/>
+          </a:bodyPr>
+          <a:lstStyle/>
+          <a:p>
+            <a:r>
+              <a:rPr lang="en-US" altLang="zh-CN" sz="2000" dirty="0" smtClean="0">
+                <a:ln w="0"/>
+                <a:solidFill>
+                  <a:schemeClr val="accent1"/>
+                </a:solidFill>
+                <a:effectLst>
+                  <a:outerShdw blurRad="38100" dist="25400" dir="5400000" algn="ctr" rotWithShape="0">
+                    <a:srgbClr val="6E747A">
+                      <a:alpha val="43000"/>
+                    </a:srgbClr>
+                  </a:outerShdw>
+                </a:effectLst>
+              </a:rPr>
+              <a:t>output</a:t>
+            </a:r>
+            <a:endParaRPr lang="en-US" sz="2000" dirty="0">
+              <a:ln w="0"/>
+              <a:solidFill>
+                <a:schemeClr val="accent1"/>
+              </a:solidFill>
+              <a:effectLst>
+                <a:outerShdw blurRad="38100" dist="25400" dir="5400000" algn="ctr" rotWithShape="0">
+                  <a:srgbClr val="6E747A">
+                    <a:alpha val="43000"/>
+                  </a:srgbClr>
+                </a:outerShdw>
+              </a:effectLst>
+            </a:endParaRPr>
+          </a:p>
+        </p:txBody>
+      </p:sp>
+      <p:cxnSp>
+        <p:nvCxnSpPr>
+          <p:cNvPr id="90" name="Straight Arrow Connector 89"/>
+          <p:cNvCxnSpPr/>
+          <p:nvPr/>
+        </p:nvCxnSpPr>
+        <p:spPr>
+          <a:xfrm>
+            <a:off x="12392795" y="17592066"/>
+            <a:ext cx="1272405" cy="2100805"/>
+          </a:xfrm>
+          <a:prstGeom prst="straightConnector1">
+            <a:avLst/>
+          </a:prstGeom>
+          <a:ln w="76200">
+            <a:tailEnd type="triangle"/>
+          </a:ln>
+        </p:spPr>
+        <p:style>
+          <a:lnRef idx="1">
+            <a:schemeClr val="accent1"/>
+          </a:lnRef>
+          <a:fillRef idx="0">
+            <a:schemeClr val="accent1"/>
+          </a:fillRef>
+          <a:effectRef idx="0">
+            <a:schemeClr val="accent1"/>
+          </a:effectRef>
+          <a:fontRef idx="minor">
+            <a:schemeClr val="tx1"/>
+          </a:fontRef>
+        </p:style>
+      </p:cxnSp>
+      <p:sp>
+        <p:nvSpPr>
+          <p:cNvPr id="95" name="TextBox 94"/>
+          <p:cNvSpPr txBox="1"/>
+          <p:nvPr/>
+        </p:nvSpPr>
+        <p:spPr>
+          <a:xfrm>
+            <a:off x="1530350" y="25729354"/>
+            <a:ext cx="6393180" cy="1261884"/>
+          </a:xfrm>
+          <a:prstGeom prst="rect">
+            <a:avLst/>
+          </a:prstGeom>
+          <a:noFill/>
+        </p:spPr>
+        <p:txBody>
+          <a:bodyPr wrap="square" rtlCol="0">
+            <a:spAutoFit/>
+          </a:bodyPr>
+          <a:lstStyle/>
+          <a:p>
+            <a:r>
+              <a:rPr lang="en-US" sz="1900" dirty="0" smtClean="0"/>
+              <a:t>We thank Prof. David Crandall for helpful comments and discussions.</a:t>
+            </a:r>
+          </a:p>
+          <a:p>
+            <a:r>
+              <a:rPr lang="en-US" sz="1900" dirty="0" smtClean="0"/>
+              <a:t>We </a:t>
+            </a:r>
+            <a:r>
+              <a:rPr lang="en-US" sz="1900" dirty="0"/>
+              <a:t>also thank Dr. Daniel Kirsch and Martin </a:t>
+            </a:r>
+            <a:r>
+              <a:rPr lang="en-US" sz="1900" dirty="0" err="1" smtClean="0"/>
+              <a:t>Thoma</a:t>
+            </a:r>
+            <a:r>
+              <a:rPr lang="en-US" sz="1900" dirty="0" smtClean="0"/>
+              <a:t> to provide us the permission to the handwrite data.</a:t>
+            </a:r>
+            <a:endParaRPr lang="en-US" sz="1900" dirty="0"/>
+          </a:p>
+        </p:txBody>
+      </p:sp>
+      <p:pic>
+        <p:nvPicPr>
+          <p:cNvPr id="96" name="Picture 2" descr="http://neuralnetworksanddeeplearning.com/images/KSH.jpg"/>
+          <p:cNvPicPr>
+            <a:picLocks noChangeAspect="1" noChangeArrowheads="1"/>
+          </p:cNvPicPr>
+          <p:nvPr/>
+        </p:nvPicPr>
+        <p:blipFill>
+          <a:blip r:embed="rId21">
+            <a:extLst>
+              <a:ext uri="{28A0092B-C50C-407E-A947-70E740481C1C}">
+                <a14:useLocalDpi xmlns:a14="http://schemas.microsoft.com/office/drawing/2010/main" val="0"/>
+              </a:ext>
+            </a:extLst>
+          </a:blip>
+          <a:srcRect/>
+          <a:stretch>
+            <a:fillRect/>
+          </a:stretch>
+        </p:blipFill>
+        <p:spPr bwMode="auto">
+          <a:xfrm>
+            <a:off x="480312" y="3995364"/>
+            <a:ext cx="8498588" cy="2000593"/>
+          </a:xfrm>
+          <a:prstGeom prst="rect">
+            <a:avLst/>
+          </a:prstGeom>
+          <a:noFill/>
+          <a:extLst>
+            <a:ext uri="{909E8E84-426E-40DD-AFC4-6F175D3DCCD1}">
+              <a14:hiddenFill xmlns:a14="http://schemas.microsoft.com/office/drawing/2010/main">
+                <a:solidFill>
+                  <a:srgbClr val="FFFFFF"/>
+                </a:solidFill>
+              </a14:hiddenFill>
+            </a:ext>
+          </a:extLst>
+        </p:spPr>
+      </p:pic>
+      <p:sp>
+        <p:nvSpPr>
+          <p:cNvPr id="97" name="TextBox 96"/>
+          <p:cNvSpPr txBox="1"/>
+          <p:nvPr/>
+        </p:nvSpPr>
+        <p:spPr>
+          <a:xfrm>
+            <a:off x="9430757" y="4014232"/>
+            <a:ext cx="1874982" cy="954107"/>
+          </a:xfrm>
+          <a:prstGeom prst="rect">
+            <a:avLst/>
+          </a:prstGeom>
+        </p:spPr>
+        <p:style>
+          <a:lnRef idx="3">
+            <a:schemeClr val="lt1"/>
+          </a:lnRef>
+          <a:fillRef idx="1">
+            <a:schemeClr val="accent1"/>
+          </a:fillRef>
+          <a:effectRef idx="1">
+            <a:schemeClr val="accent1"/>
+          </a:effectRef>
+          <a:fontRef idx="minor">
+            <a:schemeClr val="lt1"/>
+          </a:fontRef>
+        </p:style>
+        <p:txBody>
+          <a:bodyPr wrap="square" rtlCol="0">
+            <a:spAutoFit/>
+          </a:bodyPr>
+          <a:lstStyle/>
+          <a:p>
+            <a:pPr algn="ctr"/>
+            <a:r>
+              <a:rPr lang="en-US" sz="2800" dirty="0" smtClean="0"/>
+              <a:t>Tech we used</a:t>
+            </a:r>
+            <a:endParaRPr lang="en-US" sz="2800" dirty="0"/>
+          </a:p>
+        </p:txBody>
+      </p:sp>
+      <p:sp>
+        <p:nvSpPr>
+          <p:cNvPr id="112" name="TextBox 111"/>
+          <p:cNvSpPr txBox="1"/>
+          <p:nvPr/>
+        </p:nvSpPr>
+        <p:spPr>
+          <a:xfrm rot="2124571">
+            <a:off x="12983682" y="15196216"/>
+            <a:ext cx="1011815" cy="400110"/>
+          </a:xfrm>
+          <a:prstGeom prst="rect">
+            <a:avLst/>
+          </a:prstGeom>
+          <a:noFill/>
+        </p:spPr>
+        <p:txBody>
+          <a:bodyPr wrap="none" rtlCol="0">
+            <a:spAutoFit/>
+          </a:bodyPr>
+          <a:lstStyle/>
+          <a:p>
+            <a:r>
+              <a:rPr lang="en-US" altLang="zh-CN" sz="2000" dirty="0" smtClean="0">
+                <a:ln w="0"/>
+                <a:solidFill>
+                  <a:schemeClr val="accent1"/>
+                </a:solidFill>
+                <a:effectLst>
+                  <a:outerShdw blurRad="38100" dist="25400" dir="5400000" algn="ctr" rotWithShape="0">
+                    <a:srgbClr val="6E747A">
+                      <a:alpha val="43000"/>
+                    </a:srgbClr>
+                  </a:outerShdw>
+                </a:effectLst>
+              </a:rPr>
+              <a:t>output</a:t>
+            </a:r>
+            <a:endParaRPr lang="en-US" sz="2000" dirty="0">
+              <a:ln w="0"/>
+              <a:solidFill>
+                <a:schemeClr val="accent1"/>
+              </a:solidFill>
+              <a:effectLst>
+                <a:outerShdw blurRad="38100" dist="25400" dir="5400000" algn="ctr" rotWithShape="0">
+                  <a:srgbClr val="6E747A">
+                    <a:alpha val="43000"/>
+                  </a:srgbClr>
+                </a:outerShdw>
+              </a:effectLst>
+            </a:endParaRPr>
+          </a:p>
+        </p:txBody>
+      </p:sp>
+      <p:pic>
+        <p:nvPicPr>
+          <p:cNvPr id="101" name="Picture 100"/>
+          <p:cNvPicPr>
+            <a:picLocks noChangeAspect="1"/>
+          </p:cNvPicPr>
+          <p:nvPr/>
+        </p:nvPicPr>
+        <p:blipFill>
+          <a:blip r:embed="rId22">
+            <a:extLst>
+              <a:ext uri="{28A0092B-C50C-407E-A947-70E740481C1C}">
+                <a14:useLocalDpi xmlns:a14="http://schemas.microsoft.com/office/drawing/2010/main" val="0"/>
+              </a:ext>
+            </a:extLst>
+          </a:blip>
+          <a:stretch>
+            <a:fillRect/>
+          </a:stretch>
+        </p:blipFill>
+        <p:spPr>
+          <a:xfrm>
+            <a:off x="853440" y="12957255"/>
+            <a:ext cx="921797" cy="921797"/>
+          </a:xfrm>
+          <a:prstGeom prst="rect">
+            <a:avLst/>
+          </a:prstGeom>
+        </p:spPr>
+      </p:pic>
+      <p:pic>
+        <p:nvPicPr>
+          <p:cNvPr id="102" name="Picture 101"/>
+          <p:cNvPicPr>
+            <a:picLocks noChangeAspect="1"/>
+          </p:cNvPicPr>
+          <p:nvPr/>
+        </p:nvPicPr>
+        <p:blipFill>
+          <a:blip r:embed="rId23">
+            <a:extLst>
+              <a:ext uri="{28A0092B-C50C-407E-A947-70E740481C1C}">
+                <a14:useLocalDpi xmlns:a14="http://schemas.microsoft.com/office/drawing/2010/main" val="0"/>
+              </a:ext>
+            </a:extLst>
+          </a:blip>
+          <a:stretch>
+            <a:fillRect/>
+          </a:stretch>
+        </p:blipFill>
+        <p:spPr>
+          <a:xfrm>
+            <a:off x="1762262" y="12802169"/>
+            <a:ext cx="1450299" cy="1087724"/>
+          </a:xfrm>
+          <a:prstGeom prst="rect">
+            <a:avLst/>
+          </a:prstGeom>
+        </p:spPr>
+      </p:pic>
+      <p:pic>
+        <p:nvPicPr>
+          <p:cNvPr id="103" name="Picture 102"/>
+          <p:cNvPicPr>
+            <a:picLocks noChangeAspect="1"/>
+          </p:cNvPicPr>
+          <p:nvPr/>
+        </p:nvPicPr>
+        <p:blipFill>
+          <a:blip r:embed="rId24">
+            <a:extLst>
+              <a:ext uri="{28A0092B-C50C-407E-A947-70E740481C1C}">
+                <a14:useLocalDpi xmlns:a14="http://schemas.microsoft.com/office/drawing/2010/main" val="0"/>
+              </a:ext>
+            </a:extLst>
+          </a:blip>
+          <a:stretch>
+            <a:fillRect/>
+          </a:stretch>
+        </p:blipFill>
+        <p:spPr>
+          <a:xfrm>
+            <a:off x="3286579" y="12784695"/>
+            <a:ext cx="1122627" cy="1122627"/>
+          </a:xfrm>
+          <a:prstGeom prst="rect">
+            <a:avLst/>
+          </a:prstGeom>
+        </p:spPr>
+      </p:pic>
+      <p:pic>
+        <p:nvPicPr>
+          <p:cNvPr id="104" name="Picture 103"/>
+          <p:cNvPicPr>
+            <a:picLocks noChangeAspect="1"/>
+          </p:cNvPicPr>
+          <p:nvPr/>
+        </p:nvPicPr>
+        <p:blipFill>
+          <a:blip r:embed="rId25">
+            <a:extLst>
+              <a:ext uri="{28A0092B-C50C-407E-A947-70E740481C1C}">
+                <a14:useLocalDpi xmlns:a14="http://schemas.microsoft.com/office/drawing/2010/main" val="0"/>
+              </a:ext>
+            </a:extLst>
+          </a:blip>
+          <a:stretch>
+            <a:fillRect/>
+          </a:stretch>
+        </p:blipFill>
+        <p:spPr>
+          <a:xfrm>
+            <a:off x="4751185" y="12902324"/>
+            <a:ext cx="1316759" cy="987569"/>
+          </a:xfrm>
+          <a:prstGeom prst="rect">
+            <a:avLst/>
+          </a:prstGeom>
+        </p:spPr>
+      </p:pic>
+      <p:pic>
+        <p:nvPicPr>
+          <p:cNvPr id="105" name="Picture 104"/>
+          <p:cNvPicPr>
+            <a:picLocks noChangeAspect="1"/>
+          </p:cNvPicPr>
+          <p:nvPr/>
+        </p:nvPicPr>
+        <p:blipFill>
+          <a:blip r:embed="rId26">
+            <a:extLst>
+              <a:ext uri="{28A0092B-C50C-407E-A947-70E740481C1C}">
+                <a14:useLocalDpi xmlns:a14="http://schemas.microsoft.com/office/drawing/2010/main" val="0"/>
+              </a:ext>
+            </a:extLst>
+          </a:blip>
+          <a:stretch>
+            <a:fillRect/>
+          </a:stretch>
+        </p:blipFill>
+        <p:spPr>
+          <a:xfrm>
+            <a:off x="7193929" y="12869105"/>
+            <a:ext cx="1552746" cy="1164560"/>
+          </a:xfrm>
+          <a:prstGeom prst="rect">
+            <a:avLst/>
+          </a:prstGeom>
+        </p:spPr>
+      </p:pic>
+      <p:pic>
+        <p:nvPicPr>
+          <p:cNvPr id="106" name="Picture 105"/>
+          <p:cNvPicPr>
+            <a:picLocks noChangeAspect="1"/>
+          </p:cNvPicPr>
+          <p:nvPr/>
+        </p:nvPicPr>
+        <p:blipFill>
+          <a:blip r:embed="rId27"/>
+          <a:stretch>
+            <a:fillRect/>
+          </a:stretch>
+        </p:blipFill>
+        <p:spPr>
+          <a:xfrm>
+            <a:off x="6169891" y="12902324"/>
+            <a:ext cx="1131340" cy="1131340"/>
+          </a:xfrm>
+          <a:prstGeom prst="rect">
+            <a:avLst/>
+          </a:prstGeom>
+        </p:spPr>
+      </p:pic>
+      <p:sp>
+        <p:nvSpPr>
+          <p:cNvPr id="133" name="TextBox 132"/>
+          <p:cNvSpPr txBox="1"/>
+          <p:nvPr/>
+        </p:nvSpPr>
+        <p:spPr>
+          <a:xfrm>
+            <a:off x="2636886" y="18668326"/>
+            <a:ext cx="1085554" cy="523220"/>
+          </a:xfrm>
+          <a:prstGeom prst="rect">
+            <a:avLst/>
+          </a:prstGeom>
+          <a:noFill/>
+        </p:spPr>
+        <p:txBody>
+          <a:bodyPr wrap="none" rtlCol="0">
+            <a:spAutoFit/>
+          </a:bodyPr>
+          <a:lstStyle/>
+          <a:p>
+            <a:r>
+              <a:rPr lang="en-US" altLang="zh-CN" sz="1400" dirty="0" smtClean="0">
+                <a:ln w="0"/>
+                <a:effectLst>
+                  <a:outerShdw blurRad="38100" dist="25400" dir="5400000" algn="ctr" rotWithShape="0">
+                    <a:srgbClr val="6E747A">
+                      <a:alpha val="43000"/>
+                    </a:srgbClr>
+                  </a:outerShdw>
+                </a:effectLst>
+              </a:rPr>
+              <a:t>convert</a:t>
+            </a:r>
+          </a:p>
+          <a:p>
+            <a:r>
+              <a:rPr lang="en-US" altLang="zh-CN" sz="1400" dirty="0" err="1" smtClean="0">
+                <a:ln w="0"/>
+                <a:effectLst>
+                  <a:outerShdw blurRad="38100" dist="25400" dir="5400000" algn="ctr" rotWithShape="0">
+                    <a:srgbClr val="6E747A">
+                      <a:alpha val="43000"/>
+                    </a:srgbClr>
+                  </a:outerShdw>
+                </a:effectLst>
+              </a:rPr>
+              <a:t>image_set</a:t>
+            </a:r>
+            <a:endParaRPr lang="en-US" sz="1400" dirty="0">
+              <a:ln w="0"/>
+              <a:effectLst>
+                <a:outerShdw blurRad="38100" dist="25400" dir="5400000" algn="ctr" rotWithShape="0">
+                  <a:srgbClr val="6E747A">
+                    <a:alpha val="43000"/>
+                  </a:srgbClr>
+                </a:outerShdw>
+              </a:effectLst>
+            </a:endParaRPr>
+          </a:p>
+        </p:txBody>
+      </p:sp>
+      <p:sp>
+        <p:nvSpPr>
+          <p:cNvPr id="107" name="Flowchart: Magnetic Disk 106"/>
+          <p:cNvSpPr/>
+          <p:nvPr/>
+        </p:nvSpPr>
+        <p:spPr>
+          <a:xfrm>
+            <a:off x="782965" y="17048110"/>
+            <a:ext cx="1378245" cy="1087911"/>
+          </a:xfrm>
+          <a:prstGeom prst="flowChartMagneticDisk">
+            <a:avLst/>
+          </a:prstGeom>
+        </p:spPr>
+        <p:style>
+          <a:lnRef idx="1">
+            <a:schemeClr val="accent1"/>
+          </a:lnRef>
+          <a:fillRef idx="2">
+            <a:schemeClr val="accent1"/>
+          </a:fillRef>
+          <a:effectRef idx="1">
+            <a:schemeClr val="accent1"/>
+          </a:effectRef>
+          <a:fontRef idx="minor">
+            <a:schemeClr val="dk1"/>
+          </a:fontRef>
+        </p:style>
+        <p:txBody>
+          <a:bodyPr rtlCol="0" anchor="ctr"/>
+          <a:lstStyle/>
+          <a:p>
+            <a:pPr algn="ctr"/>
+            <a:r>
+              <a:rPr lang="en-US" altLang="zh-CN" sz="1800" dirty="0" err="1" smtClean="0">
+                <a:solidFill>
+                  <a:schemeClr val="tx1"/>
+                </a:solidFill>
+              </a:rPr>
+              <a:t>CouchDB</a:t>
+            </a:r>
+            <a:endParaRPr lang="en-US" altLang="zh-CN" sz="1800" dirty="0">
+              <a:solidFill>
+                <a:schemeClr val="tx1"/>
+              </a:solidFill>
+            </a:endParaRPr>
+          </a:p>
+        </p:txBody>
+      </p:sp>
+      <p:sp>
+        <p:nvSpPr>
+          <p:cNvPr id="135" name="Right Arrow 134"/>
+          <p:cNvSpPr/>
+          <p:nvPr/>
+        </p:nvSpPr>
+        <p:spPr>
+          <a:xfrm rot="10800000">
+            <a:off x="2491097" y="19164023"/>
+            <a:ext cx="1356795" cy="318325"/>
+          </a:xfrm>
+          <a:prstGeom prst="rightArrow">
+            <a:avLst/>
+          </a:prstGeom>
+        </p:spPr>
+        <p:style>
+          <a:lnRef idx="1">
+            <a:schemeClr val="accent1"/>
+          </a:lnRef>
+          <a:fillRef idx="2">
+            <a:schemeClr val="accent1"/>
+          </a:fillRef>
+          <a:effectRef idx="1">
+            <a:schemeClr val="accent1"/>
+          </a:effectRef>
+          <a:fontRef idx="minor">
+            <a:schemeClr val="dk1"/>
+          </a:fontRef>
+        </p:style>
+        <p:txBody>
+          <a:bodyPr rtlCol="0" anchor="ctr"/>
+          <a:lstStyle/>
+          <a:p>
+            <a:pPr algn="ctr"/>
+            <a:endParaRPr lang="en-US" dirty="0"/>
+          </a:p>
+        </p:txBody>
+      </p:sp>
+      <p:sp>
+        <p:nvSpPr>
+          <p:cNvPr id="137" name="Right Arrow 136"/>
+          <p:cNvSpPr/>
+          <p:nvPr/>
+        </p:nvSpPr>
+        <p:spPr>
+          <a:xfrm rot="5400000">
+            <a:off x="7385311" y="18063123"/>
+            <a:ext cx="277508" cy="822140"/>
+          </a:xfrm>
+          <a:prstGeom prst="rightArrow">
+            <a:avLst/>
+          </a:prstGeom>
+        </p:spPr>
+        <p:style>
+          <a:lnRef idx="1">
+            <a:schemeClr val="accent1"/>
+          </a:lnRef>
+          <a:fillRef idx="2">
+            <a:schemeClr val="accent1"/>
+          </a:fillRef>
+          <a:effectRef idx="1">
+            <a:schemeClr val="accent1"/>
+          </a:effectRef>
+          <a:fontRef idx="minor">
+            <a:schemeClr val="dk1"/>
+          </a:fontRef>
+        </p:style>
+        <p:txBody>
+          <a:bodyPr rtlCol="0" anchor="ctr"/>
+          <a:lstStyle/>
+          <a:p>
+            <a:pPr algn="ctr"/>
+            <a:endParaRPr lang="en-US"/>
+          </a:p>
+        </p:txBody>
+      </p:sp>
+      <p:sp>
+        <p:nvSpPr>
+          <p:cNvPr id="108" name="TextBox 107"/>
+          <p:cNvSpPr txBox="1"/>
+          <p:nvPr/>
+        </p:nvSpPr>
+        <p:spPr>
+          <a:xfrm>
+            <a:off x="642134" y="20233121"/>
+            <a:ext cx="8018360" cy="1815882"/>
+          </a:xfrm>
+          <a:prstGeom prst="rect">
+            <a:avLst/>
+          </a:prstGeom>
+          <a:noFill/>
+        </p:spPr>
+        <p:txBody>
+          <a:bodyPr wrap="square" rtlCol="0">
+            <a:spAutoFit/>
+          </a:bodyPr>
+          <a:lstStyle/>
+          <a:p>
+            <a:pPr marL="342900" indent="-342900">
+              <a:buFont typeface="Arial" panose="020B0604020202020204" pitchFamily="34" charset="0"/>
+              <a:buChar char="•"/>
+            </a:pPr>
+            <a:r>
+              <a:rPr lang="en-US" sz="1600" dirty="0" smtClean="0"/>
+              <a:t>We use </a:t>
+            </a:r>
+            <a:r>
+              <a:rPr lang="en-US" sz="1600" dirty="0" err="1" smtClean="0"/>
+              <a:t>nodejs</a:t>
+            </a:r>
+            <a:r>
+              <a:rPr lang="en-US" sz="1600" dirty="0" smtClean="0"/>
+              <a:t> to convert the </a:t>
+            </a:r>
+            <a:r>
+              <a:rPr lang="en-US" sz="1600" dirty="0" err="1" smtClean="0"/>
+              <a:t>couchdb</a:t>
+            </a:r>
+            <a:r>
+              <a:rPr lang="en-US" sz="1600" dirty="0" smtClean="0"/>
+              <a:t> </a:t>
+            </a:r>
+            <a:r>
+              <a:rPr lang="en-US" sz="1600" dirty="0" err="1" smtClean="0"/>
+              <a:t>dat</a:t>
+            </a:r>
+            <a:r>
+              <a:rPr lang="en-US" sz="1600" dirty="0" smtClean="0"/>
+              <a:t> to </a:t>
+            </a:r>
+            <a:r>
+              <a:rPr lang="en-US" sz="1600" dirty="0" err="1" smtClean="0"/>
+              <a:t>svg</a:t>
+            </a:r>
+            <a:r>
+              <a:rPr lang="en-US" sz="1600" dirty="0" smtClean="0"/>
+              <a:t> and make the stroke border.</a:t>
+            </a:r>
+          </a:p>
+          <a:p>
+            <a:pPr marL="342900" indent="-342900">
+              <a:buFont typeface="Arial" panose="020B0604020202020204" pitchFamily="34" charset="0"/>
+              <a:buChar char="•"/>
+            </a:pPr>
+            <a:r>
+              <a:rPr lang="en-US" sz="1600" dirty="0" smtClean="0"/>
+              <a:t>We use </a:t>
+            </a:r>
+            <a:r>
+              <a:rPr lang="en-US" sz="1600" dirty="0" err="1" smtClean="0"/>
+              <a:t>imagemagick</a:t>
+            </a:r>
+            <a:r>
+              <a:rPr lang="en-US" sz="1600" dirty="0" smtClean="0"/>
+              <a:t> to negate, resize the image and convert it to </a:t>
+            </a:r>
+            <a:r>
+              <a:rPr lang="en-US" sz="1600" dirty="0" err="1" smtClean="0"/>
+              <a:t>png</a:t>
+            </a:r>
+            <a:endParaRPr lang="en-US" sz="1600" dirty="0" smtClean="0"/>
+          </a:p>
+          <a:p>
+            <a:pPr marL="342900" indent="-342900">
+              <a:buFont typeface="Arial" panose="020B0604020202020204" pitchFamily="34" charset="0"/>
+              <a:buChar char="•"/>
+            </a:pPr>
+            <a:r>
+              <a:rPr lang="en-US" sz="1600" dirty="0" smtClean="0"/>
+              <a:t>We use python to crop the image and add our image</a:t>
+            </a:r>
+          </a:p>
+          <a:p>
+            <a:pPr marL="342900" indent="-342900">
+              <a:buFont typeface="Arial" panose="020B0604020202020204" pitchFamily="34" charset="0"/>
+              <a:buChar char="•"/>
+            </a:pPr>
+            <a:r>
+              <a:rPr lang="en-US" sz="1600" dirty="0" smtClean="0"/>
+              <a:t>We balance the training and testing data set by resampling</a:t>
+            </a:r>
+          </a:p>
+          <a:p>
+            <a:pPr marL="342900" indent="-342900">
+              <a:buFont typeface="Arial" panose="020B0604020202020204" pitchFamily="34" charset="0"/>
+              <a:buChar char="•"/>
+            </a:pPr>
+            <a:r>
+              <a:rPr lang="en-US" sz="1600" dirty="0" smtClean="0"/>
+              <a:t>The last step is to use </a:t>
+            </a:r>
+            <a:r>
+              <a:rPr lang="en-US" sz="1600" dirty="0" err="1" smtClean="0"/>
+              <a:t>caffe</a:t>
+            </a:r>
+            <a:r>
+              <a:rPr lang="en-US" sz="1600" dirty="0" smtClean="0"/>
+              <a:t> tool </a:t>
+            </a:r>
+            <a:r>
+              <a:rPr lang="en-US" sz="1600" dirty="0" err="1" smtClean="0"/>
+              <a:t>conver_image_set</a:t>
+            </a:r>
+            <a:r>
+              <a:rPr lang="en-US" sz="1600" dirty="0" smtClean="0"/>
+              <a:t> to convert the image to </a:t>
+            </a:r>
+            <a:r>
+              <a:rPr lang="en-US" sz="1600" dirty="0" err="1" smtClean="0"/>
+              <a:t>lmdb</a:t>
+            </a:r>
+            <a:endParaRPr lang="en-US" sz="1600" dirty="0"/>
+          </a:p>
+        </p:txBody>
+      </p:sp>
+      <p:sp>
+        <p:nvSpPr>
+          <p:cNvPr id="145" name="Rectangle 144"/>
+          <p:cNvSpPr/>
+          <p:nvPr/>
+        </p:nvSpPr>
+        <p:spPr>
+          <a:xfrm>
+            <a:off x="6956927" y="18717954"/>
+            <a:ext cx="1132943" cy="1132943"/>
+          </a:xfrm>
+          <a:prstGeom prst="rect">
+            <a:avLst/>
+          </a:prstGeom>
+        </p:spPr>
+        <p:style>
+          <a:lnRef idx="1">
+            <a:schemeClr val="accent1"/>
+          </a:lnRef>
+          <a:fillRef idx="2">
+            <a:schemeClr val="accent1"/>
+          </a:fillRef>
+          <a:effectRef idx="1">
+            <a:schemeClr val="accent1"/>
+          </a:effectRef>
+          <a:fontRef idx="minor">
+            <a:schemeClr val="dk1"/>
+          </a:fontRef>
+        </p:style>
+        <p:txBody>
+          <a:bodyPr rtlCol="0" anchor="ctr"/>
+          <a:lstStyle/>
+          <a:p>
+            <a:pPr algn="ctr"/>
+            <a:r>
+              <a:rPr lang="en-US" altLang="zh-CN" sz="2800" dirty="0" smtClean="0"/>
+              <a:t>PNG</a:t>
+            </a:r>
+            <a:endParaRPr lang="en-US" sz="2800" dirty="0"/>
+          </a:p>
+        </p:txBody>
+      </p:sp>
+      <p:sp>
+        <p:nvSpPr>
+          <p:cNvPr id="146" name="Right Arrow 145"/>
+          <p:cNvSpPr/>
+          <p:nvPr/>
+        </p:nvSpPr>
+        <p:spPr>
+          <a:xfrm rot="10800000">
+            <a:off x="5408840" y="19176030"/>
+            <a:ext cx="1356795" cy="318325"/>
+          </a:xfrm>
+          <a:prstGeom prst="rightArrow">
+            <a:avLst/>
+          </a:prstGeom>
+        </p:spPr>
+        <p:style>
+          <a:lnRef idx="1">
+            <a:schemeClr val="accent1"/>
+          </a:lnRef>
+          <a:fillRef idx="2">
+            <a:schemeClr val="accent1"/>
+          </a:fillRef>
+          <a:effectRef idx="1">
+            <a:schemeClr val="accent1"/>
+          </a:effectRef>
+          <a:fontRef idx="minor">
+            <a:schemeClr val="dk1"/>
+          </a:fontRef>
+        </p:style>
+        <p:txBody>
+          <a:bodyPr rtlCol="0" anchor="ctr"/>
+          <a:lstStyle/>
+          <a:p>
+            <a:pPr algn="ctr"/>
+            <a:endParaRPr lang="en-US" dirty="0"/>
+          </a:p>
+        </p:txBody>
+      </p:sp>
+      <p:sp>
+        <p:nvSpPr>
+          <p:cNvPr id="147" name="TextBox 146"/>
+          <p:cNvSpPr txBox="1"/>
+          <p:nvPr/>
+        </p:nvSpPr>
+        <p:spPr>
+          <a:xfrm>
+            <a:off x="5400347" y="18851619"/>
+            <a:ext cx="1486304" cy="292388"/>
+          </a:xfrm>
+          <a:prstGeom prst="rect">
+            <a:avLst/>
+          </a:prstGeom>
+          <a:noFill/>
+        </p:spPr>
+        <p:txBody>
+          <a:bodyPr wrap="none" rtlCol="0">
+            <a:spAutoFit/>
+          </a:bodyPr>
+          <a:lstStyle/>
+          <a:p>
+            <a:r>
+              <a:rPr lang="en-US" sz="1300" dirty="0" smtClean="0">
+                <a:ln w="0"/>
+                <a:effectLst>
+                  <a:outerShdw blurRad="38100" dist="25400" dir="5400000" algn="ctr" rotWithShape="0">
+                    <a:srgbClr val="6E747A">
+                      <a:alpha val="43000"/>
+                    </a:srgbClr>
+                  </a:outerShdw>
+                </a:effectLst>
+              </a:rPr>
+              <a:t>crop &amp; padding</a:t>
+            </a:r>
           </a:p>
         </p:txBody>
       </p:sp>

--- a/poster/poster.pptx
+++ b/poster/poster.pptx
@@ -12979,39 +12979,6 @@
       </p:cxnSp>
       <p:cxnSp>
         <p:nvCxnSpPr>
-          <p:cNvPr id="38" name="Straight Arrow Connector 37"/>
-          <p:cNvCxnSpPr/>
-          <p:nvPr/>
-        </p:nvCxnSpPr>
-        <p:spPr>
-          <a:xfrm>
-            <a:off x="12452383" y="24371934"/>
-            <a:ext cx="1054297" cy="0"/>
-          </a:xfrm>
-          <a:prstGeom prst="straightConnector1">
-            <a:avLst/>
-          </a:prstGeom>
-          <a:ln w="79375">
-            <a:tailEnd type="triangle"/>
-          </a:ln>
-        </p:spPr>
-        <p:style>
-          <a:lnRef idx="1">
-            <a:schemeClr val="accent1"/>
-          </a:lnRef>
-          <a:fillRef idx="0">
-            <a:schemeClr val="accent1"/>
-          </a:fillRef>
-          <a:effectRef idx="0">
-            <a:schemeClr val="accent1"/>
-          </a:effectRef>
-          <a:fontRef idx="minor">
-            <a:schemeClr val="tx1"/>
-          </a:fontRef>
-        </p:style>
-      </p:cxnSp>
-      <p:cxnSp>
-        <p:nvCxnSpPr>
           <p:cNvPr id="71" name="Straight Arrow Connector 70"/>
           <p:cNvCxnSpPr/>
           <p:nvPr/>
@@ -15087,6 +15054,173 @@
           </a:p>
         </p:txBody>
       </p:sp>
+      <p:pic>
+        <p:nvPicPr>
+          <p:cNvPr id="109" name="Picture 108"/>
+          <p:cNvPicPr>
+            <a:picLocks noChangeAspect="1"/>
+          </p:cNvPicPr>
+          <p:nvPr/>
+        </p:nvPicPr>
+        <p:blipFill>
+          <a:blip r:embed="rId28">
+            <a:extLst>
+              <a:ext uri="{28A0092B-C50C-407E-A947-70E740481C1C}">
+                <a14:useLocalDpi xmlns:a14="http://schemas.microsoft.com/office/drawing/2010/main" val="0"/>
+              </a:ext>
+            </a:extLst>
+          </a:blip>
+          <a:stretch>
+            <a:fillRect/>
+          </a:stretch>
+        </p:blipFill>
+        <p:spPr>
+          <a:xfrm>
+            <a:off x="13367460" y="23862080"/>
+            <a:ext cx="4280718" cy="3210539"/>
+          </a:xfrm>
+          <a:prstGeom prst="rect">
+            <a:avLst/>
+          </a:prstGeom>
+        </p:spPr>
+      </p:pic>
+      <p:cxnSp>
+        <p:nvCxnSpPr>
+          <p:cNvPr id="111" name="Straight Arrow Connector 110"/>
+          <p:cNvCxnSpPr/>
+          <p:nvPr/>
+        </p:nvCxnSpPr>
+        <p:spPr>
+          <a:xfrm>
+            <a:off x="15259055" y="24884063"/>
+            <a:ext cx="241900" cy="845291"/>
+          </a:xfrm>
+          <a:prstGeom prst="straightConnector1">
+            <a:avLst/>
+          </a:prstGeom>
+          <a:ln>
+            <a:tailEnd type="triangle"/>
+          </a:ln>
+        </p:spPr>
+        <p:style>
+          <a:lnRef idx="1">
+            <a:schemeClr val="accent1"/>
+          </a:lnRef>
+          <a:fillRef idx="0">
+            <a:schemeClr val="accent1"/>
+          </a:fillRef>
+          <a:effectRef idx="0">
+            <a:schemeClr val="accent1"/>
+          </a:effectRef>
+          <a:fontRef idx="minor">
+            <a:schemeClr val="tx1"/>
+          </a:fontRef>
+        </p:style>
+      </p:cxnSp>
+      <p:sp>
+        <p:nvSpPr>
+          <p:cNvPr id="113" name="TextBox 112"/>
+          <p:cNvSpPr txBox="1"/>
+          <p:nvPr/>
+        </p:nvSpPr>
+        <p:spPr>
+          <a:xfrm>
+            <a:off x="14801850" y="25744205"/>
+            <a:ext cx="1673888" cy="646331"/>
+          </a:xfrm>
+          <a:prstGeom prst="rect">
+            <a:avLst/>
+          </a:prstGeom>
+          <a:noFill/>
+        </p:spPr>
+        <p:txBody>
+          <a:bodyPr wrap="square" rtlCol="0">
+            <a:spAutoFit/>
+          </a:bodyPr>
+          <a:lstStyle/>
+          <a:p>
+            <a:pPr algn="ctr"/>
+            <a:r>
+              <a:rPr lang="en-US" sz="1200" b="1" dirty="0"/>
+              <a:t>i</a:t>
+            </a:r>
+            <a:r>
+              <a:rPr lang="en-US" sz="1200" b="1" dirty="0" smtClean="0"/>
+              <a:t>ncrease batch size                  &amp;</a:t>
+            </a:r>
+          </a:p>
+          <a:p>
+            <a:r>
+              <a:rPr lang="en-US" sz="1200" b="1" dirty="0" smtClean="0"/>
+              <a:t> reset learning rate</a:t>
+            </a:r>
+            <a:endParaRPr lang="en-US" sz="1200" b="1" dirty="0"/>
+          </a:p>
+        </p:txBody>
+      </p:sp>
+      <p:sp>
+        <p:nvSpPr>
+          <p:cNvPr id="152" name="TextBox 151"/>
+          <p:cNvSpPr txBox="1"/>
+          <p:nvPr/>
+        </p:nvSpPr>
+        <p:spPr>
+          <a:xfrm>
+            <a:off x="15737622" y="24886192"/>
+            <a:ext cx="1673888" cy="276999"/>
+          </a:xfrm>
+          <a:prstGeom prst="rect">
+            <a:avLst/>
+          </a:prstGeom>
+          <a:noFill/>
+        </p:spPr>
+        <p:txBody>
+          <a:bodyPr wrap="square" rtlCol="0">
+            <a:spAutoFit/>
+          </a:bodyPr>
+          <a:lstStyle/>
+          <a:p>
+            <a:r>
+              <a:rPr lang="en-US" sz="1200" b="1" dirty="0" smtClean="0"/>
+              <a:t>reset leaning rate</a:t>
+            </a:r>
+            <a:endParaRPr lang="en-US" sz="1200" b="1" dirty="0"/>
+          </a:p>
+        </p:txBody>
+      </p:sp>
+      <p:cxnSp>
+        <p:nvCxnSpPr>
+          <p:cNvPr id="115" name="Straight Arrow Connector 114"/>
+          <p:cNvCxnSpPr/>
+          <p:nvPr/>
+        </p:nvCxnSpPr>
+        <p:spPr>
+          <a:xfrm flipH="1">
+            <a:off x="16744269" y="24450675"/>
+            <a:ext cx="92774" cy="371475"/>
+          </a:xfrm>
+          <a:prstGeom prst="straightConnector1">
+            <a:avLst/>
+          </a:prstGeom>
+          <a:ln>
+            <a:tailEnd type="triangle"/>
+          </a:ln>
+        </p:spPr>
+        <p:style>
+          <a:lnRef idx="1">
+            <a:schemeClr val="accent1"/>
+          </a:lnRef>
+          <a:fillRef idx="0">
+            <a:schemeClr val="accent1"/>
+          </a:fillRef>
+          <a:effectRef idx="0">
+            <a:schemeClr val="accent1"/>
+          </a:effectRef>
+          <a:fontRef idx="minor">
+            <a:schemeClr val="tx1"/>
+          </a:fontRef>
+        </p:style>
+      </p:cxnSp>
     </p:spTree>
     <p:extLst>
       <p:ext uri="{BB962C8B-B14F-4D97-AF65-F5344CB8AC3E}">

--- a/poster/poster.pptx
+++ b/poster/poster.pptx
@@ -116,6 +116,753 @@
 </file>
 
 <file path=ppt/diagrams/colors1.xml><?xml version="1.0" encoding="utf-8"?>
+<dgm:colorsDef xmlns:dgm="http://schemas.openxmlformats.org/drawingml/2006/diagram" xmlns:a="http://schemas.openxmlformats.org/drawingml/2006/main" uniqueId="urn:microsoft.com/office/officeart/2005/8/colors/accent1_2">
+  <dgm:title val=""/>
+  <dgm:desc val=""/>
+  <dgm:catLst>
+    <dgm:cat type="accent1" pri="11200"/>
+  </dgm:catLst>
+  <dgm:styleLbl name="node0">
+    <dgm:fillClrLst meth="repeat">
+      <a:schemeClr val="accent1"/>
+    </dgm:fillClrLst>
+    <dgm:linClrLst meth="repeat">
+      <a:schemeClr val="lt1"/>
+    </dgm:linClrLst>
+    <dgm:effectClrLst/>
+    <dgm:txLinClrLst/>
+    <dgm:txFillClrLst/>
+    <dgm:txEffectClrLst/>
+  </dgm:styleLbl>
+  <dgm:styleLbl name="alignNode1">
+    <dgm:fillClrLst meth="repeat">
+      <a:schemeClr val="accent1"/>
+    </dgm:fillClrLst>
+    <dgm:linClrLst meth="repeat">
+      <a:schemeClr val="accent1"/>
+    </dgm:linClrLst>
+    <dgm:effectClrLst/>
+    <dgm:txLinClrLst/>
+    <dgm:txFillClrLst/>
+    <dgm:txEffectClrLst/>
+  </dgm:styleLbl>
+  <dgm:styleLbl name="node1">
+    <dgm:fillClrLst meth="repeat">
+      <a:schemeClr val="accent1"/>
+    </dgm:fillClrLst>
+    <dgm:linClrLst meth="repeat">
+      <a:schemeClr val="lt1"/>
+    </dgm:linClrLst>
+    <dgm:effectClrLst/>
+    <dgm:txLinClrLst/>
+    <dgm:txFillClrLst/>
+    <dgm:txEffectClrLst/>
+  </dgm:styleLbl>
+  <dgm:styleLbl name="lnNode1">
+    <dgm:fillClrLst meth="repeat">
+      <a:schemeClr val="accent1"/>
+    </dgm:fillClrLst>
+    <dgm:linClrLst meth="repeat">
+      <a:schemeClr val="lt1"/>
+    </dgm:linClrLst>
+    <dgm:effectClrLst/>
+    <dgm:txLinClrLst/>
+    <dgm:txFillClrLst/>
+    <dgm:txEffectClrLst/>
+  </dgm:styleLbl>
+  <dgm:styleLbl name="vennNode1">
+    <dgm:fillClrLst meth="repeat">
+      <a:schemeClr val="accent1">
+        <a:alpha val="50000"/>
+      </a:schemeClr>
+    </dgm:fillClrLst>
+    <dgm:linClrLst meth="repeat">
+      <a:schemeClr val="lt1"/>
+    </dgm:linClrLst>
+    <dgm:effectClrLst/>
+    <dgm:txLinClrLst/>
+    <dgm:txFillClrLst/>
+    <dgm:txEffectClrLst/>
+  </dgm:styleLbl>
+  <dgm:styleLbl name="node2">
+    <dgm:fillClrLst meth="repeat">
+      <a:schemeClr val="accent1"/>
+    </dgm:fillClrLst>
+    <dgm:linClrLst meth="repeat">
+      <a:schemeClr val="lt1"/>
+    </dgm:linClrLst>
+    <dgm:effectClrLst/>
+    <dgm:txLinClrLst/>
+    <dgm:txFillClrLst/>
+    <dgm:txEffectClrLst/>
+  </dgm:styleLbl>
+  <dgm:styleLbl name="node3">
+    <dgm:fillClrLst meth="repeat">
+      <a:schemeClr val="accent1"/>
+    </dgm:fillClrLst>
+    <dgm:linClrLst meth="repeat">
+      <a:schemeClr val="lt1"/>
+    </dgm:linClrLst>
+    <dgm:effectClrLst/>
+    <dgm:txLinClrLst/>
+    <dgm:txFillClrLst/>
+    <dgm:txEffectClrLst/>
+  </dgm:styleLbl>
+  <dgm:styleLbl name="node4">
+    <dgm:fillClrLst meth="repeat">
+      <a:schemeClr val="accent1"/>
+    </dgm:fillClrLst>
+    <dgm:linClrLst meth="repeat">
+      <a:schemeClr val="lt1"/>
+    </dgm:linClrLst>
+    <dgm:effectClrLst/>
+    <dgm:txLinClrLst/>
+    <dgm:txFillClrLst/>
+    <dgm:txEffectClrLst/>
+  </dgm:styleLbl>
+  <dgm:styleLbl name="fgImgPlace1">
+    <dgm:fillClrLst meth="repeat">
+      <a:schemeClr val="accent1">
+        <a:tint val="50000"/>
+      </a:schemeClr>
+    </dgm:fillClrLst>
+    <dgm:linClrLst meth="repeat">
+      <a:schemeClr val="lt1"/>
+    </dgm:linClrLst>
+    <dgm:effectClrLst/>
+    <dgm:txLinClrLst/>
+    <dgm:txFillClrLst meth="repeat">
+      <a:schemeClr val="lt1"/>
+    </dgm:txFillClrLst>
+    <dgm:txEffectClrLst/>
+  </dgm:styleLbl>
+  <dgm:styleLbl name="alignImgPlace1">
+    <dgm:fillClrLst meth="repeat">
+      <a:schemeClr val="accent1">
+        <a:tint val="50000"/>
+      </a:schemeClr>
+    </dgm:fillClrLst>
+    <dgm:linClrLst meth="repeat">
+      <a:schemeClr val="lt1"/>
+    </dgm:linClrLst>
+    <dgm:effectClrLst/>
+    <dgm:txLinClrLst/>
+    <dgm:txFillClrLst meth="repeat">
+      <a:schemeClr val="lt1"/>
+    </dgm:txFillClrLst>
+    <dgm:txEffectClrLst/>
+  </dgm:styleLbl>
+  <dgm:styleLbl name="bgImgPlace1">
+    <dgm:fillClrLst meth="repeat">
+      <a:schemeClr val="accent1">
+        <a:tint val="50000"/>
+      </a:schemeClr>
+    </dgm:fillClrLst>
+    <dgm:linClrLst meth="repeat">
+      <a:schemeClr val="lt1"/>
+    </dgm:linClrLst>
+    <dgm:effectClrLst/>
+    <dgm:txLinClrLst/>
+    <dgm:txFillClrLst meth="repeat">
+      <a:schemeClr val="lt1"/>
+    </dgm:txFillClrLst>
+    <dgm:txEffectClrLst/>
+  </dgm:styleLbl>
+  <dgm:styleLbl name="sibTrans2D1">
+    <dgm:fillClrLst meth="repeat">
+      <a:schemeClr val="accent1">
+        <a:tint val="60000"/>
+      </a:schemeClr>
+    </dgm:fillClrLst>
+    <dgm:linClrLst meth="repeat">
+      <a:schemeClr val="accent1">
+        <a:tint val="60000"/>
+      </a:schemeClr>
+    </dgm:linClrLst>
+    <dgm:effectClrLst/>
+    <dgm:txLinClrLst/>
+    <dgm:txFillClrLst/>
+    <dgm:txEffectClrLst/>
+  </dgm:styleLbl>
+  <dgm:styleLbl name="fgSibTrans2D1">
+    <dgm:fillClrLst meth="repeat">
+      <a:schemeClr val="accent1">
+        <a:tint val="60000"/>
+      </a:schemeClr>
+    </dgm:fillClrLst>
+    <dgm:linClrLst meth="repeat">
+      <a:schemeClr val="accent1">
+        <a:tint val="60000"/>
+      </a:schemeClr>
+    </dgm:linClrLst>
+    <dgm:effectClrLst/>
+    <dgm:txLinClrLst/>
+    <dgm:txFillClrLst/>
+    <dgm:txEffectClrLst/>
+  </dgm:styleLbl>
+  <dgm:styleLbl name="bgSibTrans2D1">
+    <dgm:fillClrLst meth="repeat">
+      <a:schemeClr val="accent1">
+        <a:tint val="60000"/>
+      </a:schemeClr>
+    </dgm:fillClrLst>
+    <dgm:linClrLst meth="repeat">
+      <a:schemeClr val="accent1">
+        <a:tint val="60000"/>
+      </a:schemeClr>
+    </dgm:linClrLst>
+    <dgm:effectClrLst/>
+    <dgm:txLinClrLst/>
+    <dgm:txFillClrLst/>
+    <dgm:txEffectClrLst/>
+  </dgm:styleLbl>
+  <dgm:styleLbl name="sibTrans1D1">
+    <dgm:fillClrLst meth="repeat">
+      <a:schemeClr val="accent1"/>
+    </dgm:fillClrLst>
+    <dgm:linClrLst meth="repeat">
+      <a:schemeClr val="accent1"/>
+    </dgm:linClrLst>
+    <dgm:effectClrLst/>
+    <dgm:txLinClrLst/>
+    <dgm:txFillClrLst meth="repeat">
+      <a:schemeClr val="tx1"/>
+    </dgm:txFillClrLst>
+    <dgm:txEffectClrLst/>
+  </dgm:styleLbl>
+  <dgm:styleLbl name="callout">
+    <dgm:fillClrLst meth="repeat">
+      <a:schemeClr val="accent1"/>
+    </dgm:fillClrLst>
+    <dgm:linClrLst meth="repeat">
+      <a:schemeClr val="accent1">
+        <a:tint val="50000"/>
+      </a:schemeClr>
+    </dgm:linClrLst>
+    <dgm:effectClrLst/>
+    <dgm:txLinClrLst/>
+    <dgm:txFillClrLst meth="repeat">
+      <a:schemeClr val="tx1"/>
+    </dgm:txFillClrLst>
+    <dgm:txEffectClrLst/>
+  </dgm:styleLbl>
+  <dgm:styleLbl name="asst0">
+    <dgm:fillClrLst meth="repeat">
+      <a:schemeClr val="accent1"/>
+    </dgm:fillClrLst>
+    <dgm:linClrLst meth="repeat">
+      <a:schemeClr val="lt1"/>
+    </dgm:linClrLst>
+    <dgm:effectClrLst/>
+    <dgm:txLinClrLst/>
+    <dgm:txFillClrLst/>
+    <dgm:txEffectClrLst/>
+  </dgm:styleLbl>
+  <dgm:styleLbl name="asst1">
+    <dgm:fillClrLst meth="repeat">
+      <a:schemeClr val="accent1"/>
+    </dgm:fillClrLst>
+    <dgm:linClrLst meth="repeat">
+      <a:schemeClr val="lt1"/>
+    </dgm:linClrLst>
+    <dgm:effectClrLst/>
+    <dgm:txLinClrLst/>
+    <dgm:txFillClrLst/>
+    <dgm:txEffectClrLst/>
+  </dgm:styleLbl>
+  <dgm:styleLbl name="asst2">
+    <dgm:fillClrLst meth="repeat">
+      <a:schemeClr val="accent1"/>
+    </dgm:fillClrLst>
+    <dgm:linClrLst meth="repeat">
+      <a:schemeClr val="lt1"/>
+    </dgm:linClrLst>
+    <dgm:effectClrLst/>
+    <dgm:txLinClrLst/>
+    <dgm:txFillClrLst/>
+    <dgm:txEffectClrLst/>
+  </dgm:styleLbl>
+  <dgm:styleLbl name="asst3">
+    <dgm:fillClrLst meth="repeat">
+      <a:schemeClr val="accent1"/>
+    </dgm:fillClrLst>
+    <dgm:linClrLst meth="repeat">
+      <a:schemeClr val="lt1"/>
+    </dgm:linClrLst>
+    <dgm:effectClrLst/>
+    <dgm:txLinClrLst/>
+    <dgm:txFillClrLst/>
+    <dgm:txEffectClrLst/>
+  </dgm:styleLbl>
+  <dgm:styleLbl name="asst4">
+    <dgm:fillClrLst meth="repeat">
+      <a:schemeClr val="accent1"/>
+    </dgm:fillClrLst>
+    <dgm:linClrLst meth="repeat">
+      <a:schemeClr val="lt1"/>
+    </dgm:linClrLst>
+    <dgm:effectClrLst/>
+    <dgm:txLinClrLst/>
+    <dgm:txFillClrLst/>
+    <dgm:txEffectClrLst/>
+  </dgm:styleLbl>
+  <dgm:styleLbl name="parChTrans2D1">
+    <dgm:fillClrLst meth="repeat">
+      <a:schemeClr val="accent1">
+        <a:tint val="60000"/>
+      </a:schemeClr>
+    </dgm:fillClrLst>
+    <dgm:linClrLst meth="repeat">
+      <a:schemeClr val="accent1">
+        <a:tint val="60000"/>
+      </a:schemeClr>
+    </dgm:linClrLst>
+    <dgm:effectClrLst/>
+    <dgm:txLinClrLst/>
+    <dgm:txFillClrLst meth="repeat">
+      <a:schemeClr val="lt1"/>
+    </dgm:txFillClrLst>
+    <dgm:txEffectClrLst/>
+  </dgm:styleLbl>
+  <dgm:styleLbl name="parChTrans2D2">
+    <dgm:fillClrLst meth="repeat">
+      <a:schemeClr val="accent1"/>
+    </dgm:fillClrLst>
+    <dgm:linClrLst meth="repeat">
+      <a:schemeClr val="accent1"/>
+    </dgm:linClrLst>
+    <dgm:effectClrLst/>
+    <dgm:txLinClrLst/>
+    <dgm:txFillClrLst meth="repeat">
+      <a:schemeClr val="lt1"/>
+    </dgm:txFillClrLst>
+    <dgm:txEffectClrLst/>
+  </dgm:styleLbl>
+  <dgm:styleLbl name="parChTrans2D3">
+    <dgm:fillClrLst meth="repeat">
+      <a:schemeClr val="accent1"/>
+    </dgm:fillClrLst>
+    <dgm:linClrLst meth="repeat">
+      <a:schemeClr val="accent1"/>
+    </dgm:linClrLst>
+    <dgm:effectClrLst/>
+    <dgm:txLinClrLst/>
+    <dgm:txFillClrLst meth="repeat">
+      <a:schemeClr val="lt1"/>
+    </dgm:txFillClrLst>
+    <dgm:txEffectClrLst/>
+  </dgm:styleLbl>
+  <dgm:styleLbl name="parChTrans2D4">
+    <dgm:fillClrLst meth="repeat">
+      <a:schemeClr val="accent1"/>
+    </dgm:fillClrLst>
+    <dgm:linClrLst meth="repeat">
+      <a:schemeClr val="accent1"/>
+    </dgm:linClrLst>
+    <dgm:effectClrLst/>
+    <dgm:txLinClrLst/>
+    <dgm:txFillClrLst meth="repeat">
+      <a:schemeClr val="lt1"/>
+    </dgm:txFillClrLst>
+    <dgm:txEffectClrLst/>
+  </dgm:styleLbl>
+  <dgm:styleLbl name="parChTrans1D1">
+    <dgm:fillClrLst meth="repeat">
+      <a:schemeClr val="accent1"/>
+    </dgm:fillClrLst>
+    <dgm:linClrLst meth="repeat">
+      <a:schemeClr val="accent1">
+        <a:shade val="60000"/>
+      </a:schemeClr>
+    </dgm:linClrLst>
+    <dgm:effectClrLst/>
+    <dgm:txLinClrLst/>
+    <dgm:txFillClrLst meth="repeat">
+      <a:schemeClr val="tx1"/>
+    </dgm:txFillClrLst>
+    <dgm:txEffectClrLst/>
+  </dgm:styleLbl>
+  <dgm:styleLbl name="parChTrans1D2">
+    <dgm:fillClrLst meth="repeat">
+      <a:schemeClr val="accent1"/>
+    </dgm:fillClrLst>
+    <dgm:linClrLst meth="repeat">
+      <a:schemeClr val="accent1">
+        <a:shade val="60000"/>
+      </a:schemeClr>
+    </dgm:linClrLst>
+    <dgm:effectClrLst/>
+    <dgm:txLinClrLst/>
+    <dgm:txFillClrLst meth="repeat">
+      <a:schemeClr val="tx1"/>
+    </dgm:txFillClrLst>
+    <dgm:txEffectClrLst/>
+  </dgm:styleLbl>
+  <dgm:styleLbl name="parChTrans1D3">
+    <dgm:fillClrLst meth="repeat">
+      <a:schemeClr val="accent1"/>
+    </dgm:fillClrLst>
+    <dgm:linClrLst meth="repeat">
+      <a:schemeClr val="accent1">
+        <a:shade val="80000"/>
+      </a:schemeClr>
+    </dgm:linClrLst>
+    <dgm:effectClrLst/>
+    <dgm:txLinClrLst/>
+    <dgm:txFillClrLst meth="repeat">
+      <a:schemeClr val="tx1"/>
+    </dgm:txFillClrLst>
+    <dgm:txEffectClrLst/>
+  </dgm:styleLbl>
+  <dgm:styleLbl name="parChTrans1D4">
+    <dgm:fillClrLst meth="repeat">
+      <a:schemeClr val="accent1"/>
+    </dgm:fillClrLst>
+    <dgm:linClrLst meth="repeat">
+      <a:schemeClr val="accent1">
+        <a:shade val="80000"/>
+      </a:schemeClr>
+    </dgm:linClrLst>
+    <dgm:effectClrLst/>
+    <dgm:txLinClrLst/>
+    <dgm:txFillClrLst meth="repeat">
+      <a:schemeClr val="tx1"/>
+    </dgm:txFillClrLst>
+    <dgm:txEffectClrLst/>
+  </dgm:styleLbl>
+  <dgm:styleLbl name="fgAcc1">
+    <dgm:fillClrLst meth="repeat">
+      <a:schemeClr val="lt1">
+        <a:alpha val="90000"/>
+      </a:schemeClr>
+    </dgm:fillClrLst>
+    <dgm:linClrLst meth="repeat">
+      <a:schemeClr val="accent1"/>
+    </dgm:linClrLst>
+    <dgm:effectClrLst/>
+    <dgm:txLinClrLst/>
+    <dgm:txFillClrLst meth="repeat">
+      <a:schemeClr val="dk1"/>
+    </dgm:txFillClrLst>
+    <dgm:txEffectClrLst/>
+  </dgm:styleLbl>
+  <dgm:styleLbl name="conFgAcc1">
+    <dgm:fillClrLst meth="repeat">
+      <a:schemeClr val="lt1">
+        <a:alpha val="90000"/>
+      </a:schemeClr>
+    </dgm:fillClrLst>
+    <dgm:linClrLst meth="repeat">
+      <a:schemeClr val="accent1"/>
+    </dgm:linClrLst>
+    <dgm:effectClrLst/>
+    <dgm:txLinClrLst/>
+    <dgm:txFillClrLst meth="repeat">
+      <a:schemeClr val="dk1"/>
+    </dgm:txFillClrLst>
+    <dgm:txEffectClrLst/>
+  </dgm:styleLbl>
+  <dgm:styleLbl name="alignAcc1">
+    <dgm:fillClrLst meth="repeat">
+      <a:schemeClr val="lt1">
+        <a:alpha val="90000"/>
+      </a:schemeClr>
+    </dgm:fillClrLst>
+    <dgm:linClrLst meth="repeat">
+      <a:schemeClr val="accent1"/>
+    </dgm:linClrLst>
+    <dgm:effectClrLst/>
+    <dgm:txLinClrLst/>
+    <dgm:txFillClrLst meth="repeat">
+      <a:schemeClr val="dk1"/>
+    </dgm:txFillClrLst>
+    <dgm:txEffectClrLst/>
+  </dgm:styleLbl>
+  <dgm:styleLbl name="trAlignAcc1">
+    <dgm:fillClrLst meth="repeat">
+      <a:schemeClr val="lt1">
+        <a:alpha val="40000"/>
+      </a:schemeClr>
+    </dgm:fillClrLst>
+    <dgm:linClrLst meth="repeat">
+      <a:schemeClr val="accent1"/>
+    </dgm:linClrLst>
+    <dgm:effectClrLst/>
+    <dgm:txLinClrLst/>
+    <dgm:txFillClrLst meth="repeat">
+      <a:schemeClr val="dk1"/>
+    </dgm:txFillClrLst>
+    <dgm:txEffectClrLst/>
+  </dgm:styleLbl>
+  <dgm:styleLbl name="bgAcc1">
+    <dgm:fillClrLst meth="repeat">
+      <a:schemeClr val="lt1">
+        <a:alpha val="90000"/>
+      </a:schemeClr>
+    </dgm:fillClrLst>
+    <dgm:linClrLst meth="repeat">
+      <a:schemeClr val="accent1"/>
+    </dgm:linClrLst>
+    <dgm:effectClrLst/>
+    <dgm:txLinClrLst/>
+    <dgm:txFillClrLst meth="repeat">
+      <a:schemeClr val="dk1"/>
+    </dgm:txFillClrLst>
+    <dgm:txEffectClrLst/>
+  </dgm:styleLbl>
+  <dgm:styleLbl name="solidFgAcc1">
+    <dgm:fillClrLst meth="repeat">
+      <a:schemeClr val="lt1"/>
+    </dgm:fillClrLst>
+    <dgm:linClrLst meth="repeat">
+      <a:schemeClr val="accent1"/>
+    </dgm:linClrLst>
+    <dgm:effectClrLst/>
+    <dgm:txLinClrLst/>
+    <dgm:txFillClrLst meth="repeat">
+      <a:schemeClr val="dk1"/>
+    </dgm:txFillClrLst>
+    <dgm:txEffectClrLst/>
+  </dgm:styleLbl>
+  <dgm:styleLbl name="solidAlignAcc1">
+    <dgm:fillClrLst meth="repeat">
+      <a:schemeClr val="lt1"/>
+    </dgm:fillClrLst>
+    <dgm:linClrLst meth="repeat">
+      <a:schemeClr val="accent1"/>
+    </dgm:linClrLst>
+    <dgm:effectClrLst/>
+    <dgm:txLinClrLst/>
+    <dgm:txFillClrLst meth="repeat">
+      <a:schemeClr val="dk1"/>
+    </dgm:txFillClrLst>
+    <dgm:txEffectClrLst/>
+  </dgm:styleLbl>
+  <dgm:styleLbl name="solidBgAcc1">
+    <dgm:fillClrLst meth="repeat">
+      <a:schemeClr val="lt1"/>
+    </dgm:fillClrLst>
+    <dgm:linClrLst meth="repeat">
+      <a:schemeClr val="accent1"/>
+    </dgm:linClrLst>
+    <dgm:effectClrLst/>
+    <dgm:txLinClrLst/>
+    <dgm:txFillClrLst meth="repeat">
+      <a:schemeClr val="dk1"/>
+    </dgm:txFillClrLst>
+    <dgm:txEffectClrLst/>
+  </dgm:styleLbl>
+  <dgm:styleLbl name="fgAccFollowNode1">
+    <dgm:fillClrLst meth="repeat">
+      <a:schemeClr val="accent1">
+        <a:alpha val="90000"/>
+        <a:tint val="40000"/>
+      </a:schemeClr>
+    </dgm:fillClrLst>
+    <dgm:linClrLst meth="repeat">
+      <a:schemeClr val="accent1">
+        <a:alpha val="90000"/>
+        <a:tint val="40000"/>
+      </a:schemeClr>
+    </dgm:linClrLst>
+    <dgm:effectClrLst/>
+    <dgm:txLinClrLst/>
+    <dgm:txFillClrLst meth="repeat">
+      <a:schemeClr val="dk1"/>
+    </dgm:txFillClrLst>
+    <dgm:txEffectClrLst/>
+  </dgm:styleLbl>
+  <dgm:styleLbl name="alignAccFollowNode1">
+    <dgm:fillClrLst meth="repeat">
+      <a:schemeClr val="accent1">
+        <a:alpha val="90000"/>
+        <a:tint val="40000"/>
+      </a:schemeClr>
+    </dgm:fillClrLst>
+    <dgm:linClrLst meth="repeat">
+      <a:schemeClr val="accent1">
+        <a:alpha val="90000"/>
+        <a:tint val="40000"/>
+      </a:schemeClr>
+    </dgm:linClrLst>
+    <dgm:effectClrLst/>
+    <dgm:txLinClrLst/>
+    <dgm:txFillClrLst meth="repeat">
+      <a:schemeClr val="dk1"/>
+    </dgm:txFillClrLst>
+    <dgm:txEffectClrLst/>
+  </dgm:styleLbl>
+  <dgm:styleLbl name="bgAccFollowNode1">
+    <dgm:fillClrLst meth="repeat">
+      <a:schemeClr val="accent1">
+        <a:alpha val="90000"/>
+        <a:tint val="40000"/>
+      </a:schemeClr>
+    </dgm:fillClrLst>
+    <dgm:linClrLst meth="repeat">
+      <a:schemeClr val="accent1">
+        <a:alpha val="90000"/>
+        <a:tint val="40000"/>
+      </a:schemeClr>
+    </dgm:linClrLst>
+    <dgm:effectClrLst/>
+    <dgm:txLinClrLst/>
+    <dgm:txFillClrLst meth="repeat">
+      <a:schemeClr val="dk1"/>
+    </dgm:txFillClrLst>
+    <dgm:txEffectClrLst/>
+  </dgm:styleLbl>
+  <dgm:styleLbl name="fgAcc0">
+    <dgm:fillClrLst meth="repeat">
+      <a:schemeClr val="lt1">
+        <a:alpha val="90000"/>
+      </a:schemeClr>
+    </dgm:fillClrLst>
+    <dgm:linClrLst meth="repeat">
+      <a:schemeClr val="accent1"/>
+    </dgm:linClrLst>
+    <dgm:effectClrLst/>
+    <dgm:txLinClrLst/>
+    <dgm:txFillClrLst meth="repeat">
+      <a:schemeClr val="dk1"/>
+    </dgm:txFillClrLst>
+    <dgm:txEffectClrLst/>
+  </dgm:styleLbl>
+  <dgm:styleLbl name="fgAcc2">
+    <dgm:fillClrLst meth="repeat">
+      <a:schemeClr val="lt1">
+        <a:alpha val="90000"/>
+      </a:schemeClr>
+    </dgm:fillClrLst>
+    <dgm:linClrLst meth="repeat">
+      <a:schemeClr val="accent1"/>
+    </dgm:linClrLst>
+    <dgm:effectClrLst/>
+    <dgm:txLinClrLst/>
+    <dgm:txFillClrLst meth="repeat">
+      <a:schemeClr val="dk1"/>
+    </dgm:txFillClrLst>
+    <dgm:txEffectClrLst/>
+  </dgm:styleLbl>
+  <dgm:styleLbl name="fgAcc3">
+    <dgm:fillClrLst meth="repeat">
+      <a:schemeClr val="lt1">
+        <a:alpha val="90000"/>
+      </a:schemeClr>
+    </dgm:fillClrLst>
+    <dgm:linClrLst meth="repeat">
+      <a:schemeClr val="accent1"/>
+    </dgm:linClrLst>
+    <dgm:effectClrLst/>
+    <dgm:txLinClrLst/>
+    <dgm:txFillClrLst meth="repeat">
+      <a:schemeClr val="dk1"/>
+    </dgm:txFillClrLst>
+    <dgm:txEffectClrLst/>
+  </dgm:styleLbl>
+  <dgm:styleLbl name="fgAcc4">
+    <dgm:fillClrLst meth="repeat">
+      <a:schemeClr val="lt1">
+        <a:alpha val="90000"/>
+      </a:schemeClr>
+    </dgm:fillClrLst>
+    <dgm:linClrLst meth="repeat">
+      <a:schemeClr val="accent1"/>
+    </dgm:linClrLst>
+    <dgm:effectClrLst/>
+    <dgm:txLinClrLst/>
+    <dgm:txFillClrLst meth="repeat">
+      <a:schemeClr val="dk1"/>
+    </dgm:txFillClrLst>
+    <dgm:txEffectClrLst/>
+  </dgm:styleLbl>
+  <dgm:styleLbl name="bgShp">
+    <dgm:fillClrLst meth="repeat">
+      <a:schemeClr val="accent1">
+        <a:tint val="40000"/>
+      </a:schemeClr>
+    </dgm:fillClrLst>
+    <dgm:linClrLst meth="repeat">
+      <a:schemeClr val="accent1"/>
+    </dgm:linClrLst>
+    <dgm:effectClrLst/>
+    <dgm:txLinClrLst/>
+    <dgm:txFillClrLst meth="repeat">
+      <a:schemeClr val="dk1"/>
+    </dgm:txFillClrLst>
+    <dgm:txEffectClrLst/>
+  </dgm:styleLbl>
+  <dgm:styleLbl name="dkBgShp">
+    <dgm:fillClrLst meth="repeat">
+      <a:schemeClr val="accent1">
+        <a:shade val="80000"/>
+      </a:schemeClr>
+    </dgm:fillClrLst>
+    <dgm:linClrLst meth="repeat">
+      <a:schemeClr val="accent1"/>
+    </dgm:linClrLst>
+    <dgm:effectClrLst/>
+    <dgm:txLinClrLst/>
+    <dgm:txFillClrLst meth="repeat">
+      <a:schemeClr val="lt1"/>
+    </dgm:txFillClrLst>
+    <dgm:txEffectClrLst/>
+  </dgm:styleLbl>
+  <dgm:styleLbl name="trBgShp">
+    <dgm:fillClrLst meth="repeat">
+      <a:schemeClr val="accent1">
+        <a:tint val="50000"/>
+        <a:alpha val="40000"/>
+      </a:schemeClr>
+    </dgm:fillClrLst>
+    <dgm:linClrLst meth="repeat">
+      <a:schemeClr val="accent1"/>
+    </dgm:linClrLst>
+    <dgm:effectClrLst/>
+    <dgm:txLinClrLst/>
+    <dgm:txFillClrLst meth="repeat">
+      <a:schemeClr val="lt1"/>
+    </dgm:txFillClrLst>
+    <dgm:txEffectClrLst/>
+  </dgm:styleLbl>
+  <dgm:styleLbl name="fgShp">
+    <dgm:fillClrLst meth="repeat">
+      <a:schemeClr val="accent1">
+        <a:tint val="60000"/>
+      </a:schemeClr>
+    </dgm:fillClrLst>
+    <dgm:linClrLst meth="repeat">
+      <a:schemeClr val="lt1"/>
+    </dgm:linClrLst>
+    <dgm:effectClrLst/>
+    <dgm:txLinClrLst/>
+    <dgm:txFillClrLst meth="repeat">
+      <a:schemeClr val="dk1"/>
+    </dgm:txFillClrLst>
+    <dgm:txEffectClrLst/>
+  </dgm:styleLbl>
+  <dgm:styleLbl name="revTx">
+    <dgm:fillClrLst meth="repeat">
+      <a:schemeClr val="lt1">
+        <a:alpha val="0"/>
+      </a:schemeClr>
+    </dgm:fillClrLst>
+    <dgm:linClrLst meth="repeat">
+      <a:schemeClr val="dk1">
+        <a:alpha val="0"/>
+      </a:schemeClr>
+    </dgm:linClrLst>
+    <dgm:effectClrLst/>
+    <dgm:txLinClrLst/>
+    <dgm:txFillClrLst meth="repeat">
+      <a:schemeClr val="tx1"/>
+    </dgm:txFillClrLst>
+    <dgm:txEffectClrLst/>
+  </dgm:styleLbl>
+</dgm:colorsDef>
+</file>
+
+<file path=ppt/diagrams/colors2.xml><?xml version="1.0" encoding="utf-8"?>
 <dgm:colorsDef xmlns:dgm="http://schemas.openxmlformats.org/drawingml/2006/diagram" xmlns:a="http://schemas.openxmlformats.org/drawingml/2006/main" uniqueId="urn:microsoft.com/office/officeart/2005/8/colors/accent1_2">
   <dgm:title val=""/>
   <dgm:desc val=""/>
@@ -1617,7 +2364,353 @@
   <dgm:whole/>
   <dgm:extLst>
     <a:ext uri="http://schemas.microsoft.com/office/drawing/2008/diagram">
-      <dsp:dataModelExt xmlns:dsp="http://schemas.microsoft.com/office/drawing/2008/diagram" relId="rId19" minVer="http://schemas.openxmlformats.org/drawingml/2006/diagram"/>
+      <dsp:dataModelExt xmlns:dsp="http://schemas.microsoft.com/office/drawing/2008/diagram" relId="rId35" minVer="http://schemas.openxmlformats.org/drawingml/2006/diagram"/>
+    </a:ext>
+  </dgm:extLst>
+</dgm:dataModel>
+</file>
+
+<file path=ppt/diagrams/data2.xml><?xml version="1.0" encoding="utf-8"?>
+<dgm:dataModel xmlns:dgm="http://schemas.openxmlformats.org/drawingml/2006/diagram" xmlns:a="http://schemas.openxmlformats.org/drawingml/2006/main">
+  <dgm:ptLst>
+    <dgm:pt modelId="{2CDA51F7-1808-4048-BB09-9FA5DA6FE0DB}" type="doc">
+      <dgm:prSet loTypeId="urn:microsoft.com/office/officeart/2005/8/layout/process1" loCatId="process" qsTypeId="urn:microsoft.com/office/officeart/2005/8/quickstyle/simple1" qsCatId="simple" csTypeId="urn:microsoft.com/office/officeart/2005/8/colors/accent1_2" csCatId="accent1" phldr="1"/>
+      <dgm:spPr/>
+    </dgm:pt>
+    <dgm:pt modelId="{2584B8D0-03F5-4956-AF86-C085D56B3783}">
+      <dgm:prSet phldrT="[Text]"/>
+      <dgm:spPr/>
+      <dgm:t>
+        <a:bodyPr/>
+        <a:lstStyle/>
+        <a:p>
+          <a:r>
+            <a:rPr lang="en-US" dirty="0" smtClean="0"/>
+            <a:t>Formula image</a:t>
+          </a:r>
+          <a:endParaRPr lang="en-US" dirty="0"/>
+        </a:p>
+      </dgm:t>
+    </dgm:pt>
+    <dgm:pt modelId="{F22473AC-A50F-4114-A430-448C94972BB9}" type="parTrans" cxnId="{81E4D748-FC33-4A1B-B0D9-5776DA69C012}">
+      <dgm:prSet/>
+      <dgm:spPr/>
+      <dgm:t>
+        <a:bodyPr/>
+        <a:lstStyle/>
+        <a:p>
+          <a:endParaRPr lang="en-US"/>
+        </a:p>
+      </dgm:t>
+    </dgm:pt>
+    <dgm:pt modelId="{58ACA46F-0EDE-461D-BEBD-29A61CB98173}" type="sibTrans" cxnId="{81E4D748-FC33-4A1B-B0D9-5776DA69C012}">
+      <dgm:prSet/>
+      <dgm:spPr/>
+      <dgm:t>
+        <a:bodyPr/>
+        <a:lstStyle/>
+        <a:p>
+          <a:endParaRPr lang="en-US"/>
+        </a:p>
+      </dgm:t>
+    </dgm:pt>
+    <dgm:pt modelId="{A5043937-004D-425D-A429-28A7E31AD772}">
+      <dgm:prSet phldrT="[Text]"/>
+      <dgm:spPr/>
+      <dgm:t>
+        <a:bodyPr/>
+        <a:lstStyle/>
+        <a:p>
+          <a:r>
+            <a:rPr lang="en-US" dirty="0" smtClean="0"/>
+            <a:t>Segmentation</a:t>
+          </a:r>
+          <a:endParaRPr lang="en-US" dirty="0"/>
+        </a:p>
+      </dgm:t>
+    </dgm:pt>
+    <dgm:pt modelId="{1E32AF5B-3105-43EB-8217-C1CAB94CE7FF}" type="parTrans" cxnId="{762F28C4-1806-41D0-AA0D-AC8BEA5FB08D}">
+      <dgm:prSet/>
+      <dgm:spPr/>
+      <dgm:t>
+        <a:bodyPr/>
+        <a:lstStyle/>
+        <a:p>
+          <a:endParaRPr lang="en-US"/>
+        </a:p>
+      </dgm:t>
+    </dgm:pt>
+    <dgm:pt modelId="{6583D0E6-4C7B-471B-A79E-350811A7F94D}" type="sibTrans" cxnId="{762F28C4-1806-41D0-AA0D-AC8BEA5FB08D}">
+      <dgm:prSet/>
+      <dgm:spPr/>
+      <dgm:t>
+        <a:bodyPr/>
+        <a:lstStyle/>
+        <a:p>
+          <a:endParaRPr lang="en-US"/>
+        </a:p>
+      </dgm:t>
+    </dgm:pt>
+    <dgm:pt modelId="{FD7DB4A5-0058-4630-8DC0-8525970CFA97}">
+      <dgm:prSet phldrT="[Text]"/>
+      <dgm:spPr/>
+      <dgm:t>
+        <a:bodyPr/>
+        <a:lstStyle/>
+        <a:p>
+          <a:r>
+            <a:rPr lang="en-US" dirty="0" smtClean="0"/>
+            <a:t>Classification</a:t>
+          </a:r>
+          <a:endParaRPr lang="en-US" dirty="0"/>
+        </a:p>
+      </dgm:t>
+    </dgm:pt>
+    <dgm:pt modelId="{BCC13EA0-9C14-4CDA-9B99-EC4E6FB641FF}" type="parTrans" cxnId="{7DFA686E-8331-4ECB-901C-FE6220CAF036}">
+      <dgm:prSet/>
+      <dgm:spPr/>
+      <dgm:t>
+        <a:bodyPr/>
+        <a:lstStyle/>
+        <a:p>
+          <a:endParaRPr lang="en-US"/>
+        </a:p>
+      </dgm:t>
+    </dgm:pt>
+    <dgm:pt modelId="{2C7C92A4-2FC4-4214-AC1D-8FD4A26C317C}" type="sibTrans" cxnId="{7DFA686E-8331-4ECB-901C-FE6220CAF036}">
+      <dgm:prSet/>
+      <dgm:spPr/>
+      <dgm:t>
+        <a:bodyPr/>
+        <a:lstStyle/>
+        <a:p>
+          <a:endParaRPr lang="en-US"/>
+        </a:p>
+      </dgm:t>
+    </dgm:pt>
+    <dgm:pt modelId="{E860163B-3864-43F3-861A-2D1A035BB4C8}">
+      <dgm:prSet phldrT="[Text]"/>
+      <dgm:spPr/>
+      <dgm:t>
+        <a:bodyPr/>
+        <a:lstStyle/>
+        <a:p>
+          <a:r>
+            <a:rPr lang="en-US" dirty="0" smtClean="0"/>
+            <a:t>Parser</a:t>
+          </a:r>
+          <a:endParaRPr lang="en-US" dirty="0"/>
+        </a:p>
+      </dgm:t>
+    </dgm:pt>
+    <dgm:pt modelId="{30DABF37-72A6-498C-A3E4-B71FCA4740CC}" type="parTrans" cxnId="{6A94D023-DF46-4D4B-AFA8-604AEE8977F7}">
+      <dgm:prSet/>
+      <dgm:spPr/>
+      <dgm:t>
+        <a:bodyPr/>
+        <a:lstStyle/>
+        <a:p>
+          <a:endParaRPr lang="en-US"/>
+        </a:p>
+      </dgm:t>
+    </dgm:pt>
+    <dgm:pt modelId="{122590E7-F017-4653-8CD5-8B18BF6F96BD}" type="sibTrans" cxnId="{6A94D023-DF46-4D4B-AFA8-604AEE8977F7}">
+      <dgm:prSet/>
+      <dgm:spPr/>
+      <dgm:t>
+        <a:bodyPr/>
+        <a:lstStyle/>
+        <a:p>
+          <a:endParaRPr lang="en-US"/>
+        </a:p>
+      </dgm:t>
+    </dgm:pt>
+    <dgm:pt modelId="{E6D38529-07CD-483A-9AED-B16B9F6BAC81}">
+      <dgm:prSet phldrT="[Text]"/>
+      <dgm:spPr/>
+      <dgm:t>
+        <a:bodyPr/>
+        <a:lstStyle/>
+        <a:p>
+          <a:r>
+            <a:rPr lang="en-US" dirty="0" smtClean="0"/>
+            <a:t>Latex code</a:t>
+          </a:r>
+          <a:endParaRPr lang="en-US" dirty="0"/>
+        </a:p>
+      </dgm:t>
+    </dgm:pt>
+    <dgm:pt modelId="{B87575DE-2B02-4F77-9B38-3CFA50D339DF}" type="parTrans" cxnId="{C473A435-A194-4332-BF9E-388700C056D4}">
+      <dgm:prSet/>
+      <dgm:spPr/>
+      <dgm:t>
+        <a:bodyPr/>
+        <a:lstStyle/>
+        <a:p>
+          <a:endParaRPr lang="en-US"/>
+        </a:p>
+      </dgm:t>
+    </dgm:pt>
+    <dgm:pt modelId="{4679E162-6E03-427C-B995-276997B7F09B}" type="sibTrans" cxnId="{C473A435-A194-4332-BF9E-388700C056D4}">
+      <dgm:prSet/>
+      <dgm:spPr/>
+      <dgm:t>
+        <a:bodyPr/>
+        <a:lstStyle/>
+        <a:p>
+          <a:endParaRPr lang="en-US"/>
+        </a:p>
+      </dgm:t>
+    </dgm:pt>
+    <dgm:pt modelId="{80537756-DA4E-4D18-9576-37995128137A}" type="pres">
+      <dgm:prSet presAssocID="{2CDA51F7-1808-4048-BB09-9FA5DA6FE0DB}" presName="Name0" presStyleCnt="0">
+        <dgm:presLayoutVars>
+          <dgm:dir/>
+          <dgm:resizeHandles val="exact"/>
+        </dgm:presLayoutVars>
+      </dgm:prSet>
+      <dgm:spPr/>
+    </dgm:pt>
+    <dgm:pt modelId="{BA1E340A-A61C-459A-AC63-FB930C9F30D5}" type="pres">
+      <dgm:prSet presAssocID="{2584B8D0-03F5-4956-AF86-C085D56B3783}" presName="node" presStyleLbl="node1" presStyleIdx="0" presStyleCnt="5">
+        <dgm:presLayoutVars>
+          <dgm:bulletEnabled val="1"/>
+        </dgm:presLayoutVars>
+      </dgm:prSet>
+      <dgm:spPr/>
+      <dgm:t>
+        <a:bodyPr/>
+        <a:lstStyle/>
+        <a:p>
+          <a:endParaRPr lang="en-US"/>
+        </a:p>
+      </dgm:t>
+    </dgm:pt>
+    <dgm:pt modelId="{F866022A-D2AA-4A46-B4AE-71A78DF3EA33}" type="pres">
+      <dgm:prSet presAssocID="{58ACA46F-0EDE-461D-BEBD-29A61CB98173}" presName="sibTrans" presStyleLbl="sibTrans2D1" presStyleIdx="0" presStyleCnt="4"/>
+      <dgm:spPr/>
+    </dgm:pt>
+    <dgm:pt modelId="{44B2E350-D53D-4D67-BE98-2D9B43F14304}" type="pres">
+      <dgm:prSet presAssocID="{58ACA46F-0EDE-461D-BEBD-29A61CB98173}" presName="connectorText" presStyleLbl="sibTrans2D1" presStyleIdx="0" presStyleCnt="4"/>
+      <dgm:spPr/>
+    </dgm:pt>
+    <dgm:pt modelId="{C4C2BEF5-5C60-448E-89F5-4BD5CAED99FE}" type="pres">
+      <dgm:prSet presAssocID="{A5043937-004D-425D-A429-28A7E31AD772}" presName="node" presStyleLbl="node1" presStyleIdx="1" presStyleCnt="5">
+        <dgm:presLayoutVars>
+          <dgm:bulletEnabled val="1"/>
+        </dgm:presLayoutVars>
+      </dgm:prSet>
+      <dgm:spPr/>
+      <dgm:t>
+        <a:bodyPr/>
+        <a:lstStyle/>
+        <a:p>
+          <a:endParaRPr lang="en-US"/>
+        </a:p>
+      </dgm:t>
+    </dgm:pt>
+    <dgm:pt modelId="{CF104C55-1006-4E9A-9416-5E2E5BC26564}" type="pres">
+      <dgm:prSet presAssocID="{6583D0E6-4C7B-471B-A79E-350811A7F94D}" presName="sibTrans" presStyleLbl="sibTrans2D1" presStyleIdx="1" presStyleCnt="4"/>
+      <dgm:spPr/>
+    </dgm:pt>
+    <dgm:pt modelId="{5AEE9CDC-EBB1-4743-B1C0-BDA83C72B06B}" type="pres">
+      <dgm:prSet presAssocID="{6583D0E6-4C7B-471B-A79E-350811A7F94D}" presName="connectorText" presStyleLbl="sibTrans2D1" presStyleIdx="1" presStyleCnt="4"/>
+      <dgm:spPr/>
+    </dgm:pt>
+    <dgm:pt modelId="{86296E7E-6EA3-4ABA-ACDF-D1AFBD1B63B5}" type="pres">
+      <dgm:prSet presAssocID="{FD7DB4A5-0058-4630-8DC0-8525970CFA97}" presName="node" presStyleLbl="node1" presStyleIdx="2" presStyleCnt="5">
+        <dgm:presLayoutVars>
+          <dgm:bulletEnabled val="1"/>
+        </dgm:presLayoutVars>
+      </dgm:prSet>
+      <dgm:spPr/>
+      <dgm:t>
+        <a:bodyPr/>
+        <a:lstStyle/>
+        <a:p>
+          <a:endParaRPr lang="en-US"/>
+        </a:p>
+      </dgm:t>
+    </dgm:pt>
+    <dgm:pt modelId="{08D1E9A9-E004-4605-98AD-2709FD8EEC4F}" type="pres">
+      <dgm:prSet presAssocID="{2C7C92A4-2FC4-4214-AC1D-8FD4A26C317C}" presName="sibTrans" presStyleLbl="sibTrans2D1" presStyleIdx="2" presStyleCnt="4"/>
+      <dgm:spPr/>
+    </dgm:pt>
+    <dgm:pt modelId="{91A4755F-0E8A-4C2C-B206-3FCCD171BECE}" type="pres">
+      <dgm:prSet presAssocID="{2C7C92A4-2FC4-4214-AC1D-8FD4A26C317C}" presName="connectorText" presStyleLbl="sibTrans2D1" presStyleIdx="2" presStyleCnt="4"/>
+      <dgm:spPr/>
+    </dgm:pt>
+    <dgm:pt modelId="{9318C361-EFD5-48E8-A5EF-C467CB4F2DB3}" type="pres">
+      <dgm:prSet presAssocID="{E860163B-3864-43F3-861A-2D1A035BB4C8}" presName="node" presStyleLbl="node1" presStyleIdx="3" presStyleCnt="5">
+        <dgm:presLayoutVars>
+          <dgm:bulletEnabled val="1"/>
+        </dgm:presLayoutVars>
+      </dgm:prSet>
+      <dgm:spPr/>
+      <dgm:t>
+        <a:bodyPr/>
+        <a:lstStyle/>
+        <a:p>
+          <a:endParaRPr lang="en-US"/>
+        </a:p>
+      </dgm:t>
+    </dgm:pt>
+    <dgm:pt modelId="{76DFEBD5-A236-45E4-B06D-D00A846A1D05}" type="pres">
+      <dgm:prSet presAssocID="{122590E7-F017-4653-8CD5-8B18BF6F96BD}" presName="sibTrans" presStyleLbl="sibTrans2D1" presStyleIdx="3" presStyleCnt="4"/>
+      <dgm:spPr/>
+    </dgm:pt>
+    <dgm:pt modelId="{C0414C96-9679-4D57-82D8-AF2B39FA9366}" type="pres">
+      <dgm:prSet presAssocID="{122590E7-F017-4653-8CD5-8B18BF6F96BD}" presName="connectorText" presStyleLbl="sibTrans2D1" presStyleIdx="3" presStyleCnt="4"/>
+      <dgm:spPr/>
+    </dgm:pt>
+    <dgm:pt modelId="{C3454348-444B-4654-8526-7EE6D250856B}" type="pres">
+      <dgm:prSet presAssocID="{E6D38529-07CD-483A-9AED-B16B9F6BAC81}" presName="node" presStyleLbl="node1" presStyleIdx="4" presStyleCnt="5">
+        <dgm:presLayoutVars>
+          <dgm:bulletEnabled val="1"/>
+        </dgm:presLayoutVars>
+      </dgm:prSet>
+      <dgm:spPr/>
+    </dgm:pt>
+  </dgm:ptLst>
+  <dgm:cxnLst>
+    <dgm:cxn modelId="{452FF47A-5AD4-4447-9CE4-73457C45B876}" type="presOf" srcId="{2CDA51F7-1808-4048-BB09-9FA5DA6FE0DB}" destId="{80537756-DA4E-4D18-9576-37995128137A}" srcOrd="0" destOrd="0" presId="urn:microsoft.com/office/officeart/2005/8/layout/process1"/>
+    <dgm:cxn modelId="{86019F0D-646D-4449-98E6-96F261D45008}" type="presOf" srcId="{2C7C92A4-2FC4-4214-AC1D-8FD4A26C317C}" destId="{91A4755F-0E8A-4C2C-B206-3FCCD171BECE}" srcOrd="1" destOrd="0" presId="urn:microsoft.com/office/officeart/2005/8/layout/process1"/>
+    <dgm:cxn modelId="{762F28C4-1806-41D0-AA0D-AC8BEA5FB08D}" srcId="{2CDA51F7-1808-4048-BB09-9FA5DA6FE0DB}" destId="{A5043937-004D-425D-A429-28A7E31AD772}" srcOrd="1" destOrd="0" parTransId="{1E32AF5B-3105-43EB-8217-C1CAB94CE7FF}" sibTransId="{6583D0E6-4C7B-471B-A79E-350811A7F94D}"/>
+    <dgm:cxn modelId="{4B61A7A5-2A85-4DB8-906B-48090252BEC0}" type="presOf" srcId="{122590E7-F017-4653-8CD5-8B18BF6F96BD}" destId="{C0414C96-9679-4D57-82D8-AF2B39FA9366}" srcOrd="1" destOrd="0" presId="urn:microsoft.com/office/officeart/2005/8/layout/process1"/>
+    <dgm:cxn modelId="{6A94D023-DF46-4D4B-AFA8-604AEE8977F7}" srcId="{2CDA51F7-1808-4048-BB09-9FA5DA6FE0DB}" destId="{E860163B-3864-43F3-861A-2D1A035BB4C8}" srcOrd="3" destOrd="0" parTransId="{30DABF37-72A6-498C-A3E4-B71FCA4740CC}" sibTransId="{122590E7-F017-4653-8CD5-8B18BF6F96BD}"/>
+    <dgm:cxn modelId="{265CBFCC-69D2-4824-B198-C190767F29F1}" type="presOf" srcId="{E6D38529-07CD-483A-9AED-B16B9F6BAC81}" destId="{C3454348-444B-4654-8526-7EE6D250856B}" srcOrd="0" destOrd="0" presId="urn:microsoft.com/office/officeart/2005/8/layout/process1"/>
+    <dgm:cxn modelId="{618905D8-1B03-488B-B64A-FFC4E3197881}" type="presOf" srcId="{FD7DB4A5-0058-4630-8DC0-8525970CFA97}" destId="{86296E7E-6EA3-4ABA-ACDF-D1AFBD1B63B5}" srcOrd="0" destOrd="0" presId="urn:microsoft.com/office/officeart/2005/8/layout/process1"/>
+    <dgm:cxn modelId="{EDA916FE-3951-4149-A051-E0DBD08310CC}" type="presOf" srcId="{A5043937-004D-425D-A429-28A7E31AD772}" destId="{C4C2BEF5-5C60-448E-89F5-4BD5CAED99FE}" srcOrd="0" destOrd="0" presId="urn:microsoft.com/office/officeart/2005/8/layout/process1"/>
+    <dgm:cxn modelId="{84780507-1CC0-4470-B409-EA6162255D09}" type="presOf" srcId="{58ACA46F-0EDE-461D-BEBD-29A61CB98173}" destId="{F866022A-D2AA-4A46-B4AE-71A78DF3EA33}" srcOrd="0" destOrd="0" presId="urn:microsoft.com/office/officeart/2005/8/layout/process1"/>
+    <dgm:cxn modelId="{2F8C0268-0200-4FEC-AD65-6A96F1678141}" type="presOf" srcId="{6583D0E6-4C7B-471B-A79E-350811A7F94D}" destId="{5AEE9CDC-EBB1-4743-B1C0-BDA83C72B06B}" srcOrd="1" destOrd="0" presId="urn:microsoft.com/office/officeart/2005/8/layout/process1"/>
+    <dgm:cxn modelId="{A528317E-7E98-460B-82D2-BF041DC28567}" type="presOf" srcId="{6583D0E6-4C7B-471B-A79E-350811A7F94D}" destId="{CF104C55-1006-4E9A-9416-5E2E5BC26564}" srcOrd="0" destOrd="0" presId="urn:microsoft.com/office/officeart/2005/8/layout/process1"/>
+    <dgm:cxn modelId="{46DECE9C-CC40-42DB-812A-60896E2B5E0D}" type="presOf" srcId="{E860163B-3864-43F3-861A-2D1A035BB4C8}" destId="{9318C361-EFD5-48E8-A5EF-C467CB4F2DB3}" srcOrd="0" destOrd="0" presId="urn:microsoft.com/office/officeart/2005/8/layout/process1"/>
+    <dgm:cxn modelId="{4ABE56A3-3EFE-424F-8EF3-053A17A3187D}" type="presOf" srcId="{2584B8D0-03F5-4956-AF86-C085D56B3783}" destId="{BA1E340A-A61C-459A-AC63-FB930C9F30D5}" srcOrd="0" destOrd="0" presId="urn:microsoft.com/office/officeart/2005/8/layout/process1"/>
+    <dgm:cxn modelId="{7DFA686E-8331-4ECB-901C-FE6220CAF036}" srcId="{2CDA51F7-1808-4048-BB09-9FA5DA6FE0DB}" destId="{FD7DB4A5-0058-4630-8DC0-8525970CFA97}" srcOrd="2" destOrd="0" parTransId="{BCC13EA0-9C14-4CDA-9B99-EC4E6FB641FF}" sibTransId="{2C7C92A4-2FC4-4214-AC1D-8FD4A26C317C}"/>
+    <dgm:cxn modelId="{A6FD0FA6-2FC1-47AD-ADDF-4B05DDA5D871}" type="presOf" srcId="{58ACA46F-0EDE-461D-BEBD-29A61CB98173}" destId="{44B2E350-D53D-4D67-BE98-2D9B43F14304}" srcOrd="1" destOrd="0" presId="urn:microsoft.com/office/officeart/2005/8/layout/process1"/>
+    <dgm:cxn modelId="{C473A435-A194-4332-BF9E-388700C056D4}" srcId="{2CDA51F7-1808-4048-BB09-9FA5DA6FE0DB}" destId="{E6D38529-07CD-483A-9AED-B16B9F6BAC81}" srcOrd="4" destOrd="0" parTransId="{B87575DE-2B02-4F77-9B38-3CFA50D339DF}" sibTransId="{4679E162-6E03-427C-B995-276997B7F09B}"/>
+    <dgm:cxn modelId="{6959BB79-CBE2-47AF-831B-9A963E96E0B4}" type="presOf" srcId="{122590E7-F017-4653-8CD5-8B18BF6F96BD}" destId="{76DFEBD5-A236-45E4-B06D-D00A846A1D05}" srcOrd="0" destOrd="0" presId="urn:microsoft.com/office/officeart/2005/8/layout/process1"/>
+    <dgm:cxn modelId="{81E4D748-FC33-4A1B-B0D9-5776DA69C012}" srcId="{2CDA51F7-1808-4048-BB09-9FA5DA6FE0DB}" destId="{2584B8D0-03F5-4956-AF86-C085D56B3783}" srcOrd="0" destOrd="0" parTransId="{F22473AC-A50F-4114-A430-448C94972BB9}" sibTransId="{58ACA46F-0EDE-461D-BEBD-29A61CB98173}"/>
+    <dgm:cxn modelId="{8BAC3560-FCC1-4070-9587-6D8C5ADFAD5D}" type="presOf" srcId="{2C7C92A4-2FC4-4214-AC1D-8FD4A26C317C}" destId="{08D1E9A9-E004-4605-98AD-2709FD8EEC4F}" srcOrd="0" destOrd="0" presId="urn:microsoft.com/office/officeart/2005/8/layout/process1"/>
+    <dgm:cxn modelId="{24827FFA-17A9-4DFB-97E0-2188C38C5BCC}" type="presParOf" srcId="{80537756-DA4E-4D18-9576-37995128137A}" destId="{BA1E340A-A61C-459A-AC63-FB930C9F30D5}" srcOrd="0" destOrd="0" presId="urn:microsoft.com/office/officeart/2005/8/layout/process1"/>
+    <dgm:cxn modelId="{77E166F6-0DBC-4CF6-8F80-81C44F31E99B}" type="presParOf" srcId="{80537756-DA4E-4D18-9576-37995128137A}" destId="{F866022A-D2AA-4A46-B4AE-71A78DF3EA33}" srcOrd="1" destOrd="0" presId="urn:microsoft.com/office/officeart/2005/8/layout/process1"/>
+    <dgm:cxn modelId="{FCCF2967-EC61-4B69-AC33-366891C8FF6F}" type="presParOf" srcId="{F866022A-D2AA-4A46-B4AE-71A78DF3EA33}" destId="{44B2E350-D53D-4D67-BE98-2D9B43F14304}" srcOrd="0" destOrd="0" presId="urn:microsoft.com/office/officeart/2005/8/layout/process1"/>
+    <dgm:cxn modelId="{D622F102-6D50-4550-BF7C-7300D6910732}" type="presParOf" srcId="{80537756-DA4E-4D18-9576-37995128137A}" destId="{C4C2BEF5-5C60-448E-89F5-4BD5CAED99FE}" srcOrd="2" destOrd="0" presId="urn:microsoft.com/office/officeart/2005/8/layout/process1"/>
+    <dgm:cxn modelId="{F82CA188-85E4-4C55-940F-1D75A07E7AF2}" type="presParOf" srcId="{80537756-DA4E-4D18-9576-37995128137A}" destId="{CF104C55-1006-4E9A-9416-5E2E5BC26564}" srcOrd="3" destOrd="0" presId="urn:microsoft.com/office/officeart/2005/8/layout/process1"/>
+    <dgm:cxn modelId="{A1F5540F-BBE0-4BF6-82F6-CDD3EDCA242E}" type="presParOf" srcId="{CF104C55-1006-4E9A-9416-5E2E5BC26564}" destId="{5AEE9CDC-EBB1-4743-B1C0-BDA83C72B06B}" srcOrd="0" destOrd="0" presId="urn:microsoft.com/office/officeart/2005/8/layout/process1"/>
+    <dgm:cxn modelId="{101BAE19-E3D0-449C-90E8-1971C18BF0AA}" type="presParOf" srcId="{80537756-DA4E-4D18-9576-37995128137A}" destId="{86296E7E-6EA3-4ABA-ACDF-D1AFBD1B63B5}" srcOrd="4" destOrd="0" presId="urn:microsoft.com/office/officeart/2005/8/layout/process1"/>
+    <dgm:cxn modelId="{20B20310-A0AD-4C74-BA88-9B0A357EB102}" type="presParOf" srcId="{80537756-DA4E-4D18-9576-37995128137A}" destId="{08D1E9A9-E004-4605-98AD-2709FD8EEC4F}" srcOrd="5" destOrd="0" presId="urn:microsoft.com/office/officeart/2005/8/layout/process1"/>
+    <dgm:cxn modelId="{DCAA9BAA-58A6-4251-8F06-8A566D696A10}" type="presParOf" srcId="{08D1E9A9-E004-4605-98AD-2709FD8EEC4F}" destId="{91A4755F-0E8A-4C2C-B206-3FCCD171BECE}" srcOrd="0" destOrd="0" presId="urn:microsoft.com/office/officeart/2005/8/layout/process1"/>
+    <dgm:cxn modelId="{4451E211-40DD-4271-9CBF-FA884F29ACD6}" type="presParOf" srcId="{80537756-DA4E-4D18-9576-37995128137A}" destId="{9318C361-EFD5-48E8-A5EF-C467CB4F2DB3}" srcOrd="6" destOrd="0" presId="urn:microsoft.com/office/officeart/2005/8/layout/process1"/>
+    <dgm:cxn modelId="{605BF15D-E828-443F-8084-CEC3E66B759C}" type="presParOf" srcId="{80537756-DA4E-4D18-9576-37995128137A}" destId="{76DFEBD5-A236-45E4-B06D-D00A846A1D05}" srcOrd="7" destOrd="0" presId="urn:microsoft.com/office/officeart/2005/8/layout/process1"/>
+    <dgm:cxn modelId="{D3EA7BEB-0ED5-44E8-AF46-9A6BC596E261}" type="presParOf" srcId="{76DFEBD5-A236-45E4-B06D-D00A846A1D05}" destId="{C0414C96-9679-4D57-82D8-AF2B39FA9366}" srcOrd="0" destOrd="0" presId="urn:microsoft.com/office/officeart/2005/8/layout/process1"/>
+    <dgm:cxn modelId="{2D85D158-9EC4-4B70-BCBC-F12F6900F55A}" type="presParOf" srcId="{80537756-DA4E-4D18-9576-37995128137A}" destId="{C3454348-444B-4654-8526-7EE6D250856B}" srcOrd="8" destOrd="0" presId="urn:microsoft.com/office/officeart/2005/8/layout/process1"/>
+  </dgm:cxnLst>
+  <dgm:bg/>
+  <dgm:whole/>
+  <dgm:extLst>
+    <a:ext uri="http://schemas.microsoft.com/office/drawing/2008/diagram">
+      <dsp:dataModelExt xmlns:dsp="http://schemas.microsoft.com/office/drawing/2008/diagram" relId="rId46" minVer="http://schemas.openxmlformats.org/drawingml/2006/diagram"/>
     </a:ext>
   </dgm:extLst>
 </dgm:dataModel>
@@ -2620,6 +3713,689 @@
 </dsp:drawing>
 </file>
 
+<file path=ppt/diagrams/drawing2.xml><?xml version="1.0" encoding="utf-8"?>
+<dsp:drawing xmlns:dgm="http://schemas.openxmlformats.org/drawingml/2006/diagram" xmlns:dsp="http://schemas.microsoft.com/office/drawing/2008/diagram" xmlns:a="http://schemas.openxmlformats.org/drawingml/2006/main">
+  <dsp:spTree>
+    <dsp:nvGrpSpPr>
+      <dsp:cNvPr id="0" name=""/>
+      <dsp:cNvGrpSpPr/>
+    </dsp:nvGrpSpPr>
+    <dsp:grpSpPr/>
+    <dsp:sp modelId="{BA1E340A-A61C-459A-AC63-FB930C9F30D5}">
+      <dsp:nvSpPr>
+        <dsp:cNvPr id="0" name=""/>
+        <dsp:cNvSpPr/>
+      </dsp:nvSpPr>
+      <dsp:spPr>
+        <a:xfrm>
+          <a:off x="3937" y="1032503"/>
+          <a:ext cx="1220605" cy="732363"/>
+        </a:xfrm>
+        <a:prstGeom prst="roundRect">
+          <a:avLst>
+            <a:gd name="adj" fmla="val 10000"/>
+          </a:avLst>
+        </a:prstGeom>
+        <a:solidFill>
+          <a:schemeClr val="accent1">
+            <a:hueOff val="0"/>
+            <a:satOff val="0"/>
+            <a:lumOff val="0"/>
+            <a:alphaOff val="0"/>
+          </a:schemeClr>
+        </a:solidFill>
+        <a:ln w="15875" cap="rnd" cmpd="sng" algn="ctr">
+          <a:solidFill>
+            <a:schemeClr val="lt1">
+              <a:hueOff val="0"/>
+              <a:satOff val="0"/>
+              <a:lumOff val="0"/>
+              <a:alphaOff val="0"/>
+            </a:schemeClr>
+          </a:solidFill>
+          <a:prstDash val="solid"/>
+        </a:ln>
+        <a:effectLst/>
+      </dsp:spPr>
+      <dsp:style>
+        <a:lnRef idx="2">
+          <a:scrgbClr r="0" g="0" b="0"/>
+        </a:lnRef>
+        <a:fillRef idx="1">
+          <a:scrgbClr r="0" g="0" b="0"/>
+        </a:fillRef>
+        <a:effectRef idx="0">
+          <a:scrgbClr r="0" g="0" b="0"/>
+        </a:effectRef>
+        <a:fontRef idx="minor">
+          <a:schemeClr val="lt1"/>
+        </a:fontRef>
+      </dsp:style>
+      <dsp:txBody>
+        <a:bodyPr spcFirstLastPara="0" vert="horz" wrap="square" lIns="45720" tIns="45720" rIns="45720" bIns="45720" numCol="1" spcCol="1270" anchor="ctr" anchorCtr="0">
+          <a:noAutofit/>
+        </a:bodyPr>
+        <a:lstStyle/>
+        <a:p>
+          <a:pPr lvl="0" algn="ctr" defTabSz="533400">
+            <a:lnSpc>
+              <a:spcPct val="90000"/>
+            </a:lnSpc>
+            <a:spcBef>
+              <a:spcPct val="0"/>
+            </a:spcBef>
+            <a:spcAft>
+              <a:spcPct val="35000"/>
+            </a:spcAft>
+          </a:pPr>
+          <a:r>
+            <a:rPr lang="en-US" sz="1200" kern="1200" dirty="0" smtClean="0"/>
+            <a:t>Formula image</a:t>
+          </a:r>
+          <a:endParaRPr lang="en-US" sz="1200" kern="1200" dirty="0"/>
+        </a:p>
+      </dsp:txBody>
+      <dsp:txXfrm>
+        <a:off x="25387" y="1053953"/>
+        <a:ext cx="1177705" cy="689463"/>
+      </dsp:txXfrm>
+    </dsp:sp>
+    <dsp:sp modelId="{F866022A-D2AA-4A46-B4AE-71A78DF3EA33}">
+      <dsp:nvSpPr>
+        <dsp:cNvPr id="0" name=""/>
+        <dsp:cNvSpPr/>
+      </dsp:nvSpPr>
+      <dsp:spPr>
+        <a:xfrm>
+          <a:off x="1346603" y="1247330"/>
+          <a:ext cx="258768" cy="302710"/>
+        </a:xfrm>
+        <a:prstGeom prst="rightArrow">
+          <a:avLst>
+            <a:gd name="adj1" fmla="val 60000"/>
+            <a:gd name="adj2" fmla="val 50000"/>
+          </a:avLst>
+        </a:prstGeom>
+        <a:solidFill>
+          <a:schemeClr val="accent1">
+            <a:tint val="60000"/>
+            <a:hueOff val="0"/>
+            <a:satOff val="0"/>
+            <a:lumOff val="0"/>
+            <a:alphaOff val="0"/>
+          </a:schemeClr>
+        </a:solidFill>
+        <a:ln>
+          <a:noFill/>
+        </a:ln>
+        <a:effectLst/>
+      </dsp:spPr>
+      <dsp:style>
+        <a:lnRef idx="0">
+          <a:scrgbClr r="0" g="0" b="0"/>
+        </a:lnRef>
+        <a:fillRef idx="1">
+          <a:scrgbClr r="0" g="0" b="0"/>
+        </a:fillRef>
+        <a:effectRef idx="0">
+          <a:scrgbClr r="0" g="0" b="0"/>
+        </a:effectRef>
+        <a:fontRef idx="minor">
+          <a:schemeClr val="lt1"/>
+        </a:fontRef>
+      </dsp:style>
+      <dsp:txBody>
+        <a:bodyPr spcFirstLastPara="0" vert="horz" wrap="square" lIns="0" tIns="0" rIns="0" bIns="0" numCol="1" spcCol="1270" anchor="ctr" anchorCtr="0">
+          <a:noAutofit/>
+        </a:bodyPr>
+        <a:lstStyle/>
+        <a:p>
+          <a:pPr lvl="0" algn="ctr" defTabSz="444500">
+            <a:lnSpc>
+              <a:spcPct val="90000"/>
+            </a:lnSpc>
+            <a:spcBef>
+              <a:spcPct val="0"/>
+            </a:spcBef>
+            <a:spcAft>
+              <a:spcPct val="35000"/>
+            </a:spcAft>
+          </a:pPr>
+          <a:endParaRPr lang="en-US" sz="1000" kern="1200"/>
+        </a:p>
+      </dsp:txBody>
+      <dsp:txXfrm>
+        <a:off x="1346603" y="1307872"/>
+        <a:ext cx="181138" cy="181626"/>
+      </dsp:txXfrm>
+    </dsp:sp>
+    <dsp:sp modelId="{C4C2BEF5-5C60-448E-89F5-4BD5CAED99FE}">
+      <dsp:nvSpPr>
+        <dsp:cNvPr id="0" name=""/>
+        <dsp:cNvSpPr/>
+      </dsp:nvSpPr>
+      <dsp:spPr>
+        <a:xfrm>
+          <a:off x="1712785" y="1032503"/>
+          <a:ext cx="1220605" cy="732363"/>
+        </a:xfrm>
+        <a:prstGeom prst="roundRect">
+          <a:avLst>
+            <a:gd name="adj" fmla="val 10000"/>
+          </a:avLst>
+        </a:prstGeom>
+        <a:solidFill>
+          <a:schemeClr val="accent1">
+            <a:hueOff val="0"/>
+            <a:satOff val="0"/>
+            <a:lumOff val="0"/>
+            <a:alphaOff val="0"/>
+          </a:schemeClr>
+        </a:solidFill>
+        <a:ln w="15875" cap="rnd" cmpd="sng" algn="ctr">
+          <a:solidFill>
+            <a:schemeClr val="lt1">
+              <a:hueOff val="0"/>
+              <a:satOff val="0"/>
+              <a:lumOff val="0"/>
+              <a:alphaOff val="0"/>
+            </a:schemeClr>
+          </a:solidFill>
+          <a:prstDash val="solid"/>
+        </a:ln>
+        <a:effectLst/>
+      </dsp:spPr>
+      <dsp:style>
+        <a:lnRef idx="2">
+          <a:scrgbClr r="0" g="0" b="0"/>
+        </a:lnRef>
+        <a:fillRef idx="1">
+          <a:scrgbClr r="0" g="0" b="0"/>
+        </a:fillRef>
+        <a:effectRef idx="0">
+          <a:scrgbClr r="0" g="0" b="0"/>
+        </a:effectRef>
+        <a:fontRef idx="minor">
+          <a:schemeClr val="lt1"/>
+        </a:fontRef>
+      </dsp:style>
+      <dsp:txBody>
+        <a:bodyPr spcFirstLastPara="0" vert="horz" wrap="square" lIns="45720" tIns="45720" rIns="45720" bIns="45720" numCol="1" spcCol="1270" anchor="ctr" anchorCtr="0">
+          <a:noAutofit/>
+        </a:bodyPr>
+        <a:lstStyle/>
+        <a:p>
+          <a:pPr lvl="0" algn="ctr" defTabSz="533400">
+            <a:lnSpc>
+              <a:spcPct val="90000"/>
+            </a:lnSpc>
+            <a:spcBef>
+              <a:spcPct val="0"/>
+            </a:spcBef>
+            <a:spcAft>
+              <a:spcPct val="35000"/>
+            </a:spcAft>
+          </a:pPr>
+          <a:r>
+            <a:rPr lang="en-US" sz="1200" kern="1200" dirty="0" smtClean="0"/>
+            <a:t>Segmentation</a:t>
+          </a:r>
+          <a:endParaRPr lang="en-US" sz="1200" kern="1200" dirty="0"/>
+        </a:p>
+      </dsp:txBody>
+      <dsp:txXfrm>
+        <a:off x="1734235" y="1053953"/>
+        <a:ext cx="1177705" cy="689463"/>
+      </dsp:txXfrm>
+    </dsp:sp>
+    <dsp:sp modelId="{CF104C55-1006-4E9A-9416-5E2E5BC26564}">
+      <dsp:nvSpPr>
+        <dsp:cNvPr id="0" name=""/>
+        <dsp:cNvSpPr/>
+      </dsp:nvSpPr>
+      <dsp:spPr>
+        <a:xfrm>
+          <a:off x="3055451" y="1247330"/>
+          <a:ext cx="258768" cy="302710"/>
+        </a:xfrm>
+        <a:prstGeom prst="rightArrow">
+          <a:avLst>
+            <a:gd name="adj1" fmla="val 60000"/>
+            <a:gd name="adj2" fmla="val 50000"/>
+          </a:avLst>
+        </a:prstGeom>
+        <a:solidFill>
+          <a:schemeClr val="accent1">
+            <a:tint val="60000"/>
+            <a:hueOff val="0"/>
+            <a:satOff val="0"/>
+            <a:lumOff val="0"/>
+            <a:alphaOff val="0"/>
+          </a:schemeClr>
+        </a:solidFill>
+        <a:ln>
+          <a:noFill/>
+        </a:ln>
+        <a:effectLst/>
+      </dsp:spPr>
+      <dsp:style>
+        <a:lnRef idx="0">
+          <a:scrgbClr r="0" g="0" b="0"/>
+        </a:lnRef>
+        <a:fillRef idx="1">
+          <a:scrgbClr r="0" g="0" b="0"/>
+        </a:fillRef>
+        <a:effectRef idx="0">
+          <a:scrgbClr r="0" g="0" b="0"/>
+        </a:effectRef>
+        <a:fontRef idx="minor">
+          <a:schemeClr val="lt1"/>
+        </a:fontRef>
+      </dsp:style>
+      <dsp:txBody>
+        <a:bodyPr spcFirstLastPara="0" vert="horz" wrap="square" lIns="0" tIns="0" rIns="0" bIns="0" numCol="1" spcCol="1270" anchor="ctr" anchorCtr="0">
+          <a:noAutofit/>
+        </a:bodyPr>
+        <a:lstStyle/>
+        <a:p>
+          <a:pPr lvl="0" algn="ctr" defTabSz="444500">
+            <a:lnSpc>
+              <a:spcPct val="90000"/>
+            </a:lnSpc>
+            <a:spcBef>
+              <a:spcPct val="0"/>
+            </a:spcBef>
+            <a:spcAft>
+              <a:spcPct val="35000"/>
+            </a:spcAft>
+          </a:pPr>
+          <a:endParaRPr lang="en-US" sz="1000" kern="1200"/>
+        </a:p>
+      </dsp:txBody>
+      <dsp:txXfrm>
+        <a:off x="3055451" y="1307872"/>
+        <a:ext cx="181138" cy="181626"/>
+      </dsp:txXfrm>
+    </dsp:sp>
+    <dsp:sp modelId="{86296E7E-6EA3-4ABA-ACDF-D1AFBD1B63B5}">
+      <dsp:nvSpPr>
+        <dsp:cNvPr id="0" name=""/>
+        <dsp:cNvSpPr/>
+      </dsp:nvSpPr>
+      <dsp:spPr>
+        <a:xfrm>
+          <a:off x="3421632" y="1032503"/>
+          <a:ext cx="1220605" cy="732363"/>
+        </a:xfrm>
+        <a:prstGeom prst="roundRect">
+          <a:avLst>
+            <a:gd name="adj" fmla="val 10000"/>
+          </a:avLst>
+        </a:prstGeom>
+        <a:solidFill>
+          <a:schemeClr val="accent1">
+            <a:hueOff val="0"/>
+            <a:satOff val="0"/>
+            <a:lumOff val="0"/>
+            <a:alphaOff val="0"/>
+          </a:schemeClr>
+        </a:solidFill>
+        <a:ln w="15875" cap="rnd" cmpd="sng" algn="ctr">
+          <a:solidFill>
+            <a:schemeClr val="lt1">
+              <a:hueOff val="0"/>
+              <a:satOff val="0"/>
+              <a:lumOff val="0"/>
+              <a:alphaOff val="0"/>
+            </a:schemeClr>
+          </a:solidFill>
+          <a:prstDash val="solid"/>
+        </a:ln>
+        <a:effectLst/>
+      </dsp:spPr>
+      <dsp:style>
+        <a:lnRef idx="2">
+          <a:scrgbClr r="0" g="0" b="0"/>
+        </a:lnRef>
+        <a:fillRef idx="1">
+          <a:scrgbClr r="0" g="0" b="0"/>
+        </a:fillRef>
+        <a:effectRef idx="0">
+          <a:scrgbClr r="0" g="0" b="0"/>
+        </a:effectRef>
+        <a:fontRef idx="minor">
+          <a:schemeClr val="lt1"/>
+        </a:fontRef>
+      </dsp:style>
+      <dsp:txBody>
+        <a:bodyPr spcFirstLastPara="0" vert="horz" wrap="square" lIns="45720" tIns="45720" rIns="45720" bIns="45720" numCol="1" spcCol="1270" anchor="ctr" anchorCtr="0">
+          <a:noAutofit/>
+        </a:bodyPr>
+        <a:lstStyle/>
+        <a:p>
+          <a:pPr lvl="0" algn="ctr" defTabSz="533400">
+            <a:lnSpc>
+              <a:spcPct val="90000"/>
+            </a:lnSpc>
+            <a:spcBef>
+              <a:spcPct val="0"/>
+            </a:spcBef>
+            <a:spcAft>
+              <a:spcPct val="35000"/>
+            </a:spcAft>
+          </a:pPr>
+          <a:r>
+            <a:rPr lang="en-US" sz="1200" kern="1200" dirty="0" smtClean="0"/>
+            <a:t>Classification</a:t>
+          </a:r>
+          <a:endParaRPr lang="en-US" sz="1200" kern="1200" dirty="0"/>
+        </a:p>
+      </dsp:txBody>
+      <dsp:txXfrm>
+        <a:off x="3443082" y="1053953"/>
+        <a:ext cx="1177705" cy="689463"/>
+      </dsp:txXfrm>
+    </dsp:sp>
+    <dsp:sp modelId="{08D1E9A9-E004-4605-98AD-2709FD8EEC4F}">
+      <dsp:nvSpPr>
+        <dsp:cNvPr id="0" name=""/>
+        <dsp:cNvSpPr/>
+      </dsp:nvSpPr>
+      <dsp:spPr>
+        <a:xfrm>
+          <a:off x="4764298" y="1247330"/>
+          <a:ext cx="258768" cy="302710"/>
+        </a:xfrm>
+        <a:prstGeom prst="rightArrow">
+          <a:avLst>
+            <a:gd name="adj1" fmla="val 60000"/>
+            <a:gd name="adj2" fmla="val 50000"/>
+          </a:avLst>
+        </a:prstGeom>
+        <a:solidFill>
+          <a:schemeClr val="accent1">
+            <a:tint val="60000"/>
+            <a:hueOff val="0"/>
+            <a:satOff val="0"/>
+            <a:lumOff val="0"/>
+            <a:alphaOff val="0"/>
+          </a:schemeClr>
+        </a:solidFill>
+        <a:ln>
+          <a:noFill/>
+        </a:ln>
+        <a:effectLst/>
+      </dsp:spPr>
+      <dsp:style>
+        <a:lnRef idx="0">
+          <a:scrgbClr r="0" g="0" b="0"/>
+        </a:lnRef>
+        <a:fillRef idx="1">
+          <a:scrgbClr r="0" g="0" b="0"/>
+        </a:fillRef>
+        <a:effectRef idx="0">
+          <a:scrgbClr r="0" g="0" b="0"/>
+        </a:effectRef>
+        <a:fontRef idx="minor">
+          <a:schemeClr val="lt1"/>
+        </a:fontRef>
+      </dsp:style>
+      <dsp:txBody>
+        <a:bodyPr spcFirstLastPara="0" vert="horz" wrap="square" lIns="0" tIns="0" rIns="0" bIns="0" numCol="1" spcCol="1270" anchor="ctr" anchorCtr="0">
+          <a:noAutofit/>
+        </a:bodyPr>
+        <a:lstStyle/>
+        <a:p>
+          <a:pPr lvl="0" algn="ctr" defTabSz="444500">
+            <a:lnSpc>
+              <a:spcPct val="90000"/>
+            </a:lnSpc>
+            <a:spcBef>
+              <a:spcPct val="0"/>
+            </a:spcBef>
+            <a:spcAft>
+              <a:spcPct val="35000"/>
+            </a:spcAft>
+          </a:pPr>
+          <a:endParaRPr lang="en-US" sz="1000" kern="1200"/>
+        </a:p>
+      </dsp:txBody>
+      <dsp:txXfrm>
+        <a:off x="4764298" y="1307872"/>
+        <a:ext cx="181138" cy="181626"/>
+      </dsp:txXfrm>
+    </dsp:sp>
+    <dsp:sp modelId="{9318C361-EFD5-48E8-A5EF-C467CB4F2DB3}">
+      <dsp:nvSpPr>
+        <dsp:cNvPr id="0" name=""/>
+        <dsp:cNvSpPr/>
+      </dsp:nvSpPr>
+      <dsp:spPr>
+        <a:xfrm>
+          <a:off x="5130480" y="1032503"/>
+          <a:ext cx="1220605" cy="732363"/>
+        </a:xfrm>
+        <a:prstGeom prst="roundRect">
+          <a:avLst>
+            <a:gd name="adj" fmla="val 10000"/>
+          </a:avLst>
+        </a:prstGeom>
+        <a:solidFill>
+          <a:schemeClr val="accent1">
+            <a:hueOff val="0"/>
+            <a:satOff val="0"/>
+            <a:lumOff val="0"/>
+            <a:alphaOff val="0"/>
+          </a:schemeClr>
+        </a:solidFill>
+        <a:ln w="15875" cap="rnd" cmpd="sng" algn="ctr">
+          <a:solidFill>
+            <a:schemeClr val="lt1">
+              <a:hueOff val="0"/>
+              <a:satOff val="0"/>
+              <a:lumOff val="0"/>
+              <a:alphaOff val="0"/>
+            </a:schemeClr>
+          </a:solidFill>
+          <a:prstDash val="solid"/>
+        </a:ln>
+        <a:effectLst/>
+      </dsp:spPr>
+      <dsp:style>
+        <a:lnRef idx="2">
+          <a:scrgbClr r="0" g="0" b="0"/>
+        </a:lnRef>
+        <a:fillRef idx="1">
+          <a:scrgbClr r="0" g="0" b="0"/>
+        </a:fillRef>
+        <a:effectRef idx="0">
+          <a:scrgbClr r="0" g="0" b="0"/>
+        </a:effectRef>
+        <a:fontRef idx="minor">
+          <a:schemeClr val="lt1"/>
+        </a:fontRef>
+      </dsp:style>
+      <dsp:txBody>
+        <a:bodyPr spcFirstLastPara="0" vert="horz" wrap="square" lIns="45720" tIns="45720" rIns="45720" bIns="45720" numCol="1" spcCol="1270" anchor="ctr" anchorCtr="0">
+          <a:noAutofit/>
+        </a:bodyPr>
+        <a:lstStyle/>
+        <a:p>
+          <a:pPr lvl="0" algn="ctr" defTabSz="533400">
+            <a:lnSpc>
+              <a:spcPct val="90000"/>
+            </a:lnSpc>
+            <a:spcBef>
+              <a:spcPct val="0"/>
+            </a:spcBef>
+            <a:spcAft>
+              <a:spcPct val="35000"/>
+            </a:spcAft>
+          </a:pPr>
+          <a:r>
+            <a:rPr lang="en-US" sz="1200" kern="1200" dirty="0" smtClean="0"/>
+            <a:t>Parser</a:t>
+          </a:r>
+          <a:endParaRPr lang="en-US" sz="1200" kern="1200" dirty="0"/>
+        </a:p>
+      </dsp:txBody>
+      <dsp:txXfrm>
+        <a:off x="5151930" y="1053953"/>
+        <a:ext cx="1177705" cy="689463"/>
+      </dsp:txXfrm>
+    </dsp:sp>
+    <dsp:sp modelId="{76DFEBD5-A236-45E4-B06D-D00A846A1D05}">
+      <dsp:nvSpPr>
+        <dsp:cNvPr id="0" name=""/>
+        <dsp:cNvSpPr/>
+      </dsp:nvSpPr>
+      <dsp:spPr>
+        <a:xfrm>
+          <a:off x="6473146" y="1247330"/>
+          <a:ext cx="258768" cy="302710"/>
+        </a:xfrm>
+        <a:prstGeom prst="rightArrow">
+          <a:avLst>
+            <a:gd name="adj1" fmla="val 60000"/>
+            <a:gd name="adj2" fmla="val 50000"/>
+          </a:avLst>
+        </a:prstGeom>
+        <a:solidFill>
+          <a:schemeClr val="accent1">
+            <a:tint val="60000"/>
+            <a:hueOff val="0"/>
+            <a:satOff val="0"/>
+            <a:lumOff val="0"/>
+            <a:alphaOff val="0"/>
+          </a:schemeClr>
+        </a:solidFill>
+        <a:ln>
+          <a:noFill/>
+        </a:ln>
+        <a:effectLst/>
+      </dsp:spPr>
+      <dsp:style>
+        <a:lnRef idx="0">
+          <a:scrgbClr r="0" g="0" b="0"/>
+        </a:lnRef>
+        <a:fillRef idx="1">
+          <a:scrgbClr r="0" g="0" b="0"/>
+        </a:fillRef>
+        <a:effectRef idx="0">
+          <a:scrgbClr r="0" g="0" b="0"/>
+        </a:effectRef>
+        <a:fontRef idx="minor">
+          <a:schemeClr val="lt1"/>
+        </a:fontRef>
+      </dsp:style>
+      <dsp:txBody>
+        <a:bodyPr spcFirstLastPara="0" vert="horz" wrap="square" lIns="0" tIns="0" rIns="0" bIns="0" numCol="1" spcCol="1270" anchor="ctr" anchorCtr="0">
+          <a:noAutofit/>
+        </a:bodyPr>
+        <a:lstStyle/>
+        <a:p>
+          <a:pPr lvl="0" algn="ctr" defTabSz="444500">
+            <a:lnSpc>
+              <a:spcPct val="90000"/>
+            </a:lnSpc>
+            <a:spcBef>
+              <a:spcPct val="0"/>
+            </a:spcBef>
+            <a:spcAft>
+              <a:spcPct val="35000"/>
+            </a:spcAft>
+          </a:pPr>
+          <a:endParaRPr lang="en-US" sz="1000" kern="1200"/>
+        </a:p>
+      </dsp:txBody>
+      <dsp:txXfrm>
+        <a:off x="6473146" y="1307872"/>
+        <a:ext cx="181138" cy="181626"/>
+      </dsp:txXfrm>
+    </dsp:sp>
+    <dsp:sp modelId="{C3454348-444B-4654-8526-7EE6D250856B}">
+      <dsp:nvSpPr>
+        <dsp:cNvPr id="0" name=""/>
+        <dsp:cNvSpPr/>
+      </dsp:nvSpPr>
+      <dsp:spPr>
+        <a:xfrm>
+          <a:off x="6839328" y="1032503"/>
+          <a:ext cx="1220605" cy="732363"/>
+        </a:xfrm>
+        <a:prstGeom prst="roundRect">
+          <a:avLst>
+            <a:gd name="adj" fmla="val 10000"/>
+          </a:avLst>
+        </a:prstGeom>
+        <a:solidFill>
+          <a:schemeClr val="accent1">
+            <a:hueOff val="0"/>
+            <a:satOff val="0"/>
+            <a:lumOff val="0"/>
+            <a:alphaOff val="0"/>
+          </a:schemeClr>
+        </a:solidFill>
+        <a:ln w="15875" cap="rnd" cmpd="sng" algn="ctr">
+          <a:solidFill>
+            <a:schemeClr val="lt1">
+              <a:hueOff val="0"/>
+              <a:satOff val="0"/>
+              <a:lumOff val="0"/>
+              <a:alphaOff val="0"/>
+            </a:schemeClr>
+          </a:solidFill>
+          <a:prstDash val="solid"/>
+        </a:ln>
+        <a:effectLst/>
+      </dsp:spPr>
+      <dsp:style>
+        <a:lnRef idx="2">
+          <a:scrgbClr r="0" g="0" b="0"/>
+        </a:lnRef>
+        <a:fillRef idx="1">
+          <a:scrgbClr r="0" g="0" b="0"/>
+        </a:fillRef>
+        <a:effectRef idx="0">
+          <a:scrgbClr r="0" g="0" b="0"/>
+        </a:effectRef>
+        <a:fontRef idx="minor">
+          <a:schemeClr val="lt1"/>
+        </a:fontRef>
+      </dsp:style>
+      <dsp:txBody>
+        <a:bodyPr spcFirstLastPara="0" vert="horz" wrap="square" lIns="45720" tIns="45720" rIns="45720" bIns="45720" numCol="1" spcCol="1270" anchor="ctr" anchorCtr="0">
+          <a:noAutofit/>
+        </a:bodyPr>
+        <a:lstStyle/>
+        <a:p>
+          <a:pPr lvl="0" algn="ctr" defTabSz="533400">
+            <a:lnSpc>
+              <a:spcPct val="90000"/>
+            </a:lnSpc>
+            <a:spcBef>
+              <a:spcPct val="0"/>
+            </a:spcBef>
+            <a:spcAft>
+              <a:spcPct val="35000"/>
+            </a:spcAft>
+          </a:pPr>
+          <a:r>
+            <a:rPr lang="en-US" sz="1200" kern="1200" dirty="0" smtClean="0"/>
+            <a:t>Latex code</a:t>
+          </a:r>
+          <a:endParaRPr lang="en-US" sz="1200" kern="1200" dirty="0"/>
+        </a:p>
+      </dsp:txBody>
+      <dsp:txXfrm>
+        <a:off x="6860778" y="1053953"/>
+        <a:ext cx="1177705" cy="689463"/>
+      </dsp:txXfrm>
+    </dsp:sp>
+  </dsp:spTree>
+</dsp:drawing>
+</file>
+
 <file path=ppt/diagrams/layout1.xml><?xml version="1.0" encoding="utf-8"?>
 <dgm:layoutDef xmlns:dgm="http://schemas.openxmlformats.org/drawingml/2006/diagram" xmlns:a="http://schemas.openxmlformats.org/drawingml/2006/main" uniqueId="urn:microsoft.com/office/officeart/2005/8/layout/process4">
   <dgm:title val=""/>
@@ -2973,7 +4749,1187 @@
 </dgm:layoutDef>
 </file>
 
+<file path=ppt/diagrams/layout2.xml><?xml version="1.0" encoding="utf-8"?>
+<dgm:layoutDef xmlns:dgm="http://schemas.openxmlformats.org/drawingml/2006/diagram" xmlns:a="http://schemas.openxmlformats.org/drawingml/2006/main" uniqueId="urn:microsoft.com/office/officeart/2005/8/layout/process1">
+  <dgm:title val=""/>
+  <dgm:desc val=""/>
+  <dgm:catLst>
+    <dgm:cat type="process" pri="1000"/>
+    <dgm:cat type="convert" pri="15000"/>
+  </dgm:catLst>
+  <dgm:sampData useDef="1">
+    <dgm:dataModel>
+      <dgm:ptLst/>
+      <dgm:bg/>
+      <dgm:whole/>
+    </dgm:dataModel>
+  </dgm:sampData>
+  <dgm:styleData>
+    <dgm:dataModel>
+      <dgm:ptLst>
+        <dgm:pt modelId="0" type="doc"/>
+        <dgm:pt modelId="1"/>
+        <dgm:pt modelId="2"/>
+      </dgm:ptLst>
+      <dgm:cxnLst>
+        <dgm:cxn modelId="3" srcId="0" destId="1" srcOrd="0" destOrd="0"/>
+        <dgm:cxn modelId="4" srcId="0" destId="2" srcOrd="1" destOrd="0"/>
+      </dgm:cxnLst>
+      <dgm:bg/>
+      <dgm:whole/>
+    </dgm:dataModel>
+  </dgm:styleData>
+  <dgm:clrData>
+    <dgm:dataModel>
+      <dgm:ptLst>
+        <dgm:pt modelId="0" type="doc"/>
+        <dgm:pt modelId="1"/>
+        <dgm:pt modelId="2"/>
+        <dgm:pt modelId="3"/>
+        <dgm:pt modelId="4"/>
+      </dgm:ptLst>
+      <dgm:cxnLst>
+        <dgm:cxn modelId="5" srcId="0" destId="1" srcOrd="0" destOrd="0"/>
+        <dgm:cxn modelId="6" srcId="0" destId="2" srcOrd="1" destOrd="0"/>
+        <dgm:cxn modelId="7" srcId="0" destId="3" srcOrd="2" destOrd="0"/>
+        <dgm:cxn modelId="8" srcId="0" destId="4" srcOrd="3" destOrd="0"/>
+      </dgm:cxnLst>
+      <dgm:bg/>
+      <dgm:whole/>
+    </dgm:dataModel>
+  </dgm:clrData>
+  <dgm:layoutNode name="Name0">
+    <dgm:varLst>
+      <dgm:dir/>
+      <dgm:resizeHandles val="exact"/>
+    </dgm:varLst>
+    <dgm:choose name="Name1">
+      <dgm:if name="Name2" func="var" arg="dir" op="equ" val="norm">
+        <dgm:alg type="lin"/>
+      </dgm:if>
+      <dgm:else name="Name3">
+        <dgm:alg type="lin">
+          <dgm:param type="linDir" val="fromR"/>
+        </dgm:alg>
+      </dgm:else>
+    </dgm:choose>
+    <dgm:shape xmlns:r="http://schemas.openxmlformats.org/officeDocument/2006/relationships" r:blip="">
+      <dgm:adjLst/>
+    </dgm:shape>
+    <dgm:presOf/>
+    <dgm:constrLst>
+      <dgm:constr type="w" for="ch" ptType="node" refType="w"/>
+      <dgm:constr type="h" for="ch" ptType="node" op="equ"/>
+      <dgm:constr type="primFontSz" for="ch" ptType="node" op="equ" val="65"/>
+      <dgm:constr type="w" for="ch" ptType="sibTrans" refType="w" refFor="ch" refPtType="node" op="equ" fact="0.4"/>
+      <dgm:constr type="h" for="ch" ptType="sibTrans" op="equ"/>
+      <dgm:constr type="primFontSz" for="des" forName="connectorText" op="equ" val="55"/>
+      <dgm:constr type="primFontSz" for="des" forName="connectorText" refType="primFontSz" refFor="ch" refPtType="node" op="lte" fact="0.8"/>
+    </dgm:constrLst>
+    <dgm:ruleLst/>
+    <dgm:forEach name="nodesForEach" axis="ch" ptType="node">
+      <dgm:layoutNode name="node">
+        <dgm:varLst>
+          <dgm:bulletEnabled val="1"/>
+        </dgm:varLst>
+        <dgm:alg type="tx"/>
+        <dgm:shape xmlns:r="http://schemas.openxmlformats.org/officeDocument/2006/relationships" type="roundRect" r:blip="">
+          <dgm:adjLst>
+            <dgm:adj idx="1" val="0.1"/>
+          </dgm:adjLst>
+        </dgm:shape>
+        <dgm:presOf axis="desOrSelf" ptType="node"/>
+        <dgm:constrLst>
+          <dgm:constr type="h" refType="w" fact="0.6"/>
+          <dgm:constr type="tMarg" refType="primFontSz" fact="0.3"/>
+          <dgm:constr type="bMarg" refType="primFontSz" fact="0.3"/>
+          <dgm:constr type="lMarg" refType="primFontSz" fact="0.3"/>
+          <dgm:constr type="rMarg" refType="primFontSz" fact="0.3"/>
+        </dgm:constrLst>
+        <dgm:ruleLst>
+          <dgm:rule type="primFontSz" val="18" fact="NaN" max="NaN"/>
+          <dgm:rule type="h" val="NaN" fact="1.5" max="NaN"/>
+          <dgm:rule type="primFontSz" val="5" fact="NaN" max="NaN"/>
+          <dgm:rule type="h" val="INF" fact="NaN" max="NaN"/>
+        </dgm:ruleLst>
+      </dgm:layoutNode>
+      <dgm:forEach name="sibTransForEach" axis="followSib" ptType="sibTrans" cnt="1">
+        <dgm:layoutNode name="sibTrans">
+          <dgm:alg type="conn">
+            <dgm:param type="begPts" val="auto"/>
+            <dgm:param type="endPts" val="auto"/>
+          </dgm:alg>
+          <dgm:shape xmlns:r="http://schemas.openxmlformats.org/officeDocument/2006/relationships" type="conn" r:blip="">
+            <dgm:adjLst/>
+          </dgm:shape>
+          <dgm:presOf axis="self"/>
+          <dgm:constrLst>
+            <dgm:constr type="h" refType="w" fact="0.62"/>
+            <dgm:constr type="connDist"/>
+            <dgm:constr type="begPad" refType="connDist" fact="0.25"/>
+            <dgm:constr type="endPad" refType="connDist" fact="0.22"/>
+          </dgm:constrLst>
+          <dgm:ruleLst/>
+          <dgm:layoutNode name="connectorText">
+            <dgm:alg type="tx">
+              <dgm:param type="autoTxRot" val="grav"/>
+            </dgm:alg>
+            <dgm:shape xmlns:r="http://schemas.openxmlformats.org/officeDocument/2006/relationships" type="conn" r:blip="" hideGeom="1">
+              <dgm:adjLst/>
+            </dgm:shape>
+            <dgm:presOf axis="self"/>
+            <dgm:constrLst>
+              <dgm:constr type="lMarg"/>
+              <dgm:constr type="rMarg"/>
+              <dgm:constr type="tMarg"/>
+              <dgm:constr type="bMarg"/>
+            </dgm:constrLst>
+            <dgm:ruleLst>
+              <dgm:rule type="primFontSz" val="5" fact="NaN" max="NaN"/>
+            </dgm:ruleLst>
+          </dgm:layoutNode>
+        </dgm:layoutNode>
+      </dgm:forEach>
+    </dgm:forEach>
+  </dgm:layoutNode>
+</dgm:layoutDef>
+</file>
+
 <file path=ppt/diagrams/quickStyle1.xml><?xml version="1.0" encoding="utf-8"?>
+<dgm:styleDef xmlns:dgm="http://schemas.openxmlformats.org/drawingml/2006/diagram" xmlns:a="http://schemas.openxmlformats.org/drawingml/2006/main" uniqueId="urn:microsoft.com/office/officeart/2005/8/quickstyle/simple1">
+  <dgm:title val=""/>
+  <dgm:desc val=""/>
+  <dgm:catLst>
+    <dgm:cat type="simple" pri="10100"/>
+  </dgm:catLst>
+  <dgm:scene3d>
+    <a:camera prst="orthographicFront"/>
+    <a:lightRig rig="threePt" dir="t"/>
+  </dgm:scene3d>
+  <dgm:styleLbl name="node0">
+    <dgm:scene3d>
+      <a:camera prst="orthographicFront"/>
+      <a:lightRig rig="threePt" dir="t"/>
+    </dgm:scene3d>
+    <dgm:sp3d/>
+    <dgm:txPr/>
+    <dgm:style>
+      <a:lnRef idx="2">
+        <a:scrgbClr r="0" g="0" b="0"/>
+      </a:lnRef>
+      <a:fillRef idx="1">
+        <a:scrgbClr r="0" g="0" b="0"/>
+      </a:fillRef>
+      <a:effectRef idx="0">
+        <a:scrgbClr r="0" g="0" b="0"/>
+      </a:effectRef>
+      <a:fontRef idx="minor">
+        <a:schemeClr val="lt1"/>
+      </a:fontRef>
+    </dgm:style>
+  </dgm:styleLbl>
+  <dgm:styleLbl name="lnNode1">
+    <dgm:scene3d>
+      <a:camera prst="orthographicFront"/>
+      <a:lightRig rig="threePt" dir="t"/>
+    </dgm:scene3d>
+    <dgm:sp3d/>
+    <dgm:txPr/>
+    <dgm:style>
+      <a:lnRef idx="2">
+        <a:scrgbClr r="0" g="0" b="0"/>
+      </a:lnRef>
+      <a:fillRef idx="1">
+        <a:scrgbClr r="0" g="0" b="0"/>
+      </a:fillRef>
+      <a:effectRef idx="0">
+        <a:scrgbClr r="0" g="0" b="0"/>
+      </a:effectRef>
+      <a:fontRef idx="minor">
+        <a:schemeClr val="lt1"/>
+      </a:fontRef>
+    </dgm:style>
+  </dgm:styleLbl>
+  <dgm:styleLbl name="vennNode1">
+    <dgm:scene3d>
+      <a:camera prst="orthographicFront"/>
+      <a:lightRig rig="threePt" dir="t"/>
+    </dgm:scene3d>
+    <dgm:sp3d/>
+    <dgm:txPr/>
+    <dgm:style>
+      <a:lnRef idx="2">
+        <a:scrgbClr r="0" g="0" b="0"/>
+      </a:lnRef>
+      <a:fillRef idx="1">
+        <a:scrgbClr r="0" g="0" b="0"/>
+      </a:fillRef>
+      <a:effectRef idx="0">
+        <a:scrgbClr r="0" g="0" b="0"/>
+      </a:effectRef>
+      <a:fontRef idx="minor">
+        <a:schemeClr val="tx1"/>
+      </a:fontRef>
+    </dgm:style>
+  </dgm:styleLbl>
+  <dgm:styleLbl name="alignNode1">
+    <dgm:scene3d>
+      <a:camera prst="orthographicFront"/>
+      <a:lightRig rig="threePt" dir="t"/>
+    </dgm:scene3d>
+    <dgm:sp3d/>
+    <dgm:txPr/>
+    <dgm:style>
+      <a:lnRef idx="2">
+        <a:scrgbClr r="0" g="0" b="0"/>
+      </a:lnRef>
+      <a:fillRef idx="1">
+        <a:scrgbClr r="0" g="0" b="0"/>
+      </a:fillRef>
+      <a:effectRef idx="0">
+        <a:scrgbClr r="0" g="0" b="0"/>
+      </a:effectRef>
+      <a:fontRef idx="minor">
+        <a:schemeClr val="lt1"/>
+      </a:fontRef>
+    </dgm:style>
+  </dgm:styleLbl>
+  <dgm:styleLbl name="node1">
+    <dgm:scene3d>
+      <a:camera prst="orthographicFront"/>
+      <a:lightRig rig="threePt" dir="t"/>
+    </dgm:scene3d>
+    <dgm:sp3d/>
+    <dgm:txPr/>
+    <dgm:style>
+      <a:lnRef idx="2">
+        <a:scrgbClr r="0" g="0" b="0"/>
+      </a:lnRef>
+      <a:fillRef idx="1">
+        <a:scrgbClr r="0" g="0" b="0"/>
+      </a:fillRef>
+      <a:effectRef idx="0">
+        <a:scrgbClr r="0" g="0" b="0"/>
+      </a:effectRef>
+      <a:fontRef idx="minor">
+        <a:schemeClr val="lt1"/>
+      </a:fontRef>
+    </dgm:style>
+  </dgm:styleLbl>
+  <dgm:styleLbl name="node2">
+    <dgm:scene3d>
+      <a:camera prst="orthographicFront"/>
+      <a:lightRig rig="threePt" dir="t"/>
+    </dgm:scene3d>
+    <dgm:sp3d/>
+    <dgm:txPr/>
+    <dgm:style>
+      <a:lnRef idx="2">
+        <a:scrgbClr r="0" g="0" b="0"/>
+      </a:lnRef>
+      <a:fillRef idx="1">
+        <a:scrgbClr r="0" g="0" b="0"/>
+      </a:fillRef>
+      <a:effectRef idx="0">
+        <a:scrgbClr r="0" g="0" b="0"/>
+      </a:effectRef>
+      <a:fontRef idx="minor">
+        <a:schemeClr val="lt1"/>
+      </a:fontRef>
+    </dgm:style>
+  </dgm:styleLbl>
+  <dgm:styleLbl name="node3">
+    <dgm:scene3d>
+      <a:camera prst="orthographicFront"/>
+      <a:lightRig rig="threePt" dir="t"/>
+    </dgm:scene3d>
+    <dgm:sp3d/>
+    <dgm:txPr/>
+    <dgm:style>
+      <a:lnRef idx="2">
+        <a:scrgbClr r="0" g="0" b="0"/>
+      </a:lnRef>
+      <a:fillRef idx="1">
+        <a:scrgbClr r="0" g="0" b="0"/>
+      </a:fillRef>
+      <a:effectRef idx="0">
+        <a:scrgbClr r="0" g="0" b="0"/>
+      </a:effectRef>
+      <a:fontRef idx="minor">
+        <a:schemeClr val="lt1"/>
+      </a:fontRef>
+    </dgm:style>
+  </dgm:styleLbl>
+  <dgm:styleLbl name="node4">
+    <dgm:scene3d>
+      <a:camera prst="orthographicFront"/>
+      <a:lightRig rig="threePt" dir="t"/>
+    </dgm:scene3d>
+    <dgm:sp3d/>
+    <dgm:txPr/>
+    <dgm:style>
+      <a:lnRef idx="2">
+        <a:scrgbClr r="0" g="0" b="0"/>
+      </a:lnRef>
+      <a:fillRef idx="1">
+        <a:scrgbClr r="0" g="0" b="0"/>
+      </a:fillRef>
+      <a:effectRef idx="0">
+        <a:scrgbClr r="0" g="0" b="0"/>
+      </a:effectRef>
+      <a:fontRef idx="minor">
+        <a:schemeClr val="lt1"/>
+      </a:fontRef>
+    </dgm:style>
+  </dgm:styleLbl>
+  <dgm:styleLbl name="fgImgPlace1">
+    <dgm:scene3d>
+      <a:camera prst="orthographicFront"/>
+      <a:lightRig rig="threePt" dir="t"/>
+    </dgm:scene3d>
+    <dgm:sp3d/>
+    <dgm:txPr/>
+    <dgm:style>
+      <a:lnRef idx="2">
+        <a:scrgbClr r="0" g="0" b="0"/>
+      </a:lnRef>
+      <a:fillRef idx="1">
+        <a:scrgbClr r="0" g="0" b="0"/>
+      </a:fillRef>
+      <a:effectRef idx="0">
+        <a:scrgbClr r="0" g="0" b="0"/>
+      </a:effectRef>
+      <a:fontRef idx="minor"/>
+    </dgm:style>
+  </dgm:styleLbl>
+  <dgm:styleLbl name="alignImgPlace1">
+    <dgm:scene3d>
+      <a:camera prst="orthographicFront"/>
+      <a:lightRig rig="threePt" dir="t"/>
+    </dgm:scene3d>
+    <dgm:sp3d/>
+    <dgm:txPr/>
+    <dgm:style>
+      <a:lnRef idx="2">
+        <a:scrgbClr r="0" g="0" b="0"/>
+      </a:lnRef>
+      <a:fillRef idx="1">
+        <a:scrgbClr r="0" g="0" b="0"/>
+      </a:fillRef>
+      <a:effectRef idx="0">
+        <a:scrgbClr r="0" g="0" b="0"/>
+      </a:effectRef>
+      <a:fontRef idx="minor"/>
+    </dgm:style>
+  </dgm:styleLbl>
+  <dgm:styleLbl name="bgImgPlace1">
+    <dgm:scene3d>
+      <a:camera prst="orthographicFront"/>
+      <a:lightRig rig="threePt" dir="t"/>
+    </dgm:scene3d>
+    <dgm:sp3d/>
+    <dgm:txPr/>
+    <dgm:style>
+      <a:lnRef idx="2">
+        <a:scrgbClr r="0" g="0" b="0"/>
+      </a:lnRef>
+      <a:fillRef idx="1">
+        <a:scrgbClr r="0" g="0" b="0"/>
+      </a:fillRef>
+      <a:effectRef idx="0">
+        <a:scrgbClr r="0" g="0" b="0"/>
+      </a:effectRef>
+      <a:fontRef idx="minor"/>
+    </dgm:style>
+  </dgm:styleLbl>
+  <dgm:styleLbl name="sibTrans2D1">
+    <dgm:scene3d>
+      <a:camera prst="orthographicFront"/>
+      <a:lightRig rig="threePt" dir="t"/>
+    </dgm:scene3d>
+    <dgm:sp3d/>
+    <dgm:txPr/>
+    <dgm:style>
+      <a:lnRef idx="0">
+        <a:scrgbClr r="0" g="0" b="0"/>
+      </a:lnRef>
+      <a:fillRef idx="1">
+        <a:scrgbClr r="0" g="0" b="0"/>
+      </a:fillRef>
+      <a:effectRef idx="0">
+        <a:scrgbClr r="0" g="0" b="0"/>
+      </a:effectRef>
+      <a:fontRef idx="minor">
+        <a:schemeClr val="lt1"/>
+      </a:fontRef>
+    </dgm:style>
+  </dgm:styleLbl>
+  <dgm:styleLbl name="fgSibTrans2D1">
+    <dgm:scene3d>
+      <a:camera prst="orthographicFront"/>
+      <a:lightRig rig="threePt" dir="t"/>
+    </dgm:scene3d>
+    <dgm:sp3d/>
+    <dgm:txPr/>
+    <dgm:style>
+      <a:lnRef idx="0">
+        <a:scrgbClr r="0" g="0" b="0"/>
+      </a:lnRef>
+      <a:fillRef idx="1">
+        <a:scrgbClr r="0" g="0" b="0"/>
+      </a:fillRef>
+      <a:effectRef idx="0">
+        <a:scrgbClr r="0" g="0" b="0"/>
+      </a:effectRef>
+      <a:fontRef idx="minor">
+        <a:schemeClr val="lt1"/>
+      </a:fontRef>
+    </dgm:style>
+  </dgm:styleLbl>
+  <dgm:styleLbl name="bgSibTrans2D1">
+    <dgm:scene3d>
+      <a:camera prst="orthographicFront"/>
+      <a:lightRig rig="threePt" dir="t"/>
+    </dgm:scene3d>
+    <dgm:sp3d/>
+    <dgm:txPr/>
+    <dgm:style>
+      <a:lnRef idx="0">
+        <a:scrgbClr r="0" g="0" b="0"/>
+      </a:lnRef>
+      <a:fillRef idx="1">
+        <a:scrgbClr r="0" g="0" b="0"/>
+      </a:fillRef>
+      <a:effectRef idx="0">
+        <a:scrgbClr r="0" g="0" b="0"/>
+      </a:effectRef>
+      <a:fontRef idx="minor">
+        <a:schemeClr val="lt1"/>
+      </a:fontRef>
+    </dgm:style>
+  </dgm:styleLbl>
+  <dgm:styleLbl name="sibTrans1D1">
+    <dgm:scene3d>
+      <a:camera prst="orthographicFront"/>
+      <a:lightRig rig="threePt" dir="t"/>
+    </dgm:scene3d>
+    <dgm:sp3d/>
+    <dgm:txPr/>
+    <dgm:style>
+      <a:lnRef idx="1">
+        <a:scrgbClr r="0" g="0" b="0"/>
+      </a:lnRef>
+      <a:fillRef idx="0">
+        <a:scrgbClr r="0" g="0" b="0"/>
+      </a:fillRef>
+      <a:effectRef idx="0">
+        <a:scrgbClr r="0" g="0" b="0"/>
+      </a:effectRef>
+      <a:fontRef idx="minor"/>
+    </dgm:style>
+  </dgm:styleLbl>
+  <dgm:styleLbl name="callout">
+    <dgm:scene3d>
+      <a:camera prst="orthographicFront"/>
+      <a:lightRig rig="threePt" dir="t"/>
+    </dgm:scene3d>
+    <dgm:sp3d/>
+    <dgm:txPr/>
+    <dgm:style>
+      <a:lnRef idx="2">
+        <a:scrgbClr r="0" g="0" b="0"/>
+      </a:lnRef>
+      <a:fillRef idx="1">
+        <a:scrgbClr r="0" g="0" b="0"/>
+      </a:fillRef>
+      <a:effectRef idx="0">
+        <a:scrgbClr r="0" g="0" b="0"/>
+      </a:effectRef>
+      <a:fontRef idx="minor"/>
+    </dgm:style>
+  </dgm:styleLbl>
+  <dgm:styleLbl name="asst0">
+    <dgm:scene3d>
+      <a:camera prst="orthographicFront"/>
+      <a:lightRig rig="threePt" dir="t"/>
+    </dgm:scene3d>
+    <dgm:sp3d/>
+    <dgm:txPr/>
+    <dgm:style>
+      <a:lnRef idx="2">
+        <a:scrgbClr r="0" g="0" b="0"/>
+      </a:lnRef>
+      <a:fillRef idx="1">
+        <a:scrgbClr r="0" g="0" b="0"/>
+      </a:fillRef>
+      <a:effectRef idx="0">
+        <a:scrgbClr r="0" g="0" b="0"/>
+      </a:effectRef>
+      <a:fontRef idx="minor">
+        <a:schemeClr val="lt1"/>
+      </a:fontRef>
+    </dgm:style>
+  </dgm:styleLbl>
+  <dgm:styleLbl name="asst1">
+    <dgm:scene3d>
+      <a:camera prst="orthographicFront"/>
+      <a:lightRig rig="threePt" dir="t"/>
+    </dgm:scene3d>
+    <dgm:sp3d/>
+    <dgm:txPr/>
+    <dgm:style>
+      <a:lnRef idx="2">
+        <a:scrgbClr r="0" g="0" b="0"/>
+      </a:lnRef>
+      <a:fillRef idx="1">
+        <a:scrgbClr r="0" g="0" b="0"/>
+      </a:fillRef>
+      <a:effectRef idx="0">
+        <a:scrgbClr r="0" g="0" b="0"/>
+      </a:effectRef>
+      <a:fontRef idx="minor">
+        <a:schemeClr val="lt1"/>
+      </a:fontRef>
+    </dgm:style>
+  </dgm:styleLbl>
+  <dgm:styleLbl name="asst2">
+    <dgm:scene3d>
+      <a:camera prst="orthographicFront"/>
+      <a:lightRig rig="threePt" dir="t"/>
+    </dgm:scene3d>
+    <dgm:sp3d/>
+    <dgm:txPr/>
+    <dgm:style>
+      <a:lnRef idx="2">
+        <a:scrgbClr r="0" g="0" b="0"/>
+      </a:lnRef>
+      <a:fillRef idx="1">
+        <a:scrgbClr r="0" g="0" b="0"/>
+      </a:fillRef>
+      <a:effectRef idx="0">
+        <a:scrgbClr r="0" g="0" b="0"/>
+      </a:effectRef>
+      <a:fontRef idx="minor">
+        <a:schemeClr val="lt1"/>
+      </a:fontRef>
+    </dgm:style>
+  </dgm:styleLbl>
+  <dgm:styleLbl name="asst3">
+    <dgm:scene3d>
+      <a:camera prst="orthographicFront"/>
+      <a:lightRig rig="threePt" dir="t"/>
+    </dgm:scene3d>
+    <dgm:sp3d/>
+    <dgm:txPr/>
+    <dgm:style>
+      <a:lnRef idx="2">
+        <a:scrgbClr r="0" g="0" b="0"/>
+      </a:lnRef>
+      <a:fillRef idx="1">
+        <a:scrgbClr r="0" g="0" b="0"/>
+      </a:fillRef>
+      <a:effectRef idx="0">
+        <a:scrgbClr r="0" g="0" b="0"/>
+      </a:effectRef>
+      <a:fontRef idx="minor">
+        <a:schemeClr val="lt1"/>
+      </a:fontRef>
+    </dgm:style>
+  </dgm:styleLbl>
+  <dgm:styleLbl name="asst4">
+    <dgm:scene3d>
+      <a:camera prst="orthographicFront"/>
+      <a:lightRig rig="threePt" dir="t"/>
+    </dgm:scene3d>
+    <dgm:sp3d/>
+    <dgm:txPr/>
+    <dgm:style>
+      <a:lnRef idx="2">
+        <a:scrgbClr r="0" g="0" b="0"/>
+      </a:lnRef>
+      <a:fillRef idx="1">
+        <a:scrgbClr r="0" g="0" b="0"/>
+      </a:fillRef>
+      <a:effectRef idx="0">
+        <a:scrgbClr r="0" g="0" b="0"/>
+      </a:effectRef>
+      <a:fontRef idx="minor">
+        <a:schemeClr val="lt1"/>
+      </a:fontRef>
+    </dgm:style>
+  </dgm:styleLbl>
+  <dgm:styleLbl name="parChTrans2D1">
+    <dgm:scene3d>
+      <a:camera prst="orthographicFront"/>
+      <a:lightRig rig="threePt" dir="t"/>
+    </dgm:scene3d>
+    <dgm:sp3d/>
+    <dgm:txPr/>
+    <dgm:style>
+      <a:lnRef idx="2">
+        <a:scrgbClr r="0" g="0" b="0"/>
+      </a:lnRef>
+      <a:fillRef idx="1">
+        <a:scrgbClr r="0" g="0" b="0"/>
+      </a:fillRef>
+      <a:effectRef idx="0">
+        <a:scrgbClr r="0" g="0" b="0"/>
+      </a:effectRef>
+      <a:fontRef idx="minor">
+        <a:schemeClr val="lt1"/>
+      </a:fontRef>
+    </dgm:style>
+  </dgm:styleLbl>
+  <dgm:styleLbl name="parChTrans2D2">
+    <dgm:scene3d>
+      <a:camera prst="orthographicFront"/>
+      <a:lightRig rig="threePt" dir="t"/>
+    </dgm:scene3d>
+    <dgm:sp3d/>
+    <dgm:txPr/>
+    <dgm:style>
+      <a:lnRef idx="2">
+        <a:scrgbClr r="0" g="0" b="0"/>
+      </a:lnRef>
+      <a:fillRef idx="1">
+        <a:scrgbClr r="0" g="0" b="0"/>
+      </a:fillRef>
+      <a:effectRef idx="0">
+        <a:scrgbClr r="0" g="0" b="0"/>
+      </a:effectRef>
+      <a:fontRef idx="minor">
+        <a:schemeClr val="lt1"/>
+      </a:fontRef>
+    </dgm:style>
+  </dgm:styleLbl>
+  <dgm:styleLbl name="parChTrans2D3">
+    <dgm:scene3d>
+      <a:camera prst="orthographicFront"/>
+      <a:lightRig rig="threePt" dir="t"/>
+    </dgm:scene3d>
+    <dgm:sp3d/>
+    <dgm:txPr/>
+    <dgm:style>
+      <a:lnRef idx="2">
+        <a:scrgbClr r="0" g="0" b="0"/>
+      </a:lnRef>
+      <a:fillRef idx="1">
+        <a:scrgbClr r="0" g="0" b="0"/>
+      </a:fillRef>
+      <a:effectRef idx="0">
+        <a:scrgbClr r="0" g="0" b="0"/>
+      </a:effectRef>
+      <a:fontRef idx="minor">
+        <a:schemeClr val="lt1"/>
+      </a:fontRef>
+    </dgm:style>
+  </dgm:styleLbl>
+  <dgm:styleLbl name="parChTrans2D4">
+    <dgm:scene3d>
+      <a:camera prst="orthographicFront"/>
+      <a:lightRig rig="threePt" dir="t"/>
+    </dgm:scene3d>
+    <dgm:sp3d/>
+    <dgm:txPr/>
+    <dgm:style>
+      <a:lnRef idx="2">
+        <a:scrgbClr r="0" g="0" b="0"/>
+      </a:lnRef>
+      <a:fillRef idx="1">
+        <a:scrgbClr r="0" g="0" b="0"/>
+      </a:fillRef>
+      <a:effectRef idx="0">
+        <a:scrgbClr r="0" g="0" b="0"/>
+      </a:effectRef>
+      <a:fontRef idx="minor">
+        <a:schemeClr val="lt1"/>
+      </a:fontRef>
+    </dgm:style>
+  </dgm:styleLbl>
+  <dgm:styleLbl name="parChTrans1D1">
+    <dgm:scene3d>
+      <a:camera prst="orthographicFront"/>
+      <a:lightRig rig="threePt" dir="t"/>
+    </dgm:scene3d>
+    <dgm:sp3d/>
+    <dgm:txPr/>
+    <dgm:style>
+      <a:lnRef idx="2">
+        <a:scrgbClr r="0" g="0" b="0"/>
+      </a:lnRef>
+      <a:fillRef idx="0">
+        <a:scrgbClr r="0" g="0" b="0"/>
+      </a:fillRef>
+      <a:effectRef idx="0">
+        <a:scrgbClr r="0" g="0" b="0"/>
+      </a:effectRef>
+      <a:fontRef idx="minor"/>
+    </dgm:style>
+  </dgm:styleLbl>
+  <dgm:styleLbl name="parChTrans1D2">
+    <dgm:scene3d>
+      <a:camera prst="orthographicFront"/>
+      <a:lightRig rig="threePt" dir="t"/>
+    </dgm:scene3d>
+    <dgm:sp3d/>
+    <dgm:txPr/>
+    <dgm:style>
+      <a:lnRef idx="2">
+        <a:scrgbClr r="0" g="0" b="0"/>
+      </a:lnRef>
+      <a:fillRef idx="0">
+        <a:scrgbClr r="0" g="0" b="0"/>
+      </a:fillRef>
+      <a:effectRef idx="0">
+        <a:scrgbClr r="0" g="0" b="0"/>
+      </a:effectRef>
+      <a:fontRef idx="minor"/>
+    </dgm:style>
+  </dgm:styleLbl>
+  <dgm:styleLbl name="parChTrans1D3">
+    <dgm:scene3d>
+      <a:camera prst="orthographicFront"/>
+      <a:lightRig rig="threePt" dir="t"/>
+    </dgm:scene3d>
+    <dgm:sp3d/>
+    <dgm:txPr/>
+    <dgm:style>
+      <a:lnRef idx="2">
+        <a:scrgbClr r="0" g="0" b="0"/>
+      </a:lnRef>
+      <a:fillRef idx="0">
+        <a:scrgbClr r="0" g="0" b="0"/>
+      </a:fillRef>
+      <a:effectRef idx="0">
+        <a:scrgbClr r="0" g="0" b="0"/>
+      </a:effectRef>
+      <a:fontRef idx="minor"/>
+    </dgm:style>
+  </dgm:styleLbl>
+  <dgm:styleLbl name="parChTrans1D4">
+    <dgm:scene3d>
+      <a:camera prst="orthographicFront"/>
+      <a:lightRig rig="threePt" dir="t"/>
+    </dgm:scene3d>
+    <dgm:sp3d/>
+    <dgm:txPr/>
+    <dgm:style>
+      <a:lnRef idx="2">
+        <a:scrgbClr r="0" g="0" b="0"/>
+      </a:lnRef>
+      <a:fillRef idx="0">
+        <a:scrgbClr r="0" g="0" b="0"/>
+      </a:fillRef>
+      <a:effectRef idx="0">
+        <a:scrgbClr r="0" g="0" b="0"/>
+      </a:effectRef>
+      <a:fontRef idx="minor"/>
+    </dgm:style>
+  </dgm:styleLbl>
+  <dgm:styleLbl name="fgAcc1">
+    <dgm:scene3d>
+      <a:camera prst="orthographicFront"/>
+      <a:lightRig rig="threePt" dir="t"/>
+    </dgm:scene3d>
+    <dgm:sp3d/>
+    <dgm:txPr/>
+    <dgm:style>
+      <a:lnRef idx="2">
+        <a:scrgbClr r="0" g="0" b="0"/>
+      </a:lnRef>
+      <a:fillRef idx="1">
+        <a:scrgbClr r="0" g="0" b="0"/>
+      </a:fillRef>
+      <a:effectRef idx="0">
+        <a:scrgbClr r="0" g="0" b="0"/>
+      </a:effectRef>
+      <a:fontRef idx="minor"/>
+    </dgm:style>
+  </dgm:styleLbl>
+  <dgm:styleLbl name="conFgAcc1">
+    <dgm:scene3d>
+      <a:camera prst="orthographicFront"/>
+      <a:lightRig rig="threePt" dir="t"/>
+    </dgm:scene3d>
+    <dgm:sp3d/>
+    <dgm:txPr/>
+    <dgm:style>
+      <a:lnRef idx="2">
+        <a:scrgbClr r="0" g="0" b="0"/>
+      </a:lnRef>
+      <a:fillRef idx="1">
+        <a:scrgbClr r="0" g="0" b="0"/>
+      </a:fillRef>
+      <a:effectRef idx="0">
+        <a:scrgbClr r="0" g="0" b="0"/>
+      </a:effectRef>
+      <a:fontRef idx="minor"/>
+    </dgm:style>
+  </dgm:styleLbl>
+  <dgm:styleLbl name="alignAcc1">
+    <dgm:scene3d>
+      <a:camera prst="orthographicFront"/>
+      <a:lightRig rig="threePt" dir="t"/>
+    </dgm:scene3d>
+    <dgm:sp3d/>
+    <dgm:txPr/>
+    <dgm:style>
+      <a:lnRef idx="2">
+        <a:scrgbClr r="0" g="0" b="0"/>
+      </a:lnRef>
+      <a:fillRef idx="1">
+        <a:scrgbClr r="0" g="0" b="0"/>
+      </a:fillRef>
+      <a:effectRef idx="0">
+        <a:scrgbClr r="0" g="0" b="0"/>
+      </a:effectRef>
+      <a:fontRef idx="minor"/>
+    </dgm:style>
+  </dgm:styleLbl>
+  <dgm:styleLbl name="trAlignAcc1">
+    <dgm:scene3d>
+      <a:camera prst="orthographicFront"/>
+      <a:lightRig rig="threePt" dir="t"/>
+    </dgm:scene3d>
+    <dgm:sp3d/>
+    <dgm:txPr/>
+    <dgm:style>
+      <a:lnRef idx="1">
+        <a:scrgbClr r="0" g="0" b="0"/>
+      </a:lnRef>
+      <a:fillRef idx="1">
+        <a:scrgbClr r="0" g="0" b="0"/>
+      </a:fillRef>
+      <a:effectRef idx="0">
+        <a:scrgbClr r="0" g="0" b="0"/>
+      </a:effectRef>
+      <a:fontRef idx="minor"/>
+    </dgm:style>
+  </dgm:styleLbl>
+  <dgm:styleLbl name="bgAcc1">
+    <dgm:scene3d>
+      <a:camera prst="orthographicFront"/>
+      <a:lightRig rig="threePt" dir="t"/>
+    </dgm:scene3d>
+    <dgm:sp3d/>
+    <dgm:txPr/>
+    <dgm:style>
+      <a:lnRef idx="2">
+        <a:scrgbClr r="0" g="0" b="0"/>
+      </a:lnRef>
+      <a:fillRef idx="1">
+        <a:scrgbClr r="0" g="0" b="0"/>
+      </a:fillRef>
+      <a:effectRef idx="0">
+        <a:scrgbClr r="0" g="0" b="0"/>
+      </a:effectRef>
+      <a:fontRef idx="minor"/>
+    </dgm:style>
+  </dgm:styleLbl>
+  <dgm:styleLbl name="solidFgAcc1">
+    <dgm:scene3d>
+      <a:camera prst="orthographicFront"/>
+      <a:lightRig rig="threePt" dir="t"/>
+    </dgm:scene3d>
+    <dgm:sp3d/>
+    <dgm:txPr/>
+    <dgm:style>
+      <a:lnRef idx="2">
+        <a:scrgbClr r="0" g="0" b="0"/>
+      </a:lnRef>
+      <a:fillRef idx="1">
+        <a:scrgbClr r="0" g="0" b="0"/>
+      </a:fillRef>
+      <a:effectRef idx="0">
+        <a:scrgbClr r="0" g="0" b="0"/>
+      </a:effectRef>
+      <a:fontRef idx="minor"/>
+    </dgm:style>
+  </dgm:styleLbl>
+  <dgm:styleLbl name="solidAlignAcc1">
+    <dgm:scene3d>
+      <a:camera prst="orthographicFront"/>
+      <a:lightRig rig="threePt" dir="t"/>
+    </dgm:scene3d>
+    <dgm:sp3d/>
+    <dgm:txPr/>
+    <dgm:style>
+      <a:lnRef idx="2">
+        <a:scrgbClr r="0" g="0" b="0"/>
+      </a:lnRef>
+      <a:fillRef idx="1">
+        <a:scrgbClr r="0" g="0" b="0"/>
+      </a:fillRef>
+      <a:effectRef idx="0">
+        <a:scrgbClr r="0" g="0" b="0"/>
+      </a:effectRef>
+      <a:fontRef idx="minor"/>
+    </dgm:style>
+  </dgm:styleLbl>
+  <dgm:styleLbl name="solidBgAcc1">
+    <dgm:scene3d>
+      <a:camera prst="orthographicFront"/>
+      <a:lightRig rig="threePt" dir="t"/>
+    </dgm:scene3d>
+    <dgm:sp3d/>
+    <dgm:txPr/>
+    <dgm:style>
+      <a:lnRef idx="2">
+        <a:scrgbClr r="0" g="0" b="0"/>
+      </a:lnRef>
+      <a:fillRef idx="1">
+        <a:scrgbClr r="0" g="0" b="0"/>
+      </a:fillRef>
+      <a:effectRef idx="0">
+        <a:scrgbClr r="0" g="0" b="0"/>
+      </a:effectRef>
+      <a:fontRef idx="minor"/>
+    </dgm:style>
+  </dgm:styleLbl>
+  <dgm:styleLbl name="fgAccFollowNode1">
+    <dgm:scene3d>
+      <a:camera prst="orthographicFront"/>
+      <a:lightRig rig="threePt" dir="t"/>
+    </dgm:scene3d>
+    <dgm:sp3d/>
+    <dgm:txPr/>
+    <dgm:style>
+      <a:lnRef idx="2">
+        <a:scrgbClr r="0" g="0" b="0"/>
+      </a:lnRef>
+      <a:fillRef idx="1">
+        <a:scrgbClr r="0" g="0" b="0"/>
+      </a:fillRef>
+      <a:effectRef idx="0">
+        <a:scrgbClr r="0" g="0" b="0"/>
+      </a:effectRef>
+      <a:fontRef idx="minor"/>
+    </dgm:style>
+  </dgm:styleLbl>
+  <dgm:styleLbl name="alignAccFollowNode1">
+    <dgm:scene3d>
+      <a:camera prst="orthographicFront"/>
+      <a:lightRig rig="threePt" dir="t"/>
+    </dgm:scene3d>
+    <dgm:sp3d/>
+    <dgm:txPr/>
+    <dgm:style>
+      <a:lnRef idx="2">
+        <a:scrgbClr r="0" g="0" b="0"/>
+      </a:lnRef>
+      <a:fillRef idx="1">
+        <a:scrgbClr r="0" g="0" b="0"/>
+      </a:fillRef>
+      <a:effectRef idx="0">
+        <a:scrgbClr r="0" g="0" b="0"/>
+      </a:effectRef>
+      <a:fontRef idx="minor"/>
+    </dgm:style>
+  </dgm:styleLbl>
+  <dgm:styleLbl name="bgAccFollowNode1">
+    <dgm:scene3d>
+      <a:camera prst="orthographicFront"/>
+      <a:lightRig rig="threePt" dir="t"/>
+    </dgm:scene3d>
+    <dgm:sp3d/>
+    <dgm:txPr/>
+    <dgm:style>
+      <a:lnRef idx="2">
+        <a:scrgbClr r="0" g="0" b="0"/>
+      </a:lnRef>
+      <a:fillRef idx="1">
+        <a:scrgbClr r="0" g="0" b="0"/>
+      </a:fillRef>
+      <a:effectRef idx="0">
+        <a:scrgbClr r="0" g="0" b="0"/>
+      </a:effectRef>
+      <a:fontRef idx="minor"/>
+    </dgm:style>
+  </dgm:styleLbl>
+  <dgm:styleLbl name="fgAcc0">
+    <dgm:scene3d>
+      <a:camera prst="orthographicFront"/>
+      <a:lightRig rig="threePt" dir="t"/>
+    </dgm:scene3d>
+    <dgm:sp3d/>
+    <dgm:txPr/>
+    <dgm:style>
+      <a:lnRef idx="2">
+        <a:scrgbClr r="0" g="0" b="0"/>
+      </a:lnRef>
+      <a:fillRef idx="1">
+        <a:scrgbClr r="0" g="0" b="0"/>
+      </a:fillRef>
+      <a:effectRef idx="0">
+        <a:scrgbClr r="0" g="0" b="0"/>
+      </a:effectRef>
+      <a:fontRef idx="minor"/>
+    </dgm:style>
+  </dgm:styleLbl>
+  <dgm:styleLbl name="fgAcc2">
+    <dgm:scene3d>
+      <a:camera prst="orthographicFront"/>
+      <a:lightRig rig="threePt" dir="t"/>
+    </dgm:scene3d>
+    <dgm:sp3d/>
+    <dgm:txPr/>
+    <dgm:style>
+      <a:lnRef idx="2">
+        <a:scrgbClr r="0" g="0" b="0"/>
+      </a:lnRef>
+      <a:fillRef idx="1">
+        <a:scrgbClr r="0" g="0" b="0"/>
+      </a:fillRef>
+      <a:effectRef idx="0">
+        <a:scrgbClr r="0" g="0" b="0"/>
+      </a:effectRef>
+      <a:fontRef idx="minor"/>
+    </dgm:style>
+  </dgm:styleLbl>
+  <dgm:styleLbl name="fgAcc3">
+    <dgm:scene3d>
+      <a:camera prst="orthographicFront"/>
+      <a:lightRig rig="threePt" dir="t"/>
+    </dgm:scene3d>
+    <dgm:sp3d/>
+    <dgm:txPr/>
+    <dgm:style>
+      <a:lnRef idx="2">
+        <a:scrgbClr r="0" g="0" b="0"/>
+      </a:lnRef>
+      <a:fillRef idx="1">
+        <a:scrgbClr r="0" g="0" b="0"/>
+      </a:fillRef>
+      <a:effectRef idx="0">
+        <a:scrgbClr r="0" g="0" b="0"/>
+      </a:effectRef>
+      <a:fontRef idx="minor"/>
+    </dgm:style>
+  </dgm:styleLbl>
+  <dgm:styleLbl name="fgAcc4">
+    <dgm:scene3d>
+      <a:camera prst="orthographicFront"/>
+      <a:lightRig rig="threePt" dir="t"/>
+    </dgm:scene3d>
+    <dgm:sp3d/>
+    <dgm:txPr/>
+    <dgm:style>
+      <a:lnRef idx="2">
+        <a:scrgbClr r="0" g="0" b="0"/>
+      </a:lnRef>
+      <a:fillRef idx="1">
+        <a:scrgbClr r="0" g="0" b="0"/>
+      </a:fillRef>
+      <a:effectRef idx="0">
+        <a:scrgbClr r="0" g="0" b="0"/>
+      </a:effectRef>
+      <a:fontRef idx="minor"/>
+    </dgm:style>
+  </dgm:styleLbl>
+  <dgm:styleLbl name="bgShp">
+    <dgm:scene3d>
+      <a:camera prst="orthographicFront"/>
+      <a:lightRig rig="threePt" dir="t"/>
+    </dgm:scene3d>
+    <dgm:sp3d/>
+    <dgm:txPr/>
+    <dgm:style>
+      <a:lnRef idx="0">
+        <a:scrgbClr r="0" g="0" b="0"/>
+      </a:lnRef>
+      <a:fillRef idx="1">
+        <a:scrgbClr r="0" g="0" b="0"/>
+      </a:fillRef>
+      <a:effectRef idx="0">
+        <a:scrgbClr r="0" g="0" b="0"/>
+      </a:effectRef>
+      <a:fontRef idx="minor"/>
+    </dgm:style>
+  </dgm:styleLbl>
+  <dgm:styleLbl name="dkBgShp">
+    <dgm:scene3d>
+      <a:camera prst="orthographicFront"/>
+      <a:lightRig rig="threePt" dir="t"/>
+    </dgm:scene3d>
+    <dgm:sp3d/>
+    <dgm:txPr/>
+    <dgm:style>
+      <a:lnRef idx="0">
+        <a:scrgbClr r="0" g="0" b="0"/>
+      </a:lnRef>
+      <a:fillRef idx="1">
+        <a:scrgbClr r="0" g="0" b="0"/>
+      </a:fillRef>
+      <a:effectRef idx="0">
+        <a:scrgbClr r="0" g="0" b="0"/>
+      </a:effectRef>
+      <a:fontRef idx="minor"/>
+    </dgm:style>
+  </dgm:styleLbl>
+  <dgm:styleLbl name="trBgShp">
+    <dgm:scene3d>
+      <a:camera prst="orthographicFront"/>
+      <a:lightRig rig="threePt" dir="t"/>
+    </dgm:scene3d>
+    <dgm:sp3d/>
+    <dgm:txPr/>
+    <dgm:style>
+      <a:lnRef idx="0">
+        <a:scrgbClr r="0" g="0" b="0"/>
+      </a:lnRef>
+      <a:fillRef idx="1">
+        <a:scrgbClr r="0" g="0" b="0"/>
+      </a:fillRef>
+      <a:effectRef idx="0">
+        <a:scrgbClr r="0" g="0" b="0"/>
+      </a:effectRef>
+      <a:fontRef idx="minor"/>
+    </dgm:style>
+  </dgm:styleLbl>
+  <dgm:styleLbl name="fgShp">
+    <dgm:scene3d>
+      <a:camera prst="orthographicFront"/>
+      <a:lightRig rig="threePt" dir="t"/>
+    </dgm:scene3d>
+    <dgm:sp3d/>
+    <dgm:txPr/>
+    <dgm:style>
+      <a:lnRef idx="2">
+        <a:scrgbClr r="0" g="0" b="0"/>
+      </a:lnRef>
+      <a:fillRef idx="1">
+        <a:scrgbClr r="0" g="0" b="0"/>
+      </a:fillRef>
+      <a:effectRef idx="0">
+        <a:scrgbClr r="0" g="0" b="0"/>
+      </a:effectRef>
+      <a:fontRef idx="minor"/>
+    </dgm:style>
+  </dgm:styleLbl>
+  <dgm:styleLbl name="revTx">
+    <dgm:scene3d>
+      <a:camera prst="orthographicFront"/>
+      <a:lightRig rig="threePt" dir="t"/>
+    </dgm:scene3d>
+    <dgm:sp3d/>
+    <dgm:txPr/>
+    <dgm:style>
+      <a:lnRef idx="0">
+        <a:scrgbClr r="0" g="0" b="0"/>
+      </a:lnRef>
+      <a:fillRef idx="0">
+        <a:scrgbClr r="0" g="0" b="0"/>
+      </a:fillRef>
+      <a:effectRef idx="0">
+        <a:scrgbClr r="0" g="0" b="0"/>
+      </a:effectRef>
+      <a:fontRef idx="minor"/>
+    </dgm:style>
+  </dgm:styleLbl>
+</dgm:styleDef>
+</file>
+
+<file path=ppt/diagrams/quickStyle2.xml><?xml version="1.0" encoding="utf-8"?>
 <dgm:styleDef xmlns:dgm="http://schemas.openxmlformats.org/drawingml/2006/diagram" xmlns:a="http://schemas.openxmlformats.org/drawingml/2006/main" uniqueId="urn:microsoft.com/office/officeart/2005/8/quickstyle/simple1">
   <dgm:title val=""/>
   <dgm:desc val=""/>
@@ -12098,32 +15054,33 @@
       </p:pic>
       <p:grpSp>
         <p:nvGrpSpPr>
-          <p:cNvPr id="24" name="Group 23"/>
+          <p:cNvPr id="44" name="Group 43"/>
           <p:cNvGrpSpPr/>
           <p:nvPr/>
         </p:nvGrpSpPr>
         <p:grpSpPr>
           <a:xfrm>
-            <a:off x="9412278" y="5219501"/>
-            <a:ext cx="8396147" cy="6515936"/>
-            <a:chOff x="328878" y="4182168"/>
-            <a:chExt cx="8396147" cy="6515936"/>
+            <a:off x="521699" y="21375775"/>
+            <a:ext cx="8396147" cy="5934744"/>
+            <a:chOff x="328878" y="3063759"/>
+            <a:chExt cx="8396147" cy="5934744"/>
           </a:xfrm>
         </p:grpSpPr>
         <p:sp>
           <p:nvSpPr>
-            <p:cNvPr id="14" name="Rounded Rectangle 13"/>
+            <p:cNvPr id="47" name="Rectangle 46"/>
             <p:cNvSpPr/>
             <p:nvPr/>
           </p:nvSpPr>
           <p:spPr>
             <a:xfrm>
-              <a:off x="509286" y="5369421"/>
-              <a:ext cx="3426106" cy="745834"/>
+              <a:off x="328878" y="3918436"/>
+              <a:ext cx="8391646" cy="5080067"/>
             </a:xfrm>
-            <a:prstGeom prst="roundRect">
+            <a:prstGeom prst="rect">
               <a:avLst/>
             </a:prstGeom>
+            <a:noFill/>
           </p:spPr>
           <p:style>
             <a:lnRef idx="2">
@@ -12152,16 +15109,16 @@
         </p:sp>
         <p:sp>
           <p:nvSpPr>
-            <p:cNvPr id="15" name="Down Arrow 14"/>
+            <p:cNvPr id="48" name="Rectangle 47"/>
             <p:cNvSpPr/>
             <p:nvPr/>
           </p:nvSpPr>
           <p:spPr>
             <a:xfrm>
-              <a:off x="1909822" y="6231791"/>
-              <a:ext cx="497711" cy="449883"/>
+              <a:off x="333379" y="3063759"/>
+              <a:ext cx="8391646" cy="844951"/>
             </a:xfrm>
-            <a:prstGeom prst="downArrow">
+            <a:prstGeom prst="rect">
               <a:avLst/>
             </a:prstGeom>
           </p:spPr>
@@ -12186,39 +15143,1202 @@
             <a:lstStyle/>
             <a:p>
               <a:pPr algn="ctr"/>
-              <a:endParaRPr lang="en-US"/>
+              <a:r>
+                <a:rPr lang="en-US" altLang="zh-CN" sz="3600" dirty="0" smtClean="0"/>
+                <a:t>Conclusion &amp; Discussion</a:t>
+              </a:r>
+              <a:endParaRPr lang="en-US" sz="3600" dirty="0"/>
+            </a:p>
+          </p:txBody>
+        </p:sp>
+      </p:grpSp>
+      <p:sp>
+        <p:nvSpPr>
+          <p:cNvPr id="95" name="TextBox 94"/>
+          <p:cNvSpPr txBox="1"/>
+          <p:nvPr/>
+        </p:nvSpPr>
+        <p:spPr>
+          <a:xfrm>
+            <a:off x="846871" y="22443633"/>
+            <a:ext cx="7747000" cy="5016758"/>
+          </a:xfrm>
+          <a:prstGeom prst="rect">
+            <a:avLst/>
+          </a:prstGeom>
+          <a:noFill/>
+        </p:spPr>
+        <p:txBody>
+          <a:bodyPr wrap="square" rtlCol="0">
+            <a:spAutoFit/>
+          </a:bodyPr>
+          <a:lstStyle/>
+          <a:p>
+            <a:r>
+              <a:rPr lang="en-US" sz="1600" dirty="0" smtClean="0"/>
+              <a:t>First, we found it is very useful to have the character to be properly bold</a:t>
+            </a:r>
+            <a:r>
+              <a:rPr lang="en-US" sz="1600" dirty="0" smtClean="0"/>
+              <a:t> before we send it to the convolutional neural network. For </a:t>
+            </a:r>
+            <a:r>
+              <a:rPr lang="en-US" sz="1600" dirty="0" err="1" smtClean="0"/>
+              <a:t>svg</a:t>
+            </a:r>
+            <a:r>
+              <a:rPr lang="en-US" sz="1600" dirty="0" smtClean="0"/>
+              <a:t> image this can be done very easily, for images one thing we can use is the dilution. For now we just use the simplest dilution operation that operates a squared region, but we notice that this kind of operation will cause aliases. We can use some structured dilution </a:t>
+            </a:r>
+            <a:endParaRPr lang="en-US" sz="1600" dirty="0" smtClean="0"/>
+          </a:p>
+          <a:p>
+            <a:endParaRPr lang="en-US" sz="1600" dirty="0"/>
+          </a:p>
+          <a:p>
+            <a:r>
+              <a:rPr lang="en-US" sz="1600" dirty="0" smtClean="0"/>
+              <a:t>Second, in the training of our convolutional neural network (the model we use is </a:t>
+            </a:r>
+            <a:r>
+              <a:rPr lang="en-US" sz="1600" dirty="0" err="1" smtClean="0"/>
+              <a:t>lenet</a:t>
+            </a:r>
+            <a:r>
+              <a:rPr lang="en-US" sz="1600" dirty="0" smtClean="0"/>
+              <a:t>), we find it’s very useful to perform the trim operation on images.</a:t>
+            </a:r>
+          </a:p>
+          <a:p>
+            <a:endParaRPr lang="en-US" sz="1600" dirty="0"/>
+          </a:p>
+          <a:p>
+            <a:r>
+              <a:rPr lang="en-US" sz="1600" dirty="0" smtClean="0"/>
+              <a:t>No enough data to train neural network.</a:t>
+            </a:r>
+          </a:p>
+          <a:p>
+            <a:r>
+              <a:rPr lang="en-US" sz="1600" dirty="0" smtClean="0"/>
+              <a:t>Structure of neural network is quite simple to </a:t>
+            </a:r>
+            <a:endParaRPr lang="en-US" sz="1600" dirty="0" smtClean="0"/>
+          </a:p>
+          <a:p>
+            <a:endParaRPr lang="en-US" sz="1600" dirty="0"/>
+          </a:p>
+          <a:p>
+            <a:r>
+              <a:rPr lang="en-US" sz="1600" dirty="0" smtClean="0"/>
+              <a:t>Because the poor accuracy of the classification on English letters. We have not begin to do grammar parse.</a:t>
+            </a:r>
+            <a:endParaRPr lang="en-US" sz="1600" dirty="0"/>
+          </a:p>
+          <a:p>
+            <a:endParaRPr lang="en-US" sz="1600" dirty="0" smtClean="0"/>
+          </a:p>
+          <a:p>
+            <a:r>
+              <a:rPr lang="en-US" sz="1600" dirty="0" smtClean="0"/>
+              <a:t>We </a:t>
+            </a:r>
+            <a:r>
+              <a:rPr lang="en-US" sz="1600" dirty="0" smtClean="0"/>
+              <a:t>thank Prof. David Crandall for </a:t>
+            </a:r>
+            <a:r>
+              <a:rPr lang="en-US" sz="1600" dirty="0" smtClean="0"/>
+              <a:t>really helpful </a:t>
+            </a:r>
+            <a:r>
+              <a:rPr lang="en-US" sz="1600" dirty="0" smtClean="0"/>
+              <a:t>comments and discussions.</a:t>
+            </a:r>
+          </a:p>
+          <a:p>
+            <a:r>
+              <a:rPr lang="en-US" sz="1600" dirty="0" smtClean="0"/>
+              <a:t>We </a:t>
+            </a:r>
+            <a:r>
+              <a:rPr lang="en-US" sz="1600" dirty="0"/>
+              <a:t>also thank Dr. Daniel Kirsch and Martin </a:t>
+            </a:r>
+            <a:r>
+              <a:rPr lang="en-US" sz="1600" dirty="0" err="1" smtClean="0"/>
+              <a:t>Thoma</a:t>
+            </a:r>
+            <a:r>
+              <a:rPr lang="en-US" sz="1600" dirty="0" smtClean="0"/>
+              <a:t> to provide us the permission to the handwrite data</a:t>
+            </a:r>
+            <a:r>
+              <a:rPr lang="en-US" sz="1600" dirty="0" smtClean="0"/>
+              <a:t>.</a:t>
+            </a:r>
+          </a:p>
+          <a:p>
+            <a:endParaRPr lang="en-US" sz="1600" dirty="0"/>
+          </a:p>
+        </p:txBody>
+      </p:sp>
+      <p:grpSp>
+        <p:nvGrpSpPr>
+          <p:cNvPr id="43" name="Group 42"/>
+          <p:cNvGrpSpPr/>
+          <p:nvPr/>
+        </p:nvGrpSpPr>
+        <p:grpSpPr>
+          <a:xfrm>
+            <a:off x="9505951" y="26119568"/>
+            <a:ext cx="8204299" cy="1256571"/>
+            <a:chOff x="8858915" y="30209107"/>
+            <a:chExt cx="8204299" cy="1256571"/>
+          </a:xfrm>
+        </p:grpSpPr>
+        <p:grpSp>
+          <p:nvGrpSpPr>
+            <p:cNvPr id="35" name="Group 34"/>
+            <p:cNvGrpSpPr/>
+            <p:nvPr/>
+          </p:nvGrpSpPr>
+          <p:grpSpPr>
+            <a:xfrm>
+              <a:off x="10972458" y="30209107"/>
+              <a:ext cx="6090756" cy="1256571"/>
+              <a:chOff x="9518176" y="3731681"/>
+              <a:chExt cx="8679746" cy="1790700"/>
+            </a:xfrm>
+          </p:grpSpPr>
+          <p:pic>
+            <p:nvPicPr>
+              <p:cNvPr id="1028" name="Picture 4" descr="http://rebelbox.com/wp-content/uploads/2013/07/c-logo.jpg"/>
+              <p:cNvPicPr>
+                <a:picLocks noChangeAspect="1" noChangeArrowheads="1"/>
+              </p:cNvPicPr>
+              <p:nvPr/>
+            </p:nvPicPr>
+            <p:blipFill>
+              <a:blip r:embed="rId4">
+                <a:extLst>
+                  <a:ext uri="{28A0092B-C50C-407E-A947-70E740481C1C}">
+                    <a14:useLocalDpi xmlns:a14="http://schemas.microsoft.com/office/drawing/2010/main" val="0"/>
+                  </a:ext>
+                </a:extLst>
+              </a:blip>
+              <a:srcRect/>
+              <a:stretch>
+                <a:fillRect/>
+              </a:stretch>
+            </p:blipFill>
+            <p:spPr bwMode="auto">
+              <a:xfrm>
+                <a:off x="16747610" y="3760104"/>
+                <a:ext cx="1450312" cy="1524000"/>
+              </a:xfrm>
+              <a:prstGeom prst="rect">
+                <a:avLst/>
+              </a:prstGeom>
+              <a:noFill/>
+              <a:extLst>
+                <a:ext uri="{909E8E84-426E-40DD-AFC4-6F175D3DCCD1}">
+                  <a14:hiddenFill xmlns:a14="http://schemas.microsoft.com/office/drawing/2010/main">
+                    <a:solidFill>
+                      <a:srgbClr val="FFFFFF"/>
+                    </a:solidFill>
+                  </a14:hiddenFill>
+                </a:ext>
+              </a:extLst>
+            </p:spPr>
+          </p:pic>
+          <p:pic>
+            <p:nvPicPr>
+              <p:cNvPr id="1030" name="Picture 6" descr="http://www.unixstickers.com/image/data/stickers/binbash/Bash-new.sh.png"/>
+              <p:cNvPicPr>
+                <a:picLocks noChangeAspect="1" noChangeArrowheads="1"/>
+              </p:cNvPicPr>
+              <p:nvPr/>
+            </p:nvPicPr>
+            <p:blipFill>
+              <a:blip r:embed="rId5">
+                <a:extLst>
+                  <a:ext uri="{28A0092B-C50C-407E-A947-70E740481C1C}">
+                    <a14:useLocalDpi xmlns:a14="http://schemas.microsoft.com/office/drawing/2010/main" val="0"/>
+                  </a:ext>
+                </a:extLst>
+              </a:blip>
+              <a:srcRect/>
+              <a:stretch>
+                <a:fillRect/>
+              </a:stretch>
+            </p:blipFill>
+            <p:spPr bwMode="auto">
+              <a:xfrm>
+                <a:off x="14956910" y="3731681"/>
+                <a:ext cx="1790700" cy="1790700"/>
+              </a:xfrm>
+              <a:prstGeom prst="rect">
+                <a:avLst/>
+              </a:prstGeom>
+              <a:noFill/>
+              <a:extLst>
+                <a:ext uri="{909E8E84-426E-40DD-AFC4-6F175D3DCCD1}">
+                  <a14:hiddenFill xmlns:a14="http://schemas.microsoft.com/office/drawing/2010/main">
+                    <a:solidFill>
+                      <a:srgbClr val="FFFFFF"/>
+                    </a:solidFill>
+                  </a14:hiddenFill>
+                </a:ext>
+              </a:extLst>
+            </p:spPr>
+          </p:pic>
+          <p:pic>
+            <p:nvPicPr>
+              <p:cNvPr id="28" name="Picture 27"/>
+              <p:cNvPicPr>
+                <a:picLocks noChangeAspect="1"/>
+              </p:cNvPicPr>
+              <p:nvPr/>
+            </p:nvPicPr>
+            <p:blipFill>
+              <a:blip r:embed="rId6"/>
+              <a:stretch>
+                <a:fillRect/>
+              </a:stretch>
+            </p:blipFill>
+            <p:spPr>
+              <a:xfrm>
+                <a:off x="13342896" y="3829264"/>
+                <a:ext cx="1494471" cy="1524000"/>
+              </a:xfrm>
+              <a:prstGeom prst="rect">
+                <a:avLst/>
+              </a:prstGeom>
+            </p:spPr>
+          </p:pic>
+          <p:pic>
+            <p:nvPicPr>
+              <p:cNvPr id="1038" name="Picture 14" descr="http://pythonhow.com/wp-content/uploads/2016/01/python-logo-python-how.png"/>
+              <p:cNvPicPr>
+                <a:picLocks noChangeAspect="1" noChangeArrowheads="1"/>
+              </p:cNvPicPr>
+              <p:nvPr/>
+            </p:nvPicPr>
+            <p:blipFill>
+              <a:blip r:embed="rId7">
+                <a:extLst>
+                  <a:ext uri="{28A0092B-C50C-407E-A947-70E740481C1C}">
+                    <a14:useLocalDpi xmlns:a14="http://schemas.microsoft.com/office/drawing/2010/main" val="0"/>
+                  </a:ext>
+                </a:extLst>
+              </a:blip>
+              <a:srcRect/>
+              <a:stretch>
+                <a:fillRect/>
+              </a:stretch>
+            </p:blipFill>
+            <p:spPr bwMode="auto">
+              <a:xfrm>
+                <a:off x="11488861" y="3871744"/>
+                <a:ext cx="1524000" cy="1524000"/>
+              </a:xfrm>
+              <a:prstGeom prst="rect">
+                <a:avLst/>
+              </a:prstGeom>
+              <a:noFill/>
+              <a:extLst>
+                <a:ext uri="{909E8E84-426E-40DD-AFC4-6F175D3DCCD1}">
+                  <a14:hiddenFill xmlns:a14="http://schemas.microsoft.com/office/drawing/2010/main">
+                    <a:solidFill>
+                      <a:srgbClr val="FFFFFF"/>
+                    </a:solidFill>
+                  </a14:hiddenFill>
+                </a:ext>
+              </a:extLst>
+            </p:spPr>
+          </p:pic>
+          <p:pic>
+            <p:nvPicPr>
+              <p:cNvPr id="30" name="Picture 29"/>
+              <p:cNvPicPr>
+                <a:picLocks noChangeAspect="1"/>
+              </p:cNvPicPr>
+              <p:nvPr/>
+            </p:nvPicPr>
+            <p:blipFill>
+              <a:blip r:embed="rId8"/>
+              <a:stretch>
+                <a:fillRect/>
+              </a:stretch>
+            </p:blipFill>
+            <p:spPr>
+              <a:xfrm>
+                <a:off x="9518176" y="4240710"/>
+                <a:ext cx="1805668" cy="904875"/>
+              </a:xfrm>
+              <a:prstGeom prst="rect">
+                <a:avLst/>
+              </a:prstGeom>
+            </p:spPr>
+          </p:pic>
+        </p:grpSp>
+        <p:sp>
+          <p:nvSpPr>
+            <p:cNvPr id="97" name="TextBox 96"/>
+            <p:cNvSpPr txBox="1"/>
+            <p:nvPr/>
+          </p:nvSpPr>
+          <p:spPr>
+            <a:xfrm>
+              <a:off x="8858915" y="30334258"/>
+              <a:ext cx="1874982" cy="954107"/>
+            </a:xfrm>
+            <a:prstGeom prst="rect">
+              <a:avLst/>
+            </a:prstGeom>
+          </p:spPr>
+          <p:style>
+            <a:lnRef idx="3">
+              <a:schemeClr val="lt1"/>
+            </a:lnRef>
+            <a:fillRef idx="1">
+              <a:schemeClr val="accent1"/>
+            </a:fillRef>
+            <a:effectRef idx="1">
+              <a:schemeClr val="accent1"/>
+            </a:effectRef>
+            <a:fontRef idx="minor">
+              <a:schemeClr val="lt1"/>
+            </a:fontRef>
+          </p:style>
+          <p:txBody>
+            <a:bodyPr wrap="square" rtlCol="0">
+              <a:spAutoFit/>
+            </a:bodyPr>
+            <a:lstStyle/>
+            <a:p>
+              <a:pPr algn="ctr"/>
+              <a:r>
+                <a:rPr lang="en-US" sz="2800" dirty="0" smtClean="0"/>
+                <a:t>Tech we used</a:t>
+              </a:r>
+              <a:endParaRPr lang="en-US" sz="2800" dirty="0"/>
+            </a:p>
+          </p:txBody>
+        </p:sp>
+      </p:grpSp>
+      <p:grpSp>
+        <p:nvGrpSpPr>
+          <p:cNvPr id="46" name="Group 45"/>
+          <p:cNvGrpSpPr/>
+          <p:nvPr/>
+        </p:nvGrpSpPr>
+        <p:grpSpPr>
+          <a:xfrm>
+            <a:off x="488043" y="8465959"/>
+            <a:ext cx="8562712" cy="6109270"/>
+            <a:chOff x="488043" y="9427910"/>
+            <a:chExt cx="8562712" cy="6109270"/>
+          </a:xfrm>
+        </p:grpSpPr>
+        <p:grpSp>
+          <p:nvGrpSpPr>
+            <p:cNvPr id="1027" name="Group 1026"/>
+            <p:cNvGrpSpPr/>
+            <p:nvPr/>
+          </p:nvGrpSpPr>
+          <p:grpSpPr>
+            <a:xfrm>
+              <a:off x="488043" y="9427910"/>
+              <a:ext cx="8396147" cy="6109270"/>
+              <a:chOff x="488043" y="9427910"/>
+              <a:chExt cx="8396147" cy="6109270"/>
+            </a:xfrm>
+          </p:grpSpPr>
+          <p:grpSp>
+            <p:nvGrpSpPr>
+              <p:cNvPr id="62" name="Group 61"/>
+              <p:cNvGrpSpPr/>
+              <p:nvPr/>
+            </p:nvGrpSpPr>
+            <p:grpSpPr>
+              <a:xfrm>
+                <a:off x="488043" y="9427910"/>
+                <a:ext cx="8396147" cy="6109270"/>
+                <a:chOff x="488043" y="9427910"/>
+                <a:chExt cx="8396147" cy="6065134"/>
+              </a:xfrm>
+            </p:grpSpPr>
+            <p:grpSp>
+              <p:nvGrpSpPr>
+                <p:cNvPr id="52" name="Group 51"/>
+                <p:cNvGrpSpPr/>
+                <p:nvPr/>
+              </p:nvGrpSpPr>
+              <p:grpSpPr>
+                <a:xfrm>
+                  <a:off x="488043" y="9427910"/>
+                  <a:ext cx="8396147" cy="6065134"/>
+                  <a:chOff x="328878" y="4182168"/>
+                  <a:chExt cx="8396147" cy="6065134"/>
+                </a:xfrm>
+              </p:grpSpPr>
+              <p:sp>
+                <p:nvSpPr>
+                  <p:cNvPr id="53" name="Rectangle 52"/>
+                  <p:cNvSpPr/>
+                  <p:nvPr/>
+                </p:nvSpPr>
+                <p:spPr>
+                  <a:xfrm>
+                    <a:off x="328878" y="5027120"/>
+                    <a:ext cx="8391646" cy="5220182"/>
+                  </a:xfrm>
+                  <a:prstGeom prst="rect">
+                    <a:avLst/>
+                  </a:prstGeom>
+                  <a:noFill/>
+                </p:spPr>
+                <p:style>
+                  <a:lnRef idx="2">
+                    <a:schemeClr val="accent1">
+                      <a:shade val="50000"/>
+                    </a:schemeClr>
+                  </a:lnRef>
+                  <a:fillRef idx="1">
+                    <a:schemeClr val="accent1"/>
+                  </a:fillRef>
+                  <a:effectRef idx="0">
+                    <a:schemeClr val="accent1"/>
+                  </a:effectRef>
+                  <a:fontRef idx="minor">
+                    <a:schemeClr val="lt1"/>
+                  </a:fontRef>
+                </p:style>
+                <p:txBody>
+                  <a:bodyPr rtlCol="0" anchor="ctr"/>
+                  <a:lstStyle/>
+                  <a:p>
+                    <a:pPr algn="ctr"/>
+                    <a:endParaRPr lang="en-US"/>
+                  </a:p>
+                </p:txBody>
+              </p:sp>
+              <p:sp>
+                <p:nvSpPr>
+                  <p:cNvPr id="54" name="Rectangle 53"/>
+                  <p:cNvSpPr/>
+                  <p:nvPr/>
+                </p:nvSpPr>
+                <p:spPr>
+                  <a:xfrm>
+                    <a:off x="333379" y="4182168"/>
+                    <a:ext cx="8391646" cy="844951"/>
+                  </a:xfrm>
+                  <a:prstGeom prst="rect">
+                    <a:avLst/>
+                  </a:prstGeom>
+                </p:spPr>
+                <p:style>
+                  <a:lnRef idx="2">
+                    <a:schemeClr val="accent1">
+                      <a:shade val="50000"/>
+                    </a:schemeClr>
+                  </a:lnRef>
+                  <a:fillRef idx="1">
+                    <a:schemeClr val="accent1"/>
+                  </a:fillRef>
+                  <a:effectRef idx="0">
+                    <a:schemeClr val="accent1"/>
+                  </a:effectRef>
+                  <a:fontRef idx="minor">
+                    <a:schemeClr val="lt1"/>
+                  </a:fontRef>
+                </p:style>
+                <p:txBody>
+                  <a:bodyPr rtlCol="0" anchor="ctr"/>
+                  <a:lstStyle/>
+                  <a:p>
+                    <a:pPr algn="ctr"/>
+                    <a:r>
+                      <a:rPr lang="en-US" sz="3600" dirty="0"/>
+                      <a:t>Data Set</a:t>
+                    </a:r>
+                  </a:p>
+                </p:txBody>
+              </p:sp>
+            </p:grpSp>
+            <p:sp>
+              <p:nvSpPr>
+                <p:cNvPr id="36" name="TextBox 35"/>
+                <p:cNvSpPr txBox="1"/>
+                <p:nvPr/>
+              </p:nvSpPr>
+              <p:spPr>
+                <a:xfrm>
+                  <a:off x="1577340" y="10547271"/>
+                  <a:ext cx="7129425" cy="2536090"/>
+                </a:xfrm>
+                <a:prstGeom prst="rect">
+                  <a:avLst/>
+                </a:prstGeom>
+                <a:noFill/>
+              </p:spPr>
+              <p:txBody>
+                <a:bodyPr wrap="square" rtlCol="0">
+                  <a:spAutoFit/>
+                </a:bodyPr>
+                <a:lstStyle/>
+                <a:p>
+                  <a:pPr algn="just"/>
+                  <a:r>
+                    <a:rPr lang="en-US" sz="3200" dirty="0" smtClean="0"/>
+                    <a:t>Digits          MNIST</a:t>
+                  </a:r>
+                  <a:br>
+                    <a:rPr lang="en-US" sz="3200" dirty="0" smtClean="0"/>
+                  </a:br>
+                  <a:r>
+                    <a:rPr lang="en-US" sz="3200" dirty="0" smtClean="0"/>
+                    <a:t>English         Chars74K, Write-Math</a:t>
+                  </a:r>
+                  <a:br>
+                    <a:rPr lang="en-US" sz="3200" dirty="0" smtClean="0"/>
+                  </a:br>
+                  <a:r>
+                    <a:rPr lang="en-US" sz="3200" dirty="0" smtClean="0"/>
+                    <a:t>Greek         </a:t>
+                  </a:r>
+                  <a:r>
+                    <a:rPr lang="en-US" sz="3200" dirty="0" err="1" smtClean="0"/>
+                    <a:t>Detexify</a:t>
+                  </a:r>
+                  <a:r>
+                    <a:rPr lang="en-US" sz="3200" dirty="0"/>
+                    <a:t/>
+                  </a:r>
+                  <a:br>
+                    <a:rPr lang="en-US" sz="3200" dirty="0"/>
+                  </a:br>
+                  <a:r>
+                    <a:rPr lang="en-US" sz="3200" dirty="0" smtClean="0"/>
+                    <a:t>Math Symbols           Write-Math</a:t>
+                  </a:r>
+                  <a:br>
+                    <a:rPr lang="en-US" sz="3200" dirty="0" smtClean="0"/>
+                  </a:br>
+                  <a:endParaRPr lang="en-US" sz="3200" dirty="0" smtClean="0"/>
+                </a:p>
+              </p:txBody>
+            </p:sp>
+          </p:grpSp>
+          <mc:AlternateContent xmlns:mc="http://schemas.openxmlformats.org/markup-compatibility/2006" xmlns:a14="http://schemas.microsoft.com/office/drawing/2010/main">
+            <mc:Choice Requires="a14">
+              <p:sp>
+                <p:nvSpPr>
+                  <p:cNvPr id="1025" name="TextBox 1024"/>
+                  <p:cNvSpPr txBox="1"/>
+                  <p:nvPr/>
+                </p:nvSpPr>
+                <p:spPr>
+                  <a:xfrm>
+                    <a:off x="853440" y="10566847"/>
+                    <a:ext cx="723900" cy="2080891"/>
+                  </a:xfrm>
+                  <a:prstGeom prst="rect">
+                    <a:avLst/>
+                  </a:prstGeom>
+                  <a:noFill/>
+                </p:spPr>
+                <p:txBody>
+                  <a:bodyPr wrap="square" rtlCol="0">
+                    <a:spAutoFit/>
+                  </a:bodyPr>
+                  <a:lstStyle/>
+                  <a:p>
+                    <a:pPr algn="ctr"/>
+                    <a:r>
+                      <a:rPr lang="en-US" sz="3200" b="1" dirty="0" smtClean="0">
+                        <a:effectLst>
+                          <a:outerShdw blurRad="38100" dist="38100" dir="2700000" algn="tl">
+                            <a:srgbClr val="000000">
+                              <a:alpha val="43137"/>
+                            </a:srgbClr>
+                          </a:outerShdw>
+                        </a:effectLst>
+                      </a:rPr>
+                      <a:t>7</a:t>
+                    </a:r>
+                  </a:p>
+                  <a:p>
+                    <a:pPr algn="ctr"/>
+                    <a:r>
+                      <a:rPr lang="en-US" sz="3200" b="1" dirty="0" smtClean="0">
+                        <a:effectLst>
+                          <a:outerShdw blurRad="38100" dist="38100" dir="2700000" algn="tl">
+                            <a:srgbClr val="000000">
+                              <a:alpha val="43137"/>
+                            </a:srgbClr>
+                          </a:outerShdw>
+                        </a:effectLst>
+                      </a:rPr>
+                      <a:t>K</a:t>
+                    </a:r>
+                  </a:p>
+                  <a:p>
+                    <a:pPr algn="ctr"/>
+                    <a:r>
+                      <a:rPr lang="en-US" sz="3200" b="1" dirty="0" smtClean="0">
+                        <a:effectLst>
+                          <a:outerShdw blurRad="38100" dist="38100" dir="2700000" algn="tl">
+                            <a:srgbClr val="000000">
+                              <a:alpha val="43137"/>
+                            </a:srgbClr>
+                          </a:outerShdw>
+                        </a:effectLst>
+                      </a:rPr>
+                      <a:t>Ψ</a:t>
+                    </a:r>
+                  </a:p>
+                  <a:p>
+                    <a:pPr algn="ctr"/>
+                    <a14:m>
+                      <m:oMathPara xmlns:m="http://schemas.openxmlformats.org/officeDocument/2006/math">
+                        <m:oMathParaPr>
+                          <m:jc m:val="centerGroup"/>
+                        </m:oMathParaPr>
+                        <m:oMath xmlns:m="http://schemas.openxmlformats.org/officeDocument/2006/math">
+                          <m:r>
+                            <a:rPr lang="en-US" sz="3200" b="1" i="1" smtClean="0">
+                              <a:effectLst>
+                                <a:outerShdw blurRad="38100" dist="38100" dir="2700000" algn="tl">
+                                  <a:srgbClr val="000000">
+                                    <a:alpha val="43137"/>
+                                  </a:srgbClr>
+                                </a:outerShdw>
+                              </a:effectLst>
+                              <a:latin typeface="Cambria Math" panose="02040503050406030204" pitchFamily="18" charset="0"/>
+                            </a:rPr>
+                            <m:t>∫</m:t>
+                          </m:r>
+                        </m:oMath>
+                      </m:oMathPara>
+                    </a14:m>
+                    <a:endParaRPr lang="en-US" sz="3200" b="1" i="1" dirty="0">
+                      <a:effectLst>
+                        <a:outerShdw blurRad="38100" dist="38100" dir="2700000" algn="tl">
+                          <a:srgbClr val="000000">
+                            <a:alpha val="43137"/>
+                          </a:srgbClr>
+                        </a:outerShdw>
+                      </a:effectLst>
+                    </a:endParaRPr>
+                  </a:p>
+                </p:txBody>
+              </p:sp>
+            </mc:Choice>
+            <mc:Fallback xmlns="">
+              <p:sp>
+                <p:nvSpPr>
+                  <p:cNvPr id="1025" name="TextBox 1024"/>
+                  <p:cNvSpPr txBox="1">
+                    <a:spLocks noRot="1" noChangeAspect="1" noMove="1" noResize="1" noEditPoints="1" noAdjustHandles="1" noChangeArrowheads="1" noChangeShapeType="1" noTextEdit="1"/>
+                  </p:cNvSpPr>
+                  <p:nvPr/>
+                </p:nvSpPr>
+                <p:spPr>
+                  <a:xfrm>
+                    <a:off x="853440" y="10566847"/>
+                    <a:ext cx="723900" cy="2080891"/>
+                  </a:xfrm>
+                  <a:prstGeom prst="rect">
+                    <a:avLst/>
+                  </a:prstGeom>
+                  <a:blipFill rotWithShape="0">
+                    <a:blip r:embed="rId20"/>
+                    <a:stretch>
+                      <a:fillRect l="-12605" t="-4094" r="-7563"/>
+                    </a:stretch>
+                  </a:blipFill>
+                </p:spPr>
+                <p:txBody>
+                  <a:bodyPr/>
+                  <a:lstStyle/>
+                  <a:p>
+                    <a:r>
+                      <a:rPr lang="en-US">
+                        <a:noFill/>
+                      </a:rPr>
+                      <a:t> </a:t>
+                    </a:r>
+                  </a:p>
+                </p:txBody>
+              </p:sp>
+            </mc:Fallback>
+          </mc:AlternateContent>
+        </p:grpSp>
+        <p:sp>
+          <p:nvSpPr>
+            <p:cNvPr id="22" name="TextBox 21"/>
+            <p:cNvSpPr txBox="1"/>
+            <p:nvPr/>
+          </p:nvSpPr>
+          <p:spPr>
+            <a:xfrm>
+              <a:off x="567625" y="14175295"/>
+              <a:ext cx="8483130" cy="1323439"/>
+            </a:xfrm>
+            <a:prstGeom prst="rect">
+              <a:avLst/>
+            </a:prstGeom>
+            <a:noFill/>
+          </p:spPr>
+          <p:txBody>
+            <a:bodyPr wrap="square" rtlCol="0">
+              <a:spAutoFit/>
+            </a:bodyPr>
+            <a:lstStyle/>
+            <a:p>
+              <a:r>
+                <a:rPr lang="en-US" sz="2000" dirty="0" smtClean="0"/>
+                <a:t>Since we use different data sources, </a:t>
+              </a:r>
+              <a:r>
+                <a:rPr lang="en-US" sz="2000" dirty="0" smtClean="0"/>
+                <a:t>and they use different image formats, we </a:t>
+              </a:r>
+              <a:r>
+                <a:rPr lang="en-US" sz="2000" dirty="0" smtClean="0"/>
+                <a:t>need to preprocess those </a:t>
+              </a:r>
+              <a:r>
+                <a:rPr lang="en-US" sz="2000" dirty="0" smtClean="0"/>
+                <a:t>data. Some of them is preprocessed, like </a:t>
+              </a:r>
+              <a:r>
+                <a:rPr lang="en-US" sz="2000" dirty="0" err="1" smtClean="0"/>
+                <a:t>mnist</a:t>
+              </a:r>
+              <a:r>
+                <a:rPr lang="en-US" sz="2000" dirty="0"/>
+                <a:t> and Chars74K </a:t>
+              </a:r>
+              <a:r>
+                <a:rPr lang="en-US" sz="2000" dirty="0" smtClean="0"/>
+                <a:t>dataset, but Chars74k, </a:t>
+              </a:r>
+              <a:r>
+                <a:rPr lang="en-US" sz="2000" dirty="0" err="1" smtClean="0"/>
+                <a:t>Detexify</a:t>
+              </a:r>
+              <a:r>
+                <a:rPr lang="en-US" sz="2000" dirty="0" smtClean="0"/>
+                <a:t> and write-math dataset use </a:t>
+              </a:r>
+              <a:r>
+                <a:rPr lang="en-US" sz="2000" dirty="0" err="1" smtClean="0"/>
+                <a:t>whte</a:t>
+              </a:r>
+              <a:r>
+                <a:rPr lang="en-US" sz="2000" dirty="0" smtClean="0"/>
+                <a:t> background.</a:t>
+              </a:r>
+              <a:endParaRPr lang="en-US" sz="2000" dirty="0"/>
+            </a:p>
+          </p:txBody>
+        </p:sp>
+        <p:pic>
+          <p:nvPicPr>
+            <p:cNvPr id="101" name="Picture 100"/>
+            <p:cNvPicPr>
+              <a:picLocks noChangeAspect="1"/>
+            </p:cNvPicPr>
+            <p:nvPr/>
+          </p:nvPicPr>
+          <p:blipFill>
+            <a:blip r:embed="rId21">
+              <a:extLst>
+                <a:ext uri="{28A0092B-C50C-407E-A947-70E740481C1C}">
+                  <a14:useLocalDpi xmlns:a14="http://schemas.microsoft.com/office/drawing/2010/main" val="0"/>
+                </a:ext>
+              </a:extLst>
+            </a:blip>
+            <a:stretch>
+              <a:fillRect/>
+            </a:stretch>
+          </p:blipFill>
+          <p:spPr>
+            <a:xfrm>
+              <a:off x="853439" y="12784694"/>
+              <a:ext cx="1143000" cy="1143000"/>
+            </a:xfrm>
+            <a:prstGeom prst="rect">
+              <a:avLst/>
+            </a:prstGeom>
+          </p:spPr>
+        </p:pic>
+        <p:pic>
+          <p:nvPicPr>
+            <p:cNvPr id="102" name="Picture 101"/>
+            <p:cNvPicPr>
+              <a:picLocks noChangeAspect="1"/>
+            </p:cNvPicPr>
+            <p:nvPr/>
+          </p:nvPicPr>
+          <p:blipFill>
+            <a:blip r:embed="rId22">
+              <a:extLst>
+                <a:ext uri="{28A0092B-C50C-407E-A947-70E740481C1C}">
+                  <a14:useLocalDpi xmlns:a14="http://schemas.microsoft.com/office/drawing/2010/main" val="0"/>
+                </a:ext>
+              </a:extLst>
+            </a:blip>
+            <a:stretch>
+              <a:fillRect/>
+            </a:stretch>
+          </p:blipFill>
+          <p:spPr>
+            <a:xfrm>
+              <a:off x="1969137" y="12784694"/>
+              <a:ext cx="1524000" cy="1143000"/>
+            </a:xfrm>
+            <a:prstGeom prst="rect">
+              <a:avLst/>
+            </a:prstGeom>
+          </p:spPr>
+        </p:pic>
+        <p:pic>
+          <p:nvPicPr>
+            <p:cNvPr id="103" name="Picture 102"/>
+            <p:cNvPicPr>
+              <a:picLocks noChangeAspect="1"/>
+            </p:cNvPicPr>
+            <p:nvPr/>
+          </p:nvPicPr>
+          <p:blipFill>
+            <a:blip r:embed="rId23">
+              <a:extLst>
+                <a:ext uri="{28A0092B-C50C-407E-A947-70E740481C1C}">
+                  <a14:useLocalDpi xmlns:a14="http://schemas.microsoft.com/office/drawing/2010/main" val="0"/>
+                </a:ext>
+              </a:extLst>
+            </a:blip>
+            <a:stretch>
+              <a:fillRect/>
+            </a:stretch>
+          </p:blipFill>
+          <p:spPr>
+            <a:xfrm>
+              <a:off x="3465835" y="12784694"/>
+              <a:ext cx="1143000" cy="1143000"/>
+            </a:xfrm>
+            <a:prstGeom prst="rect">
+              <a:avLst/>
+            </a:prstGeom>
+          </p:spPr>
+        </p:pic>
+        <p:pic>
+          <p:nvPicPr>
+            <p:cNvPr id="104" name="Picture 103"/>
+            <p:cNvPicPr>
+              <a:picLocks noChangeAspect="1"/>
+            </p:cNvPicPr>
+            <p:nvPr/>
+          </p:nvPicPr>
+          <p:blipFill>
+            <a:blip r:embed="rId24">
+              <a:extLst>
+                <a:ext uri="{28A0092B-C50C-407E-A947-70E740481C1C}">
+                  <a14:useLocalDpi xmlns:a14="http://schemas.microsoft.com/office/drawing/2010/main" val="0"/>
+                </a:ext>
+              </a:extLst>
+            </a:blip>
+            <a:stretch>
+              <a:fillRect/>
+            </a:stretch>
+          </p:blipFill>
+          <p:spPr>
+            <a:xfrm>
+              <a:off x="4581533" y="12784694"/>
+              <a:ext cx="1524001" cy="1143000"/>
+            </a:xfrm>
+            <a:prstGeom prst="rect">
+              <a:avLst/>
+            </a:prstGeom>
+          </p:spPr>
+        </p:pic>
+        <p:pic>
+          <p:nvPicPr>
+            <p:cNvPr id="105" name="Picture 104"/>
+            <p:cNvPicPr>
+              <a:picLocks noChangeAspect="1"/>
+            </p:cNvPicPr>
+            <p:nvPr/>
+          </p:nvPicPr>
+          <p:blipFill>
+            <a:blip r:embed="rId25">
+              <a:extLst>
+                <a:ext uri="{28A0092B-C50C-407E-A947-70E740481C1C}">
+                  <a14:useLocalDpi xmlns:a14="http://schemas.microsoft.com/office/drawing/2010/main" val="0"/>
+                </a:ext>
+              </a:extLst>
+            </a:blip>
+            <a:stretch>
+              <a:fillRect/>
+            </a:stretch>
+          </p:blipFill>
+          <p:spPr>
+            <a:xfrm>
+              <a:off x="7193929" y="12784694"/>
+              <a:ext cx="1523999" cy="1143000"/>
+            </a:xfrm>
+            <a:prstGeom prst="rect">
+              <a:avLst/>
+            </a:prstGeom>
+          </p:spPr>
+        </p:pic>
+        <p:pic>
+          <p:nvPicPr>
+            <p:cNvPr id="106" name="Picture 105"/>
+            <p:cNvPicPr>
+              <a:picLocks noChangeAspect="1"/>
+            </p:cNvPicPr>
+            <p:nvPr/>
+          </p:nvPicPr>
+          <p:blipFill>
+            <a:blip r:embed="rId26"/>
+            <a:stretch>
+              <a:fillRect/>
+            </a:stretch>
+          </p:blipFill>
+          <p:spPr>
+            <a:xfrm>
+              <a:off x="6078232" y="12784694"/>
+              <a:ext cx="1143000" cy="1143000"/>
+            </a:xfrm>
+            <a:prstGeom prst="rect">
+              <a:avLst/>
+            </a:prstGeom>
+          </p:spPr>
+        </p:pic>
+      </p:grpSp>
+      <p:grpSp>
+        <p:nvGrpSpPr>
+          <p:cNvPr id="55" name="Group 54"/>
+          <p:cNvGrpSpPr/>
+          <p:nvPr/>
+        </p:nvGrpSpPr>
+        <p:grpSpPr>
+          <a:xfrm>
+            <a:off x="315194" y="14823585"/>
+            <a:ext cx="8582229" cy="6303834"/>
+            <a:chOff x="315194" y="15825016"/>
+            <a:chExt cx="8582229" cy="6303834"/>
+          </a:xfrm>
+        </p:grpSpPr>
+        <p:grpSp>
+          <p:nvGrpSpPr>
+            <p:cNvPr id="49" name="Group 48"/>
+            <p:cNvGrpSpPr/>
+            <p:nvPr/>
+          </p:nvGrpSpPr>
+          <p:grpSpPr>
+            <a:xfrm>
+              <a:off x="488043" y="15825016"/>
+              <a:ext cx="8409380" cy="6303834"/>
+              <a:chOff x="328878" y="4182168"/>
+              <a:chExt cx="8396147" cy="6065133"/>
+            </a:xfrm>
+          </p:grpSpPr>
+          <p:sp>
+            <p:nvSpPr>
+              <p:cNvPr id="50" name="Rectangle 49"/>
+              <p:cNvSpPr/>
+              <p:nvPr/>
+            </p:nvSpPr>
+            <p:spPr>
+              <a:xfrm>
+                <a:off x="328878" y="5027119"/>
+                <a:ext cx="8391646" cy="5220182"/>
+              </a:xfrm>
+              <a:prstGeom prst="rect">
+                <a:avLst/>
+              </a:prstGeom>
+              <a:noFill/>
+            </p:spPr>
+            <p:style>
+              <a:lnRef idx="2">
+                <a:schemeClr val="accent1">
+                  <a:shade val="50000"/>
+                </a:schemeClr>
+              </a:lnRef>
+              <a:fillRef idx="1">
+                <a:schemeClr val="accent1"/>
+              </a:fillRef>
+              <a:effectRef idx="0">
+                <a:schemeClr val="accent1"/>
+              </a:effectRef>
+              <a:fontRef idx="minor">
+                <a:schemeClr val="lt1"/>
+              </a:fontRef>
+            </p:style>
+            <p:txBody>
+              <a:bodyPr rtlCol="0" anchor="ctr"/>
+              <a:lstStyle/>
+              <a:p>
+                <a:pPr algn="ctr"/>
+                <a:endParaRPr lang="en-US"/>
+              </a:p>
+            </p:txBody>
+          </p:sp>
+          <p:sp>
+            <p:nvSpPr>
+              <p:cNvPr id="51" name="Rectangle 50"/>
+              <p:cNvSpPr/>
+              <p:nvPr/>
+            </p:nvSpPr>
+            <p:spPr>
+              <a:xfrm>
+                <a:off x="333379" y="4182168"/>
+                <a:ext cx="8391646" cy="844951"/>
+              </a:xfrm>
+              <a:prstGeom prst="rect">
+                <a:avLst/>
+              </a:prstGeom>
+            </p:spPr>
+            <p:style>
+              <a:lnRef idx="2">
+                <a:schemeClr val="accent1">
+                  <a:shade val="50000"/>
+                </a:schemeClr>
+              </a:lnRef>
+              <a:fillRef idx="1">
+                <a:schemeClr val="accent1"/>
+              </a:fillRef>
+              <a:effectRef idx="0">
+                <a:schemeClr val="accent1"/>
+              </a:effectRef>
+              <a:fontRef idx="minor">
+                <a:schemeClr val="lt1"/>
+              </a:fontRef>
+            </p:style>
+            <p:txBody>
+              <a:bodyPr rtlCol="0" anchor="ctr"/>
+              <a:lstStyle/>
+              <a:p>
+                <a:pPr algn="ctr"/>
+                <a:r>
+                  <a:rPr lang="en-US" sz="3600" dirty="0" smtClean="0"/>
+                  <a:t>Preprocessing</a:t>
+                </a:r>
+                <a:endParaRPr lang="en-US" sz="3600" dirty="0"/>
+              </a:p>
+            </p:txBody>
+          </p:sp>
+        </p:grpSp>
+        <p:sp>
+          <p:nvSpPr>
+            <p:cNvPr id="1031" name="Rectangle 1030"/>
+            <p:cNvSpPr/>
+            <p:nvPr/>
+          </p:nvSpPr>
+          <p:spPr>
+            <a:xfrm>
+              <a:off x="315194" y="16033010"/>
+              <a:ext cx="184731" cy="757130"/>
+            </a:xfrm>
+            <a:prstGeom prst="rect">
+              <a:avLst/>
+            </a:prstGeom>
+          </p:spPr>
+          <p:txBody>
+            <a:bodyPr wrap="none">
+              <a:spAutoFit/>
+            </a:bodyPr>
+            <a:lstStyle/>
+            <a:p>
+              <a:endParaRPr lang="en-US" dirty="0"/>
             </a:p>
           </p:txBody>
         </p:sp>
         <p:sp>
           <p:nvSpPr>
-            <p:cNvPr id="16" name="Rounded Rectangle 15"/>
+            <p:cNvPr id="1035" name="Rectangle 1034"/>
             <p:cNvSpPr/>
             <p:nvPr/>
           </p:nvSpPr>
           <p:spPr>
             <a:xfrm>
-              <a:off x="489023" y="6798210"/>
-              <a:ext cx="3426106" cy="745834"/>
+              <a:off x="4076261" y="17018844"/>
+              <a:ext cx="1232843" cy="1132943"/>
             </a:xfrm>
-            <a:prstGeom prst="roundRect">
+            <a:prstGeom prst="rect">
               <a:avLst/>
             </a:prstGeom>
           </p:spPr>
           <p:style>
-            <a:lnRef idx="2">
-              <a:schemeClr val="accent1">
-                <a:shade val="50000"/>
-              </a:schemeClr>
+            <a:lnRef idx="1">
+              <a:schemeClr val="accent1"/>
             </a:lnRef>
-            <a:fillRef idx="1">
+            <a:fillRef idx="2">
               <a:schemeClr val="accent1"/>
             </a:fillRef>
-            <a:effectRef idx="0">
+            <a:effectRef idx="1">
               <a:schemeClr val="accent1"/>
             </a:effectRef>
             <a:fontRef idx="minor">
-              <a:schemeClr val="lt1"/>
+              <a:schemeClr val="dk1"/>
+            </a:fontRef>
+          </p:style>
+          <p:txBody>
+            <a:bodyPr rtlCol="0" anchor="ctr"/>
+            <a:lstStyle/>
+            <a:p>
+              <a:pPr algn="ctr"/>
+              <a:r>
+                <a:rPr lang="en-US" altLang="zh-CN" sz="1800" dirty="0" smtClean="0">
+                  <a:solidFill>
+                    <a:schemeClr val="tx1"/>
+                  </a:solidFill>
+                </a:rPr>
+                <a:t>SVG</a:t>
+              </a:r>
+              <a:endParaRPr lang="en-US" sz="2800" dirty="0">
+                <a:solidFill>
+                  <a:schemeClr val="tx1"/>
+                </a:solidFill>
+              </a:endParaRPr>
+            </a:p>
+          </p:txBody>
+        </p:sp>
+        <p:sp>
+          <p:nvSpPr>
+            <p:cNvPr id="79" name="Right Arrow 78"/>
+            <p:cNvSpPr/>
+            <p:nvPr/>
+          </p:nvSpPr>
+          <p:spPr>
+            <a:xfrm>
+              <a:off x="2501266" y="17439261"/>
+              <a:ext cx="1356795" cy="318325"/>
+            </a:xfrm>
+            <a:prstGeom prst="rightArrow">
+              <a:avLst/>
+            </a:prstGeom>
+          </p:spPr>
+          <p:style>
+            <a:lnRef idx="1">
+              <a:schemeClr val="accent1"/>
+            </a:lnRef>
+            <a:fillRef idx="2">
+              <a:schemeClr val="accent1"/>
+            </a:fillRef>
+            <a:effectRef idx="1">
+              <a:schemeClr val="accent1"/>
+            </a:effectRef>
+            <a:fontRef idx="minor">
+              <a:schemeClr val="dk1"/>
             </a:fontRef>
           </p:style>
           <p:txBody>
@@ -12230,6 +16350,1543 @@
             </a:p>
           </p:txBody>
         </p:sp>
+        <p:sp>
+          <p:nvSpPr>
+            <p:cNvPr id="80" name="Rectangle 79"/>
+            <p:cNvSpPr/>
+            <p:nvPr/>
+          </p:nvSpPr>
+          <p:spPr>
+            <a:xfrm>
+              <a:off x="6957594" y="17074024"/>
+              <a:ext cx="1132943" cy="1132943"/>
+            </a:xfrm>
+            <a:prstGeom prst="rect">
+              <a:avLst/>
+            </a:prstGeom>
+          </p:spPr>
+          <p:style>
+            <a:lnRef idx="1">
+              <a:schemeClr val="accent1"/>
+            </a:lnRef>
+            <a:fillRef idx="2">
+              <a:schemeClr val="accent1"/>
+            </a:fillRef>
+            <a:effectRef idx="1">
+              <a:schemeClr val="accent1"/>
+            </a:effectRef>
+            <a:fontRef idx="minor">
+              <a:schemeClr val="dk1"/>
+            </a:fontRef>
+          </p:style>
+          <p:txBody>
+            <a:bodyPr rtlCol="0" anchor="ctr"/>
+            <a:lstStyle/>
+            <a:p>
+              <a:pPr algn="ctr"/>
+              <a:r>
+                <a:rPr lang="en-US" altLang="zh-CN" sz="1800" dirty="0" smtClean="0"/>
+                <a:t>PNG</a:t>
+              </a:r>
+              <a:endParaRPr lang="en-US" sz="2800" dirty="0"/>
+            </a:p>
+          </p:txBody>
+        </p:sp>
+        <p:sp>
+          <p:nvSpPr>
+            <p:cNvPr id="1037" name="Flowchart: Magnetic Disk 1036"/>
+            <p:cNvSpPr/>
+            <p:nvPr/>
+          </p:nvSpPr>
+          <p:spPr>
+            <a:xfrm>
+              <a:off x="782965" y="18807485"/>
+              <a:ext cx="1382895" cy="1111177"/>
+            </a:xfrm>
+            <a:prstGeom prst="flowChartMagneticDisk">
+              <a:avLst/>
+            </a:prstGeom>
+          </p:spPr>
+          <p:style>
+            <a:lnRef idx="1">
+              <a:schemeClr val="accent1"/>
+            </a:lnRef>
+            <a:fillRef idx="2">
+              <a:schemeClr val="accent1"/>
+            </a:fillRef>
+            <a:effectRef idx="1">
+              <a:schemeClr val="accent1"/>
+            </a:effectRef>
+            <a:fontRef idx="minor">
+              <a:schemeClr val="dk1"/>
+            </a:fontRef>
+          </p:style>
+          <p:txBody>
+            <a:bodyPr rtlCol="0" anchor="ctr"/>
+            <a:lstStyle/>
+            <a:p>
+              <a:pPr algn="ctr"/>
+              <a:r>
+                <a:rPr lang="en-US" sz="2000" dirty="0" smtClean="0"/>
+                <a:t>LMDB</a:t>
+              </a:r>
+              <a:endParaRPr lang="en-US" sz="3600" dirty="0"/>
+            </a:p>
+          </p:txBody>
+        </p:sp>
+        <p:sp>
+          <p:nvSpPr>
+            <p:cNvPr id="84" name="Right Arrow 83"/>
+            <p:cNvSpPr/>
+            <p:nvPr/>
+          </p:nvSpPr>
+          <p:spPr>
+            <a:xfrm>
+              <a:off x="5477974" y="17431018"/>
+              <a:ext cx="1410749" cy="334810"/>
+            </a:xfrm>
+            <a:prstGeom prst="rightArrow">
+              <a:avLst/>
+            </a:prstGeom>
+          </p:spPr>
+          <p:style>
+            <a:lnRef idx="1">
+              <a:schemeClr val="accent1"/>
+            </a:lnRef>
+            <a:fillRef idx="2">
+              <a:schemeClr val="accent1"/>
+            </a:fillRef>
+            <a:effectRef idx="1">
+              <a:schemeClr val="accent1"/>
+            </a:effectRef>
+            <a:fontRef idx="minor">
+              <a:schemeClr val="dk1"/>
+            </a:fontRef>
+          </p:style>
+          <p:txBody>
+            <a:bodyPr rtlCol="0" anchor="ctr"/>
+            <a:lstStyle/>
+            <a:p>
+              <a:pPr algn="ctr"/>
+              <a:endParaRPr lang="en-US"/>
+            </a:p>
+          </p:txBody>
+        </p:sp>
+        <p:sp>
+          <p:nvSpPr>
+            <p:cNvPr id="64" name="Rectangle 63"/>
+            <p:cNvSpPr/>
+            <p:nvPr/>
+          </p:nvSpPr>
+          <p:spPr>
+            <a:xfrm>
+              <a:off x="4160390" y="18721992"/>
+              <a:ext cx="1132943" cy="1132943"/>
+            </a:xfrm>
+            <a:prstGeom prst="rect">
+              <a:avLst/>
+            </a:prstGeom>
+          </p:spPr>
+          <p:style>
+            <a:lnRef idx="1">
+              <a:schemeClr val="accent1"/>
+            </a:lnRef>
+            <a:fillRef idx="2">
+              <a:schemeClr val="accent1"/>
+            </a:fillRef>
+            <a:effectRef idx="1">
+              <a:schemeClr val="accent1"/>
+            </a:effectRef>
+            <a:fontRef idx="minor">
+              <a:schemeClr val="dk1"/>
+            </a:fontRef>
+          </p:style>
+          <p:txBody>
+            <a:bodyPr rtlCol="0" anchor="ctr"/>
+            <a:lstStyle/>
+            <a:p>
+              <a:pPr algn="ctr"/>
+              <a:r>
+                <a:rPr lang="en-US" altLang="zh-CN" sz="1800" dirty="0" smtClean="0"/>
+                <a:t>PNG</a:t>
+              </a:r>
+              <a:endParaRPr lang="en-US" sz="2800" dirty="0"/>
+            </a:p>
+          </p:txBody>
+        </p:sp>
+        <p:sp>
+          <p:nvSpPr>
+            <p:cNvPr id="63" name="TextBox 62"/>
+            <p:cNvSpPr txBox="1"/>
+            <p:nvPr/>
+          </p:nvSpPr>
+          <p:spPr>
+            <a:xfrm>
+              <a:off x="2577422" y="17081479"/>
+              <a:ext cx="1005403" cy="400110"/>
+            </a:xfrm>
+            <a:prstGeom prst="rect">
+              <a:avLst/>
+            </a:prstGeom>
+            <a:noFill/>
+          </p:spPr>
+          <p:txBody>
+            <a:bodyPr wrap="none" rtlCol="0">
+              <a:spAutoFit/>
+            </a:bodyPr>
+            <a:lstStyle/>
+            <a:p>
+              <a:r>
+                <a:rPr lang="en-US" altLang="zh-CN" sz="2000" dirty="0" err="1" smtClean="0">
+                  <a:ln w="0"/>
+                  <a:effectLst>
+                    <a:outerShdw blurRad="38100" dist="25400" dir="5400000" algn="ctr" rotWithShape="0">
+                      <a:srgbClr val="6E747A">
+                        <a:alpha val="43000"/>
+                      </a:srgbClr>
+                    </a:outerShdw>
+                  </a:effectLst>
+                </a:rPr>
+                <a:t>nodejs</a:t>
+              </a:r>
+              <a:endParaRPr lang="en-US" sz="2000" dirty="0">
+                <a:ln w="0"/>
+                <a:effectLst>
+                  <a:outerShdw blurRad="38100" dist="25400" dir="5400000" algn="ctr" rotWithShape="0">
+                    <a:srgbClr val="6E747A">
+                      <a:alpha val="43000"/>
+                    </a:srgbClr>
+                  </a:outerShdw>
+                </a:effectLst>
+              </a:endParaRPr>
+            </a:p>
+          </p:txBody>
+        </p:sp>
+        <p:sp>
+          <p:nvSpPr>
+            <p:cNvPr id="65" name="TextBox 64"/>
+            <p:cNvSpPr txBox="1"/>
+            <p:nvPr/>
+          </p:nvSpPr>
+          <p:spPr>
+            <a:xfrm>
+              <a:off x="5459523" y="17127646"/>
+              <a:ext cx="1401346" cy="307777"/>
+            </a:xfrm>
+            <a:prstGeom prst="rect">
+              <a:avLst/>
+            </a:prstGeom>
+            <a:noFill/>
+          </p:spPr>
+          <p:txBody>
+            <a:bodyPr wrap="none" rtlCol="0">
+              <a:spAutoFit/>
+            </a:bodyPr>
+            <a:lstStyle/>
+            <a:p>
+              <a:r>
+                <a:rPr lang="en-US" altLang="zh-CN" sz="1400" dirty="0" err="1" smtClean="0">
+                  <a:ln w="0"/>
+                  <a:effectLst>
+                    <a:outerShdw blurRad="38100" dist="25400" dir="5400000" algn="ctr" rotWithShape="0">
+                      <a:srgbClr val="6E747A">
+                        <a:alpha val="43000"/>
+                      </a:srgbClr>
+                    </a:outerShdw>
+                  </a:effectLst>
+                </a:rPr>
+                <a:t>imagemagick</a:t>
+              </a:r>
+              <a:endParaRPr lang="en-US" sz="1400" dirty="0">
+                <a:ln w="0"/>
+                <a:effectLst>
+                  <a:outerShdw blurRad="38100" dist="25400" dir="5400000" algn="ctr" rotWithShape="0">
+                    <a:srgbClr val="6E747A">
+                      <a:alpha val="43000"/>
+                    </a:srgbClr>
+                  </a:outerShdw>
+                </a:effectLst>
+              </a:endParaRPr>
+            </a:p>
+          </p:txBody>
+        </p:sp>
+        <p:sp>
+          <p:nvSpPr>
+            <p:cNvPr id="133" name="TextBox 132"/>
+            <p:cNvSpPr txBox="1"/>
+            <p:nvPr/>
+          </p:nvSpPr>
+          <p:spPr>
+            <a:xfrm>
+              <a:off x="2636886" y="18653086"/>
+              <a:ext cx="1085554" cy="523220"/>
+            </a:xfrm>
+            <a:prstGeom prst="rect">
+              <a:avLst/>
+            </a:prstGeom>
+            <a:noFill/>
+          </p:spPr>
+          <p:txBody>
+            <a:bodyPr wrap="none" rtlCol="0">
+              <a:spAutoFit/>
+            </a:bodyPr>
+            <a:lstStyle/>
+            <a:p>
+              <a:r>
+                <a:rPr lang="en-US" altLang="zh-CN" sz="1400" dirty="0" smtClean="0">
+                  <a:ln w="0"/>
+                  <a:effectLst>
+                    <a:outerShdw blurRad="38100" dist="25400" dir="5400000" algn="ctr" rotWithShape="0">
+                      <a:srgbClr val="6E747A">
+                        <a:alpha val="43000"/>
+                      </a:srgbClr>
+                    </a:outerShdw>
+                  </a:effectLst>
+                </a:rPr>
+                <a:t>convert</a:t>
+              </a:r>
+            </a:p>
+            <a:p>
+              <a:r>
+                <a:rPr lang="en-US" altLang="zh-CN" sz="1400" dirty="0" err="1" smtClean="0">
+                  <a:ln w="0"/>
+                  <a:effectLst>
+                    <a:outerShdw blurRad="38100" dist="25400" dir="5400000" algn="ctr" rotWithShape="0">
+                      <a:srgbClr val="6E747A">
+                        <a:alpha val="43000"/>
+                      </a:srgbClr>
+                    </a:outerShdw>
+                  </a:effectLst>
+                </a:rPr>
+                <a:t>image_set</a:t>
+              </a:r>
+              <a:endParaRPr lang="en-US" sz="1400" dirty="0">
+                <a:ln w="0"/>
+                <a:effectLst>
+                  <a:outerShdw blurRad="38100" dist="25400" dir="5400000" algn="ctr" rotWithShape="0">
+                    <a:srgbClr val="6E747A">
+                      <a:alpha val="43000"/>
+                    </a:srgbClr>
+                  </a:outerShdw>
+                </a:effectLst>
+              </a:endParaRPr>
+            </a:p>
+          </p:txBody>
+        </p:sp>
+        <p:sp>
+          <p:nvSpPr>
+            <p:cNvPr id="107" name="Flowchart: Magnetic Disk 106"/>
+            <p:cNvSpPr/>
+            <p:nvPr/>
+          </p:nvSpPr>
+          <p:spPr>
+            <a:xfrm>
+              <a:off x="782965" y="17048110"/>
+              <a:ext cx="1378245" cy="1087911"/>
+            </a:xfrm>
+            <a:prstGeom prst="flowChartMagneticDisk">
+              <a:avLst/>
+            </a:prstGeom>
+          </p:spPr>
+          <p:style>
+            <a:lnRef idx="1">
+              <a:schemeClr val="accent1"/>
+            </a:lnRef>
+            <a:fillRef idx="2">
+              <a:schemeClr val="accent1"/>
+            </a:fillRef>
+            <a:effectRef idx="1">
+              <a:schemeClr val="accent1"/>
+            </a:effectRef>
+            <a:fontRef idx="minor">
+              <a:schemeClr val="dk1"/>
+            </a:fontRef>
+          </p:style>
+          <p:txBody>
+            <a:bodyPr rtlCol="0" anchor="ctr"/>
+            <a:lstStyle/>
+            <a:p>
+              <a:pPr algn="ctr"/>
+              <a:r>
+                <a:rPr lang="en-US" altLang="zh-CN" sz="1800" dirty="0" err="1" smtClean="0">
+                  <a:solidFill>
+                    <a:schemeClr val="tx1"/>
+                  </a:solidFill>
+                </a:rPr>
+                <a:t>CouchDB</a:t>
+              </a:r>
+              <a:endParaRPr lang="en-US" altLang="zh-CN" sz="1800" dirty="0">
+                <a:solidFill>
+                  <a:schemeClr val="tx1"/>
+                </a:solidFill>
+              </a:endParaRPr>
+            </a:p>
+          </p:txBody>
+        </p:sp>
+        <p:sp>
+          <p:nvSpPr>
+            <p:cNvPr id="135" name="Right Arrow 134"/>
+            <p:cNvSpPr/>
+            <p:nvPr/>
+          </p:nvSpPr>
+          <p:spPr>
+            <a:xfrm rot="10800000">
+              <a:off x="2491097" y="19170027"/>
+              <a:ext cx="1356795" cy="318325"/>
+            </a:xfrm>
+            <a:prstGeom prst="rightArrow">
+              <a:avLst/>
+            </a:prstGeom>
+          </p:spPr>
+          <p:style>
+            <a:lnRef idx="1">
+              <a:schemeClr val="accent1"/>
+            </a:lnRef>
+            <a:fillRef idx="2">
+              <a:schemeClr val="accent1"/>
+            </a:fillRef>
+            <a:effectRef idx="1">
+              <a:schemeClr val="accent1"/>
+            </a:effectRef>
+            <a:fontRef idx="minor">
+              <a:schemeClr val="dk1"/>
+            </a:fontRef>
+          </p:style>
+          <p:txBody>
+            <a:bodyPr rtlCol="0" anchor="ctr"/>
+            <a:lstStyle/>
+            <a:p>
+              <a:pPr algn="ctr"/>
+              <a:endParaRPr lang="en-US" dirty="0"/>
+            </a:p>
+          </p:txBody>
+        </p:sp>
+        <p:sp>
+          <p:nvSpPr>
+            <p:cNvPr id="137" name="Right Arrow 136"/>
+            <p:cNvSpPr/>
+            <p:nvPr/>
+          </p:nvSpPr>
+          <p:spPr>
+            <a:xfrm rot="5400000">
+              <a:off x="7385311" y="18063123"/>
+              <a:ext cx="277508" cy="822140"/>
+            </a:xfrm>
+            <a:prstGeom prst="rightArrow">
+              <a:avLst/>
+            </a:prstGeom>
+          </p:spPr>
+          <p:style>
+            <a:lnRef idx="1">
+              <a:schemeClr val="accent1"/>
+            </a:lnRef>
+            <a:fillRef idx="2">
+              <a:schemeClr val="accent1"/>
+            </a:fillRef>
+            <a:effectRef idx="1">
+              <a:schemeClr val="accent1"/>
+            </a:effectRef>
+            <a:fontRef idx="minor">
+              <a:schemeClr val="dk1"/>
+            </a:fontRef>
+          </p:style>
+          <p:txBody>
+            <a:bodyPr rtlCol="0" anchor="ctr"/>
+            <a:lstStyle/>
+            <a:p>
+              <a:pPr algn="ctr"/>
+              <a:endParaRPr lang="en-US"/>
+            </a:p>
+          </p:txBody>
+        </p:sp>
+        <p:sp>
+          <p:nvSpPr>
+            <p:cNvPr id="108" name="TextBox 107"/>
+            <p:cNvSpPr txBox="1"/>
+            <p:nvPr/>
+          </p:nvSpPr>
+          <p:spPr>
+            <a:xfrm>
+              <a:off x="642134" y="20233121"/>
+              <a:ext cx="8018360" cy="1815882"/>
+            </a:xfrm>
+            <a:prstGeom prst="rect">
+              <a:avLst/>
+            </a:prstGeom>
+            <a:noFill/>
+          </p:spPr>
+          <p:txBody>
+            <a:bodyPr wrap="square" rtlCol="0">
+              <a:spAutoFit/>
+            </a:bodyPr>
+            <a:lstStyle/>
+            <a:p>
+              <a:pPr marL="342900" indent="-342900">
+                <a:buFont typeface="Arial" panose="020B0604020202020204" pitchFamily="34" charset="0"/>
+                <a:buChar char="•"/>
+              </a:pPr>
+              <a:r>
+                <a:rPr lang="en-US" sz="1600" dirty="0" smtClean="0"/>
+                <a:t>We use </a:t>
+              </a:r>
+              <a:r>
+                <a:rPr lang="en-US" sz="1600" dirty="0" err="1" smtClean="0"/>
+                <a:t>nodejs</a:t>
+              </a:r>
+              <a:r>
+                <a:rPr lang="en-US" sz="1600" dirty="0" smtClean="0"/>
+                <a:t> to convert the </a:t>
+              </a:r>
+              <a:r>
+                <a:rPr lang="en-US" sz="1600" dirty="0" err="1" smtClean="0"/>
+                <a:t>couchdb</a:t>
+              </a:r>
+              <a:r>
+                <a:rPr lang="en-US" sz="1600" dirty="0" smtClean="0"/>
+                <a:t> </a:t>
+              </a:r>
+              <a:r>
+                <a:rPr lang="en-US" sz="1600" dirty="0" err="1" smtClean="0"/>
+                <a:t>dat</a:t>
+              </a:r>
+              <a:r>
+                <a:rPr lang="en-US" sz="1600" dirty="0" smtClean="0"/>
+                <a:t> to </a:t>
+              </a:r>
+              <a:r>
+                <a:rPr lang="en-US" sz="1600" dirty="0" err="1" smtClean="0"/>
+                <a:t>svg</a:t>
+              </a:r>
+              <a:r>
+                <a:rPr lang="en-US" sz="1600" dirty="0" smtClean="0"/>
+                <a:t> and make the stroke border.</a:t>
+              </a:r>
+            </a:p>
+            <a:p>
+              <a:pPr marL="342900" indent="-342900">
+                <a:buFont typeface="Arial" panose="020B0604020202020204" pitchFamily="34" charset="0"/>
+                <a:buChar char="•"/>
+              </a:pPr>
+              <a:r>
+                <a:rPr lang="en-US" sz="1600" dirty="0" smtClean="0"/>
+                <a:t>We use </a:t>
+              </a:r>
+              <a:r>
+                <a:rPr lang="en-US" sz="1600" dirty="0" err="1" smtClean="0"/>
+                <a:t>imagemagick</a:t>
+              </a:r>
+              <a:r>
+                <a:rPr lang="en-US" sz="1600" dirty="0" smtClean="0"/>
+                <a:t> to negate, resize the image and convert it to </a:t>
+              </a:r>
+              <a:r>
+                <a:rPr lang="en-US" sz="1600" dirty="0" err="1" smtClean="0"/>
+                <a:t>png</a:t>
+              </a:r>
+              <a:endParaRPr lang="en-US" sz="1600" dirty="0" smtClean="0"/>
+            </a:p>
+            <a:p>
+              <a:pPr marL="342900" indent="-342900">
+                <a:buFont typeface="Arial" panose="020B0604020202020204" pitchFamily="34" charset="0"/>
+                <a:buChar char="•"/>
+              </a:pPr>
+              <a:r>
+                <a:rPr lang="en-US" sz="1600" dirty="0" smtClean="0"/>
+                <a:t>We use python to crop the image and add our image</a:t>
+              </a:r>
+            </a:p>
+            <a:p>
+              <a:pPr marL="342900" indent="-342900">
+                <a:buFont typeface="Arial" panose="020B0604020202020204" pitchFamily="34" charset="0"/>
+                <a:buChar char="•"/>
+              </a:pPr>
+              <a:r>
+                <a:rPr lang="en-US" sz="1600" dirty="0" smtClean="0"/>
+                <a:t>We balance the training and testing data set by resampling</a:t>
+              </a:r>
+            </a:p>
+            <a:p>
+              <a:pPr marL="342900" indent="-342900">
+                <a:buFont typeface="Arial" panose="020B0604020202020204" pitchFamily="34" charset="0"/>
+                <a:buChar char="•"/>
+              </a:pPr>
+              <a:r>
+                <a:rPr lang="en-US" sz="1600" dirty="0" smtClean="0"/>
+                <a:t>The last step is to use </a:t>
+              </a:r>
+              <a:r>
+                <a:rPr lang="en-US" sz="1600" dirty="0" err="1" smtClean="0"/>
+                <a:t>caffe</a:t>
+              </a:r>
+              <a:r>
+                <a:rPr lang="en-US" sz="1600" dirty="0" smtClean="0"/>
+                <a:t> tool </a:t>
+              </a:r>
+              <a:r>
+                <a:rPr lang="en-US" sz="1600" dirty="0" err="1" smtClean="0"/>
+                <a:t>conver_image_set</a:t>
+              </a:r>
+              <a:r>
+                <a:rPr lang="en-US" sz="1600" dirty="0" smtClean="0"/>
+                <a:t> to convert the image to </a:t>
+              </a:r>
+              <a:r>
+                <a:rPr lang="en-US" sz="1600" dirty="0" err="1" smtClean="0"/>
+                <a:t>lmdb</a:t>
+              </a:r>
+              <a:endParaRPr lang="en-US" sz="1600" dirty="0"/>
+            </a:p>
+          </p:txBody>
+        </p:sp>
+        <p:sp>
+          <p:nvSpPr>
+            <p:cNvPr id="145" name="Rectangle 144"/>
+            <p:cNvSpPr/>
+            <p:nvPr/>
+          </p:nvSpPr>
+          <p:spPr>
+            <a:xfrm>
+              <a:off x="6956927" y="18717954"/>
+              <a:ext cx="1132943" cy="1132943"/>
+            </a:xfrm>
+            <a:prstGeom prst="rect">
+              <a:avLst/>
+            </a:prstGeom>
+          </p:spPr>
+          <p:style>
+            <a:lnRef idx="1">
+              <a:schemeClr val="accent1"/>
+            </a:lnRef>
+            <a:fillRef idx="2">
+              <a:schemeClr val="accent1"/>
+            </a:fillRef>
+            <a:effectRef idx="1">
+              <a:schemeClr val="accent1"/>
+            </a:effectRef>
+            <a:fontRef idx="minor">
+              <a:schemeClr val="dk1"/>
+            </a:fontRef>
+          </p:style>
+          <p:txBody>
+            <a:bodyPr rtlCol="0" anchor="ctr"/>
+            <a:lstStyle/>
+            <a:p>
+              <a:pPr algn="ctr"/>
+              <a:r>
+                <a:rPr lang="en-US" altLang="zh-CN" sz="1800" dirty="0" smtClean="0"/>
+                <a:t>PNG</a:t>
+              </a:r>
+              <a:endParaRPr lang="en-US" sz="2800" dirty="0"/>
+            </a:p>
+          </p:txBody>
+        </p:sp>
+        <p:sp>
+          <p:nvSpPr>
+            <p:cNvPr id="146" name="Right Arrow 145"/>
+            <p:cNvSpPr/>
+            <p:nvPr/>
+          </p:nvSpPr>
+          <p:spPr>
+            <a:xfrm rot="10800000">
+              <a:off x="5408840" y="19170027"/>
+              <a:ext cx="1356795" cy="318325"/>
+            </a:xfrm>
+            <a:prstGeom prst="rightArrow">
+              <a:avLst/>
+            </a:prstGeom>
+          </p:spPr>
+          <p:style>
+            <a:lnRef idx="1">
+              <a:schemeClr val="accent1"/>
+            </a:lnRef>
+            <a:fillRef idx="2">
+              <a:schemeClr val="accent1"/>
+            </a:fillRef>
+            <a:effectRef idx="1">
+              <a:schemeClr val="accent1"/>
+            </a:effectRef>
+            <a:fontRef idx="minor">
+              <a:schemeClr val="dk1"/>
+            </a:fontRef>
+          </p:style>
+          <p:txBody>
+            <a:bodyPr rtlCol="0" anchor="ctr"/>
+            <a:lstStyle/>
+            <a:p>
+              <a:pPr algn="ctr"/>
+              <a:endParaRPr lang="en-US" dirty="0"/>
+            </a:p>
+          </p:txBody>
+        </p:sp>
+        <p:sp>
+          <p:nvSpPr>
+            <p:cNvPr id="147" name="TextBox 146"/>
+            <p:cNvSpPr txBox="1"/>
+            <p:nvPr/>
+          </p:nvSpPr>
+          <p:spPr>
+            <a:xfrm>
+              <a:off x="5400347" y="18883918"/>
+              <a:ext cx="1486304" cy="292388"/>
+            </a:xfrm>
+            <a:prstGeom prst="rect">
+              <a:avLst/>
+            </a:prstGeom>
+            <a:noFill/>
+          </p:spPr>
+          <p:txBody>
+            <a:bodyPr wrap="none" rtlCol="0">
+              <a:spAutoFit/>
+            </a:bodyPr>
+            <a:lstStyle/>
+            <a:p>
+              <a:r>
+                <a:rPr lang="en-US" sz="1300" dirty="0" smtClean="0">
+                  <a:ln w="0"/>
+                  <a:effectLst>
+                    <a:outerShdw blurRad="38100" dist="25400" dir="5400000" algn="ctr" rotWithShape="0">
+                      <a:srgbClr val="6E747A">
+                        <a:alpha val="43000"/>
+                      </a:srgbClr>
+                    </a:outerShdw>
+                  </a:effectLst>
+                </a:rPr>
+                <a:t>crop &amp; padding</a:t>
+              </a:r>
+            </a:p>
+          </p:txBody>
+        </p:sp>
+      </p:grpSp>
+      <p:grpSp>
+        <p:nvGrpSpPr>
+          <p:cNvPr id="42" name="Group 41"/>
+          <p:cNvGrpSpPr/>
+          <p:nvPr/>
+        </p:nvGrpSpPr>
+        <p:grpSpPr>
+          <a:xfrm>
+            <a:off x="9416779" y="10828863"/>
+            <a:ext cx="8391646" cy="15174410"/>
+            <a:chOff x="9416779" y="12038002"/>
+            <a:chExt cx="8391646" cy="15174410"/>
+          </a:xfrm>
+        </p:grpSpPr>
+        <p:sp>
+          <p:nvSpPr>
+            <p:cNvPr id="33" name="TextBox 32"/>
+            <p:cNvSpPr txBox="1"/>
+            <p:nvPr/>
+          </p:nvSpPr>
+          <p:spPr>
+            <a:xfrm>
+              <a:off x="13951958" y="13326684"/>
+              <a:ext cx="1144865" cy="400110"/>
+            </a:xfrm>
+            <a:prstGeom prst="rect">
+              <a:avLst/>
+            </a:prstGeom>
+            <a:noFill/>
+          </p:spPr>
+          <p:txBody>
+            <a:bodyPr wrap="none" rtlCol="0">
+              <a:spAutoFit/>
+            </a:bodyPr>
+            <a:lstStyle/>
+            <a:p>
+              <a:r>
+                <a:rPr lang="en-US" sz="2000" dirty="0" smtClean="0">
+                  <a:ln w="0"/>
+                  <a:solidFill>
+                    <a:schemeClr val="accent1"/>
+                  </a:solidFill>
+                  <a:effectLst>
+                    <a:outerShdw blurRad="38100" dist="25400" dir="5400000" algn="ctr" rotWithShape="0">
+                      <a:srgbClr val="6E747A">
+                        <a:alpha val="43000"/>
+                      </a:srgbClr>
+                    </a:outerShdw>
+                  </a:effectLst>
+                </a:rPr>
+                <a:t>28x28x1</a:t>
+              </a:r>
+              <a:endParaRPr lang="en-US" sz="2000" dirty="0">
+                <a:ln w="0"/>
+                <a:solidFill>
+                  <a:schemeClr val="accent1"/>
+                </a:solidFill>
+                <a:effectLst>
+                  <a:outerShdw blurRad="38100" dist="25400" dir="5400000" algn="ctr" rotWithShape="0">
+                    <a:srgbClr val="6E747A">
+                      <a:alpha val="43000"/>
+                    </a:srgbClr>
+                  </a:outerShdw>
+                </a:effectLst>
+              </a:endParaRPr>
+            </a:p>
+          </p:txBody>
+        </p:sp>
+        <p:grpSp>
+          <p:nvGrpSpPr>
+            <p:cNvPr id="37" name="Group 36"/>
+            <p:cNvGrpSpPr/>
+            <p:nvPr/>
+          </p:nvGrpSpPr>
+          <p:grpSpPr>
+            <a:xfrm>
+              <a:off x="9416779" y="12038002"/>
+              <a:ext cx="8391646" cy="15174410"/>
+              <a:chOff x="9606987" y="12038002"/>
+              <a:chExt cx="8391646" cy="15174410"/>
+            </a:xfrm>
+          </p:grpSpPr>
+          <p:grpSp>
+            <p:nvGrpSpPr>
+              <p:cNvPr id="12" name="Group 11"/>
+              <p:cNvGrpSpPr/>
+              <p:nvPr/>
+            </p:nvGrpSpPr>
+            <p:grpSpPr>
+              <a:xfrm>
+                <a:off x="9606987" y="12038002"/>
+                <a:ext cx="8391646" cy="15174410"/>
+                <a:chOff x="9606987" y="4182168"/>
+                <a:chExt cx="8391646" cy="15174410"/>
+              </a:xfrm>
+            </p:grpSpPr>
+            <p:grpSp>
+              <p:nvGrpSpPr>
+                <p:cNvPr id="23" name="Group 22"/>
+                <p:cNvGrpSpPr/>
+                <p:nvPr/>
+              </p:nvGrpSpPr>
+              <p:grpSpPr>
+                <a:xfrm>
+                  <a:off x="9606987" y="5027119"/>
+                  <a:ext cx="8391646" cy="14329459"/>
+                  <a:chOff x="317500" y="2743199"/>
+                  <a:chExt cx="8391646" cy="14329459"/>
+                </a:xfrm>
+              </p:grpSpPr>
+              <p:grpSp>
+                <p:nvGrpSpPr>
+                  <p:cNvPr id="9" name="Group 8"/>
+                  <p:cNvGrpSpPr/>
+                  <p:nvPr/>
+                </p:nvGrpSpPr>
+                <p:grpSpPr>
+                  <a:xfrm>
+                    <a:off x="4516732" y="3242870"/>
+                    <a:ext cx="3901440" cy="10170116"/>
+                    <a:chOff x="3130366" y="4122547"/>
+                    <a:chExt cx="3901440" cy="10170116"/>
+                  </a:xfrm>
+                </p:grpSpPr>
+                <p:pic>
+                  <p:nvPicPr>
+                    <p:cNvPr id="2" name="Picture 1"/>
+                    <p:cNvPicPr>
+                      <a:picLocks noChangeAspect="1"/>
+                    </p:cNvPicPr>
+                    <p:nvPr/>
+                  </p:nvPicPr>
+                  <p:blipFill>
+                    <a:blip r:embed="rId27">
+                      <a:extLst>
+                        <a:ext uri="{28A0092B-C50C-407E-A947-70E740481C1C}">
+                          <a14:useLocalDpi xmlns:a14="http://schemas.microsoft.com/office/drawing/2010/main" val="0"/>
+                        </a:ext>
+                      </a:extLst>
+                    </a:blip>
+                    <a:stretch>
+                      <a:fillRect/>
+                    </a:stretch>
+                  </p:blipFill>
+                  <p:spPr>
+                    <a:xfrm>
+                      <a:off x="6219915" y="4122547"/>
+                      <a:ext cx="688340" cy="688340"/>
+                    </a:xfrm>
+                    <a:prstGeom prst="rect">
+                      <a:avLst/>
+                    </a:prstGeom>
+                  </p:spPr>
+                </p:pic>
+                <p:pic>
+                  <p:nvPicPr>
+                    <p:cNvPr id="3" name="Picture 2"/>
+                    <p:cNvPicPr>
+                      <a:picLocks noChangeAspect="1"/>
+                    </p:cNvPicPr>
+                    <p:nvPr/>
+                  </p:nvPicPr>
+                  <p:blipFill rotWithShape="1">
+                    <a:blip r:embed="rId28">
+                      <a:extLst>
+                        <a:ext uri="{28A0092B-C50C-407E-A947-70E740481C1C}">
+                          <a14:useLocalDpi xmlns:a14="http://schemas.microsoft.com/office/drawing/2010/main" val="0"/>
+                        </a:ext>
+                      </a:extLst>
+                    </a:blip>
+                    <a:srcRect b="20469"/>
+                    <a:stretch/>
+                  </p:blipFill>
+                  <p:spPr>
+                    <a:xfrm>
+                      <a:off x="3130366" y="6979029"/>
+                      <a:ext cx="3901440" cy="3102854"/>
+                    </a:xfrm>
+                    <a:prstGeom prst="rect">
+                      <a:avLst/>
+                    </a:prstGeom>
+                  </p:spPr>
+                </p:pic>
+                <p:pic>
+                  <p:nvPicPr>
+                    <p:cNvPr id="5" name="Picture 4"/>
+                    <p:cNvPicPr>
+                      <a:picLocks noChangeAspect="1"/>
+                    </p:cNvPicPr>
+                    <p:nvPr/>
+                  </p:nvPicPr>
+                  <p:blipFill>
+                    <a:blip r:embed="rId29">
+                      <a:extLst>
+                        <a:ext uri="{28A0092B-C50C-407E-A947-70E740481C1C}">
+                          <a14:useLocalDpi xmlns:a14="http://schemas.microsoft.com/office/drawing/2010/main" val="0"/>
+                        </a:ext>
+                      </a:extLst>
+                    </a:blip>
+                    <a:stretch>
+                      <a:fillRect/>
+                    </a:stretch>
+                  </p:blipFill>
+                  <p:spPr>
+                    <a:xfrm>
+                      <a:off x="3130366" y="10391223"/>
+                      <a:ext cx="3901440" cy="3901440"/>
+                    </a:xfrm>
+                    <a:prstGeom prst="rect">
+                      <a:avLst/>
+                    </a:prstGeom>
+                  </p:spPr>
+                </p:pic>
+                <p:pic>
+                  <p:nvPicPr>
+                    <p:cNvPr id="6" name="Picture 5"/>
+                    <p:cNvPicPr>
+                      <a:picLocks noChangeAspect="1"/>
+                    </p:cNvPicPr>
+                    <p:nvPr/>
+                  </p:nvPicPr>
+                  <p:blipFill rotWithShape="1">
+                    <a:blip r:embed="rId30">
+                      <a:extLst>
+                        <a:ext uri="{28A0092B-C50C-407E-A947-70E740481C1C}">
+                          <a14:useLocalDpi xmlns:a14="http://schemas.microsoft.com/office/drawing/2010/main" val="0"/>
+                        </a:ext>
+                      </a:extLst>
+                    </a:blip>
+                    <a:srcRect b="21295"/>
+                    <a:stretch/>
+                  </p:blipFill>
+                  <p:spPr>
+                    <a:xfrm>
+                      <a:off x="4773410" y="5113452"/>
+                      <a:ext cx="2251926" cy="1772378"/>
+                    </a:xfrm>
+                    <a:prstGeom prst="rect">
+                      <a:avLst/>
+                    </a:prstGeom>
+                  </p:spPr>
+                </p:pic>
+              </p:grpSp>
+              <p:sp>
+                <p:nvSpPr>
+                  <p:cNvPr id="21" name="Rectangle 20"/>
+                  <p:cNvSpPr/>
+                  <p:nvPr/>
+                </p:nvSpPr>
+                <p:spPr>
+                  <a:xfrm>
+                    <a:off x="317500" y="2743199"/>
+                    <a:ext cx="8391646" cy="14329459"/>
+                  </a:xfrm>
+                  <a:prstGeom prst="rect">
+                    <a:avLst/>
+                  </a:prstGeom>
+                  <a:noFill/>
+                </p:spPr>
+                <p:style>
+                  <a:lnRef idx="2">
+                    <a:schemeClr val="accent1">
+                      <a:shade val="50000"/>
+                    </a:schemeClr>
+                  </a:lnRef>
+                  <a:fillRef idx="1">
+                    <a:schemeClr val="accent1"/>
+                  </a:fillRef>
+                  <a:effectRef idx="0">
+                    <a:schemeClr val="accent1"/>
+                  </a:effectRef>
+                  <a:fontRef idx="minor">
+                    <a:schemeClr val="lt1"/>
+                  </a:fontRef>
+                </p:style>
+                <p:txBody>
+                  <a:bodyPr rtlCol="0" anchor="ctr"/>
+                  <a:lstStyle/>
+                  <a:p>
+                    <a:pPr algn="ctr"/>
+                    <a:endParaRPr lang="en-US"/>
+                  </a:p>
+                </p:txBody>
+              </p:sp>
+            </p:grpSp>
+            <p:sp>
+              <p:nvSpPr>
+                <p:cNvPr id="7" name="Rectangle 6"/>
+                <p:cNvSpPr/>
+                <p:nvPr/>
+              </p:nvSpPr>
+              <p:spPr>
+                <a:xfrm>
+                  <a:off x="9606987" y="4182168"/>
+                  <a:ext cx="8391646" cy="844951"/>
+                </a:xfrm>
+                <a:prstGeom prst="rect">
+                  <a:avLst/>
+                </a:prstGeom>
+              </p:spPr>
+              <p:style>
+                <a:lnRef idx="2">
+                  <a:schemeClr val="accent1">
+                    <a:shade val="50000"/>
+                  </a:schemeClr>
+                </a:lnRef>
+                <a:fillRef idx="1">
+                  <a:schemeClr val="accent1"/>
+                </a:fillRef>
+                <a:effectRef idx="0">
+                  <a:schemeClr val="accent1"/>
+                </a:effectRef>
+                <a:fontRef idx="minor">
+                  <a:schemeClr val="lt1"/>
+                </a:fontRef>
+              </p:style>
+              <p:txBody>
+                <a:bodyPr rtlCol="0" anchor="ctr"/>
+                <a:lstStyle/>
+                <a:p>
+                  <a:pPr algn="ctr"/>
+                  <a:r>
+                    <a:rPr lang="en-US" sz="3600" dirty="0"/>
+                    <a:t>Convolutional Neural Network</a:t>
+                  </a:r>
+                </a:p>
+              </p:txBody>
+            </p:sp>
+          </p:grpSp>
+          <p:graphicFrame>
+            <p:nvGraphicFramePr>
+              <p:cNvPr id="18" name="Diagram 17"/>
+              <p:cNvGraphicFramePr/>
+              <p:nvPr>
+                <p:extLst>
+                  <p:ext uri="{D42A27DB-BD31-4B8C-83A1-F6EECF244321}">
+                    <p14:modId xmlns:p14="http://schemas.microsoft.com/office/powerpoint/2010/main" val="1534351366"/>
+                  </p:ext>
+                </p:extLst>
+              </p:nvPr>
+            </p:nvGraphicFramePr>
+            <p:xfrm>
+              <a:off x="9989570" y="13385276"/>
+              <a:ext cx="2668545" cy="12532048"/>
+            </p:xfrm>
+            <a:graphic>
+              <a:graphicData uri="http://schemas.openxmlformats.org/drawingml/2006/diagram">
+                <dgm:relIds xmlns:dgm="http://schemas.openxmlformats.org/drawingml/2006/diagram" xmlns:r="http://schemas.openxmlformats.org/officeDocument/2006/relationships" r:dm="rId31" r:lo="rId32" r:qs="rId33" r:cs="rId34"/>
+              </a:graphicData>
+            </a:graphic>
+          </p:graphicFrame>
+        </p:grpSp>
+        <p:cxnSp>
+          <p:nvCxnSpPr>
+            <p:cNvPr id="27" name="Straight Arrow Connector 26"/>
+            <p:cNvCxnSpPr>
+              <a:stCxn id="2" idx="1"/>
+            </p:cNvCxnSpPr>
+            <p:nvPr/>
+          </p:nvCxnSpPr>
+          <p:spPr>
+            <a:xfrm flipH="1">
+              <a:off x="12382792" y="13726794"/>
+              <a:ext cx="4322768" cy="0"/>
+            </a:xfrm>
+            <a:prstGeom prst="straightConnector1">
+              <a:avLst/>
+            </a:prstGeom>
+            <a:ln w="79375">
+              <a:tailEnd type="triangle"/>
+            </a:ln>
+          </p:spPr>
+          <p:style>
+            <a:lnRef idx="1">
+              <a:schemeClr val="accent1"/>
+            </a:lnRef>
+            <a:fillRef idx="0">
+              <a:schemeClr val="accent1"/>
+            </a:fillRef>
+            <a:effectRef idx="0">
+              <a:schemeClr val="accent1"/>
+            </a:effectRef>
+            <a:fontRef idx="minor">
+              <a:schemeClr val="tx1"/>
+            </a:fontRef>
+          </p:style>
+        </p:cxnSp>
+        <p:cxnSp>
+          <p:nvCxnSpPr>
+            <p:cNvPr id="71" name="Straight Arrow Connector 70"/>
+            <p:cNvCxnSpPr/>
+            <p:nvPr/>
+          </p:nvCxnSpPr>
+          <p:spPr>
+            <a:xfrm>
+              <a:off x="12486248" y="14960868"/>
+              <a:ext cx="2772807" cy="0"/>
+            </a:xfrm>
+            <a:prstGeom prst="straightConnector1">
+              <a:avLst/>
+            </a:prstGeom>
+            <a:ln w="79375">
+              <a:tailEnd type="triangle"/>
+            </a:ln>
+          </p:spPr>
+          <p:style>
+            <a:lnRef idx="1">
+              <a:schemeClr val="accent1"/>
+            </a:lnRef>
+            <a:fillRef idx="0">
+              <a:schemeClr val="accent1"/>
+            </a:fillRef>
+            <a:effectRef idx="0">
+              <a:schemeClr val="accent1"/>
+            </a:effectRef>
+            <a:fontRef idx="minor">
+              <a:schemeClr val="tx1"/>
+            </a:fontRef>
+          </p:style>
+        </p:cxnSp>
+        <p:sp>
+          <p:nvSpPr>
+            <p:cNvPr id="69" name="TextBox 68"/>
+            <p:cNvSpPr txBox="1"/>
+            <p:nvPr/>
+          </p:nvSpPr>
+          <p:spPr>
+            <a:xfrm>
+              <a:off x="13258782" y="14524564"/>
+              <a:ext cx="1165704" cy="400110"/>
+            </a:xfrm>
+            <a:prstGeom prst="rect">
+              <a:avLst/>
+            </a:prstGeom>
+            <a:noFill/>
+          </p:spPr>
+          <p:txBody>
+            <a:bodyPr wrap="none" rtlCol="0">
+              <a:spAutoFit/>
+            </a:bodyPr>
+            <a:lstStyle/>
+            <a:p>
+              <a:r>
+                <a:rPr lang="en-US" sz="2000" dirty="0" smtClean="0">
+                  <a:ln w="0"/>
+                  <a:solidFill>
+                    <a:schemeClr val="accent1"/>
+                  </a:solidFill>
+                  <a:effectLst>
+                    <a:outerShdw blurRad="38100" dist="25400" dir="5400000" algn="ctr" rotWithShape="0">
+                      <a:srgbClr val="6E747A">
+                        <a:alpha val="43000"/>
+                      </a:srgbClr>
+                    </a:outerShdw>
+                  </a:effectLst>
+                </a:rPr>
+                <a:t>Weights</a:t>
+              </a:r>
+              <a:endParaRPr lang="en-US" sz="2000" dirty="0">
+                <a:ln w="0"/>
+                <a:solidFill>
+                  <a:schemeClr val="accent1"/>
+                </a:solidFill>
+                <a:effectLst>
+                  <a:outerShdw blurRad="38100" dist="25400" dir="5400000" algn="ctr" rotWithShape="0">
+                    <a:srgbClr val="6E747A">
+                      <a:alpha val="43000"/>
+                    </a:srgbClr>
+                  </a:outerShdw>
+                </a:effectLst>
+              </a:endParaRPr>
+            </a:p>
+          </p:txBody>
+        </p:sp>
+        <p:cxnSp>
+          <p:nvCxnSpPr>
+            <p:cNvPr id="41" name="Straight Arrow Connector 40"/>
+            <p:cNvCxnSpPr/>
+            <p:nvPr/>
+          </p:nvCxnSpPr>
+          <p:spPr>
+            <a:xfrm>
+              <a:off x="12452383" y="14960868"/>
+              <a:ext cx="1682717" cy="1185039"/>
+            </a:xfrm>
+            <a:prstGeom prst="straightConnector1">
+              <a:avLst/>
+            </a:prstGeom>
+            <a:ln w="76200">
+              <a:tailEnd type="triangle"/>
+            </a:ln>
+          </p:spPr>
+          <p:style>
+            <a:lnRef idx="1">
+              <a:schemeClr val="accent1"/>
+            </a:lnRef>
+            <a:fillRef idx="0">
+              <a:schemeClr val="accent1"/>
+            </a:fillRef>
+            <a:effectRef idx="0">
+              <a:schemeClr val="accent1"/>
+            </a:effectRef>
+            <a:fontRef idx="minor">
+              <a:schemeClr val="tx1"/>
+            </a:fontRef>
+          </p:style>
+        </p:cxnSp>
+        <p:sp>
+          <p:nvSpPr>
+            <p:cNvPr id="81" name="TextBox 80"/>
+            <p:cNvSpPr txBox="1"/>
+            <p:nvPr/>
+          </p:nvSpPr>
+          <p:spPr>
+            <a:xfrm rot="3478544">
+              <a:off x="12597611" y="18043312"/>
+              <a:ext cx="1011815" cy="400110"/>
+            </a:xfrm>
+            <a:prstGeom prst="rect">
+              <a:avLst/>
+            </a:prstGeom>
+            <a:noFill/>
+          </p:spPr>
+          <p:txBody>
+            <a:bodyPr wrap="none" rtlCol="0">
+              <a:spAutoFit/>
+            </a:bodyPr>
+            <a:lstStyle/>
+            <a:p>
+              <a:r>
+                <a:rPr lang="en-US" altLang="zh-CN" sz="2000" dirty="0" smtClean="0">
+                  <a:ln w="0"/>
+                  <a:solidFill>
+                    <a:schemeClr val="accent1"/>
+                  </a:solidFill>
+                  <a:effectLst>
+                    <a:outerShdw blurRad="38100" dist="25400" dir="5400000" algn="ctr" rotWithShape="0">
+                      <a:srgbClr val="6E747A">
+                        <a:alpha val="43000"/>
+                      </a:srgbClr>
+                    </a:outerShdw>
+                  </a:effectLst>
+                </a:rPr>
+                <a:t>output</a:t>
+              </a:r>
+              <a:endParaRPr lang="en-US" sz="2000" dirty="0">
+                <a:ln w="0"/>
+                <a:solidFill>
+                  <a:schemeClr val="accent1"/>
+                </a:solidFill>
+                <a:effectLst>
+                  <a:outerShdw blurRad="38100" dist="25400" dir="5400000" algn="ctr" rotWithShape="0">
+                    <a:srgbClr val="6E747A">
+                      <a:alpha val="43000"/>
+                    </a:srgbClr>
+                  </a:outerShdw>
+                </a:effectLst>
+              </a:endParaRPr>
+            </a:p>
+          </p:txBody>
+        </p:sp>
+        <p:cxnSp>
+          <p:nvCxnSpPr>
+            <p:cNvPr id="90" name="Straight Arrow Connector 89"/>
+            <p:cNvCxnSpPr/>
+            <p:nvPr/>
+          </p:nvCxnSpPr>
+          <p:spPr>
+            <a:xfrm>
+              <a:off x="12392795" y="17592066"/>
+              <a:ext cx="1272405" cy="2100805"/>
+            </a:xfrm>
+            <a:prstGeom prst="straightConnector1">
+              <a:avLst/>
+            </a:prstGeom>
+            <a:ln w="76200">
+              <a:tailEnd type="triangle"/>
+            </a:ln>
+          </p:spPr>
+          <p:style>
+            <a:lnRef idx="1">
+              <a:schemeClr val="accent1"/>
+            </a:lnRef>
+            <a:fillRef idx="0">
+              <a:schemeClr val="accent1"/>
+            </a:fillRef>
+            <a:effectRef idx="0">
+              <a:schemeClr val="accent1"/>
+            </a:effectRef>
+            <a:fontRef idx="minor">
+              <a:schemeClr val="tx1"/>
+            </a:fontRef>
+          </p:style>
+        </p:cxnSp>
+        <p:sp>
+          <p:nvSpPr>
+            <p:cNvPr id="112" name="TextBox 111"/>
+            <p:cNvSpPr txBox="1"/>
+            <p:nvPr/>
+          </p:nvSpPr>
+          <p:spPr>
+            <a:xfrm rot="2124571">
+              <a:off x="12983682" y="15196216"/>
+              <a:ext cx="1011815" cy="400110"/>
+            </a:xfrm>
+            <a:prstGeom prst="rect">
+              <a:avLst/>
+            </a:prstGeom>
+            <a:noFill/>
+          </p:spPr>
+          <p:txBody>
+            <a:bodyPr wrap="none" rtlCol="0">
+              <a:spAutoFit/>
+            </a:bodyPr>
+            <a:lstStyle/>
+            <a:p>
+              <a:r>
+                <a:rPr lang="en-US" altLang="zh-CN" sz="2000" dirty="0" smtClean="0">
+                  <a:ln w="0"/>
+                  <a:solidFill>
+                    <a:schemeClr val="accent1"/>
+                  </a:solidFill>
+                  <a:effectLst>
+                    <a:outerShdw blurRad="38100" dist="25400" dir="5400000" algn="ctr" rotWithShape="0">
+                      <a:srgbClr val="6E747A">
+                        <a:alpha val="43000"/>
+                      </a:srgbClr>
+                    </a:outerShdw>
+                  </a:effectLst>
+                </a:rPr>
+                <a:t>output</a:t>
+              </a:r>
+              <a:endParaRPr lang="en-US" sz="2000" dirty="0">
+                <a:ln w="0"/>
+                <a:solidFill>
+                  <a:schemeClr val="accent1"/>
+                </a:solidFill>
+                <a:effectLst>
+                  <a:outerShdw blurRad="38100" dist="25400" dir="5400000" algn="ctr" rotWithShape="0">
+                    <a:srgbClr val="6E747A">
+                      <a:alpha val="43000"/>
+                    </a:srgbClr>
+                  </a:outerShdw>
+                </a:effectLst>
+              </a:endParaRPr>
+            </a:p>
+          </p:txBody>
+        </p:sp>
+        <p:pic>
+          <p:nvPicPr>
+            <p:cNvPr id="109" name="Picture 108"/>
+            <p:cNvPicPr>
+              <a:picLocks noChangeAspect="1"/>
+            </p:cNvPicPr>
+            <p:nvPr/>
+          </p:nvPicPr>
+          <p:blipFill>
+            <a:blip r:embed="rId36">
+              <a:extLst>
+                <a:ext uri="{28A0092B-C50C-407E-A947-70E740481C1C}">
+                  <a14:useLocalDpi xmlns:a14="http://schemas.microsoft.com/office/drawing/2010/main" val="0"/>
+                </a:ext>
+              </a:extLst>
+            </a:blip>
+            <a:stretch>
+              <a:fillRect/>
+            </a:stretch>
+          </p:blipFill>
+          <p:spPr>
+            <a:xfrm>
+              <a:off x="13379987" y="23862080"/>
+              <a:ext cx="4280718" cy="3210539"/>
+            </a:xfrm>
+            <a:prstGeom prst="rect">
+              <a:avLst/>
+            </a:prstGeom>
+          </p:spPr>
+        </p:pic>
+        <p:cxnSp>
+          <p:nvCxnSpPr>
+            <p:cNvPr id="111" name="Straight Arrow Connector 110"/>
+            <p:cNvCxnSpPr/>
+            <p:nvPr/>
+          </p:nvCxnSpPr>
+          <p:spPr>
+            <a:xfrm>
+              <a:off x="15259055" y="24884063"/>
+              <a:ext cx="241900" cy="845291"/>
+            </a:xfrm>
+            <a:prstGeom prst="straightConnector1">
+              <a:avLst/>
+            </a:prstGeom>
+            <a:ln>
+              <a:tailEnd type="triangle"/>
+            </a:ln>
+          </p:spPr>
+          <p:style>
+            <a:lnRef idx="1">
+              <a:schemeClr val="accent1"/>
+            </a:lnRef>
+            <a:fillRef idx="0">
+              <a:schemeClr val="accent1"/>
+            </a:fillRef>
+            <a:effectRef idx="0">
+              <a:schemeClr val="accent1"/>
+            </a:effectRef>
+            <a:fontRef idx="minor">
+              <a:schemeClr val="tx1"/>
+            </a:fontRef>
+          </p:style>
+        </p:cxnSp>
+        <p:sp>
+          <p:nvSpPr>
+            <p:cNvPr id="113" name="TextBox 112"/>
+            <p:cNvSpPr txBox="1"/>
+            <p:nvPr/>
+          </p:nvSpPr>
+          <p:spPr>
+            <a:xfrm>
+              <a:off x="14801850" y="25744205"/>
+              <a:ext cx="1673888" cy="646331"/>
+            </a:xfrm>
+            <a:prstGeom prst="rect">
+              <a:avLst/>
+            </a:prstGeom>
+            <a:noFill/>
+          </p:spPr>
+          <p:txBody>
+            <a:bodyPr wrap="square" rtlCol="0">
+              <a:spAutoFit/>
+            </a:bodyPr>
+            <a:lstStyle/>
+            <a:p>
+              <a:pPr algn="ctr"/>
+              <a:r>
+                <a:rPr lang="en-US" sz="1200" b="1" dirty="0"/>
+                <a:t>i</a:t>
+              </a:r>
+              <a:r>
+                <a:rPr lang="en-US" sz="1200" b="1" dirty="0" smtClean="0"/>
+                <a:t>ncrease batch size                  &amp;</a:t>
+              </a:r>
+            </a:p>
+            <a:p>
+              <a:r>
+                <a:rPr lang="en-US" sz="1200" b="1" dirty="0" smtClean="0"/>
+                <a:t> reset learning rate</a:t>
+              </a:r>
+              <a:endParaRPr lang="en-US" sz="1200" b="1" dirty="0"/>
+            </a:p>
+          </p:txBody>
+        </p:sp>
+        <p:sp>
+          <p:nvSpPr>
+            <p:cNvPr id="152" name="TextBox 151"/>
+            <p:cNvSpPr txBox="1"/>
+            <p:nvPr/>
+          </p:nvSpPr>
+          <p:spPr>
+            <a:xfrm>
+              <a:off x="15737622" y="24886192"/>
+              <a:ext cx="1673888" cy="276999"/>
+            </a:xfrm>
+            <a:prstGeom prst="rect">
+              <a:avLst/>
+            </a:prstGeom>
+            <a:noFill/>
+          </p:spPr>
+          <p:txBody>
+            <a:bodyPr wrap="square" rtlCol="0">
+              <a:spAutoFit/>
+            </a:bodyPr>
+            <a:lstStyle/>
+            <a:p>
+              <a:r>
+                <a:rPr lang="en-US" sz="1200" b="1" dirty="0" smtClean="0"/>
+                <a:t>reset leaning rate</a:t>
+              </a:r>
+              <a:endParaRPr lang="en-US" sz="1200" b="1" dirty="0"/>
+            </a:p>
+          </p:txBody>
+        </p:sp>
+        <p:cxnSp>
+          <p:nvCxnSpPr>
+            <p:cNvPr id="115" name="Straight Arrow Connector 114"/>
+            <p:cNvCxnSpPr/>
+            <p:nvPr/>
+          </p:nvCxnSpPr>
+          <p:spPr>
+            <a:xfrm flipH="1">
+              <a:off x="16744269" y="24450675"/>
+              <a:ext cx="92774" cy="371475"/>
+            </a:xfrm>
+            <a:prstGeom prst="straightConnector1">
+              <a:avLst/>
+            </a:prstGeom>
+            <a:ln>
+              <a:tailEnd type="triangle"/>
+            </a:ln>
+          </p:spPr>
+          <p:style>
+            <a:lnRef idx="1">
+              <a:schemeClr val="accent1"/>
+            </a:lnRef>
+            <a:fillRef idx="0">
+              <a:schemeClr val="accent1"/>
+            </a:fillRef>
+            <a:effectRef idx="0">
+              <a:schemeClr val="accent1"/>
+            </a:effectRef>
+            <a:fontRef idx="minor">
+              <a:schemeClr val="tx1"/>
+            </a:fontRef>
+          </p:style>
+        </p:cxnSp>
+      </p:grpSp>
+      <p:grpSp>
+        <p:nvGrpSpPr>
+          <p:cNvPr id="24" name="Group 23"/>
+          <p:cNvGrpSpPr/>
+          <p:nvPr/>
+        </p:nvGrpSpPr>
+        <p:grpSpPr>
+          <a:xfrm>
+            <a:off x="9412278" y="4050911"/>
+            <a:ext cx="8396147" cy="6515936"/>
+            <a:chOff x="328878" y="4182168"/>
+            <a:chExt cx="8396147" cy="6515936"/>
+          </a:xfrm>
+        </p:grpSpPr>
         <p:grpSp>
           <p:nvGrpSpPr>
             <p:cNvPr id="11" name="Group 10"/>
@@ -12339,14 +17996,14 @@
             <p:nvPr/>
           </p:nvPicPr>
           <p:blipFill>
-            <a:blip r:embed="rId4"/>
+            <a:blip r:embed="rId37"/>
             <a:stretch>
               <a:fillRect/>
             </a:stretch>
           </p:blipFill>
           <p:spPr>
             <a:xfrm>
-              <a:off x="6417555" y="5371152"/>
+              <a:off x="6417555" y="5348004"/>
               <a:ext cx="2159750" cy="1991494"/>
             </a:xfrm>
             <a:prstGeom prst="rect">
@@ -12363,14 +18020,14 @@
             <p:nvPr/>
           </p:nvPicPr>
           <p:blipFill>
-            <a:blip r:embed="rId5"/>
+            <a:blip r:embed="rId38"/>
             <a:stretch>
               <a:fillRect/>
             </a:stretch>
           </p:blipFill>
           <p:spPr>
             <a:xfrm>
-              <a:off x="4336744" y="5371153"/>
+              <a:off x="4336744" y="5348005"/>
               <a:ext cx="2017149" cy="1991494"/>
             </a:xfrm>
             <a:prstGeom prst="rect">
@@ -12378,70 +18035,273 @@
             </a:prstGeom>
           </p:spPr>
         </p:pic>
+        <p:sp>
+          <p:nvSpPr>
+            <p:cNvPr id="15" name="Down Arrow 14"/>
+            <p:cNvSpPr/>
+            <p:nvPr/>
+          </p:nvSpPr>
+          <p:spPr>
+            <a:xfrm>
+              <a:off x="1990734" y="6258956"/>
+              <a:ext cx="853578" cy="241280"/>
+            </a:xfrm>
+            <a:prstGeom prst="downArrow">
+              <a:avLst/>
+            </a:prstGeom>
+          </p:spPr>
+          <p:style>
+            <a:lnRef idx="2">
+              <a:schemeClr val="dk1"/>
+            </a:lnRef>
+            <a:fillRef idx="1">
+              <a:schemeClr val="lt1"/>
+            </a:fillRef>
+            <a:effectRef idx="0">
+              <a:schemeClr val="dk1"/>
+            </a:effectRef>
+            <a:fontRef idx="minor">
+              <a:schemeClr val="dk1"/>
+            </a:fontRef>
+          </p:style>
+          <p:txBody>
+            <a:bodyPr rtlCol="0" anchor="ctr"/>
+            <a:lstStyle/>
+            <a:p>
+              <a:pPr algn="ctr"/>
+              <a:endParaRPr lang="en-US"/>
+            </a:p>
+          </p:txBody>
+        </p:sp>
       </p:grpSp>
       <p:sp>
         <p:nvSpPr>
-          <p:cNvPr id="26" name="AutoShape 10" descr="NodeJS icon"/>
-          <p:cNvSpPr>
-            <a:spLocks noChangeAspect="1" noChangeArrowheads="1"/>
-          </p:cNvSpPr>
+          <p:cNvPr id="1041" name="TextBox 1040"/>
+          <p:cNvSpPr txBox="1"/>
           <p:nvPr/>
         </p:nvSpPr>
-        <p:spPr bwMode="auto">
+        <p:spPr>
           <a:xfrm>
-            <a:off x="10261601" y="7440276"/>
-            <a:ext cx="3724270" cy="1524000"/>
+            <a:off x="9578893" y="7385290"/>
+            <a:ext cx="8081812" cy="3108543"/>
           </a:xfrm>
           <a:prstGeom prst="rect">
             <a:avLst/>
           </a:prstGeom>
           <a:noFill/>
-          <a:extLst>
-            <a:ext uri="{909E8E84-426E-40DD-AFC4-6F175D3DCCD1}">
-              <a14:hiddenFill xmlns:a14="http://schemas.microsoft.com/office/drawing/2010/main">
-                <a:solidFill>
-                  <a:srgbClr val="FFFFFF"/>
-                </a:solidFill>
-              </a14:hiddenFill>
-            </a:ext>
-          </a:extLst>
         </p:spPr>
         <p:txBody>
-          <a:bodyPr vert="horz" wrap="square" lIns="91440" tIns="45720" rIns="91440" bIns="45720" numCol="1" anchor="t" anchorCtr="0" compatLnSpc="1">
-            <a:prstTxWarp prst="textNoShape">
-              <a:avLst/>
-            </a:prstTxWarp>
+          <a:bodyPr wrap="square" rtlCol="0">
+            <a:spAutoFit/>
           </a:bodyPr>
           <a:lstStyle/>
           <a:p>
-            <a:endParaRPr lang="en-US"/>
+            <a:r>
+              <a:rPr lang="en-US" sz="2800" dirty="0" smtClean="0"/>
+              <a:t>We use the spanning tree algorithm, which treat the image as a graph, and assign edge to every two adjacent pixels, according to their difference in color. </a:t>
+            </a:r>
+            <a:r>
+              <a:rPr lang="en-US" sz="2800" dirty="0" smtClean="0"/>
+              <a:t>After we construct the graph, we find the minimum spanning tree for this graph, and cut some edges with weights over a threshold to get a forest.</a:t>
+            </a:r>
+            <a:endParaRPr lang="en-US" sz="2800" dirty="0"/>
           </a:p>
         </p:txBody>
       </p:sp>
       <p:grpSp>
         <p:nvGrpSpPr>
-          <p:cNvPr id="35" name="Group 34"/>
+          <p:cNvPr id="56" name="Group 55"/>
           <p:cNvGrpSpPr/>
           <p:nvPr/>
         </p:nvGrpSpPr>
         <p:grpSpPr>
           <a:xfrm>
-            <a:off x="11544300" y="3889081"/>
-            <a:ext cx="6090756" cy="1256571"/>
-            <a:chOff x="9518176" y="3731681"/>
-            <a:chExt cx="8679746" cy="1790700"/>
+            <a:off x="9761429" y="6417707"/>
+            <a:ext cx="3478988" cy="800396"/>
+            <a:chOff x="9761429" y="6597819"/>
+            <a:chExt cx="3478988" cy="800396"/>
+          </a:xfrm>
+        </p:grpSpPr>
+        <p:sp>
+          <p:nvSpPr>
+            <p:cNvPr id="91" name="Rounded Rectangle 90"/>
+            <p:cNvSpPr/>
+            <p:nvPr/>
+          </p:nvSpPr>
+          <p:spPr>
+            <a:xfrm>
+              <a:off x="9761429" y="6597819"/>
+              <a:ext cx="3478988" cy="800396"/>
+            </a:xfrm>
+            <a:prstGeom prst="roundRect">
+              <a:avLst/>
+            </a:prstGeom>
+          </p:spPr>
+          <p:style>
+            <a:lnRef idx="2">
+              <a:schemeClr val="dk1">
+                <a:shade val="50000"/>
+              </a:schemeClr>
+            </a:lnRef>
+            <a:fillRef idx="1">
+              <a:schemeClr val="dk1"/>
+            </a:fillRef>
+            <a:effectRef idx="0">
+              <a:schemeClr val="dk1"/>
+            </a:effectRef>
+            <a:fontRef idx="minor">
+              <a:schemeClr val="lt1"/>
+            </a:fontRef>
+          </p:style>
+          <p:txBody>
+            <a:bodyPr rtlCol="0" anchor="ctr"/>
+            <a:lstStyle/>
+            <a:p>
+              <a:pPr algn="ctr"/>
+              <a:endParaRPr lang="en-US"/>
+            </a:p>
+          </p:txBody>
+        </p:sp>
+        <p:pic>
+          <p:nvPicPr>
+            <p:cNvPr id="13" name="Picture 12"/>
+            <p:cNvPicPr>
+              <a:picLocks noChangeAspect="1"/>
+            </p:cNvPicPr>
+            <p:nvPr/>
+          </p:nvPicPr>
+          <p:blipFill>
+            <a:blip r:embed="rId39">
+              <a:extLst>
+                <a:ext uri="{28A0092B-C50C-407E-A947-70E740481C1C}">
+                  <a14:useLocalDpi xmlns:a14="http://schemas.microsoft.com/office/drawing/2010/main" val="0"/>
+                </a:ext>
+              </a:extLst>
+            </a:blip>
+            <a:stretch>
+              <a:fillRect/>
+            </a:stretch>
+          </p:blipFill>
+          <p:spPr>
+            <a:xfrm>
+              <a:off x="9902146" y="6755501"/>
+              <a:ext cx="3177574" cy="369249"/>
+            </a:xfrm>
+            <a:prstGeom prst="rect">
+              <a:avLst/>
+            </a:prstGeom>
+          </p:spPr>
+        </p:pic>
+      </p:grpSp>
+      <p:grpSp>
+        <p:nvGrpSpPr>
+          <p:cNvPr id="57" name="Group 56"/>
+          <p:cNvGrpSpPr/>
+          <p:nvPr/>
+        </p:nvGrpSpPr>
+        <p:grpSpPr>
+          <a:xfrm>
+            <a:off x="9756915" y="5257435"/>
+            <a:ext cx="3478988" cy="800396"/>
+            <a:chOff x="9729012" y="5257435"/>
+            <a:chExt cx="3478988" cy="800396"/>
+          </a:xfrm>
+        </p:grpSpPr>
+        <p:sp>
+          <p:nvSpPr>
+            <p:cNvPr id="29" name="Rounded Rectangle 28"/>
+            <p:cNvSpPr/>
+            <p:nvPr/>
+          </p:nvSpPr>
+          <p:spPr>
+            <a:xfrm>
+              <a:off x="9729012" y="5257435"/>
+              <a:ext cx="3478988" cy="800396"/>
+            </a:xfrm>
+            <a:prstGeom prst="roundRect">
+              <a:avLst/>
+            </a:prstGeom>
+          </p:spPr>
+          <p:style>
+            <a:lnRef idx="2">
+              <a:schemeClr val="dk1">
+                <a:shade val="50000"/>
+              </a:schemeClr>
+            </a:lnRef>
+            <a:fillRef idx="1">
+              <a:schemeClr val="dk1"/>
+            </a:fillRef>
+            <a:effectRef idx="0">
+              <a:schemeClr val="dk1"/>
+            </a:effectRef>
+            <a:fontRef idx="minor">
+              <a:schemeClr val="lt1"/>
+            </a:fontRef>
+          </p:style>
+          <p:txBody>
+            <a:bodyPr rtlCol="0" anchor="ctr"/>
+            <a:lstStyle/>
+            <a:p>
+              <a:pPr algn="ctr"/>
+              <a:endParaRPr lang="en-US"/>
+            </a:p>
+          </p:txBody>
+        </p:sp>
+        <p:pic>
+          <p:nvPicPr>
+            <p:cNvPr id="25" name="Picture 24"/>
+            <p:cNvPicPr>
+              <a:picLocks noChangeAspect="1"/>
+            </p:cNvPicPr>
+            <p:nvPr/>
+          </p:nvPicPr>
+          <p:blipFill>
+            <a:blip r:embed="rId40">
+              <a:extLst>
+                <a:ext uri="{28A0092B-C50C-407E-A947-70E740481C1C}">
+                  <a14:useLocalDpi xmlns:a14="http://schemas.microsoft.com/office/drawing/2010/main" val="0"/>
+                </a:ext>
+              </a:extLst>
+            </a:blip>
+            <a:stretch>
+              <a:fillRect/>
+            </a:stretch>
+          </p:blipFill>
+          <p:spPr>
+            <a:xfrm>
+              <a:off x="9956896" y="5422564"/>
+              <a:ext cx="3006595" cy="349380"/>
+            </a:xfrm>
+            <a:prstGeom prst="rect">
+              <a:avLst/>
+            </a:prstGeom>
+          </p:spPr>
+        </p:pic>
+      </p:grpSp>
+      <p:grpSp>
+        <p:nvGrpSpPr>
+          <p:cNvPr id="45" name="Group 44"/>
+          <p:cNvGrpSpPr/>
+          <p:nvPr/>
+        </p:nvGrpSpPr>
+        <p:grpSpPr>
+          <a:xfrm>
+            <a:off x="476691" y="4078656"/>
+            <a:ext cx="8419511" cy="4138947"/>
+            <a:chOff x="476691" y="4078656"/>
+            <a:chExt cx="8419511" cy="4138947"/>
           </a:xfrm>
         </p:grpSpPr>
         <p:pic>
           <p:nvPicPr>
-            <p:cNvPr id="1028" name="Picture 4" descr="http://rebelbox.com/wp-content/uploads/2013/07/c-logo.jpg"/>
+            <p:cNvPr id="96" name="Picture 2" descr="http://neuralnetworksanddeeplearning.com/images/KSH.jpg"/>
             <p:cNvPicPr>
               <a:picLocks noChangeAspect="1" noChangeArrowheads="1"/>
             </p:cNvPicPr>
             <p:nvPr/>
           </p:nvPicPr>
           <p:blipFill>
-            <a:blip r:embed="rId6">
+            <a:blip r:embed="rId41">
               <a:extLst>
                 <a:ext uri="{28A0092B-C50C-407E-A947-70E740481C1C}">
                   <a14:useLocalDpi xmlns:a14="http://schemas.microsoft.com/office/drawing/2010/main" val="0"/>
@@ -12455,8 +18315,8 @@
           </p:blipFill>
           <p:spPr bwMode="auto">
             <a:xfrm>
-              <a:off x="16747610" y="3760104"/>
-              <a:ext cx="1450312" cy="1524000"/>
+              <a:off x="604105" y="6061721"/>
+              <a:ext cx="8292097" cy="2000593"/>
             </a:xfrm>
             <a:prstGeom prst="rect">
               <a:avLst/>
@@ -12473,417 +18333,92 @@
             </a:extLst>
           </p:spPr>
         </p:pic>
-        <p:pic>
-          <p:nvPicPr>
-            <p:cNvPr id="1030" name="Picture 6" descr="http://www.unixstickers.com/image/data/stickers/binbash/Bash-new.sh.png"/>
-            <p:cNvPicPr>
-              <a:picLocks noChangeAspect="1" noChangeArrowheads="1"/>
-            </p:cNvPicPr>
-            <p:nvPr/>
-          </p:nvPicPr>
-          <p:blipFill>
-            <a:blip r:embed="rId7">
-              <a:extLst>
-                <a:ext uri="{28A0092B-C50C-407E-A947-70E740481C1C}">
-                  <a14:useLocalDpi xmlns:a14="http://schemas.microsoft.com/office/drawing/2010/main" val="0"/>
-                </a:ext>
-              </a:extLst>
-            </a:blip>
-            <a:srcRect/>
-            <a:stretch>
-              <a:fillRect/>
-            </a:stretch>
-          </p:blipFill>
-          <p:spPr bwMode="auto">
-            <a:xfrm>
-              <a:off x="14956910" y="3731681"/>
-              <a:ext cx="1790700" cy="1790700"/>
-            </a:xfrm>
-            <a:prstGeom prst="rect">
-              <a:avLst/>
-            </a:prstGeom>
-            <a:noFill/>
-            <a:extLst>
-              <a:ext uri="{909E8E84-426E-40DD-AFC4-6F175D3DCCD1}">
-                <a14:hiddenFill xmlns:a14="http://schemas.microsoft.com/office/drawing/2010/main">
-                  <a:solidFill>
-                    <a:srgbClr val="FFFFFF"/>
-                  </a:solidFill>
-                </a14:hiddenFill>
-              </a:ext>
-            </a:extLst>
-          </p:spPr>
-        </p:pic>
-        <p:pic>
-          <p:nvPicPr>
-            <p:cNvPr id="28" name="Picture 27"/>
-            <p:cNvPicPr>
-              <a:picLocks noChangeAspect="1"/>
-            </p:cNvPicPr>
-            <p:nvPr/>
-          </p:nvPicPr>
-          <p:blipFill>
-            <a:blip r:embed="rId8"/>
-            <a:stretch>
-              <a:fillRect/>
-            </a:stretch>
-          </p:blipFill>
-          <p:spPr>
-            <a:xfrm>
-              <a:off x="13342896" y="3829264"/>
-              <a:ext cx="1494471" cy="1524000"/>
-            </a:xfrm>
-            <a:prstGeom prst="rect">
-              <a:avLst/>
-            </a:prstGeom>
-          </p:spPr>
-        </p:pic>
-        <p:pic>
-          <p:nvPicPr>
-            <p:cNvPr id="1038" name="Picture 14" descr="http://pythonhow.com/wp-content/uploads/2016/01/python-logo-python-how.png"/>
-            <p:cNvPicPr>
-              <a:picLocks noChangeAspect="1" noChangeArrowheads="1"/>
-            </p:cNvPicPr>
-            <p:nvPr/>
-          </p:nvPicPr>
-          <p:blipFill>
-            <a:blip r:embed="rId9">
-              <a:extLst>
-                <a:ext uri="{28A0092B-C50C-407E-A947-70E740481C1C}">
-                  <a14:useLocalDpi xmlns:a14="http://schemas.microsoft.com/office/drawing/2010/main" val="0"/>
-                </a:ext>
-              </a:extLst>
-            </a:blip>
-            <a:srcRect/>
-            <a:stretch>
-              <a:fillRect/>
-            </a:stretch>
-          </p:blipFill>
-          <p:spPr bwMode="auto">
-            <a:xfrm>
-              <a:off x="11488861" y="3871744"/>
-              <a:ext cx="1524000" cy="1524000"/>
-            </a:xfrm>
-            <a:prstGeom prst="rect">
-              <a:avLst/>
-            </a:prstGeom>
-            <a:noFill/>
-            <a:extLst>
-              <a:ext uri="{909E8E84-426E-40DD-AFC4-6F175D3DCCD1}">
-                <a14:hiddenFill xmlns:a14="http://schemas.microsoft.com/office/drawing/2010/main">
-                  <a:solidFill>
-                    <a:srgbClr val="FFFFFF"/>
-                  </a:solidFill>
-                </a14:hiddenFill>
-              </a:ext>
-            </a:extLst>
-          </p:spPr>
-        </p:pic>
-        <p:pic>
-          <p:nvPicPr>
-            <p:cNvPr id="30" name="Picture 29"/>
-            <p:cNvPicPr>
-              <a:picLocks noChangeAspect="1"/>
-            </p:cNvPicPr>
-            <p:nvPr/>
-          </p:nvPicPr>
-          <p:blipFill>
-            <a:blip r:embed="rId10"/>
-            <a:stretch>
-              <a:fillRect/>
-            </a:stretch>
-          </p:blipFill>
-          <p:spPr>
-            <a:xfrm>
-              <a:off x="9518176" y="4240710"/>
-              <a:ext cx="1805667" cy="904875"/>
-            </a:xfrm>
-            <a:prstGeom prst="rect">
-              <a:avLst/>
-            </a:prstGeom>
-          </p:spPr>
-        </p:pic>
-      </p:grpSp>
-      <p:sp>
-        <p:nvSpPr>
-          <p:cNvPr id="33" name="TextBox 32"/>
-          <p:cNvSpPr txBox="1"/>
-          <p:nvPr/>
-        </p:nvSpPr>
-        <p:spPr>
-          <a:xfrm>
-            <a:off x="13951958" y="13326684"/>
-            <a:ext cx="1144865" cy="400110"/>
-          </a:xfrm>
-          <a:prstGeom prst="rect">
-            <a:avLst/>
-          </a:prstGeom>
-          <a:noFill/>
-        </p:spPr>
-        <p:txBody>
-          <a:bodyPr wrap="none" rtlCol="0">
-            <a:spAutoFit/>
-          </a:bodyPr>
-          <a:lstStyle/>
-          <a:p>
-            <a:r>
-              <a:rPr lang="en-US" sz="2000" dirty="0" smtClean="0">
-                <a:ln w="0"/>
-                <a:solidFill>
-                  <a:schemeClr val="accent1"/>
-                </a:solidFill>
-                <a:effectLst>
-                  <a:outerShdw blurRad="38100" dist="25400" dir="5400000" algn="ctr" rotWithShape="0">
-                    <a:srgbClr val="6E747A">
-                      <a:alpha val="43000"/>
-                    </a:srgbClr>
-                  </a:outerShdw>
-                </a:effectLst>
-              </a:rPr>
-              <a:t>28x28x1</a:t>
-            </a:r>
-            <a:endParaRPr lang="en-US" sz="2000" dirty="0">
-              <a:ln w="0"/>
-              <a:solidFill>
-                <a:schemeClr val="accent1"/>
-              </a:solidFill>
-              <a:effectLst>
-                <a:outerShdw blurRad="38100" dist="25400" dir="5400000" algn="ctr" rotWithShape="0">
-                  <a:srgbClr val="6E747A">
-                    <a:alpha val="43000"/>
-                  </a:srgbClr>
-                </a:outerShdw>
-              </a:effectLst>
-            </a:endParaRPr>
-          </a:p>
-        </p:txBody>
-      </p:sp>
-      <p:grpSp>
-        <p:nvGrpSpPr>
-          <p:cNvPr id="37" name="Group 36"/>
-          <p:cNvGrpSpPr/>
-          <p:nvPr/>
-        </p:nvGrpSpPr>
-        <p:grpSpPr>
-          <a:xfrm>
-            <a:off x="9416779" y="12038002"/>
-            <a:ext cx="8391646" cy="15174410"/>
-            <a:chOff x="9606987" y="12038002"/>
-            <a:chExt cx="8391646" cy="15174410"/>
-          </a:xfrm>
-        </p:grpSpPr>
+        <p:graphicFrame>
+          <p:nvGraphicFramePr>
+            <p:cNvPr id="32" name="Diagram 31"/>
+            <p:cNvGraphicFramePr/>
+            <p:nvPr>
+              <p:extLst>
+                <p:ext uri="{D42A27DB-BD31-4B8C-83A1-F6EECF244321}">
+                  <p14:modId xmlns:p14="http://schemas.microsoft.com/office/powerpoint/2010/main" val="3599924030"/>
+                </p:ext>
+              </p:extLst>
+            </p:nvPr>
+          </p:nvGraphicFramePr>
+          <p:xfrm>
+            <a:off x="682646" y="4256324"/>
+            <a:ext cx="8063871" cy="2797371"/>
+          </p:xfrm>
+          <a:graphic>
+            <a:graphicData uri="http://schemas.openxmlformats.org/drawingml/2006/diagram">
+              <dgm:relIds xmlns:dgm="http://schemas.openxmlformats.org/drawingml/2006/diagram" xmlns:r="http://schemas.openxmlformats.org/officeDocument/2006/relationships" r:dm="rId42" r:lo="rId43" r:qs="rId44" r:cs="rId45"/>
+            </a:graphicData>
+          </a:graphic>
+        </p:graphicFrame>
         <p:grpSp>
           <p:nvGrpSpPr>
-            <p:cNvPr id="12" name="Group 11"/>
+            <p:cNvPr id="39" name="Group 38"/>
             <p:cNvGrpSpPr/>
             <p:nvPr/>
           </p:nvGrpSpPr>
           <p:grpSpPr>
             <a:xfrm>
-              <a:off x="9606987" y="12038002"/>
-              <a:ext cx="8391646" cy="15174410"/>
-              <a:chOff x="9606987" y="4182168"/>
-              <a:chExt cx="8391646" cy="15174410"/>
+              <a:off x="476691" y="4078656"/>
+              <a:ext cx="8396147" cy="4138947"/>
+              <a:chOff x="633142" y="3763075"/>
+              <a:chExt cx="8396147" cy="4138947"/>
             </a:xfrm>
           </p:grpSpPr>
-          <p:grpSp>
-            <p:nvGrpSpPr>
-              <p:cNvPr id="23" name="Group 22"/>
-              <p:cNvGrpSpPr/>
-              <p:nvPr/>
-            </p:nvGrpSpPr>
-            <p:grpSpPr>
-              <a:xfrm>
-                <a:off x="9606987" y="5027119"/>
-                <a:ext cx="8391646" cy="14329459"/>
-                <a:chOff x="317500" y="2743199"/>
-                <a:chExt cx="8391646" cy="14329459"/>
-              </a:xfrm>
-            </p:grpSpPr>
-            <p:grpSp>
-              <p:nvGrpSpPr>
-                <p:cNvPr id="9" name="Group 8"/>
-                <p:cNvGrpSpPr/>
-                <p:nvPr/>
-              </p:nvGrpSpPr>
-              <p:grpSpPr>
-                <a:xfrm>
-                  <a:off x="4516732" y="3242870"/>
-                  <a:ext cx="3901440" cy="10170116"/>
-                  <a:chOff x="3130366" y="4122547"/>
-                  <a:chExt cx="3901440" cy="10170116"/>
-                </a:xfrm>
-              </p:grpSpPr>
-              <p:pic>
-                <p:nvPicPr>
-                  <p:cNvPr id="2" name="Picture 1"/>
-                  <p:cNvPicPr>
-                    <a:picLocks noChangeAspect="1"/>
-                  </p:cNvPicPr>
-                  <p:nvPr/>
-                </p:nvPicPr>
-                <p:blipFill>
-                  <a:blip r:embed="rId11">
-                    <a:extLst>
-                      <a:ext uri="{28A0092B-C50C-407E-A947-70E740481C1C}">
-                        <a14:useLocalDpi xmlns:a14="http://schemas.microsoft.com/office/drawing/2010/main" val="0"/>
-                      </a:ext>
-                    </a:extLst>
-                  </a:blip>
-                  <a:stretch>
-                    <a:fillRect/>
-                  </a:stretch>
-                </p:blipFill>
-                <p:spPr>
-                  <a:xfrm>
-                    <a:off x="6219915" y="4122547"/>
-                    <a:ext cx="688340" cy="688340"/>
-                  </a:xfrm>
-                  <a:prstGeom prst="rect">
-                    <a:avLst/>
-                  </a:prstGeom>
-                </p:spPr>
-              </p:pic>
-              <p:pic>
-                <p:nvPicPr>
-                  <p:cNvPr id="3" name="Picture 2"/>
-                  <p:cNvPicPr>
-                    <a:picLocks noChangeAspect="1"/>
-                  </p:cNvPicPr>
-                  <p:nvPr/>
-                </p:nvPicPr>
-                <p:blipFill rotWithShape="1">
-                  <a:blip r:embed="rId12">
-                    <a:extLst>
-                      <a:ext uri="{28A0092B-C50C-407E-A947-70E740481C1C}">
-                        <a14:useLocalDpi xmlns:a14="http://schemas.microsoft.com/office/drawing/2010/main" val="0"/>
-                      </a:ext>
-                    </a:extLst>
-                  </a:blip>
-                  <a:srcRect b="20469"/>
-                  <a:stretch/>
-                </p:blipFill>
-                <p:spPr>
-                  <a:xfrm>
-                    <a:off x="3130366" y="6979029"/>
-                    <a:ext cx="3901440" cy="3102854"/>
-                  </a:xfrm>
-                  <a:prstGeom prst="rect">
-                    <a:avLst/>
-                  </a:prstGeom>
-                </p:spPr>
-              </p:pic>
-              <p:pic>
-                <p:nvPicPr>
-                  <p:cNvPr id="5" name="Picture 4"/>
-                  <p:cNvPicPr>
-                    <a:picLocks noChangeAspect="1"/>
-                  </p:cNvPicPr>
-                  <p:nvPr/>
-                </p:nvPicPr>
-                <p:blipFill>
-                  <a:blip r:embed="rId13">
-                    <a:extLst>
-                      <a:ext uri="{28A0092B-C50C-407E-A947-70E740481C1C}">
-                        <a14:useLocalDpi xmlns:a14="http://schemas.microsoft.com/office/drawing/2010/main" val="0"/>
-                      </a:ext>
-                    </a:extLst>
-                  </a:blip>
-                  <a:stretch>
-                    <a:fillRect/>
-                  </a:stretch>
-                </p:blipFill>
-                <p:spPr>
-                  <a:xfrm>
-                    <a:off x="3130366" y="10391223"/>
-                    <a:ext cx="3901440" cy="3901440"/>
-                  </a:xfrm>
-                  <a:prstGeom prst="rect">
-                    <a:avLst/>
-                  </a:prstGeom>
-                </p:spPr>
-              </p:pic>
-              <p:pic>
-                <p:nvPicPr>
-                  <p:cNvPr id="6" name="Picture 5"/>
-                  <p:cNvPicPr>
-                    <a:picLocks noChangeAspect="1"/>
-                  </p:cNvPicPr>
-                  <p:nvPr/>
-                </p:nvPicPr>
-                <p:blipFill rotWithShape="1">
-                  <a:blip r:embed="rId14">
-                    <a:extLst>
-                      <a:ext uri="{28A0092B-C50C-407E-A947-70E740481C1C}">
-                        <a14:useLocalDpi xmlns:a14="http://schemas.microsoft.com/office/drawing/2010/main" val="0"/>
-                      </a:ext>
-                    </a:extLst>
-                  </a:blip>
-                  <a:srcRect b="21295"/>
-                  <a:stretch/>
-                </p:blipFill>
-                <p:spPr>
-                  <a:xfrm>
-                    <a:off x="4773410" y="5113452"/>
-                    <a:ext cx="2251926" cy="1772378"/>
-                  </a:xfrm>
-                  <a:prstGeom prst="rect">
-                    <a:avLst/>
-                  </a:prstGeom>
-                </p:spPr>
-              </p:pic>
-            </p:grpSp>
-            <p:sp>
-              <p:nvSpPr>
-                <p:cNvPr id="21" name="Rectangle 20"/>
-                <p:cNvSpPr/>
-                <p:nvPr/>
-              </p:nvSpPr>
-              <p:spPr>
-                <a:xfrm>
-                  <a:off x="317500" y="2743199"/>
-                  <a:ext cx="8391646" cy="14329459"/>
-                </a:xfrm>
-                <a:prstGeom prst="rect">
-                  <a:avLst/>
-                </a:prstGeom>
-                <a:noFill/>
-              </p:spPr>
-              <p:style>
-                <a:lnRef idx="2">
-                  <a:schemeClr val="accent1">
-                    <a:shade val="50000"/>
-                  </a:schemeClr>
-                </a:lnRef>
-                <a:fillRef idx="1">
-                  <a:schemeClr val="accent1"/>
-                </a:fillRef>
-                <a:effectRef idx="0">
-                  <a:schemeClr val="accent1"/>
-                </a:effectRef>
-                <a:fontRef idx="minor">
-                  <a:schemeClr val="lt1"/>
-                </a:fontRef>
-              </p:style>
-              <p:txBody>
-                <a:bodyPr rtlCol="0" anchor="ctr"/>
-                <a:lstStyle/>
-                <a:p>
-                  <a:pPr algn="ctr"/>
-                  <a:endParaRPr lang="en-US"/>
-                </a:p>
-              </p:txBody>
-            </p:sp>
-          </p:grpSp>
           <p:sp>
             <p:nvSpPr>
-              <p:cNvPr id="7" name="Rectangle 6"/>
+              <p:cNvPr id="116" name="Rectangle 115"/>
               <p:cNvSpPr/>
               <p:nvPr/>
             </p:nvSpPr>
             <p:spPr>
               <a:xfrm>
-                <a:off x="9606987" y="4182168"/>
+                <a:off x="633142" y="4608028"/>
+                <a:ext cx="8391646" cy="3293994"/>
+              </a:xfrm>
+              <a:prstGeom prst="rect">
+                <a:avLst/>
+              </a:prstGeom>
+              <a:noFill/>
+            </p:spPr>
+            <p:style>
+              <a:lnRef idx="2">
+                <a:schemeClr val="accent1">
+                  <a:shade val="50000"/>
+                </a:schemeClr>
+              </a:lnRef>
+              <a:fillRef idx="1">
+                <a:schemeClr val="accent1"/>
+              </a:fillRef>
+              <a:effectRef idx="0">
+                <a:schemeClr val="accent1"/>
+              </a:effectRef>
+              <a:fontRef idx="minor">
+                <a:schemeClr val="lt1"/>
+              </a:fontRef>
+            </p:style>
+            <p:txBody>
+              <a:bodyPr rtlCol="0" anchor="ctr"/>
+              <a:lstStyle/>
+              <a:p>
+                <a:pPr algn="ctr"/>
+                <a:endParaRPr lang="en-US"/>
+              </a:p>
+            </p:txBody>
+          </p:sp>
+          <p:sp>
+            <p:nvSpPr>
+              <p:cNvPr id="117" name="Rectangle 116"/>
+              <p:cNvSpPr/>
+              <p:nvPr/>
+            </p:nvSpPr>
+            <p:spPr>
+              <a:xfrm>
+                <a:off x="637643" y="3763075"/>
                 <a:ext cx="8391646" cy="844951"/>
               </a:xfrm>
               <a:prstGeom prst="rect">
@@ -12912,1045 +18447,25 @@
               <a:p>
                 <a:pPr algn="ctr"/>
                 <a:r>
-                  <a:rPr lang="en-US" sz="3600" dirty="0"/>
-                  <a:t>Convolutional Neural Network</a:t>
+                  <a:rPr lang="en-US" sz="3600" dirty="0" smtClean="0"/>
+                  <a:t>System Architecture</a:t>
                 </a:r>
+                <a:endParaRPr lang="en-US" sz="3600" dirty="0"/>
               </a:p>
             </p:txBody>
           </p:sp>
         </p:grpSp>
-        <p:graphicFrame>
-          <p:nvGraphicFramePr>
-            <p:cNvPr id="18" name="Diagram 17"/>
-            <p:cNvGraphicFramePr/>
-            <p:nvPr>
-              <p:extLst>
-                <p:ext uri="{D42A27DB-BD31-4B8C-83A1-F6EECF244321}">
-                  <p14:modId xmlns:p14="http://schemas.microsoft.com/office/powerpoint/2010/main" val="1534351366"/>
-                </p:ext>
-              </p:extLst>
-            </p:nvPr>
-          </p:nvGraphicFramePr>
-          <p:xfrm>
-            <a:off x="9989570" y="13385276"/>
-            <a:ext cx="2668545" cy="12532048"/>
-          </p:xfrm>
-          <a:graphic>
-            <a:graphicData uri="http://schemas.openxmlformats.org/drawingml/2006/diagram">
-              <dgm:relIds xmlns:dgm="http://schemas.openxmlformats.org/drawingml/2006/diagram" xmlns:r="http://schemas.openxmlformats.org/officeDocument/2006/relationships" r:dm="rId15" r:lo="rId16" r:qs="rId17" r:cs="rId18"/>
-            </a:graphicData>
-          </a:graphic>
-        </p:graphicFrame>
-      </p:grpSp>
-      <p:cxnSp>
-        <p:nvCxnSpPr>
-          <p:cNvPr id="27" name="Straight Arrow Connector 26"/>
-          <p:cNvCxnSpPr>
-            <a:stCxn id="2" idx="1"/>
-          </p:cNvCxnSpPr>
-          <p:nvPr/>
-        </p:nvCxnSpPr>
-        <p:spPr>
-          <a:xfrm flipH="1">
-            <a:off x="12382792" y="13726794"/>
-            <a:ext cx="4322768" cy="0"/>
-          </a:xfrm>
-          <a:prstGeom prst="straightConnector1">
-            <a:avLst/>
-          </a:prstGeom>
-          <a:ln w="79375">
-            <a:tailEnd type="triangle"/>
-          </a:ln>
-        </p:spPr>
-        <p:style>
-          <a:lnRef idx="1">
-            <a:schemeClr val="accent1"/>
-          </a:lnRef>
-          <a:fillRef idx="0">
-            <a:schemeClr val="accent1"/>
-          </a:fillRef>
-          <a:effectRef idx="0">
-            <a:schemeClr val="accent1"/>
-          </a:effectRef>
-          <a:fontRef idx="minor">
-            <a:schemeClr val="tx1"/>
-          </a:fontRef>
-        </p:style>
-      </p:cxnSp>
-      <p:cxnSp>
-        <p:nvCxnSpPr>
-          <p:cNvPr id="71" name="Straight Arrow Connector 70"/>
-          <p:cNvCxnSpPr/>
-          <p:nvPr/>
-        </p:nvCxnSpPr>
-        <p:spPr>
-          <a:xfrm>
-            <a:off x="12486248" y="14960868"/>
-            <a:ext cx="2772807" cy="0"/>
-          </a:xfrm>
-          <a:prstGeom prst="straightConnector1">
-            <a:avLst/>
-          </a:prstGeom>
-          <a:ln w="79375">
-            <a:tailEnd type="triangle"/>
-          </a:ln>
-        </p:spPr>
-        <p:style>
-          <a:lnRef idx="1">
-            <a:schemeClr val="accent1"/>
-          </a:lnRef>
-          <a:fillRef idx="0">
-            <a:schemeClr val="accent1"/>
-          </a:fillRef>
-          <a:effectRef idx="0">
-            <a:schemeClr val="accent1"/>
-          </a:effectRef>
-          <a:fontRef idx="minor">
-            <a:schemeClr val="tx1"/>
-          </a:fontRef>
-        </p:style>
-      </p:cxnSp>
-      <p:grpSp>
-        <p:nvGrpSpPr>
-          <p:cNvPr id="44" name="Group 43"/>
-          <p:cNvGrpSpPr/>
-          <p:nvPr/>
-        </p:nvGrpSpPr>
-        <p:grpSpPr>
-          <a:xfrm>
-            <a:off x="521699" y="22396077"/>
-            <a:ext cx="8396147" cy="4816335"/>
-            <a:chOff x="328878" y="4182168"/>
-            <a:chExt cx="8396147" cy="4816335"/>
-          </a:xfrm>
-        </p:grpSpPr>
-        <p:sp>
-          <p:nvSpPr>
-            <p:cNvPr id="47" name="Rectangle 46"/>
-            <p:cNvSpPr/>
-            <p:nvPr/>
-          </p:nvSpPr>
-          <p:spPr>
-            <a:xfrm>
-              <a:off x="328878" y="5027120"/>
-              <a:ext cx="8391646" cy="3971383"/>
-            </a:xfrm>
-            <a:prstGeom prst="rect">
-              <a:avLst/>
-            </a:prstGeom>
-            <a:noFill/>
-          </p:spPr>
-          <p:style>
-            <a:lnRef idx="2">
-              <a:schemeClr val="accent1">
-                <a:shade val="50000"/>
-              </a:schemeClr>
-            </a:lnRef>
-            <a:fillRef idx="1">
-              <a:schemeClr val="accent1"/>
-            </a:fillRef>
-            <a:effectRef idx="0">
-              <a:schemeClr val="accent1"/>
-            </a:effectRef>
-            <a:fontRef idx="minor">
-              <a:schemeClr val="lt1"/>
-            </a:fontRef>
-          </p:style>
-          <p:txBody>
-            <a:bodyPr rtlCol="0" anchor="ctr"/>
-            <a:lstStyle/>
-            <a:p>
-              <a:pPr algn="ctr"/>
-              <a:endParaRPr lang="en-US"/>
-            </a:p>
-          </p:txBody>
-        </p:sp>
-        <p:sp>
-          <p:nvSpPr>
-            <p:cNvPr id="48" name="Rectangle 47"/>
-            <p:cNvSpPr/>
-            <p:nvPr/>
-          </p:nvSpPr>
-          <p:spPr>
-            <a:xfrm>
-              <a:off x="333379" y="4182168"/>
-              <a:ext cx="8391646" cy="844951"/>
-            </a:xfrm>
-            <a:prstGeom prst="rect">
-              <a:avLst/>
-            </a:prstGeom>
-          </p:spPr>
-          <p:style>
-            <a:lnRef idx="2">
-              <a:schemeClr val="accent1">
-                <a:shade val="50000"/>
-              </a:schemeClr>
-            </a:lnRef>
-            <a:fillRef idx="1">
-              <a:schemeClr val="accent1"/>
-            </a:fillRef>
-            <a:effectRef idx="0">
-              <a:schemeClr val="accent1"/>
-            </a:effectRef>
-            <a:fontRef idx="minor">
-              <a:schemeClr val="lt1"/>
-            </a:fontRef>
-          </p:style>
-          <p:txBody>
-            <a:bodyPr rtlCol="0" anchor="ctr"/>
-            <a:lstStyle/>
-            <a:p>
-              <a:pPr algn="ctr"/>
-              <a:r>
-                <a:rPr lang="en-US" altLang="zh-CN" sz="3600" dirty="0" err="1" smtClean="0"/>
-                <a:t>Discusstion</a:t>
-              </a:r>
-              <a:endParaRPr lang="en-US" sz="3600" dirty="0"/>
-            </a:p>
-          </p:txBody>
-        </p:sp>
-      </p:grpSp>
-      <p:grpSp>
-        <p:nvGrpSpPr>
-          <p:cNvPr id="49" name="Group 48"/>
-          <p:cNvGrpSpPr/>
-          <p:nvPr/>
-        </p:nvGrpSpPr>
-        <p:grpSpPr>
-          <a:xfrm>
-            <a:off x="488043" y="15825016"/>
-            <a:ext cx="8409380" cy="6303835"/>
-            <a:chOff x="328878" y="4182168"/>
-            <a:chExt cx="8396147" cy="6065134"/>
-          </a:xfrm>
-        </p:grpSpPr>
-        <p:sp>
-          <p:nvSpPr>
-            <p:cNvPr id="50" name="Rectangle 49"/>
-            <p:cNvSpPr/>
-            <p:nvPr/>
-          </p:nvSpPr>
-          <p:spPr>
-            <a:xfrm>
-              <a:off x="328878" y="5027120"/>
-              <a:ext cx="8391646" cy="5220182"/>
-            </a:xfrm>
-            <a:prstGeom prst="rect">
-              <a:avLst/>
-            </a:prstGeom>
-            <a:noFill/>
-          </p:spPr>
-          <p:style>
-            <a:lnRef idx="2">
-              <a:schemeClr val="accent1">
-                <a:shade val="50000"/>
-              </a:schemeClr>
-            </a:lnRef>
-            <a:fillRef idx="1">
-              <a:schemeClr val="accent1"/>
-            </a:fillRef>
-            <a:effectRef idx="0">
-              <a:schemeClr val="accent1"/>
-            </a:effectRef>
-            <a:fontRef idx="minor">
-              <a:schemeClr val="lt1"/>
-            </a:fontRef>
-          </p:style>
-          <p:txBody>
-            <a:bodyPr rtlCol="0" anchor="ctr"/>
-            <a:lstStyle/>
-            <a:p>
-              <a:pPr algn="ctr"/>
-              <a:endParaRPr lang="en-US"/>
-            </a:p>
-          </p:txBody>
-        </p:sp>
-        <p:sp>
-          <p:nvSpPr>
-            <p:cNvPr id="51" name="Rectangle 50"/>
-            <p:cNvSpPr/>
-            <p:nvPr/>
-          </p:nvSpPr>
-          <p:spPr>
-            <a:xfrm>
-              <a:off x="333379" y="4182168"/>
-              <a:ext cx="8391646" cy="844951"/>
-            </a:xfrm>
-            <a:prstGeom prst="rect">
-              <a:avLst/>
-            </a:prstGeom>
-          </p:spPr>
-          <p:style>
-            <a:lnRef idx="2">
-              <a:schemeClr val="accent1">
-                <a:shade val="50000"/>
-              </a:schemeClr>
-            </a:lnRef>
-            <a:fillRef idx="1">
-              <a:schemeClr val="accent1"/>
-            </a:fillRef>
-            <a:effectRef idx="0">
-              <a:schemeClr val="accent1"/>
-            </a:effectRef>
-            <a:fontRef idx="minor">
-              <a:schemeClr val="lt1"/>
-            </a:fontRef>
-          </p:style>
-          <p:txBody>
-            <a:bodyPr rtlCol="0" anchor="ctr"/>
-            <a:lstStyle/>
-            <a:p>
-              <a:pPr algn="ctr"/>
-              <a:r>
-                <a:rPr lang="en-US" sz="3600" dirty="0" smtClean="0"/>
-                <a:t>Preprocessing</a:t>
-              </a:r>
-              <a:endParaRPr lang="en-US" sz="3600" dirty="0"/>
-            </a:p>
-          </p:txBody>
-        </p:sp>
-      </p:grpSp>
-      <p:grpSp>
-        <p:nvGrpSpPr>
-          <p:cNvPr id="1027" name="Group 1026"/>
-          <p:cNvGrpSpPr/>
-          <p:nvPr/>
-        </p:nvGrpSpPr>
-        <p:grpSpPr>
-          <a:xfrm>
-            <a:off x="488043" y="9427910"/>
-            <a:ext cx="8396147" cy="6109270"/>
-            <a:chOff x="488043" y="9427910"/>
-            <a:chExt cx="8396147" cy="6109270"/>
-          </a:xfrm>
-        </p:grpSpPr>
-        <p:grpSp>
-          <p:nvGrpSpPr>
-            <p:cNvPr id="62" name="Group 61"/>
-            <p:cNvGrpSpPr/>
-            <p:nvPr/>
-          </p:nvGrpSpPr>
-          <p:grpSpPr>
-            <a:xfrm>
-              <a:off x="488043" y="9427910"/>
-              <a:ext cx="8396147" cy="6109270"/>
-              <a:chOff x="488043" y="9427910"/>
-              <a:chExt cx="8396147" cy="6065134"/>
-            </a:xfrm>
-          </p:grpSpPr>
-          <p:grpSp>
-            <p:nvGrpSpPr>
-              <p:cNvPr id="52" name="Group 51"/>
-              <p:cNvGrpSpPr/>
-              <p:nvPr/>
-            </p:nvGrpSpPr>
-            <p:grpSpPr>
-              <a:xfrm>
-                <a:off x="488043" y="9427910"/>
-                <a:ext cx="8396147" cy="6065134"/>
-                <a:chOff x="328878" y="4182168"/>
-                <a:chExt cx="8396147" cy="6065134"/>
-              </a:xfrm>
-            </p:grpSpPr>
-            <p:sp>
-              <p:nvSpPr>
-                <p:cNvPr id="53" name="Rectangle 52"/>
-                <p:cNvSpPr/>
-                <p:nvPr/>
-              </p:nvSpPr>
-              <p:spPr>
-                <a:xfrm>
-                  <a:off x="328878" y="5027120"/>
-                  <a:ext cx="8391646" cy="5220182"/>
-                </a:xfrm>
-                <a:prstGeom prst="rect">
-                  <a:avLst/>
-                </a:prstGeom>
-                <a:noFill/>
-              </p:spPr>
-              <p:style>
-                <a:lnRef idx="2">
-                  <a:schemeClr val="accent1">
-                    <a:shade val="50000"/>
-                  </a:schemeClr>
-                </a:lnRef>
-                <a:fillRef idx="1">
-                  <a:schemeClr val="accent1"/>
-                </a:fillRef>
-                <a:effectRef idx="0">
-                  <a:schemeClr val="accent1"/>
-                </a:effectRef>
-                <a:fontRef idx="minor">
-                  <a:schemeClr val="lt1"/>
-                </a:fontRef>
-              </p:style>
-              <p:txBody>
-                <a:bodyPr rtlCol="0" anchor="ctr"/>
-                <a:lstStyle/>
-                <a:p>
-                  <a:pPr algn="ctr"/>
-                  <a:endParaRPr lang="en-US"/>
-                </a:p>
-              </p:txBody>
-            </p:sp>
-            <p:sp>
-              <p:nvSpPr>
-                <p:cNvPr id="54" name="Rectangle 53"/>
-                <p:cNvSpPr/>
-                <p:nvPr/>
-              </p:nvSpPr>
-              <p:spPr>
-                <a:xfrm>
-                  <a:off x="333379" y="4182168"/>
-                  <a:ext cx="8391646" cy="844951"/>
-                </a:xfrm>
-                <a:prstGeom prst="rect">
-                  <a:avLst/>
-                </a:prstGeom>
-              </p:spPr>
-              <p:style>
-                <a:lnRef idx="2">
-                  <a:schemeClr val="accent1">
-                    <a:shade val="50000"/>
-                  </a:schemeClr>
-                </a:lnRef>
-                <a:fillRef idx="1">
-                  <a:schemeClr val="accent1"/>
-                </a:fillRef>
-                <a:effectRef idx="0">
-                  <a:schemeClr val="accent1"/>
-                </a:effectRef>
-                <a:fontRef idx="minor">
-                  <a:schemeClr val="lt1"/>
-                </a:fontRef>
-              </p:style>
-              <p:txBody>
-                <a:bodyPr rtlCol="0" anchor="ctr"/>
-                <a:lstStyle/>
-                <a:p>
-                  <a:pPr algn="ctr"/>
-                  <a:r>
-                    <a:rPr lang="en-US" sz="3600" dirty="0"/>
-                    <a:t>Data Set</a:t>
-                  </a:r>
-                </a:p>
-              </p:txBody>
-            </p:sp>
-          </p:grpSp>
-          <p:sp>
-            <p:nvSpPr>
-              <p:cNvPr id="36" name="TextBox 35"/>
-              <p:cNvSpPr txBox="1"/>
-              <p:nvPr/>
-            </p:nvSpPr>
-            <p:spPr>
-              <a:xfrm>
-                <a:off x="1577340" y="10547271"/>
-                <a:ext cx="7129425" cy="2536090"/>
-              </a:xfrm>
-              <a:prstGeom prst="rect">
-                <a:avLst/>
-              </a:prstGeom>
-              <a:noFill/>
-            </p:spPr>
-            <p:txBody>
-              <a:bodyPr wrap="square" rtlCol="0">
-                <a:spAutoFit/>
-              </a:bodyPr>
-              <a:lstStyle/>
-              <a:p>
-                <a:pPr algn="just"/>
-                <a:r>
-                  <a:rPr lang="en-US" sz="3200" dirty="0" smtClean="0"/>
-                  <a:t>Digits          MNIST</a:t>
-                </a:r>
-                <a:br>
-                  <a:rPr lang="en-US" sz="3200" dirty="0" smtClean="0"/>
-                </a:br>
-                <a:r>
-                  <a:rPr lang="en-US" sz="3200" dirty="0" smtClean="0"/>
-                  <a:t>English         Chars74K, Write-Math</a:t>
-                </a:r>
-                <a:br>
-                  <a:rPr lang="en-US" sz="3200" dirty="0" smtClean="0"/>
-                </a:br>
-                <a:r>
-                  <a:rPr lang="en-US" sz="3200" dirty="0" smtClean="0"/>
-                  <a:t>Greek         </a:t>
-                </a:r>
-                <a:r>
-                  <a:rPr lang="en-US" sz="3200" dirty="0" err="1" smtClean="0"/>
-                  <a:t>Detexify</a:t>
-                </a:r>
-                <a:r>
-                  <a:rPr lang="en-US" sz="3200" dirty="0"/>
-                  <a:t/>
-                </a:r>
-                <a:br>
-                  <a:rPr lang="en-US" sz="3200" dirty="0"/>
-                </a:br>
-                <a:r>
-                  <a:rPr lang="en-US" sz="3200" dirty="0" smtClean="0"/>
-                  <a:t>Math Symbols           Write-Math</a:t>
-                </a:r>
-                <a:br>
-                  <a:rPr lang="en-US" sz="3200" dirty="0" smtClean="0"/>
-                </a:br>
-                <a:endParaRPr lang="en-US" sz="3200" dirty="0" smtClean="0"/>
-              </a:p>
-            </p:txBody>
-          </p:sp>
-        </p:grpSp>
-        <mc:AlternateContent xmlns:mc="http://schemas.openxmlformats.org/markup-compatibility/2006" xmlns:a14="http://schemas.microsoft.com/office/drawing/2010/main">
-          <mc:Choice Requires="a14">
-            <p:sp>
-              <p:nvSpPr>
-                <p:cNvPr id="1025" name="TextBox 1024"/>
-                <p:cNvSpPr txBox="1"/>
-                <p:nvPr/>
-              </p:nvSpPr>
-              <p:spPr>
-                <a:xfrm>
-                  <a:off x="853440" y="10566847"/>
-                  <a:ext cx="723900" cy="2080891"/>
-                </a:xfrm>
-                <a:prstGeom prst="rect">
-                  <a:avLst/>
-                </a:prstGeom>
-                <a:noFill/>
-              </p:spPr>
-              <p:txBody>
-                <a:bodyPr wrap="square" rtlCol="0">
-                  <a:spAutoFit/>
-                </a:bodyPr>
-                <a:lstStyle/>
-                <a:p>
-                  <a:pPr algn="ctr"/>
-                  <a:r>
-                    <a:rPr lang="en-US" sz="3200" b="1" dirty="0" smtClean="0">
-                      <a:effectLst>
-                        <a:outerShdw blurRad="38100" dist="38100" dir="2700000" algn="tl">
-                          <a:srgbClr val="000000">
-                            <a:alpha val="43137"/>
-                          </a:srgbClr>
-                        </a:outerShdw>
-                      </a:effectLst>
-                    </a:rPr>
-                    <a:t>7</a:t>
-                  </a:r>
-                </a:p>
-                <a:p>
-                  <a:pPr algn="ctr"/>
-                  <a:r>
-                    <a:rPr lang="en-US" sz="3200" b="1" dirty="0" smtClean="0">
-                      <a:effectLst>
-                        <a:outerShdw blurRad="38100" dist="38100" dir="2700000" algn="tl">
-                          <a:srgbClr val="000000">
-                            <a:alpha val="43137"/>
-                          </a:srgbClr>
-                        </a:outerShdw>
-                      </a:effectLst>
-                    </a:rPr>
-                    <a:t>K</a:t>
-                  </a:r>
-                </a:p>
-                <a:p>
-                  <a:pPr algn="ctr"/>
-                  <a:r>
-                    <a:rPr lang="en-US" sz="3200" b="1" dirty="0" smtClean="0">
-                      <a:effectLst>
-                        <a:outerShdw blurRad="38100" dist="38100" dir="2700000" algn="tl">
-                          <a:srgbClr val="000000">
-                            <a:alpha val="43137"/>
-                          </a:srgbClr>
-                        </a:outerShdw>
-                      </a:effectLst>
-                    </a:rPr>
-                    <a:t>Ψ</a:t>
-                  </a:r>
-                </a:p>
-                <a:p>
-                  <a:pPr algn="ctr"/>
-                  <a14:m>
-                    <m:oMathPara xmlns:m="http://schemas.openxmlformats.org/officeDocument/2006/math">
-                      <m:oMathParaPr>
-                        <m:jc m:val="centerGroup"/>
-                      </m:oMathParaPr>
-                      <m:oMath xmlns:m="http://schemas.openxmlformats.org/officeDocument/2006/math">
-                        <m:r>
-                          <a:rPr lang="en-US" sz="3200" b="1" i="1" smtClean="0">
-                            <a:effectLst>
-                              <a:outerShdw blurRad="38100" dist="38100" dir="2700000" algn="tl">
-                                <a:srgbClr val="000000">
-                                  <a:alpha val="43137"/>
-                                </a:srgbClr>
-                              </a:outerShdw>
-                            </a:effectLst>
-                            <a:latin typeface="Cambria Math" panose="02040503050406030204" pitchFamily="18" charset="0"/>
-                          </a:rPr>
-                          <m:t>∫</m:t>
-                        </m:r>
-                      </m:oMath>
-                    </m:oMathPara>
-                  </a14:m>
-                  <a:endParaRPr lang="en-US" sz="3200" b="1" i="1" dirty="0">
-                    <a:effectLst>
-                      <a:outerShdw blurRad="38100" dist="38100" dir="2700000" algn="tl">
-                        <a:srgbClr val="000000">
-                          <a:alpha val="43137"/>
-                        </a:srgbClr>
-                      </a:outerShdw>
-                    </a:effectLst>
-                  </a:endParaRPr>
-                </a:p>
-              </p:txBody>
-            </p:sp>
-          </mc:Choice>
-          <mc:Fallback xmlns="">
-            <p:sp>
-              <p:nvSpPr>
-                <p:cNvPr id="1025" name="TextBox 1024"/>
-                <p:cNvSpPr txBox="1">
-                  <a:spLocks noRot="1" noChangeAspect="1" noMove="1" noResize="1" noEditPoints="1" noAdjustHandles="1" noChangeArrowheads="1" noChangeShapeType="1" noTextEdit="1"/>
-                </p:cNvSpPr>
-                <p:nvPr/>
-              </p:nvSpPr>
-              <p:spPr>
-                <a:xfrm>
-                  <a:off x="853440" y="10566847"/>
-                  <a:ext cx="723900" cy="2080891"/>
-                </a:xfrm>
-                <a:prstGeom prst="rect">
-                  <a:avLst/>
-                </a:prstGeom>
-                <a:blipFill rotWithShape="0">
-                  <a:blip r:embed="rId20"/>
-                  <a:stretch>
-                    <a:fillRect l="-12605" t="-4094" r="-7563"/>
-                  </a:stretch>
-                </a:blipFill>
-              </p:spPr>
-              <p:txBody>
-                <a:bodyPr/>
-                <a:lstStyle/>
-                <a:p>
-                  <a:r>
-                    <a:rPr lang="en-US">
-                      <a:noFill/>
-                    </a:rPr>
-                    <a:t> </a:t>
-                  </a:r>
-                </a:p>
-              </p:txBody>
-            </p:sp>
-          </mc:Fallback>
-        </mc:AlternateContent>
       </p:grpSp>
       <p:sp>
         <p:nvSpPr>
-          <p:cNvPr id="1031" name="Rectangle 1030"/>
-          <p:cNvSpPr/>
-          <p:nvPr/>
-        </p:nvSpPr>
-        <p:spPr>
-          <a:xfrm>
-            <a:off x="315194" y="16033010"/>
-            <a:ext cx="184731" cy="757130"/>
-          </a:xfrm>
-          <a:prstGeom prst="rect">
-            <a:avLst/>
-          </a:prstGeom>
-        </p:spPr>
-        <p:txBody>
-          <a:bodyPr wrap="none">
-            <a:spAutoFit/>
-          </a:bodyPr>
-          <a:lstStyle/>
-          <a:p>
-            <a:endParaRPr lang="en-US" dirty="0"/>
-          </a:p>
-        </p:txBody>
-      </p:sp>
-      <p:sp>
-        <p:nvSpPr>
-          <p:cNvPr id="1035" name="Rectangle 1034"/>
-          <p:cNvSpPr/>
-          <p:nvPr/>
-        </p:nvSpPr>
-        <p:spPr>
-          <a:xfrm>
-            <a:off x="4076261" y="17018844"/>
-            <a:ext cx="1232843" cy="1132943"/>
-          </a:xfrm>
-          <a:prstGeom prst="rect">
-            <a:avLst/>
-          </a:prstGeom>
-        </p:spPr>
-        <p:style>
-          <a:lnRef idx="1">
-            <a:schemeClr val="accent1"/>
-          </a:lnRef>
-          <a:fillRef idx="2">
-            <a:schemeClr val="accent1"/>
-          </a:fillRef>
-          <a:effectRef idx="1">
-            <a:schemeClr val="accent1"/>
-          </a:effectRef>
-          <a:fontRef idx="minor">
-            <a:schemeClr val="dk1"/>
-          </a:fontRef>
-        </p:style>
-        <p:txBody>
-          <a:bodyPr rtlCol="0" anchor="ctr"/>
-          <a:lstStyle/>
-          <a:p>
-            <a:pPr algn="ctr"/>
-            <a:r>
-              <a:rPr lang="en-US" altLang="zh-CN" sz="2800" dirty="0" smtClean="0">
-                <a:solidFill>
-                  <a:schemeClr val="tx1"/>
-                </a:solidFill>
-              </a:rPr>
-              <a:t>SVG</a:t>
-            </a:r>
-            <a:endParaRPr lang="en-US" sz="2800" dirty="0">
-              <a:solidFill>
-                <a:schemeClr val="tx1"/>
-              </a:solidFill>
-            </a:endParaRPr>
-          </a:p>
-        </p:txBody>
-      </p:sp>
-      <p:sp>
-        <p:nvSpPr>
-          <p:cNvPr id="79" name="Right Arrow 78"/>
-          <p:cNvSpPr/>
-          <p:nvPr/>
-        </p:nvSpPr>
-        <p:spPr>
-          <a:xfrm>
-            <a:off x="2501266" y="17468536"/>
-            <a:ext cx="1356795" cy="318325"/>
-          </a:xfrm>
-          <a:prstGeom prst="rightArrow">
-            <a:avLst/>
-          </a:prstGeom>
-        </p:spPr>
-        <p:style>
-          <a:lnRef idx="1">
-            <a:schemeClr val="accent1"/>
-          </a:lnRef>
-          <a:fillRef idx="2">
-            <a:schemeClr val="accent1"/>
-          </a:fillRef>
-          <a:effectRef idx="1">
-            <a:schemeClr val="accent1"/>
-          </a:effectRef>
-          <a:fontRef idx="minor">
-            <a:schemeClr val="dk1"/>
-          </a:fontRef>
-        </p:style>
-        <p:txBody>
-          <a:bodyPr rtlCol="0" anchor="ctr"/>
-          <a:lstStyle/>
-          <a:p>
-            <a:pPr algn="ctr"/>
-            <a:endParaRPr lang="en-US"/>
-          </a:p>
-        </p:txBody>
-      </p:sp>
-      <p:sp>
-        <p:nvSpPr>
-          <p:cNvPr id="80" name="Rectangle 79"/>
-          <p:cNvSpPr/>
-          <p:nvPr/>
-        </p:nvSpPr>
-        <p:spPr>
-          <a:xfrm>
-            <a:off x="6957594" y="17074024"/>
-            <a:ext cx="1132943" cy="1132943"/>
-          </a:xfrm>
-          <a:prstGeom prst="rect">
-            <a:avLst/>
-          </a:prstGeom>
-        </p:spPr>
-        <p:style>
-          <a:lnRef idx="1">
-            <a:schemeClr val="accent1"/>
-          </a:lnRef>
-          <a:fillRef idx="2">
-            <a:schemeClr val="accent1"/>
-          </a:fillRef>
-          <a:effectRef idx="1">
-            <a:schemeClr val="accent1"/>
-          </a:effectRef>
-          <a:fontRef idx="minor">
-            <a:schemeClr val="dk1"/>
-          </a:fontRef>
-        </p:style>
-        <p:txBody>
-          <a:bodyPr rtlCol="0" anchor="ctr"/>
-          <a:lstStyle/>
-          <a:p>
-            <a:pPr algn="ctr"/>
-            <a:r>
-              <a:rPr lang="en-US" altLang="zh-CN" sz="2800" dirty="0" smtClean="0"/>
-              <a:t>PNG</a:t>
-            </a:r>
-            <a:endParaRPr lang="en-US" sz="2800" dirty="0"/>
-          </a:p>
-        </p:txBody>
-      </p:sp>
-      <p:sp>
-        <p:nvSpPr>
-          <p:cNvPr id="1037" name="Flowchart: Magnetic Disk 1036"/>
-          <p:cNvSpPr/>
-          <p:nvPr/>
-        </p:nvSpPr>
-        <p:spPr>
-          <a:xfrm>
-            <a:off x="782965" y="18807485"/>
-            <a:ext cx="1382895" cy="1111177"/>
-          </a:xfrm>
-          <a:prstGeom prst="flowChartMagneticDisk">
-            <a:avLst/>
-          </a:prstGeom>
-        </p:spPr>
-        <p:style>
-          <a:lnRef idx="1">
-            <a:schemeClr val="accent1"/>
-          </a:lnRef>
-          <a:fillRef idx="2">
-            <a:schemeClr val="accent1"/>
-          </a:fillRef>
-          <a:effectRef idx="1">
-            <a:schemeClr val="accent1"/>
-          </a:effectRef>
-          <a:fontRef idx="minor">
-            <a:schemeClr val="dk1"/>
-          </a:fontRef>
-        </p:style>
-        <p:txBody>
-          <a:bodyPr rtlCol="0" anchor="ctr"/>
-          <a:lstStyle/>
-          <a:p>
-            <a:pPr algn="ctr"/>
-            <a:r>
-              <a:rPr lang="en-US" sz="2400" dirty="0" smtClean="0"/>
-              <a:t>LMDB</a:t>
-            </a:r>
-            <a:endParaRPr lang="en-US" sz="3600" dirty="0"/>
-          </a:p>
-        </p:txBody>
-      </p:sp>
-      <p:sp>
-        <p:nvSpPr>
-          <p:cNvPr id="84" name="Right Arrow 83"/>
-          <p:cNvSpPr/>
-          <p:nvPr/>
-        </p:nvSpPr>
-        <p:spPr>
-          <a:xfrm>
-            <a:off x="5477974" y="17409986"/>
-            <a:ext cx="1410749" cy="334810"/>
-          </a:xfrm>
-          <a:prstGeom prst="rightArrow">
-            <a:avLst/>
-          </a:prstGeom>
-        </p:spPr>
-        <p:style>
-          <a:lnRef idx="1">
-            <a:schemeClr val="accent1"/>
-          </a:lnRef>
-          <a:fillRef idx="2">
-            <a:schemeClr val="accent1"/>
-          </a:fillRef>
-          <a:effectRef idx="1">
-            <a:schemeClr val="accent1"/>
-          </a:effectRef>
-          <a:fontRef idx="minor">
-            <a:schemeClr val="dk1"/>
-          </a:fontRef>
-        </p:style>
-        <p:txBody>
-          <a:bodyPr rtlCol="0" anchor="ctr"/>
-          <a:lstStyle/>
-          <a:p>
-            <a:pPr algn="ctr"/>
-            <a:endParaRPr lang="en-US"/>
-          </a:p>
-        </p:txBody>
-      </p:sp>
-      <p:sp>
-        <p:nvSpPr>
-          <p:cNvPr id="64" name="Rectangle 63"/>
-          <p:cNvSpPr/>
-          <p:nvPr/>
-        </p:nvSpPr>
-        <p:spPr>
-          <a:xfrm>
-            <a:off x="4160390" y="18721992"/>
-            <a:ext cx="1132943" cy="1132943"/>
-          </a:xfrm>
-          <a:prstGeom prst="rect">
-            <a:avLst/>
-          </a:prstGeom>
-        </p:spPr>
-        <p:style>
-          <a:lnRef idx="1">
-            <a:schemeClr val="accent1"/>
-          </a:lnRef>
-          <a:fillRef idx="2">
-            <a:schemeClr val="accent1"/>
-          </a:fillRef>
-          <a:effectRef idx="1">
-            <a:schemeClr val="accent1"/>
-          </a:effectRef>
-          <a:fontRef idx="minor">
-            <a:schemeClr val="dk1"/>
-          </a:fontRef>
-        </p:style>
-        <p:txBody>
-          <a:bodyPr rtlCol="0" anchor="ctr"/>
-          <a:lstStyle/>
-          <a:p>
-            <a:pPr algn="ctr"/>
-            <a:r>
-              <a:rPr lang="en-US" altLang="zh-CN" sz="2800" dirty="0" smtClean="0"/>
-              <a:t>PNG</a:t>
-            </a:r>
-            <a:endParaRPr lang="en-US" sz="2800" dirty="0"/>
-          </a:p>
-        </p:txBody>
-      </p:sp>
-      <p:sp>
-        <p:nvSpPr>
-          <p:cNvPr id="1041" name="TextBox 1040"/>
+          <p:cNvPr id="58" name="TextBox 57"/>
           <p:cNvSpPr txBox="1"/>
           <p:nvPr/>
         </p:nvSpPr>
         <p:spPr>
-          <a:xfrm>
-            <a:off x="9572423" y="9062977"/>
-            <a:ext cx="7938558" cy="1815882"/>
-          </a:xfrm>
-          <a:prstGeom prst="rect">
-            <a:avLst/>
-          </a:prstGeom>
-          <a:noFill/>
-        </p:spPr>
-        <p:txBody>
-          <a:bodyPr wrap="square" rtlCol="0">
-            <a:spAutoFit/>
-          </a:bodyPr>
-          <a:lstStyle/>
-          <a:p>
-            <a:r>
-              <a:rPr lang="en-US" sz="2800" dirty="0" smtClean="0"/>
-              <a:t>We use the spanning tree algorithm, which treat the image as a graph, and assign edge to every two adjacent pixels, according to their difference in color. </a:t>
-            </a:r>
-            <a:endParaRPr lang="en-US" sz="2800" dirty="0"/>
-          </a:p>
-        </p:txBody>
-      </p:sp>
-      <p:sp>
-        <p:nvSpPr>
-          <p:cNvPr id="1043" name="Rectangle 1042"/>
-          <p:cNvSpPr/>
-          <p:nvPr/>
-        </p:nvSpPr>
-        <p:spPr>
-          <a:xfrm>
-            <a:off x="492551" y="4140122"/>
-            <a:ext cx="8387138" cy="1682496"/>
-          </a:xfrm>
-          <a:prstGeom prst="rect">
-            <a:avLst/>
-          </a:prstGeom>
-        </p:spPr>
-        <p:style>
-          <a:lnRef idx="2">
-            <a:schemeClr val="accent3">
-              <a:shade val="50000"/>
-            </a:schemeClr>
-          </a:lnRef>
-          <a:fillRef idx="1">
-            <a:schemeClr val="accent3"/>
-          </a:fillRef>
-          <a:effectRef idx="0">
-            <a:schemeClr val="accent3"/>
-          </a:effectRef>
-          <a:fontRef idx="minor">
-            <a:schemeClr val="lt1"/>
-          </a:fontRef>
-        </p:style>
-        <p:txBody>
-          <a:bodyPr rtlCol="0" anchor="ctr"/>
-          <a:lstStyle/>
-          <a:p>
-            <a:pPr algn="ctr"/>
-            <a:r>
-              <a:rPr lang="en-US" dirty="0" smtClean="0"/>
-              <a:t>CNN Diagram</a:t>
-            </a:r>
-            <a:endParaRPr lang="en-US" dirty="0"/>
-          </a:p>
-        </p:txBody>
-      </p:sp>
-      <p:sp>
-        <p:nvSpPr>
-          <p:cNvPr id="88" name="Rectangle 87"/>
-          <p:cNvSpPr/>
-          <p:nvPr/>
-        </p:nvSpPr>
-        <p:spPr>
-          <a:xfrm>
-            <a:off x="492551" y="6169297"/>
-            <a:ext cx="8387138" cy="2893680"/>
-          </a:xfrm>
-          <a:prstGeom prst="rect">
-            <a:avLst/>
-          </a:prstGeom>
-        </p:spPr>
-        <p:style>
-          <a:lnRef idx="2">
-            <a:schemeClr val="accent3">
-              <a:shade val="50000"/>
-            </a:schemeClr>
-          </a:lnRef>
-          <a:fillRef idx="1">
-            <a:schemeClr val="accent3"/>
-          </a:fillRef>
-          <a:effectRef idx="0">
-            <a:schemeClr val="accent3"/>
-          </a:effectRef>
-          <a:fontRef idx="minor">
-            <a:schemeClr val="lt1"/>
-          </a:fontRef>
-        </p:style>
-        <p:txBody>
-          <a:bodyPr rtlCol="0" anchor="ctr"/>
-          <a:lstStyle/>
-          <a:p>
-            <a:pPr algn="ctr"/>
-            <a:r>
-              <a:rPr lang="en-US" altLang="zh-CN" dirty="0" smtClean="0"/>
-              <a:t>Expression recognition effect</a:t>
-            </a:r>
-            <a:endParaRPr lang="en-US" dirty="0"/>
-          </a:p>
-        </p:txBody>
-      </p:sp>
-      <p:sp>
-        <p:nvSpPr>
-          <p:cNvPr id="63" name="TextBox 62"/>
-          <p:cNvSpPr txBox="1"/>
-          <p:nvPr/>
-        </p:nvSpPr>
-        <p:spPr>
-          <a:xfrm>
-            <a:off x="2577422" y="17081479"/>
-            <a:ext cx="1005403" cy="400110"/>
+          <a:xfrm rot="16200000">
+            <a:off x="12780939" y="23928291"/>
+            <a:ext cx="1173719" cy="338554"/>
           </a:xfrm>
           <a:prstGeom prst="rect">
             <a:avLst/>
@@ -13964,1263 +18479,13 @@
           <a:lstStyle/>
           <a:p>
             <a:r>
-              <a:rPr lang="en-US" altLang="zh-CN" sz="2000" dirty="0" err="1" smtClean="0">
-                <a:ln w="0"/>
-                <a:effectLst>
-                  <a:outerShdw blurRad="38100" dist="25400" dir="5400000" algn="ctr" rotWithShape="0">
-                    <a:srgbClr val="6E747A">
-                      <a:alpha val="43000"/>
-                    </a:srgbClr>
-                  </a:outerShdw>
-                </a:effectLst>
-              </a:rPr>
-              <a:t>nodejs</a:t>
-            </a:r>
-            <a:endParaRPr lang="en-US" sz="2000" dirty="0">
-              <a:ln w="0"/>
-              <a:effectLst>
-                <a:outerShdw blurRad="38100" dist="25400" dir="5400000" algn="ctr" rotWithShape="0">
-                  <a:srgbClr val="6E747A">
-                    <a:alpha val="43000"/>
-                  </a:srgbClr>
-                </a:outerShdw>
-              </a:effectLst>
-            </a:endParaRPr>
-          </a:p>
-        </p:txBody>
-      </p:sp>
-      <p:sp>
-        <p:nvSpPr>
-          <p:cNvPr id="65" name="TextBox 64"/>
-          <p:cNvSpPr txBox="1"/>
-          <p:nvPr/>
-        </p:nvSpPr>
-        <p:spPr>
-          <a:xfrm>
-            <a:off x="5459523" y="17085579"/>
-            <a:ext cx="1401346" cy="307777"/>
-          </a:xfrm>
-          <a:prstGeom prst="rect">
-            <a:avLst/>
-          </a:prstGeom>
-          <a:noFill/>
-        </p:spPr>
-        <p:txBody>
-          <a:bodyPr wrap="none" rtlCol="0">
-            <a:spAutoFit/>
-          </a:bodyPr>
-          <a:lstStyle/>
-          <a:p>
-            <a:r>
-              <a:rPr lang="en-US" altLang="zh-CN" sz="1400" dirty="0" err="1" smtClean="0">
-                <a:ln w="0"/>
-                <a:effectLst>
-                  <a:outerShdw blurRad="38100" dist="25400" dir="5400000" algn="ctr" rotWithShape="0">
-                    <a:srgbClr val="6E747A">
-                      <a:alpha val="43000"/>
-                    </a:srgbClr>
-                  </a:outerShdw>
-                </a:effectLst>
-              </a:rPr>
-              <a:t>imagemagick</a:t>
-            </a:r>
-            <a:endParaRPr lang="en-US" sz="1400" dirty="0">
-              <a:ln w="0"/>
-              <a:effectLst>
-                <a:outerShdw blurRad="38100" dist="25400" dir="5400000" algn="ctr" rotWithShape="0">
-                  <a:srgbClr val="6E747A">
-                    <a:alpha val="43000"/>
-                  </a:srgbClr>
-                </a:outerShdw>
-              </a:effectLst>
-            </a:endParaRPr>
-          </a:p>
-        </p:txBody>
-      </p:sp>
-      <p:sp>
-        <p:nvSpPr>
-          <p:cNvPr id="22" name="TextBox 21"/>
-          <p:cNvSpPr txBox="1"/>
-          <p:nvPr/>
-        </p:nvSpPr>
-        <p:spPr>
-          <a:xfrm>
-            <a:off x="1530350" y="14273870"/>
-            <a:ext cx="6564618" cy="954107"/>
-          </a:xfrm>
-          <a:prstGeom prst="rect">
-            <a:avLst/>
-          </a:prstGeom>
-          <a:noFill/>
-        </p:spPr>
-        <p:txBody>
-          <a:bodyPr wrap="none" rtlCol="0">
-            <a:spAutoFit/>
-          </a:bodyPr>
-          <a:lstStyle/>
-          <a:p>
-            <a:r>
-              <a:rPr lang="en-US" sz="2800" dirty="0" smtClean="0"/>
-              <a:t>Since we use different data sources, </a:t>
-            </a:r>
-          </a:p>
-          <a:p>
-            <a:r>
-              <a:rPr lang="en-US" sz="2800" dirty="0" smtClean="0"/>
-              <a:t>we need to preprocess those data</a:t>
-            </a:r>
-            <a:endParaRPr lang="en-US" sz="2800" dirty="0"/>
-          </a:p>
-        </p:txBody>
-      </p:sp>
-      <p:sp>
-        <p:nvSpPr>
-          <p:cNvPr id="69" name="TextBox 68"/>
-          <p:cNvSpPr txBox="1"/>
-          <p:nvPr/>
-        </p:nvSpPr>
-        <p:spPr>
-          <a:xfrm>
-            <a:off x="13258782" y="14524564"/>
-            <a:ext cx="1165704" cy="400110"/>
-          </a:xfrm>
-          <a:prstGeom prst="rect">
-            <a:avLst/>
-          </a:prstGeom>
-          <a:noFill/>
-        </p:spPr>
-        <p:txBody>
-          <a:bodyPr wrap="none" rtlCol="0">
-            <a:spAutoFit/>
-          </a:bodyPr>
-          <a:lstStyle/>
-          <a:p>
-            <a:r>
-              <a:rPr lang="en-US" sz="2000" dirty="0" smtClean="0">
-                <a:ln w="0"/>
-                <a:solidFill>
-                  <a:schemeClr val="accent1"/>
-                </a:solidFill>
-                <a:effectLst>
-                  <a:outerShdw blurRad="38100" dist="25400" dir="5400000" algn="ctr" rotWithShape="0">
-                    <a:srgbClr val="6E747A">
-                      <a:alpha val="43000"/>
-                    </a:srgbClr>
-                  </a:outerShdw>
-                </a:effectLst>
-              </a:rPr>
-              <a:t>Weights</a:t>
-            </a:r>
-            <a:endParaRPr lang="en-US" sz="2000" dirty="0">
-              <a:ln w="0"/>
-              <a:solidFill>
-                <a:schemeClr val="accent1"/>
-              </a:solidFill>
-              <a:effectLst>
-                <a:outerShdw blurRad="38100" dist="25400" dir="5400000" algn="ctr" rotWithShape="0">
-                  <a:srgbClr val="6E747A">
-                    <a:alpha val="43000"/>
-                  </a:srgbClr>
-                </a:outerShdw>
-              </a:effectLst>
-            </a:endParaRPr>
-          </a:p>
-        </p:txBody>
-      </p:sp>
-      <p:cxnSp>
-        <p:nvCxnSpPr>
-          <p:cNvPr id="41" name="Straight Arrow Connector 40"/>
-          <p:cNvCxnSpPr/>
-          <p:nvPr/>
-        </p:nvCxnSpPr>
-        <p:spPr>
-          <a:xfrm>
-            <a:off x="12452383" y="14960868"/>
-            <a:ext cx="1682717" cy="1185039"/>
-          </a:xfrm>
-          <a:prstGeom prst="straightConnector1">
-            <a:avLst/>
-          </a:prstGeom>
-          <a:ln w="76200">
-            <a:tailEnd type="triangle"/>
-          </a:ln>
-        </p:spPr>
-        <p:style>
-          <a:lnRef idx="1">
-            <a:schemeClr val="accent1"/>
-          </a:lnRef>
-          <a:fillRef idx="0">
-            <a:schemeClr val="accent1"/>
-          </a:fillRef>
-          <a:effectRef idx="0">
-            <a:schemeClr val="accent1"/>
-          </a:effectRef>
-          <a:fontRef idx="minor">
-            <a:schemeClr val="tx1"/>
-          </a:fontRef>
-        </p:style>
-      </p:cxnSp>
-      <p:sp>
-        <p:nvSpPr>
-          <p:cNvPr id="81" name="TextBox 80"/>
-          <p:cNvSpPr txBox="1"/>
-          <p:nvPr/>
-        </p:nvSpPr>
-        <p:spPr>
-          <a:xfrm rot="3478544">
-            <a:off x="12597611" y="18043312"/>
-            <a:ext cx="1011815" cy="400110"/>
-          </a:xfrm>
-          <a:prstGeom prst="rect">
-            <a:avLst/>
-          </a:prstGeom>
-          <a:noFill/>
-        </p:spPr>
-        <p:txBody>
-          <a:bodyPr wrap="none" rtlCol="0">
-            <a:spAutoFit/>
-          </a:bodyPr>
-          <a:lstStyle/>
-          <a:p>
-            <a:r>
-              <a:rPr lang="en-US" altLang="zh-CN" sz="2000" dirty="0" smtClean="0">
-                <a:ln w="0"/>
-                <a:solidFill>
-                  <a:schemeClr val="accent1"/>
-                </a:solidFill>
-                <a:effectLst>
-                  <a:outerShdw blurRad="38100" dist="25400" dir="5400000" algn="ctr" rotWithShape="0">
-                    <a:srgbClr val="6E747A">
-                      <a:alpha val="43000"/>
-                    </a:srgbClr>
-                  </a:outerShdw>
-                </a:effectLst>
-              </a:rPr>
-              <a:t>output</a:t>
-            </a:r>
-            <a:endParaRPr lang="en-US" sz="2000" dirty="0">
-              <a:ln w="0"/>
-              <a:solidFill>
-                <a:schemeClr val="accent1"/>
-              </a:solidFill>
-              <a:effectLst>
-                <a:outerShdw blurRad="38100" dist="25400" dir="5400000" algn="ctr" rotWithShape="0">
-                  <a:srgbClr val="6E747A">
-                    <a:alpha val="43000"/>
-                  </a:srgbClr>
-                </a:outerShdw>
-              </a:effectLst>
-            </a:endParaRPr>
-          </a:p>
-        </p:txBody>
-      </p:sp>
-      <p:cxnSp>
-        <p:nvCxnSpPr>
-          <p:cNvPr id="90" name="Straight Arrow Connector 89"/>
-          <p:cNvCxnSpPr/>
-          <p:nvPr/>
-        </p:nvCxnSpPr>
-        <p:spPr>
-          <a:xfrm>
-            <a:off x="12392795" y="17592066"/>
-            <a:ext cx="1272405" cy="2100805"/>
-          </a:xfrm>
-          <a:prstGeom prst="straightConnector1">
-            <a:avLst/>
-          </a:prstGeom>
-          <a:ln w="76200">
-            <a:tailEnd type="triangle"/>
-          </a:ln>
-        </p:spPr>
-        <p:style>
-          <a:lnRef idx="1">
-            <a:schemeClr val="accent1"/>
-          </a:lnRef>
-          <a:fillRef idx="0">
-            <a:schemeClr val="accent1"/>
-          </a:fillRef>
-          <a:effectRef idx="0">
-            <a:schemeClr val="accent1"/>
-          </a:effectRef>
-          <a:fontRef idx="minor">
-            <a:schemeClr val="tx1"/>
-          </a:fontRef>
-        </p:style>
-      </p:cxnSp>
-      <p:sp>
-        <p:nvSpPr>
-          <p:cNvPr id="95" name="TextBox 94"/>
-          <p:cNvSpPr txBox="1"/>
-          <p:nvPr/>
-        </p:nvSpPr>
-        <p:spPr>
-          <a:xfrm>
-            <a:off x="1530350" y="25729354"/>
-            <a:ext cx="6393180" cy="1261884"/>
-          </a:xfrm>
-          <a:prstGeom prst="rect">
-            <a:avLst/>
-          </a:prstGeom>
-          <a:noFill/>
-        </p:spPr>
-        <p:txBody>
-          <a:bodyPr wrap="square" rtlCol="0">
-            <a:spAutoFit/>
-          </a:bodyPr>
-          <a:lstStyle/>
-          <a:p>
-            <a:r>
-              <a:rPr lang="en-US" sz="1900" dirty="0" smtClean="0"/>
-              <a:t>We thank Prof. David Crandall for helpful comments and discussions.</a:t>
-            </a:r>
-          </a:p>
-          <a:p>
-            <a:r>
-              <a:rPr lang="en-US" sz="1900" dirty="0" smtClean="0"/>
-              <a:t>We </a:t>
-            </a:r>
-            <a:r>
-              <a:rPr lang="en-US" sz="1900" dirty="0"/>
-              <a:t>also thank Dr. Daniel Kirsch and Martin </a:t>
-            </a:r>
-            <a:r>
-              <a:rPr lang="en-US" sz="1900" dirty="0" err="1" smtClean="0"/>
-              <a:t>Thoma</a:t>
-            </a:r>
-            <a:r>
-              <a:rPr lang="en-US" sz="1900" dirty="0" smtClean="0"/>
-              <a:t> to provide us the permission to the handwrite data.</a:t>
-            </a:r>
-            <a:endParaRPr lang="en-US" sz="1900" dirty="0"/>
-          </a:p>
-        </p:txBody>
-      </p:sp>
-      <p:pic>
-        <p:nvPicPr>
-          <p:cNvPr id="96" name="Picture 2" descr="http://neuralnetworksanddeeplearning.com/images/KSH.jpg"/>
-          <p:cNvPicPr>
-            <a:picLocks noChangeAspect="1" noChangeArrowheads="1"/>
-          </p:cNvPicPr>
-          <p:nvPr/>
-        </p:nvPicPr>
-        <p:blipFill>
-          <a:blip r:embed="rId21">
-            <a:extLst>
-              <a:ext uri="{28A0092B-C50C-407E-A947-70E740481C1C}">
-                <a14:useLocalDpi xmlns:a14="http://schemas.microsoft.com/office/drawing/2010/main" val="0"/>
-              </a:ext>
-            </a:extLst>
-          </a:blip>
-          <a:srcRect/>
-          <a:stretch>
-            <a:fillRect/>
-          </a:stretch>
-        </p:blipFill>
-        <p:spPr bwMode="auto">
-          <a:xfrm>
-            <a:off x="480312" y="3995364"/>
-            <a:ext cx="8498588" cy="2000593"/>
-          </a:xfrm>
-          <a:prstGeom prst="rect">
-            <a:avLst/>
-          </a:prstGeom>
-          <a:noFill/>
-          <a:extLst>
-            <a:ext uri="{909E8E84-426E-40DD-AFC4-6F175D3DCCD1}">
-              <a14:hiddenFill xmlns:a14="http://schemas.microsoft.com/office/drawing/2010/main">
-                <a:solidFill>
-                  <a:srgbClr val="FFFFFF"/>
-                </a:solidFill>
-              </a14:hiddenFill>
-            </a:ext>
-          </a:extLst>
-        </p:spPr>
-      </p:pic>
-      <p:sp>
-        <p:nvSpPr>
-          <p:cNvPr id="97" name="TextBox 96"/>
-          <p:cNvSpPr txBox="1"/>
-          <p:nvPr/>
-        </p:nvSpPr>
-        <p:spPr>
-          <a:xfrm>
-            <a:off x="9430757" y="4014232"/>
-            <a:ext cx="1874982" cy="954107"/>
-          </a:xfrm>
-          <a:prstGeom prst="rect">
-            <a:avLst/>
-          </a:prstGeom>
-        </p:spPr>
-        <p:style>
-          <a:lnRef idx="3">
-            <a:schemeClr val="lt1"/>
-          </a:lnRef>
-          <a:fillRef idx="1">
-            <a:schemeClr val="accent1"/>
-          </a:fillRef>
-          <a:effectRef idx="1">
-            <a:schemeClr val="accent1"/>
-          </a:effectRef>
-          <a:fontRef idx="minor">
-            <a:schemeClr val="lt1"/>
-          </a:fontRef>
-        </p:style>
-        <p:txBody>
-          <a:bodyPr wrap="square" rtlCol="0">
-            <a:spAutoFit/>
-          </a:bodyPr>
-          <a:lstStyle/>
-          <a:p>
-            <a:pPr algn="ctr"/>
-            <a:r>
-              <a:rPr lang="en-US" sz="2800" dirty="0" smtClean="0"/>
-              <a:t>Tech we used</a:t>
-            </a:r>
-            <a:endParaRPr lang="en-US" sz="2800" dirty="0"/>
-          </a:p>
-        </p:txBody>
-      </p:sp>
-      <p:sp>
-        <p:nvSpPr>
-          <p:cNvPr id="112" name="TextBox 111"/>
-          <p:cNvSpPr txBox="1"/>
-          <p:nvPr/>
-        </p:nvSpPr>
-        <p:spPr>
-          <a:xfrm rot="2124571">
-            <a:off x="12983682" y="15196216"/>
-            <a:ext cx="1011815" cy="400110"/>
-          </a:xfrm>
-          <a:prstGeom prst="rect">
-            <a:avLst/>
-          </a:prstGeom>
-          <a:noFill/>
-        </p:spPr>
-        <p:txBody>
-          <a:bodyPr wrap="none" rtlCol="0">
-            <a:spAutoFit/>
-          </a:bodyPr>
-          <a:lstStyle/>
-          <a:p>
-            <a:r>
-              <a:rPr lang="en-US" altLang="zh-CN" sz="2000" dirty="0" smtClean="0">
-                <a:ln w="0"/>
-                <a:solidFill>
-                  <a:schemeClr val="accent1"/>
-                </a:solidFill>
-                <a:effectLst>
-                  <a:outerShdw blurRad="38100" dist="25400" dir="5400000" algn="ctr" rotWithShape="0">
-                    <a:srgbClr val="6E747A">
-                      <a:alpha val="43000"/>
-                    </a:srgbClr>
-                  </a:outerShdw>
-                </a:effectLst>
-              </a:rPr>
-              <a:t>output</a:t>
-            </a:r>
-            <a:endParaRPr lang="en-US" sz="2000" dirty="0">
-              <a:ln w="0"/>
-              <a:solidFill>
-                <a:schemeClr val="accent1"/>
-              </a:solidFill>
-              <a:effectLst>
-                <a:outerShdw blurRad="38100" dist="25400" dir="5400000" algn="ctr" rotWithShape="0">
-                  <a:srgbClr val="6E747A">
-                    <a:alpha val="43000"/>
-                  </a:srgbClr>
-                </a:outerShdw>
-              </a:effectLst>
-            </a:endParaRPr>
-          </a:p>
-        </p:txBody>
-      </p:sp>
-      <p:pic>
-        <p:nvPicPr>
-          <p:cNvPr id="101" name="Picture 100"/>
-          <p:cNvPicPr>
-            <a:picLocks noChangeAspect="1"/>
-          </p:cNvPicPr>
-          <p:nvPr/>
-        </p:nvPicPr>
-        <p:blipFill>
-          <a:blip r:embed="rId22">
-            <a:extLst>
-              <a:ext uri="{28A0092B-C50C-407E-A947-70E740481C1C}">
-                <a14:useLocalDpi xmlns:a14="http://schemas.microsoft.com/office/drawing/2010/main" val="0"/>
-              </a:ext>
-            </a:extLst>
-          </a:blip>
-          <a:stretch>
-            <a:fillRect/>
-          </a:stretch>
-        </p:blipFill>
-        <p:spPr>
-          <a:xfrm>
-            <a:off x="853440" y="12957255"/>
-            <a:ext cx="921797" cy="921797"/>
-          </a:xfrm>
-          <a:prstGeom prst="rect">
-            <a:avLst/>
-          </a:prstGeom>
-        </p:spPr>
-      </p:pic>
-      <p:pic>
-        <p:nvPicPr>
-          <p:cNvPr id="102" name="Picture 101"/>
-          <p:cNvPicPr>
-            <a:picLocks noChangeAspect="1"/>
-          </p:cNvPicPr>
-          <p:nvPr/>
-        </p:nvPicPr>
-        <p:blipFill>
-          <a:blip r:embed="rId23">
-            <a:extLst>
-              <a:ext uri="{28A0092B-C50C-407E-A947-70E740481C1C}">
-                <a14:useLocalDpi xmlns:a14="http://schemas.microsoft.com/office/drawing/2010/main" val="0"/>
-              </a:ext>
-            </a:extLst>
-          </a:blip>
-          <a:stretch>
-            <a:fillRect/>
-          </a:stretch>
-        </p:blipFill>
-        <p:spPr>
-          <a:xfrm>
-            <a:off x="1762262" y="12802169"/>
-            <a:ext cx="1450299" cy="1087724"/>
-          </a:xfrm>
-          <a:prstGeom prst="rect">
-            <a:avLst/>
-          </a:prstGeom>
-        </p:spPr>
-      </p:pic>
-      <p:pic>
-        <p:nvPicPr>
-          <p:cNvPr id="103" name="Picture 102"/>
-          <p:cNvPicPr>
-            <a:picLocks noChangeAspect="1"/>
-          </p:cNvPicPr>
-          <p:nvPr/>
-        </p:nvPicPr>
-        <p:blipFill>
-          <a:blip r:embed="rId24">
-            <a:extLst>
-              <a:ext uri="{28A0092B-C50C-407E-A947-70E740481C1C}">
-                <a14:useLocalDpi xmlns:a14="http://schemas.microsoft.com/office/drawing/2010/main" val="0"/>
-              </a:ext>
-            </a:extLst>
-          </a:blip>
-          <a:stretch>
-            <a:fillRect/>
-          </a:stretch>
-        </p:blipFill>
-        <p:spPr>
-          <a:xfrm>
-            <a:off x="3286579" y="12784695"/>
-            <a:ext cx="1122627" cy="1122627"/>
-          </a:xfrm>
-          <a:prstGeom prst="rect">
-            <a:avLst/>
-          </a:prstGeom>
-        </p:spPr>
-      </p:pic>
-      <p:pic>
-        <p:nvPicPr>
-          <p:cNvPr id="104" name="Picture 103"/>
-          <p:cNvPicPr>
-            <a:picLocks noChangeAspect="1"/>
-          </p:cNvPicPr>
-          <p:nvPr/>
-        </p:nvPicPr>
-        <p:blipFill>
-          <a:blip r:embed="rId25">
-            <a:extLst>
-              <a:ext uri="{28A0092B-C50C-407E-A947-70E740481C1C}">
-                <a14:useLocalDpi xmlns:a14="http://schemas.microsoft.com/office/drawing/2010/main" val="0"/>
-              </a:ext>
-            </a:extLst>
-          </a:blip>
-          <a:stretch>
-            <a:fillRect/>
-          </a:stretch>
-        </p:blipFill>
-        <p:spPr>
-          <a:xfrm>
-            <a:off x="4751185" y="12902324"/>
-            <a:ext cx="1316759" cy="987569"/>
-          </a:xfrm>
-          <a:prstGeom prst="rect">
-            <a:avLst/>
-          </a:prstGeom>
-        </p:spPr>
-      </p:pic>
-      <p:pic>
-        <p:nvPicPr>
-          <p:cNvPr id="105" name="Picture 104"/>
-          <p:cNvPicPr>
-            <a:picLocks noChangeAspect="1"/>
-          </p:cNvPicPr>
-          <p:nvPr/>
-        </p:nvPicPr>
-        <p:blipFill>
-          <a:blip r:embed="rId26">
-            <a:extLst>
-              <a:ext uri="{28A0092B-C50C-407E-A947-70E740481C1C}">
-                <a14:useLocalDpi xmlns:a14="http://schemas.microsoft.com/office/drawing/2010/main" val="0"/>
-              </a:ext>
-            </a:extLst>
-          </a:blip>
-          <a:stretch>
-            <a:fillRect/>
-          </a:stretch>
-        </p:blipFill>
-        <p:spPr>
-          <a:xfrm>
-            <a:off x="7193929" y="12869105"/>
-            <a:ext cx="1552746" cy="1164560"/>
-          </a:xfrm>
-          <a:prstGeom prst="rect">
-            <a:avLst/>
-          </a:prstGeom>
-        </p:spPr>
-      </p:pic>
-      <p:pic>
-        <p:nvPicPr>
-          <p:cNvPr id="106" name="Picture 105"/>
-          <p:cNvPicPr>
-            <a:picLocks noChangeAspect="1"/>
-          </p:cNvPicPr>
-          <p:nvPr/>
-        </p:nvPicPr>
-        <p:blipFill>
-          <a:blip r:embed="rId27"/>
-          <a:stretch>
-            <a:fillRect/>
-          </a:stretch>
-        </p:blipFill>
-        <p:spPr>
-          <a:xfrm>
-            <a:off x="6169891" y="12902324"/>
-            <a:ext cx="1131340" cy="1131340"/>
-          </a:xfrm>
-          <a:prstGeom prst="rect">
-            <a:avLst/>
-          </a:prstGeom>
-        </p:spPr>
-      </p:pic>
-      <p:sp>
-        <p:nvSpPr>
-          <p:cNvPr id="133" name="TextBox 132"/>
-          <p:cNvSpPr txBox="1"/>
-          <p:nvPr/>
-        </p:nvSpPr>
-        <p:spPr>
-          <a:xfrm>
-            <a:off x="2636886" y="18668326"/>
-            <a:ext cx="1085554" cy="523220"/>
-          </a:xfrm>
-          <a:prstGeom prst="rect">
-            <a:avLst/>
-          </a:prstGeom>
-          <a:noFill/>
-        </p:spPr>
-        <p:txBody>
-          <a:bodyPr wrap="none" rtlCol="0">
-            <a:spAutoFit/>
-          </a:bodyPr>
-          <a:lstStyle/>
-          <a:p>
-            <a:r>
-              <a:rPr lang="en-US" altLang="zh-CN" sz="1400" dirty="0" smtClean="0">
-                <a:ln w="0"/>
-                <a:effectLst>
-                  <a:outerShdw blurRad="38100" dist="25400" dir="5400000" algn="ctr" rotWithShape="0">
-                    <a:srgbClr val="6E747A">
-                      <a:alpha val="43000"/>
-                    </a:srgbClr>
-                  </a:outerShdw>
-                </a:effectLst>
-              </a:rPr>
-              <a:t>convert</a:t>
-            </a:r>
-          </a:p>
-          <a:p>
-            <a:r>
-              <a:rPr lang="en-US" altLang="zh-CN" sz="1400" dirty="0" err="1" smtClean="0">
-                <a:ln w="0"/>
-                <a:effectLst>
-                  <a:outerShdw blurRad="38100" dist="25400" dir="5400000" algn="ctr" rotWithShape="0">
-                    <a:srgbClr val="6E747A">
-                      <a:alpha val="43000"/>
-                    </a:srgbClr>
-                  </a:outerShdw>
-                </a:effectLst>
-              </a:rPr>
-              <a:t>image_set</a:t>
-            </a:r>
-            <a:endParaRPr lang="en-US" sz="1400" dirty="0">
-              <a:ln w="0"/>
-              <a:effectLst>
-                <a:outerShdw blurRad="38100" dist="25400" dir="5400000" algn="ctr" rotWithShape="0">
-                  <a:srgbClr val="6E747A">
-                    <a:alpha val="43000"/>
-                  </a:srgbClr>
-                </a:outerShdw>
-              </a:effectLst>
-            </a:endParaRPr>
-          </a:p>
-        </p:txBody>
-      </p:sp>
-      <p:sp>
-        <p:nvSpPr>
-          <p:cNvPr id="107" name="Flowchart: Magnetic Disk 106"/>
-          <p:cNvSpPr/>
-          <p:nvPr/>
-        </p:nvSpPr>
-        <p:spPr>
-          <a:xfrm>
-            <a:off x="782965" y="17048110"/>
-            <a:ext cx="1378245" cy="1087911"/>
-          </a:xfrm>
-          <a:prstGeom prst="flowChartMagneticDisk">
-            <a:avLst/>
-          </a:prstGeom>
-        </p:spPr>
-        <p:style>
-          <a:lnRef idx="1">
-            <a:schemeClr val="accent1"/>
-          </a:lnRef>
-          <a:fillRef idx="2">
-            <a:schemeClr val="accent1"/>
-          </a:fillRef>
-          <a:effectRef idx="1">
-            <a:schemeClr val="accent1"/>
-          </a:effectRef>
-          <a:fontRef idx="minor">
-            <a:schemeClr val="dk1"/>
-          </a:fontRef>
-        </p:style>
-        <p:txBody>
-          <a:bodyPr rtlCol="0" anchor="ctr"/>
-          <a:lstStyle/>
-          <a:p>
-            <a:pPr algn="ctr"/>
-            <a:r>
-              <a:rPr lang="en-US" altLang="zh-CN" sz="1800" dirty="0" err="1" smtClean="0">
-                <a:solidFill>
-                  <a:schemeClr val="tx1"/>
-                </a:solidFill>
-              </a:rPr>
-              <a:t>CouchDB</a:t>
-            </a:r>
-            <a:endParaRPr lang="en-US" altLang="zh-CN" sz="1800" dirty="0">
-              <a:solidFill>
-                <a:schemeClr val="tx1"/>
-              </a:solidFill>
-            </a:endParaRPr>
-          </a:p>
-        </p:txBody>
-      </p:sp>
-      <p:sp>
-        <p:nvSpPr>
-          <p:cNvPr id="135" name="Right Arrow 134"/>
-          <p:cNvSpPr/>
-          <p:nvPr/>
-        </p:nvSpPr>
-        <p:spPr>
-          <a:xfrm rot="10800000">
-            <a:off x="2491097" y="19164023"/>
-            <a:ext cx="1356795" cy="318325"/>
-          </a:xfrm>
-          <a:prstGeom prst="rightArrow">
-            <a:avLst/>
-          </a:prstGeom>
-        </p:spPr>
-        <p:style>
-          <a:lnRef idx="1">
-            <a:schemeClr val="accent1"/>
-          </a:lnRef>
-          <a:fillRef idx="2">
-            <a:schemeClr val="accent1"/>
-          </a:fillRef>
-          <a:effectRef idx="1">
-            <a:schemeClr val="accent1"/>
-          </a:effectRef>
-          <a:fontRef idx="minor">
-            <a:schemeClr val="dk1"/>
-          </a:fontRef>
-        </p:style>
-        <p:txBody>
-          <a:bodyPr rtlCol="0" anchor="ctr"/>
-          <a:lstStyle/>
-          <a:p>
-            <a:pPr algn="ctr"/>
-            <a:endParaRPr lang="en-US" dirty="0"/>
-          </a:p>
-        </p:txBody>
-      </p:sp>
-      <p:sp>
-        <p:nvSpPr>
-          <p:cNvPr id="137" name="Right Arrow 136"/>
-          <p:cNvSpPr/>
-          <p:nvPr/>
-        </p:nvSpPr>
-        <p:spPr>
-          <a:xfrm rot="5400000">
-            <a:off x="7385311" y="18063123"/>
-            <a:ext cx="277508" cy="822140"/>
-          </a:xfrm>
-          <a:prstGeom prst="rightArrow">
-            <a:avLst/>
-          </a:prstGeom>
-        </p:spPr>
-        <p:style>
-          <a:lnRef idx="1">
-            <a:schemeClr val="accent1"/>
-          </a:lnRef>
-          <a:fillRef idx="2">
-            <a:schemeClr val="accent1"/>
-          </a:fillRef>
-          <a:effectRef idx="1">
-            <a:schemeClr val="accent1"/>
-          </a:effectRef>
-          <a:fontRef idx="minor">
-            <a:schemeClr val="dk1"/>
-          </a:fontRef>
-        </p:style>
-        <p:txBody>
-          <a:bodyPr rtlCol="0" anchor="ctr"/>
-          <a:lstStyle/>
-          <a:p>
-            <a:pPr algn="ctr"/>
-            <a:endParaRPr lang="en-US"/>
-          </a:p>
-        </p:txBody>
-      </p:sp>
-      <p:sp>
-        <p:nvSpPr>
-          <p:cNvPr id="108" name="TextBox 107"/>
-          <p:cNvSpPr txBox="1"/>
-          <p:nvPr/>
-        </p:nvSpPr>
-        <p:spPr>
-          <a:xfrm>
-            <a:off x="642134" y="20233121"/>
-            <a:ext cx="8018360" cy="1815882"/>
-          </a:xfrm>
-          <a:prstGeom prst="rect">
-            <a:avLst/>
-          </a:prstGeom>
-          <a:noFill/>
-        </p:spPr>
-        <p:txBody>
-          <a:bodyPr wrap="square" rtlCol="0">
-            <a:spAutoFit/>
-          </a:bodyPr>
-          <a:lstStyle/>
-          <a:p>
-            <a:pPr marL="342900" indent="-342900">
-              <a:buFont typeface="Arial" panose="020B0604020202020204" pitchFamily="34" charset="0"/>
-              <a:buChar char="•"/>
-            </a:pPr>
-            <a:r>
               <a:rPr lang="en-US" sz="1600" dirty="0" smtClean="0"/>
-              <a:t>We use </a:t>
-            </a:r>
-            <a:r>
-              <a:rPr lang="en-US" sz="1600" dirty="0" err="1" smtClean="0"/>
-              <a:t>nodejs</a:t>
-            </a:r>
-            <a:r>
-              <a:rPr lang="en-US" sz="1600" dirty="0" smtClean="0"/>
-              <a:t> to convert the </a:t>
-            </a:r>
-            <a:r>
-              <a:rPr lang="en-US" sz="1600" dirty="0" err="1" smtClean="0"/>
-              <a:t>couchdb</a:t>
-            </a:r>
-            <a:r>
-              <a:rPr lang="en-US" sz="1600" dirty="0" smtClean="0"/>
-              <a:t> </a:t>
-            </a:r>
-            <a:r>
-              <a:rPr lang="en-US" sz="1600" dirty="0" err="1" smtClean="0"/>
-              <a:t>dat</a:t>
-            </a:r>
-            <a:r>
-              <a:rPr lang="en-US" sz="1600" dirty="0" smtClean="0"/>
-              <a:t> to </a:t>
-            </a:r>
-            <a:r>
-              <a:rPr lang="en-US" sz="1600" dirty="0" err="1" smtClean="0"/>
-              <a:t>svg</a:t>
-            </a:r>
-            <a:r>
-              <a:rPr lang="en-US" sz="1600" dirty="0" smtClean="0"/>
-              <a:t> and make the stroke border.</a:t>
-            </a:r>
-          </a:p>
-          <a:p>
-            <a:pPr marL="342900" indent="-342900">
-              <a:buFont typeface="Arial" panose="020B0604020202020204" pitchFamily="34" charset="0"/>
-              <a:buChar char="•"/>
-            </a:pPr>
-            <a:r>
-              <a:rPr lang="en-US" sz="1600" dirty="0" smtClean="0"/>
-              <a:t>We use </a:t>
-            </a:r>
-            <a:r>
-              <a:rPr lang="en-US" sz="1600" dirty="0" err="1" smtClean="0"/>
-              <a:t>imagemagick</a:t>
-            </a:r>
-            <a:r>
-              <a:rPr lang="en-US" sz="1600" dirty="0" smtClean="0"/>
-              <a:t> to negate, resize the image and convert it to </a:t>
-            </a:r>
-            <a:r>
-              <a:rPr lang="en-US" sz="1600" dirty="0" err="1" smtClean="0"/>
-              <a:t>png</a:t>
-            </a:r>
-            <a:endParaRPr lang="en-US" sz="1600" dirty="0" smtClean="0"/>
-          </a:p>
-          <a:p>
-            <a:pPr marL="342900" indent="-342900">
-              <a:buFont typeface="Arial" panose="020B0604020202020204" pitchFamily="34" charset="0"/>
-              <a:buChar char="•"/>
-            </a:pPr>
-            <a:r>
-              <a:rPr lang="en-US" sz="1600" dirty="0" smtClean="0"/>
-              <a:t>We use python to crop the image and add our image</a:t>
-            </a:r>
-          </a:p>
-          <a:p>
-            <a:pPr marL="342900" indent="-342900">
-              <a:buFont typeface="Arial" panose="020B0604020202020204" pitchFamily="34" charset="0"/>
-              <a:buChar char="•"/>
-            </a:pPr>
-            <a:r>
-              <a:rPr lang="en-US" sz="1600" dirty="0" smtClean="0"/>
-              <a:t>We balance the training and testing data set by resampling</a:t>
-            </a:r>
-          </a:p>
-          <a:p>
-            <a:pPr marL="342900" indent="-342900">
-              <a:buFont typeface="Arial" panose="020B0604020202020204" pitchFamily="34" charset="0"/>
-              <a:buChar char="•"/>
-            </a:pPr>
-            <a:r>
-              <a:rPr lang="en-US" sz="1600" dirty="0" smtClean="0"/>
-              <a:t>The last step is to use </a:t>
-            </a:r>
-            <a:r>
-              <a:rPr lang="en-US" sz="1600" dirty="0" err="1" smtClean="0"/>
-              <a:t>caffe</a:t>
-            </a:r>
-            <a:r>
-              <a:rPr lang="en-US" sz="1600" dirty="0" smtClean="0"/>
-              <a:t> tool </a:t>
-            </a:r>
-            <a:r>
-              <a:rPr lang="en-US" sz="1600" dirty="0" err="1" smtClean="0"/>
-              <a:t>conver_image_set</a:t>
-            </a:r>
-            <a:r>
-              <a:rPr lang="en-US" sz="1600" dirty="0" smtClean="0"/>
-              <a:t> to convert the image to </a:t>
-            </a:r>
-            <a:r>
-              <a:rPr lang="en-US" sz="1600" dirty="0" err="1" smtClean="0"/>
-              <a:t>lmdb</a:t>
+              <a:t>Accuracy</a:t>
             </a:r>
             <a:endParaRPr lang="en-US" sz="1600" dirty="0"/>
           </a:p>
         </p:txBody>
       </p:sp>
-      <p:sp>
-        <p:nvSpPr>
-          <p:cNvPr id="145" name="Rectangle 144"/>
-          <p:cNvSpPr/>
-          <p:nvPr/>
-        </p:nvSpPr>
-        <p:spPr>
-          <a:xfrm>
-            <a:off x="6956927" y="18717954"/>
-            <a:ext cx="1132943" cy="1132943"/>
-          </a:xfrm>
-          <a:prstGeom prst="rect">
-            <a:avLst/>
-          </a:prstGeom>
-        </p:spPr>
-        <p:style>
-          <a:lnRef idx="1">
-            <a:schemeClr val="accent1"/>
-          </a:lnRef>
-          <a:fillRef idx="2">
-            <a:schemeClr val="accent1"/>
-          </a:fillRef>
-          <a:effectRef idx="1">
-            <a:schemeClr val="accent1"/>
-          </a:effectRef>
-          <a:fontRef idx="minor">
-            <a:schemeClr val="dk1"/>
-          </a:fontRef>
-        </p:style>
-        <p:txBody>
-          <a:bodyPr rtlCol="0" anchor="ctr"/>
-          <a:lstStyle/>
-          <a:p>
-            <a:pPr algn="ctr"/>
-            <a:r>
-              <a:rPr lang="en-US" altLang="zh-CN" sz="2800" dirty="0" smtClean="0"/>
-              <a:t>PNG</a:t>
-            </a:r>
-            <a:endParaRPr lang="en-US" sz="2800" dirty="0"/>
-          </a:p>
-        </p:txBody>
-      </p:sp>
-      <p:sp>
-        <p:nvSpPr>
-          <p:cNvPr id="146" name="Right Arrow 145"/>
-          <p:cNvSpPr/>
-          <p:nvPr/>
-        </p:nvSpPr>
-        <p:spPr>
-          <a:xfrm rot="10800000">
-            <a:off x="5408840" y="19176030"/>
-            <a:ext cx="1356795" cy="318325"/>
-          </a:xfrm>
-          <a:prstGeom prst="rightArrow">
-            <a:avLst/>
-          </a:prstGeom>
-        </p:spPr>
-        <p:style>
-          <a:lnRef idx="1">
-            <a:schemeClr val="accent1"/>
-          </a:lnRef>
-          <a:fillRef idx="2">
-            <a:schemeClr val="accent1"/>
-          </a:fillRef>
-          <a:effectRef idx="1">
-            <a:schemeClr val="accent1"/>
-          </a:effectRef>
-          <a:fontRef idx="minor">
-            <a:schemeClr val="dk1"/>
-          </a:fontRef>
-        </p:style>
-        <p:txBody>
-          <a:bodyPr rtlCol="0" anchor="ctr"/>
-          <a:lstStyle/>
-          <a:p>
-            <a:pPr algn="ctr"/>
-            <a:endParaRPr lang="en-US" dirty="0"/>
-          </a:p>
-        </p:txBody>
-      </p:sp>
-      <p:sp>
-        <p:nvSpPr>
-          <p:cNvPr id="147" name="TextBox 146"/>
-          <p:cNvSpPr txBox="1"/>
-          <p:nvPr/>
-        </p:nvSpPr>
-        <p:spPr>
-          <a:xfrm>
-            <a:off x="5400347" y="18851619"/>
-            <a:ext cx="1486304" cy="292388"/>
-          </a:xfrm>
-          <a:prstGeom prst="rect">
-            <a:avLst/>
-          </a:prstGeom>
-          <a:noFill/>
-        </p:spPr>
-        <p:txBody>
-          <a:bodyPr wrap="none" rtlCol="0">
-            <a:spAutoFit/>
-          </a:bodyPr>
-          <a:lstStyle/>
-          <a:p>
-            <a:r>
-              <a:rPr lang="en-US" sz="1300" dirty="0" smtClean="0">
-                <a:ln w="0"/>
-                <a:effectLst>
-                  <a:outerShdw blurRad="38100" dist="25400" dir="5400000" algn="ctr" rotWithShape="0">
-                    <a:srgbClr val="6E747A">
-                      <a:alpha val="43000"/>
-                    </a:srgbClr>
-                  </a:outerShdw>
-                </a:effectLst>
-              </a:rPr>
-              <a:t>crop &amp; padding</a:t>
-            </a:r>
-          </a:p>
-        </p:txBody>
-      </p:sp>
-      <p:pic>
-        <p:nvPicPr>
-          <p:cNvPr id="109" name="Picture 108"/>
-          <p:cNvPicPr>
-            <a:picLocks noChangeAspect="1"/>
-          </p:cNvPicPr>
-          <p:nvPr/>
-        </p:nvPicPr>
-        <p:blipFill>
-          <a:blip r:embed="rId28">
-            <a:extLst>
-              <a:ext uri="{28A0092B-C50C-407E-A947-70E740481C1C}">
-                <a14:useLocalDpi xmlns:a14="http://schemas.microsoft.com/office/drawing/2010/main" val="0"/>
-              </a:ext>
-            </a:extLst>
-          </a:blip>
-          <a:stretch>
-            <a:fillRect/>
-          </a:stretch>
-        </p:blipFill>
-        <p:spPr>
-          <a:xfrm>
-            <a:off x="13367460" y="23862080"/>
-            <a:ext cx="4280718" cy="3210539"/>
-          </a:xfrm>
-          <a:prstGeom prst="rect">
-            <a:avLst/>
-          </a:prstGeom>
-        </p:spPr>
-      </p:pic>
-      <p:cxnSp>
-        <p:nvCxnSpPr>
-          <p:cNvPr id="111" name="Straight Arrow Connector 110"/>
-          <p:cNvCxnSpPr/>
-          <p:nvPr/>
-        </p:nvCxnSpPr>
-        <p:spPr>
-          <a:xfrm>
-            <a:off x="15259055" y="24884063"/>
-            <a:ext cx="241900" cy="845291"/>
-          </a:xfrm>
-          <a:prstGeom prst="straightConnector1">
-            <a:avLst/>
-          </a:prstGeom>
-          <a:ln>
-            <a:tailEnd type="triangle"/>
-          </a:ln>
-        </p:spPr>
-        <p:style>
-          <a:lnRef idx="1">
-            <a:schemeClr val="accent1"/>
-          </a:lnRef>
-          <a:fillRef idx="0">
-            <a:schemeClr val="accent1"/>
-          </a:fillRef>
-          <a:effectRef idx="0">
-            <a:schemeClr val="accent1"/>
-          </a:effectRef>
-          <a:fontRef idx="minor">
-            <a:schemeClr val="tx1"/>
-          </a:fontRef>
-        </p:style>
-      </p:cxnSp>
-      <p:sp>
-        <p:nvSpPr>
-          <p:cNvPr id="113" name="TextBox 112"/>
-          <p:cNvSpPr txBox="1"/>
-          <p:nvPr/>
-        </p:nvSpPr>
-        <p:spPr>
-          <a:xfrm>
-            <a:off x="14801850" y="25744205"/>
-            <a:ext cx="1673888" cy="646331"/>
-          </a:xfrm>
-          <a:prstGeom prst="rect">
-            <a:avLst/>
-          </a:prstGeom>
-          <a:noFill/>
-        </p:spPr>
-        <p:txBody>
-          <a:bodyPr wrap="square" rtlCol="0">
-            <a:spAutoFit/>
-          </a:bodyPr>
-          <a:lstStyle/>
-          <a:p>
-            <a:pPr algn="ctr"/>
-            <a:r>
-              <a:rPr lang="en-US" sz="1200" b="1" dirty="0"/>
-              <a:t>i</a:t>
-            </a:r>
-            <a:r>
-              <a:rPr lang="en-US" sz="1200" b="1" dirty="0" smtClean="0"/>
-              <a:t>ncrease batch size                  &amp;</a:t>
-            </a:r>
-          </a:p>
-          <a:p>
-            <a:r>
-              <a:rPr lang="en-US" sz="1200" b="1" dirty="0" smtClean="0"/>
-              <a:t> reset learning rate</a:t>
-            </a:r>
-            <a:endParaRPr lang="en-US" sz="1200" b="1" dirty="0"/>
-          </a:p>
-        </p:txBody>
-      </p:sp>
-      <p:sp>
-        <p:nvSpPr>
-          <p:cNvPr id="152" name="TextBox 151"/>
-          <p:cNvSpPr txBox="1"/>
-          <p:nvPr/>
-        </p:nvSpPr>
-        <p:spPr>
-          <a:xfrm>
-            <a:off x="15737622" y="24886192"/>
-            <a:ext cx="1673888" cy="276999"/>
-          </a:xfrm>
-          <a:prstGeom prst="rect">
-            <a:avLst/>
-          </a:prstGeom>
-          <a:noFill/>
-        </p:spPr>
-        <p:txBody>
-          <a:bodyPr wrap="square" rtlCol="0">
-            <a:spAutoFit/>
-          </a:bodyPr>
-          <a:lstStyle/>
-          <a:p>
-            <a:r>
-              <a:rPr lang="en-US" sz="1200" b="1" dirty="0" smtClean="0"/>
-              <a:t>reset leaning rate</a:t>
-            </a:r>
-            <a:endParaRPr lang="en-US" sz="1200" b="1" dirty="0"/>
-          </a:p>
-        </p:txBody>
-      </p:sp>
-      <p:cxnSp>
-        <p:nvCxnSpPr>
-          <p:cNvPr id="115" name="Straight Arrow Connector 114"/>
-          <p:cNvCxnSpPr/>
-          <p:nvPr/>
-        </p:nvCxnSpPr>
-        <p:spPr>
-          <a:xfrm flipH="1">
-            <a:off x="16744269" y="24450675"/>
-            <a:ext cx="92774" cy="371475"/>
-          </a:xfrm>
-          <a:prstGeom prst="straightConnector1">
-            <a:avLst/>
-          </a:prstGeom>
-          <a:ln>
-            <a:tailEnd type="triangle"/>
-          </a:ln>
-        </p:spPr>
-        <p:style>
-          <a:lnRef idx="1">
-            <a:schemeClr val="accent1"/>
-          </a:lnRef>
-          <a:fillRef idx="0">
-            <a:schemeClr val="accent1"/>
-          </a:fillRef>
-          <a:effectRef idx="0">
-            <a:schemeClr val="accent1"/>
-          </a:effectRef>
-          <a:fontRef idx="minor">
-            <a:schemeClr val="tx1"/>
-          </a:fontRef>
-        </p:style>
-      </p:cxnSp>
     </p:spTree>
     <p:extLst>
       <p:ext uri="{BB962C8B-B14F-4D97-AF65-F5344CB8AC3E}">

--- a/poster/poster.pptx
+++ b/poster/poster.pptx
@@ -15161,7 +15161,7 @@
         <p:spPr>
           <a:xfrm>
             <a:off x="846871" y="22443633"/>
-            <a:ext cx="7747000" cy="5016758"/>
+            <a:ext cx="7747000" cy="4770537"/>
           </a:xfrm>
           <a:prstGeom prst="rect">
             <a:avLst/>
@@ -15188,25 +15188,7 @@
             </a:r>
             <a:r>
               <a:rPr lang="en-US" sz="1600" dirty="0" smtClean="0"/>
-              <a:t> image this can be done very easily, for images one thing we can use is the dilution. For now we just use the simplest dilution operation that operates a squared region, but we notice that this kind of operation will cause aliases. We can use some structured dilution </a:t>
-            </a:r>
-            <a:endParaRPr lang="en-US" sz="1600" dirty="0" smtClean="0"/>
-          </a:p>
-          <a:p>
-            <a:endParaRPr lang="en-US" sz="1600" dirty="0"/>
-          </a:p>
-          <a:p>
-            <a:r>
-              <a:rPr lang="en-US" sz="1600" dirty="0" smtClean="0"/>
-              <a:t>Second, in the training of our convolutional neural network (the model we use is </a:t>
-            </a:r>
-            <a:r>
-              <a:rPr lang="en-US" sz="1600" dirty="0" err="1" smtClean="0"/>
-              <a:t>lenet</a:t>
-            </a:r>
-            <a:r>
-              <a:rPr lang="en-US" sz="1600" dirty="0" smtClean="0"/>
-              <a:t>), we find it’s very useful to perform the trim operation on images.</a:t>
+              <a:t> image this can be done very easily, for images one thing we can use is the dilution.</a:t>
             </a:r>
           </a:p>
           <a:p>
@@ -15215,15 +15197,20 @@
           <a:p>
             <a:r>
               <a:rPr lang="en-US" sz="1600" dirty="0" smtClean="0"/>
-              <a:t>No enough data to train neural network.</a:t>
+              <a:t>Second, in the training of our convolutional neural network (we use </a:t>
             </a:r>
-          </a:p>
-          <a:p>
+            <a:r>
+              <a:rPr lang="en-US" sz="1600" dirty="0" err="1" smtClean="0"/>
+              <a:t>L</a:t>
+            </a:r>
+            <a:r>
+              <a:rPr lang="en-US" sz="1600" dirty="0" err="1" smtClean="0"/>
+              <a:t>eNet</a:t>
+            </a:r>
             <a:r>
               <a:rPr lang="en-US" sz="1600" dirty="0" smtClean="0"/>
-              <a:t>Structure of neural network is quite simple to </a:t>
+              <a:t>), we find it is very useful to perform the trim operation on images.</a:t>
             </a:r>
-            <a:endParaRPr lang="en-US" sz="1600" dirty="0" smtClean="0"/>
           </a:p>
           <a:p>
             <a:endParaRPr lang="en-US" sz="1600" dirty="0"/>
@@ -15231,7 +15218,17 @@
           <a:p>
             <a:r>
               <a:rPr lang="en-US" sz="1600" dirty="0" smtClean="0"/>
-              <a:t>Because the poor accuracy of the classification on English letters. We have not begin to do grammar parse.</a:t>
+              <a:t>On the other hand, the problem is that we do not have enough data to train neural network. We have enough digit number and geek letter data, but for English letter we only get 50 samples. We believes that is the problem that we only get 81.5% accuracy. </a:t>
+            </a:r>
+            <a:endParaRPr lang="en-US" sz="1600" dirty="0"/>
+          </a:p>
+          <a:p>
+            <a:endParaRPr lang="en-US" sz="1600" dirty="0"/>
+          </a:p>
+          <a:p>
+            <a:r>
+              <a:rPr lang="en-US" sz="1600" dirty="0" smtClean="0"/>
+              <a:t>We have not begin to do grammar parse because of the poor performance of classifications.</a:t>
             </a:r>
             <a:endParaRPr lang="en-US" sz="1600" dirty="0"/>
           </a:p>
@@ -18486,6 +18483,81 @@
           </a:p>
         </p:txBody>
       </p:sp>
+      <p:sp>
+        <p:nvSpPr>
+          <p:cNvPr id="59" name="TextBox 58"/>
+          <p:cNvSpPr txBox="1"/>
+          <p:nvPr/>
+        </p:nvSpPr>
+        <p:spPr>
+          <a:xfrm>
+            <a:off x="4029969" y="7825189"/>
+            <a:ext cx="4887877" cy="261610"/>
+          </a:xfrm>
+          <a:prstGeom prst="rect">
+            <a:avLst/>
+          </a:prstGeom>
+          <a:noFill/>
+        </p:spPr>
+        <p:txBody>
+          <a:bodyPr wrap="none" rtlCol="0">
+            <a:spAutoFit/>
+          </a:bodyPr>
+          <a:lstStyle/>
+          <a:p>
+            <a:r>
+              <a:rPr lang="en-US" sz="1100" dirty="0" smtClean="0"/>
+              <a:t>Image from http</a:t>
+            </a:r>
+            <a:r>
+              <a:rPr lang="en-US" sz="1100" dirty="0"/>
+              <a:t>://neuralnetworksanddeeplearning.com/chap6.html</a:t>
+            </a:r>
+          </a:p>
+        </p:txBody>
+      </p:sp>
+      <p:sp>
+        <p:nvSpPr>
+          <p:cNvPr id="60" name="TextBox 59"/>
+          <p:cNvSpPr txBox="1"/>
+          <p:nvPr/>
+        </p:nvSpPr>
+        <p:spPr>
+          <a:xfrm>
+            <a:off x="14063015" y="7170037"/>
+            <a:ext cx="2986715" cy="276999"/>
+          </a:xfrm>
+          <a:prstGeom prst="rect">
+            <a:avLst/>
+          </a:prstGeom>
+          <a:noFill/>
+        </p:spPr>
+        <p:txBody>
+          <a:bodyPr wrap="none" rtlCol="0">
+            <a:spAutoFit/>
+          </a:bodyPr>
+          <a:lstStyle/>
+          <a:p>
+            <a:r>
+              <a:rPr lang="en-US" sz="1200" dirty="0" smtClean="0"/>
+              <a:t>From: </a:t>
+            </a:r>
+            <a:r>
+              <a:rPr lang="en-US" sz="1200" dirty="0" err="1" smtClean="0"/>
+              <a:t>Proj</a:t>
+            </a:r>
+            <a:r>
+              <a:rPr lang="en-US" sz="1200" dirty="0" smtClean="0"/>
+              <a:t>. Crandall’s B657 course </a:t>
+            </a:r>
+            <a:r>
+              <a:rPr lang="en-US" sz="1200" dirty="0" err="1" smtClean="0"/>
+              <a:t>ppt</a:t>
+            </a:r>
+            <a:endParaRPr lang="en-US" sz="1200" dirty="0"/>
+          </a:p>
+        </p:txBody>
+      </p:sp>
     </p:spTree>
     <p:extLst>
       <p:ext uri="{BB962C8B-B14F-4D97-AF65-F5344CB8AC3E}">

--- a/poster/poster.pptx
+++ b/poster/poster.pptx
@@ -2589,10 +2589,24 @@
     <dgm:pt modelId="{F866022A-D2AA-4A46-B4AE-71A78DF3EA33}" type="pres">
       <dgm:prSet presAssocID="{58ACA46F-0EDE-461D-BEBD-29A61CB98173}" presName="sibTrans" presStyleLbl="sibTrans2D1" presStyleIdx="0" presStyleCnt="4"/>
       <dgm:spPr/>
+      <dgm:t>
+        <a:bodyPr/>
+        <a:lstStyle/>
+        <a:p>
+          <a:endParaRPr lang="en-US"/>
+        </a:p>
+      </dgm:t>
     </dgm:pt>
     <dgm:pt modelId="{44B2E350-D53D-4D67-BE98-2D9B43F14304}" type="pres">
       <dgm:prSet presAssocID="{58ACA46F-0EDE-461D-BEBD-29A61CB98173}" presName="connectorText" presStyleLbl="sibTrans2D1" presStyleIdx="0" presStyleCnt="4"/>
       <dgm:spPr/>
+      <dgm:t>
+        <a:bodyPr/>
+        <a:lstStyle/>
+        <a:p>
+          <a:endParaRPr lang="en-US"/>
+        </a:p>
+      </dgm:t>
     </dgm:pt>
     <dgm:pt modelId="{C4C2BEF5-5C60-448E-89F5-4BD5CAED99FE}" type="pres">
       <dgm:prSet presAssocID="{A5043937-004D-425D-A429-28A7E31AD772}" presName="node" presStyleLbl="node1" presStyleIdx="1" presStyleCnt="5">
@@ -2612,10 +2626,24 @@
     <dgm:pt modelId="{CF104C55-1006-4E9A-9416-5E2E5BC26564}" type="pres">
       <dgm:prSet presAssocID="{6583D0E6-4C7B-471B-A79E-350811A7F94D}" presName="sibTrans" presStyleLbl="sibTrans2D1" presStyleIdx="1" presStyleCnt="4"/>
       <dgm:spPr/>
+      <dgm:t>
+        <a:bodyPr/>
+        <a:lstStyle/>
+        <a:p>
+          <a:endParaRPr lang="en-US"/>
+        </a:p>
+      </dgm:t>
     </dgm:pt>
     <dgm:pt modelId="{5AEE9CDC-EBB1-4743-B1C0-BDA83C72B06B}" type="pres">
       <dgm:prSet presAssocID="{6583D0E6-4C7B-471B-A79E-350811A7F94D}" presName="connectorText" presStyleLbl="sibTrans2D1" presStyleIdx="1" presStyleCnt="4"/>
       <dgm:spPr/>
+      <dgm:t>
+        <a:bodyPr/>
+        <a:lstStyle/>
+        <a:p>
+          <a:endParaRPr lang="en-US"/>
+        </a:p>
+      </dgm:t>
     </dgm:pt>
     <dgm:pt modelId="{86296E7E-6EA3-4ABA-ACDF-D1AFBD1B63B5}" type="pres">
       <dgm:prSet presAssocID="{FD7DB4A5-0058-4630-8DC0-8525970CFA97}" presName="node" presStyleLbl="node1" presStyleIdx="2" presStyleCnt="5">
@@ -2635,10 +2663,24 @@
     <dgm:pt modelId="{08D1E9A9-E004-4605-98AD-2709FD8EEC4F}" type="pres">
       <dgm:prSet presAssocID="{2C7C92A4-2FC4-4214-AC1D-8FD4A26C317C}" presName="sibTrans" presStyleLbl="sibTrans2D1" presStyleIdx="2" presStyleCnt="4"/>
       <dgm:spPr/>
+      <dgm:t>
+        <a:bodyPr/>
+        <a:lstStyle/>
+        <a:p>
+          <a:endParaRPr lang="en-US"/>
+        </a:p>
+      </dgm:t>
     </dgm:pt>
     <dgm:pt modelId="{91A4755F-0E8A-4C2C-B206-3FCCD171BECE}" type="pres">
       <dgm:prSet presAssocID="{2C7C92A4-2FC4-4214-AC1D-8FD4A26C317C}" presName="connectorText" presStyleLbl="sibTrans2D1" presStyleIdx="2" presStyleCnt="4"/>
       <dgm:spPr/>
+      <dgm:t>
+        <a:bodyPr/>
+        <a:lstStyle/>
+        <a:p>
+          <a:endParaRPr lang="en-US"/>
+        </a:p>
+      </dgm:t>
     </dgm:pt>
     <dgm:pt modelId="{9318C361-EFD5-48E8-A5EF-C467CB4F2DB3}" type="pres">
       <dgm:prSet presAssocID="{E860163B-3864-43F3-861A-2D1A035BB4C8}" presName="node" presStyleLbl="node1" presStyleIdx="3" presStyleCnt="5">
@@ -2658,10 +2700,24 @@
     <dgm:pt modelId="{76DFEBD5-A236-45E4-B06D-D00A846A1D05}" type="pres">
       <dgm:prSet presAssocID="{122590E7-F017-4653-8CD5-8B18BF6F96BD}" presName="sibTrans" presStyleLbl="sibTrans2D1" presStyleIdx="3" presStyleCnt="4"/>
       <dgm:spPr/>
+      <dgm:t>
+        <a:bodyPr/>
+        <a:lstStyle/>
+        <a:p>
+          <a:endParaRPr lang="en-US"/>
+        </a:p>
+      </dgm:t>
     </dgm:pt>
     <dgm:pt modelId="{C0414C96-9679-4D57-82D8-AF2B39FA9366}" type="pres">
       <dgm:prSet presAssocID="{122590E7-F017-4653-8CD5-8B18BF6F96BD}" presName="connectorText" presStyleLbl="sibTrans2D1" presStyleIdx="3" presStyleCnt="4"/>
       <dgm:spPr/>
+      <dgm:t>
+        <a:bodyPr/>
+        <a:lstStyle/>
+        <a:p>
+          <a:endParaRPr lang="en-US"/>
+        </a:p>
+      </dgm:t>
     </dgm:pt>
     <dgm:pt modelId="{C3454348-444B-4654-8526-7EE6D250856B}" type="pres">
       <dgm:prSet presAssocID="{E6D38529-07CD-483A-9AED-B16B9F6BAC81}" presName="node" presStyleLbl="node1" presStyleIdx="4" presStyleCnt="5">
@@ -2670,6 +2726,13 @@
         </dgm:presLayoutVars>
       </dgm:prSet>
       <dgm:spPr/>
+      <dgm:t>
+        <a:bodyPr/>
+        <a:lstStyle/>
+        <a:p>
+          <a:endParaRPr lang="en-US"/>
+        </a:p>
+      </dgm:t>
     </dgm:pt>
   </dgm:ptLst>
   <dgm:cxnLst>
@@ -2710,7 +2773,7 @@
   <dgm:whole/>
   <dgm:extLst>
     <a:ext uri="http://schemas.microsoft.com/office/drawing/2008/diagram">
-      <dsp:dataModelExt xmlns:dsp="http://schemas.microsoft.com/office/drawing/2008/diagram" relId="rId46" minVer="http://schemas.openxmlformats.org/drawingml/2006/diagram"/>
+      <dsp:dataModelExt xmlns:dsp="http://schemas.microsoft.com/office/drawing/2008/diagram" relId="rId45" minVer="http://schemas.openxmlformats.org/drawingml/2006/diagram"/>
     </a:ext>
   </dgm:extLst>
 </dgm:dataModel>
@@ -14938,6 +15001,36 @@
           <a:chExt cx="0" cy="0"/>
         </a:xfrm>
       </p:grpSpPr>
+      <p:pic>
+        <p:nvPicPr>
+          <p:cNvPr id="14" name="Picture 13"/>
+          <p:cNvPicPr>
+            <a:picLocks noChangeAspect="1"/>
+          </p:cNvPicPr>
+          <p:nvPr/>
+        </p:nvPicPr>
+        <p:blipFill>
+          <a:blip r:embed="rId3">
+            <a:extLst>
+              <a:ext uri="{28A0092B-C50C-407E-A947-70E740481C1C}">
+                <a14:useLocalDpi xmlns:a14="http://schemas.microsoft.com/office/drawing/2010/main" val="0"/>
+              </a:ext>
+            </a:extLst>
+          </a:blip>
+          <a:stretch>
+            <a:fillRect/>
+          </a:stretch>
+        </p:blipFill>
+        <p:spPr>
+          <a:xfrm>
+            <a:off x="748638" y="6127699"/>
+            <a:ext cx="7186497" cy="2029128"/>
+          </a:xfrm>
+          <a:prstGeom prst="rect">
+            <a:avLst/>
+          </a:prstGeom>
+        </p:spPr>
+      </p:pic>
       <p:sp>
         <p:nvSpPr>
           <p:cNvPr id="4" name="TextBox 3"/>
@@ -15020,7 +15113,7 @@
           <p:nvPr/>
         </p:nvPicPr>
         <p:blipFill>
-          <a:blip r:embed="rId3">
+          <a:blip r:embed="rId4">
             <a:extLst>
               <a:ext uri="{28A0092B-C50C-407E-A947-70E740481C1C}">
                 <a14:useLocalDpi xmlns:a14="http://schemas.microsoft.com/office/drawing/2010/main" val="0"/>
@@ -15060,8 +15153,8 @@
         </p:nvGrpSpPr>
         <p:grpSpPr>
           <a:xfrm>
-            <a:off x="521699" y="21375775"/>
-            <a:ext cx="8396147" cy="5934744"/>
+            <a:off x="483535" y="21515475"/>
+            <a:ext cx="8409005" cy="5934744"/>
             <a:chOff x="328878" y="3063759"/>
             <a:chExt cx="8396147" cy="5934744"/>
           </a:xfrm>
@@ -15160,8 +15253,8 @@
         </p:nvSpPr>
         <p:spPr>
           <a:xfrm>
-            <a:off x="846871" y="22443633"/>
-            <a:ext cx="7747000" cy="4770537"/>
+            <a:off x="682645" y="22341196"/>
+            <a:ext cx="8185691" cy="5262979"/>
           </a:xfrm>
           <a:prstGeom prst="rect">
             <a:avLst/>
@@ -15176,11 +15269,7 @@
           <a:p>
             <a:r>
               <a:rPr lang="en-US" sz="1600" dirty="0" smtClean="0"/>
-              <a:t>First, we found it is very useful to have the character to be properly bold</a:t>
-            </a:r>
-            <a:r>
-              <a:rPr lang="en-US" sz="1600" dirty="0" smtClean="0"/>
-              <a:t> before we send it to the convolutional neural network. For </a:t>
+              <a:t>First, we found it is very useful to have the character to be properly bold before we send it to the convolutional neural network. For </a:t>
             </a:r>
             <a:r>
               <a:rPr lang="en-US" sz="1600" dirty="0" err="1" smtClean="0"/>
@@ -15201,11 +15290,7 @@
             </a:r>
             <a:r>
               <a:rPr lang="en-US" sz="1600" dirty="0" err="1" smtClean="0"/>
-              <a:t>L</a:t>
-            </a:r>
-            <a:r>
-              <a:rPr lang="en-US" sz="1600" dirty="0" err="1" smtClean="0"/>
-              <a:t>eNet</a:t>
+              <a:t>LeNet</a:t>
             </a:r>
             <a:r>
               <a:rPr lang="en-US" sz="1600" dirty="0" smtClean="0"/>
@@ -15238,19 +15323,7 @@
           <a:p>
             <a:r>
               <a:rPr lang="en-US" sz="1600" dirty="0" smtClean="0"/>
-              <a:t>We </a:t>
-            </a:r>
-            <a:r>
-              <a:rPr lang="en-US" sz="1600" dirty="0" smtClean="0"/>
-              <a:t>thank Prof. David Crandall for </a:t>
-            </a:r>
-            <a:r>
-              <a:rPr lang="en-US" sz="1600" dirty="0" smtClean="0"/>
-              <a:t>really helpful </a:t>
-            </a:r>
-            <a:r>
-              <a:rPr lang="en-US" sz="1600" dirty="0" smtClean="0"/>
-              <a:t>comments and discussions.</a:t>
+              <a:t>We thank Prof. David Crandall for really helpful comments and discussions.</a:t>
             </a:r>
           </a:p>
           <a:p>
@@ -15274,6 +15347,12 @@
               <a:rPr lang="en-US" sz="1600" dirty="0" smtClean="0"/>
               <a:t>.</a:t>
             </a:r>
+          </a:p>
+          <a:p>
+            <a:endParaRPr lang="en-US" sz="1600" dirty="0"/>
+          </a:p>
+          <a:p>
+            <a:endParaRPr lang="en-US" sz="1600" dirty="0" smtClean="0"/>
           </a:p>
           <a:p>
             <a:endParaRPr lang="en-US" sz="1600" dirty="0"/>
@@ -15317,7 +15396,7 @@
               <p:nvPr/>
             </p:nvPicPr>
             <p:blipFill>
-              <a:blip r:embed="rId4">
+              <a:blip r:embed="rId5">
                 <a:extLst>
                   <a:ext uri="{28A0092B-C50C-407E-A947-70E740481C1C}">
                     <a14:useLocalDpi xmlns:a14="http://schemas.microsoft.com/office/drawing/2010/main" val="0"/>
@@ -15358,7 +15437,7 @@
               <p:nvPr/>
             </p:nvPicPr>
             <p:blipFill>
-              <a:blip r:embed="rId5">
+              <a:blip r:embed="rId6">
                 <a:extLst>
                   <a:ext uri="{28A0092B-C50C-407E-A947-70E740481C1C}">
                     <a14:useLocalDpi xmlns:a14="http://schemas.microsoft.com/office/drawing/2010/main" val="0"/>
@@ -15399,7 +15478,7 @@
               <p:nvPr/>
             </p:nvPicPr>
             <p:blipFill>
-              <a:blip r:embed="rId6"/>
+              <a:blip r:embed="rId7"/>
               <a:stretch>
                 <a:fillRect/>
               </a:stretch>
@@ -15423,7 +15502,7 @@
               <p:nvPr/>
             </p:nvPicPr>
             <p:blipFill>
-              <a:blip r:embed="rId7">
+              <a:blip r:embed="rId8">
                 <a:extLst>
                   <a:ext uri="{28A0092B-C50C-407E-A947-70E740481C1C}">
                     <a14:useLocalDpi xmlns:a14="http://schemas.microsoft.com/office/drawing/2010/main" val="0"/>
@@ -15464,7 +15543,7 @@
               <p:nvPr/>
             </p:nvPicPr>
             <p:blipFill>
-              <a:blip r:embed="rId8"/>
+              <a:blip r:embed="rId9"/>
               <a:stretch>
                 <a:fillRect/>
               </a:stretch>
@@ -15899,19 +15978,7 @@
             <a:p>
               <a:r>
                 <a:rPr lang="en-US" sz="2000" dirty="0" smtClean="0"/>
-                <a:t>Since we use different data sources, </a:t>
-              </a:r>
-              <a:r>
-                <a:rPr lang="en-US" sz="2000" dirty="0" smtClean="0"/>
-                <a:t>and they use different image formats, we </a:t>
-              </a:r>
-              <a:r>
-                <a:rPr lang="en-US" sz="2000" dirty="0" smtClean="0"/>
-                <a:t>need to preprocess those </a:t>
-              </a:r>
-              <a:r>
-                <a:rPr lang="en-US" sz="2000" dirty="0" smtClean="0"/>
-                <a:t>data. Some of them is preprocessed, like </a:t>
+                <a:t>Since we use different data sources, and they use different image formats, we need to preprocess those data. Some of them is preprocessed, like </a:t>
               </a:r>
               <a:r>
                 <a:rPr lang="en-US" sz="2000" dirty="0" err="1" smtClean="0"/>
@@ -16142,10 +16209,10 @@
           </p:nvGrpSpPr>
           <p:grpSpPr>
             <a:xfrm>
-              <a:off x="488043" y="15825016"/>
-              <a:ext cx="8409380" cy="6303834"/>
-              <a:chOff x="328878" y="4182168"/>
-              <a:chExt cx="8396147" cy="6065133"/>
+              <a:off x="491091" y="15825016"/>
+              <a:ext cx="8406332" cy="6303834"/>
+              <a:chOff x="331921" y="4182168"/>
+              <a:chExt cx="8393104" cy="6065133"/>
             </a:xfrm>
           </p:grpSpPr>
           <p:sp>
@@ -16156,7 +16223,7 @@
             </p:nvSpPr>
             <p:spPr>
               <a:xfrm>
-                <a:off x="328878" y="5027119"/>
+                <a:off x="331921" y="5027119"/>
                 <a:ext cx="8391646" cy="5220182"/>
               </a:xfrm>
               <a:prstGeom prst="rect">
@@ -18095,11 +18162,7 @@
           <a:p>
             <a:r>
               <a:rPr lang="en-US" sz="2800" dirty="0" smtClean="0"/>
-              <a:t>We use the spanning tree algorithm, which treat the image as a graph, and assign edge to every two adjacent pixels, according to their difference in color. </a:t>
-            </a:r>
-            <a:r>
-              <a:rPr lang="en-US" sz="2800" dirty="0" smtClean="0"/>
-              <a:t>After we construct the graph, we find the minimum spanning tree for this graph, and cut some edges with weights over a threshold to get a forest.</a:t>
+              <a:t>We use the spanning tree algorithm, which treat the image as a graph, and assign edge to every two adjacent pixels, according to their difference in color. After we construct the graph, we find the minimum spanning tree for this graph, and cut some edges with weights over a threshold to get a forest.</a:t>
             </a:r>
             <a:endParaRPr lang="en-US" sz="2800" dirty="0"/>
           </a:p>
@@ -18284,52 +18347,11 @@
         <p:grpSpPr>
           <a:xfrm>
             <a:off x="476691" y="4078656"/>
-            <a:ext cx="8419511" cy="4138947"/>
+            <a:ext cx="8396147" cy="4138947"/>
             <a:chOff x="476691" y="4078656"/>
-            <a:chExt cx="8419511" cy="4138947"/>
+            <a:chExt cx="8396147" cy="4138947"/>
           </a:xfrm>
         </p:grpSpPr>
-        <p:pic>
-          <p:nvPicPr>
-            <p:cNvPr id="96" name="Picture 2" descr="http://neuralnetworksanddeeplearning.com/images/KSH.jpg"/>
-            <p:cNvPicPr>
-              <a:picLocks noChangeAspect="1" noChangeArrowheads="1"/>
-            </p:cNvPicPr>
-            <p:nvPr/>
-          </p:nvPicPr>
-          <p:blipFill>
-            <a:blip r:embed="rId41">
-              <a:extLst>
-                <a:ext uri="{28A0092B-C50C-407E-A947-70E740481C1C}">
-                  <a14:useLocalDpi xmlns:a14="http://schemas.microsoft.com/office/drawing/2010/main" val="0"/>
-                </a:ext>
-              </a:extLst>
-            </a:blip>
-            <a:srcRect/>
-            <a:stretch>
-              <a:fillRect/>
-            </a:stretch>
-          </p:blipFill>
-          <p:spPr bwMode="auto">
-            <a:xfrm>
-              <a:off x="604105" y="6061721"/>
-              <a:ext cx="8292097" cy="2000593"/>
-            </a:xfrm>
-            <a:prstGeom prst="rect">
-              <a:avLst/>
-            </a:prstGeom>
-            <a:noFill/>
-            <a:extLst>
-              <a:ext uri="{909E8E84-426E-40DD-AFC4-6F175D3DCCD1}">
-                <a14:hiddenFill xmlns:a14="http://schemas.microsoft.com/office/drawing/2010/main">
-                  <a:solidFill>
-                    <a:srgbClr val="FFFFFF"/>
-                  </a:solidFill>
-                </a14:hiddenFill>
-              </a:ext>
-            </a:extLst>
-          </p:spPr>
-        </p:pic>
         <p:graphicFrame>
           <p:nvGraphicFramePr>
             <p:cNvPr id="32" name="Diagram 31"/>
@@ -18348,7 +18370,7 @@
           </p:xfrm>
           <a:graphic>
             <a:graphicData uri="http://schemas.openxmlformats.org/drawingml/2006/diagram">
-              <dgm:relIds xmlns:dgm="http://schemas.openxmlformats.org/drawingml/2006/diagram" xmlns:r="http://schemas.openxmlformats.org/officeDocument/2006/relationships" r:dm="rId42" r:lo="rId43" r:qs="rId44" r:cs="rId45"/>
+              <dgm:relIds xmlns:dgm="http://schemas.openxmlformats.org/drawingml/2006/diagram" xmlns:r="http://schemas.openxmlformats.org/officeDocument/2006/relationships" r:dm="rId41" r:lo="rId42" r:qs="rId43" r:cs="rId44"/>
             </a:graphicData>
           </a:graphic>
         </p:graphicFrame>
@@ -18485,39 +18507,6 @@
       </p:sp>
       <p:sp>
         <p:nvSpPr>
-          <p:cNvPr id="59" name="TextBox 58"/>
-          <p:cNvSpPr txBox="1"/>
-          <p:nvPr/>
-        </p:nvSpPr>
-        <p:spPr>
-          <a:xfrm>
-            <a:off x="4029969" y="7825189"/>
-            <a:ext cx="4887877" cy="261610"/>
-          </a:xfrm>
-          <a:prstGeom prst="rect">
-            <a:avLst/>
-          </a:prstGeom>
-          <a:noFill/>
-        </p:spPr>
-        <p:txBody>
-          <a:bodyPr wrap="none" rtlCol="0">
-            <a:spAutoFit/>
-          </a:bodyPr>
-          <a:lstStyle/>
-          <a:p>
-            <a:r>
-              <a:rPr lang="en-US" sz="1100" dirty="0" smtClean="0"/>
-              <a:t>Image from http</a:t>
-            </a:r>
-            <a:r>
-              <a:rPr lang="en-US" sz="1100" dirty="0"/>
-              <a:t>://neuralnetworksanddeeplearning.com/chap6.html</a:t>
-            </a:r>
-          </a:p>
-        </p:txBody>
-      </p:sp>
-      <p:sp>
-        <p:nvSpPr>
           <p:cNvPr id="60" name="TextBox 59"/>
           <p:cNvSpPr txBox="1"/>
           <p:nvPr/>
@@ -18555,6 +18544,91 @@
               <a:t>ppt</a:t>
             </a:r>
             <a:endParaRPr lang="en-US" sz="1200" dirty="0"/>
+          </a:p>
+        </p:txBody>
+      </p:sp>
+      <p:sp>
+        <p:nvSpPr>
+          <p:cNvPr id="16" name="TextBox 15"/>
+          <p:cNvSpPr txBox="1"/>
+          <p:nvPr/>
+        </p:nvSpPr>
+        <p:spPr>
+          <a:xfrm>
+            <a:off x="6088093" y="6129252"/>
+            <a:ext cx="2858475" cy="369332"/>
+          </a:xfrm>
+          <a:prstGeom prst="rect">
+            <a:avLst/>
+          </a:prstGeom>
+          <a:noFill/>
+        </p:spPr>
+        <p:txBody>
+          <a:bodyPr wrap="none" rtlCol="0">
+            <a:spAutoFit/>
+          </a:bodyPr>
+          <a:lstStyle/>
+          <a:p>
+            <a:r>
+              <a:rPr lang="en-US" sz="1800" dirty="0"/>
+              <a:t>Architecture of </a:t>
+            </a:r>
+            <a:r>
+              <a:rPr lang="en-US" sz="1800" dirty="0" smtClean="0"/>
+              <a:t>LeNet-5 </a:t>
+            </a:r>
+            <a:endParaRPr lang="en-US" sz="1800" dirty="0"/>
+          </a:p>
+        </p:txBody>
+      </p:sp>
+      <p:sp>
+        <p:nvSpPr>
+          <p:cNvPr id="19" name="TextBox 18"/>
+          <p:cNvSpPr txBox="1"/>
+          <p:nvPr/>
+        </p:nvSpPr>
+        <p:spPr>
+          <a:xfrm>
+            <a:off x="6833805" y="6537030"/>
+            <a:ext cx="2034531" cy="369332"/>
+          </a:xfrm>
+          <a:prstGeom prst="rect">
+            <a:avLst/>
+          </a:prstGeom>
+          <a:noFill/>
+        </p:spPr>
+        <p:txBody>
+          <a:bodyPr wrap="none" rtlCol="0">
+            <a:spAutoFit/>
+          </a:bodyPr>
+          <a:lstStyle/>
+          <a:p>
+            <a:r>
+              <a:rPr lang="en-US" sz="900" dirty="0" smtClean="0"/>
+              <a:t>From: http</a:t>
+            </a:r>
+            <a:r>
+              <a:rPr lang="en-US" sz="900" dirty="0"/>
+              <a:t>://</a:t>
+            </a:r>
+            <a:r>
+              <a:rPr lang="en-US" sz="900" dirty="0" smtClean="0"/>
+              <a:t>eblearn.sourceforge</a:t>
+            </a:r>
+          </a:p>
+          <a:p>
+            <a:r>
+              <a:rPr lang="en-US" sz="900" dirty="0" err="1" smtClean="0"/>
+              <a:t>.</a:t>
+            </a:r>
+            <a:r>
+              <a:rPr lang="en-US" sz="900" dirty="0" err="1"/>
+              <a:t>net</a:t>
+            </a:r>
+            <a:r>
+              <a:rPr lang="en-US" sz="900" dirty="0"/>
+              <a:t>/beginner_tutorial2_train.html</a:t>
+            </a:r>
           </a:p>
         </p:txBody>
       </p:sp>

--- a/poster/poster.pptx
+++ b/poster/poster.pptx
@@ -116,753 +116,6 @@
 </file>
 
 <file path=ppt/diagrams/colors1.xml><?xml version="1.0" encoding="utf-8"?>
-<dgm:colorsDef xmlns:dgm="http://schemas.openxmlformats.org/drawingml/2006/diagram" xmlns:a="http://schemas.openxmlformats.org/drawingml/2006/main" uniqueId="urn:microsoft.com/office/officeart/2005/8/colors/accent1_2">
-  <dgm:title val=""/>
-  <dgm:desc val=""/>
-  <dgm:catLst>
-    <dgm:cat type="accent1" pri="11200"/>
-  </dgm:catLst>
-  <dgm:styleLbl name="node0">
-    <dgm:fillClrLst meth="repeat">
-      <a:schemeClr val="accent1"/>
-    </dgm:fillClrLst>
-    <dgm:linClrLst meth="repeat">
-      <a:schemeClr val="lt1"/>
-    </dgm:linClrLst>
-    <dgm:effectClrLst/>
-    <dgm:txLinClrLst/>
-    <dgm:txFillClrLst/>
-    <dgm:txEffectClrLst/>
-  </dgm:styleLbl>
-  <dgm:styleLbl name="alignNode1">
-    <dgm:fillClrLst meth="repeat">
-      <a:schemeClr val="accent1"/>
-    </dgm:fillClrLst>
-    <dgm:linClrLst meth="repeat">
-      <a:schemeClr val="accent1"/>
-    </dgm:linClrLst>
-    <dgm:effectClrLst/>
-    <dgm:txLinClrLst/>
-    <dgm:txFillClrLst/>
-    <dgm:txEffectClrLst/>
-  </dgm:styleLbl>
-  <dgm:styleLbl name="node1">
-    <dgm:fillClrLst meth="repeat">
-      <a:schemeClr val="accent1"/>
-    </dgm:fillClrLst>
-    <dgm:linClrLst meth="repeat">
-      <a:schemeClr val="lt1"/>
-    </dgm:linClrLst>
-    <dgm:effectClrLst/>
-    <dgm:txLinClrLst/>
-    <dgm:txFillClrLst/>
-    <dgm:txEffectClrLst/>
-  </dgm:styleLbl>
-  <dgm:styleLbl name="lnNode1">
-    <dgm:fillClrLst meth="repeat">
-      <a:schemeClr val="accent1"/>
-    </dgm:fillClrLst>
-    <dgm:linClrLst meth="repeat">
-      <a:schemeClr val="lt1"/>
-    </dgm:linClrLst>
-    <dgm:effectClrLst/>
-    <dgm:txLinClrLst/>
-    <dgm:txFillClrLst/>
-    <dgm:txEffectClrLst/>
-  </dgm:styleLbl>
-  <dgm:styleLbl name="vennNode1">
-    <dgm:fillClrLst meth="repeat">
-      <a:schemeClr val="accent1">
-        <a:alpha val="50000"/>
-      </a:schemeClr>
-    </dgm:fillClrLst>
-    <dgm:linClrLst meth="repeat">
-      <a:schemeClr val="lt1"/>
-    </dgm:linClrLst>
-    <dgm:effectClrLst/>
-    <dgm:txLinClrLst/>
-    <dgm:txFillClrLst/>
-    <dgm:txEffectClrLst/>
-  </dgm:styleLbl>
-  <dgm:styleLbl name="node2">
-    <dgm:fillClrLst meth="repeat">
-      <a:schemeClr val="accent1"/>
-    </dgm:fillClrLst>
-    <dgm:linClrLst meth="repeat">
-      <a:schemeClr val="lt1"/>
-    </dgm:linClrLst>
-    <dgm:effectClrLst/>
-    <dgm:txLinClrLst/>
-    <dgm:txFillClrLst/>
-    <dgm:txEffectClrLst/>
-  </dgm:styleLbl>
-  <dgm:styleLbl name="node3">
-    <dgm:fillClrLst meth="repeat">
-      <a:schemeClr val="accent1"/>
-    </dgm:fillClrLst>
-    <dgm:linClrLst meth="repeat">
-      <a:schemeClr val="lt1"/>
-    </dgm:linClrLst>
-    <dgm:effectClrLst/>
-    <dgm:txLinClrLst/>
-    <dgm:txFillClrLst/>
-    <dgm:txEffectClrLst/>
-  </dgm:styleLbl>
-  <dgm:styleLbl name="node4">
-    <dgm:fillClrLst meth="repeat">
-      <a:schemeClr val="accent1"/>
-    </dgm:fillClrLst>
-    <dgm:linClrLst meth="repeat">
-      <a:schemeClr val="lt1"/>
-    </dgm:linClrLst>
-    <dgm:effectClrLst/>
-    <dgm:txLinClrLst/>
-    <dgm:txFillClrLst/>
-    <dgm:txEffectClrLst/>
-  </dgm:styleLbl>
-  <dgm:styleLbl name="fgImgPlace1">
-    <dgm:fillClrLst meth="repeat">
-      <a:schemeClr val="accent1">
-        <a:tint val="50000"/>
-      </a:schemeClr>
-    </dgm:fillClrLst>
-    <dgm:linClrLst meth="repeat">
-      <a:schemeClr val="lt1"/>
-    </dgm:linClrLst>
-    <dgm:effectClrLst/>
-    <dgm:txLinClrLst/>
-    <dgm:txFillClrLst meth="repeat">
-      <a:schemeClr val="lt1"/>
-    </dgm:txFillClrLst>
-    <dgm:txEffectClrLst/>
-  </dgm:styleLbl>
-  <dgm:styleLbl name="alignImgPlace1">
-    <dgm:fillClrLst meth="repeat">
-      <a:schemeClr val="accent1">
-        <a:tint val="50000"/>
-      </a:schemeClr>
-    </dgm:fillClrLst>
-    <dgm:linClrLst meth="repeat">
-      <a:schemeClr val="lt1"/>
-    </dgm:linClrLst>
-    <dgm:effectClrLst/>
-    <dgm:txLinClrLst/>
-    <dgm:txFillClrLst meth="repeat">
-      <a:schemeClr val="lt1"/>
-    </dgm:txFillClrLst>
-    <dgm:txEffectClrLst/>
-  </dgm:styleLbl>
-  <dgm:styleLbl name="bgImgPlace1">
-    <dgm:fillClrLst meth="repeat">
-      <a:schemeClr val="accent1">
-        <a:tint val="50000"/>
-      </a:schemeClr>
-    </dgm:fillClrLst>
-    <dgm:linClrLst meth="repeat">
-      <a:schemeClr val="lt1"/>
-    </dgm:linClrLst>
-    <dgm:effectClrLst/>
-    <dgm:txLinClrLst/>
-    <dgm:txFillClrLst meth="repeat">
-      <a:schemeClr val="lt1"/>
-    </dgm:txFillClrLst>
-    <dgm:txEffectClrLst/>
-  </dgm:styleLbl>
-  <dgm:styleLbl name="sibTrans2D1">
-    <dgm:fillClrLst meth="repeat">
-      <a:schemeClr val="accent1">
-        <a:tint val="60000"/>
-      </a:schemeClr>
-    </dgm:fillClrLst>
-    <dgm:linClrLst meth="repeat">
-      <a:schemeClr val="accent1">
-        <a:tint val="60000"/>
-      </a:schemeClr>
-    </dgm:linClrLst>
-    <dgm:effectClrLst/>
-    <dgm:txLinClrLst/>
-    <dgm:txFillClrLst/>
-    <dgm:txEffectClrLst/>
-  </dgm:styleLbl>
-  <dgm:styleLbl name="fgSibTrans2D1">
-    <dgm:fillClrLst meth="repeat">
-      <a:schemeClr val="accent1">
-        <a:tint val="60000"/>
-      </a:schemeClr>
-    </dgm:fillClrLst>
-    <dgm:linClrLst meth="repeat">
-      <a:schemeClr val="accent1">
-        <a:tint val="60000"/>
-      </a:schemeClr>
-    </dgm:linClrLst>
-    <dgm:effectClrLst/>
-    <dgm:txLinClrLst/>
-    <dgm:txFillClrLst/>
-    <dgm:txEffectClrLst/>
-  </dgm:styleLbl>
-  <dgm:styleLbl name="bgSibTrans2D1">
-    <dgm:fillClrLst meth="repeat">
-      <a:schemeClr val="accent1">
-        <a:tint val="60000"/>
-      </a:schemeClr>
-    </dgm:fillClrLst>
-    <dgm:linClrLst meth="repeat">
-      <a:schemeClr val="accent1">
-        <a:tint val="60000"/>
-      </a:schemeClr>
-    </dgm:linClrLst>
-    <dgm:effectClrLst/>
-    <dgm:txLinClrLst/>
-    <dgm:txFillClrLst/>
-    <dgm:txEffectClrLst/>
-  </dgm:styleLbl>
-  <dgm:styleLbl name="sibTrans1D1">
-    <dgm:fillClrLst meth="repeat">
-      <a:schemeClr val="accent1"/>
-    </dgm:fillClrLst>
-    <dgm:linClrLst meth="repeat">
-      <a:schemeClr val="accent1"/>
-    </dgm:linClrLst>
-    <dgm:effectClrLst/>
-    <dgm:txLinClrLst/>
-    <dgm:txFillClrLst meth="repeat">
-      <a:schemeClr val="tx1"/>
-    </dgm:txFillClrLst>
-    <dgm:txEffectClrLst/>
-  </dgm:styleLbl>
-  <dgm:styleLbl name="callout">
-    <dgm:fillClrLst meth="repeat">
-      <a:schemeClr val="accent1"/>
-    </dgm:fillClrLst>
-    <dgm:linClrLst meth="repeat">
-      <a:schemeClr val="accent1">
-        <a:tint val="50000"/>
-      </a:schemeClr>
-    </dgm:linClrLst>
-    <dgm:effectClrLst/>
-    <dgm:txLinClrLst/>
-    <dgm:txFillClrLst meth="repeat">
-      <a:schemeClr val="tx1"/>
-    </dgm:txFillClrLst>
-    <dgm:txEffectClrLst/>
-  </dgm:styleLbl>
-  <dgm:styleLbl name="asst0">
-    <dgm:fillClrLst meth="repeat">
-      <a:schemeClr val="accent1"/>
-    </dgm:fillClrLst>
-    <dgm:linClrLst meth="repeat">
-      <a:schemeClr val="lt1"/>
-    </dgm:linClrLst>
-    <dgm:effectClrLst/>
-    <dgm:txLinClrLst/>
-    <dgm:txFillClrLst/>
-    <dgm:txEffectClrLst/>
-  </dgm:styleLbl>
-  <dgm:styleLbl name="asst1">
-    <dgm:fillClrLst meth="repeat">
-      <a:schemeClr val="accent1"/>
-    </dgm:fillClrLst>
-    <dgm:linClrLst meth="repeat">
-      <a:schemeClr val="lt1"/>
-    </dgm:linClrLst>
-    <dgm:effectClrLst/>
-    <dgm:txLinClrLst/>
-    <dgm:txFillClrLst/>
-    <dgm:txEffectClrLst/>
-  </dgm:styleLbl>
-  <dgm:styleLbl name="asst2">
-    <dgm:fillClrLst meth="repeat">
-      <a:schemeClr val="accent1"/>
-    </dgm:fillClrLst>
-    <dgm:linClrLst meth="repeat">
-      <a:schemeClr val="lt1"/>
-    </dgm:linClrLst>
-    <dgm:effectClrLst/>
-    <dgm:txLinClrLst/>
-    <dgm:txFillClrLst/>
-    <dgm:txEffectClrLst/>
-  </dgm:styleLbl>
-  <dgm:styleLbl name="asst3">
-    <dgm:fillClrLst meth="repeat">
-      <a:schemeClr val="accent1"/>
-    </dgm:fillClrLst>
-    <dgm:linClrLst meth="repeat">
-      <a:schemeClr val="lt1"/>
-    </dgm:linClrLst>
-    <dgm:effectClrLst/>
-    <dgm:txLinClrLst/>
-    <dgm:txFillClrLst/>
-    <dgm:txEffectClrLst/>
-  </dgm:styleLbl>
-  <dgm:styleLbl name="asst4">
-    <dgm:fillClrLst meth="repeat">
-      <a:schemeClr val="accent1"/>
-    </dgm:fillClrLst>
-    <dgm:linClrLst meth="repeat">
-      <a:schemeClr val="lt1"/>
-    </dgm:linClrLst>
-    <dgm:effectClrLst/>
-    <dgm:txLinClrLst/>
-    <dgm:txFillClrLst/>
-    <dgm:txEffectClrLst/>
-  </dgm:styleLbl>
-  <dgm:styleLbl name="parChTrans2D1">
-    <dgm:fillClrLst meth="repeat">
-      <a:schemeClr val="accent1">
-        <a:tint val="60000"/>
-      </a:schemeClr>
-    </dgm:fillClrLst>
-    <dgm:linClrLst meth="repeat">
-      <a:schemeClr val="accent1">
-        <a:tint val="60000"/>
-      </a:schemeClr>
-    </dgm:linClrLst>
-    <dgm:effectClrLst/>
-    <dgm:txLinClrLst/>
-    <dgm:txFillClrLst meth="repeat">
-      <a:schemeClr val="lt1"/>
-    </dgm:txFillClrLst>
-    <dgm:txEffectClrLst/>
-  </dgm:styleLbl>
-  <dgm:styleLbl name="parChTrans2D2">
-    <dgm:fillClrLst meth="repeat">
-      <a:schemeClr val="accent1"/>
-    </dgm:fillClrLst>
-    <dgm:linClrLst meth="repeat">
-      <a:schemeClr val="accent1"/>
-    </dgm:linClrLst>
-    <dgm:effectClrLst/>
-    <dgm:txLinClrLst/>
-    <dgm:txFillClrLst meth="repeat">
-      <a:schemeClr val="lt1"/>
-    </dgm:txFillClrLst>
-    <dgm:txEffectClrLst/>
-  </dgm:styleLbl>
-  <dgm:styleLbl name="parChTrans2D3">
-    <dgm:fillClrLst meth="repeat">
-      <a:schemeClr val="accent1"/>
-    </dgm:fillClrLst>
-    <dgm:linClrLst meth="repeat">
-      <a:schemeClr val="accent1"/>
-    </dgm:linClrLst>
-    <dgm:effectClrLst/>
-    <dgm:txLinClrLst/>
-    <dgm:txFillClrLst meth="repeat">
-      <a:schemeClr val="lt1"/>
-    </dgm:txFillClrLst>
-    <dgm:txEffectClrLst/>
-  </dgm:styleLbl>
-  <dgm:styleLbl name="parChTrans2D4">
-    <dgm:fillClrLst meth="repeat">
-      <a:schemeClr val="accent1"/>
-    </dgm:fillClrLst>
-    <dgm:linClrLst meth="repeat">
-      <a:schemeClr val="accent1"/>
-    </dgm:linClrLst>
-    <dgm:effectClrLst/>
-    <dgm:txLinClrLst/>
-    <dgm:txFillClrLst meth="repeat">
-      <a:schemeClr val="lt1"/>
-    </dgm:txFillClrLst>
-    <dgm:txEffectClrLst/>
-  </dgm:styleLbl>
-  <dgm:styleLbl name="parChTrans1D1">
-    <dgm:fillClrLst meth="repeat">
-      <a:schemeClr val="accent1"/>
-    </dgm:fillClrLst>
-    <dgm:linClrLst meth="repeat">
-      <a:schemeClr val="accent1">
-        <a:shade val="60000"/>
-      </a:schemeClr>
-    </dgm:linClrLst>
-    <dgm:effectClrLst/>
-    <dgm:txLinClrLst/>
-    <dgm:txFillClrLst meth="repeat">
-      <a:schemeClr val="tx1"/>
-    </dgm:txFillClrLst>
-    <dgm:txEffectClrLst/>
-  </dgm:styleLbl>
-  <dgm:styleLbl name="parChTrans1D2">
-    <dgm:fillClrLst meth="repeat">
-      <a:schemeClr val="accent1"/>
-    </dgm:fillClrLst>
-    <dgm:linClrLst meth="repeat">
-      <a:schemeClr val="accent1">
-        <a:shade val="60000"/>
-      </a:schemeClr>
-    </dgm:linClrLst>
-    <dgm:effectClrLst/>
-    <dgm:txLinClrLst/>
-    <dgm:txFillClrLst meth="repeat">
-      <a:schemeClr val="tx1"/>
-    </dgm:txFillClrLst>
-    <dgm:txEffectClrLst/>
-  </dgm:styleLbl>
-  <dgm:styleLbl name="parChTrans1D3">
-    <dgm:fillClrLst meth="repeat">
-      <a:schemeClr val="accent1"/>
-    </dgm:fillClrLst>
-    <dgm:linClrLst meth="repeat">
-      <a:schemeClr val="accent1">
-        <a:shade val="80000"/>
-      </a:schemeClr>
-    </dgm:linClrLst>
-    <dgm:effectClrLst/>
-    <dgm:txLinClrLst/>
-    <dgm:txFillClrLst meth="repeat">
-      <a:schemeClr val="tx1"/>
-    </dgm:txFillClrLst>
-    <dgm:txEffectClrLst/>
-  </dgm:styleLbl>
-  <dgm:styleLbl name="parChTrans1D4">
-    <dgm:fillClrLst meth="repeat">
-      <a:schemeClr val="accent1"/>
-    </dgm:fillClrLst>
-    <dgm:linClrLst meth="repeat">
-      <a:schemeClr val="accent1">
-        <a:shade val="80000"/>
-      </a:schemeClr>
-    </dgm:linClrLst>
-    <dgm:effectClrLst/>
-    <dgm:txLinClrLst/>
-    <dgm:txFillClrLst meth="repeat">
-      <a:schemeClr val="tx1"/>
-    </dgm:txFillClrLst>
-    <dgm:txEffectClrLst/>
-  </dgm:styleLbl>
-  <dgm:styleLbl name="fgAcc1">
-    <dgm:fillClrLst meth="repeat">
-      <a:schemeClr val="lt1">
-        <a:alpha val="90000"/>
-      </a:schemeClr>
-    </dgm:fillClrLst>
-    <dgm:linClrLst meth="repeat">
-      <a:schemeClr val="accent1"/>
-    </dgm:linClrLst>
-    <dgm:effectClrLst/>
-    <dgm:txLinClrLst/>
-    <dgm:txFillClrLst meth="repeat">
-      <a:schemeClr val="dk1"/>
-    </dgm:txFillClrLst>
-    <dgm:txEffectClrLst/>
-  </dgm:styleLbl>
-  <dgm:styleLbl name="conFgAcc1">
-    <dgm:fillClrLst meth="repeat">
-      <a:schemeClr val="lt1">
-        <a:alpha val="90000"/>
-      </a:schemeClr>
-    </dgm:fillClrLst>
-    <dgm:linClrLst meth="repeat">
-      <a:schemeClr val="accent1"/>
-    </dgm:linClrLst>
-    <dgm:effectClrLst/>
-    <dgm:txLinClrLst/>
-    <dgm:txFillClrLst meth="repeat">
-      <a:schemeClr val="dk1"/>
-    </dgm:txFillClrLst>
-    <dgm:txEffectClrLst/>
-  </dgm:styleLbl>
-  <dgm:styleLbl name="alignAcc1">
-    <dgm:fillClrLst meth="repeat">
-      <a:schemeClr val="lt1">
-        <a:alpha val="90000"/>
-      </a:schemeClr>
-    </dgm:fillClrLst>
-    <dgm:linClrLst meth="repeat">
-      <a:schemeClr val="accent1"/>
-    </dgm:linClrLst>
-    <dgm:effectClrLst/>
-    <dgm:txLinClrLst/>
-    <dgm:txFillClrLst meth="repeat">
-      <a:schemeClr val="dk1"/>
-    </dgm:txFillClrLst>
-    <dgm:txEffectClrLst/>
-  </dgm:styleLbl>
-  <dgm:styleLbl name="trAlignAcc1">
-    <dgm:fillClrLst meth="repeat">
-      <a:schemeClr val="lt1">
-        <a:alpha val="40000"/>
-      </a:schemeClr>
-    </dgm:fillClrLst>
-    <dgm:linClrLst meth="repeat">
-      <a:schemeClr val="accent1"/>
-    </dgm:linClrLst>
-    <dgm:effectClrLst/>
-    <dgm:txLinClrLst/>
-    <dgm:txFillClrLst meth="repeat">
-      <a:schemeClr val="dk1"/>
-    </dgm:txFillClrLst>
-    <dgm:txEffectClrLst/>
-  </dgm:styleLbl>
-  <dgm:styleLbl name="bgAcc1">
-    <dgm:fillClrLst meth="repeat">
-      <a:schemeClr val="lt1">
-        <a:alpha val="90000"/>
-      </a:schemeClr>
-    </dgm:fillClrLst>
-    <dgm:linClrLst meth="repeat">
-      <a:schemeClr val="accent1"/>
-    </dgm:linClrLst>
-    <dgm:effectClrLst/>
-    <dgm:txLinClrLst/>
-    <dgm:txFillClrLst meth="repeat">
-      <a:schemeClr val="dk1"/>
-    </dgm:txFillClrLst>
-    <dgm:txEffectClrLst/>
-  </dgm:styleLbl>
-  <dgm:styleLbl name="solidFgAcc1">
-    <dgm:fillClrLst meth="repeat">
-      <a:schemeClr val="lt1"/>
-    </dgm:fillClrLst>
-    <dgm:linClrLst meth="repeat">
-      <a:schemeClr val="accent1"/>
-    </dgm:linClrLst>
-    <dgm:effectClrLst/>
-    <dgm:txLinClrLst/>
-    <dgm:txFillClrLst meth="repeat">
-      <a:schemeClr val="dk1"/>
-    </dgm:txFillClrLst>
-    <dgm:txEffectClrLst/>
-  </dgm:styleLbl>
-  <dgm:styleLbl name="solidAlignAcc1">
-    <dgm:fillClrLst meth="repeat">
-      <a:schemeClr val="lt1"/>
-    </dgm:fillClrLst>
-    <dgm:linClrLst meth="repeat">
-      <a:schemeClr val="accent1"/>
-    </dgm:linClrLst>
-    <dgm:effectClrLst/>
-    <dgm:txLinClrLst/>
-    <dgm:txFillClrLst meth="repeat">
-      <a:schemeClr val="dk1"/>
-    </dgm:txFillClrLst>
-    <dgm:txEffectClrLst/>
-  </dgm:styleLbl>
-  <dgm:styleLbl name="solidBgAcc1">
-    <dgm:fillClrLst meth="repeat">
-      <a:schemeClr val="lt1"/>
-    </dgm:fillClrLst>
-    <dgm:linClrLst meth="repeat">
-      <a:schemeClr val="accent1"/>
-    </dgm:linClrLst>
-    <dgm:effectClrLst/>
-    <dgm:txLinClrLst/>
-    <dgm:txFillClrLst meth="repeat">
-      <a:schemeClr val="dk1"/>
-    </dgm:txFillClrLst>
-    <dgm:txEffectClrLst/>
-  </dgm:styleLbl>
-  <dgm:styleLbl name="fgAccFollowNode1">
-    <dgm:fillClrLst meth="repeat">
-      <a:schemeClr val="accent1">
-        <a:alpha val="90000"/>
-        <a:tint val="40000"/>
-      </a:schemeClr>
-    </dgm:fillClrLst>
-    <dgm:linClrLst meth="repeat">
-      <a:schemeClr val="accent1">
-        <a:alpha val="90000"/>
-        <a:tint val="40000"/>
-      </a:schemeClr>
-    </dgm:linClrLst>
-    <dgm:effectClrLst/>
-    <dgm:txLinClrLst/>
-    <dgm:txFillClrLst meth="repeat">
-      <a:schemeClr val="dk1"/>
-    </dgm:txFillClrLst>
-    <dgm:txEffectClrLst/>
-  </dgm:styleLbl>
-  <dgm:styleLbl name="alignAccFollowNode1">
-    <dgm:fillClrLst meth="repeat">
-      <a:schemeClr val="accent1">
-        <a:alpha val="90000"/>
-        <a:tint val="40000"/>
-      </a:schemeClr>
-    </dgm:fillClrLst>
-    <dgm:linClrLst meth="repeat">
-      <a:schemeClr val="accent1">
-        <a:alpha val="90000"/>
-        <a:tint val="40000"/>
-      </a:schemeClr>
-    </dgm:linClrLst>
-    <dgm:effectClrLst/>
-    <dgm:txLinClrLst/>
-    <dgm:txFillClrLst meth="repeat">
-      <a:schemeClr val="dk1"/>
-    </dgm:txFillClrLst>
-    <dgm:txEffectClrLst/>
-  </dgm:styleLbl>
-  <dgm:styleLbl name="bgAccFollowNode1">
-    <dgm:fillClrLst meth="repeat">
-      <a:schemeClr val="accent1">
-        <a:alpha val="90000"/>
-        <a:tint val="40000"/>
-      </a:schemeClr>
-    </dgm:fillClrLst>
-    <dgm:linClrLst meth="repeat">
-      <a:schemeClr val="accent1">
-        <a:alpha val="90000"/>
-        <a:tint val="40000"/>
-      </a:schemeClr>
-    </dgm:linClrLst>
-    <dgm:effectClrLst/>
-    <dgm:txLinClrLst/>
-    <dgm:txFillClrLst meth="repeat">
-      <a:schemeClr val="dk1"/>
-    </dgm:txFillClrLst>
-    <dgm:txEffectClrLst/>
-  </dgm:styleLbl>
-  <dgm:styleLbl name="fgAcc0">
-    <dgm:fillClrLst meth="repeat">
-      <a:schemeClr val="lt1">
-        <a:alpha val="90000"/>
-      </a:schemeClr>
-    </dgm:fillClrLst>
-    <dgm:linClrLst meth="repeat">
-      <a:schemeClr val="accent1"/>
-    </dgm:linClrLst>
-    <dgm:effectClrLst/>
-    <dgm:txLinClrLst/>
-    <dgm:txFillClrLst meth="repeat">
-      <a:schemeClr val="dk1"/>
-    </dgm:txFillClrLst>
-    <dgm:txEffectClrLst/>
-  </dgm:styleLbl>
-  <dgm:styleLbl name="fgAcc2">
-    <dgm:fillClrLst meth="repeat">
-      <a:schemeClr val="lt1">
-        <a:alpha val="90000"/>
-      </a:schemeClr>
-    </dgm:fillClrLst>
-    <dgm:linClrLst meth="repeat">
-      <a:schemeClr val="accent1"/>
-    </dgm:linClrLst>
-    <dgm:effectClrLst/>
-    <dgm:txLinClrLst/>
-    <dgm:txFillClrLst meth="repeat">
-      <a:schemeClr val="dk1"/>
-    </dgm:txFillClrLst>
-    <dgm:txEffectClrLst/>
-  </dgm:styleLbl>
-  <dgm:styleLbl name="fgAcc3">
-    <dgm:fillClrLst meth="repeat">
-      <a:schemeClr val="lt1">
-        <a:alpha val="90000"/>
-      </a:schemeClr>
-    </dgm:fillClrLst>
-    <dgm:linClrLst meth="repeat">
-      <a:schemeClr val="accent1"/>
-    </dgm:linClrLst>
-    <dgm:effectClrLst/>
-    <dgm:txLinClrLst/>
-    <dgm:txFillClrLst meth="repeat">
-      <a:schemeClr val="dk1"/>
-    </dgm:txFillClrLst>
-    <dgm:txEffectClrLst/>
-  </dgm:styleLbl>
-  <dgm:styleLbl name="fgAcc4">
-    <dgm:fillClrLst meth="repeat">
-      <a:schemeClr val="lt1">
-        <a:alpha val="90000"/>
-      </a:schemeClr>
-    </dgm:fillClrLst>
-    <dgm:linClrLst meth="repeat">
-      <a:schemeClr val="accent1"/>
-    </dgm:linClrLst>
-    <dgm:effectClrLst/>
-    <dgm:txLinClrLst/>
-    <dgm:txFillClrLst meth="repeat">
-      <a:schemeClr val="dk1"/>
-    </dgm:txFillClrLst>
-    <dgm:txEffectClrLst/>
-  </dgm:styleLbl>
-  <dgm:styleLbl name="bgShp">
-    <dgm:fillClrLst meth="repeat">
-      <a:schemeClr val="accent1">
-        <a:tint val="40000"/>
-      </a:schemeClr>
-    </dgm:fillClrLst>
-    <dgm:linClrLst meth="repeat">
-      <a:schemeClr val="accent1"/>
-    </dgm:linClrLst>
-    <dgm:effectClrLst/>
-    <dgm:txLinClrLst/>
-    <dgm:txFillClrLst meth="repeat">
-      <a:schemeClr val="dk1"/>
-    </dgm:txFillClrLst>
-    <dgm:txEffectClrLst/>
-  </dgm:styleLbl>
-  <dgm:styleLbl name="dkBgShp">
-    <dgm:fillClrLst meth="repeat">
-      <a:schemeClr val="accent1">
-        <a:shade val="80000"/>
-      </a:schemeClr>
-    </dgm:fillClrLst>
-    <dgm:linClrLst meth="repeat">
-      <a:schemeClr val="accent1"/>
-    </dgm:linClrLst>
-    <dgm:effectClrLst/>
-    <dgm:txLinClrLst/>
-    <dgm:txFillClrLst meth="repeat">
-      <a:schemeClr val="lt1"/>
-    </dgm:txFillClrLst>
-    <dgm:txEffectClrLst/>
-  </dgm:styleLbl>
-  <dgm:styleLbl name="trBgShp">
-    <dgm:fillClrLst meth="repeat">
-      <a:schemeClr val="accent1">
-        <a:tint val="50000"/>
-        <a:alpha val="40000"/>
-      </a:schemeClr>
-    </dgm:fillClrLst>
-    <dgm:linClrLst meth="repeat">
-      <a:schemeClr val="accent1"/>
-    </dgm:linClrLst>
-    <dgm:effectClrLst/>
-    <dgm:txLinClrLst/>
-    <dgm:txFillClrLst meth="repeat">
-      <a:schemeClr val="lt1"/>
-    </dgm:txFillClrLst>
-    <dgm:txEffectClrLst/>
-  </dgm:styleLbl>
-  <dgm:styleLbl name="fgShp">
-    <dgm:fillClrLst meth="repeat">
-      <a:schemeClr val="accent1">
-        <a:tint val="60000"/>
-      </a:schemeClr>
-    </dgm:fillClrLst>
-    <dgm:linClrLst meth="repeat">
-      <a:schemeClr val="lt1"/>
-    </dgm:linClrLst>
-    <dgm:effectClrLst/>
-    <dgm:txLinClrLst/>
-    <dgm:txFillClrLst meth="repeat">
-      <a:schemeClr val="dk1"/>
-    </dgm:txFillClrLst>
-    <dgm:txEffectClrLst/>
-  </dgm:styleLbl>
-  <dgm:styleLbl name="revTx">
-    <dgm:fillClrLst meth="repeat">
-      <a:schemeClr val="lt1">
-        <a:alpha val="0"/>
-      </a:schemeClr>
-    </dgm:fillClrLst>
-    <dgm:linClrLst meth="repeat">
-      <a:schemeClr val="dk1">
-        <a:alpha val="0"/>
-      </a:schemeClr>
-    </dgm:linClrLst>
-    <dgm:effectClrLst/>
-    <dgm:txLinClrLst/>
-    <dgm:txFillClrLst meth="repeat">
-      <a:schemeClr val="tx1"/>
-    </dgm:txFillClrLst>
-    <dgm:txEffectClrLst/>
-  </dgm:styleLbl>
-</dgm:colorsDef>
-</file>
-
-<file path=ppt/diagrams/colors2.xml><?xml version="1.0" encoding="utf-8"?>
 <dgm:colorsDef xmlns:dgm="http://schemas.openxmlformats.org/drawingml/2006/diagram" xmlns:a="http://schemas.openxmlformats.org/drawingml/2006/main" uniqueId="urn:microsoft.com/office/officeart/2005/8/colors/accent1_2">
   <dgm:title val=""/>
   <dgm:desc val=""/>
@@ -2364,416 +1617,7 @@
   <dgm:whole/>
   <dgm:extLst>
     <a:ext uri="http://schemas.microsoft.com/office/drawing/2008/diagram">
-      <dsp:dataModelExt xmlns:dsp="http://schemas.microsoft.com/office/drawing/2008/diagram" relId="rId35" minVer="http://schemas.openxmlformats.org/drawingml/2006/diagram"/>
-    </a:ext>
-  </dgm:extLst>
-</dgm:dataModel>
-</file>
-
-<file path=ppt/diagrams/data2.xml><?xml version="1.0" encoding="utf-8"?>
-<dgm:dataModel xmlns:dgm="http://schemas.openxmlformats.org/drawingml/2006/diagram" xmlns:a="http://schemas.openxmlformats.org/drawingml/2006/main">
-  <dgm:ptLst>
-    <dgm:pt modelId="{2CDA51F7-1808-4048-BB09-9FA5DA6FE0DB}" type="doc">
-      <dgm:prSet loTypeId="urn:microsoft.com/office/officeart/2005/8/layout/process1" loCatId="process" qsTypeId="urn:microsoft.com/office/officeart/2005/8/quickstyle/simple1" qsCatId="simple" csTypeId="urn:microsoft.com/office/officeart/2005/8/colors/accent1_2" csCatId="accent1" phldr="1"/>
-      <dgm:spPr/>
-    </dgm:pt>
-    <dgm:pt modelId="{2584B8D0-03F5-4956-AF86-C085D56B3783}">
-      <dgm:prSet phldrT="[Text]"/>
-      <dgm:spPr/>
-      <dgm:t>
-        <a:bodyPr/>
-        <a:lstStyle/>
-        <a:p>
-          <a:r>
-            <a:rPr lang="en-US" dirty="0" smtClean="0"/>
-            <a:t>Formula image</a:t>
-          </a:r>
-          <a:endParaRPr lang="en-US" dirty="0"/>
-        </a:p>
-      </dgm:t>
-    </dgm:pt>
-    <dgm:pt modelId="{F22473AC-A50F-4114-A430-448C94972BB9}" type="parTrans" cxnId="{81E4D748-FC33-4A1B-B0D9-5776DA69C012}">
-      <dgm:prSet/>
-      <dgm:spPr/>
-      <dgm:t>
-        <a:bodyPr/>
-        <a:lstStyle/>
-        <a:p>
-          <a:endParaRPr lang="en-US"/>
-        </a:p>
-      </dgm:t>
-    </dgm:pt>
-    <dgm:pt modelId="{58ACA46F-0EDE-461D-BEBD-29A61CB98173}" type="sibTrans" cxnId="{81E4D748-FC33-4A1B-B0D9-5776DA69C012}">
-      <dgm:prSet/>
-      <dgm:spPr/>
-      <dgm:t>
-        <a:bodyPr/>
-        <a:lstStyle/>
-        <a:p>
-          <a:endParaRPr lang="en-US"/>
-        </a:p>
-      </dgm:t>
-    </dgm:pt>
-    <dgm:pt modelId="{A5043937-004D-425D-A429-28A7E31AD772}">
-      <dgm:prSet phldrT="[Text]"/>
-      <dgm:spPr/>
-      <dgm:t>
-        <a:bodyPr/>
-        <a:lstStyle/>
-        <a:p>
-          <a:r>
-            <a:rPr lang="en-US" dirty="0" smtClean="0"/>
-            <a:t>Segmentation</a:t>
-          </a:r>
-          <a:endParaRPr lang="en-US" dirty="0"/>
-        </a:p>
-      </dgm:t>
-    </dgm:pt>
-    <dgm:pt modelId="{1E32AF5B-3105-43EB-8217-C1CAB94CE7FF}" type="parTrans" cxnId="{762F28C4-1806-41D0-AA0D-AC8BEA5FB08D}">
-      <dgm:prSet/>
-      <dgm:spPr/>
-      <dgm:t>
-        <a:bodyPr/>
-        <a:lstStyle/>
-        <a:p>
-          <a:endParaRPr lang="en-US"/>
-        </a:p>
-      </dgm:t>
-    </dgm:pt>
-    <dgm:pt modelId="{6583D0E6-4C7B-471B-A79E-350811A7F94D}" type="sibTrans" cxnId="{762F28C4-1806-41D0-AA0D-AC8BEA5FB08D}">
-      <dgm:prSet/>
-      <dgm:spPr/>
-      <dgm:t>
-        <a:bodyPr/>
-        <a:lstStyle/>
-        <a:p>
-          <a:endParaRPr lang="en-US"/>
-        </a:p>
-      </dgm:t>
-    </dgm:pt>
-    <dgm:pt modelId="{FD7DB4A5-0058-4630-8DC0-8525970CFA97}">
-      <dgm:prSet phldrT="[Text]"/>
-      <dgm:spPr/>
-      <dgm:t>
-        <a:bodyPr/>
-        <a:lstStyle/>
-        <a:p>
-          <a:r>
-            <a:rPr lang="en-US" dirty="0" smtClean="0"/>
-            <a:t>Classification</a:t>
-          </a:r>
-          <a:endParaRPr lang="en-US" dirty="0"/>
-        </a:p>
-      </dgm:t>
-    </dgm:pt>
-    <dgm:pt modelId="{BCC13EA0-9C14-4CDA-9B99-EC4E6FB641FF}" type="parTrans" cxnId="{7DFA686E-8331-4ECB-901C-FE6220CAF036}">
-      <dgm:prSet/>
-      <dgm:spPr/>
-      <dgm:t>
-        <a:bodyPr/>
-        <a:lstStyle/>
-        <a:p>
-          <a:endParaRPr lang="en-US"/>
-        </a:p>
-      </dgm:t>
-    </dgm:pt>
-    <dgm:pt modelId="{2C7C92A4-2FC4-4214-AC1D-8FD4A26C317C}" type="sibTrans" cxnId="{7DFA686E-8331-4ECB-901C-FE6220CAF036}">
-      <dgm:prSet/>
-      <dgm:spPr/>
-      <dgm:t>
-        <a:bodyPr/>
-        <a:lstStyle/>
-        <a:p>
-          <a:endParaRPr lang="en-US"/>
-        </a:p>
-      </dgm:t>
-    </dgm:pt>
-    <dgm:pt modelId="{E860163B-3864-43F3-861A-2D1A035BB4C8}">
-      <dgm:prSet phldrT="[Text]"/>
-      <dgm:spPr/>
-      <dgm:t>
-        <a:bodyPr/>
-        <a:lstStyle/>
-        <a:p>
-          <a:r>
-            <a:rPr lang="en-US" dirty="0" smtClean="0"/>
-            <a:t>Parser</a:t>
-          </a:r>
-          <a:endParaRPr lang="en-US" dirty="0"/>
-        </a:p>
-      </dgm:t>
-    </dgm:pt>
-    <dgm:pt modelId="{30DABF37-72A6-498C-A3E4-B71FCA4740CC}" type="parTrans" cxnId="{6A94D023-DF46-4D4B-AFA8-604AEE8977F7}">
-      <dgm:prSet/>
-      <dgm:spPr/>
-      <dgm:t>
-        <a:bodyPr/>
-        <a:lstStyle/>
-        <a:p>
-          <a:endParaRPr lang="en-US"/>
-        </a:p>
-      </dgm:t>
-    </dgm:pt>
-    <dgm:pt modelId="{122590E7-F017-4653-8CD5-8B18BF6F96BD}" type="sibTrans" cxnId="{6A94D023-DF46-4D4B-AFA8-604AEE8977F7}">
-      <dgm:prSet/>
-      <dgm:spPr/>
-      <dgm:t>
-        <a:bodyPr/>
-        <a:lstStyle/>
-        <a:p>
-          <a:endParaRPr lang="en-US"/>
-        </a:p>
-      </dgm:t>
-    </dgm:pt>
-    <dgm:pt modelId="{E6D38529-07CD-483A-9AED-B16B9F6BAC81}">
-      <dgm:prSet phldrT="[Text]"/>
-      <dgm:spPr/>
-      <dgm:t>
-        <a:bodyPr/>
-        <a:lstStyle/>
-        <a:p>
-          <a:r>
-            <a:rPr lang="en-US" dirty="0" smtClean="0"/>
-            <a:t>Latex code</a:t>
-          </a:r>
-          <a:endParaRPr lang="en-US" dirty="0"/>
-        </a:p>
-      </dgm:t>
-    </dgm:pt>
-    <dgm:pt modelId="{B87575DE-2B02-4F77-9B38-3CFA50D339DF}" type="parTrans" cxnId="{C473A435-A194-4332-BF9E-388700C056D4}">
-      <dgm:prSet/>
-      <dgm:spPr/>
-      <dgm:t>
-        <a:bodyPr/>
-        <a:lstStyle/>
-        <a:p>
-          <a:endParaRPr lang="en-US"/>
-        </a:p>
-      </dgm:t>
-    </dgm:pt>
-    <dgm:pt modelId="{4679E162-6E03-427C-B995-276997B7F09B}" type="sibTrans" cxnId="{C473A435-A194-4332-BF9E-388700C056D4}">
-      <dgm:prSet/>
-      <dgm:spPr/>
-      <dgm:t>
-        <a:bodyPr/>
-        <a:lstStyle/>
-        <a:p>
-          <a:endParaRPr lang="en-US"/>
-        </a:p>
-      </dgm:t>
-    </dgm:pt>
-    <dgm:pt modelId="{80537756-DA4E-4D18-9576-37995128137A}" type="pres">
-      <dgm:prSet presAssocID="{2CDA51F7-1808-4048-BB09-9FA5DA6FE0DB}" presName="Name0" presStyleCnt="0">
-        <dgm:presLayoutVars>
-          <dgm:dir/>
-          <dgm:resizeHandles val="exact"/>
-        </dgm:presLayoutVars>
-      </dgm:prSet>
-      <dgm:spPr/>
-    </dgm:pt>
-    <dgm:pt modelId="{BA1E340A-A61C-459A-AC63-FB930C9F30D5}" type="pres">
-      <dgm:prSet presAssocID="{2584B8D0-03F5-4956-AF86-C085D56B3783}" presName="node" presStyleLbl="node1" presStyleIdx="0" presStyleCnt="5">
-        <dgm:presLayoutVars>
-          <dgm:bulletEnabled val="1"/>
-        </dgm:presLayoutVars>
-      </dgm:prSet>
-      <dgm:spPr/>
-      <dgm:t>
-        <a:bodyPr/>
-        <a:lstStyle/>
-        <a:p>
-          <a:endParaRPr lang="en-US"/>
-        </a:p>
-      </dgm:t>
-    </dgm:pt>
-    <dgm:pt modelId="{F866022A-D2AA-4A46-B4AE-71A78DF3EA33}" type="pres">
-      <dgm:prSet presAssocID="{58ACA46F-0EDE-461D-BEBD-29A61CB98173}" presName="sibTrans" presStyleLbl="sibTrans2D1" presStyleIdx="0" presStyleCnt="4"/>
-      <dgm:spPr/>
-      <dgm:t>
-        <a:bodyPr/>
-        <a:lstStyle/>
-        <a:p>
-          <a:endParaRPr lang="en-US"/>
-        </a:p>
-      </dgm:t>
-    </dgm:pt>
-    <dgm:pt modelId="{44B2E350-D53D-4D67-BE98-2D9B43F14304}" type="pres">
-      <dgm:prSet presAssocID="{58ACA46F-0EDE-461D-BEBD-29A61CB98173}" presName="connectorText" presStyleLbl="sibTrans2D1" presStyleIdx="0" presStyleCnt="4"/>
-      <dgm:spPr/>
-      <dgm:t>
-        <a:bodyPr/>
-        <a:lstStyle/>
-        <a:p>
-          <a:endParaRPr lang="en-US"/>
-        </a:p>
-      </dgm:t>
-    </dgm:pt>
-    <dgm:pt modelId="{C4C2BEF5-5C60-448E-89F5-4BD5CAED99FE}" type="pres">
-      <dgm:prSet presAssocID="{A5043937-004D-425D-A429-28A7E31AD772}" presName="node" presStyleLbl="node1" presStyleIdx="1" presStyleCnt="5">
-        <dgm:presLayoutVars>
-          <dgm:bulletEnabled val="1"/>
-        </dgm:presLayoutVars>
-      </dgm:prSet>
-      <dgm:spPr/>
-      <dgm:t>
-        <a:bodyPr/>
-        <a:lstStyle/>
-        <a:p>
-          <a:endParaRPr lang="en-US"/>
-        </a:p>
-      </dgm:t>
-    </dgm:pt>
-    <dgm:pt modelId="{CF104C55-1006-4E9A-9416-5E2E5BC26564}" type="pres">
-      <dgm:prSet presAssocID="{6583D0E6-4C7B-471B-A79E-350811A7F94D}" presName="sibTrans" presStyleLbl="sibTrans2D1" presStyleIdx="1" presStyleCnt="4"/>
-      <dgm:spPr/>
-      <dgm:t>
-        <a:bodyPr/>
-        <a:lstStyle/>
-        <a:p>
-          <a:endParaRPr lang="en-US"/>
-        </a:p>
-      </dgm:t>
-    </dgm:pt>
-    <dgm:pt modelId="{5AEE9CDC-EBB1-4743-B1C0-BDA83C72B06B}" type="pres">
-      <dgm:prSet presAssocID="{6583D0E6-4C7B-471B-A79E-350811A7F94D}" presName="connectorText" presStyleLbl="sibTrans2D1" presStyleIdx="1" presStyleCnt="4"/>
-      <dgm:spPr/>
-      <dgm:t>
-        <a:bodyPr/>
-        <a:lstStyle/>
-        <a:p>
-          <a:endParaRPr lang="en-US"/>
-        </a:p>
-      </dgm:t>
-    </dgm:pt>
-    <dgm:pt modelId="{86296E7E-6EA3-4ABA-ACDF-D1AFBD1B63B5}" type="pres">
-      <dgm:prSet presAssocID="{FD7DB4A5-0058-4630-8DC0-8525970CFA97}" presName="node" presStyleLbl="node1" presStyleIdx="2" presStyleCnt="5">
-        <dgm:presLayoutVars>
-          <dgm:bulletEnabled val="1"/>
-        </dgm:presLayoutVars>
-      </dgm:prSet>
-      <dgm:spPr/>
-      <dgm:t>
-        <a:bodyPr/>
-        <a:lstStyle/>
-        <a:p>
-          <a:endParaRPr lang="en-US"/>
-        </a:p>
-      </dgm:t>
-    </dgm:pt>
-    <dgm:pt modelId="{08D1E9A9-E004-4605-98AD-2709FD8EEC4F}" type="pres">
-      <dgm:prSet presAssocID="{2C7C92A4-2FC4-4214-AC1D-8FD4A26C317C}" presName="sibTrans" presStyleLbl="sibTrans2D1" presStyleIdx="2" presStyleCnt="4"/>
-      <dgm:spPr/>
-      <dgm:t>
-        <a:bodyPr/>
-        <a:lstStyle/>
-        <a:p>
-          <a:endParaRPr lang="en-US"/>
-        </a:p>
-      </dgm:t>
-    </dgm:pt>
-    <dgm:pt modelId="{91A4755F-0E8A-4C2C-B206-3FCCD171BECE}" type="pres">
-      <dgm:prSet presAssocID="{2C7C92A4-2FC4-4214-AC1D-8FD4A26C317C}" presName="connectorText" presStyleLbl="sibTrans2D1" presStyleIdx="2" presStyleCnt="4"/>
-      <dgm:spPr/>
-      <dgm:t>
-        <a:bodyPr/>
-        <a:lstStyle/>
-        <a:p>
-          <a:endParaRPr lang="en-US"/>
-        </a:p>
-      </dgm:t>
-    </dgm:pt>
-    <dgm:pt modelId="{9318C361-EFD5-48E8-A5EF-C467CB4F2DB3}" type="pres">
-      <dgm:prSet presAssocID="{E860163B-3864-43F3-861A-2D1A035BB4C8}" presName="node" presStyleLbl="node1" presStyleIdx="3" presStyleCnt="5">
-        <dgm:presLayoutVars>
-          <dgm:bulletEnabled val="1"/>
-        </dgm:presLayoutVars>
-      </dgm:prSet>
-      <dgm:spPr/>
-      <dgm:t>
-        <a:bodyPr/>
-        <a:lstStyle/>
-        <a:p>
-          <a:endParaRPr lang="en-US"/>
-        </a:p>
-      </dgm:t>
-    </dgm:pt>
-    <dgm:pt modelId="{76DFEBD5-A236-45E4-B06D-D00A846A1D05}" type="pres">
-      <dgm:prSet presAssocID="{122590E7-F017-4653-8CD5-8B18BF6F96BD}" presName="sibTrans" presStyleLbl="sibTrans2D1" presStyleIdx="3" presStyleCnt="4"/>
-      <dgm:spPr/>
-      <dgm:t>
-        <a:bodyPr/>
-        <a:lstStyle/>
-        <a:p>
-          <a:endParaRPr lang="en-US"/>
-        </a:p>
-      </dgm:t>
-    </dgm:pt>
-    <dgm:pt modelId="{C0414C96-9679-4D57-82D8-AF2B39FA9366}" type="pres">
-      <dgm:prSet presAssocID="{122590E7-F017-4653-8CD5-8B18BF6F96BD}" presName="connectorText" presStyleLbl="sibTrans2D1" presStyleIdx="3" presStyleCnt="4"/>
-      <dgm:spPr/>
-      <dgm:t>
-        <a:bodyPr/>
-        <a:lstStyle/>
-        <a:p>
-          <a:endParaRPr lang="en-US"/>
-        </a:p>
-      </dgm:t>
-    </dgm:pt>
-    <dgm:pt modelId="{C3454348-444B-4654-8526-7EE6D250856B}" type="pres">
-      <dgm:prSet presAssocID="{E6D38529-07CD-483A-9AED-B16B9F6BAC81}" presName="node" presStyleLbl="node1" presStyleIdx="4" presStyleCnt="5">
-        <dgm:presLayoutVars>
-          <dgm:bulletEnabled val="1"/>
-        </dgm:presLayoutVars>
-      </dgm:prSet>
-      <dgm:spPr/>
-      <dgm:t>
-        <a:bodyPr/>
-        <a:lstStyle/>
-        <a:p>
-          <a:endParaRPr lang="en-US"/>
-        </a:p>
-      </dgm:t>
-    </dgm:pt>
-  </dgm:ptLst>
-  <dgm:cxnLst>
-    <dgm:cxn modelId="{452FF47A-5AD4-4447-9CE4-73457C45B876}" type="presOf" srcId="{2CDA51F7-1808-4048-BB09-9FA5DA6FE0DB}" destId="{80537756-DA4E-4D18-9576-37995128137A}" srcOrd="0" destOrd="0" presId="urn:microsoft.com/office/officeart/2005/8/layout/process1"/>
-    <dgm:cxn modelId="{86019F0D-646D-4449-98E6-96F261D45008}" type="presOf" srcId="{2C7C92A4-2FC4-4214-AC1D-8FD4A26C317C}" destId="{91A4755F-0E8A-4C2C-B206-3FCCD171BECE}" srcOrd="1" destOrd="0" presId="urn:microsoft.com/office/officeart/2005/8/layout/process1"/>
-    <dgm:cxn modelId="{762F28C4-1806-41D0-AA0D-AC8BEA5FB08D}" srcId="{2CDA51F7-1808-4048-BB09-9FA5DA6FE0DB}" destId="{A5043937-004D-425D-A429-28A7E31AD772}" srcOrd="1" destOrd="0" parTransId="{1E32AF5B-3105-43EB-8217-C1CAB94CE7FF}" sibTransId="{6583D0E6-4C7B-471B-A79E-350811A7F94D}"/>
-    <dgm:cxn modelId="{4B61A7A5-2A85-4DB8-906B-48090252BEC0}" type="presOf" srcId="{122590E7-F017-4653-8CD5-8B18BF6F96BD}" destId="{C0414C96-9679-4D57-82D8-AF2B39FA9366}" srcOrd="1" destOrd="0" presId="urn:microsoft.com/office/officeart/2005/8/layout/process1"/>
-    <dgm:cxn modelId="{6A94D023-DF46-4D4B-AFA8-604AEE8977F7}" srcId="{2CDA51F7-1808-4048-BB09-9FA5DA6FE0DB}" destId="{E860163B-3864-43F3-861A-2D1A035BB4C8}" srcOrd="3" destOrd="0" parTransId="{30DABF37-72A6-498C-A3E4-B71FCA4740CC}" sibTransId="{122590E7-F017-4653-8CD5-8B18BF6F96BD}"/>
-    <dgm:cxn modelId="{265CBFCC-69D2-4824-B198-C190767F29F1}" type="presOf" srcId="{E6D38529-07CD-483A-9AED-B16B9F6BAC81}" destId="{C3454348-444B-4654-8526-7EE6D250856B}" srcOrd="0" destOrd="0" presId="urn:microsoft.com/office/officeart/2005/8/layout/process1"/>
-    <dgm:cxn modelId="{618905D8-1B03-488B-B64A-FFC4E3197881}" type="presOf" srcId="{FD7DB4A5-0058-4630-8DC0-8525970CFA97}" destId="{86296E7E-6EA3-4ABA-ACDF-D1AFBD1B63B5}" srcOrd="0" destOrd="0" presId="urn:microsoft.com/office/officeart/2005/8/layout/process1"/>
-    <dgm:cxn modelId="{EDA916FE-3951-4149-A051-E0DBD08310CC}" type="presOf" srcId="{A5043937-004D-425D-A429-28A7E31AD772}" destId="{C4C2BEF5-5C60-448E-89F5-4BD5CAED99FE}" srcOrd="0" destOrd="0" presId="urn:microsoft.com/office/officeart/2005/8/layout/process1"/>
-    <dgm:cxn modelId="{84780507-1CC0-4470-B409-EA6162255D09}" type="presOf" srcId="{58ACA46F-0EDE-461D-BEBD-29A61CB98173}" destId="{F866022A-D2AA-4A46-B4AE-71A78DF3EA33}" srcOrd="0" destOrd="0" presId="urn:microsoft.com/office/officeart/2005/8/layout/process1"/>
-    <dgm:cxn modelId="{2F8C0268-0200-4FEC-AD65-6A96F1678141}" type="presOf" srcId="{6583D0E6-4C7B-471B-A79E-350811A7F94D}" destId="{5AEE9CDC-EBB1-4743-B1C0-BDA83C72B06B}" srcOrd="1" destOrd="0" presId="urn:microsoft.com/office/officeart/2005/8/layout/process1"/>
-    <dgm:cxn modelId="{A528317E-7E98-460B-82D2-BF041DC28567}" type="presOf" srcId="{6583D0E6-4C7B-471B-A79E-350811A7F94D}" destId="{CF104C55-1006-4E9A-9416-5E2E5BC26564}" srcOrd="0" destOrd="0" presId="urn:microsoft.com/office/officeart/2005/8/layout/process1"/>
-    <dgm:cxn modelId="{46DECE9C-CC40-42DB-812A-60896E2B5E0D}" type="presOf" srcId="{E860163B-3864-43F3-861A-2D1A035BB4C8}" destId="{9318C361-EFD5-48E8-A5EF-C467CB4F2DB3}" srcOrd="0" destOrd="0" presId="urn:microsoft.com/office/officeart/2005/8/layout/process1"/>
-    <dgm:cxn modelId="{4ABE56A3-3EFE-424F-8EF3-053A17A3187D}" type="presOf" srcId="{2584B8D0-03F5-4956-AF86-C085D56B3783}" destId="{BA1E340A-A61C-459A-AC63-FB930C9F30D5}" srcOrd="0" destOrd="0" presId="urn:microsoft.com/office/officeart/2005/8/layout/process1"/>
-    <dgm:cxn modelId="{7DFA686E-8331-4ECB-901C-FE6220CAF036}" srcId="{2CDA51F7-1808-4048-BB09-9FA5DA6FE0DB}" destId="{FD7DB4A5-0058-4630-8DC0-8525970CFA97}" srcOrd="2" destOrd="0" parTransId="{BCC13EA0-9C14-4CDA-9B99-EC4E6FB641FF}" sibTransId="{2C7C92A4-2FC4-4214-AC1D-8FD4A26C317C}"/>
-    <dgm:cxn modelId="{A6FD0FA6-2FC1-47AD-ADDF-4B05DDA5D871}" type="presOf" srcId="{58ACA46F-0EDE-461D-BEBD-29A61CB98173}" destId="{44B2E350-D53D-4D67-BE98-2D9B43F14304}" srcOrd="1" destOrd="0" presId="urn:microsoft.com/office/officeart/2005/8/layout/process1"/>
-    <dgm:cxn modelId="{C473A435-A194-4332-BF9E-388700C056D4}" srcId="{2CDA51F7-1808-4048-BB09-9FA5DA6FE0DB}" destId="{E6D38529-07CD-483A-9AED-B16B9F6BAC81}" srcOrd="4" destOrd="0" parTransId="{B87575DE-2B02-4F77-9B38-3CFA50D339DF}" sibTransId="{4679E162-6E03-427C-B995-276997B7F09B}"/>
-    <dgm:cxn modelId="{6959BB79-CBE2-47AF-831B-9A963E96E0B4}" type="presOf" srcId="{122590E7-F017-4653-8CD5-8B18BF6F96BD}" destId="{76DFEBD5-A236-45E4-B06D-D00A846A1D05}" srcOrd="0" destOrd="0" presId="urn:microsoft.com/office/officeart/2005/8/layout/process1"/>
-    <dgm:cxn modelId="{81E4D748-FC33-4A1B-B0D9-5776DA69C012}" srcId="{2CDA51F7-1808-4048-BB09-9FA5DA6FE0DB}" destId="{2584B8D0-03F5-4956-AF86-C085D56B3783}" srcOrd="0" destOrd="0" parTransId="{F22473AC-A50F-4114-A430-448C94972BB9}" sibTransId="{58ACA46F-0EDE-461D-BEBD-29A61CB98173}"/>
-    <dgm:cxn modelId="{8BAC3560-FCC1-4070-9587-6D8C5ADFAD5D}" type="presOf" srcId="{2C7C92A4-2FC4-4214-AC1D-8FD4A26C317C}" destId="{08D1E9A9-E004-4605-98AD-2709FD8EEC4F}" srcOrd="0" destOrd="0" presId="urn:microsoft.com/office/officeart/2005/8/layout/process1"/>
-    <dgm:cxn modelId="{24827FFA-17A9-4DFB-97E0-2188C38C5BCC}" type="presParOf" srcId="{80537756-DA4E-4D18-9576-37995128137A}" destId="{BA1E340A-A61C-459A-AC63-FB930C9F30D5}" srcOrd="0" destOrd="0" presId="urn:microsoft.com/office/officeart/2005/8/layout/process1"/>
-    <dgm:cxn modelId="{77E166F6-0DBC-4CF6-8F80-81C44F31E99B}" type="presParOf" srcId="{80537756-DA4E-4D18-9576-37995128137A}" destId="{F866022A-D2AA-4A46-B4AE-71A78DF3EA33}" srcOrd="1" destOrd="0" presId="urn:microsoft.com/office/officeart/2005/8/layout/process1"/>
-    <dgm:cxn modelId="{FCCF2967-EC61-4B69-AC33-366891C8FF6F}" type="presParOf" srcId="{F866022A-D2AA-4A46-B4AE-71A78DF3EA33}" destId="{44B2E350-D53D-4D67-BE98-2D9B43F14304}" srcOrd="0" destOrd="0" presId="urn:microsoft.com/office/officeart/2005/8/layout/process1"/>
-    <dgm:cxn modelId="{D622F102-6D50-4550-BF7C-7300D6910732}" type="presParOf" srcId="{80537756-DA4E-4D18-9576-37995128137A}" destId="{C4C2BEF5-5C60-448E-89F5-4BD5CAED99FE}" srcOrd="2" destOrd="0" presId="urn:microsoft.com/office/officeart/2005/8/layout/process1"/>
-    <dgm:cxn modelId="{F82CA188-85E4-4C55-940F-1D75A07E7AF2}" type="presParOf" srcId="{80537756-DA4E-4D18-9576-37995128137A}" destId="{CF104C55-1006-4E9A-9416-5E2E5BC26564}" srcOrd="3" destOrd="0" presId="urn:microsoft.com/office/officeart/2005/8/layout/process1"/>
-    <dgm:cxn modelId="{A1F5540F-BBE0-4BF6-82F6-CDD3EDCA242E}" type="presParOf" srcId="{CF104C55-1006-4E9A-9416-5E2E5BC26564}" destId="{5AEE9CDC-EBB1-4743-B1C0-BDA83C72B06B}" srcOrd="0" destOrd="0" presId="urn:microsoft.com/office/officeart/2005/8/layout/process1"/>
-    <dgm:cxn modelId="{101BAE19-E3D0-449C-90E8-1971C18BF0AA}" type="presParOf" srcId="{80537756-DA4E-4D18-9576-37995128137A}" destId="{86296E7E-6EA3-4ABA-ACDF-D1AFBD1B63B5}" srcOrd="4" destOrd="0" presId="urn:microsoft.com/office/officeart/2005/8/layout/process1"/>
-    <dgm:cxn modelId="{20B20310-A0AD-4C74-BA88-9B0A357EB102}" type="presParOf" srcId="{80537756-DA4E-4D18-9576-37995128137A}" destId="{08D1E9A9-E004-4605-98AD-2709FD8EEC4F}" srcOrd="5" destOrd="0" presId="urn:microsoft.com/office/officeart/2005/8/layout/process1"/>
-    <dgm:cxn modelId="{DCAA9BAA-58A6-4251-8F06-8A566D696A10}" type="presParOf" srcId="{08D1E9A9-E004-4605-98AD-2709FD8EEC4F}" destId="{91A4755F-0E8A-4C2C-B206-3FCCD171BECE}" srcOrd="0" destOrd="0" presId="urn:microsoft.com/office/officeart/2005/8/layout/process1"/>
-    <dgm:cxn modelId="{4451E211-40DD-4271-9CBF-FA884F29ACD6}" type="presParOf" srcId="{80537756-DA4E-4D18-9576-37995128137A}" destId="{9318C361-EFD5-48E8-A5EF-C467CB4F2DB3}" srcOrd="6" destOrd="0" presId="urn:microsoft.com/office/officeart/2005/8/layout/process1"/>
-    <dgm:cxn modelId="{605BF15D-E828-443F-8084-CEC3E66B759C}" type="presParOf" srcId="{80537756-DA4E-4D18-9576-37995128137A}" destId="{76DFEBD5-A236-45E4-B06D-D00A846A1D05}" srcOrd="7" destOrd="0" presId="urn:microsoft.com/office/officeart/2005/8/layout/process1"/>
-    <dgm:cxn modelId="{D3EA7BEB-0ED5-44E8-AF46-9A6BC596E261}" type="presParOf" srcId="{76DFEBD5-A236-45E4-B06D-D00A846A1D05}" destId="{C0414C96-9679-4D57-82D8-AF2B39FA9366}" srcOrd="0" destOrd="0" presId="urn:microsoft.com/office/officeart/2005/8/layout/process1"/>
-    <dgm:cxn modelId="{2D85D158-9EC4-4B70-BCBC-F12F6900F55A}" type="presParOf" srcId="{80537756-DA4E-4D18-9576-37995128137A}" destId="{C3454348-444B-4654-8526-7EE6D250856B}" srcOrd="8" destOrd="0" presId="urn:microsoft.com/office/officeart/2005/8/layout/process1"/>
-  </dgm:cxnLst>
-  <dgm:bg/>
-  <dgm:whole/>
-  <dgm:extLst>
-    <a:ext uri="http://schemas.microsoft.com/office/drawing/2008/diagram">
-      <dsp:dataModelExt xmlns:dsp="http://schemas.microsoft.com/office/drawing/2008/diagram" relId="rId45" minVer="http://schemas.openxmlformats.org/drawingml/2006/diagram"/>
+      <dsp:dataModelExt xmlns:dsp="http://schemas.microsoft.com/office/drawing/2008/diagram" relId="rId29" minVer="http://schemas.openxmlformats.org/drawingml/2006/diagram"/>
     </a:ext>
   </dgm:extLst>
 </dgm:dataModel>
@@ -3776,689 +2620,6 @@
 </dsp:drawing>
 </file>
 
-<file path=ppt/diagrams/drawing2.xml><?xml version="1.0" encoding="utf-8"?>
-<dsp:drawing xmlns:dgm="http://schemas.openxmlformats.org/drawingml/2006/diagram" xmlns:dsp="http://schemas.microsoft.com/office/drawing/2008/diagram" xmlns:a="http://schemas.openxmlformats.org/drawingml/2006/main">
-  <dsp:spTree>
-    <dsp:nvGrpSpPr>
-      <dsp:cNvPr id="0" name=""/>
-      <dsp:cNvGrpSpPr/>
-    </dsp:nvGrpSpPr>
-    <dsp:grpSpPr/>
-    <dsp:sp modelId="{BA1E340A-A61C-459A-AC63-FB930C9F30D5}">
-      <dsp:nvSpPr>
-        <dsp:cNvPr id="0" name=""/>
-        <dsp:cNvSpPr/>
-      </dsp:nvSpPr>
-      <dsp:spPr>
-        <a:xfrm>
-          <a:off x="3937" y="1032503"/>
-          <a:ext cx="1220605" cy="732363"/>
-        </a:xfrm>
-        <a:prstGeom prst="roundRect">
-          <a:avLst>
-            <a:gd name="adj" fmla="val 10000"/>
-          </a:avLst>
-        </a:prstGeom>
-        <a:solidFill>
-          <a:schemeClr val="accent1">
-            <a:hueOff val="0"/>
-            <a:satOff val="0"/>
-            <a:lumOff val="0"/>
-            <a:alphaOff val="0"/>
-          </a:schemeClr>
-        </a:solidFill>
-        <a:ln w="15875" cap="rnd" cmpd="sng" algn="ctr">
-          <a:solidFill>
-            <a:schemeClr val="lt1">
-              <a:hueOff val="0"/>
-              <a:satOff val="0"/>
-              <a:lumOff val="0"/>
-              <a:alphaOff val="0"/>
-            </a:schemeClr>
-          </a:solidFill>
-          <a:prstDash val="solid"/>
-        </a:ln>
-        <a:effectLst/>
-      </dsp:spPr>
-      <dsp:style>
-        <a:lnRef idx="2">
-          <a:scrgbClr r="0" g="0" b="0"/>
-        </a:lnRef>
-        <a:fillRef idx="1">
-          <a:scrgbClr r="0" g="0" b="0"/>
-        </a:fillRef>
-        <a:effectRef idx="0">
-          <a:scrgbClr r="0" g="0" b="0"/>
-        </a:effectRef>
-        <a:fontRef idx="minor">
-          <a:schemeClr val="lt1"/>
-        </a:fontRef>
-      </dsp:style>
-      <dsp:txBody>
-        <a:bodyPr spcFirstLastPara="0" vert="horz" wrap="square" lIns="45720" tIns="45720" rIns="45720" bIns="45720" numCol="1" spcCol="1270" anchor="ctr" anchorCtr="0">
-          <a:noAutofit/>
-        </a:bodyPr>
-        <a:lstStyle/>
-        <a:p>
-          <a:pPr lvl="0" algn="ctr" defTabSz="533400">
-            <a:lnSpc>
-              <a:spcPct val="90000"/>
-            </a:lnSpc>
-            <a:spcBef>
-              <a:spcPct val="0"/>
-            </a:spcBef>
-            <a:spcAft>
-              <a:spcPct val="35000"/>
-            </a:spcAft>
-          </a:pPr>
-          <a:r>
-            <a:rPr lang="en-US" sz="1200" kern="1200" dirty="0" smtClean="0"/>
-            <a:t>Formula image</a:t>
-          </a:r>
-          <a:endParaRPr lang="en-US" sz="1200" kern="1200" dirty="0"/>
-        </a:p>
-      </dsp:txBody>
-      <dsp:txXfrm>
-        <a:off x="25387" y="1053953"/>
-        <a:ext cx="1177705" cy="689463"/>
-      </dsp:txXfrm>
-    </dsp:sp>
-    <dsp:sp modelId="{F866022A-D2AA-4A46-B4AE-71A78DF3EA33}">
-      <dsp:nvSpPr>
-        <dsp:cNvPr id="0" name=""/>
-        <dsp:cNvSpPr/>
-      </dsp:nvSpPr>
-      <dsp:spPr>
-        <a:xfrm>
-          <a:off x="1346603" y="1247330"/>
-          <a:ext cx="258768" cy="302710"/>
-        </a:xfrm>
-        <a:prstGeom prst="rightArrow">
-          <a:avLst>
-            <a:gd name="adj1" fmla="val 60000"/>
-            <a:gd name="adj2" fmla="val 50000"/>
-          </a:avLst>
-        </a:prstGeom>
-        <a:solidFill>
-          <a:schemeClr val="accent1">
-            <a:tint val="60000"/>
-            <a:hueOff val="0"/>
-            <a:satOff val="0"/>
-            <a:lumOff val="0"/>
-            <a:alphaOff val="0"/>
-          </a:schemeClr>
-        </a:solidFill>
-        <a:ln>
-          <a:noFill/>
-        </a:ln>
-        <a:effectLst/>
-      </dsp:spPr>
-      <dsp:style>
-        <a:lnRef idx="0">
-          <a:scrgbClr r="0" g="0" b="0"/>
-        </a:lnRef>
-        <a:fillRef idx="1">
-          <a:scrgbClr r="0" g="0" b="0"/>
-        </a:fillRef>
-        <a:effectRef idx="0">
-          <a:scrgbClr r="0" g="0" b="0"/>
-        </a:effectRef>
-        <a:fontRef idx="minor">
-          <a:schemeClr val="lt1"/>
-        </a:fontRef>
-      </dsp:style>
-      <dsp:txBody>
-        <a:bodyPr spcFirstLastPara="0" vert="horz" wrap="square" lIns="0" tIns="0" rIns="0" bIns="0" numCol="1" spcCol="1270" anchor="ctr" anchorCtr="0">
-          <a:noAutofit/>
-        </a:bodyPr>
-        <a:lstStyle/>
-        <a:p>
-          <a:pPr lvl="0" algn="ctr" defTabSz="444500">
-            <a:lnSpc>
-              <a:spcPct val="90000"/>
-            </a:lnSpc>
-            <a:spcBef>
-              <a:spcPct val="0"/>
-            </a:spcBef>
-            <a:spcAft>
-              <a:spcPct val="35000"/>
-            </a:spcAft>
-          </a:pPr>
-          <a:endParaRPr lang="en-US" sz="1000" kern="1200"/>
-        </a:p>
-      </dsp:txBody>
-      <dsp:txXfrm>
-        <a:off x="1346603" y="1307872"/>
-        <a:ext cx="181138" cy="181626"/>
-      </dsp:txXfrm>
-    </dsp:sp>
-    <dsp:sp modelId="{C4C2BEF5-5C60-448E-89F5-4BD5CAED99FE}">
-      <dsp:nvSpPr>
-        <dsp:cNvPr id="0" name=""/>
-        <dsp:cNvSpPr/>
-      </dsp:nvSpPr>
-      <dsp:spPr>
-        <a:xfrm>
-          <a:off x="1712785" y="1032503"/>
-          <a:ext cx="1220605" cy="732363"/>
-        </a:xfrm>
-        <a:prstGeom prst="roundRect">
-          <a:avLst>
-            <a:gd name="adj" fmla="val 10000"/>
-          </a:avLst>
-        </a:prstGeom>
-        <a:solidFill>
-          <a:schemeClr val="accent1">
-            <a:hueOff val="0"/>
-            <a:satOff val="0"/>
-            <a:lumOff val="0"/>
-            <a:alphaOff val="0"/>
-          </a:schemeClr>
-        </a:solidFill>
-        <a:ln w="15875" cap="rnd" cmpd="sng" algn="ctr">
-          <a:solidFill>
-            <a:schemeClr val="lt1">
-              <a:hueOff val="0"/>
-              <a:satOff val="0"/>
-              <a:lumOff val="0"/>
-              <a:alphaOff val="0"/>
-            </a:schemeClr>
-          </a:solidFill>
-          <a:prstDash val="solid"/>
-        </a:ln>
-        <a:effectLst/>
-      </dsp:spPr>
-      <dsp:style>
-        <a:lnRef idx="2">
-          <a:scrgbClr r="0" g="0" b="0"/>
-        </a:lnRef>
-        <a:fillRef idx="1">
-          <a:scrgbClr r="0" g="0" b="0"/>
-        </a:fillRef>
-        <a:effectRef idx="0">
-          <a:scrgbClr r="0" g="0" b="0"/>
-        </a:effectRef>
-        <a:fontRef idx="minor">
-          <a:schemeClr val="lt1"/>
-        </a:fontRef>
-      </dsp:style>
-      <dsp:txBody>
-        <a:bodyPr spcFirstLastPara="0" vert="horz" wrap="square" lIns="45720" tIns="45720" rIns="45720" bIns="45720" numCol="1" spcCol="1270" anchor="ctr" anchorCtr="0">
-          <a:noAutofit/>
-        </a:bodyPr>
-        <a:lstStyle/>
-        <a:p>
-          <a:pPr lvl="0" algn="ctr" defTabSz="533400">
-            <a:lnSpc>
-              <a:spcPct val="90000"/>
-            </a:lnSpc>
-            <a:spcBef>
-              <a:spcPct val="0"/>
-            </a:spcBef>
-            <a:spcAft>
-              <a:spcPct val="35000"/>
-            </a:spcAft>
-          </a:pPr>
-          <a:r>
-            <a:rPr lang="en-US" sz="1200" kern="1200" dirty="0" smtClean="0"/>
-            <a:t>Segmentation</a:t>
-          </a:r>
-          <a:endParaRPr lang="en-US" sz="1200" kern="1200" dirty="0"/>
-        </a:p>
-      </dsp:txBody>
-      <dsp:txXfrm>
-        <a:off x="1734235" y="1053953"/>
-        <a:ext cx="1177705" cy="689463"/>
-      </dsp:txXfrm>
-    </dsp:sp>
-    <dsp:sp modelId="{CF104C55-1006-4E9A-9416-5E2E5BC26564}">
-      <dsp:nvSpPr>
-        <dsp:cNvPr id="0" name=""/>
-        <dsp:cNvSpPr/>
-      </dsp:nvSpPr>
-      <dsp:spPr>
-        <a:xfrm>
-          <a:off x="3055451" y="1247330"/>
-          <a:ext cx="258768" cy="302710"/>
-        </a:xfrm>
-        <a:prstGeom prst="rightArrow">
-          <a:avLst>
-            <a:gd name="adj1" fmla="val 60000"/>
-            <a:gd name="adj2" fmla="val 50000"/>
-          </a:avLst>
-        </a:prstGeom>
-        <a:solidFill>
-          <a:schemeClr val="accent1">
-            <a:tint val="60000"/>
-            <a:hueOff val="0"/>
-            <a:satOff val="0"/>
-            <a:lumOff val="0"/>
-            <a:alphaOff val="0"/>
-          </a:schemeClr>
-        </a:solidFill>
-        <a:ln>
-          <a:noFill/>
-        </a:ln>
-        <a:effectLst/>
-      </dsp:spPr>
-      <dsp:style>
-        <a:lnRef idx="0">
-          <a:scrgbClr r="0" g="0" b="0"/>
-        </a:lnRef>
-        <a:fillRef idx="1">
-          <a:scrgbClr r="0" g="0" b="0"/>
-        </a:fillRef>
-        <a:effectRef idx="0">
-          <a:scrgbClr r="0" g="0" b="0"/>
-        </a:effectRef>
-        <a:fontRef idx="minor">
-          <a:schemeClr val="lt1"/>
-        </a:fontRef>
-      </dsp:style>
-      <dsp:txBody>
-        <a:bodyPr spcFirstLastPara="0" vert="horz" wrap="square" lIns="0" tIns="0" rIns="0" bIns="0" numCol="1" spcCol="1270" anchor="ctr" anchorCtr="0">
-          <a:noAutofit/>
-        </a:bodyPr>
-        <a:lstStyle/>
-        <a:p>
-          <a:pPr lvl="0" algn="ctr" defTabSz="444500">
-            <a:lnSpc>
-              <a:spcPct val="90000"/>
-            </a:lnSpc>
-            <a:spcBef>
-              <a:spcPct val="0"/>
-            </a:spcBef>
-            <a:spcAft>
-              <a:spcPct val="35000"/>
-            </a:spcAft>
-          </a:pPr>
-          <a:endParaRPr lang="en-US" sz="1000" kern="1200"/>
-        </a:p>
-      </dsp:txBody>
-      <dsp:txXfrm>
-        <a:off x="3055451" y="1307872"/>
-        <a:ext cx="181138" cy="181626"/>
-      </dsp:txXfrm>
-    </dsp:sp>
-    <dsp:sp modelId="{86296E7E-6EA3-4ABA-ACDF-D1AFBD1B63B5}">
-      <dsp:nvSpPr>
-        <dsp:cNvPr id="0" name=""/>
-        <dsp:cNvSpPr/>
-      </dsp:nvSpPr>
-      <dsp:spPr>
-        <a:xfrm>
-          <a:off x="3421632" y="1032503"/>
-          <a:ext cx="1220605" cy="732363"/>
-        </a:xfrm>
-        <a:prstGeom prst="roundRect">
-          <a:avLst>
-            <a:gd name="adj" fmla="val 10000"/>
-          </a:avLst>
-        </a:prstGeom>
-        <a:solidFill>
-          <a:schemeClr val="accent1">
-            <a:hueOff val="0"/>
-            <a:satOff val="0"/>
-            <a:lumOff val="0"/>
-            <a:alphaOff val="0"/>
-          </a:schemeClr>
-        </a:solidFill>
-        <a:ln w="15875" cap="rnd" cmpd="sng" algn="ctr">
-          <a:solidFill>
-            <a:schemeClr val="lt1">
-              <a:hueOff val="0"/>
-              <a:satOff val="0"/>
-              <a:lumOff val="0"/>
-              <a:alphaOff val="0"/>
-            </a:schemeClr>
-          </a:solidFill>
-          <a:prstDash val="solid"/>
-        </a:ln>
-        <a:effectLst/>
-      </dsp:spPr>
-      <dsp:style>
-        <a:lnRef idx="2">
-          <a:scrgbClr r="0" g="0" b="0"/>
-        </a:lnRef>
-        <a:fillRef idx="1">
-          <a:scrgbClr r="0" g="0" b="0"/>
-        </a:fillRef>
-        <a:effectRef idx="0">
-          <a:scrgbClr r="0" g="0" b="0"/>
-        </a:effectRef>
-        <a:fontRef idx="minor">
-          <a:schemeClr val="lt1"/>
-        </a:fontRef>
-      </dsp:style>
-      <dsp:txBody>
-        <a:bodyPr spcFirstLastPara="0" vert="horz" wrap="square" lIns="45720" tIns="45720" rIns="45720" bIns="45720" numCol="1" spcCol="1270" anchor="ctr" anchorCtr="0">
-          <a:noAutofit/>
-        </a:bodyPr>
-        <a:lstStyle/>
-        <a:p>
-          <a:pPr lvl="0" algn="ctr" defTabSz="533400">
-            <a:lnSpc>
-              <a:spcPct val="90000"/>
-            </a:lnSpc>
-            <a:spcBef>
-              <a:spcPct val="0"/>
-            </a:spcBef>
-            <a:spcAft>
-              <a:spcPct val="35000"/>
-            </a:spcAft>
-          </a:pPr>
-          <a:r>
-            <a:rPr lang="en-US" sz="1200" kern="1200" dirty="0" smtClean="0"/>
-            <a:t>Classification</a:t>
-          </a:r>
-          <a:endParaRPr lang="en-US" sz="1200" kern="1200" dirty="0"/>
-        </a:p>
-      </dsp:txBody>
-      <dsp:txXfrm>
-        <a:off x="3443082" y="1053953"/>
-        <a:ext cx="1177705" cy="689463"/>
-      </dsp:txXfrm>
-    </dsp:sp>
-    <dsp:sp modelId="{08D1E9A9-E004-4605-98AD-2709FD8EEC4F}">
-      <dsp:nvSpPr>
-        <dsp:cNvPr id="0" name=""/>
-        <dsp:cNvSpPr/>
-      </dsp:nvSpPr>
-      <dsp:spPr>
-        <a:xfrm>
-          <a:off x="4764298" y="1247330"/>
-          <a:ext cx="258768" cy="302710"/>
-        </a:xfrm>
-        <a:prstGeom prst="rightArrow">
-          <a:avLst>
-            <a:gd name="adj1" fmla="val 60000"/>
-            <a:gd name="adj2" fmla="val 50000"/>
-          </a:avLst>
-        </a:prstGeom>
-        <a:solidFill>
-          <a:schemeClr val="accent1">
-            <a:tint val="60000"/>
-            <a:hueOff val="0"/>
-            <a:satOff val="0"/>
-            <a:lumOff val="0"/>
-            <a:alphaOff val="0"/>
-          </a:schemeClr>
-        </a:solidFill>
-        <a:ln>
-          <a:noFill/>
-        </a:ln>
-        <a:effectLst/>
-      </dsp:spPr>
-      <dsp:style>
-        <a:lnRef idx="0">
-          <a:scrgbClr r="0" g="0" b="0"/>
-        </a:lnRef>
-        <a:fillRef idx="1">
-          <a:scrgbClr r="0" g="0" b="0"/>
-        </a:fillRef>
-        <a:effectRef idx="0">
-          <a:scrgbClr r="0" g="0" b="0"/>
-        </a:effectRef>
-        <a:fontRef idx="minor">
-          <a:schemeClr val="lt1"/>
-        </a:fontRef>
-      </dsp:style>
-      <dsp:txBody>
-        <a:bodyPr spcFirstLastPara="0" vert="horz" wrap="square" lIns="0" tIns="0" rIns="0" bIns="0" numCol="1" spcCol="1270" anchor="ctr" anchorCtr="0">
-          <a:noAutofit/>
-        </a:bodyPr>
-        <a:lstStyle/>
-        <a:p>
-          <a:pPr lvl="0" algn="ctr" defTabSz="444500">
-            <a:lnSpc>
-              <a:spcPct val="90000"/>
-            </a:lnSpc>
-            <a:spcBef>
-              <a:spcPct val="0"/>
-            </a:spcBef>
-            <a:spcAft>
-              <a:spcPct val="35000"/>
-            </a:spcAft>
-          </a:pPr>
-          <a:endParaRPr lang="en-US" sz="1000" kern="1200"/>
-        </a:p>
-      </dsp:txBody>
-      <dsp:txXfrm>
-        <a:off x="4764298" y="1307872"/>
-        <a:ext cx="181138" cy="181626"/>
-      </dsp:txXfrm>
-    </dsp:sp>
-    <dsp:sp modelId="{9318C361-EFD5-48E8-A5EF-C467CB4F2DB3}">
-      <dsp:nvSpPr>
-        <dsp:cNvPr id="0" name=""/>
-        <dsp:cNvSpPr/>
-      </dsp:nvSpPr>
-      <dsp:spPr>
-        <a:xfrm>
-          <a:off x="5130480" y="1032503"/>
-          <a:ext cx="1220605" cy="732363"/>
-        </a:xfrm>
-        <a:prstGeom prst="roundRect">
-          <a:avLst>
-            <a:gd name="adj" fmla="val 10000"/>
-          </a:avLst>
-        </a:prstGeom>
-        <a:solidFill>
-          <a:schemeClr val="accent1">
-            <a:hueOff val="0"/>
-            <a:satOff val="0"/>
-            <a:lumOff val="0"/>
-            <a:alphaOff val="0"/>
-          </a:schemeClr>
-        </a:solidFill>
-        <a:ln w="15875" cap="rnd" cmpd="sng" algn="ctr">
-          <a:solidFill>
-            <a:schemeClr val="lt1">
-              <a:hueOff val="0"/>
-              <a:satOff val="0"/>
-              <a:lumOff val="0"/>
-              <a:alphaOff val="0"/>
-            </a:schemeClr>
-          </a:solidFill>
-          <a:prstDash val="solid"/>
-        </a:ln>
-        <a:effectLst/>
-      </dsp:spPr>
-      <dsp:style>
-        <a:lnRef idx="2">
-          <a:scrgbClr r="0" g="0" b="0"/>
-        </a:lnRef>
-        <a:fillRef idx="1">
-          <a:scrgbClr r="0" g="0" b="0"/>
-        </a:fillRef>
-        <a:effectRef idx="0">
-          <a:scrgbClr r="0" g="0" b="0"/>
-        </a:effectRef>
-        <a:fontRef idx="minor">
-          <a:schemeClr val="lt1"/>
-        </a:fontRef>
-      </dsp:style>
-      <dsp:txBody>
-        <a:bodyPr spcFirstLastPara="0" vert="horz" wrap="square" lIns="45720" tIns="45720" rIns="45720" bIns="45720" numCol="1" spcCol="1270" anchor="ctr" anchorCtr="0">
-          <a:noAutofit/>
-        </a:bodyPr>
-        <a:lstStyle/>
-        <a:p>
-          <a:pPr lvl="0" algn="ctr" defTabSz="533400">
-            <a:lnSpc>
-              <a:spcPct val="90000"/>
-            </a:lnSpc>
-            <a:spcBef>
-              <a:spcPct val="0"/>
-            </a:spcBef>
-            <a:spcAft>
-              <a:spcPct val="35000"/>
-            </a:spcAft>
-          </a:pPr>
-          <a:r>
-            <a:rPr lang="en-US" sz="1200" kern="1200" dirty="0" smtClean="0"/>
-            <a:t>Parser</a:t>
-          </a:r>
-          <a:endParaRPr lang="en-US" sz="1200" kern="1200" dirty="0"/>
-        </a:p>
-      </dsp:txBody>
-      <dsp:txXfrm>
-        <a:off x="5151930" y="1053953"/>
-        <a:ext cx="1177705" cy="689463"/>
-      </dsp:txXfrm>
-    </dsp:sp>
-    <dsp:sp modelId="{76DFEBD5-A236-45E4-B06D-D00A846A1D05}">
-      <dsp:nvSpPr>
-        <dsp:cNvPr id="0" name=""/>
-        <dsp:cNvSpPr/>
-      </dsp:nvSpPr>
-      <dsp:spPr>
-        <a:xfrm>
-          <a:off x="6473146" y="1247330"/>
-          <a:ext cx="258768" cy="302710"/>
-        </a:xfrm>
-        <a:prstGeom prst="rightArrow">
-          <a:avLst>
-            <a:gd name="adj1" fmla="val 60000"/>
-            <a:gd name="adj2" fmla="val 50000"/>
-          </a:avLst>
-        </a:prstGeom>
-        <a:solidFill>
-          <a:schemeClr val="accent1">
-            <a:tint val="60000"/>
-            <a:hueOff val="0"/>
-            <a:satOff val="0"/>
-            <a:lumOff val="0"/>
-            <a:alphaOff val="0"/>
-          </a:schemeClr>
-        </a:solidFill>
-        <a:ln>
-          <a:noFill/>
-        </a:ln>
-        <a:effectLst/>
-      </dsp:spPr>
-      <dsp:style>
-        <a:lnRef idx="0">
-          <a:scrgbClr r="0" g="0" b="0"/>
-        </a:lnRef>
-        <a:fillRef idx="1">
-          <a:scrgbClr r="0" g="0" b="0"/>
-        </a:fillRef>
-        <a:effectRef idx="0">
-          <a:scrgbClr r="0" g="0" b="0"/>
-        </a:effectRef>
-        <a:fontRef idx="minor">
-          <a:schemeClr val="lt1"/>
-        </a:fontRef>
-      </dsp:style>
-      <dsp:txBody>
-        <a:bodyPr spcFirstLastPara="0" vert="horz" wrap="square" lIns="0" tIns="0" rIns="0" bIns="0" numCol="1" spcCol="1270" anchor="ctr" anchorCtr="0">
-          <a:noAutofit/>
-        </a:bodyPr>
-        <a:lstStyle/>
-        <a:p>
-          <a:pPr lvl="0" algn="ctr" defTabSz="444500">
-            <a:lnSpc>
-              <a:spcPct val="90000"/>
-            </a:lnSpc>
-            <a:spcBef>
-              <a:spcPct val="0"/>
-            </a:spcBef>
-            <a:spcAft>
-              <a:spcPct val="35000"/>
-            </a:spcAft>
-          </a:pPr>
-          <a:endParaRPr lang="en-US" sz="1000" kern="1200"/>
-        </a:p>
-      </dsp:txBody>
-      <dsp:txXfrm>
-        <a:off x="6473146" y="1307872"/>
-        <a:ext cx="181138" cy="181626"/>
-      </dsp:txXfrm>
-    </dsp:sp>
-    <dsp:sp modelId="{C3454348-444B-4654-8526-7EE6D250856B}">
-      <dsp:nvSpPr>
-        <dsp:cNvPr id="0" name=""/>
-        <dsp:cNvSpPr/>
-      </dsp:nvSpPr>
-      <dsp:spPr>
-        <a:xfrm>
-          <a:off x="6839328" y="1032503"/>
-          <a:ext cx="1220605" cy="732363"/>
-        </a:xfrm>
-        <a:prstGeom prst="roundRect">
-          <a:avLst>
-            <a:gd name="adj" fmla="val 10000"/>
-          </a:avLst>
-        </a:prstGeom>
-        <a:solidFill>
-          <a:schemeClr val="accent1">
-            <a:hueOff val="0"/>
-            <a:satOff val="0"/>
-            <a:lumOff val="0"/>
-            <a:alphaOff val="0"/>
-          </a:schemeClr>
-        </a:solidFill>
-        <a:ln w="15875" cap="rnd" cmpd="sng" algn="ctr">
-          <a:solidFill>
-            <a:schemeClr val="lt1">
-              <a:hueOff val="0"/>
-              <a:satOff val="0"/>
-              <a:lumOff val="0"/>
-              <a:alphaOff val="0"/>
-            </a:schemeClr>
-          </a:solidFill>
-          <a:prstDash val="solid"/>
-        </a:ln>
-        <a:effectLst/>
-      </dsp:spPr>
-      <dsp:style>
-        <a:lnRef idx="2">
-          <a:scrgbClr r="0" g="0" b="0"/>
-        </a:lnRef>
-        <a:fillRef idx="1">
-          <a:scrgbClr r="0" g="0" b="0"/>
-        </a:fillRef>
-        <a:effectRef idx="0">
-          <a:scrgbClr r="0" g="0" b="0"/>
-        </a:effectRef>
-        <a:fontRef idx="minor">
-          <a:schemeClr val="lt1"/>
-        </a:fontRef>
-      </dsp:style>
-      <dsp:txBody>
-        <a:bodyPr spcFirstLastPara="0" vert="horz" wrap="square" lIns="45720" tIns="45720" rIns="45720" bIns="45720" numCol="1" spcCol="1270" anchor="ctr" anchorCtr="0">
-          <a:noAutofit/>
-        </a:bodyPr>
-        <a:lstStyle/>
-        <a:p>
-          <a:pPr lvl="0" algn="ctr" defTabSz="533400">
-            <a:lnSpc>
-              <a:spcPct val="90000"/>
-            </a:lnSpc>
-            <a:spcBef>
-              <a:spcPct val="0"/>
-            </a:spcBef>
-            <a:spcAft>
-              <a:spcPct val="35000"/>
-            </a:spcAft>
-          </a:pPr>
-          <a:r>
-            <a:rPr lang="en-US" sz="1200" kern="1200" dirty="0" smtClean="0"/>
-            <a:t>Latex code</a:t>
-          </a:r>
-          <a:endParaRPr lang="en-US" sz="1200" kern="1200" dirty="0"/>
-        </a:p>
-      </dsp:txBody>
-      <dsp:txXfrm>
-        <a:off x="6860778" y="1053953"/>
-        <a:ext cx="1177705" cy="689463"/>
-      </dsp:txXfrm>
-    </dsp:sp>
-  </dsp:spTree>
-</dsp:drawing>
-</file>
-
 <file path=ppt/diagrams/layout1.xml><?xml version="1.0" encoding="utf-8"?>
 <dgm:layoutDef xmlns:dgm="http://schemas.openxmlformats.org/drawingml/2006/diagram" xmlns:a="http://schemas.openxmlformats.org/drawingml/2006/main" uniqueId="urn:microsoft.com/office/officeart/2005/8/layout/process4">
   <dgm:title val=""/>
@@ -4812,1187 +2973,7 @@
 </dgm:layoutDef>
 </file>
 
-<file path=ppt/diagrams/layout2.xml><?xml version="1.0" encoding="utf-8"?>
-<dgm:layoutDef xmlns:dgm="http://schemas.openxmlformats.org/drawingml/2006/diagram" xmlns:a="http://schemas.openxmlformats.org/drawingml/2006/main" uniqueId="urn:microsoft.com/office/officeart/2005/8/layout/process1">
-  <dgm:title val=""/>
-  <dgm:desc val=""/>
-  <dgm:catLst>
-    <dgm:cat type="process" pri="1000"/>
-    <dgm:cat type="convert" pri="15000"/>
-  </dgm:catLst>
-  <dgm:sampData useDef="1">
-    <dgm:dataModel>
-      <dgm:ptLst/>
-      <dgm:bg/>
-      <dgm:whole/>
-    </dgm:dataModel>
-  </dgm:sampData>
-  <dgm:styleData>
-    <dgm:dataModel>
-      <dgm:ptLst>
-        <dgm:pt modelId="0" type="doc"/>
-        <dgm:pt modelId="1"/>
-        <dgm:pt modelId="2"/>
-      </dgm:ptLst>
-      <dgm:cxnLst>
-        <dgm:cxn modelId="3" srcId="0" destId="1" srcOrd="0" destOrd="0"/>
-        <dgm:cxn modelId="4" srcId="0" destId="2" srcOrd="1" destOrd="0"/>
-      </dgm:cxnLst>
-      <dgm:bg/>
-      <dgm:whole/>
-    </dgm:dataModel>
-  </dgm:styleData>
-  <dgm:clrData>
-    <dgm:dataModel>
-      <dgm:ptLst>
-        <dgm:pt modelId="0" type="doc"/>
-        <dgm:pt modelId="1"/>
-        <dgm:pt modelId="2"/>
-        <dgm:pt modelId="3"/>
-        <dgm:pt modelId="4"/>
-      </dgm:ptLst>
-      <dgm:cxnLst>
-        <dgm:cxn modelId="5" srcId="0" destId="1" srcOrd="0" destOrd="0"/>
-        <dgm:cxn modelId="6" srcId="0" destId="2" srcOrd="1" destOrd="0"/>
-        <dgm:cxn modelId="7" srcId="0" destId="3" srcOrd="2" destOrd="0"/>
-        <dgm:cxn modelId="8" srcId="0" destId="4" srcOrd="3" destOrd="0"/>
-      </dgm:cxnLst>
-      <dgm:bg/>
-      <dgm:whole/>
-    </dgm:dataModel>
-  </dgm:clrData>
-  <dgm:layoutNode name="Name0">
-    <dgm:varLst>
-      <dgm:dir/>
-      <dgm:resizeHandles val="exact"/>
-    </dgm:varLst>
-    <dgm:choose name="Name1">
-      <dgm:if name="Name2" func="var" arg="dir" op="equ" val="norm">
-        <dgm:alg type="lin"/>
-      </dgm:if>
-      <dgm:else name="Name3">
-        <dgm:alg type="lin">
-          <dgm:param type="linDir" val="fromR"/>
-        </dgm:alg>
-      </dgm:else>
-    </dgm:choose>
-    <dgm:shape xmlns:r="http://schemas.openxmlformats.org/officeDocument/2006/relationships" r:blip="">
-      <dgm:adjLst/>
-    </dgm:shape>
-    <dgm:presOf/>
-    <dgm:constrLst>
-      <dgm:constr type="w" for="ch" ptType="node" refType="w"/>
-      <dgm:constr type="h" for="ch" ptType="node" op="equ"/>
-      <dgm:constr type="primFontSz" for="ch" ptType="node" op="equ" val="65"/>
-      <dgm:constr type="w" for="ch" ptType="sibTrans" refType="w" refFor="ch" refPtType="node" op="equ" fact="0.4"/>
-      <dgm:constr type="h" for="ch" ptType="sibTrans" op="equ"/>
-      <dgm:constr type="primFontSz" for="des" forName="connectorText" op="equ" val="55"/>
-      <dgm:constr type="primFontSz" for="des" forName="connectorText" refType="primFontSz" refFor="ch" refPtType="node" op="lte" fact="0.8"/>
-    </dgm:constrLst>
-    <dgm:ruleLst/>
-    <dgm:forEach name="nodesForEach" axis="ch" ptType="node">
-      <dgm:layoutNode name="node">
-        <dgm:varLst>
-          <dgm:bulletEnabled val="1"/>
-        </dgm:varLst>
-        <dgm:alg type="tx"/>
-        <dgm:shape xmlns:r="http://schemas.openxmlformats.org/officeDocument/2006/relationships" type="roundRect" r:blip="">
-          <dgm:adjLst>
-            <dgm:adj idx="1" val="0.1"/>
-          </dgm:adjLst>
-        </dgm:shape>
-        <dgm:presOf axis="desOrSelf" ptType="node"/>
-        <dgm:constrLst>
-          <dgm:constr type="h" refType="w" fact="0.6"/>
-          <dgm:constr type="tMarg" refType="primFontSz" fact="0.3"/>
-          <dgm:constr type="bMarg" refType="primFontSz" fact="0.3"/>
-          <dgm:constr type="lMarg" refType="primFontSz" fact="0.3"/>
-          <dgm:constr type="rMarg" refType="primFontSz" fact="0.3"/>
-        </dgm:constrLst>
-        <dgm:ruleLst>
-          <dgm:rule type="primFontSz" val="18" fact="NaN" max="NaN"/>
-          <dgm:rule type="h" val="NaN" fact="1.5" max="NaN"/>
-          <dgm:rule type="primFontSz" val="5" fact="NaN" max="NaN"/>
-          <dgm:rule type="h" val="INF" fact="NaN" max="NaN"/>
-        </dgm:ruleLst>
-      </dgm:layoutNode>
-      <dgm:forEach name="sibTransForEach" axis="followSib" ptType="sibTrans" cnt="1">
-        <dgm:layoutNode name="sibTrans">
-          <dgm:alg type="conn">
-            <dgm:param type="begPts" val="auto"/>
-            <dgm:param type="endPts" val="auto"/>
-          </dgm:alg>
-          <dgm:shape xmlns:r="http://schemas.openxmlformats.org/officeDocument/2006/relationships" type="conn" r:blip="">
-            <dgm:adjLst/>
-          </dgm:shape>
-          <dgm:presOf axis="self"/>
-          <dgm:constrLst>
-            <dgm:constr type="h" refType="w" fact="0.62"/>
-            <dgm:constr type="connDist"/>
-            <dgm:constr type="begPad" refType="connDist" fact="0.25"/>
-            <dgm:constr type="endPad" refType="connDist" fact="0.22"/>
-          </dgm:constrLst>
-          <dgm:ruleLst/>
-          <dgm:layoutNode name="connectorText">
-            <dgm:alg type="tx">
-              <dgm:param type="autoTxRot" val="grav"/>
-            </dgm:alg>
-            <dgm:shape xmlns:r="http://schemas.openxmlformats.org/officeDocument/2006/relationships" type="conn" r:blip="" hideGeom="1">
-              <dgm:adjLst/>
-            </dgm:shape>
-            <dgm:presOf axis="self"/>
-            <dgm:constrLst>
-              <dgm:constr type="lMarg"/>
-              <dgm:constr type="rMarg"/>
-              <dgm:constr type="tMarg"/>
-              <dgm:constr type="bMarg"/>
-            </dgm:constrLst>
-            <dgm:ruleLst>
-              <dgm:rule type="primFontSz" val="5" fact="NaN" max="NaN"/>
-            </dgm:ruleLst>
-          </dgm:layoutNode>
-        </dgm:layoutNode>
-      </dgm:forEach>
-    </dgm:forEach>
-  </dgm:layoutNode>
-</dgm:layoutDef>
-</file>
-
 <file path=ppt/diagrams/quickStyle1.xml><?xml version="1.0" encoding="utf-8"?>
-<dgm:styleDef xmlns:dgm="http://schemas.openxmlformats.org/drawingml/2006/diagram" xmlns:a="http://schemas.openxmlformats.org/drawingml/2006/main" uniqueId="urn:microsoft.com/office/officeart/2005/8/quickstyle/simple1">
-  <dgm:title val=""/>
-  <dgm:desc val=""/>
-  <dgm:catLst>
-    <dgm:cat type="simple" pri="10100"/>
-  </dgm:catLst>
-  <dgm:scene3d>
-    <a:camera prst="orthographicFront"/>
-    <a:lightRig rig="threePt" dir="t"/>
-  </dgm:scene3d>
-  <dgm:styleLbl name="node0">
-    <dgm:scene3d>
-      <a:camera prst="orthographicFront"/>
-      <a:lightRig rig="threePt" dir="t"/>
-    </dgm:scene3d>
-    <dgm:sp3d/>
-    <dgm:txPr/>
-    <dgm:style>
-      <a:lnRef idx="2">
-        <a:scrgbClr r="0" g="0" b="0"/>
-      </a:lnRef>
-      <a:fillRef idx="1">
-        <a:scrgbClr r="0" g="0" b="0"/>
-      </a:fillRef>
-      <a:effectRef idx="0">
-        <a:scrgbClr r="0" g="0" b="0"/>
-      </a:effectRef>
-      <a:fontRef idx="minor">
-        <a:schemeClr val="lt1"/>
-      </a:fontRef>
-    </dgm:style>
-  </dgm:styleLbl>
-  <dgm:styleLbl name="lnNode1">
-    <dgm:scene3d>
-      <a:camera prst="orthographicFront"/>
-      <a:lightRig rig="threePt" dir="t"/>
-    </dgm:scene3d>
-    <dgm:sp3d/>
-    <dgm:txPr/>
-    <dgm:style>
-      <a:lnRef idx="2">
-        <a:scrgbClr r="0" g="0" b="0"/>
-      </a:lnRef>
-      <a:fillRef idx="1">
-        <a:scrgbClr r="0" g="0" b="0"/>
-      </a:fillRef>
-      <a:effectRef idx="0">
-        <a:scrgbClr r="0" g="0" b="0"/>
-      </a:effectRef>
-      <a:fontRef idx="minor">
-        <a:schemeClr val="lt1"/>
-      </a:fontRef>
-    </dgm:style>
-  </dgm:styleLbl>
-  <dgm:styleLbl name="vennNode1">
-    <dgm:scene3d>
-      <a:camera prst="orthographicFront"/>
-      <a:lightRig rig="threePt" dir="t"/>
-    </dgm:scene3d>
-    <dgm:sp3d/>
-    <dgm:txPr/>
-    <dgm:style>
-      <a:lnRef idx="2">
-        <a:scrgbClr r="0" g="0" b="0"/>
-      </a:lnRef>
-      <a:fillRef idx="1">
-        <a:scrgbClr r="0" g="0" b="0"/>
-      </a:fillRef>
-      <a:effectRef idx="0">
-        <a:scrgbClr r="0" g="0" b="0"/>
-      </a:effectRef>
-      <a:fontRef idx="minor">
-        <a:schemeClr val="tx1"/>
-      </a:fontRef>
-    </dgm:style>
-  </dgm:styleLbl>
-  <dgm:styleLbl name="alignNode1">
-    <dgm:scene3d>
-      <a:camera prst="orthographicFront"/>
-      <a:lightRig rig="threePt" dir="t"/>
-    </dgm:scene3d>
-    <dgm:sp3d/>
-    <dgm:txPr/>
-    <dgm:style>
-      <a:lnRef idx="2">
-        <a:scrgbClr r="0" g="0" b="0"/>
-      </a:lnRef>
-      <a:fillRef idx="1">
-        <a:scrgbClr r="0" g="0" b="0"/>
-      </a:fillRef>
-      <a:effectRef idx="0">
-        <a:scrgbClr r="0" g="0" b="0"/>
-      </a:effectRef>
-      <a:fontRef idx="minor">
-        <a:schemeClr val="lt1"/>
-      </a:fontRef>
-    </dgm:style>
-  </dgm:styleLbl>
-  <dgm:styleLbl name="node1">
-    <dgm:scene3d>
-      <a:camera prst="orthographicFront"/>
-      <a:lightRig rig="threePt" dir="t"/>
-    </dgm:scene3d>
-    <dgm:sp3d/>
-    <dgm:txPr/>
-    <dgm:style>
-      <a:lnRef idx="2">
-        <a:scrgbClr r="0" g="0" b="0"/>
-      </a:lnRef>
-      <a:fillRef idx="1">
-        <a:scrgbClr r="0" g="0" b="0"/>
-      </a:fillRef>
-      <a:effectRef idx="0">
-        <a:scrgbClr r="0" g="0" b="0"/>
-      </a:effectRef>
-      <a:fontRef idx="minor">
-        <a:schemeClr val="lt1"/>
-      </a:fontRef>
-    </dgm:style>
-  </dgm:styleLbl>
-  <dgm:styleLbl name="node2">
-    <dgm:scene3d>
-      <a:camera prst="orthographicFront"/>
-      <a:lightRig rig="threePt" dir="t"/>
-    </dgm:scene3d>
-    <dgm:sp3d/>
-    <dgm:txPr/>
-    <dgm:style>
-      <a:lnRef idx="2">
-        <a:scrgbClr r="0" g="0" b="0"/>
-      </a:lnRef>
-      <a:fillRef idx="1">
-        <a:scrgbClr r="0" g="0" b="0"/>
-      </a:fillRef>
-      <a:effectRef idx="0">
-        <a:scrgbClr r="0" g="0" b="0"/>
-      </a:effectRef>
-      <a:fontRef idx="minor">
-        <a:schemeClr val="lt1"/>
-      </a:fontRef>
-    </dgm:style>
-  </dgm:styleLbl>
-  <dgm:styleLbl name="node3">
-    <dgm:scene3d>
-      <a:camera prst="orthographicFront"/>
-      <a:lightRig rig="threePt" dir="t"/>
-    </dgm:scene3d>
-    <dgm:sp3d/>
-    <dgm:txPr/>
-    <dgm:style>
-      <a:lnRef idx="2">
-        <a:scrgbClr r="0" g="0" b="0"/>
-      </a:lnRef>
-      <a:fillRef idx="1">
-        <a:scrgbClr r="0" g="0" b="0"/>
-      </a:fillRef>
-      <a:effectRef idx="0">
-        <a:scrgbClr r="0" g="0" b="0"/>
-      </a:effectRef>
-      <a:fontRef idx="minor">
-        <a:schemeClr val="lt1"/>
-      </a:fontRef>
-    </dgm:style>
-  </dgm:styleLbl>
-  <dgm:styleLbl name="node4">
-    <dgm:scene3d>
-      <a:camera prst="orthographicFront"/>
-      <a:lightRig rig="threePt" dir="t"/>
-    </dgm:scene3d>
-    <dgm:sp3d/>
-    <dgm:txPr/>
-    <dgm:style>
-      <a:lnRef idx="2">
-        <a:scrgbClr r="0" g="0" b="0"/>
-      </a:lnRef>
-      <a:fillRef idx="1">
-        <a:scrgbClr r="0" g="0" b="0"/>
-      </a:fillRef>
-      <a:effectRef idx="0">
-        <a:scrgbClr r="0" g="0" b="0"/>
-      </a:effectRef>
-      <a:fontRef idx="minor">
-        <a:schemeClr val="lt1"/>
-      </a:fontRef>
-    </dgm:style>
-  </dgm:styleLbl>
-  <dgm:styleLbl name="fgImgPlace1">
-    <dgm:scene3d>
-      <a:camera prst="orthographicFront"/>
-      <a:lightRig rig="threePt" dir="t"/>
-    </dgm:scene3d>
-    <dgm:sp3d/>
-    <dgm:txPr/>
-    <dgm:style>
-      <a:lnRef idx="2">
-        <a:scrgbClr r="0" g="0" b="0"/>
-      </a:lnRef>
-      <a:fillRef idx="1">
-        <a:scrgbClr r="0" g="0" b="0"/>
-      </a:fillRef>
-      <a:effectRef idx="0">
-        <a:scrgbClr r="0" g="0" b="0"/>
-      </a:effectRef>
-      <a:fontRef idx="minor"/>
-    </dgm:style>
-  </dgm:styleLbl>
-  <dgm:styleLbl name="alignImgPlace1">
-    <dgm:scene3d>
-      <a:camera prst="orthographicFront"/>
-      <a:lightRig rig="threePt" dir="t"/>
-    </dgm:scene3d>
-    <dgm:sp3d/>
-    <dgm:txPr/>
-    <dgm:style>
-      <a:lnRef idx="2">
-        <a:scrgbClr r="0" g="0" b="0"/>
-      </a:lnRef>
-      <a:fillRef idx="1">
-        <a:scrgbClr r="0" g="0" b="0"/>
-      </a:fillRef>
-      <a:effectRef idx="0">
-        <a:scrgbClr r="0" g="0" b="0"/>
-      </a:effectRef>
-      <a:fontRef idx="minor"/>
-    </dgm:style>
-  </dgm:styleLbl>
-  <dgm:styleLbl name="bgImgPlace1">
-    <dgm:scene3d>
-      <a:camera prst="orthographicFront"/>
-      <a:lightRig rig="threePt" dir="t"/>
-    </dgm:scene3d>
-    <dgm:sp3d/>
-    <dgm:txPr/>
-    <dgm:style>
-      <a:lnRef idx="2">
-        <a:scrgbClr r="0" g="0" b="0"/>
-      </a:lnRef>
-      <a:fillRef idx="1">
-        <a:scrgbClr r="0" g="0" b="0"/>
-      </a:fillRef>
-      <a:effectRef idx="0">
-        <a:scrgbClr r="0" g="0" b="0"/>
-      </a:effectRef>
-      <a:fontRef idx="minor"/>
-    </dgm:style>
-  </dgm:styleLbl>
-  <dgm:styleLbl name="sibTrans2D1">
-    <dgm:scene3d>
-      <a:camera prst="orthographicFront"/>
-      <a:lightRig rig="threePt" dir="t"/>
-    </dgm:scene3d>
-    <dgm:sp3d/>
-    <dgm:txPr/>
-    <dgm:style>
-      <a:lnRef idx="0">
-        <a:scrgbClr r="0" g="0" b="0"/>
-      </a:lnRef>
-      <a:fillRef idx="1">
-        <a:scrgbClr r="0" g="0" b="0"/>
-      </a:fillRef>
-      <a:effectRef idx="0">
-        <a:scrgbClr r="0" g="0" b="0"/>
-      </a:effectRef>
-      <a:fontRef idx="minor">
-        <a:schemeClr val="lt1"/>
-      </a:fontRef>
-    </dgm:style>
-  </dgm:styleLbl>
-  <dgm:styleLbl name="fgSibTrans2D1">
-    <dgm:scene3d>
-      <a:camera prst="orthographicFront"/>
-      <a:lightRig rig="threePt" dir="t"/>
-    </dgm:scene3d>
-    <dgm:sp3d/>
-    <dgm:txPr/>
-    <dgm:style>
-      <a:lnRef idx="0">
-        <a:scrgbClr r="0" g="0" b="0"/>
-      </a:lnRef>
-      <a:fillRef idx="1">
-        <a:scrgbClr r="0" g="0" b="0"/>
-      </a:fillRef>
-      <a:effectRef idx="0">
-        <a:scrgbClr r="0" g="0" b="0"/>
-      </a:effectRef>
-      <a:fontRef idx="minor">
-        <a:schemeClr val="lt1"/>
-      </a:fontRef>
-    </dgm:style>
-  </dgm:styleLbl>
-  <dgm:styleLbl name="bgSibTrans2D1">
-    <dgm:scene3d>
-      <a:camera prst="orthographicFront"/>
-      <a:lightRig rig="threePt" dir="t"/>
-    </dgm:scene3d>
-    <dgm:sp3d/>
-    <dgm:txPr/>
-    <dgm:style>
-      <a:lnRef idx="0">
-        <a:scrgbClr r="0" g="0" b="0"/>
-      </a:lnRef>
-      <a:fillRef idx="1">
-        <a:scrgbClr r="0" g="0" b="0"/>
-      </a:fillRef>
-      <a:effectRef idx="0">
-        <a:scrgbClr r="0" g="0" b="0"/>
-      </a:effectRef>
-      <a:fontRef idx="minor">
-        <a:schemeClr val="lt1"/>
-      </a:fontRef>
-    </dgm:style>
-  </dgm:styleLbl>
-  <dgm:styleLbl name="sibTrans1D1">
-    <dgm:scene3d>
-      <a:camera prst="orthographicFront"/>
-      <a:lightRig rig="threePt" dir="t"/>
-    </dgm:scene3d>
-    <dgm:sp3d/>
-    <dgm:txPr/>
-    <dgm:style>
-      <a:lnRef idx="1">
-        <a:scrgbClr r="0" g="0" b="0"/>
-      </a:lnRef>
-      <a:fillRef idx="0">
-        <a:scrgbClr r="0" g="0" b="0"/>
-      </a:fillRef>
-      <a:effectRef idx="0">
-        <a:scrgbClr r="0" g="0" b="0"/>
-      </a:effectRef>
-      <a:fontRef idx="minor"/>
-    </dgm:style>
-  </dgm:styleLbl>
-  <dgm:styleLbl name="callout">
-    <dgm:scene3d>
-      <a:camera prst="orthographicFront"/>
-      <a:lightRig rig="threePt" dir="t"/>
-    </dgm:scene3d>
-    <dgm:sp3d/>
-    <dgm:txPr/>
-    <dgm:style>
-      <a:lnRef idx="2">
-        <a:scrgbClr r="0" g="0" b="0"/>
-      </a:lnRef>
-      <a:fillRef idx="1">
-        <a:scrgbClr r="0" g="0" b="0"/>
-      </a:fillRef>
-      <a:effectRef idx="0">
-        <a:scrgbClr r="0" g="0" b="0"/>
-      </a:effectRef>
-      <a:fontRef idx="minor"/>
-    </dgm:style>
-  </dgm:styleLbl>
-  <dgm:styleLbl name="asst0">
-    <dgm:scene3d>
-      <a:camera prst="orthographicFront"/>
-      <a:lightRig rig="threePt" dir="t"/>
-    </dgm:scene3d>
-    <dgm:sp3d/>
-    <dgm:txPr/>
-    <dgm:style>
-      <a:lnRef idx="2">
-        <a:scrgbClr r="0" g="0" b="0"/>
-      </a:lnRef>
-      <a:fillRef idx="1">
-        <a:scrgbClr r="0" g="0" b="0"/>
-      </a:fillRef>
-      <a:effectRef idx="0">
-        <a:scrgbClr r="0" g="0" b="0"/>
-      </a:effectRef>
-      <a:fontRef idx="minor">
-        <a:schemeClr val="lt1"/>
-      </a:fontRef>
-    </dgm:style>
-  </dgm:styleLbl>
-  <dgm:styleLbl name="asst1">
-    <dgm:scene3d>
-      <a:camera prst="orthographicFront"/>
-      <a:lightRig rig="threePt" dir="t"/>
-    </dgm:scene3d>
-    <dgm:sp3d/>
-    <dgm:txPr/>
-    <dgm:style>
-      <a:lnRef idx="2">
-        <a:scrgbClr r="0" g="0" b="0"/>
-      </a:lnRef>
-      <a:fillRef idx="1">
-        <a:scrgbClr r="0" g="0" b="0"/>
-      </a:fillRef>
-      <a:effectRef idx="0">
-        <a:scrgbClr r="0" g="0" b="0"/>
-      </a:effectRef>
-      <a:fontRef idx="minor">
-        <a:schemeClr val="lt1"/>
-      </a:fontRef>
-    </dgm:style>
-  </dgm:styleLbl>
-  <dgm:styleLbl name="asst2">
-    <dgm:scene3d>
-      <a:camera prst="orthographicFront"/>
-      <a:lightRig rig="threePt" dir="t"/>
-    </dgm:scene3d>
-    <dgm:sp3d/>
-    <dgm:txPr/>
-    <dgm:style>
-      <a:lnRef idx="2">
-        <a:scrgbClr r="0" g="0" b="0"/>
-      </a:lnRef>
-      <a:fillRef idx="1">
-        <a:scrgbClr r="0" g="0" b="0"/>
-      </a:fillRef>
-      <a:effectRef idx="0">
-        <a:scrgbClr r="0" g="0" b="0"/>
-      </a:effectRef>
-      <a:fontRef idx="minor">
-        <a:schemeClr val="lt1"/>
-      </a:fontRef>
-    </dgm:style>
-  </dgm:styleLbl>
-  <dgm:styleLbl name="asst3">
-    <dgm:scene3d>
-      <a:camera prst="orthographicFront"/>
-      <a:lightRig rig="threePt" dir="t"/>
-    </dgm:scene3d>
-    <dgm:sp3d/>
-    <dgm:txPr/>
-    <dgm:style>
-      <a:lnRef idx="2">
-        <a:scrgbClr r="0" g="0" b="0"/>
-      </a:lnRef>
-      <a:fillRef idx="1">
-        <a:scrgbClr r="0" g="0" b="0"/>
-      </a:fillRef>
-      <a:effectRef idx="0">
-        <a:scrgbClr r="0" g="0" b="0"/>
-      </a:effectRef>
-      <a:fontRef idx="minor">
-        <a:schemeClr val="lt1"/>
-      </a:fontRef>
-    </dgm:style>
-  </dgm:styleLbl>
-  <dgm:styleLbl name="asst4">
-    <dgm:scene3d>
-      <a:camera prst="orthographicFront"/>
-      <a:lightRig rig="threePt" dir="t"/>
-    </dgm:scene3d>
-    <dgm:sp3d/>
-    <dgm:txPr/>
-    <dgm:style>
-      <a:lnRef idx="2">
-        <a:scrgbClr r="0" g="0" b="0"/>
-      </a:lnRef>
-      <a:fillRef idx="1">
-        <a:scrgbClr r="0" g="0" b="0"/>
-      </a:fillRef>
-      <a:effectRef idx="0">
-        <a:scrgbClr r="0" g="0" b="0"/>
-      </a:effectRef>
-      <a:fontRef idx="minor">
-        <a:schemeClr val="lt1"/>
-      </a:fontRef>
-    </dgm:style>
-  </dgm:styleLbl>
-  <dgm:styleLbl name="parChTrans2D1">
-    <dgm:scene3d>
-      <a:camera prst="orthographicFront"/>
-      <a:lightRig rig="threePt" dir="t"/>
-    </dgm:scene3d>
-    <dgm:sp3d/>
-    <dgm:txPr/>
-    <dgm:style>
-      <a:lnRef idx="2">
-        <a:scrgbClr r="0" g="0" b="0"/>
-      </a:lnRef>
-      <a:fillRef idx="1">
-        <a:scrgbClr r="0" g="0" b="0"/>
-      </a:fillRef>
-      <a:effectRef idx="0">
-        <a:scrgbClr r="0" g="0" b="0"/>
-      </a:effectRef>
-      <a:fontRef idx="minor">
-        <a:schemeClr val="lt1"/>
-      </a:fontRef>
-    </dgm:style>
-  </dgm:styleLbl>
-  <dgm:styleLbl name="parChTrans2D2">
-    <dgm:scene3d>
-      <a:camera prst="orthographicFront"/>
-      <a:lightRig rig="threePt" dir="t"/>
-    </dgm:scene3d>
-    <dgm:sp3d/>
-    <dgm:txPr/>
-    <dgm:style>
-      <a:lnRef idx="2">
-        <a:scrgbClr r="0" g="0" b="0"/>
-      </a:lnRef>
-      <a:fillRef idx="1">
-        <a:scrgbClr r="0" g="0" b="0"/>
-      </a:fillRef>
-      <a:effectRef idx="0">
-        <a:scrgbClr r="0" g="0" b="0"/>
-      </a:effectRef>
-      <a:fontRef idx="minor">
-        <a:schemeClr val="lt1"/>
-      </a:fontRef>
-    </dgm:style>
-  </dgm:styleLbl>
-  <dgm:styleLbl name="parChTrans2D3">
-    <dgm:scene3d>
-      <a:camera prst="orthographicFront"/>
-      <a:lightRig rig="threePt" dir="t"/>
-    </dgm:scene3d>
-    <dgm:sp3d/>
-    <dgm:txPr/>
-    <dgm:style>
-      <a:lnRef idx="2">
-        <a:scrgbClr r="0" g="0" b="0"/>
-      </a:lnRef>
-      <a:fillRef idx="1">
-        <a:scrgbClr r="0" g="0" b="0"/>
-      </a:fillRef>
-      <a:effectRef idx="0">
-        <a:scrgbClr r="0" g="0" b="0"/>
-      </a:effectRef>
-      <a:fontRef idx="minor">
-        <a:schemeClr val="lt1"/>
-      </a:fontRef>
-    </dgm:style>
-  </dgm:styleLbl>
-  <dgm:styleLbl name="parChTrans2D4">
-    <dgm:scene3d>
-      <a:camera prst="orthographicFront"/>
-      <a:lightRig rig="threePt" dir="t"/>
-    </dgm:scene3d>
-    <dgm:sp3d/>
-    <dgm:txPr/>
-    <dgm:style>
-      <a:lnRef idx="2">
-        <a:scrgbClr r="0" g="0" b="0"/>
-      </a:lnRef>
-      <a:fillRef idx="1">
-        <a:scrgbClr r="0" g="0" b="0"/>
-      </a:fillRef>
-      <a:effectRef idx="0">
-        <a:scrgbClr r="0" g="0" b="0"/>
-      </a:effectRef>
-      <a:fontRef idx="minor">
-        <a:schemeClr val="lt1"/>
-      </a:fontRef>
-    </dgm:style>
-  </dgm:styleLbl>
-  <dgm:styleLbl name="parChTrans1D1">
-    <dgm:scene3d>
-      <a:camera prst="orthographicFront"/>
-      <a:lightRig rig="threePt" dir="t"/>
-    </dgm:scene3d>
-    <dgm:sp3d/>
-    <dgm:txPr/>
-    <dgm:style>
-      <a:lnRef idx="2">
-        <a:scrgbClr r="0" g="0" b="0"/>
-      </a:lnRef>
-      <a:fillRef idx="0">
-        <a:scrgbClr r="0" g="0" b="0"/>
-      </a:fillRef>
-      <a:effectRef idx="0">
-        <a:scrgbClr r="0" g="0" b="0"/>
-      </a:effectRef>
-      <a:fontRef idx="minor"/>
-    </dgm:style>
-  </dgm:styleLbl>
-  <dgm:styleLbl name="parChTrans1D2">
-    <dgm:scene3d>
-      <a:camera prst="orthographicFront"/>
-      <a:lightRig rig="threePt" dir="t"/>
-    </dgm:scene3d>
-    <dgm:sp3d/>
-    <dgm:txPr/>
-    <dgm:style>
-      <a:lnRef idx="2">
-        <a:scrgbClr r="0" g="0" b="0"/>
-      </a:lnRef>
-      <a:fillRef idx="0">
-        <a:scrgbClr r="0" g="0" b="0"/>
-      </a:fillRef>
-      <a:effectRef idx="0">
-        <a:scrgbClr r="0" g="0" b="0"/>
-      </a:effectRef>
-      <a:fontRef idx="minor"/>
-    </dgm:style>
-  </dgm:styleLbl>
-  <dgm:styleLbl name="parChTrans1D3">
-    <dgm:scene3d>
-      <a:camera prst="orthographicFront"/>
-      <a:lightRig rig="threePt" dir="t"/>
-    </dgm:scene3d>
-    <dgm:sp3d/>
-    <dgm:txPr/>
-    <dgm:style>
-      <a:lnRef idx="2">
-        <a:scrgbClr r="0" g="0" b="0"/>
-      </a:lnRef>
-      <a:fillRef idx="0">
-        <a:scrgbClr r="0" g="0" b="0"/>
-      </a:fillRef>
-      <a:effectRef idx="0">
-        <a:scrgbClr r="0" g="0" b="0"/>
-      </a:effectRef>
-      <a:fontRef idx="minor"/>
-    </dgm:style>
-  </dgm:styleLbl>
-  <dgm:styleLbl name="parChTrans1D4">
-    <dgm:scene3d>
-      <a:camera prst="orthographicFront"/>
-      <a:lightRig rig="threePt" dir="t"/>
-    </dgm:scene3d>
-    <dgm:sp3d/>
-    <dgm:txPr/>
-    <dgm:style>
-      <a:lnRef idx="2">
-        <a:scrgbClr r="0" g="0" b="0"/>
-      </a:lnRef>
-      <a:fillRef idx="0">
-        <a:scrgbClr r="0" g="0" b="0"/>
-      </a:fillRef>
-      <a:effectRef idx="0">
-        <a:scrgbClr r="0" g="0" b="0"/>
-      </a:effectRef>
-      <a:fontRef idx="minor"/>
-    </dgm:style>
-  </dgm:styleLbl>
-  <dgm:styleLbl name="fgAcc1">
-    <dgm:scene3d>
-      <a:camera prst="orthographicFront"/>
-      <a:lightRig rig="threePt" dir="t"/>
-    </dgm:scene3d>
-    <dgm:sp3d/>
-    <dgm:txPr/>
-    <dgm:style>
-      <a:lnRef idx="2">
-        <a:scrgbClr r="0" g="0" b="0"/>
-      </a:lnRef>
-      <a:fillRef idx="1">
-        <a:scrgbClr r="0" g="0" b="0"/>
-      </a:fillRef>
-      <a:effectRef idx="0">
-        <a:scrgbClr r="0" g="0" b="0"/>
-      </a:effectRef>
-      <a:fontRef idx="minor"/>
-    </dgm:style>
-  </dgm:styleLbl>
-  <dgm:styleLbl name="conFgAcc1">
-    <dgm:scene3d>
-      <a:camera prst="orthographicFront"/>
-      <a:lightRig rig="threePt" dir="t"/>
-    </dgm:scene3d>
-    <dgm:sp3d/>
-    <dgm:txPr/>
-    <dgm:style>
-      <a:lnRef idx="2">
-        <a:scrgbClr r="0" g="0" b="0"/>
-      </a:lnRef>
-      <a:fillRef idx="1">
-        <a:scrgbClr r="0" g="0" b="0"/>
-      </a:fillRef>
-      <a:effectRef idx="0">
-        <a:scrgbClr r="0" g="0" b="0"/>
-      </a:effectRef>
-      <a:fontRef idx="minor"/>
-    </dgm:style>
-  </dgm:styleLbl>
-  <dgm:styleLbl name="alignAcc1">
-    <dgm:scene3d>
-      <a:camera prst="orthographicFront"/>
-      <a:lightRig rig="threePt" dir="t"/>
-    </dgm:scene3d>
-    <dgm:sp3d/>
-    <dgm:txPr/>
-    <dgm:style>
-      <a:lnRef idx="2">
-        <a:scrgbClr r="0" g="0" b="0"/>
-      </a:lnRef>
-      <a:fillRef idx="1">
-        <a:scrgbClr r="0" g="0" b="0"/>
-      </a:fillRef>
-      <a:effectRef idx="0">
-        <a:scrgbClr r="0" g="0" b="0"/>
-      </a:effectRef>
-      <a:fontRef idx="minor"/>
-    </dgm:style>
-  </dgm:styleLbl>
-  <dgm:styleLbl name="trAlignAcc1">
-    <dgm:scene3d>
-      <a:camera prst="orthographicFront"/>
-      <a:lightRig rig="threePt" dir="t"/>
-    </dgm:scene3d>
-    <dgm:sp3d/>
-    <dgm:txPr/>
-    <dgm:style>
-      <a:lnRef idx="1">
-        <a:scrgbClr r="0" g="0" b="0"/>
-      </a:lnRef>
-      <a:fillRef idx="1">
-        <a:scrgbClr r="0" g="0" b="0"/>
-      </a:fillRef>
-      <a:effectRef idx="0">
-        <a:scrgbClr r="0" g="0" b="0"/>
-      </a:effectRef>
-      <a:fontRef idx="minor"/>
-    </dgm:style>
-  </dgm:styleLbl>
-  <dgm:styleLbl name="bgAcc1">
-    <dgm:scene3d>
-      <a:camera prst="orthographicFront"/>
-      <a:lightRig rig="threePt" dir="t"/>
-    </dgm:scene3d>
-    <dgm:sp3d/>
-    <dgm:txPr/>
-    <dgm:style>
-      <a:lnRef idx="2">
-        <a:scrgbClr r="0" g="0" b="0"/>
-      </a:lnRef>
-      <a:fillRef idx="1">
-        <a:scrgbClr r="0" g="0" b="0"/>
-      </a:fillRef>
-      <a:effectRef idx="0">
-        <a:scrgbClr r="0" g="0" b="0"/>
-      </a:effectRef>
-      <a:fontRef idx="minor"/>
-    </dgm:style>
-  </dgm:styleLbl>
-  <dgm:styleLbl name="solidFgAcc1">
-    <dgm:scene3d>
-      <a:camera prst="orthographicFront"/>
-      <a:lightRig rig="threePt" dir="t"/>
-    </dgm:scene3d>
-    <dgm:sp3d/>
-    <dgm:txPr/>
-    <dgm:style>
-      <a:lnRef idx="2">
-        <a:scrgbClr r="0" g="0" b="0"/>
-      </a:lnRef>
-      <a:fillRef idx="1">
-        <a:scrgbClr r="0" g="0" b="0"/>
-      </a:fillRef>
-      <a:effectRef idx="0">
-        <a:scrgbClr r="0" g="0" b="0"/>
-      </a:effectRef>
-      <a:fontRef idx="minor"/>
-    </dgm:style>
-  </dgm:styleLbl>
-  <dgm:styleLbl name="solidAlignAcc1">
-    <dgm:scene3d>
-      <a:camera prst="orthographicFront"/>
-      <a:lightRig rig="threePt" dir="t"/>
-    </dgm:scene3d>
-    <dgm:sp3d/>
-    <dgm:txPr/>
-    <dgm:style>
-      <a:lnRef idx="2">
-        <a:scrgbClr r="0" g="0" b="0"/>
-      </a:lnRef>
-      <a:fillRef idx="1">
-        <a:scrgbClr r="0" g="0" b="0"/>
-      </a:fillRef>
-      <a:effectRef idx="0">
-        <a:scrgbClr r="0" g="0" b="0"/>
-      </a:effectRef>
-      <a:fontRef idx="minor"/>
-    </dgm:style>
-  </dgm:styleLbl>
-  <dgm:styleLbl name="solidBgAcc1">
-    <dgm:scene3d>
-      <a:camera prst="orthographicFront"/>
-      <a:lightRig rig="threePt" dir="t"/>
-    </dgm:scene3d>
-    <dgm:sp3d/>
-    <dgm:txPr/>
-    <dgm:style>
-      <a:lnRef idx="2">
-        <a:scrgbClr r="0" g="0" b="0"/>
-      </a:lnRef>
-      <a:fillRef idx="1">
-        <a:scrgbClr r="0" g="0" b="0"/>
-      </a:fillRef>
-      <a:effectRef idx="0">
-        <a:scrgbClr r="0" g="0" b="0"/>
-      </a:effectRef>
-      <a:fontRef idx="minor"/>
-    </dgm:style>
-  </dgm:styleLbl>
-  <dgm:styleLbl name="fgAccFollowNode1">
-    <dgm:scene3d>
-      <a:camera prst="orthographicFront"/>
-      <a:lightRig rig="threePt" dir="t"/>
-    </dgm:scene3d>
-    <dgm:sp3d/>
-    <dgm:txPr/>
-    <dgm:style>
-      <a:lnRef idx="2">
-        <a:scrgbClr r="0" g="0" b="0"/>
-      </a:lnRef>
-      <a:fillRef idx="1">
-        <a:scrgbClr r="0" g="0" b="0"/>
-      </a:fillRef>
-      <a:effectRef idx="0">
-        <a:scrgbClr r="0" g="0" b="0"/>
-      </a:effectRef>
-      <a:fontRef idx="minor"/>
-    </dgm:style>
-  </dgm:styleLbl>
-  <dgm:styleLbl name="alignAccFollowNode1">
-    <dgm:scene3d>
-      <a:camera prst="orthographicFront"/>
-      <a:lightRig rig="threePt" dir="t"/>
-    </dgm:scene3d>
-    <dgm:sp3d/>
-    <dgm:txPr/>
-    <dgm:style>
-      <a:lnRef idx="2">
-        <a:scrgbClr r="0" g="0" b="0"/>
-      </a:lnRef>
-      <a:fillRef idx="1">
-        <a:scrgbClr r="0" g="0" b="0"/>
-      </a:fillRef>
-      <a:effectRef idx="0">
-        <a:scrgbClr r="0" g="0" b="0"/>
-      </a:effectRef>
-      <a:fontRef idx="minor"/>
-    </dgm:style>
-  </dgm:styleLbl>
-  <dgm:styleLbl name="bgAccFollowNode1">
-    <dgm:scene3d>
-      <a:camera prst="orthographicFront"/>
-      <a:lightRig rig="threePt" dir="t"/>
-    </dgm:scene3d>
-    <dgm:sp3d/>
-    <dgm:txPr/>
-    <dgm:style>
-      <a:lnRef idx="2">
-        <a:scrgbClr r="0" g="0" b="0"/>
-      </a:lnRef>
-      <a:fillRef idx="1">
-        <a:scrgbClr r="0" g="0" b="0"/>
-      </a:fillRef>
-      <a:effectRef idx="0">
-        <a:scrgbClr r="0" g="0" b="0"/>
-      </a:effectRef>
-      <a:fontRef idx="minor"/>
-    </dgm:style>
-  </dgm:styleLbl>
-  <dgm:styleLbl name="fgAcc0">
-    <dgm:scene3d>
-      <a:camera prst="orthographicFront"/>
-      <a:lightRig rig="threePt" dir="t"/>
-    </dgm:scene3d>
-    <dgm:sp3d/>
-    <dgm:txPr/>
-    <dgm:style>
-      <a:lnRef idx="2">
-        <a:scrgbClr r="0" g="0" b="0"/>
-      </a:lnRef>
-      <a:fillRef idx="1">
-        <a:scrgbClr r="0" g="0" b="0"/>
-      </a:fillRef>
-      <a:effectRef idx="0">
-        <a:scrgbClr r="0" g="0" b="0"/>
-      </a:effectRef>
-      <a:fontRef idx="minor"/>
-    </dgm:style>
-  </dgm:styleLbl>
-  <dgm:styleLbl name="fgAcc2">
-    <dgm:scene3d>
-      <a:camera prst="orthographicFront"/>
-      <a:lightRig rig="threePt" dir="t"/>
-    </dgm:scene3d>
-    <dgm:sp3d/>
-    <dgm:txPr/>
-    <dgm:style>
-      <a:lnRef idx="2">
-        <a:scrgbClr r="0" g="0" b="0"/>
-      </a:lnRef>
-      <a:fillRef idx="1">
-        <a:scrgbClr r="0" g="0" b="0"/>
-      </a:fillRef>
-      <a:effectRef idx="0">
-        <a:scrgbClr r="0" g="0" b="0"/>
-      </a:effectRef>
-      <a:fontRef idx="minor"/>
-    </dgm:style>
-  </dgm:styleLbl>
-  <dgm:styleLbl name="fgAcc3">
-    <dgm:scene3d>
-      <a:camera prst="orthographicFront"/>
-      <a:lightRig rig="threePt" dir="t"/>
-    </dgm:scene3d>
-    <dgm:sp3d/>
-    <dgm:txPr/>
-    <dgm:style>
-      <a:lnRef idx="2">
-        <a:scrgbClr r="0" g="0" b="0"/>
-      </a:lnRef>
-      <a:fillRef idx="1">
-        <a:scrgbClr r="0" g="0" b="0"/>
-      </a:fillRef>
-      <a:effectRef idx="0">
-        <a:scrgbClr r="0" g="0" b="0"/>
-      </a:effectRef>
-      <a:fontRef idx="minor"/>
-    </dgm:style>
-  </dgm:styleLbl>
-  <dgm:styleLbl name="fgAcc4">
-    <dgm:scene3d>
-      <a:camera prst="orthographicFront"/>
-      <a:lightRig rig="threePt" dir="t"/>
-    </dgm:scene3d>
-    <dgm:sp3d/>
-    <dgm:txPr/>
-    <dgm:style>
-      <a:lnRef idx="2">
-        <a:scrgbClr r="0" g="0" b="0"/>
-      </a:lnRef>
-      <a:fillRef idx="1">
-        <a:scrgbClr r="0" g="0" b="0"/>
-      </a:fillRef>
-      <a:effectRef idx="0">
-        <a:scrgbClr r="0" g="0" b="0"/>
-      </a:effectRef>
-      <a:fontRef idx="minor"/>
-    </dgm:style>
-  </dgm:styleLbl>
-  <dgm:styleLbl name="bgShp">
-    <dgm:scene3d>
-      <a:camera prst="orthographicFront"/>
-      <a:lightRig rig="threePt" dir="t"/>
-    </dgm:scene3d>
-    <dgm:sp3d/>
-    <dgm:txPr/>
-    <dgm:style>
-      <a:lnRef idx="0">
-        <a:scrgbClr r="0" g="0" b="0"/>
-      </a:lnRef>
-      <a:fillRef idx="1">
-        <a:scrgbClr r="0" g="0" b="0"/>
-      </a:fillRef>
-      <a:effectRef idx="0">
-        <a:scrgbClr r="0" g="0" b="0"/>
-      </a:effectRef>
-      <a:fontRef idx="minor"/>
-    </dgm:style>
-  </dgm:styleLbl>
-  <dgm:styleLbl name="dkBgShp">
-    <dgm:scene3d>
-      <a:camera prst="orthographicFront"/>
-      <a:lightRig rig="threePt" dir="t"/>
-    </dgm:scene3d>
-    <dgm:sp3d/>
-    <dgm:txPr/>
-    <dgm:style>
-      <a:lnRef idx="0">
-        <a:scrgbClr r="0" g="0" b="0"/>
-      </a:lnRef>
-      <a:fillRef idx="1">
-        <a:scrgbClr r="0" g="0" b="0"/>
-      </a:fillRef>
-      <a:effectRef idx="0">
-        <a:scrgbClr r="0" g="0" b="0"/>
-      </a:effectRef>
-      <a:fontRef idx="minor"/>
-    </dgm:style>
-  </dgm:styleLbl>
-  <dgm:styleLbl name="trBgShp">
-    <dgm:scene3d>
-      <a:camera prst="orthographicFront"/>
-      <a:lightRig rig="threePt" dir="t"/>
-    </dgm:scene3d>
-    <dgm:sp3d/>
-    <dgm:txPr/>
-    <dgm:style>
-      <a:lnRef idx="0">
-        <a:scrgbClr r="0" g="0" b="0"/>
-      </a:lnRef>
-      <a:fillRef idx="1">
-        <a:scrgbClr r="0" g="0" b="0"/>
-      </a:fillRef>
-      <a:effectRef idx="0">
-        <a:scrgbClr r="0" g="0" b="0"/>
-      </a:effectRef>
-      <a:fontRef idx="minor"/>
-    </dgm:style>
-  </dgm:styleLbl>
-  <dgm:styleLbl name="fgShp">
-    <dgm:scene3d>
-      <a:camera prst="orthographicFront"/>
-      <a:lightRig rig="threePt" dir="t"/>
-    </dgm:scene3d>
-    <dgm:sp3d/>
-    <dgm:txPr/>
-    <dgm:style>
-      <a:lnRef idx="2">
-        <a:scrgbClr r="0" g="0" b="0"/>
-      </a:lnRef>
-      <a:fillRef idx="1">
-        <a:scrgbClr r="0" g="0" b="0"/>
-      </a:fillRef>
-      <a:effectRef idx="0">
-        <a:scrgbClr r="0" g="0" b="0"/>
-      </a:effectRef>
-      <a:fontRef idx="minor"/>
-    </dgm:style>
-  </dgm:styleLbl>
-  <dgm:styleLbl name="revTx">
-    <dgm:scene3d>
-      <a:camera prst="orthographicFront"/>
-      <a:lightRig rig="threePt" dir="t"/>
-    </dgm:scene3d>
-    <dgm:sp3d/>
-    <dgm:txPr/>
-    <dgm:style>
-      <a:lnRef idx="0">
-        <a:scrgbClr r="0" g="0" b="0"/>
-      </a:lnRef>
-      <a:fillRef idx="0">
-        <a:scrgbClr r="0" g="0" b="0"/>
-      </a:fillRef>
-      <a:effectRef idx="0">
-        <a:scrgbClr r="0" g="0" b="0"/>
-      </a:effectRef>
-      <a:fontRef idx="minor"/>
-    </dgm:style>
-  </dgm:styleLbl>
-</dgm:styleDef>
-</file>
-
-<file path=ppt/diagrams/quickStyle2.xml><?xml version="1.0" encoding="utf-8"?>
 <dgm:styleDef xmlns:dgm="http://schemas.openxmlformats.org/drawingml/2006/diagram" xmlns:a="http://schemas.openxmlformats.org/drawingml/2006/main" uniqueId="urn:microsoft.com/office/officeart/2005/8/quickstyle/simple1">
   <dgm:title val=""/>
   <dgm:desc val=""/>
@@ -7108,7 +4089,7 @@
           <a:p>
             <a:fld id="{82A4F5B2-628C-AD47-AC61-4B2157D02BF7}" type="datetimeFigureOut">
               <a:rPr lang="en-US" smtClean="0"/>
-              <a:t>4/22/2016</a:t>
+              <a:t>4/24/2016</a:t>
             </a:fld>
             <a:endParaRPr lang="en-US"/>
           </a:p>
@@ -7648,7 +4629,7 @@
           <a:p>
             <a:fld id="{7B1138D3-01E9-BE4F-8B6D-32D27699DBB9}" type="datetimeFigureOut">
               <a:rPr lang="en-US" smtClean="0"/>
-              <a:t>4/22/2016</a:t>
+              <a:t>4/24/2016</a:t>
             </a:fld>
             <a:endParaRPr lang="en-US"/>
           </a:p>
@@ -7980,7 +4961,7 @@
           <a:p>
             <a:fld id="{7B1138D3-01E9-BE4F-8B6D-32D27699DBB9}" type="datetimeFigureOut">
               <a:rPr lang="en-US" smtClean="0"/>
-              <a:t>4/22/2016</a:t>
+              <a:t>4/24/2016</a:t>
             </a:fld>
             <a:endParaRPr lang="en-US"/>
           </a:p>
@@ -8379,7 +5360,7 @@
           <a:p>
             <a:fld id="{7B1138D3-01E9-BE4F-8B6D-32D27699DBB9}" type="datetimeFigureOut">
               <a:rPr lang="en-US" smtClean="0"/>
-              <a:t>4/22/2016</a:t>
+              <a:t>4/24/2016</a:t>
             </a:fld>
             <a:endParaRPr lang="en-US"/>
           </a:p>
@@ -8713,7 +5694,7 @@
           <a:p>
             <a:fld id="{7B1138D3-01E9-BE4F-8B6D-32D27699DBB9}" type="datetimeFigureOut">
               <a:rPr lang="en-US" smtClean="0"/>
-              <a:t>4/22/2016</a:t>
+              <a:t>4/24/2016</a:t>
             </a:fld>
             <a:endParaRPr lang="en-US"/>
           </a:p>
@@ -9031,7 +6012,7 @@
           <a:p>
             <a:fld id="{7B1138D3-01E9-BE4F-8B6D-32D27699DBB9}" type="datetimeFigureOut">
               <a:rPr lang="en-US" smtClean="0"/>
-              <a:t>4/22/2016</a:t>
+              <a:t>4/24/2016</a:t>
             </a:fld>
             <a:endParaRPr lang="en-US"/>
           </a:p>
@@ -9425,7 +6406,7 @@
           <a:p>
             <a:fld id="{7B1138D3-01E9-BE4F-8B6D-32D27699DBB9}" type="datetimeFigureOut">
               <a:rPr lang="en-US" smtClean="0"/>
-              <a:t>4/22/2016</a:t>
+              <a:t>4/24/2016</a:t>
             </a:fld>
             <a:endParaRPr lang="en-US"/>
           </a:p>
@@ -9680,7 +6661,7 @@
           <a:p>
             <a:fld id="{7B1138D3-01E9-BE4F-8B6D-32D27699DBB9}" type="datetimeFigureOut">
               <a:rPr lang="en-US" smtClean="0"/>
-              <a:t>4/22/2016</a:t>
+              <a:t>4/24/2016</a:t>
             </a:fld>
             <a:endParaRPr lang="en-US"/>
           </a:p>
@@ -9940,7 +6921,7 @@
           <a:p>
             <a:fld id="{7B1138D3-01E9-BE4F-8B6D-32D27699DBB9}" type="datetimeFigureOut">
               <a:rPr lang="en-US" smtClean="0"/>
-              <a:t>4/22/2016</a:t>
+              <a:t>4/24/2016</a:t>
             </a:fld>
             <a:endParaRPr lang="en-US"/>
           </a:p>
@@ -10200,7 +7181,7 @@
           <a:p>
             <a:fld id="{7B1138D3-01E9-BE4F-8B6D-32D27699DBB9}" type="datetimeFigureOut">
               <a:rPr lang="en-US" smtClean="0"/>
-              <a:t>4/22/2016</a:t>
+              <a:t>4/24/2016</a:t>
             </a:fld>
             <a:endParaRPr lang="en-US"/>
           </a:p>
@@ -10527,7 +7508,7 @@
           <a:p>
             <a:fld id="{7B1138D3-01E9-BE4F-8B6D-32D27699DBB9}" type="datetimeFigureOut">
               <a:rPr lang="en-US" smtClean="0"/>
-              <a:t>4/22/2016</a:t>
+              <a:t>4/24/2016</a:t>
             </a:fld>
             <a:endParaRPr lang="en-US"/>
           </a:p>
@@ -10848,7 +7829,7 @@
           <a:p>
             <a:fld id="{7B1138D3-01E9-BE4F-8B6D-32D27699DBB9}" type="datetimeFigureOut">
               <a:rPr lang="en-US" smtClean="0"/>
-              <a:t>4/22/2016</a:t>
+              <a:t>4/24/2016</a:t>
             </a:fld>
             <a:endParaRPr lang="en-US"/>
           </a:p>
@@ -11303,7 +8284,7 @@
           <a:p>
             <a:fld id="{7B1138D3-01E9-BE4F-8B6D-32D27699DBB9}" type="datetimeFigureOut">
               <a:rPr lang="en-US" smtClean="0"/>
-              <a:t>4/22/2016</a:t>
+              <a:t>4/24/2016</a:t>
             </a:fld>
             <a:endParaRPr lang="en-US"/>
           </a:p>
@@ -11511,7 +8492,7 @@
           <a:p>
             <a:fld id="{7B1138D3-01E9-BE4F-8B6D-32D27699DBB9}" type="datetimeFigureOut">
               <a:rPr lang="en-US" smtClean="0"/>
-              <a:t>4/22/2016</a:t>
+              <a:t>4/24/2016</a:t>
             </a:fld>
             <a:endParaRPr lang="en-US"/>
           </a:p>
@@ -11686,7 +8667,7 @@
           <a:p>
             <a:fld id="{7B1138D3-01E9-BE4F-8B6D-32D27699DBB9}" type="datetimeFigureOut">
               <a:rPr lang="en-US" smtClean="0"/>
-              <a:t>4/22/2016</a:t>
+              <a:t>4/24/2016</a:t>
             </a:fld>
             <a:endParaRPr lang="en-US"/>
           </a:p>
@@ -12017,7 +8998,7 @@
           <a:p>
             <a:fld id="{7B1138D3-01E9-BE4F-8B6D-32D27699DBB9}" type="datetimeFigureOut">
               <a:rPr lang="en-US" smtClean="0"/>
-              <a:t>4/22/2016</a:t>
+              <a:t>4/24/2016</a:t>
             </a:fld>
             <a:endParaRPr lang="en-US"/>
           </a:p>
@@ -12360,7 +9341,7 @@
           <a:p>
             <a:fld id="{7B1138D3-01E9-BE4F-8B6D-32D27699DBB9}" type="datetimeFigureOut">
               <a:rPr lang="en-US" smtClean="0"/>
-              <a:t>4/22/2016</a:t>
+              <a:t>4/24/2016</a:t>
             </a:fld>
             <a:endParaRPr lang="en-US"/>
           </a:p>
@@ -14475,7 +11456,7 @@
           <a:p>
             <a:fld id="{7B1138D3-01E9-BE4F-8B6D-32D27699DBB9}" type="datetimeFigureOut">
               <a:rPr lang="en-US" smtClean="0"/>
-              <a:t>4/22/2016</a:t>
+              <a:t>4/24/2016</a:t>
             </a:fld>
             <a:endParaRPr lang="en-US"/>
           </a:p>
@@ -15001,36 +11982,6 @@
           <a:chExt cx="0" cy="0"/>
         </a:xfrm>
       </p:grpSpPr>
-      <p:pic>
-        <p:nvPicPr>
-          <p:cNvPr id="14" name="Picture 13"/>
-          <p:cNvPicPr>
-            <a:picLocks noChangeAspect="1"/>
-          </p:cNvPicPr>
-          <p:nvPr/>
-        </p:nvPicPr>
-        <p:blipFill>
-          <a:blip r:embed="rId3">
-            <a:extLst>
-              <a:ext uri="{28A0092B-C50C-407E-A947-70E740481C1C}">
-                <a14:useLocalDpi xmlns:a14="http://schemas.microsoft.com/office/drawing/2010/main" val="0"/>
-              </a:ext>
-            </a:extLst>
-          </a:blip>
-          <a:stretch>
-            <a:fillRect/>
-          </a:stretch>
-        </p:blipFill>
-        <p:spPr>
-          <a:xfrm>
-            <a:off x="748638" y="6127699"/>
-            <a:ext cx="7186497" cy="2029128"/>
-          </a:xfrm>
-          <a:prstGeom prst="rect">
-            <a:avLst/>
-          </a:prstGeom>
-        </p:spPr>
-      </p:pic>
       <p:sp>
         <p:nvSpPr>
           <p:cNvPr id="4" name="TextBox 3"/>
@@ -15113,7 +12064,7 @@
           <p:nvPr/>
         </p:nvPicPr>
         <p:blipFill>
-          <a:blip r:embed="rId4">
+          <a:blip r:embed="rId3">
             <a:extLst>
               <a:ext uri="{28A0092B-C50C-407E-A947-70E740481C1C}">
                 <a14:useLocalDpi xmlns:a14="http://schemas.microsoft.com/office/drawing/2010/main" val="0"/>
@@ -15147,218 +12098,208 @@
       </p:pic>
       <p:grpSp>
         <p:nvGrpSpPr>
-          <p:cNvPr id="44" name="Group 43"/>
+          <p:cNvPr id="26" name="Group 25"/>
           <p:cNvGrpSpPr/>
           <p:nvPr/>
         </p:nvGrpSpPr>
         <p:grpSpPr>
           <a:xfrm>
-            <a:off x="483535" y="21515475"/>
-            <a:ext cx="8409005" cy="5934744"/>
-            <a:chOff x="328878" y="3063759"/>
-            <a:chExt cx="8396147" cy="5934744"/>
+            <a:off x="564429" y="19278465"/>
+            <a:ext cx="8409004" cy="7920361"/>
+            <a:chOff x="483535" y="21515475"/>
+            <a:chExt cx="8409004" cy="7920361"/>
           </a:xfrm>
         </p:grpSpPr>
+        <p:grpSp>
+          <p:nvGrpSpPr>
+            <p:cNvPr id="44" name="Group 43"/>
+            <p:cNvGrpSpPr/>
+            <p:nvPr/>
+          </p:nvGrpSpPr>
+          <p:grpSpPr>
+            <a:xfrm>
+              <a:off x="483535" y="21515475"/>
+              <a:ext cx="8409004" cy="7920361"/>
+              <a:chOff x="328878" y="3063759"/>
+              <a:chExt cx="8396146" cy="7920361"/>
+            </a:xfrm>
+          </p:grpSpPr>
+          <p:sp>
+            <p:nvSpPr>
+              <p:cNvPr id="47" name="Rectangle 46"/>
+              <p:cNvSpPr/>
+              <p:nvPr/>
+            </p:nvSpPr>
+            <p:spPr>
+              <a:xfrm>
+                <a:off x="328878" y="3918436"/>
+                <a:ext cx="8391646" cy="7065684"/>
+              </a:xfrm>
+              <a:prstGeom prst="rect">
+                <a:avLst/>
+              </a:prstGeom>
+              <a:noFill/>
+            </p:spPr>
+            <p:style>
+              <a:lnRef idx="2">
+                <a:schemeClr val="accent1">
+                  <a:shade val="50000"/>
+                </a:schemeClr>
+              </a:lnRef>
+              <a:fillRef idx="1">
+                <a:schemeClr val="accent1"/>
+              </a:fillRef>
+              <a:effectRef idx="0">
+                <a:schemeClr val="accent1"/>
+              </a:effectRef>
+              <a:fontRef idx="minor">
+                <a:schemeClr val="lt1"/>
+              </a:fontRef>
+            </p:style>
+            <p:txBody>
+              <a:bodyPr rtlCol="0" anchor="ctr"/>
+              <a:lstStyle/>
+              <a:p>
+                <a:pPr algn="ctr"/>
+                <a:endParaRPr lang="en-US"/>
+              </a:p>
+            </p:txBody>
+          </p:sp>
+          <p:sp>
+            <p:nvSpPr>
+              <p:cNvPr id="48" name="Rectangle 47"/>
+              <p:cNvSpPr/>
+              <p:nvPr/>
+            </p:nvSpPr>
+            <p:spPr>
+              <a:xfrm>
+                <a:off x="333379" y="3063759"/>
+                <a:ext cx="8391645" cy="844951"/>
+              </a:xfrm>
+              <a:prstGeom prst="rect">
+                <a:avLst/>
+              </a:prstGeom>
+            </p:spPr>
+            <p:style>
+              <a:lnRef idx="2">
+                <a:schemeClr val="accent1">
+                  <a:shade val="50000"/>
+                </a:schemeClr>
+              </a:lnRef>
+              <a:fillRef idx="1">
+                <a:schemeClr val="accent1"/>
+              </a:fillRef>
+              <a:effectRef idx="0">
+                <a:schemeClr val="accent1"/>
+              </a:effectRef>
+              <a:fontRef idx="minor">
+                <a:schemeClr val="lt1"/>
+              </a:fontRef>
+            </p:style>
+            <p:txBody>
+              <a:bodyPr rtlCol="0" anchor="ctr"/>
+              <a:lstStyle/>
+              <a:p>
+                <a:pPr algn="ctr"/>
+                <a:r>
+                  <a:rPr lang="en-US" altLang="zh-CN" sz="3600" dirty="0" smtClean="0"/>
+                  <a:t>Conclusion &amp; Discussion</a:t>
+                </a:r>
+                <a:endParaRPr lang="en-US" sz="3600" dirty="0"/>
+              </a:p>
+            </p:txBody>
+          </p:sp>
+        </p:grpSp>
         <p:sp>
           <p:nvSpPr>
-            <p:cNvPr id="47" name="Rectangle 46"/>
-            <p:cNvSpPr/>
+            <p:cNvPr id="95" name="TextBox 94"/>
+            <p:cNvSpPr txBox="1"/>
             <p:nvPr/>
           </p:nvSpPr>
           <p:spPr>
             <a:xfrm>
-              <a:off x="328878" y="3918436"/>
-              <a:ext cx="8391646" cy="5080067"/>
+              <a:off x="574260" y="22569138"/>
+              <a:ext cx="8185691" cy="3539430"/>
             </a:xfrm>
             <a:prstGeom prst="rect">
               <a:avLst/>
             </a:prstGeom>
             <a:noFill/>
           </p:spPr>
-          <p:style>
-            <a:lnRef idx="2">
-              <a:schemeClr val="accent1">
-                <a:shade val="50000"/>
-              </a:schemeClr>
-            </a:lnRef>
-            <a:fillRef idx="1">
-              <a:schemeClr val="accent1"/>
-            </a:fillRef>
-            <a:effectRef idx="0">
-              <a:schemeClr val="accent1"/>
-            </a:effectRef>
-            <a:fontRef idx="minor">
-              <a:schemeClr val="lt1"/>
-            </a:fontRef>
-          </p:style>
           <p:txBody>
-            <a:bodyPr rtlCol="0" anchor="ctr"/>
+            <a:bodyPr wrap="square" rtlCol="0">
+              <a:spAutoFit/>
+            </a:bodyPr>
             <a:lstStyle/>
             <a:p>
-              <a:pPr algn="ctr"/>
-              <a:endParaRPr lang="en-US"/>
+              <a:r>
+                <a:rPr lang="en-US" sz="1600" dirty="0" smtClean="0"/>
+                <a:t>First, we found it is very useful to have the character to be properly bold before we send it to the convolutional neural network. For SVG image this can be done very easily, for images one thing we can use is the dilution.</a:t>
+              </a:r>
             </a:p>
-          </p:txBody>
-        </p:sp>
-        <p:sp>
-          <p:nvSpPr>
-            <p:cNvPr id="48" name="Rectangle 47"/>
-            <p:cNvSpPr/>
-            <p:nvPr/>
-          </p:nvSpPr>
-          <p:spPr>
-            <a:xfrm>
-              <a:off x="333379" y="3063759"/>
-              <a:ext cx="8391646" cy="844951"/>
-            </a:xfrm>
-            <a:prstGeom prst="rect">
-              <a:avLst/>
-            </a:prstGeom>
-          </p:spPr>
-          <p:style>
-            <a:lnRef idx="2">
-              <a:schemeClr val="accent1">
-                <a:shade val="50000"/>
-              </a:schemeClr>
-            </a:lnRef>
-            <a:fillRef idx="1">
-              <a:schemeClr val="accent1"/>
-            </a:fillRef>
-            <a:effectRef idx="0">
-              <a:schemeClr val="accent1"/>
-            </a:effectRef>
-            <a:fontRef idx="minor">
-              <a:schemeClr val="lt1"/>
-            </a:fontRef>
-          </p:style>
-          <p:txBody>
-            <a:bodyPr rtlCol="0" anchor="ctr"/>
-            <a:lstStyle/>
             <a:p>
-              <a:pPr algn="ctr"/>
               <a:r>
-                <a:rPr lang="en-US" altLang="zh-CN" sz="3600" dirty="0" smtClean="0"/>
-                <a:t>Conclusion &amp; Discussion</a:t>
+                <a:rPr lang="en-US" sz="1600" dirty="0" smtClean="0"/>
+                <a:t>Second, in the training of our convolutional neural network (we use </a:t>
               </a:r>
-              <a:endParaRPr lang="en-US" sz="3600" dirty="0"/>
+              <a:r>
+                <a:rPr lang="en-US" sz="1600" dirty="0" err="1" smtClean="0"/>
+                <a:t>LeNet</a:t>
+              </a:r>
+              <a:r>
+                <a:rPr lang="en-US" sz="1600" dirty="0" smtClean="0"/>
+                <a:t>), we find it is very useful to perform the trim operation on images.</a:t>
+              </a:r>
+            </a:p>
+            <a:p>
+              <a:r>
+                <a:rPr lang="en-US" sz="1600" dirty="0" smtClean="0"/>
+                <a:t>On the other hand, the problem is that we do not have enough data to train a neural network. We have enough digit number and geek letter data, but for English letter we only get 50 samples. We believe that is why we only get 81.5% accuracy. </a:t>
+              </a:r>
+              <a:endParaRPr lang="en-US" sz="1600" dirty="0"/>
+            </a:p>
+            <a:p>
+              <a:r>
+                <a:rPr lang="en-US" sz="1600" dirty="0" smtClean="0"/>
+                <a:t>We have not begun to do grammar parse because of the poor performance of classifications.</a:t>
+              </a:r>
+              <a:endParaRPr lang="en-US" sz="1600" dirty="0"/>
+            </a:p>
+            <a:p>
+              <a:r>
+                <a:rPr lang="en-US" sz="1600" dirty="0" smtClean="0"/>
+                <a:t>We thank Prof. David Crandall for really helpful comments and discussions.</a:t>
+              </a:r>
+            </a:p>
+            <a:p>
+              <a:r>
+                <a:rPr lang="en-US" sz="1600" dirty="0" smtClean="0"/>
+                <a:t>We </a:t>
+              </a:r>
+              <a:r>
+                <a:rPr lang="en-US" sz="1600" dirty="0"/>
+                <a:t>also thank Dr. Daniel Kirsch and Martin </a:t>
+              </a:r>
+              <a:r>
+                <a:rPr lang="en-US" sz="1600" dirty="0" err="1" smtClean="0"/>
+                <a:t>Thoma</a:t>
+              </a:r>
+              <a:r>
+                <a:rPr lang="en-US" sz="1600" dirty="0" smtClean="0"/>
+                <a:t> to provide us the permission to the </a:t>
+              </a:r>
+              <a:r>
+                <a:rPr lang="en-US" sz="1600" dirty="0"/>
+                <a:t>handwritten </a:t>
+              </a:r>
+              <a:r>
+                <a:rPr lang="en-US" sz="1600" dirty="0" smtClean="0"/>
+                <a:t>data.</a:t>
+              </a:r>
             </a:p>
           </p:txBody>
         </p:sp>
       </p:grpSp>
-      <p:sp>
-        <p:nvSpPr>
-          <p:cNvPr id="95" name="TextBox 94"/>
-          <p:cNvSpPr txBox="1"/>
-          <p:nvPr/>
-        </p:nvSpPr>
-        <p:spPr>
-          <a:xfrm>
-            <a:off x="682645" y="22341196"/>
-            <a:ext cx="8185691" cy="5262979"/>
-          </a:xfrm>
-          <a:prstGeom prst="rect">
-            <a:avLst/>
-          </a:prstGeom>
-          <a:noFill/>
-        </p:spPr>
-        <p:txBody>
-          <a:bodyPr wrap="square" rtlCol="0">
-            <a:spAutoFit/>
-          </a:bodyPr>
-          <a:lstStyle/>
-          <a:p>
-            <a:r>
-              <a:rPr lang="en-US" sz="1600" dirty="0" smtClean="0"/>
-              <a:t>First, we found it is very useful to have the character to be properly bold before we send it to the convolutional neural network. For </a:t>
-            </a:r>
-            <a:r>
-              <a:rPr lang="en-US" sz="1600" dirty="0" err="1" smtClean="0"/>
-              <a:t>svg</a:t>
-            </a:r>
-            <a:r>
-              <a:rPr lang="en-US" sz="1600" dirty="0" smtClean="0"/>
-              <a:t> image this can be done very easily, for images one thing we can use is the dilution.</a:t>
-            </a:r>
-          </a:p>
-          <a:p>
-            <a:endParaRPr lang="en-US" sz="1600" dirty="0"/>
-          </a:p>
-          <a:p>
-            <a:r>
-              <a:rPr lang="en-US" sz="1600" dirty="0" smtClean="0"/>
-              <a:t>Second, in the training of our convolutional neural network (we use </a:t>
-            </a:r>
-            <a:r>
-              <a:rPr lang="en-US" sz="1600" dirty="0" err="1" smtClean="0"/>
-              <a:t>LeNet</a:t>
-            </a:r>
-            <a:r>
-              <a:rPr lang="en-US" sz="1600" dirty="0" smtClean="0"/>
-              <a:t>), we find it is very useful to perform the trim operation on images.</a:t>
-            </a:r>
-          </a:p>
-          <a:p>
-            <a:endParaRPr lang="en-US" sz="1600" dirty="0"/>
-          </a:p>
-          <a:p>
-            <a:r>
-              <a:rPr lang="en-US" sz="1600" dirty="0" smtClean="0"/>
-              <a:t>On the other hand, the problem is that we do not have enough data to train neural network. We have enough digit number and geek letter data, but for English letter we only get 50 samples. We believes that is the problem that we only get 81.5% accuracy. </a:t>
-            </a:r>
-            <a:endParaRPr lang="en-US" sz="1600" dirty="0"/>
-          </a:p>
-          <a:p>
-            <a:endParaRPr lang="en-US" sz="1600" dirty="0"/>
-          </a:p>
-          <a:p>
-            <a:r>
-              <a:rPr lang="en-US" sz="1600" dirty="0" smtClean="0"/>
-              <a:t>We have not begin to do grammar parse because of the poor performance of classifications.</a:t>
-            </a:r>
-            <a:endParaRPr lang="en-US" sz="1600" dirty="0"/>
-          </a:p>
-          <a:p>
-            <a:endParaRPr lang="en-US" sz="1600" dirty="0" smtClean="0"/>
-          </a:p>
-          <a:p>
-            <a:r>
-              <a:rPr lang="en-US" sz="1600" dirty="0" smtClean="0"/>
-              <a:t>We thank Prof. David Crandall for really helpful comments and discussions.</a:t>
-            </a:r>
-          </a:p>
-          <a:p>
-            <a:r>
-              <a:rPr lang="en-US" sz="1600" dirty="0" smtClean="0"/>
-              <a:t>We </a:t>
-            </a:r>
-            <a:r>
-              <a:rPr lang="en-US" sz="1600" dirty="0"/>
-              <a:t>also thank Dr. Daniel Kirsch and Martin </a:t>
-            </a:r>
-            <a:r>
-              <a:rPr lang="en-US" sz="1600" dirty="0" err="1" smtClean="0"/>
-              <a:t>Thoma</a:t>
-            </a:r>
-            <a:r>
-              <a:rPr lang="en-US" sz="1600" dirty="0" smtClean="0"/>
-              <a:t> to provide us the permission to the handwrite data</a:t>
-            </a:r>
-            <a:r>
-              <a:rPr lang="en-US" sz="1600" dirty="0" smtClean="0"/>
-              <a:t>.</a:t>
-            </a:r>
-          </a:p>
-          <a:p>
-            <a:endParaRPr lang="en-US" sz="1600" dirty="0"/>
-          </a:p>
-          <a:p>
-            <a:endParaRPr lang="en-US" sz="1600" dirty="0" smtClean="0"/>
-          </a:p>
-          <a:p>
-            <a:endParaRPr lang="en-US" sz="1600" dirty="0"/>
-          </a:p>
-        </p:txBody>
-      </p:sp>
       <p:grpSp>
         <p:nvGrpSpPr>
           <p:cNvPr id="43" name="Group 42"/>
@@ -15396,7 +12337,7 @@
               <p:nvPr/>
             </p:nvPicPr>
             <p:blipFill>
-              <a:blip r:embed="rId5">
+              <a:blip r:embed="rId4">
                 <a:extLst>
                   <a:ext uri="{28A0092B-C50C-407E-A947-70E740481C1C}">
                     <a14:useLocalDpi xmlns:a14="http://schemas.microsoft.com/office/drawing/2010/main" val="0"/>
@@ -15437,7 +12378,7 @@
               <p:nvPr/>
             </p:nvPicPr>
             <p:blipFill>
-              <a:blip r:embed="rId6">
+              <a:blip r:embed="rId5">
                 <a:extLst>
                   <a:ext uri="{28A0092B-C50C-407E-A947-70E740481C1C}">
                     <a14:useLocalDpi xmlns:a14="http://schemas.microsoft.com/office/drawing/2010/main" val="0"/>
@@ -15478,7 +12419,7 @@
               <p:nvPr/>
             </p:nvPicPr>
             <p:blipFill>
-              <a:blip r:embed="rId7"/>
+              <a:blip r:embed="rId6"/>
               <a:stretch>
                 <a:fillRect/>
               </a:stretch>
@@ -15502,7 +12443,7 @@
               <p:nvPr/>
             </p:nvPicPr>
             <p:blipFill>
-              <a:blip r:embed="rId8">
+              <a:blip r:embed="rId7">
                 <a:extLst>
                   <a:ext uri="{28A0092B-C50C-407E-A947-70E740481C1C}">
                     <a14:useLocalDpi xmlns:a14="http://schemas.microsoft.com/office/drawing/2010/main" val="0"/>
@@ -15543,7 +12484,7 @@
               <p:nvPr/>
             </p:nvPicPr>
             <p:blipFill>
-              <a:blip r:embed="rId9"/>
+              <a:blip r:embed="rId8"/>
               <a:stretch>
                 <a:fillRect/>
               </a:stretch>
@@ -15612,10 +12553,10 @@
         </p:nvGrpSpPr>
         <p:grpSpPr>
           <a:xfrm>
-            <a:off x="488043" y="8465959"/>
-            <a:ext cx="8562712" cy="6109270"/>
+            <a:off x="574260" y="4050911"/>
+            <a:ext cx="8396147" cy="4846602"/>
             <a:chOff x="488043" y="9427910"/>
-            <a:chExt cx="8562712" cy="6109270"/>
+            <a:chExt cx="8396147" cy="4846602"/>
           </a:xfrm>
         </p:grpSpPr>
         <p:grpSp>
@@ -15627,9 +12568,9 @@
           <p:grpSpPr>
             <a:xfrm>
               <a:off x="488043" y="9427910"/>
-              <a:ext cx="8396147" cy="6109270"/>
+              <a:ext cx="8396147" cy="4846602"/>
               <a:chOff x="488043" y="9427910"/>
-              <a:chExt cx="8396147" cy="6109270"/>
+              <a:chExt cx="8396147" cy="4846602"/>
             </a:xfrm>
           </p:grpSpPr>
           <p:grpSp>
@@ -15641,9 +12582,9 @@
             <p:grpSpPr>
               <a:xfrm>
                 <a:off x="488043" y="9427910"/>
-                <a:ext cx="8396147" cy="6109270"/>
+                <a:ext cx="8396147" cy="4846602"/>
                 <a:chOff x="488043" y="9427910"/>
-                <a:chExt cx="8396147" cy="6065134"/>
+                <a:chExt cx="8396147" cy="4811588"/>
               </a:xfrm>
             </p:grpSpPr>
             <p:grpSp>
@@ -15655,9 +12596,9 @@
               <p:grpSpPr>
                 <a:xfrm>
                   <a:off x="488043" y="9427910"/>
-                  <a:ext cx="8396147" cy="6065134"/>
+                  <a:ext cx="8396147" cy="4811588"/>
                   <a:chOff x="328878" y="4182168"/>
-                  <a:chExt cx="8396147" cy="6065134"/>
+                  <a:chExt cx="8396147" cy="4811588"/>
                 </a:xfrm>
               </p:grpSpPr>
               <p:sp>
@@ -15668,8 +12609,8 @@
                 </p:nvSpPr>
                 <p:spPr>
                   <a:xfrm>
-                    <a:off x="328878" y="5027120"/>
-                    <a:ext cx="8391646" cy="5220182"/>
+                    <a:off x="328878" y="5027121"/>
+                    <a:ext cx="8391646" cy="3966635"/>
                   </a:xfrm>
                   <a:prstGeom prst="rect">
                     <a:avLst/>
@@ -15962,8 +12903,8 @@
           </p:nvSpPr>
           <p:spPr>
             <a:xfrm>
-              <a:off x="567625" y="14175295"/>
-              <a:ext cx="8483130" cy="1323439"/>
+              <a:off x="643115" y="12808516"/>
+              <a:ext cx="8186068" cy="1261884"/>
             </a:xfrm>
             <a:prstGeom prst="rect">
               <a:avLst/>
@@ -15977,215 +12918,52 @@
             <a:lstStyle/>
             <a:p>
               <a:r>
-                <a:rPr lang="en-US" sz="2000" dirty="0" smtClean="0"/>
-                <a:t>Since we use different data sources, and they use different image formats, we need to preprocess those data. Some of them is preprocessed, like </a:t>
+                <a:rPr lang="en-US" sz="1900" dirty="0"/>
+                <a:t>Since we use different data sources, and they use different image formats, we need to pre-process those data. Some of them </a:t>
               </a:r>
               <a:r>
-                <a:rPr lang="en-US" sz="2000" dirty="0" err="1" smtClean="0"/>
-                <a:t>mnist</a:t>
+                <a:rPr lang="en-US" sz="1900" dirty="0" smtClean="0"/>
+                <a:t>are </a:t>
               </a:r>
               <a:r>
-                <a:rPr lang="en-US" sz="2000" dirty="0"/>
+                <a:rPr lang="en-US" sz="1900" dirty="0"/>
+                <a:t>pre-processed, like </a:t>
+              </a:r>
+              <a:r>
+                <a:rPr lang="en-US" sz="1900" dirty="0" err="1"/>
+                <a:t>Mnist</a:t>
+              </a:r>
+              <a:r>
+                <a:rPr lang="en-US" sz="1900" dirty="0"/>
                 <a:t> and Chars74K </a:t>
               </a:r>
               <a:r>
-                <a:rPr lang="en-US" sz="2000" dirty="0" smtClean="0"/>
-                <a:t>dataset, but Chars74k, </a:t>
+                <a:rPr lang="en-US" sz="1900" dirty="0" smtClean="0"/>
+                <a:t>dataset, </a:t>
               </a:r>
               <a:r>
-                <a:rPr lang="en-US" sz="2000" dirty="0" err="1" smtClean="0"/>
+                <a:rPr lang="en-US" sz="1900" dirty="0"/>
+                <a:t>but Chars74k, </a:t>
+              </a:r>
+              <a:r>
+                <a:rPr lang="en-US" sz="1900" dirty="0" err="1"/>
                 <a:t>Detexify</a:t>
               </a:r>
               <a:r>
-                <a:rPr lang="en-US" sz="2000" dirty="0" smtClean="0"/>
-                <a:t> and write-math dataset use </a:t>
+                <a:rPr lang="en-US" sz="1900" dirty="0"/>
+                <a:t> and write-math </a:t>
               </a:r>
               <a:r>
-                <a:rPr lang="en-US" sz="2000" dirty="0" err="1" smtClean="0"/>
-                <a:t>whte</a:t>
+                <a:rPr lang="en-US" sz="1900" dirty="0" smtClean="0"/>
+                <a:t>dataset uses </a:t>
               </a:r>
               <a:r>
-                <a:rPr lang="en-US" sz="2000" dirty="0" smtClean="0"/>
-                <a:t> background.</a:t>
+                <a:rPr lang="en-US" sz="1900" dirty="0"/>
+                <a:t>white background.</a:t>
               </a:r>
-              <a:endParaRPr lang="en-US" sz="2000" dirty="0"/>
             </a:p>
           </p:txBody>
         </p:sp>
-        <p:pic>
-          <p:nvPicPr>
-            <p:cNvPr id="101" name="Picture 100"/>
-            <p:cNvPicPr>
-              <a:picLocks noChangeAspect="1"/>
-            </p:cNvPicPr>
-            <p:nvPr/>
-          </p:nvPicPr>
-          <p:blipFill>
-            <a:blip r:embed="rId21">
-              <a:extLst>
-                <a:ext uri="{28A0092B-C50C-407E-A947-70E740481C1C}">
-                  <a14:useLocalDpi xmlns:a14="http://schemas.microsoft.com/office/drawing/2010/main" val="0"/>
-                </a:ext>
-              </a:extLst>
-            </a:blip>
-            <a:stretch>
-              <a:fillRect/>
-            </a:stretch>
-          </p:blipFill>
-          <p:spPr>
-            <a:xfrm>
-              <a:off x="853439" y="12784694"/>
-              <a:ext cx="1143000" cy="1143000"/>
-            </a:xfrm>
-            <a:prstGeom prst="rect">
-              <a:avLst/>
-            </a:prstGeom>
-          </p:spPr>
-        </p:pic>
-        <p:pic>
-          <p:nvPicPr>
-            <p:cNvPr id="102" name="Picture 101"/>
-            <p:cNvPicPr>
-              <a:picLocks noChangeAspect="1"/>
-            </p:cNvPicPr>
-            <p:nvPr/>
-          </p:nvPicPr>
-          <p:blipFill>
-            <a:blip r:embed="rId22">
-              <a:extLst>
-                <a:ext uri="{28A0092B-C50C-407E-A947-70E740481C1C}">
-                  <a14:useLocalDpi xmlns:a14="http://schemas.microsoft.com/office/drawing/2010/main" val="0"/>
-                </a:ext>
-              </a:extLst>
-            </a:blip>
-            <a:stretch>
-              <a:fillRect/>
-            </a:stretch>
-          </p:blipFill>
-          <p:spPr>
-            <a:xfrm>
-              <a:off x="1969137" y="12784694"/>
-              <a:ext cx="1524000" cy="1143000"/>
-            </a:xfrm>
-            <a:prstGeom prst="rect">
-              <a:avLst/>
-            </a:prstGeom>
-          </p:spPr>
-        </p:pic>
-        <p:pic>
-          <p:nvPicPr>
-            <p:cNvPr id="103" name="Picture 102"/>
-            <p:cNvPicPr>
-              <a:picLocks noChangeAspect="1"/>
-            </p:cNvPicPr>
-            <p:nvPr/>
-          </p:nvPicPr>
-          <p:blipFill>
-            <a:blip r:embed="rId23">
-              <a:extLst>
-                <a:ext uri="{28A0092B-C50C-407E-A947-70E740481C1C}">
-                  <a14:useLocalDpi xmlns:a14="http://schemas.microsoft.com/office/drawing/2010/main" val="0"/>
-                </a:ext>
-              </a:extLst>
-            </a:blip>
-            <a:stretch>
-              <a:fillRect/>
-            </a:stretch>
-          </p:blipFill>
-          <p:spPr>
-            <a:xfrm>
-              <a:off x="3465835" y="12784694"/>
-              <a:ext cx="1143000" cy="1143000"/>
-            </a:xfrm>
-            <a:prstGeom prst="rect">
-              <a:avLst/>
-            </a:prstGeom>
-          </p:spPr>
-        </p:pic>
-        <p:pic>
-          <p:nvPicPr>
-            <p:cNvPr id="104" name="Picture 103"/>
-            <p:cNvPicPr>
-              <a:picLocks noChangeAspect="1"/>
-            </p:cNvPicPr>
-            <p:nvPr/>
-          </p:nvPicPr>
-          <p:blipFill>
-            <a:blip r:embed="rId24">
-              <a:extLst>
-                <a:ext uri="{28A0092B-C50C-407E-A947-70E740481C1C}">
-                  <a14:useLocalDpi xmlns:a14="http://schemas.microsoft.com/office/drawing/2010/main" val="0"/>
-                </a:ext>
-              </a:extLst>
-            </a:blip>
-            <a:stretch>
-              <a:fillRect/>
-            </a:stretch>
-          </p:blipFill>
-          <p:spPr>
-            <a:xfrm>
-              <a:off x="4581533" y="12784694"/>
-              <a:ext cx="1524001" cy="1143000"/>
-            </a:xfrm>
-            <a:prstGeom prst="rect">
-              <a:avLst/>
-            </a:prstGeom>
-          </p:spPr>
-        </p:pic>
-        <p:pic>
-          <p:nvPicPr>
-            <p:cNvPr id="105" name="Picture 104"/>
-            <p:cNvPicPr>
-              <a:picLocks noChangeAspect="1"/>
-            </p:cNvPicPr>
-            <p:nvPr/>
-          </p:nvPicPr>
-          <p:blipFill>
-            <a:blip r:embed="rId25">
-              <a:extLst>
-                <a:ext uri="{28A0092B-C50C-407E-A947-70E740481C1C}">
-                  <a14:useLocalDpi xmlns:a14="http://schemas.microsoft.com/office/drawing/2010/main" val="0"/>
-                </a:ext>
-              </a:extLst>
-            </a:blip>
-            <a:stretch>
-              <a:fillRect/>
-            </a:stretch>
-          </p:blipFill>
-          <p:spPr>
-            <a:xfrm>
-              <a:off x="7193929" y="12784694"/>
-              <a:ext cx="1523999" cy="1143000"/>
-            </a:xfrm>
-            <a:prstGeom prst="rect">
-              <a:avLst/>
-            </a:prstGeom>
-          </p:spPr>
-        </p:pic>
-        <p:pic>
-          <p:nvPicPr>
-            <p:cNvPr id="106" name="Picture 105"/>
-            <p:cNvPicPr>
-              <a:picLocks noChangeAspect="1"/>
-            </p:cNvPicPr>
-            <p:nvPr/>
-          </p:nvPicPr>
-          <p:blipFill>
-            <a:blip r:embed="rId26"/>
-            <a:stretch>
-              <a:fillRect/>
-            </a:stretch>
-          </p:blipFill>
-          <p:spPr>
-            <a:xfrm>
-              <a:off x="6078232" y="12784694"/>
-              <a:ext cx="1143000" cy="1143000"/>
-            </a:xfrm>
-            <a:prstGeom prst="rect">
-              <a:avLst/>
-            </a:prstGeom>
-          </p:spPr>
-        </p:pic>
       </p:grpSp>
       <p:grpSp>
         <p:nvGrpSpPr>
@@ -16195,7 +12973,7 @@
         </p:nvGrpSpPr>
         <p:grpSpPr>
           <a:xfrm>
-            <a:off x="315194" y="14823585"/>
+            <a:off x="382564" y="9164660"/>
             <a:ext cx="8582229" cy="6303834"/>
             <a:chOff x="315194" y="15825016"/>
             <a:chExt cx="8582229" cy="6303834"/>
@@ -16587,7 +13365,7 @@
           <p:spPr>
             <a:xfrm>
               <a:off x="2577422" y="17081479"/>
-              <a:ext cx="1005403" cy="400110"/>
+              <a:ext cx="1037463" cy="400110"/>
             </a:xfrm>
             <a:prstGeom prst="rect">
               <a:avLst/>
@@ -16601,7 +13379,7 @@
             <a:lstStyle/>
             <a:p>
               <a:r>
-                <a:rPr lang="en-US" altLang="zh-CN" sz="2000" dirty="0" err="1" smtClean="0">
+                <a:rPr lang="en-US" sz="2000" dirty="0" err="1" smtClean="0">
                   <a:ln w="0"/>
                   <a:effectLst>
                     <a:outerShdw blurRad="38100" dist="25400" dir="5400000" algn="ctr" rotWithShape="0">
@@ -16611,7 +13389,7 @@
                     </a:outerShdw>
                   </a:effectLst>
                 </a:rPr>
-                <a:t>nodejs</a:t>
+                <a:t>Nodejs</a:t>
               </a:r>
               <a:endParaRPr lang="en-US" sz="2000" dirty="0">
                 <a:ln w="0"/>
@@ -16894,36 +13672,24 @@
                 <a:t>We use </a:t>
               </a:r>
               <a:r>
+                <a:rPr lang="en-US" sz="1600" dirty="0" err="1"/>
+                <a:t>N</a:t>
+              </a:r>
+              <a:r>
                 <a:rPr lang="en-US" sz="1600" dirty="0" err="1" smtClean="0"/>
-                <a:t>nodejs</a:t>
+                <a:t>odejs</a:t>
               </a:r>
               <a:r>
                 <a:rPr lang="en-US" sz="1600" dirty="0" smtClean="0"/>
-                <a:t> to convert the </a:t>
+                <a:t> to convert </a:t>
               </a:r>
               <a:r>
                 <a:rPr lang="en-US" sz="1600" dirty="0" err="1" smtClean="0"/>
-                <a:t>couchdb</a:t>
+                <a:t>CouchDB</a:t>
               </a:r>
               <a:r>
                 <a:rPr lang="en-US" sz="1600" dirty="0" smtClean="0"/>
-                <a:t> </a:t>
-              </a:r>
-              <a:r>
-                <a:rPr lang="en-US" sz="1600" dirty="0" err="1" smtClean="0"/>
-                <a:t>dat</a:t>
-              </a:r>
-              <a:r>
-                <a:rPr lang="en-US" sz="1600" dirty="0" smtClean="0"/>
-                <a:t> to </a:t>
-              </a:r>
-              <a:r>
-                <a:rPr lang="en-US" sz="1600" dirty="0" err="1" smtClean="0"/>
-                <a:t>svg</a:t>
-              </a:r>
-              <a:r>
-                <a:rPr lang="en-US" sz="1600" dirty="0" smtClean="0"/>
-                <a:t> and make the stroke border.</a:t>
+                <a:t> data to SVG and make the stroke border.</a:t>
               </a:r>
             </a:p>
             <a:p>
@@ -16956,7 +13722,7 @@
               </a:pPr>
               <a:r>
                 <a:rPr lang="en-US" sz="1600" dirty="0" smtClean="0"/>
-                <a:t>We use python to crop the image and add our image</a:t>
+                <a:t>We use python to crop the image and add our image.</a:t>
               </a:r>
             </a:p>
             <a:p>
@@ -16979,12 +13745,16 @@
                 <a:t>The last step is to use </a:t>
               </a:r>
               <a:r>
+                <a:rPr lang="en-US" sz="1600" dirty="0" err="1"/>
+                <a:t>C</a:t>
+              </a:r>
+              <a:r>
                 <a:rPr lang="en-US" sz="1600" dirty="0" err="1" smtClean="0"/>
-                <a:t>caffe</a:t>
+                <a:t>affe</a:t>
               </a:r>
               <a:r>
                 <a:rPr lang="en-US" sz="1600" dirty="0" smtClean="0"/>
-                <a:t> tool </a:t>
+                <a:t> tool: </a:t>
               </a:r>
               <a:r>
                 <a:rPr lang="en-US" sz="1600" dirty="0" err="1" smtClean="0"/>
@@ -16992,7 +13762,7 @@
               </a:r>
               <a:r>
                 <a:rPr lang="en-US" sz="1600" dirty="0" smtClean="0"/>
-                <a:t> to convert the image to </a:t>
+                <a:t>,  to convert the image to </a:t>
               </a:r>
               <a:r>
                 <a:rPr lang="en-US" sz="1600" dirty="0" err="1" smtClean="0"/>
@@ -17254,7 +14024,7 @@
                     <p:nvPr/>
                   </p:nvPicPr>
                   <p:blipFill>
-                    <a:blip r:embed="rId27">
+                    <a:blip r:embed="rId21">
                       <a:extLst>
                         <a:ext uri="{28A0092B-C50C-407E-A947-70E740481C1C}">
                           <a14:useLocalDpi xmlns:a14="http://schemas.microsoft.com/office/drawing/2010/main" val="0"/>
@@ -17284,7 +14054,7 @@
                     <p:nvPr/>
                   </p:nvPicPr>
                   <p:blipFill rotWithShape="1">
-                    <a:blip r:embed="rId28">
+                    <a:blip r:embed="rId22">
                       <a:extLst>
                         <a:ext uri="{28A0092B-C50C-407E-A947-70E740481C1C}">
                           <a14:useLocalDpi xmlns:a14="http://schemas.microsoft.com/office/drawing/2010/main" val="0"/>
@@ -17313,7 +14083,7 @@
                     <p:nvPr/>
                   </p:nvPicPr>
                   <p:blipFill>
-                    <a:blip r:embed="rId29">
+                    <a:blip r:embed="rId23">
                       <a:extLst>
                         <a:ext uri="{28A0092B-C50C-407E-A947-70E740481C1C}">
                           <a14:useLocalDpi xmlns:a14="http://schemas.microsoft.com/office/drawing/2010/main" val="0"/>
@@ -17343,7 +14113,7 @@
                     <p:nvPr/>
                   </p:nvPicPr>
                   <p:blipFill rotWithShape="1">
-                    <a:blip r:embed="rId30">
+                    <a:blip r:embed="rId24">
                       <a:extLst>
                         <a:ext uri="{28A0092B-C50C-407E-A947-70E740481C1C}">
                           <a14:useLocalDpi xmlns:a14="http://schemas.microsoft.com/office/drawing/2010/main" val="0"/>
@@ -17468,7 +14238,7 @@
             </p:xfrm>
             <a:graphic>
               <a:graphicData uri="http://schemas.openxmlformats.org/drawingml/2006/diagram">
-                <dgm:relIds xmlns:dgm="http://schemas.openxmlformats.org/drawingml/2006/diagram" xmlns:r="http://schemas.openxmlformats.org/officeDocument/2006/relationships" r:dm="rId31" r:lo="rId32" r:qs="rId33" r:cs="rId34"/>
+                <dgm:relIds xmlns:dgm="http://schemas.openxmlformats.org/drawingml/2006/diagram" xmlns:r="http://schemas.openxmlformats.org/officeDocument/2006/relationships" r:dm="rId25" r:lo="rId26" r:qs="rId27" r:cs="rId28"/>
               </a:graphicData>
             </a:graphic>
           </p:graphicFrame>
@@ -17778,7 +14548,7 @@
             <p:nvPr/>
           </p:nvPicPr>
           <p:blipFill>
-            <a:blip r:embed="rId36">
+            <a:blip r:embed="rId30">
               <a:extLst>
                 <a:ext uri="{28A0092B-C50C-407E-A947-70E740481C1C}">
                   <a14:useLocalDpi xmlns:a14="http://schemas.microsoft.com/office/drawing/2010/main" val="0"/>
@@ -18060,7 +14830,7 @@
             <p:nvPr/>
           </p:nvPicPr>
           <p:blipFill>
-            <a:blip r:embed="rId37"/>
+            <a:blip r:embed="rId31"/>
             <a:stretch>
               <a:fillRect/>
             </a:stretch>
@@ -18084,7 +14854,7 @@
             <p:nvPr/>
           </p:nvPicPr>
           <p:blipFill>
-            <a:blip r:embed="rId38"/>
+            <a:blip r:embed="rId32"/>
             <a:stretch>
               <a:fillRect/>
             </a:stretch>
@@ -18231,7 +15001,7 @@
             <p:nvPr/>
           </p:nvPicPr>
           <p:blipFill>
-            <a:blip r:embed="rId39">
+            <a:blip r:embed="rId33">
               <a:extLst>
                 <a:ext uri="{28A0092B-C50C-407E-A947-70E740481C1C}">
                   <a14:useLocalDpi xmlns:a14="http://schemas.microsoft.com/office/drawing/2010/main" val="0"/>
@@ -18316,7 +15086,7 @@
             <p:nvPr/>
           </p:nvPicPr>
           <p:blipFill>
-            <a:blip r:embed="rId40">
+            <a:blip r:embed="rId34">
               <a:extLst>
                 <a:ext uri="{28A0092B-C50C-407E-A947-70E740481C1C}">
                   <a14:useLocalDpi xmlns:a14="http://schemas.microsoft.com/office/drawing/2010/main" val="0"/>
@@ -18337,143 +15107,6 @@
             </a:prstGeom>
           </p:spPr>
         </p:pic>
-      </p:grpSp>
-      <p:grpSp>
-        <p:nvGrpSpPr>
-          <p:cNvPr id="45" name="Group 44"/>
-          <p:cNvGrpSpPr/>
-          <p:nvPr/>
-        </p:nvGrpSpPr>
-        <p:grpSpPr>
-          <a:xfrm>
-            <a:off x="476691" y="4078656"/>
-            <a:ext cx="8396147" cy="4138947"/>
-            <a:chOff x="476691" y="4078656"/>
-            <a:chExt cx="8396147" cy="4138947"/>
-          </a:xfrm>
-        </p:grpSpPr>
-        <p:graphicFrame>
-          <p:nvGraphicFramePr>
-            <p:cNvPr id="32" name="Diagram 31"/>
-            <p:cNvGraphicFramePr/>
-            <p:nvPr>
-              <p:extLst>
-                <p:ext uri="{D42A27DB-BD31-4B8C-83A1-F6EECF244321}">
-                  <p14:modId xmlns:p14="http://schemas.microsoft.com/office/powerpoint/2010/main" val="3599924030"/>
-                </p:ext>
-              </p:extLst>
-            </p:nvPr>
-          </p:nvGraphicFramePr>
-          <p:xfrm>
-            <a:off x="682646" y="4256324"/>
-            <a:ext cx="8063871" cy="2797371"/>
-          </p:xfrm>
-          <a:graphic>
-            <a:graphicData uri="http://schemas.openxmlformats.org/drawingml/2006/diagram">
-              <dgm:relIds xmlns:dgm="http://schemas.openxmlformats.org/drawingml/2006/diagram" xmlns:r="http://schemas.openxmlformats.org/officeDocument/2006/relationships" r:dm="rId41" r:lo="rId42" r:qs="rId43" r:cs="rId44"/>
-            </a:graphicData>
-          </a:graphic>
-        </p:graphicFrame>
-        <p:grpSp>
-          <p:nvGrpSpPr>
-            <p:cNvPr id="39" name="Group 38"/>
-            <p:cNvGrpSpPr/>
-            <p:nvPr/>
-          </p:nvGrpSpPr>
-          <p:grpSpPr>
-            <a:xfrm>
-              <a:off x="476691" y="4078656"/>
-              <a:ext cx="8396147" cy="4138947"/>
-              <a:chOff x="633142" y="3763075"/>
-              <a:chExt cx="8396147" cy="4138947"/>
-            </a:xfrm>
-          </p:grpSpPr>
-          <p:sp>
-            <p:nvSpPr>
-              <p:cNvPr id="116" name="Rectangle 115"/>
-              <p:cNvSpPr/>
-              <p:nvPr/>
-            </p:nvSpPr>
-            <p:spPr>
-              <a:xfrm>
-                <a:off x="633142" y="4608028"/>
-                <a:ext cx="8391646" cy="3293994"/>
-              </a:xfrm>
-              <a:prstGeom prst="rect">
-                <a:avLst/>
-              </a:prstGeom>
-              <a:noFill/>
-            </p:spPr>
-            <p:style>
-              <a:lnRef idx="2">
-                <a:schemeClr val="accent1">
-                  <a:shade val="50000"/>
-                </a:schemeClr>
-              </a:lnRef>
-              <a:fillRef idx="1">
-                <a:schemeClr val="accent1"/>
-              </a:fillRef>
-              <a:effectRef idx="0">
-                <a:schemeClr val="accent1"/>
-              </a:effectRef>
-              <a:fontRef idx="minor">
-                <a:schemeClr val="lt1"/>
-              </a:fontRef>
-            </p:style>
-            <p:txBody>
-              <a:bodyPr rtlCol="0" anchor="ctr"/>
-              <a:lstStyle/>
-              <a:p>
-                <a:pPr algn="ctr"/>
-                <a:endParaRPr lang="en-US"/>
-              </a:p>
-            </p:txBody>
-          </p:sp>
-          <p:sp>
-            <p:nvSpPr>
-              <p:cNvPr id="117" name="Rectangle 116"/>
-              <p:cNvSpPr/>
-              <p:nvPr/>
-            </p:nvSpPr>
-            <p:spPr>
-              <a:xfrm>
-                <a:off x="637643" y="3763075"/>
-                <a:ext cx="8391646" cy="844951"/>
-              </a:xfrm>
-              <a:prstGeom prst="rect">
-                <a:avLst/>
-              </a:prstGeom>
-            </p:spPr>
-            <p:style>
-              <a:lnRef idx="2">
-                <a:schemeClr val="accent1">
-                  <a:shade val="50000"/>
-                </a:schemeClr>
-              </a:lnRef>
-              <a:fillRef idx="1">
-                <a:schemeClr val="accent1"/>
-              </a:fillRef>
-              <a:effectRef idx="0">
-                <a:schemeClr val="accent1"/>
-              </a:effectRef>
-              <a:fontRef idx="minor">
-                <a:schemeClr val="lt1"/>
-              </a:fontRef>
-            </p:style>
-            <p:txBody>
-              <a:bodyPr rtlCol="0" anchor="ctr"/>
-              <a:lstStyle/>
-              <a:p>
-                <a:pPr algn="ctr"/>
-                <a:r>
-                  <a:rPr lang="en-US" sz="3600" dirty="0" smtClean="0"/>
-                  <a:t>System Architecture</a:t>
-                </a:r>
-                <a:endParaRPr lang="en-US" sz="3600" dirty="0"/>
-              </a:p>
-            </p:txBody>
-          </p:sp>
-        </p:grpSp>
       </p:grpSp>
       <p:sp>
         <p:nvSpPr>
@@ -18532,12 +15165,12 @@
               <a:t>From: </a:t>
             </a:r>
             <a:r>
-              <a:rPr lang="en-US" sz="1200" dirty="0" err="1" smtClean="0"/>
-              <a:t>Proj</a:t>
+              <a:rPr lang="en-US" sz="1200" dirty="0" smtClean="0"/>
+              <a:t>Prof. </a:t>
             </a:r>
             <a:r>
               <a:rPr lang="en-US" sz="1200" dirty="0" smtClean="0"/>
-              <a:t>. Crandall’s B657 course </a:t>
+              <a:t>Crandall’s B657 course </a:t>
             </a:r>
             <a:r>
               <a:rPr lang="en-US" sz="1200" dirty="0" err="1" smtClean="0"/>
@@ -18547,16 +15180,157 @@
           </a:p>
         </p:txBody>
       </p:sp>
+      <p:grpSp>
+        <p:nvGrpSpPr>
+          <p:cNvPr id="110" name="Group 109"/>
+          <p:cNvGrpSpPr/>
+          <p:nvPr/>
+        </p:nvGrpSpPr>
+        <p:grpSpPr>
+          <a:xfrm>
+            <a:off x="559921" y="15703106"/>
+            <a:ext cx="8409005" cy="3350473"/>
+            <a:chOff x="483535" y="21515475"/>
+            <a:chExt cx="8409005" cy="3350473"/>
+          </a:xfrm>
+        </p:grpSpPr>
+        <p:grpSp>
+          <p:nvGrpSpPr>
+            <p:cNvPr id="114" name="Group 113"/>
+            <p:cNvGrpSpPr/>
+            <p:nvPr/>
+          </p:nvGrpSpPr>
+          <p:grpSpPr>
+            <a:xfrm>
+              <a:off x="483535" y="21515475"/>
+              <a:ext cx="8409005" cy="3350473"/>
+              <a:chOff x="328878" y="3063759"/>
+              <a:chExt cx="8396147" cy="3350473"/>
+            </a:xfrm>
+          </p:grpSpPr>
+          <p:sp>
+            <p:nvSpPr>
+              <p:cNvPr id="119" name="Rectangle 118"/>
+              <p:cNvSpPr/>
+              <p:nvPr/>
+            </p:nvSpPr>
+            <p:spPr>
+              <a:xfrm>
+                <a:off x="328878" y="3918436"/>
+                <a:ext cx="8391646" cy="2495796"/>
+              </a:xfrm>
+              <a:prstGeom prst="rect">
+                <a:avLst/>
+              </a:prstGeom>
+              <a:noFill/>
+            </p:spPr>
+            <p:style>
+              <a:lnRef idx="2">
+                <a:schemeClr val="accent1">
+                  <a:shade val="50000"/>
+                </a:schemeClr>
+              </a:lnRef>
+              <a:fillRef idx="1">
+                <a:schemeClr val="accent1"/>
+              </a:fillRef>
+              <a:effectRef idx="0">
+                <a:schemeClr val="accent1"/>
+              </a:effectRef>
+              <a:fontRef idx="minor">
+                <a:schemeClr val="lt1"/>
+              </a:fontRef>
+            </p:style>
+            <p:txBody>
+              <a:bodyPr rtlCol="0" anchor="ctr"/>
+              <a:lstStyle/>
+              <a:p>
+                <a:pPr algn="ctr"/>
+                <a:endParaRPr lang="en-US"/>
+              </a:p>
+            </p:txBody>
+          </p:sp>
+          <p:sp>
+            <p:nvSpPr>
+              <p:cNvPr id="120" name="Rectangle 119"/>
+              <p:cNvSpPr/>
+              <p:nvPr/>
+            </p:nvSpPr>
+            <p:spPr>
+              <a:xfrm>
+                <a:off x="333379" y="3063759"/>
+                <a:ext cx="8391646" cy="844951"/>
+              </a:xfrm>
+              <a:prstGeom prst="rect">
+                <a:avLst/>
+              </a:prstGeom>
+            </p:spPr>
+            <p:style>
+              <a:lnRef idx="2">
+                <a:schemeClr val="accent1">
+                  <a:shade val="50000"/>
+                </a:schemeClr>
+              </a:lnRef>
+              <a:fillRef idx="1">
+                <a:schemeClr val="accent1"/>
+              </a:fillRef>
+              <a:effectRef idx="0">
+                <a:schemeClr val="accent1"/>
+              </a:effectRef>
+              <a:fontRef idx="minor">
+                <a:schemeClr val="lt1"/>
+              </a:fontRef>
+            </p:style>
+            <p:txBody>
+              <a:bodyPr rtlCol="0" anchor="ctr"/>
+              <a:lstStyle/>
+              <a:p>
+                <a:pPr algn="ctr"/>
+                <a:r>
+                  <a:rPr lang="en-US" altLang="zh-CN" sz="3600" dirty="0" smtClean="0"/>
+                  <a:t>Result</a:t>
+                </a:r>
+                <a:endParaRPr lang="en-US" sz="3600" dirty="0"/>
+              </a:p>
+            </p:txBody>
+          </p:sp>
+        </p:grpSp>
+        <p:sp>
+          <p:nvSpPr>
+            <p:cNvPr id="118" name="TextBox 117"/>
+            <p:cNvSpPr txBox="1"/>
+            <p:nvPr/>
+          </p:nvSpPr>
+          <p:spPr>
+            <a:xfrm>
+              <a:off x="574260" y="22569138"/>
+              <a:ext cx="8185691" cy="338554"/>
+            </a:xfrm>
+            <a:prstGeom prst="rect">
+              <a:avLst/>
+            </a:prstGeom>
+            <a:noFill/>
+          </p:spPr>
+          <p:txBody>
+            <a:bodyPr wrap="square" rtlCol="0">
+              <a:spAutoFit/>
+            </a:bodyPr>
+            <a:lstStyle/>
+            <a:p>
+              <a:endParaRPr lang="en-US" sz="1600" dirty="0"/>
+            </a:p>
+          </p:txBody>
+        </p:sp>
+      </p:grpSp>
       <p:sp>
         <p:nvSpPr>
-          <p:cNvPr id="16" name="TextBox 15"/>
+          <p:cNvPr id="31" name="TextBox 30"/>
           <p:cNvSpPr txBox="1"/>
           <p:nvPr/>
         </p:nvSpPr>
         <p:spPr>
           <a:xfrm>
-            <a:off x="6088093" y="6129252"/>
-            <a:ext cx="2858475" cy="369332"/>
+            <a:off x="709504" y="23933387"/>
+            <a:ext cx="1693092" cy="430887"/>
           </a:xfrm>
           <a:prstGeom prst="rect">
             <a:avLst/>
@@ -18570,27 +15344,23 @@
           <a:lstStyle/>
           <a:p>
             <a:r>
-              <a:rPr lang="en-US" sz="1800" dirty="0"/>
-              <a:t>Architecture of </a:t>
+              <a:rPr lang="en-US" sz="2200" dirty="0" smtClean="0"/>
+              <a:t>Reference:</a:t>
             </a:r>
-            <a:r>
-              <a:rPr lang="en-US" sz="1800" dirty="0" smtClean="0"/>
-              <a:t>LeNet-5 </a:t>
-            </a:r>
-            <a:endParaRPr lang="en-US" sz="1800" dirty="0"/>
+            <a:endParaRPr lang="en-US" sz="2200" dirty="0"/>
           </a:p>
         </p:txBody>
       </p:sp>
       <p:sp>
         <p:nvSpPr>
-          <p:cNvPr id="19" name="TextBox 18"/>
+          <p:cNvPr id="34" name="TextBox 33"/>
           <p:cNvSpPr txBox="1"/>
           <p:nvPr/>
         </p:nvSpPr>
         <p:spPr>
           <a:xfrm>
-            <a:off x="6833805" y="6537030"/>
-            <a:ext cx="2034531" cy="369332"/>
+            <a:off x="665592" y="24496173"/>
+            <a:ext cx="8170745" cy="2546851"/>
           </a:xfrm>
           <a:prstGeom prst="rect">
             <a:avLst/>
@@ -18598,36 +15368,176 @@
           <a:noFill/>
         </p:spPr>
         <p:txBody>
-          <a:bodyPr wrap="none" rtlCol="0">
+          <a:bodyPr wrap="square" rtlCol="0">
             <a:spAutoFit/>
           </a:bodyPr>
           <a:lstStyle/>
           <a:p>
             <a:r>
-              <a:rPr lang="en-US" sz="900" dirty="0" smtClean="0"/>
-              <a:t>From: http</a:t>
+              <a:rPr lang="en-US" sz="1450" dirty="0" smtClean="0"/>
+              <a:t>[1</a:t>
             </a:r>
             <a:r>
-              <a:rPr lang="en-US" sz="900" dirty="0"/>
-              <a:t>://</a:t>
+              <a:rPr lang="en-US" sz="1450" dirty="0"/>
+              <a:t>] Adam Coates, Blake Carpenter, Carl Case, Sanjeev </a:t>
             </a:r>
             <a:r>
-              <a:rPr lang="en-US" sz="900" dirty="0" smtClean="0"/>
-              <a:t>eblearn.sourceforge</a:t>
+              <a:rPr lang="en-US" sz="1450" dirty="0" err="1"/>
+              <a:t>Satheesh</a:t>
+            </a:r>
+            <a:r>
+              <a:rPr lang="en-US" sz="1450" dirty="0"/>
+              <a:t>, </a:t>
+            </a:r>
+            <a:r>
+              <a:rPr lang="en-US" sz="1450" dirty="0" err="1"/>
+              <a:t>Bipin</a:t>
+            </a:r>
+            <a:r>
+              <a:rPr lang="en-US" sz="1450" dirty="0"/>
+              <a:t> Suresh</a:t>
+            </a:r>
+            <a:r>
+              <a:rPr lang="en-US" sz="1450" dirty="0" smtClean="0"/>
+              <a:t>, Tao </a:t>
+            </a:r>
+            <a:r>
+              <a:rPr lang="en-US" sz="1450" dirty="0"/>
+              <a:t>Wang, David J. Wu, and Andrew Y. Ng. Text detection and </a:t>
+            </a:r>
+            <a:r>
+              <a:rPr lang="en-US" sz="1450" dirty="0" smtClean="0"/>
+              <a:t>character </a:t>
+            </a:r>
+            <a:r>
+              <a:rPr lang="en-US" sz="1450" dirty="0"/>
+              <a:t>recognition in scene images with unsupervised feature learning. </a:t>
+            </a:r>
+            <a:r>
+              <a:rPr lang="en-US" sz="1450" dirty="0" smtClean="0"/>
+              <a:t>In Proceedings </a:t>
+            </a:r>
+            <a:r>
+              <a:rPr lang="en-US" sz="1450" dirty="0"/>
+              <a:t>of the 2011 International Conference on Document Analysis </a:t>
+            </a:r>
+            <a:r>
+              <a:rPr lang="en-US" sz="1450" dirty="0" smtClean="0"/>
+              <a:t>and Recognition, </a:t>
+            </a:r>
+            <a:r>
+              <a:rPr lang="en-US" sz="1450" dirty="0"/>
+              <a:t>ICDAR '11, pages 440{445, Washington, DC, USA, 2011. </a:t>
+            </a:r>
+            <a:r>
+              <a:rPr lang="en-US" sz="1450" dirty="0" smtClean="0"/>
+              <a:t>IEEE Computer </a:t>
+            </a:r>
+            <a:r>
+              <a:rPr lang="en-US" sz="1450" dirty="0"/>
+              <a:t>Society.</a:t>
             </a:r>
           </a:p>
           <a:p>
             <a:r>
-              <a:rPr lang="en-US" sz="900" dirty="0" err="1" smtClean="0"/>
-              <a:t>.</a:t>
+              <a:rPr lang="en-US" sz="1450" dirty="0"/>
+              <a:t>[2] Pedro F. </a:t>
             </a:r>
             <a:r>
-              <a:rPr lang="en-US" sz="900" dirty="0" err="1"/>
-              <a:t>net</a:t>
+              <a:rPr lang="en-US" sz="1450" dirty="0" err="1"/>
+              <a:t>Felzenszwalb</a:t>
             </a:r>
             <a:r>
-              <a:rPr lang="en-US" sz="900" dirty="0"/>
-              <a:t>/beginner_tutorial2_train.html</a:t>
+              <a:rPr lang="en-US" sz="1450" dirty="0"/>
+              <a:t> and Daniel P. </a:t>
+            </a:r>
+            <a:r>
+              <a:rPr lang="en-US" sz="1450" dirty="0" err="1"/>
+              <a:t>Huttenlocher</a:t>
+            </a:r>
+            <a:r>
+              <a:rPr lang="en-US" sz="1450" dirty="0"/>
+              <a:t>. </a:t>
+            </a:r>
+            <a:r>
+              <a:rPr lang="en-US" sz="1450" dirty="0" err="1"/>
+              <a:t>Ecient</a:t>
+            </a:r>
+            <a:r>
+              <a:rPr lang="en-US" sz="1450" dirty="0"/>
+              <a:t> graph-based </a:t>
+            </a:r>
+            <a:r>
+              <a:rPr lang="en-US" sz="1450" dirty="0" smtClean="0"/>
+              <a:t>image segmentation. Int</a:t>
+            </a:r>
+            <a:r>
+              <a:rPr lang="en-US" sz="1450" dirty="0"/>
+              <a:t>. J. </a:t>
+            </a:r>
+            <a:r>
+              <a:rPr lang="en-US" sz="1450" dirty="0" err="1"/>
+              <a:t>Comput</a:t>
+            </a:r>
+            <a:r>
+              <a:rPr lang="en-US" sz="1450" dirty="0"/>
+              <a:t>. </a:t>
+            </a:r>
+            <a:r>
+              <a:rPr lang="en-US" sz="1450" dirty="0" smtClean="0"/>
+              <a:t>Vision , </a:t>
+            </a:r>
+            <a:r>
+              <a:rPr lang="en-US" sz="1450" dirty="0"/>
+              <a:t>59(2):167{181, September 2004.</a:t>
+            </a:r>
+          </a:p>
+          <a:p>
+            <a:r>
+              <a:rPr lang="en-US" sz="1450" dirty="0" smtClean="0"/>
+              <a:t>[3</a:t>
+            </a:r>
+            <a:r>
+              <a:rPr lang="en-US" sz="1450" dirty="0"/>
+              <a:t>] Lan Nguyen Nicolas D. Jimenez. Recognition of Handwritten </a:t>
+            </a:r>
+            <a:r>
+              <a:rPr lang="en-US" sz="1450" dirty="0" smtClean="0"/>
+              <a:t>Mathematical Symbols </a:t>
+            </a:r>
+            <a:r>
+              <a:rPr lang="en-US" sz="1450" dirty="0"/>
+              <a:t>with PHOG Features.</a:t>
+            </a:r>
+          </a:p>
+          <a:p>
+            <a:r>
+              <a:rPr lang="en-US" sz="1450" dirty="0"/>
+              <a:t>[4] Michael Nielsen. Neural Networks and Deep </a:t>
+            </a:r>
+            <a:r>
+              <a:rPr lang="en-US" sz="1450" dirty="0" err="1"/>
+              <a:t>LearningNeural</a:t>
+            </a:r>
+            <a:r>
+              <a:rPr lang="en-US" sz="1450" dirty="0"/>
+              <a:t> Networks </a:t>
+            </a:r>
+            <a:r>
+              <a:rPr lang="en-US" sz="1450" dirty="0" smtClean="0"/>
+              <a:t>and Deep Learning. http</a:t>
+            </a:r>
+            <a:r>
+              <a:rPr lang="en-US" sz="1450" dirty="0"/>
+              <a:t>://</a:t>
+            </a:r>
+            <a:r>
+              <a:rPr lang="en-US" sz="1450" dirty="0" smtClean="0"/>
+              <a:t>neuralnetworksanddeeplearning.com/chap6.html, 2016</a:t>
+            </a:r>
+            <a:r>
+              <a:rPr lang="en-US" sz="1450" dirty="0"/>
+              <a:t>.</a:t>
             </a:r>
           </a:p>
         </p:txBody>

--- a/poster/poster.pptx
+++ b/poster/poster.pptx
@@ -12974,9 +12974,9 @@
         <p:grpSpPr>
           <a:xfrm>
             <a:off x="382564" y="9164660"/>
-            <a:ext cx="8582229" cy="6303834"/>
+            <a:ext cx="8582229" cy="9523824"/>
             <a:chOff x="315194" y="15825016"/>
-            <a:chExt cx="8582229" cy="6303834"/>
+            <a:chExt cx="8582229" cy="9523824"/>
           </a:xfrm>
         </p:grpSpPr>
         <p:grpSp>
@@ -13887,6 +13887,128 @@
                 </a:rPr>
                 <a:t>crop &amp; padding</a:t>
               </a:r>
+            </a:p>
+          </p:txBody>
+        </p:sp>
+        <p:sp>
+          <p:nvSpPr>
+            <p:cNvPr id="96" name="Rectangle 95"/>
+            <p:cNvSpPr/>
+            <p:nvPr/>
+          </p:nvSpPr>
+          <p:spPr>
+            <a:xfrm>
+              <a:off x="661962" y="23529315"/>
+              <a:ext cx="3862338" cy="766145"/>
+            </a:xfrm>
+            <a:prstGeom prst="rect">
+              <a:avLst/>
+            </a:prstGeom>
+          </p:spPr>
+          <p:style>
+            <a:lnRef idx="1">
+              <a:schemeClr val="accent1"/>
+            </a:lnRef>
+            <a:fillRef idx="2">
+              <a:schemeClr val="accent1"/>
+            </a:fillRef>
+            <a:effectRef idx="1">
+              <a:schemeClr val="accent1"/>
+            </a:effectRef>
+            <a:fontRef idx="minor">
+              <a:schemeClr val="dk1"/>
+            </a:fontRef>
+          </p:style>
+          <p:txBody>
+            <a:bodyPr rtlCol="0" anchor="ctr"/>
+            <a:lstStyle/>
+            <a:p>
+              <a:pPr algn="ctr"/>
+              <a:r>
+                <a:rPr lang="en-US" altLang="zh-CN" sz="1800" dirty="0" smtClean="0"/>
+                <a:t>PNG</a:t>
+              </a:r>
+              <a:endParaRPr lang="en-US" sz="2800" dirty="0"/>
+            </a:p>
+          </p:txBody>
+        </p:sp>
+        <p:sp>
+          <p:nvSpPr>
+            <p:cNvPr id="98" name="Rectangle 97"/>
+            <p:cNvSpPr/>
+            <p:nvPr/>
+          </p:nvSpPr>
+          <p:spPr>
+            <a:xfrm>
+              <a:off x="661962" y="24660554"/>
+              <a:ext cx="3862338" cy="688286"/>
+            </a:xfrm>
+            <a:prstGeom prst="rect">
+              <a:avLst/>
+            </a:prstGeom>
+          </p:spPr>
+          <p:style>
+            <a:lnRef idx="1">
+              <a:schemeClr val="accent1"/>
+            </a:lnRef>
+            <a:fillRef idx="2">
+              <a:schemeClr val="accent1"/>
+            </a:fillRef>
+            <a:effectRef idx="1">
+              <a:schemeClr val="accent1"/>
+            </a:effectRef>
+            <a:fontRef idx="minor">
+              <a:schemeClr val="dk1"/>
+            </a:fontRef>
+          </p:style>
+          <p:txBody>
+            <a:bodyPr rtlCol="0" anchor="ctr"/>
+            <a:lstStyle/>
+            <a:p>
+              <a:pPr algn="ctr"/>
+              <a:r>
+                <a:rPr lang="en-US" altLang="zh-CN" sz="1800" dirty="0" smtClean="0"/>
+                <a:t>PNG</a:t>
+              </a:r>
+              <a:endParaRPr lang="en-US" sz="2800" dirty="0"/>
+            </a:p>
+          </p:txBody>
+        </p:sp>
+        <p:sp>
+          <p:nvSpPr>
+            <p:cNvPr id="99" name="Right Arrow 98"/>
+            <p:cNvSpPr/>
+            <p:nvPr/>
+          </p:nvSpPr>
+          <p:spPr>
+            <a:xfrm rot="10800000" flipH="1">
+              <a:off x="5062874" y="23866407"/>
+              <a:ext cx="866098" cy="318325"/>
+            </a:xfrm>
+            <a:prstGeom prst="rightArrow">
+              <a:avLst/>
+            </a:prstGeom>
+          </p:spPr>
+          <p:style>
+            <a:lnRef idx="1">
+              <a:schemeClr val="accent1"/>
+            </a:lnRef>
+            <a:fillRef idx="2">
+              <a:schemeClr val="accent1"/>
+            </a:fillRef>
+            <a:effectRef idx="1">
+              <a:schemeClr val="accent1"/>
+            </a:effectRef>
+            <a:fontRef idx="minor">
+              <a:schemeClr val="dk1"/>
+            </a:fontRef>
+          </p:style>
+          <p:txBody>
+            <a:bodyPr rtlCol="0" anchor="ctr"/>
+            <a:lstStyle/>
+            <a:p>
+              <a:pPr algn="ctr"/>
+              <a:endParaRPr lang="en-US" dirty="0"/>
             </a:p>
           </p:txBody>
         </p:sp>
@@ -14837,8 +14959,8 @@
           </p:blipFill>
           <p:spPr>
             <a:xfrm>
-              <a:off x="6417555" y="5348004"/>
-              <a:ext cx="2159750" cy="1991494"/>
+              <a:off x="5523207" y="7993591"/>
+              <a:ext cx="2703668" cy="2493038"/>
             </a:xfrm>
             <a:prstGeom prst="rect">
               <a:avLst/>
@@ -14861,8 +14983,8 @@
           </p:blipFill>
           <p:spPr>
             <a:xfrm>
-              <a:off x="4336744" y="5348005"/>
-              <a:ext cx="2017149" cy="1991494"/>
+              <a:off x="5520078" y="5127817"/>
+              <a:ext cx="2700059" cy="2665719"/>
             </a:xfrm>
             <a:prstGeom prst="rect">
               <a:avLst/>
@@ -14877,8 +14999,8 @@
           </p:nvSpPr>
           <p:spPr>
             <a:xfrm>
-              <a:off x="1990734" y="6258956"/>
-              <a:ext cx="853578" cy="241280"/>
+              <a:off x="2544270" y="6210256"/>
+              <a:ext cx="853578" cy="287742"/>
             </a:xfrm>
             <a:prstGeom prst="downArrow">
               <a:avLst/>
@@ -14916,8 +15038,8 @@
         </p:nvSpPr>
         <p:spPr>
           <a:xfrm>
-            <a:off x="9578893" y="7385290"/>
-            <a:ext cx="8081812" cy="3108543"/>
+            <a:off x="9899876" y="7529932"/>
+            <a:ext cx="4668340" cy="2723823"/>
           </a:xfrm>
           <a:prstGeom prst="rect">
             <a:avLst/>
@@ -14931,10 +15053,10 @@
           <a:lstStyle/>
           <a:p>
             <a:r>
-              <a:rPr lang="en-US" sz="2800" dirty="0" smtClean="0"/>
+              <a:rPr lang="en-US" sz="1900" dirty="0" smtClean="0"/>
               <a:t>We use the spanning tree algorithm, which treat the image as a graph, and assign edge to every two adjacent pixels, according to their difference in color. After we construct the graph, we find the minimum spanning tree for this graph, and cut some edges with weights over a threshold to get a forest.</a:t>
             </a:r>
-            <a:endParaRPr lang="en-US" sz="2800" dirty="0"/>
+            <a:endParaRPr lang="en-US" sz="1900" dirty="0"/>
           </a:p>
         </p:txBody>
       </p:sp>
@@ -14946,8 +15068,8 @@
         </p:nvGrpSpPr>
         <p:grpSpPr>
           <a:xfrm>
-            <a:off x="9761429" y="6417707"/>
-            <a:ext cx="3478988" cy="800396"/>
+            <a:off x="10026783" y="6457597"/>
+            <a:ext cx="3962190" cy="800396"/>
             <a:chOff x="9761429" y="6597819"/>
             <a:chExt cx="3478988" cy="800396"/>
           </a:xfrm>
@@ -15031,8 +15153,8 @@
         </p:nvGrpSpPr>
         <p:grpSpPr>
           <a:xfrm>
-            <a:off x="9756915" y="5257435"/>
-            <a:ext cx="3478988" cy="800396"/>
+            <a:off x="10026783" y="5204688"/>
+            <a:ext cx="3908867" cy="800396"/>
             <a:chOff x="9729012" y="5257435"/>
             <a:chExt cx="3478988" cy="800396"/>
           </a:xfrm>
@@ -15135,48 +15257,6 @@
               <a:t>Accuracy</a:t>
             </a:r>
             <a:endParaRPr lang="en-US" sz="1600" dirty="0"/>
-          </a:p>
-        </p:txBody>
-      </p:sp>
-      <p:sp>
-        <p:nvSpPr>
-          <p:cNvPr id="60" name="TextBox 59"/>
-          <p:cNvSpPr txBox="1"/>
-          <p:nvPr/>
-        </p:nvSpPr>
-        <p:spPr>
-          <a:xfrm>
-            <a:off x="14063015" y="7170037"/>
-            <a:ext cx="2986715" cy="276999"/>
-          </a:xfrm>
-          <a:prstGeom prst="rect">
-            <a:avLst/>
-          </a:prstGeom>
-          <a:noFill/>
-        </p:spPr>
-        <p:txBody>
-          <a:bodyPr wrap="none" rtlCol="0">
-            <a:spAutoFit/>
-          </a:bodyPr>
-          <a:lstStyle/>
-          <a:p>
-            <a:r>
-              <a:rPr lang="en-US" sz="1200" dirty="0" smtClean="0"/>
-              <a:t>From: </a:t>
-            </a:r>
-            <a:r>
-              <a:rPr lang="en-US" sz="1200" dirty="0" smtClean="0"/>
-              <a:t>Prof. </a:t>
-            </a:r>
-            <a:r>
-              <a:rPr lang="en-US" sz="1200" dirty="0" smtClean="0"/>
-              <a:t>Crandall’s B657 course </a:t>
-            </a:r>
-            <a:r>
-              <a:rPr lang="en-US" sz="1200" dirty="0" err="1" smtClean="0"/>
-              <a:t>ppt</a:t>
-            </a:r>
-            <a:endParaRPr lang="en-US" sz="1200" dirty="0"/>
           </a:p>
         </p:txBody>
       </p:sp>
@@ -15539,6 +15619,40 @@
               <a:rPr lang="en-US" sz="1450" dirty="0"/>
               <a:t>.</a:t>
             </a:r>
+          </a:p>
+        </p:txBody>
+      </p:sp>
+      <p:sp>
+        <p:nvSpPr>
+          <p:cNvPr id="100" name="TextBox 99"/>
+          <p:cNvSpPr txBox="1"/>
+          <p:nvPr/>
+        </p:nvSpPr>
+        <p:spPr>
+          <a:xfrm rot="5400000">
+            <a:off x="16060373" y="7079603"/>
+            <a:ext cx="2986715" cy="276999"/>
+          </a:xfrm>
+          <a:prstGeom prst="rect">
+            <a:avLst/>
+          </a:prstGeom>
+          <a:noFill/>
+        </p:spPr>
+        <p:txBody>
+          <a:bodyPr wrap="none" rtlCol="0">
+            <a:spAutoFit/>
+          </a:bodyPr>
+          <a:lstStyle/>
+          <a:p>
+            <a:r>
+              <a:rPr lang="en-US" sz="1200" dirty="0" smtClean="0"/>
+              <a:t>From: Prof. Crandall’s B657 course </a:t>
+            </a:r>
+            <a:r>
+              <a:rPr lang="en-US" sz="1200" dirty="0" err="1" smtClean="0"/>
+              <a:t>ppt</a:t>
+            </a:r>
+            <a:endParaRPr lang="en-US" sz="1200" dirty="0"/>
           </a:p>
         </p:txBody>
       </p:sp>

--- a/poster/poster.pptx
+++ b/poster/poster.pptx
@@ -12967,220 +12967,48 @@
       </p:grpSp>
       <p:grpSp>
         <p:nvGrpSpPr>
-          <p:cNvPr id="55" name="Group 54"/>
+          <p:cNvPr id="49" name="Group 48"/>
           <p:cNvGrpSpPr/>
           <p:nvPr/>
         </p:nvGrpSpPr>
         <p:grpSpPr>
           <a:xfrm>
-            <a:off x="382564" y="9164660"/>
-            <a:ext cx="8582229" cy="9523824"/>
-            <a:chOff x="315194" y="15825016"/>
-            <a:chExt cx="8582229" cy="9523824"/>
+            <a:off x="558461" y="9164660"/>
+            <a:ext cx="8406332" cy="6303834"/>
+            <a:chOff x="331921" y="4182168"/>
+            <a:chExt cx="8393104" cy="6065133"/>
           </a:xfrm>
         </p:grpSpPr>
-        <p:grpSp>
-          <p:nvGrpSpPr>
-            <p:cNvPr id="49" name="Group 48"/>
-            <p:cNvGrpSpPr/>
-            <p:nvPr/>
-          </p:nvGrpSpPr>
-          <p:grpSpPr>
-            <a:xfrm>
-              <a:off x="491091" y="15825016"/>
-              <a:ext cx="8406332" cy="6303834"/>
-              <a:chOff x="331921" y="4182168"/>
-              <a:chExt cx="8393104" cy="6065133"/>
-            </a:xfrm>
-          </p:grpSpPr>
-          <p:sp>
-            <p:nvSpPr>
-              <p:cNvPr id="50" name="Rectangle 49"/>
-              <p:cNvSpPr/>
-              <p:nvPr/>
-            </p:nvSpPr>
-            <p:spPr>
-              <a:xfrm>
-                <a:off x="331921" y="5027119"/>
-                <a:ext cx="8391646" cy="5220182"/>
-              </a:xfrm>
-              <a:prstGeom prst="rect">
-                <a:avLst/>
-              </a:prstGeom>
-              <a:noFill/>
-            </p:spPr>
-            <p:style>
-              <a:lnRef idx="2">
-                <a:schemeClr val="accent1">
-                  <a:shade val="50000"/>
-                </a:schemeClr>
-              </a:lnRef>
-              <a:fillRef idx="1">
-                <a:schemeClr val="accent1"/>
-              </a:fillRef>
-              <a:effectRef idx="0">
-                <a:schemeClr val="accent1"/>
-              </a:effectRef>
-              <a:fontRef idx="minor">
-                <a:schemeClr val="lt1"/>
-              </a:fontRef>
-            </p:style>
-            <p:txBody>
-              <a:bodyPr rtlCol="0" anchor="ctr"/>
-              <a:lstStyle/>
-              <a:p>
-                <a:pPr algn="ctr"/>
-                <a:endParaRPr lang="en-US"/>
-              </a:p>
-            </p:txBody>
-          </p:sp>
-          <p:sp>
-            <p:nvSpPr>
-              <p:cNvPr id="51" name="Rectangle 50"/>
-              <p:cNvSpPr/>
-              <p:nvPr/>
-            </p:nvSpPr>
-            <p:spPr>
-              <a:xfrm>
-                <a:off x="333379" y="4182168"/>
-                <a:ext cx="8391646" cy="844951"/>
-              </a:xfrm>
-              <a:prstGeom prst="rect">
-                <a:avLst/>
-              </a:prstGeom>
-            </p:spPr>
-            <p:style>
-              <a:lnRef idx="2">
-                <a:schemeClr val="accent1">
-                  <a:shade val="50000"/>
-                </a:schemeClr>
-              </a:lnRef>
-              <a:fillRef idx="1">
-                <a:schemeClr val="accent1"/>
-              </a:fillRef>
-              <a:effectRef idx="0">
-                <a:schemeClr val="accent1"/>
-              </a:effectRef>
-              <a:fontRef idx="minor">
-                <a:schemeClr val="lt1"/>
-              </a:fontRef>
-            </p:style>
-            <p:txBody>
-              <a:bodyPr rtlCol="0" anchor="ctr"/>
-              <a:lstStyle/>
-              <a:p>
-                <a:pPr algn="ctr"/>
-                <a:r>
-                  <a:rPr lang="en-US" sz="3600" dirty="0" smtClean="0"/>
-                  <a:t>Preprocessing</a:t>
-                </a:r>
-                <a:endParaRPr lang="en-US" sz="3600" dirty="0"/>
-              </a:p>
-            </p:txBody>
-          </p:sp>
-        </p:grpSp>
         <p:sp>
           <p:nvSpPr>
-            <p:cNvPr id="1031" name="Rectangle 1030"/>
+            <p:cNvPr id="50" name="Rectangle 49"/>
             <p:cNvSpPr/>
             <p:nvPr/>
           </p:nvSpPr>
           <p:spPr>
             <a:xfrm>
-              <a:off x="315194" y="16033010"/>
-              <a:ext cx="184731" cy="757130"/>
+              <a:off x="331921" y="5027119"/>
+              <a:ext cx="8391646" cy="5220182"/>
             </a:xfrm>
             <a:prstGeom prst="rect">
               <a:avLst/>
             </a:prstGeom>
-          </p:spPr>
-          <p:txBody>
-            <a:bodyPr wrap="none">
-              <a:spAutoFit/>
-            </a:bodyPr>
-            <a:lstStyle/>
-            <a:p>
-              <a:endParaRPr lang="en-US" dirty="0"/>
-            </a:p>
-          </p:txBody>
-        </p:sp>
-        <p:sp>
-          <p:nvSpPr>
-            <p:cNvPr id="1035" name="Rectangle 1034"/>
-            <p:cNvSpPr/>
-            <p:nvPr/>
-          </p:nvSpPr>
-          <p:spPr>
-            <a:xfrm>
-              <a:off x="4076261" y="17018844"/>
-              <a:ext cx="1232843" cy="1132943"/>
-            </a:xfrm>
-            <a:prstGeom prst="rect">
-              <a:avLst/>
-            </a:prstGeom>
+            <a:noFill/>
           </p:spPr>
           <p:style>
-            <a:lnRef idx="1">
-              <a:schemeClr val="accent1"/>
+            <a:lnRef idx="2">
+              <a:schemeClr val="accent1">
+                <a:shade val="50000"/>
+              </a:schemeClr>
             </a:lnRef>
-            <a:fillRef idx="2">
+            <a:fillRef idx="1">
               <a:schemeClr val="accent1"/>
             </a:fillRef>
-            <a:effectRef idx="1">
+            <a:effectRef idx="0">
               <a:schemeClr val="accent1"/>
             </a:effectRef>
             <a:fontRef idx="minor">
-              <a:schemeClr val="dk1"/>
-            </a:fontRef>
-          </p:style>
-          <p:txBody>
-            <a:bodyPr rtlCol="0" anchor="ctr"/>
-            <a:lstStyle/>
-            <a:p>
-              <a:pPr algn="ctr"/>
-              <a:r>
-                <a:rPr lang="en-US" altLang="zh-CN" sz="1800" dirty="0" smtClean="0">
-                  <a:solidFill>
-                    <a:schemeClr val="tx1"/>
-                  </a:solidFill>
-                </a:rPr>
-                <a:t>SVG</a:t>
-              </a:r>
-              <a:endParaRPr lang="en-US" sz="2800" dirty="0">
-                <a:solidFill>
-                  <a:schemeClr val="tx1"/>
-                </a:solidFill>
-              </a:endParaRPr>
-            </a:p>
-          </p:txBody>
-        </p:sp>
-        <p:sp>
-          <p:nvSpPr>
-            <p:cNvPr id="79" name="Right Arrow 78"/>
-            <p:cNvSpPr/>
-            <p:nvPr/>
-          </p:nvSpPr>
-          <p:spPr>
-            <a:xfrm>
-              <a:off x="2501266" y="17439261"/>
-              <a:ext cx="1356795" cy="318325"/>
-            </a:xfrm>
-            <a:prstGeom prst="rightArrow">
-              <a:avLst/>
-            </a:prstGeom>
-          </p:spPr>
-          <p:style>
-            <a:lnRef idx="1">
-              <a:schemeClr val="accent1"/>
-            </a:lnRef>
-            <a:fillRef idx="2">
-              <a:schemeClr val="accent1"/>
-            </a:fillRef>
-            <a:effectRef idx="1">
-              <a:schemeClr val="accent1"/>
-            </a:effectRef>
-            <a:fontRef idx="minor">
-              <a:schemeClr val="dk1"/>
+              <a:schemeClr val="lt1"/>
             </a:fontRef>
           </p:style>
           <p:txBody>
@@ -13194,31 +13022,33 @@
         </p:sp>
         <p:sp>
           <p:nvSpPr>
-            <p:cNvPr id="80" name="Rectangle 79"/>
+            <p:cNvPr id="51" name="Rectangle 50"/>
             <p:cNvSpPr/>
             <p:nvPr/>
           </p:nvSpPr>
           <p:spPr>
             <a:xfrm>
-              <a:off x="6957594" y="17074024"/>
-              <a:ext cx="1132943" cy="1132943"/>
+              <a:off x="333379" y="4182168"/>
+              <a:ext cx="8391646" cy="844951"/>
             </a:xfrm>
             <a:prstGeom prst="rect">
               <a:avLst/>
             </a:prstGeom>
           </p:spPr>
           <p:style>
-            <a:lnRef idx="1">
-              <a:schemeClr val="accent1"/>
+            <a:lnRef idx="2">
+              <a:schemeClr val="accent1">
+                <a:shade val="50000"/>
+              </a:schemeClr>
             </a:lnRef>
-            <a:fillRef idx="2">
+            <a:fillRef idx="1">
               <a:schemeClr val="accent1"/>
             </a:fillRef>
-            <a:effectRef idx="1">
+            <a:effectRef idx="0">
               <a:schemeClr val="accent1"/>
             </a:effectRef>
             <a:fontRef idx="minor">
-              <a:schemeClr val="dk1"/>
+              <a:schemeClr val="lt1"/>
             </a:fontRef>
           </p:style>
           <p:txBody>
@@ -13227,171 +13057,181 @@
             <a:p>
               <a:pPr algn="ctr"/>
               <a:r>
-                <a:rPr lang="en-US" altLang="zh-CN" sz="1800" dirty="0" smtClean="0"/>
-                <a:t>PNG</a:t>
-              </a:r>
-              <a:endParaRPr lang="en-US" sz="2800" dirty="0"/>
-            </a:p>
-          </p:txBody>
-        </p:sp>
-        <p:sp>
-          <p:nvSpPr>
-            <p:cNvPr id="1037" name="Flowchart: Magnetic Disk 1036"/>
-            <p:cNvSpPr/>
-            <p:nvPr/>
-          </p:nvSpPr>
-          <p:spPr>
-            <a:xfrm>
-              <a:off x="782965" y="18807485"/>
-              <a:ext cx="1382895" cy="1111177"/>
-            </a:xfrm>
-            <a:prstGeom prst="flowChartMagneticDisk">
-              <a:avLst/>
-            </a:prstGeom>
-          </p:spPr>
-          <p:style>
-            <a:lnRef idx="1">
-              <a:schemeClr val="accent1"/>
-            </a:lnRef>
-            <a:fillRef idx="2">
-              <a:schemeClr val="accent1"/>
-            </a:fillRef>
-            <a:effectRef idx="1">
-              <a:schemeClr val="accent1"/>
-            </a:effectRef>
-            <a:fontRef idx="minor">
-              <a:schemeClr val="dk1"/>
-            </a:fontRef>
-          </p:style>
-          <p:txBody>
-            <a:bodyPr rtlCol="0" anchor="ctr"/>
-            <a:lstStyle/>
-            <a:p>
-              <a:pPr algn="ctr"/>
-              <a:r>
-                <a:rPr lang="en-US" sz="2000" dirty="0" smtClean="0"/>
-                <a:t>LMDB</a:t>
+                <a:rPr lang="en-US" sz="3600" dirty="0" smtClean="0"/>
+                <a:t>Preprocessing</a:t>
               </a:r>
               <a:endParaRPr lang="en-US" sz="3600" dirty="0"/>
             </a:p>
           </p:txBody>
         </p:sp>
-        <p:sp>
-          <p:nvSpPr>
-            <p:cNvPr id="84" name="Right Arrow 83"/>
-            <p:cNvSpPr/>
-            <p:nvPr/>
-          </p:nvSpPr>
-          <p:spPr>
-            <a:xfrm>
-              <a:off x="5477974" y="17431018"/>
-              <a:ext cx="1410749" cy="334810"/>
-            </a:xfrm>
-            <a:prstGeom prst="rightArrow">
-              <a:avLst/>
-            </a:prstGeom>
-          </p:spPr>
-          <p:style>
-            <a:lnRef idx="1">
-              <a:schemeClr val="accent1"/>
-            </a:lnRef>
-            <a:fillRef idx="2">
-              <a:schemeClr val="accent1"/>
-            </a:fillRef>
-            <a:effectRef idx="1">
-              <a:schemeClr val="accent1"/>
-            </a:effectRef>
-            <a:fontRef idx="minor">
-              <a:schemeClr val="dk1"/>
-            </a:fontRef>
-          </p:style>
-          <p:txBody>
-            <a:bodyPr rtlCol="0" anchor="ctr"/>
-            <a:lstStyle/>
-            <a:p>
-              <a:pPr algn="ctr"/>
-              <a:endParaRPr lang="en-US"/>
-            </a:p>
-          </p:txBody>
-        </p:sp>
-        <p:sp>
-          <p:nvSpPr>
-            <p:cNvPr id="64" name="Rectangle 63"/>
-            <p:cNvSpPr/>
-            <p:nvPr/>
-          </p:nvSpPr>
-          <p:spPr>
-            <a:xfrm>
-              <a:off x="4160390" y="18721992"/>
-              <a:ext cx="1132943" cy="1132943"/>
-            </a:xfrm>
-            <a:prstGeom prst="rect">
-              <a:avLst/>
-            </a:prstGeom>
-          </p:spPr>
-          <p:style>
-            <a:lnRef idx="1">
-              <a:schemeClr val="accent1"/>
-            </a:lnRef>
-            <a:fillRef idx="2">
-              <a:schemeClr val="accent1"/>
-            </a:fillRef>
-            <a:effectRef idx="1">
-              <a:schemeClr val="accent1"/>
-            </a:effectRef>
-            <a:fontRef idx="minor">
-              <a:schemeClr val="dk1"/>
-            </a:fontRef>
-          </p:style>
-          <p:txBody>
-            <a:bodyPr rtlCol="0" anchor="ctr"/>
-            <a:lstStyle/>
-            <a:p>
-              <a:pPr algn="ctr"/>
-              <a:r>
-                <a:rPr lang="en-US" altLang="zh-CN" sz="1800" dirty="0" smtClean="0"/>
-                <a:t>PNG</a:t>
-              </a:r>
-              <a:endParaRPr lang="en-US" sz="2800" dirty="0"/>
-            </a:p>
-          </p:txBody>
-        </p:sp>
-        <p:sp>
-          <p:nvSpPr>
-            <p:cNvPr id="63" name="TextBox 62"/>
-            <p:cNvSpPr txBox="1"/>
-            <p:nvPr/>
-          </p:nvSpPr>
-          <p:spPr>
-            <a:xfrm>
-              <a:off x="2577422" y="17081479"/>
-              <a:ext cx="1037463" cy="400110"/>
-            </a:xfrm>
-            <a:prstGeom prst="rect">
-              <a:avLst/>
-            </a:prstGeom>
-            <a:noFill/>
-          </p:spPr>
-          <p:txBody>
-            <a:bodyPr wrap="none" rtlCol="0">
-              <a:spAutoFit/>
-            </a:bodyPr>
-            <a:lstStyle/>
-            <a:p>
-              <a:r>
-                <a:rPr lang="en-US" sz="2000" dirty="0" err="1" smtClean="0">
-                  <a:ln w="0"/>
-                  <a:effectLst>
-                    <a:outerShdw blurRad="38100" dist="25400" dir="5400000" algn="ctr" rotWithShape="0">
-                      <a:srgbClr val="6E747A">
-                        <a:alpha val="43000"/>
-                      </a:srgbClr>
-                    </a:outerShdw>
-                  </a:effectLst>
-                </a:rPr>
-                <a:t>Nodejs</a:t>
-              </a:r>
-              <a:endParaRPr lang="en-US" sz="2000" dirty="0">
+      </p:grpSp>
+      <p:sp>
+        <p:nvSpPr>
+          <p:cNvPr id="1031" name="Rectangle 1030"/>
+          <p:cNvSpPr/>
+          <p:nvPr/>
+        </p:nvSpPr>
+        <p:spPr>
+          <a:xfrm>
+            <a:off x="382564" y="9372654"/>
+            <a:ext cx="184731" cy="757130"/>
+          </a:xfrm>
+          <a:prstGeom prst="rect">
+            <a:avLst/>
+          </a:prstGeom>
+        </p:spPr>
+        <p:txBody>
+          <a:bodyPr wrap="none">
+            <a:spAutoFit/>
+          </a:bodyPr>
+          <a:lstStyle/>
+          <a:p>
+            <a:endParaRPr lang="en-US" dirty="0"/>
+          </a:p>
+        </p:txBody>
+      </p:sp>
+      <p:sp>
+        <p:nvSpPr>
+          <p:cNvPr id="79" name="Right Arrow 78"/>
+          <p:cNvSpPr/>
+          <p:nvPr/>
+        </p:nvSpPr>
+        <p:spPr>
+          <a:xfrm>
+            <a:off x="2568636" y="10778905"/>
+            <a:ext cx="1356795" cy="318325"/>
+          </a:xfrm>
+          <a:prstGeom prst="rightArrow">
+            <a:avLst/>
+          </a:prstGeom>
+        </p:spPr>
+        <p:style>
+          <a:lnRef idx="1">
+            <a:schemeClr val="accent1"/>
+          </a:lnRef>
+          <a:fillRef idx="2">
+            <a:schemeClr val="accent1"/>
+          </a:fillRef>
+          <a:effectRef idx="1">
+            <a:schemeClr val="accent1"/>
+          </a:effectRef>
+          <a:fontRef idx="minor">
+            <a:schemeClr val="dk1"/>
+          </a:fontRef>
+        </p:style>
+        <p:txBody>
+          <a:bodyPr rtlCol="0" anchor="ctr"/>
+          <a:lstStyle/>
+          <a:p>
+            <a:pPr algn="ctr"/>
+            <a:endParaRPr lang="en-US"/>
+          </a:p>
+        </p:txBody>
+      </p:sp>
+      <p:sp>
+        <p:nvSpPr>
+          <p:cNvPr id="1037" name="Flowchart: Magnetic Disk 1036"/>
+          <p:cNvSpPr/>
+          <p:nvPr/>
+        </p:nvSpPr>
+        <p:spPr>
+          <a:xfrm>
+            <a:off x="850335" y="12147129"/>
+            <a:ext cx="1382895" cy="1111177"/>
+          </a:xfrm>
+          <a:prstGeom prst="flowChartMagneticDisk">
+            <a:avLst/>
+          </a:prstGeom>
+        </p:spPr>
+        <p:style>
+          <a:lnRef idx="1">
+            <a:schemeClr val="accent1"/>
+          </a:lnRef>
+          <a:fillRef idx="2">
+            <a:schemeClr val="accent1"/>
+          </a:fillRef>
+          <a:effectRef idx="1">
+            <a:schemeClr val="accent1"/>
+          </a:effectRef>
+          <a:fontRef idx="minor">
+            <a:schemeClr val="dk1"/>
+          </a:fontRef>
+        </p:style>
+        <p:txBody>
+          <a:bodyPr rtlCol="0" anchor="ctr"/>
+          <a:lstStyle/>
+          <a:p>
+            <a:pPr algn="ctr"/>
+            <a:r>
+              <a:rPr lang="en-US" sz="2000" dirty="0" smtClean="0"/>
+              <a:t>LMDB</a:t>
+            </a:r>
+            <a:endParaRPr lang="en-US" sz="3600" dirty="0"/>
+          </a:p>
+        </p:txBody>
+      </p:sp>
+      <p:sp>
+        <p:nvSpPr>
+          <p:cNvPr id="84" name="Right Arrow 83"/>
+          <p:cNvSpPr/>
+          <p:nvPr/>
+        </p:nvSpPr>
+        <p:spPr>
+          <a:xfrm>
+            <a:off x="5545344" y="10770662"/>
+            <a:ext cx="1410749" cy="334810"/>
+          </a:xfrm>
+          <a:prstGeom prst="rightArrow">
+            <a:avLst/>
+          </a:prstGeom>
+        </p:spPr>
+        <p:style>
+          <a:lnRef idx="1">
+            <a:schemeClr val="accent1"/>
+          </a:lnRef>
+          <a:fillRef idx="2">
+            <a:schemeClr val="accent1"/>
+          </a:fillRef>
+          <a:effectRef idx="1">
+            <a:schemeClr val="accent1"/>
+          </a:effectRef>
+          <a:fontRef idx="minor">
+            <a:schemeClr val="dk1"/>
+          </a:fontRef>
+        </p:style>
+        <p:txBody>
+          <a:bodyPr rtlCol="0" anchor="ctr"/>
+          <a:lstStyle/>
+          <a:p>
+            <a:pPr algn="ctr"/>
+            <a:endParaRPr lang="en-US"/>
+          </a:p>
+        </p:txBody>
+      </p:sp>
+      <p:sp>
+        <p:nvSpPr>
+          <p:cNvPr id="63" name="TextBox 62"/>
+          <p:cNvSpPr txBox="1"/>
+          <p:nvPr/>
+        </p:nvSpPr>
+        <p:spPr>
+          <a:xfrm>
+            <a:off x="2644792" y="10421123"/>
+            <a:ext cx="1037463" cy="400110"/>
+          </a:xfrm>
+          <a:prstGeom prst="rect">
+            <a:avLst/>
+          </a:prstGeom>
+          <a:noFill/>
+        </p:spPr>
+        <p:txBody>
+          <a:bodyPr wrap="none" rtlCol="0">
+            <a:spAutoFit/>
+          </a:bodyPr>
+          <a:lstStyle/>
+          <a:p>
+            <a:r>
+              <a:rPr lang="en-US" sz="2000" dirty="0" err="1" smtClean="0">
                 <a:ln w="0"/>
                 <a:effectLst>
                   <a:outerShdw blurRad="38100" dist="25400" dir="5400000" algn="ctr" rotWithShape="0">
@@ -13400,46 +13240,46 @@
                     </a:srgbClr>
                   </a:outerShdw>
                 </a:effectLst>
-              </a:endParaRPr>
-            </a:p>
-          </p:txBody>
-        </p:sp>
-        <p:sp>
-          <p:nvSpPr>
-            <p:cNvPr id="65" name="TextBox 64"/>
-            <p:cNvSpPr txBox="1"/>
-            <p:nvPr/>
-          </p:nvSpPr>
-          <p:spPr>
-            <a:xfrm>
-              <a:off x="5459523" y="17127646"/>
-              <a:ext cx="1401346" cy="307777"/>
-            </a:xfrm>
-            <a:prstGeom prst="rect">
-              <a:avLst/>
-            </a:prstGeom>
-            <a:noFill/>
-          </p:spPr>
-          <p:txBody>
-            <a:bodyPr wrap="none" rtlCol="0">
-              <a:spAutoFit/>
-            </a:bodyPr>
-            <a:lstStyle/>
-            <a:p>
-              <a:r>
-                <a:rPr lang="en-US" altLang="zh-CN" sz="1400" dirty="0" err="1" smtClean="0">
-                  <a:ln w="0"/>
-                  <a:effectLst>
-                    <a:outerShdw blurRad="38100" dist="25400" dir="5400000" algn="ctr" rotWithShape="0">
-                      <a:srgbClr val="6E747A">
-                        <a:alpha val="43000"/>
-                      </a:srgbClr>
-                    </a:outerShdw>
-                  </a:effectLst>
-                </a:rPr>
-                <a:t>imagemagick</a:t>
-              </a:r>
-              <a:endParaRPr lang="en-US" sz="1400" dirty="0">
+              </a:rPr>
+              <a:t>Nodejs</a:t>
+            </a:r>
+            <a:endParaRPr lang="en-US" sz="2000" dirty="0">
+              <a:ln w="0"/>
+              <a:effectLst>
+                <a:outerShdw blurRad="38100" dist="25400" dir="5400000" algn="ctr" rotWithShape="0">
+                  <a:srgbClr val="6E747A">
+                    <a:alpha val="43000"/>
+                  </a:srgbClr>
+                </a:outerShdw>
+              </a:effectLst>
+            </a:endParaRPr>
+          </a:p>
+        </p:txBody>
+      </p:sp>
+      <p:sp>
+        <p:nvSpPr>
+          <p:cNvPr id="65" name="TextBox 64"/>
+          <p:cNvSpPr txBox="1"/>
+          <p:nvPr/>
+        </p:nvSpPr>
+        <p:spPr>
+          <a:xfrm>
+            <a:off x="5526893" y="10467290"/>
+            <a:ext cx="1401346" cy="307777"/>
+          </a:xfrm>
+          <a:prstGeom prst="rect">
+            <a:avLst/>
+          </a:prstGeom>
+          <a:noFill/>
+        </p:spPr>
+        <p:txBody>
+          <a:bodyPr wrap="none" rtlCol="0">
+            <a:spAutoFit/>
+          </a:bodyPr>
+          <a:lstStyle/>
+          <a:p>
+            <a:r>
+              <a:rPr lang="en-US" altLang="zh-CN" sz="1400" dirty="0" err="1" smtClean="0">
                 <a:ln w="0"/>
                 <a:effectLst>
                   <a:outerShdw blurRad="38100" dist="25400" dir="5400000" algn="ctr" rotWithShape="0">
@@ -13448,61 +13288,46 @@
                     </a:srgbClr>
                   </a:outerShdw>
                 </a:effectLst>
-              </a:endParaRPr>
-            </a:p>
-          </p:txBody>
-        </p:sp>
-        <p:sp>
-          <p:nvSpPr>
-            <p:cNvPr id="133" name="TextBox 132"/>
-            <p:cNvSpPr txBox="1"/>
-            <p:nvPr/>
-          </p:nvSpPr>
-          <p:spPr>
-            <a:xfrm>
-              <a:off x="2636886" y="18653086"/>
-              <a:ext cx="1085554" cy="523220"/>
-            </a:xfrm>
-            <a:prstGeom prst="rect">
-              <a:avLst/>
-            </a:prstGeom>
-            <a:noFill/>
-          </p:spPr>
-          <p:txBody>
-            <a:bodyPr wrap="none" rtlCol="0">
-              <a:spAutoFit/>
-            </a:bodyPr>
-            <a:lstStyle/>
-            <a:p>
-              <a:r>
-                <a:rPr lang="en-US" altLang="zh-CN" sz="1400" dirty="0" smtClean="0">
-                  <a:ln w="0"/>
-                  <a:effectLst>
-                    <a:outerShdw blurRad="38100" dist="25400" dir="5400000" algn="ctr" rotWithShape="0">
-                      <a:srgbClr val="6E747A">
-                        <a:alpha val="43000"/>
-                      </a:srgbClr>
-                    </a:outerShdw>
-                  </a:effectLst>
-                </a:rPr>
-                <a:t>convert</a:t>
-              </a:r>
-            </a:p>
-            <a:p>
-              <a:r>
-                <a:rPr lang="en-US" altLang="zh-CN" sz="1400" dirty="0" err="1" smtClean="0">
-                  <a:ln w="0"/>
-                  <a:effectLst>
-                    <a:outerShdw blurRad="38100" dist="25400" dir="5400000" algn="ctr" rotWithShape="0">
-                      <a:srgbClr val="6E747A">
-                        <a:alpha val="43000"/>
-                      </a:srgbClr>
-                    </a:outerShdw>
-                  </a:effectLst>
-                </a:rPr>
-                <a:t>image_set</a:t>
-              </a:r>
-              <a:endParaRPr lang="en-US" sz="1400" dirty="0">
+              </a:rPr>
+              <a:t>imagemagick</a:t>
+            </a:r>
+            <a:endParaRPr lang="en-US" sz="1400" dirty="0">
+              <a:ln w="0"/>
+              <a:effectLst>
+                <a:outerShdw blurRad="38100" dist="25400" dir="5400000" algn="ctr" rotWithShape="0">
+                  <a:srgbClr val="6E747A">
+                    <a:alpha val="43000"/>
+                  </a:srgbClr>
+                </a:outerShdw>
+              </a:effectLst>
+            </a:endParaRPr>
+          </a:p>
+        </p:txBody>
+      </p:sp>
+      <p:sp>
+        <p:nvSpPr>
+          <p:cNvPr id="133" name="TextBox 132"/>
+          <p:cNvSpPr txBox="1"/>
+          <p:nvPr/>
+        </p:nvSpPr>
+        <p:spPr>
+          <a:xfrm>
+            <a:off x="2704256" y="11992730"/>
+            <a:ext cx="1085554" cy="523220"/>
+          </a:xfrm>
+          <a:prstGeom prst="rect">
+            <a:avLst/>
+          </a:prstGeom>
+          <a:noFill/>
+        </p:spPr>
+        <p:txBody>
+          <a:bodyPr wrap="none" rtlCol="0">
+            <a:spAutoFit/>
+          </a:bodyPr>
+          <a:lstStyle/>
+          <a:p>
+            <a:r>
+              <a:rPr lang="en-US" altLang="zh-CN" sz="1400" dirty="0" smtClean="0">
                 <a:ln w="0"/>
                 <a:effectLst>
                   <a:outerShdw blurRad="38100" dist="25400" dir="5400000" algn="ctr" rotWithShape="0">
@@ -13511,508 +13336,418 @@
                     </a:srgbClr>
                   </a:outerShdw>
                 </a:effectLst>
-              </a:endParaRPr>
-            </a:p>
-          </p:txBody>
-        </p:sp>
-        <p:sp>
-          <p:nvSpPr>
-            <p:cNvPr id="107" name="Flowchart: Magnetic Disk 106"/>
-            <p:cNvSpPr/>
-            <p:nvPr/>
-          </p:nvSpPr>
-          <p:spPr>
-            <a:xfrm>
-              <a:off x="782965" y="17048110"/>
-              <a:ext cx="1378245" cy="1087911"/>
-            </a:xfrm>
-            <a:prstGeom prst="flowChartMagneticDisk">
-              <a:avLst/>
-            </a:prstGeom>
-          </p:spPr>
-          <p:style>
-            <a:lnRef idx="1">
-              <a:schemeClr val="accent1"/>
-            </a:lnRef>
-            <a:fillRef idx="2">
-              <a:schemeClr val="accent1"/>
-            </a:fillRef>
-            <a:effectRef idx="1">
-              <a:schemeClr val="accent1"/>
-            </a:effectRef>
-            <a:fontRef idx="minor">
-              <a:schemeClr val="dk1"/>
-            </a:fontRef>
-          </p:style>
-          <p:txBody>
-            <a:bodyPr rtlCol="0" anchor="ctr"/>
-            <a:lstStyle/>
-            <a:p>
-              <a:pPr algn="ctr"/>
-              <a:r>
-                <a:rPr lang="en-US" altLang="zh-CN" sz="1800" dirty="0" err="1" smtClean="0">
-                  <a:solidFill>
-                    <a:schemeClr val="tx1"/>
-                  </a:solidFill>
-                </a:rPr>
-                <a:t>CouchDB</a:t>
-              </a:r>
-              <a:endParaRPr lang="en-US" altLang="zh-CN" sz="1800" dirty="0">
+              </a:rPr>
+              <a:t>convert</a:t>
+            </a:r>
+          </a:p>
+          <a:p>
+            <a:r>
+              <a:rPr lang="en-US" altLang="zh-CN" sz="1400" dirty="0" err="1" smtClean="0">
+                <a:ln w="0"/>
+                <a:effectLst>
+                  <a:outerShdw blurRad="38100" dist="25400" dir="5400000" algn="ctr" rotWithShape="0">
+                    <a:srgbClr val="6E747A">
+                      <a:alpha val="43000"/>
+                    </a:srgbClr>
+                  </a:outerShdw>
+                </a:effectLst>
+              </a:rPr>
+              <a:t>image_set</a:t>
+            </a:r>
+            <a:endParaRPr lang="en-US" sz="1400" dirty="0">
+              <a:ln w="0"/>
+              <a:effectLst>
+                <a:outerShdw blurRad="38100" dist="25400" dir="5400000" algn="ctr" rotWithShape="0">
+                  <a:srgbClr val="6E747A">
+                    <a:alpha val="43000"/>
+                  </a:srgbClr>
+                </a:outerShdw>
+              </a:effectLst>
+            </a:endParaRPr>
+          </a:p>
+        </p:txBody>
+      </p:sp>
+      <p:sp>
+        <p:nvSpPr>
+          <p:cNvPr id="107" name="Flowchart: Magnetic Disk 106"/>
+          <p:cNvSpPr/>
+          <p:nvPr/>
+        </p:nvSpPr>
+        <p:spPr>
+          <a:xfrm>
+            <a:off x="850335" y="10387754"/>
+            <a:ext cx="1378245" cy="1087911"/>
+          </a:xfrm>
+          <a:prstGeom prst="flowChartMagneticDisk">
+            <a:avLst/>
+          </a:prstGeom>
+        </p:spPr>
+        <p:style>
+          <a:lnRef idx="1">
+            <a:schemeClr val="accent1"/>
+          </a:lnRef>
+          <a:fillRef idx="2">
+            <a:schemeClr val="accent1"/>
+          </a:fillRef>
+          <a:effectRef idx="1">
+            <a:schemeClr val="accent1"/>
+          </a:effectRef>
+          <a:fontRef idx="minor">
+            <a:schemeClr val="dk1"/>
+          </a:fontRef>
+        </p:style>
+        <p:txBody>
+          <a:bodyPr rtlCol="0" anchor="ctr"/>
+          <a:lstStyle/>
+          <a:p>
+            <a:pPr algn="ctr"/>
+            <a:r>
+              <a:rPr lang="en-US" altLang="zh-CN" sz="1800" dirty="0" err="1" smtClean="0">
                 <a:solidFill>
                   <a:schemeClr val="tx1"/>
                 </a:solidFill>
-              </a:endParaRPr>
-            </a:p>
-          </p:txBody>
-        </p:sp>
-        <p:sp>
-          <p:nvSpPr>
-            <p:cNvPr id="135" name="Right Arrow 134"/>
-            <p:cNvSpPr/>
-            <p:nvPr/>
-          </p:nvSpPr>
-          <p:spPr>
-            <a:xfrm rot="10800000">
-              <a:off x="2491097" y="19170027"/>
-              <a:ext cx="1356795" cy="318325"/>
-            </a:xfrm>
-            <a:prstGeom prst="rightArrow">
-              <a:avLst/>
-            </a:prstGeom>
-          </p:spPr>
-          <p:style>
-            <a:lnRef idx="1">
-              <a:schemeClr val="accent1"/>
-            </a:lnRef>
-            <a:fillRef idx="2">
-              <a:schemeClr val="accent1"/>
-            </a:fillRef>
-            <a:effectRef idx="1">
-              <a:schemeClr val="accent1"/>
-            </a:effectRef>
-            <a:fontRef idx="minor">
-              <a:schemeClr val="dk1"/>
-            </a:fontRef>
-          </p:style>
-          <p:txBody>
-            <a:bodyPr rtlCol="0" anchor="ctr"/>
-            <a:lstStyle/>
-            <a:p>
-              <a:pPr algn="ctr"/>
-              <a:endParaRPr lang="en-US" dirty="0"/>
-            </a:p>
-          </p:txBody>
-        </p:sp>
-        <p:sp>
-          <p:nvSpPr>
-            <p:cNvPr id="137" name="Right Arrow 136"/>
-            <p:cNvSpPr/>
-            <p:nvPr/>
-          </p:nvSpPr>
-          <p:spPr>
-            <a:xfrm rot="5400000">
-              <a:off x="7385311" y="18063123"/>
-              <a:ext cx="277508" cy="822140"/>
-            </a:xfrm>
-            <a:prstGeom prst="rightArrow">
-              <a:avLst/>
-            </a:prstGeom>
-          </p:spPr>
-          <p:style>
-            <a:lnRef idx="1">
-              <a:schemeClr val="accent1"/>
-            </a:lnRef>
-            <a:fillRef idx="2">
-              <a:schemeClr val="accent1"/>
-            </a:fillRef>
-            <a:effectRef idx="1">
-              <a:schemeClr val="accent1"/>
-            </a:effectRef>
-            <a:fontRef idx="minor">
-              <a:schemeClr val="dk1"/>
-            </a:fontRef>
-          </p:style>
-          <p:txBody>
-            <a:bodyPr rtlCol="0" anchor="ctr"/>
-            <a:lstStyle/>
-            <a:p>
-              <a:pPr algn="ctr"/>
-              <a:endParaRPr lang="en-US"/>
-            </a:p>
-          </p:txBody>
-        </p:sp>
-        <p:sp>
-          <p:nvSpPr>
-            <p:cNvPr id="108" name="TextBox 107"/>
-            <p:cNvSpPr txBox="1"/>
-            <p:nvPr/>
-          </p:nvSpPr>
-          <p:spPr>
-            <a:xfrm>
-              <a:off x="642134" y="20233121"/>
-              <a:ext cx="8018360" cy="1815882"/>
-            </a:xfrm>
-            <a:prstGeom prst="rect">
-              <a:avLst/>
-            </a:prstGeom>
-            <a:noFill/>
-          </p:spPr>
-          <p:txBody>
-            <a:bodyPr wrap="square" rtlCol="0">
-              <a:spAutoFit/>
-            </a:bodyPr>
-            <a:lstStyle/>
-            <a:p>
-              <a:pPr marL="342900" indent="-342900">
-                <a:buFont typeface="Arial" panose="020B0604020202020204" pitchFamily="34" charset="0"/>
-                <a:buChar char="•"/>
-              </a:pPr>
-              <a:r>
-                <a:rPr lang="en-US" sz="1600" dirty="0" smtClean="0"/>
-                <a:t>We use </a:t>
-              </a:r>
-              <a:r>
-                <a:rPr lang="en-US" sz="1600" dirty="0" err="1"/>
-                <a:t>N</a:t>
-              </a:r>
-              <a:r>
-                <a:rPr lang="en-US" sz="1600" dirty="0" err="1" smtClean="0"/>
-                <a:t>odejs</a:t>
-              </a:r>
-              <a:r>
-                <a:rPr lang="en-US" sz="1600" dirty="0" smtClean="0"/>
-                <a:t> to convert </a:t>
-              </a:r>
-              <a:r>
-                <a:rPr lang="en-US" sz="1600" dirty="0" err="1" smtClean="0"/>
-                <a:t>CouchDB</a:t>
-              </a:r>
-              <a:r>
-                <a:rPr lang="en-US" sz="1600" dirty="0" smtClean="0"/>
-                <a:t> data to SVG and make the stroke border.</a:t>
-              </a:r>
-            </a:p>
-            <a:p>
-              <a:pPr marL="342900" indent="-342900">
-                <a:buFont typeface="Arial" panose="020B0604020202020204" pitchFamily="34" charset="0"/>
-                <a:buChar char="•"/>
-              </a:pPr>
-              <a:r>
-                <a:rPr lang="en-US" sz="1600" dirty="0" smtClean="0"/>
-                <a:t>We use </a:t>
-              </a:r>
-              <a:r>
-                <a:rPr lang="en-US" sz="1600" dirty="0" err="1" smtClean="0"/>
-                <a:t>imagemagick</a:t>
-              </a:r>
-              <a:r>
-                <a:rPr lang="en-US" sz="1600" dirty="0" smtClean="0"/>
-                <a:t> to negate, resize the image and convert it to </a:t>
-              </a:r>
-              <a:r>
-                <a:rPr lang="en-US" sz="1600" dirty="0" err="1" smtClean="0"/>
-                <a:t>png</a:t>
-              </a:r>
-              <a:endParaRPr lang="en-US" sz="1600" dirty="0" smtClean="0"/>
-            </a:p>
-            <a:p>
-              <a:pPr marL="342900" indent="-342900">
-                <a:buFont typeface="Arial" panose="020B0604020202020204" pitchFamily="34" charset="0"/>
-                <a:buChar char="•"/>
-              </a:pPr>
-              <a:r>
-                <a:rPr lang="en-US" sz="1600" dirty="0" smtClean="0"/>
-                <a:t>We use python to crop the image and add our image.</a:t>
-              </a:r>
-            </a:p>
-            <a:p>
-              <a:pPr marL="342900" indent="-342900">
-                <a:buFont typeface="Arial" panose="020B0604020202020204" pitchFamily="34" charset="0"/>
-                <a:buChar char="•"/>
-              </a:pPr>
-              <a:r>
-                <a:rPr lang="en-US" sz="1600" dirty="0" smtClean="0"/>
-                <a:t>We balance the training and testing data set by resampling</a:t>
-              </a:r>
-            </a:p>
-            <a:p>
-              <a:pPr marL="342900" indent="-342900">
-                <a:buFont typeface="Arial" panose="020B0604020202020204" pitchFamily="34" charset="0"/>
-                <a:buChar char="•"/>
-              </a:pPr>
-              <a:r>
-                <a:rPr lang="en-US" sz="1600" dirty="0" smtClean="0"/>
-                <a:t>The last step is to use </a:t>
-              </a:r>
-              <a:r>
-                <a:rPr lang="en-US" sz="1600" dirty="0" err="1"/>
-                <a:t>C</a:t>
-              </a:r>
-              <a:r>
-                <a:rPr lang="en-US" sz="1600" dirty="0" err="1" smtClean="0"/>
-                <a:t>affe</a:t>
-              </a:r>
-              <a:r>
-                <a:rPr lang="en-US" sz="1600" dirty="0" smtClean="0"/>
-                <a:t> tool: </a:t>
-              </a:r>
-              <a:r>
-                <a:rPr lang="en-US" sz="1600" dirty="0" err="1" smtClean="0"/>
-                <a:t>conver_image_set</a:t>
-              </a:r>
-              <a:r>
-                <a:rPr lang="en-US" sz="1600" dirty="0" smtClean="0"/>
-                <a:t>,  to convert the image to </a:t>
-              </a:r>
-              <a:r>
-                <a:rPr lang="en-US" sz="1600" dirty="0" err="1" smtClean="0"/>
-                <a:t>lmdb</a:t>
-              </a:r>
-              <a:endParaRPr lang="en-US" sz="1600" dirty="0"/>
-            </a:p>
-          </p:txBody>
-        </p:sp>
-        <p:sp>
-          <p:nvSpPr>
-            <p:cNvPr id="145" name="Rectangle 144"/>
-            <p:cNvSpPr/>
-            <p:nvPr/>
-          </p:nvSpPr>
-          <p:spPr>
-            <a:xfrm>
-              <a:off x="6956927" y="18717954"/>
-              <a:ext cx="1132943" cy="1132943"/>
-            </a:xfrm>
-            <a:prstGeom prst="rect">
-              <a:avLst/>
-            </a:prstGeom>
-          </p:spPr>
-          <p:style>
-            <a:lnRef idx="1">
-              <a:schemeClr val="accent1"/>
-            </a:lnRef>
-            <a:fillRef idx="2">
-              <a:schemeClr val="accent1"/>
-            </a:fillRef>
-            <a:effectRef idx="1">
-              <a:schemeClr val="accent1"/>
-            </a:effectRef>
-            <a:fontRef idx="minor">
-              <a:schemeClr val="dk1"/>
-            </a:fontRef>
-          </p:style>
-          <p:txBody>
-            <a:bodyPr rtlCol="0" anchor="ctr"/>
-            <a:lstStyle/>
-            <a:p>
-              <a:pPr algn="ctr"/>
-              <a:r>
-                <a:rPr lang="en-US" altLang="zh-CN" sz="1800" dirty="0" smtClean="0"/>
-                <a:t>PNG</a:t>
-              </a:r>
-              <a:endParaRPr lang="en-US" sz="2800" dirty="0"/>
-            </a:p>
-          </p:txBody>
-        </p:sp>
-        <p:sp>
-          <p:nvSpPr>
-            <p:cNvPr id="146" name="Right Arrow 145"/>
-            <p:cNvSpPr/>
-            <p:nvPr/>
-          </p:nvSpPr>
-          <p:spPr>
-            <a:xfrm rot="10800000">
-              <a:off x="5408840" y="19170027"/>
-              <a:ext cx="1356795" cy="318325"/>
-            </a:xfrm>
-            <a:prstGeom prst="rightArrow">
-              <a:avLst/>
-            </a:prstGeom>
-          </p:spPr>
-          <p:style>
-            <a:lnRef idx="1">
-              <a:schemeClr val="accent1"/>
-            </a:lnRef>
-            <a:fillRef idx="2">
-              <a:schemeClr val="accent1"/>
-            </a:fillRef>
-            <a:effectRef idx="1">
-              <a:schemeClr val="accent1"/>
-            </a:effectRef>
-            <a:fontRef idx="minor">
-              <a:schemeClr val="dk1"/>
-            </a:fontRef>
-          </p:style>
-          <p:txBody>
-            <a:bodyPr rtlCol="0" anchor="ctr"/>
-            <a:lstStyle/>
-            <a:p>
-              <a:pPr algn="ctr"/>
-              <a:endParaRPr lang="en-US" dirty="0"/>
-            </a:p>
-          </p:txBody>
-        </p:sp>
-        <p:sp>
-          <p:nvSpPr>
-            <p:cNvPr id="147" name="TextBox 146"/>
-            <p:cNvSpPr txBox="1"/>
-            <p:nvPr/>
-          </p:nvSpPr>
-          <p:spPr>
-            <a:xfrm>
-              <a:off x="5400347" y="18883918"/>
-              <a:ext cx="1486304" cy="292388"/>
-            </a:xfrm>
-            <a:prstGeom prst="rect">
-              <a:avLst/>
-            </a:prstGeom>
-            <a:noFill/>
-          </p:spPr>
-          <p:txBody>
-            <a:bodyPr wrap="none" rtlCol="0">
-              <a:spAutoFit/>
-            </a:bodyPr>
-            <a:lstStyle/>
-            <a:p>
-              <a:r>
-                <a:rPr lang="en-US" sz="1300" dirty="0" smtClean="0">
-                  <a:ln w="0"/>
-                  <a:effectLst>
-                    <a:outerShdw blurRad="38100" dist="25400" dir="5400000" algn="ctr" rotWithShape="0">
-                      <a:srgbClr val="6E747A">
-                        <a:alpha val="43000"/>
-                      </a:srgbClr>
-                    </a:outerShdw>
-                  </a:effectLst>
-                </a:rPr>
-                <a:t>crop &amp; padding</a:t>
-              </a:r>
-            </a:p>
-          </p:txBody>
-        </p:sp>
-        <p:sp>
-          <p:nvSpPr>
-            <p:cNvPr id="96" name="Rectangle 95"/>
-            <p:cNvSpPr/>
-            <p:nvPr/>
-          </p:nvSpPr>
-          <p:spPr>
-            <a:xfrm>
-              <a:off x="661962" y="23529315"/>
-              <a:ext cx="3862338" cy="766145"/>
-            </a:xfrm>
-            <a:prstGeom prst="rect">
-              <a:avLst/>
-            </a:prstGeom>
-          </p:spPr>
-          <p:style>
-            <a:lnRef idx="1">
-              <a:schemeClr val="accent1"/>
-            </a:lnRef>
-            <a:fillRef idx="2">
-              <a:schemeClr val="accent1"/>
-            </a:fillRef>
-            <a:effectRef idx="1">
-              <a:schemeClr val="accent1"/>
-            </a:effectRef>
-            <a:fontRef idx="minor">
-              <a:schemeClr val="dk1"/>
-            </a:fontRef>
-          </p:style>
-          <p:txBody>
-            <a:bodyPr rtlCol="0" anchor="ctr"/>
-            <a:lstStyle/>
-            <a:p>
-              <a:pPr algn="ctr"/>
-              <a:r>
-                <a:rPr lang="en-US" altLang="zh-CN" sz="1800" dirty="0" smtClean="0"/>
-                <a:t>PNG</a:t>
-              </a:r>
-              <a:endParaRPr lang="en-US" sz="2800" dirty="0"/>
-            </a:p>
-          </p:txBody>
-        </p:sp>
-        <p:sp>
-          <p:nvSpPr>
-            <p:cNvPr id="98" name="Rectangle 97"/>
-            <p:cNvSpPr/>
-            <p:nvPr/>
-          </p:nvSpPr>
-          <p:spPr>
-            <a:xfrm>
-              <a:off x="661962" y="24660554"/>
-              <a:ext cx="3862338" cy="688286"/>
-            </a:xfrm>
-            <a:prstGeom prst="rect">
-              <a:avLst/>
-            </a:prstGeom>
-          </p:spPr>
-          <p:style>
-            <a:lnRef idx="1">
-              <a:schemeClr val="accent1"/>
-            </a:lnRef>
-            <a:fillRef idx="2">
-              <a:schemeClr val="accent1"/>
-            </a:fillRef>
-            <a:effectRef idx="1">
-              <a:schemeClr val="accent1"/>
-            </a:effectRef>
-            <a:fontRef idx="minor">
-              <a:schemeClr val="dk1"/>
-            </a:fontRef>
-          </p:style>
-          <p:txBody>
-            <a:bodyPr rtlCol="0" anchor="ctr"/>
-            <a:lstStyle/>
-            <a:p>
-              <a:pPr algn="ctr"/>
-              <a:r>
-                <a:rPr lang="en-US" altLang="zh-CN" sz="1800" dirty="0" smtClean="0"/>
-                <a:t>PNG</a:t>
-              </a:r>
-              <a:endParaRPr lang="en-US" sz="2800" dirty="0"/>
-            </a:p>
-          </p:txBody>
-        </p:sp>
-        <p:sp>
-          <p:nvSpPr>
-            <p:cNvPr id="99" name="Right Arrow 98"/>
-            <p:cNvSpPr/>
-            <p:nvPr/>
-          </p:nvSpPr>
-          <p:spPr>
-            <a:xfrm rot="10800000" flipH="1">
-              <a:off x="5062874" y="23866407"/>
-              <a:ext cx="866098" cy="318325"/>
-            </a:xfrm>
-            <a:prstGeom prst="rightArrow">
-              <a:avLst/>
-            </a:prstGeom>
-          </p:spPr>
-          <p:style>
-            <a:lnRef idx="1">
-              <a:schemeClr val="accent1"/>
-            </a:lnRef>
-            <a:fillRef idx="2">
-              <a:schemeClr val="accent1"/>
-            </a:fillRef>
-            <a:effectRef idx="1">
-              <a:schemeClr val="accent1"/>
-            </a:effectRef>
-            <a:fontRef idx="minor">
-              <a:schemeClr val="dk1"/>
-            </a:fontRef>
-          </p:style>
-          <p:txBody>
-            <a:bodyPr rtlCol="0" anchor="ctr"/>
-            <a:lstStyle/>
-            <a:p>
-              <a:pPr algn="ctr"/>
-              <a:endParaRPr lang="en-US" dirty="0"/>
-            </a:p>
-          </p:txBody>
-        </p:sp>
-      </p:grpSp>
+              </a:rPr>
+              <a:t>CouchDB</a:t>
+            </a:r>
+            <a:endParaRPr lang="en-US" altLang="zh-CN" sz="1800" dirty="0">
+              <a:solidFill>
+                <a:schemeClr val="tx1"/>
+              </a:solidFill>
+            </a:endParaRPr>
+          </a:p>
+        </p:txBody>
+      </p:sp>
+      <p:sp>
+        <p:nvSpPr>
+          <p:cNvPr id="135" name="Right Arrow 134"/>
+          <p:cNvSpPr/>
+          <p:nvPr/>
+        </p:nvSpPr>
+        <p:spPr>
+          <a:xfrm rot="10800000">
+            <a:off x="2558467" y="12509671"/>
+            <a:ext cx="1356795" cy="318325"/>
+          </a:xfrm>
+          <a:prstGeom prst="rightArrow">
+            <a:avLst/>
+          </a:prstGeom>
+        </p:spPr>
+        <p:style>
+          <a:lnRef idx="1">
+            <a:schemeClr val="accent1"/>
+          </a:lnRef>
+          <a:fillRef idx="2">
+            <a:schemeClr val="accent1"/>
+          </a:fillRef>
+          <a:effectRef idx="1">
+            <a:schemeClr val="accent1"/>
+          </a:effectRef>
+          <a:fontRef idx="minor">
+            <a:schemeClr val="dk1"/>
+          </a:fontRef>
+        </p:style>
+        <p:txBody>
+          <a:bodyPr rtlCol="0" anchor="ctr"/>
+          <a:lstStyle/>
+          <a:p>
+            <a:pPr algn="ctr"/>
+            <a:endParaRPr lang="en-US" dirty="0"/>
+          </a:p>
+        </p:txBody>
+      </p:sp>
+      <p:sp>
+        <p:nvSpPr>
+          <p:cNvPr id="137" name="Right Arrow 136"/>
+          <p:cNvSpPr/>
+          <p:nvPr/>
+        </p:nvSpPr>
+        <p:spPr>
+          <a:xfrm rot="5400000">
+            <a:off x="7385056" y="11619728"/>
+            <a:ext cx="571666" cy="548809"/>
+          </a:xfrm>
+          <a:prstGeom prst="rightArrow">
+            <a:avLst/>
+          </a:prstGeom>
+        </p:spPr>
+        <p:style>
+          <a:lnRef idx="1">
+            <a:schemeClr val="accent1"/>
+          </a:lnRef>
+          <a:fillRef idx="2">
+            <a:schemeClr val="accent1"/>
+          </a:fillRef>
+          <a:effectRef idx="1">
+            <a:schemeClr val="accent1"/>
+          </a:effectRef>
+          <a:fontRef idx="minor">
+            <a:schemeClr val="dk1"/>
+          </a:fontRef>
+        </p:style>
+        <p:txBody>
+          <a:bodyPr rtlCol="0" anchor="ctr"/>
+          <a:lstStyle/>
+          <a:p>
+            <a:pPr algn="ctr"/>
+            <a:endParaRPr lang="en-US"/>
+          </a:p>
+        </p:txBody>
+      </p:sp>
+      <p:sp>
+        <p:nvSpPr>
+          <p:cNvPr id="108" name="TextBox 107"/>
+          <p:cNvSpPr txBox="1"/>
+          <p:nvPr/>
+        </p:nvSpPr>
+        <p:spPr>
+          <a:xfrm>
+            <a:off x="709504" y="13572765"/>
+            <a:ext cx="8018360" cy="1815882"/>
+          </a:xfrm>
+          <a:prstGeom prst="rect">
+            <a:avLst/>
+          </a:prstGeom>
+          <a:noFill/>
+        </p:spPr>
+        <p:txBody>
+          <a:bodyPr wrap="square" rtlCol="0">
+            <a:spAutoFit/>
+          </a:bodyPr>
+          <a:lstStyle/>
+          <a:p>
+            <a:pPr marL="342900" indent="-342900">
+              <a:buFont typeface="Arial" panose="020B0604020202020204" pitchFamily="34" charset="0"/>
+              <a:buChar char="•"/>
+            </a:pPr>
+            <a:r>
+              <a:rPr lang="en-US" sz="1600" dirty="0" smtClean="0"/>
+              <a:t>We use </a:t>
+            </a:r>
+            <a:r>
+              <a:rPr lang="en-US" sz="1600" dirty="0" err="1"/>
+              <a:t>N</a:t>
+            </a:r>
+            <a:r>
+              <a:rPr lang="en-US" sz="1600" dirty="0" err="1" smtClean="0"/>
+              <a:t>odejs</a:t>
+            </a:r>
+            <a:r>
+              <a:rPr lang="en-US" sz="1600" dirty="0" smtClean="0"/>
+              <a:t> to convert </a:t>
+            </a:r>
+            <a:r>
+              <a:rPr lang="en-US" sz="1600" dirty="0" err="1" smtClean="0"/>
+              <a:t>CouchDB</a:t>
+            </a:r>
+            <a:r>
+              <a:rPr lang="en-US" sz="1600" dirty="0" smtClean="0"/>
+              <a:t> data to SVG and make the stroke border.</a:t>
+            </a:r>
+          </a:p>
+          <a:p>
+            <a:pPr marL="342900" indent="-342900">
+              <a:buFont typeface="Arial" panose="020B0604020202020204" pitchFamily="34" charset="0"/>
+              <a:buChar char="•"/>
+            </a:pPr>
+            <a:r>
+              <a:rPr lang="en-US" sz="1600" dirty="0" smtClean="0"/>
+              <a:t>We use </a:t>
+            </a:r>
+            <a:r>
+              <a:rPr lang="en-US" sz="1600" dirty="0" err="1" smtClean="0"/>
+              <a:t>imagemagick</a:t>
+            </a:r>
+            <a:r>
+              <a:rPr lang="en-US" sz="1600" dirty="0" smtClean="0"/>
+              <a:t> to negate, resize the image and convert it to </a:t>
+            </a:r>
+            <a:r>
+              <a:rPr lang="en-US" sz="1600" dirty="0" err="1" smtClean="0"/>
+              <a:t>png</a:t>
+            </a:r>
+            <a:endParaRPr lang="en-US" sz="1600" dirty="0" smtClean="0"/>
+          </a:p>
+          <a:p>
+            <a:pPr marL="342900" indent="-342900">
+              <a:buFont typeface="Arial" panose="020B0604020202020204" pitchFamily="34" charset="0"/>
+              <a:buChar char="•"/>
+            </a:pPr>
+            <a:r>
+              <a:rPr lang="en-US" sz="1600" dirty="0" smtClean="0"/>
+              <a:t>We use python to crop the image and add our image.</a:t>
+            </a:r>
+          </a:p>
+          <a:p>
+            <a:pPr marL="342900" indent="-342900">
+              <a:buFont typeface="Arial" panose="020B0604020202020204" pitchFamily="34" charset="0"/>
+              <a:buChar char="•"/>
+            </a:pPr>
+            <a:r>
+              <a:rPr lang="en-US" sz="1600" dirty="0" smtClean="0"/>
+              <a:t>We balance the training and testing data set by resampling</a:t>
+            </a:r>
+          </a:p>
+          <a:p>
+            <a:pPr marL="342900" indent="-342900">
+              <a:buFont typeface="Arial" panose="020B0604020202020204" pitchFamily="34" charset="0"/>
+              <a:buChar char="•"/>
+            </a:pPr>
+            <a:r>
+              <a:rPr lang="en-US" sz="1600" dirty="0" smtClean="0"/>
+              <a:t>The last step is to use </a:t>
+            </a:r>
+            <a:r>
+              <a:rPr lang="en-US" sz="1600" dirty="0" err="1"/>
+              <a:t>C</a:t>
+            </a:r>
+            <a:r>
+              <a:rPr lang="en-US" sz="1600" dirty="0" err="1" smtClean="0"/>
+              <a:t>affe</a:t>
+            </a:r>
+            <a:r>
+              <a:rPr lang="en-US" sz="1600" dirty="0" smtClean="0"/>
+              <a:t> tool: </a:t>
+            </a:r>
+            <a:r>
+              <a:rPr lang="en-US" sz="1600" dirty="0" err="1" smtClean="0"/>
+              <a:t>conver_image_set</a:t>
+            </a:r>
+            <a:r>
+              <a:rPr lang="en-US" sz="1600" dirty="0" smtClean="0"/>
+              <a:t>,  to convert the image to </a:t>
+            </a:r>
+            <a:r>
+              <a:rPr lang="en-US" sz="1600" dirty="0" err="1" smtClean="0"/>
+              <a:t>lmdb</a:t>
+            </a:r>
+            <a:endParaRPr lang="en-US" sz="1600" dirty="0"/>
+          </a:p>
+        </p:txBody>
+      </p:sp>
+      <p:sp>
+        <p:nvSpPr>
+          <p:cNvPr id="146" name="Right Arrow 145"/>
+          <p:cNvSpPr/>
+          <p:nvPr/>
+        </p:nvSpPr>
+        <p:spPr>
+          <a:xfrm rot="10800000">
+            <a:off x="5476210" y="12509671"/>
+            <a:ext cx="1356795" cy="318325"/>
+          </a:xfrm>
+          <a:prstGeom prst="rightArrow">
+            <a:avLst/>
+          </a:prstGeom>
+        </p:spPr>
+        <p:style>
+          <a:lnRef idx="1">
+            <a:schemeClr val="accent1"/>
+          </a:lnRef>
+          <a:fillRef idx="2">
+            <a:schemeClr val="accent1"/>
+          </a:fillRef>
+          <a:effectRef idx="1">
+            <a:schemeClr val="accent1"/>
+          </a:effectRef>
+          <a:fontRef idx="minor">
+            <a:schemeClr val="dk1"/>
+          </a:fontRef>
+        </p:style>
+        <p:txBody>
+          <a:bodyPr rtlCol="0" anchor="ctr"/>
+          <a:lstStyle/>
+          <a:p>
+            <a:pPr algn="ctr"/>
+            <a:endParaRPr lang="en-US" dirty="0"/>
+          </a:p>
+        </p:txBody>
+      </p:sp>
+      <p:sp>
+        <p:nvSpPr>
+          <p:cNvPr id="147" name="TextBox 146"/>
+          <p:cNvSpPr txBox="1"/>
+          <p:nvPr/>
+        </p:nvSpPr>
+        <p:spPr>
+          <a:xfrm>
+            <a:off x="5740807" y="12208639"/>
+            <a:ext cx="886781" cy="292388"/>
+          </a:xfrm>
+          <a:prstGeom prst="rect">
+            <a:avLst/>
+          </a:prstGeom>
+          <a:noFill/>
+        </p:spPr>
+        <p:txBody>
+          <a:bodyPr wrap="none" rtlCol="0">
+            <a:spAutoFit/>
+          </a:bodyPr>
+          <a:lstStyle/>
+          <a:p>
+            <a:r>
+              <a:rPr lang="en-US" sz="1300" dirty="0" smtClean="0">
+                <a:ln w="0"/>
+                <a:effectLst>
+                  <a:outerShdw blurRad="38100" dist="25400" dir="5400000" algn="ctr" rotWithShape="0">
+                    <a:srgbClr val="6E747A">
+                      <a:alpha val="43000"/>
+                    </a:srgbClr>
+                  </a:outerShdw>
+                </a:effectLst>
+              </a:rPr>
+              <a:t>padding</a:t>
+            </a:r>
+            <a:endParaRPr lang="en-US" sz="1300" dirty="0" smtClean="0">
+              <a:ln w="0"/>
+              <a:effectLst>
+                <a:outerShdw blurRad="38100" dist="25400" dir="5400000" algn="ctr" rotWithShape="0">
+                  <a:srgbClr val="6E747A">
+                    <a:alpha val="43000"/>
+                  </a:srgbClr>
+                </a:outerShdw>
+              </a:effectLst>
+            </a:endParaRPr>
+          </a:p>
+        </p:txBody>
+      </p:sp>
+      <p:sp>
+        <p:nvSpPr>
+          <p:cNvPr id="99" name="Right Arrow 98"/>
+          <p:cNvSpPr/>
+          <p:nvPr/>
+        </p:nvSpPr>
+        <p:spPr>
+          <a:xfrm rot="10800000" flipH="1">
+            <a:off x="3249206" y="17524376"/>
+            <a:ext cx="866098" cy="318325"/>
+          </a:xfrm>
+          <a:prstGeom prst="rightArrow">
+            <a:avLst/>
+          </a:prstGeom>
+        </p:spPr>
+        <p:style>
+          <a:lnRef idx="1">
+            <a:schemeClr val="accent1"/>
+          </a:lnRef>
+          <a:fillRef idx="2">
+            <a:schemeClr val="accent1"/>
+          </a:fillRef>
+          <a:effectRef idx="1">
+            <a:schemeClr val="accent1"/>
+          </a:effectRef>
+          <a:fontRef idx="minor">
+            <a:schemeClr val="dk1"/>
+          </a:fontRef>
+        </p:style>
+        <p:txBody>
+          <a:bodyPr rtlCol="0" anchor="ctr"/>
+          <a:lstStyle/>
+          <a:p>
+            <a:pPr algn="ctr"/>
+            <a:endParaRPr lang="en-US" dirty="0"/>
+          </a:p>
+        </p:txBody>
+      </p:sp>
       <p:grpSp>
         <p:nvGrpSpPr>
           <p:cNvPr id="42" name="Group 41"/>
@@ -15656,6 +15391,456 @@
           </a:p>
         </p:txBody>
       </p:sp>
+      <p:pic>
+        <p:nvPicPr>
+          <p:cNvPr id="14" name="Picture 13"/>
+          <p:cNvPicPr>
+            <a:picLocks noChangeAspect="1"/>
+          </p:cNvPicPr>
+          <p:nvPr/>
+        </p:nvPicPr>
+        <p:blipFill>
+          <a:blip r:embed="rId35">
+            <a:extLst>
+              <a:ext uri="{28A0092B-C50C-407E-A947-70E740481C1C}">
+                <a14:useLocalDpi xmlns:a14="http://schemas.microsoft.com/office/drawing/2010/main" val="0"/>
+              </a:ext>
+            </a:extLst>
+          </a:blip>
+          <a:stretch>
+            <a:fillRect/>
+          </a:stretch>
+        </p:blipFill>
+        <p:spPr>
+          <a:xfrm>
+            <a:off x="914513" y="16808114"/>
+            <a:ext cx="1930570" cy="1930570"/>
+          </a:xfrm>
+          <a:prstGeom prst="rect">
+            <a:avLst/>
+          </a:prstGeom>
+        </p:spPr>
+      </p:pic>
+      <p:pic>
+        <p:nvPicPr>
+          <p:cNvPr id="16" name="Picture 15"/>
+          <p:cNvPicPr>
+            <a:picLocks noChangeAspect="1"/>
+          </p:cNvPicPr>
+          <p:nvPr/>
+        </p:nvPicPr>
+        <p:blipFill>
+          <a:blip r:embed="rId36">
+            <a:extLst>
+              <a:ext uri="{28A0092B-C50C-407E-A947-70E740481C1C}">
+                <a14:useLocalDpi xmlns:a14="http://schemas.microsoft.com/office/drawing/2010/main" val="0"/>
+              </a:ext>
+            </a:extLst>
+          </a:blip>
+          <a:stretch>
+            <a:fillRect/>
+          </a:stretch>
+        </p:blipFill>
+        <p:spPr>
+          <a:xfrm>
+            <a:off x="4458844" y="17068223"/>
+            <a:ext cx="581025" cy="666750"/>
+          </a:xfrm>
+          <a:prstGeom prst="rect">
+            <a:avLst/>
+          </a:prstGeom>
+        </p:spPr>
+      </p:pic>
+      <p:pic>
+        <p:nvPicPr>
+          <p:cNvPr id="19" name="Picture 18"/>
+          <p:cNvPicPr>
+            <a:picLocks noChangeAspect="1"/>
+          </p:cNvPicPr>
+          <p:nvPr/>
+        </p:nvPicPr>
+        <p:blipFill>
+          <a:blip r:embed="rId37">
+            <a:extLst>
+              <a:ext uri="{28A0092B-C50C-407E-A947-70E740481C1C}">
+                <a14:useLocalDpi xmlns:a14="http://schemas.microsoft.com/office/drawing/2010/main" val="0"/>
+              </a:ext>
+            </a:extLst>
+          </a:blip>
+          <a:stretch>
+            <a:fillRect/>
+          </a:stretch>
+        </p:blipFill>
+        <p:spPr>
+          <a:xfrm>
+            <a:off x="5784746" y="16990948"/>
+            <a:ext cx="828675" cy="800100"/>
+          </a:xfrm>
+          <a:prstGeom prst="rect">
+            <a:avLst/>
+          </a:prstGeom>
+        </p:spPr>
+      </p:pic>
+      <p:pic>
+        <p:nvPicPr>
+          <p:cNvPr id="32" name="Picture 31"/>
+          <p:cNvPicPr>
+            <a:picLocks noChangeAspect="1"/>
+          </p:cNvPicPr>
+          <p:nvPr/>
+        </p:nvPicPr>
+        <p:blipFill>
+          <a:blip r:embed="rId38">
+            <a:extLst>
+              <a:ext uri="{28A0092B-C50C-407E-A947-70E740481C1C}">
+                <a14:useLocalDpi xmlns:a14="http://schemas.microsoft.com/office/drawing/2010/main" val="0"/>
+              </a:ext>
+            </a:extLst>
+          </a:blip>
+          <a:stretch>
+            <a:fillRect/>
+          </a:stretch>
+        </p:blipFill>
+        <p:spPr>
+          <a:xfrm>
+            <a:off x="7453696" y="16958625"/>
+            <a:ext cx="723900" cy="1085850"/>
+          </a:xfrm>
+          <a:prstGeom prst="rect">
+            <a:avLst/>
+          </a:prstGeom>
+        </p:spPr>
+      </p:pic>
+      <p:pic>
+        <p:nvPicPr>
+          <p:cNvPr id="38" name="Picture 37"/>
+          <p:cNvPicPr>
+            <a:picLocks noChangeAspect="1"/>
+          </p:cNvPicPr>
+          <p:nvPr/>
+        </p:nvPicPr>
+        <p:blipFill>
+          <a:blip r:embed="rId39">
+            <a:extLst>
+              <a:ext uri="{28A0092B-C50C-407E-A947-70E740481C1C}">
+                <a14:useLocalDpi xmlns:a14="http://schemas.microsoft.com/office/drawing/2010/main" val="0"/>
+              </a:ext>
+            </a:extLst>
+          </a:blip>
+          <a:stretch>
+            <a:fillRect/>
+          </a:stretch>
+        </p:blipFill>
+        <p:spPr>
+          <a:xfrm>
+            <a:off x="4215569" y="10460436"/>
+            <a:ext cx="943835" cy="943835"/>
+          </a:xfrm>
+          <a:prstGeom prst="rect">
+            <a:avLst/>
+          </a:prstGeom>
+        </p:spPr>
+      </p:pic>
+      <p:pic>
+        <p:nvPicPr>
+          <p:cNvPr id="39" name="Picture 38"/>
+          <p:cNvPicPr>
+            <a:picLocks noChangeAspect="1"/>
+          </p:cNvPicPr>
+          <p:nvPr/>
+        </p:nvPicPr>
+        <p:blipFill>
+          <a:blip r:embed="rId40">
+            <a:extLst>
+              <a:ext uri="{28A0092B-C50C-407E-A947-70E740481C1C}">
+                <a14:useLocalDpi xmlns:a14="http://schemas.microsoft.com/office/drawing/2010/main" val="0"/>
+              </a:ext>
+            </a:extLst>
+          </a:blip>
+          <a:stretch>
+            <a:fillRect/>
+          </a:stretch>
+        </p:blipFill>
+        <p:spPr>
+          <a:xfrm>
+            <a:off x="7204445" y="10465909"/>
+            <a:ext cx="932889" cy="932889"/>
+          </a:xfrm>
+          <a:prstGeom prst="rect">
+            <a:avLst/>
+          </a:prstGeom>
+        </p:spPr>
+      </p:pic>
+      <p:pic>
+        <p:nvPicPr>
+          <p:cNvPr id="40" name="Picture 39"/>
+          <p:cNvPicPr>
+            <a:picLocks noChangeAspect="1"/>
+          </p:cNvPicPr>
+          <p:nvPr/>
+        </p:nvPicPr>
+        <p:blipFill>
+          <a:blip r:embed="rId41">
+            <a:extLst>
+              <a:ext uri="{28A0092B-C50C-407E-A947-70E740481C1C}">
+                <a14:useLocalDpi xmlns:a14="http://schemas.microsoft.com/office/drawing/2010/main" val="0"/>
+              </a:ext>
+            </a:extLst>
+          </a:blip>
+          <a:stretch>
+            <a:fillRect/>
+          </a:stretch>
+        </p:blipFill>
+        <p:spPr>
+          <a:xfrm>
+            <a:off x="7196744" y="12327209"/>
+            <a:ext cx="948290" cy="840937"/>
+          </a:xfrm>
+          <a:prstGeom prst="rect">
+            <a:avLst/>
+          </a:prstGeom>
+        </p:spPr>
+      </p:pic>
+      <p:sp>
+        <p:nvSpPr>
+          <p:cNvPr id="45" name="TextBox 44"/>
+          <p:cNvSpPr txBox="1"/>
+          <p:nvPr/>
+        </p:nvSpPr>
+        <p:spPr>
+          <a:xfrm>
+            <a:off x="6957017" y="11617253"/>
+            <a:ext cx="535724" cy="276999"/>
+          </a:xfrm>
+          <a:prstGeom prst="rect">
+            <a:avLst/>
+          </a:prstGeom>
+          <a:noFill/>
+        </p:spPr>
+        <p:txBody>
+          <a:bodyPr wrap="none" rtlCol="0">
+            <a:spAutoFit/>
+          </a:bodyPr>
+          <a:lstStyle/>
+          <a:p>
+            <a:r>
+              <a:rPr lang="en-US" sz="1200" dirty="0" smtClean="0"/>
+              <a:t>crop</a:t>
+            </a:r>
+            <a:endParaRPr lang="en-US" sz="1200" dirty="0"/>
+          </a:p>
+        </p:txBody>
+      </p:sp>
+      <p:grpSp>
+        <p:nvGrpSpPr>
+          <p:cNvPr id="60" name="Group 59"/>
+          <p:cNvGrpSpPr/>
+          <p:nvPr/>
+        </p:nvGrpSpPr>
+        <p:grpSpPr>
+          <a:xfrm>
+            <a:off x="4132070" y="12117545"/>
+            <a:ext cx="1218687" cy="1197880"/>
+            <a:chOff x="4132070" y="12117545"/>
+            <a:chExt cx="1218687" cy="1197880"/>
+          </a:xfrm>
+        </p:grpSpPr>
+        <p:sp>
+          <p:nvSpPr>
+            <p:cNvPr id="59" name="Rectangle 58"/>
+            <p:cNvSpPr/>
+            <p:nvPr/>
+          </p:nvSpPr>
+          <p:spPr>
+            <a:xfrm>
+              <a:off x="4132070" y="12117545"/>
+              <a:ext cx="1218687" cy="1197880"/>
+            </a:xfrm>
+            <a:prstGeom prst="rect">
+              <a:avLst/>
+            </a:prstGeom>
+          </p:spPr>
+          <p:style>
+            <a:lnRef idx="2">
+              <a:schemeClr val="dk1">
+                <a:shade val="50000"/>
+              </a:schemeClr>
+            </a:lnRef>
+            <a:fillRef idx="1">
+              <a:schemeClr val="dk1"/>
+            </a:fillRef>
+            <a:effectRef idx="0">
+              <a:schemeClr val="dk1"/>
+            </a:effectRef>
+            <a:fontRef idx="minor">
+              <a:schemeClr val="lt1"/>
+            </a:fontRef>
+          </p:style>
+          <p:txBody>
+            <a:bodyPr rtlCol="0" anchor="ctr"/>
+            <a:lstStyle/>
+            <a:p>
+              <a:pPr algn="ctr"/>
+              <a:endParaRPr lang="en-US"/>
+            </a:p>
+          </p:txBody>
+        </p:sp>
+        <p:pic>
+          <p:nvPicPr>
+            <p:cNvPr id="106" name="Picture 105"/>
+            <p:cNvPicPr>
+              <a:picLocks noChangeAspect="1"/>
+            </p:cNvPicPr>
+            <p:nvPr/>
+          </p:nvPicPr>
+          <p:blipFill>
+            <a:blip r:embed="rId41">
+              <a:extLst>
+                <a:ext uri="{28A0092B-C50C-407E-A947-70E740481C1C}">
+                  <a14:useLocalDpi xmlns:a14="http://schemas.microsoft.com/office/drawing/2010/main" val="0"/>
+                </a:ext>
+              </a:extLst>
+            </a:blip>
+            <a:stretch>
+              <a:fillRect/>
+            </a:stretch>
+          </p:blipFill>
+          <p:spPr>
+            <a:xfrm>
+              <a:off x="4269346" y="12296469"/>
+              <a:ext cx="948290" cy="840937"/>
+            </a:xfrm>
+            <a:prstGeom prst="rect">
+              <a:avLst/>
+            </a:prstGeom>
+          </p:spPr>
+        </p:pic>
+      </p:grpSp>
+      <p:sp>
+        <p:nvSpPr>
+          <p:cNvPr id="61" name="TextBox 60"/>
+          <p:cNvSpPr txBox="1"/>
+          <p:nvPr/>
+        </p:nvSpPr>
+        <p:spPr>
+          <a:xfrm>
+            <a:off x="4272087" y="18313717"/>
+            <a:ext cx="1072730" cy="400110"/>
+          </a:xfrm>
+          <a:prstGeom prst="rect">
+            <a:avLst/>
+          </a:prstGeom>
+          <a:noFill/>
+        </p:spPr>
+        <p:txBody>
+          <a:bodyPr wrap="none" rtlCol="0">
+            <a:spAutoFit/>
+          </a:bodyPr>
+          <a:lstStyle/>
+          <a:p>
+            <a:r>
+              <a:rPr lang="en-US" sz="2000" dirty="0" smtClean="0"/>
+              <a:t>\alpha</a:t>
+            </a:r>
+            <a:endParaRPr lang="en-US" sz="2000" dirty="0"/>
+          </a:p>
+        </p:txBody>
+      </p:sp>
+      <p:sp>
+        <p:nvSpPr>
+          <p:cNvPr id="116" name="TextBox 115"/>
+          <p:cNvSpPr txBox="1"/>
+          <p:nvPr/>
+        </p:nvSpPr>
+        <p:spPr>
+          <a:xfrm>
+            <a:off x="6044233" y="18313717"/>
+            <a:ext cx="340158" cy="400110"/>
+          </a:xfrm>
+          <a:prstGeom prst="rect">
+            <a:avLst/>
+          </a:prstGeom>
+          <a:noFill/>
+        </p:spPr>
+        <p:txBody>
+          <a:bodyPr wrap="none" rtlCol="0">
+            <a:spAutoFit/>
+          </a:bodyPr>
+          <a:lstStyle/>
+          <a:p>
+            <a:r>
+              <a:rPr lang="en-US" sz="2000" dirty="0" smtClean="0"/>
+              <a:t>+</a:t>
+            </a:r>
+            <a:endParaRPr lang="en-US" sz="2000" dirty="0"/>
+          </a:p>
+        </p:txBody>
+      </p:sp>
+      <p:sp>
+        <p:nvSpPr>
+          <p:cNvPr id="117" name="TextBox 116"/>
+          <p:cNvSpPr txBox="1"/>
+          <p:nvPr/>
+        </p:nvSpPr>
+        <p:spPr>
+          <a:xfrm>
+            <a:off x="7359620" y="18313717"/>
+            <a:ext cx="942887" cy="400110"/>
+          </a:xfrm>
+          <a:prstGeom prst="rect">
+            <a:avLst/>
+          </a:prstGeom>
+          <a:noFill/>
+        </p:spPr>
+        <p:txBody>
+          <a:bodyPr wrap="none" rtlCol="0">
+            <a:spAutoFit/>
+          </a:bodyPr>
+          <a:lstStyle/>
+          <a:p>
+            <a:r>
+              <a:rPr lang="en-US" sz="2000" dirty="0" smtClean="0"/>
+              <a:t>\beta</a:t>
+            </a:r>
+            <a:endParaRPr lang="en-US" sz="2000" dirty="0"/>
+          </a:p>
+        </p:txBody>
+      </p:sp>
+      <p:cxnSp>
+        <p:nvCxnSpPr>
+          <p:cNvPr id="67" name="Straight Connector 66"/>
+          <p:cNvCxnSpPr/>
+          <p:nvPr/>
+        </p:nvCxnSpPr>
+        <p:spPr>
+          <a:xfrm>
+            <a:off x="4215569" y="18163462"/>
+            <a:ext cx="4053106" cy="0"/>
+          </a:xfrm>
+          <a:prstGeom prst="line">
+            <a:avLst/>
+          </a:prstGeom>
+          <a:ln w="57150">
+            <a:solidFill>
+              <a:schemeClr val="tx1"/>
+            </a:solidFill>
+          </a:ln>
+        </p:spPr>
+        <p:style>
+          <a:lnRef idx="1">
+            <a:schemeClr val="dk1"/>
+          </a:lnRef>
+          <a:fillRef idx="0">
+            <a:schemeClr val="dk1"/>
+          </a:fillRef>
+          <a:effectRef idx="0">
+            <a:schemeClr val="dk1"/>
+          </a:effectRef>
+          <a:fontRef idx="minor">
+            <a:schemeClr val="tx1"/>
+          </a:fontRef>
+        </p:style>
+      </p:cxnSp>
     </p:spTree>
     <p:extLst>
       <p:ext uri="{BB962C8B-B14F-4D97-AF65-F5344CB8AC3E}">
